--- a/figures/Mobile.pptx
+++ b/figures/Mobile.pptx
@@ -4,13 +4,17 @@
   <p:sldMasterIdLst>
     <p:sldMasterId id="2147483648" r:id="rId1"/>
   </p:sldMasterIdLst>
+  <p:notesMasterIdLst>
+    <p:notesMasterId r:id="rId6"/>
+  </p:notesMasterIdLst>
   <p:handoutMasterIdLst>
-    <p:handoutMasterId r:id="rId5"/>
+    <p:handoutMasterId r:id="rId7"/>
   </p:handoutMasterIdLst>
   <p:sldIdLst>
     <p:sldId id="265" r:id="rId2"/>
-    <p:sldId id="267" r:id="rId3"/>
-    <p:sldId id="266" r:id="rId4"/>
+    <p:sldId id="268" r:id="rId3"/>
+    <p:sldId id="267" r:id="rId4"/>
+    <p:sldId id="266" r:id="rId5"/>
   </p:sldIdLst>
   <p:sldSz cx="12192000" cy="6858000"/>
   <p:notesSz cx="6858000" cy="9144000"/>
@@ -809,11 +813,11 @@
           <c:showPercent val="0"/>
           <c:showBubbleSize val="0"/>
         </c:dLbls>
-        <c:axId val="2139253168"/>
-        <c:axId val="-2008087840"/>
+        <c:axId val="-2012080336"/>
+        <c:axId val="-2009890688"/>
       </c:scatterChart>
       <c:valAx>
-        <c:axId val="2139253168"/>
+        <c:axId val="-2012080336"/>
         <c:scaling>
           <c:orientation val="minMax"/>
           <c:max val="1.0"/>
@@ -846,7 +850,6 @@
               </a:p>
             </c:rich>
           </c:tx>
-          <c:layout/>
           <c:overlay val="0"/>
           <c:spPr>
             <a:noFill/>
@@ -913,12 +916,12 @@
             <a:endParaRPr lang="en-US"/>
           </a:p>
         </c:txPr>
-        <c:crossAx val="-2008087840"/>
+        <c:crossAx val="-2009890688"/>
         <c:crosses val="autoZero"/>
         <c:crossBetween val="midCat"/>
       </c:valAx>
       <c:valAx>
-        <c:axId val="-2008087840"/>
+        <c:axId val="-2009890688"/>
         <c:scaling>
           <c:orientation val="minMax"/>
           <c:max val="1.0"/>
@@ -965,7 +968,6 @@
               </a:p>
             </c:rich>
           </c:tx>
-          <c:layout/>
           <c:overlay val="0"/>
           <c:spPr>
             <a:noFill/>
@@ -1032,7 +1034,7 @@
             <a:endParaRPr lang="en-US"/>
           </a:p>
         </c:txPr>
-        <c:crossAx val="2139253168"/>
+        <c:crossAx val="-2012080336"/>
         <c:crosses val="autoZero"/>
         <c:crossBetween val="midCat"/>
         <c:majorUnit val="0.2"/>
@@ -1047,7 +1049,6 @@
     </c:plotArea>
     <c:legend>
       <c:legendPos val="t"/>
-      <c:layout/>
       <c:overlay val="0"/>
       <c:spPr>
         <a:noFill/>
@@ -1789,6 +1790,440 @@
   </p:cSld>
   <p:clrMap bg1="lt1" tx1="dk1" bg2="lt2" tx2="dk2" accent1="accent1" accent2="accent2" accent3="accent3" accent4="accent4" accent5="accent5" accent6="accent6" hlink="hlink" folHlink="folHlink"/>
 </p:handoutMaster>
+</file>
+
+<file path=ppt/notesMasters/notesMaster1.xml><?xml version="1.0" encoding="utf-8"?>
+<p:notesMaster xmlns:a="http://schemas.openxmlformats.org/drawingml/2006/main" xmlns:r="http://schemas.openxmlformats.org/officeDocument/2006/relationships" xmlns:p="http://schemas.openxmlformats.org/presentationml/2006/main">
+  <p:cSld>
+    <p:bg>
+      <p:bgRef idx="1001">
+        <a:schemeClr val="bg1"/>
+      </p:bgRef>
+    </p:bg>
+    <p:spTree>
+      <p:nvGrpSpPr>
+        <p:cNvPr id="1" name=""/>
+        <p:cNvGrpSpPr/>
+        <p:nvPr/>
+      </p:nvGrpSpPr>
+      <p:grpSpPr>
+        <a:xfrm>
+          <a:off x="0" y="0"/>
+          <a:ext cx="0" cy="0"/>
+          <a:chOff x="0" y="0"/>
+          <a:chExt cx="0" cy="0"/>
+        </a:xfrm>
+      </p:grpSpPr>
+      <p:sp>
+        <p:nvSpPr>
+          <p:cNvPr id="2" name="Header Placeholder 1"/>
+          <p:cNvSpPr>
+            <a:spLocks noGrp="1"/>
+          </p:cNvSpPr>
+          <p:nvPr>
+            <p:ph type="hdr" sz="quarter"/>
+          </p:nvPr>
+        </p:nvSpPr>
+        <p:spPr>
+          <a:xfrm>
+            <a:off x="0" y="0"/>
+            <a:ext cx="2971800" cy="458788"/>
+          </a:xfrm>
+          <a:prstGeom prst="rect">
+            <a:avLst/>
+          </a:prstGeom>
+        </p:spPr>
+        <p:txBody>
+          <a:bodyPr vert="horz" lIns="91440" tIns="45720" rIns="91440" bIns="45720" rtlCol="0"/>
+          <a:lstStyle>
+            <a:lvl1pPr algn="l">
+              <a:defRPr sz="1200"/>
+            </a:lvl1pPr>
+          </a:lstStyle>
+          <a:p>
+            <a:endParaRPr lang="en-US"/>
+          </a:p>
+        </p:txBody>
+      </p:sp>
+      <p:sp>
+        <p:nvSpPr>
+          <p:cNvPr id="3" name="Date Placeholder 2"/>
+          <p:cNvSpPr>
+            <a:spLocks noGrp="1"/>
+          </p:cNvSpPr>
+          <p:nvPr>
+            <p:ph type="dt" idx="1"/>
+          </p:nvPr>
+        </p:nvSpPr>
+        <p:spPr>
+          <a:xfrm>
+            <a:off x="3884613" y="0"/>
+            <a:ext cx="2971800" cy="458788"/>
+          </a:xfrm>
+          <a:prstGeom prst="rect">
+            <a:avLst/>
+          </a:prstGeom>
+        </p:spPr>
+        <p:txBody>
+          <a:bodyPr vert="horz" lIns="91440" tIns="45720" rIns="91440" bIns="45720" rtlCol="0"/>
+          <a:lstStyle>
+            <a:lvl1pPr algn="r">
+              <a:defRPr sz="1200"/>
+            </a:lvl1pPr>
+          </a:lstStyle>
+          <a:p>
+            <a:fld id="{0E60AAAF-0F6B-A244-8E73-7B7EC66BDA58}" type="datetimeFigureOut">
+              <a:rPr lang="en-US" smtClean="0"/>
+              <a:t>8/12/16</a:t>
+            </a:fld>
+            <a:endParaRPr lang="en-US"/>
+          </a:p>
+        </p:txBody>
+      </p:sp>
+      <p:sp>
+        <p:nvSpPr>
+          <p:cNvPr id="4" name="Slide Image Placeholder 3"/>
+          <p:cNvSpPr>
+            <a:spLocks noGrp="1" noRot="1" noChangeAspect="1"/>
+          </p:cNvSpPr>
+          <p:nvPr>
+            <p:ph type="sldImg" idx="2"/>
+          </p:nvPr>
+        </p:nvSpPr>
+        <p:spPr>
+          <a:xfrm>
+            <a:off x="685800" y="1143000"/>
+            <a:ext cx="5486400" cy="3086100"/>
+          </a:xfrm>
+          <a:prstGeom prst="rect">
+            <a:avLst/>
+          </a:prstGeom>
+          <a:noFill/>
+          <a:ln w="12700">
+            <a:solidFill>
+              <a:prstClr val="black"/>
+            </a:solidFill>
+          </a:ln>
+        </p:spPr>
+        <p:txBody>
+          <a:bodyPr vert="horz" lIns="91440" tIns="45720" rIns="91440" bIns="45720" rtlCol="0" anchor="ctr"/>
+          <a:lstStyle/>
+          <a:p>
+            <a:endParaRPr lang="en-US"/>
+          </a:p>
+        </p:txBody>
+      </p:sp>
+      <p:sp>
+        <p:nvSpPr>
+          <p:cNvPr id="5" name="Notes Placeholder 4"/>
+          <p:cNvSpPr>
+            <a:spLocks noGrp="1"/>
+          </p:cNvSpPr>
+          <p:nvPr>
+            <p:ph type="body" sz="quarter" idx="3"/>
+          </p:nvPr>
+        </p:nvSpPr>
+        <p:spPr>
+          <a:xfrm>
+            <a:off x="685800" y="4400550"/>
+            <a:ext cx="5486400" cy="3600450"/>
+          </a:xfrm>
+          <a:prstGeom prst="rect">
+            <a:avLst/>
+          </a:prstGeom>
+        </p:spPr>
+        <p:txBody>
+          <a:bodyPr vert="horz" lIns="91440" tIns="45720" rIns="91440" bIns="45720" rtlCol="0"/>
+          <a:lstStyle/>
+          <a:p>
+            <a:pPr lvl="0"/>
+            <a:r>
+              <a:rPr lang="en-US" smtClean="0"/>
+              <a:t>Click to edit Master text styles</a:t>
+            </a:r>
+          </a:p>
+          <a:p>
+            <a:pPr lvl="1"/>
+            <a:r>
+              <a:rPr lang="en-US" smtClean="0"/>
+              <a:t>Second level</a:t>
+            </a:r>
+          </a:p>
+          <a:p>
+            <a:pPr lvl="2"/>
+            <a:r>
+              <a:rPr lang="en-US" smtClean="0"/>
+              <a:t>Third level</a:t>
+            </a:r>
+          </a:p>
+          <a:p>
+            <a:pPr lvl="3"/>
+            <a:r>
+              <a:rPr lang="en-US" smtClean="0"/>
+              <a:t>Fourth level</a:t>
+            </a:r>
+          </a:p>
+          <a:p>
+            <a:pPr lvl="4"/>
+            <a:r>
+              <a:rPr lang="en-US" smtClean="0"/>
+              <a:t>Fifth level</a:t>
+            </a:r>
+            <a:endParaRPr lang="en-US"/>
+          </a:p>
+        </p:txBody>
+      </p:sp>
+      <p:sp>
+        <p:nvSpPr>
+          <p:cNvPr id="6" name="Footer Placeholder 5"/>
+          <p:cNvSpPr>
+            <a:spLocks noGrp="1"/>
+          </p:cNvSpPr>
+          <p:nvPr>
+            <p:ph type="ftr" sz="quarter" idx="4"/>
+          </p:nvPr>
+        </p:nvSpPr>
+        <p:spPr>
+          <a:xfrm>
+            <a:off x="0" y="8685213"/>
+            <a:ext cx="2971800" cy="458787"/>
+          </a:xfrm>
+          <a:prstGeom prst="rect">
+            <a:avLst/>
+          </a:prstGeom>
+        </p:spPr>
+        <p:txBody>
+          <a:bodyPr vert="horz" lIns="91440" tIns="45720" rIns="91440" bIns="45720" rtlCol="0" anchor="b"/>
+          <a:lstStyle>
+            <a:lvl1pPr algn="l">
+              <a:defRPr sz="1200"/>
+            </a:lvl1pPr>
+          </a:lstStyle>
+          <a:p>
+            <a:endParaRPr lang="en-US"/>
+          </a:p>
+        </p:txBody>
+      </p:sp>
+      <p:sp>
+        <p:nvSpPr>
+          <p:cNvPr id="7" name="Slide Number Placeholder 6"/>
+          <p:cNvSpPr>
+            <a:spLocks noGrp="1"/>
+          </p:cNvSpPr>
+          <p:nvPr>
+            <p:ph type="sldNum" sz="quarter" idx="5"/>
+          </p:nvPr>
+        </p:nvSpPr>
+        <p:spPr>
+          <a:xfrm>
+            <a:off x="3884613" y="8685213"/>
+            <a:ext cx="2971800" cy="458787"/>
+          </a:xfrm>
+          <a:prstGeom prst="rect">
+            <a:avLst/>
+          </a:prstGeom>
+        </p:spPr>
+        <p:txBody>
+          <a:bodyPr vert="horz" lIns="91440" tIns="45720" rIns="91440" bIns="45720" rtlCol="0" anchor="b"/>
+          <a:lstStyle>
+            <a:lvl1pPr algn="r">
+              <a:defRPr sz="1200"/>
+            </a:lvl1pPr>
+          </a:lstStyle>
+          <a:p>
+            <a:fld id="{D5251F37-DF1B-9741-A046-208B77BF744A}" type="slidenum">
+              <a:rPr lang="en-US" smtClean="0"/>
+              <a:t>‹#›</a:t>
+            </a:fld>
+            <a:endParaRPr lang="en-US"/>
+          </a:p>
+        </p:txBody>
+      </p:sp>
+    </p:spTree>
+    <p:extLst>
+      <p:ext uri="{BB962C8B-B14F-4D97-AF65-F5344CB8AC3E}">
+        <p14:creationId xmlns:p14="http://schemas.microsoft.com/office/powerpoint/2010/main" val="1716010919"/>
+      </p:ext>
+    </p:extLst>
+  </p:cSld>
+  <p:clrMap bg1="lt1" tx1="dk1" bg2="lt2" tx2="dk2" accent1="accent1" accent2="accent2" accent3="accent3" accent4="accent4" accent5="accent5" accent6="accent6" hlink="hlink" folHlink="folHlink"/>
+  <p:notesStyle>
+    <a:lvl1pPr marL="0" algn="l" defTabSz="914400" rtl="0" eaLnBrk="1" latinLnBrk="0" hangingPunct="1">
+      <a:defRPr sz="1200" kern="1200">
+        <a:solidFill>
+          <a:schemeClr val="tx1"/>
+        </a:solidFill>
+        <a:latin typeface="+mn-lt"/>
+        <a:ea typeface="+mn-ea"/>
+        <a:cs typeface="+mn-cs"/>
+      </a:defRPr>
+    </a:lvl1pPr>
+    <a:lvl2pPr marL="457200" algn="l" defTabSz="914400" rtl="0" eaLnBrk="1" latinLnBrk="0" hangingPunct="1">
+      <a:defRPr sz="1200" kern="1200">
+        <a:solidFill>
+          <a:schemeClr val="tx1"/>
+        </a:solidFill>
+        <a:latin typeface="+mn-lt"/>
+        <a:ea typeface="+mn-ea"/>
+        <a:cs typeface="+mn-cs"/>
+      </a:defRPr>
+    </a:lvl2pPr>
+    <a:lvl3pPr marL="914400" algn="l" defTabSz="914400" rtl="0" eaLnBrk="1" latinLnBrk="0" hangingPunct="1">
+      <a:defRPr sz="1200" kern="1200">
+        <a:solidFill>
+          <a:schemeClr val="tx1"/>
+        </a:solidFill>
+        <a:latin typeface="+mn-lt"/>
+        <a:ea typeface="+mn-ea"/>
+        <a:cs typeface="+mn-cs"/>
+      </a:defRPr>
+    </a:lvl3pPr>
+    <a:lvl4pPr marL="1371600" algn="l" defTabSz="914400" rtl="0" eaLnBrk="1" latinLnBrk="0" hangingPunct="1">
+      <a:defRPr sz="1200" kern="1200">
+        <a:solidFill>
+          <a:schemeClr val="tx1"/>
+        </a:solidFill>
+        <a:latin typeface="+mn-lt"/>
+        <a:ea typeface="+mn-ea"/>
+        <a:cs typeface="+mn-cs"/>
+      </a:defRPr>
+    </a:lvl4pPr>
+    <a:lvl5pPr marL="1828800" algn="l" defTabSz="914400" rtl="0" eaLnBrk="1" latinLnBrk="0" hangingPunct="1">
+      <a:defRPr sz="1200" kern="1200">
+        <a:solidFill>
+          <a:schemeClr val="tx1"/>
+        </a:solidFill>
+        <a:latin typeface="+mn-lt"/>
+        <a:ea typeface="+mn-ea"/>
+        <a:cs typeface="+mn-cs"/>
+      </a:defRPr>
+    </a:lvl5pPr>
+    <a:lvl6pPr marL="2286000" algn="l" defTabSz="914400" rtl="0" eaLnBrk="1" latinLnBrk="0" hangingPunct="1">
+      <a:defRPr sz="1200" kern="1200">
+        <a:solidFill>
+          <a:schemeClr val="tx1"/>
+        </a:solidFill>
+        <a:latin typeface="+mn-lt"/>
+        <a:ea typeface="+mn-ea"/>
+        <a:cs typeface="+mn-cs"/>
+      </a:defRPr>
+    </a:lvl6pPr>
+    <a:lvl7pPr marL="2743200" algn="l" defTabSz="914400" rtl="0" eaLnBrk="1" latinLnBrk="0" hangingPunct="1">
+      <a:defRPr sz="1200" kern="1200">
+        <a:solidFill>
+          <a:schemeClr val="tx1"/>
+        </a:solidFill>
+        <a:latin typeface="+mn-lt"/>
+        <a:ea typeface="+mn-ea"/>
+        <a:cs typeface="+mn-cs"/>
+      </a:defRPr>
+    </a:lvl7pPr>
+    <a:lvl8pPr marL="3200400" algn="l" defTabSz="914400" rtl="0" eaLnBrk="1" latinLnBrk="0" hangingPunct="1">
+      <a:defRPr sz="1200" kern="1200">
+        <a:solidFill>
+          <a:schemeClr val="tx1"/>
+        </a:solidFill>
+        <a:latin typeface="+mn-lt"/>
+        <a:ea typeface="+mn-ea"/>
+        <a:cs typeface="+mn-cs"/>
+      </a:defRPr>
+    </a:lvl8pPr>
+    <a:lvl9pPr marL="3657600" algn="l" defTabSz="914400" rtl="0" eaLnBrk="1" latinLnBrk="0" hangingPunct="1">
+      <a:defRPr sz="1200" kern="1200">
+        <a:solidFill>
+          <a:schemeClr val="tx1"/>
+        </a:solidFill>
+        <a:latin typeface="+mn-lt"/>
+        <a:ea typeface="+mn-ea"/>
+        <a:cs typeface="+mn-cs"/>
+      </a:defRPr>
+    </a:lvl9pPr>
+  </p:notesStyle>
+</p:notesMaster>
+</file>
+
+<file path=ppt/notesSlides/notesSlide1.xml><?xml version="1.0" encoding="utf-8"?>
+<p:notes xmlns:a="http://schemas.openxmlformats.org/drawingml/2006/main" xmlns:r="http://schemas.openxmlformats.org/officeDocument/2006/relationships" xmlns:p="http://schemas.openxmlformats.org/presentationml/2006/main">
+  <p:cSld>
+    <p:spTree>
+      <p:nvGrpSpPr>
+        <p:cNvPr id="1" name=""/>
+        <p:cNvGrpSpPr/>
+        <p:nvPr/>
+      </p:nvGrpSpPr>
+      <p:grpSpPr>
+        <a:xfrm>
+          <a:off x="0" y="0"/>
+          <a:ext cx="0" cy="0"/>
+          <a:chOff x="0" y="0"/>
+          <a:chExt cx="0" cy="0"/>
+        </a:xfrm>
+      </p:grpSpPr>
+      <p:sp>
+        <p:nvSpPr>
+          <p:cNvPr id="2" name="Slide Image Placeholder 1"/>
+          <p:cNvSpPr>
+            <a:spLocks noGrp="1" noRot="1" noChangeAspect="1"/>
+          </p:cNvSpPr>
+          <p:nvPr>
+            <p:ph type="sldImg"/>
+          </p:nvPr>
+        </p:nvSpPr>
+        <p:spPr/>
+      </p:sp>
+      <p:sp>
+        <p:nvSpPr>
+          <p:cNvPr id="3" name="Notes Placeholder 2"/>
+          <p:cNvSpPr>
+            <a:spLocks noGrp="1"/>
+          </p:cNvSpPr>
+          <p:nvPr>
+            <p:ph type="body" idx="1"/>
+          </p:nvPr>
+        </p:nvSpPr>
+        <p:spPr/>
+        <p:txBody>
+          <a:bodyPr/>
+          <a:lstStyle/>
+          <a:p>
+            <a:endParaRPr lang="en-US" dirty="0"/>
+          </a:p>
+        </p:txBody>
+      </p:sp>
+      <p:sp>
+        <p:nvSpPr>
+          <p:cNvPr id="4" name="Slide Number Placeholder 3"/>
+          <p:cNvSpPr>
+            <a:spLocks noGrp="1"/>
+          </p:cNvSpPr>
+          <p:nvPr>
+            <p:ph type="sldNum" sz="quarter" idx="10"/>
+          </p:nvPr>
+        </p:nvSpPr>
+        <p:spPr/>
+        <p:txBody>
+          <a:bodyPr/>
+          <a:lstStyle/>
+          <a:p>
+            <a:fld id="{D5251F37-DF1B-9741-A046-208B77BF744A}" type="slidenum">
+              <a:rPr lang="en-US" smtClean="0"/>
+              <a:t>2</a:t>
+            </a:fld>
+            <a:endParaRPr lang="en-US"/>
+          </a:p>
+        </p:txBody>
+      </p:sp>
+    </p:spTree>
+    <p:extLst>
+      <p:ext uri="{BB962C8B-B14F-4D97-AF65-F5344CB8AC3E}">
+        <p14:creationId xmlns:p14="http://schemas.microsoft.com/office/powerpoint/2010/main" val="290136423"/>
+      </p:ext>
+    </p:extLst>
+  </p:cSld>
+  <p:clrMapOvr>
+    <a:masterClrMapping/>
+  </p:clrMapOvr>
+</p:notes>
 </file>
 
 <file path=ppt/slideLayouts/slideLayout1.xml><?xml version="1.0" encoding="utf-8"?>
@@ -12572,6 +13007,7951 @@
       </p:grpSpPr>
       <p:grpSp>
         <p:nvGrpSpPr>
+          <p:cNvPr id="279" name="Group 278"/>
+          <p:cNvGrpSpPr/>
+          <p:nvPr/>
+        </p:nvGrpSpPr>
+        <p:grpSpPr>
+          <a:xfrm>
+            <a:off x="2290564" y="-696263"/>
+            <a:ext cx="7950280" cy="8940526"/>
+            <a:chOff x="2290564" y="-696263"/>
+            <a:chExt cx="7950280" cy="8940526"/>
+          </a:xfrm>
+        </p:grpSpPr>
+        <p:grpSp>
+          <p:nvGrpSpPr>
+            <p:cNvPr id="35" name="Group 34"/>
+            <p:cNvGrpSpPr/>
+            <p:nvPr/>
+          </p:nvGrpSpPr>
+          <p:grpSpPr>
+            <a:xfrm>
+              <a:off x="5773457" y="2494874"/>
+              <a:ext cx="1125098" cy="2394338"/>
+              <a:chOff x="2510319" y="2640458"/>
+              <a:chExt cx="503434" cy="1031630"/>
+            </a:xfrm>
+            <a:effectLst>
+              <a:outerShdw blurRad="50800" dist="50800" dir="5400000" algn="ctr" rotWithShape="0">
+                <a:srgbClr val="000000">
+                  <a:alpha val="0"/>
+                </a:srgbClr>
+              </a:outerShdw>
+            </a:effectLst>
+          </p:grpSpPr>
+          <p:sp>
+            <p:nvSpPr>
+              <p:cNvPr id="36" name="Rounded Rectangle 35"/>
+              <p:cNvSpPr/>
+              <p:nvPr/>
+            </p:nvSpPr>
+            <p:spPr>
+              <a:xfrm>
+                <a:off x="2510319" y="2640458"/>
+                <a:ext cx="503434" cy="1031630"/>
+              </a:xfrm>
+              <a:prstGeom prst="roundRect">
+                <a:avLst/>
+              </a:prstGeom>
+              <a:solidFill>
+                <a:schemeClr val="accent4">
+                  <a:lumMod val="20000"/>
+                  <a:lumOff val="80000"/>
+                </a:schemeClr>
+              </a:solidFill>
+              <a:ln w="1270" cmpd="thickThin">
+                <a:solidFill>
+                  <a:schemeClr val="accent1">
+                    <a:shade val="50000"/>
+                    <a:alpha val="62000"/>
+                  </a:schemeClr>
+                </a:solidFill>
+                <a:prstDash val="solid"/>
+              </a:ln>
+            </p:spPr>
+            <p:style>
+              <a:lnRef idx="2">
+                <a:schemeClr val="accent1">
+                  <a:shade val="50000"/>
+                </a:schemeClr>
+              </a:lnRef>
+              <a:fillRef idx="1">
+                <a:schemeClr val="accent1"/>
+              </a:fillRef>
+              <a:effectRef idx="0">
+                <a:schemeClr val="accent1"/>
+              </a:effectRef>
+              <a:fontRef idx="minor">
+                <a:schemeClr val="lt1"/>
+              </a:fontRef>
+            </p:style>
+            <p:txBody>
+              <a:bodyPr rtlCol="0" anchor="ctr"/>
+              <a:lstStyle/>
+              <a:p>
+                <a:pPr algn="ctr"/>
+                <a:endParaRPr lang="en-US" sz="1400"/>
+              </a:p>
+            </p:txBody>
+          </p:sp>
+          <p:sp>
+            <p:nvSpPr>
+              <p:cNvPr id="37" name="Rectangle 36"/>
+              <p:cNvSpPr/>
+              <p:nvPr/>
+            </p:nvSpPr>
+            <p:spPr>
+              <a:xfrm>
+                <a:off x="2539054" y="2724291"/>
+                <a:ext cx="447994" cy="834620"/>
+              </a:xfrm>
+              <a:prstGeom prst="rect">
+                <a:avLst/>
+              </a:prstGeom>
+              <a:gradFill flip="none" rotWithShape="1">
+                <a:gsLst>
+                  <a:gs pos="0">
+                    <a:schemeClr val="accent1">
+                      <a:lumMod val="40000"/>
+                      <a:lumOff val="60000"/>
+                    </a:schemeClr>
+                  </a:gs>
+                  <a:gs pos="46000">
+                    <a:schemeClr val="accent1">
+                      <a:lumMod val="95000"/>
+                      <a:lumOff val="5000"/>
+                    </a:schemeClr>
+                  </a:gs>
+                  <a:gs pos="100000">
+                    <a:schemeClr val="accent1">
+                      <a:lumMod val="60000"/>
+                    </a:schemeClr>
+                  </a:gs>
+                </a:gsLst>
+                <a:path path="circle">
+                  <a:fillToRect l="50000" t="130000" r="50000" b="-30000"/>
+                </a:path>
+                <a:tileRect/>
+              </a:gradFill>
+              <a:ln>
+                <a:noFill/>
+              </a:ln>
+            </p:spPr>
+            <p:style>
+              <a:lnRef idx="2">
+                <a:schemeClr val="accent1">
+                  <a:shade val="50000"/>
+                </a:schemeClr>
+              </a:lnRef>
+              <a:fillRef idx="1">
+                <a:schemeClr val="accent1"/>
+              </a:fillRef>
+              <a:effectRef idx="0">
+                <a:schemeClr val="accent1"/>
+              </a:effectRef>
+              <a:fontRef idx="minor">
+                <a:schemeClr val="lt1"/>
+              </a:fontRef>
+            </p:style>
+            <p:txBody>
+              <a:bodyPr rtlCol="0" anchor="ctr"/>
+              <a:lstStyle/>
+              <a:p>
+                <a:pPr algn="ctr"/>
+                <a:endParaRPr lang="en-US" sz="1400"/>
+              </a:p>
+            </p:txBody>
+          </p:sp>
+          <p:sp>
+            <p:nvSpPr>
+              <p:cNvPr id="38" name="Rounded Rectangle 37"/>
+              <p:cNvSpPr/>
+              <p:nvPr/>
+            </p:nvSpPr>
+            <p:spPr>
+              <a:xfrm>
+                <a:off x="2737139" y="3589329"/>
+                <a:ext cx="54780" cy="45719"/>
+              </a:xfrm>
+              <a:prstGeom prst="roundRect">
+                <a:avLst/>
+              </a:prstGeom>
+              <a:solidFill>
+                <a:schemeClr val="accent5">
+                  <a:lumMod val="75000"/>
+                </a:schemeClr>
+              </a:solidFill>
+              <a:ln w="1270"/>
+            </p:spPr>
+            <p:style>
+              <a:lnRef idx="2">
+                <a:schemeClr val="accent1">
+                  <a:shade val="50000"/>
+                </a:schemeClr>
+              </a:lnRef>
+              <a:fillRef idx="1">
+                <a:schemeClr val="accent1"/>
+              </a:fillRef>
+              <a:effectRef idx="0">
+                <a:schemeClr val="accent1"/>
+              </a:effectRef>
+              <a:fontRef idx="minor">
+                <a:schemeClr val="lt1"/>
+              </a:fontRef>
+            </p:style>
+            <p:txBody>
+              <a:bodyPr rtlCol="0" anchor="ctr"/>
+              <a:lstStyle/>
+              <a:p>
+                <a:pPr algn="ctr"/>
+                <a:endParaRPr lang="en-US" sz="1400"/>
+              </a:p>
+            </p:txBody>
+          </p:sp>
+          <p:cxnSp>
+            <p:nvCxnSpPr>
+              <p:cNvPr id="39" name="Straight Connector 38"/>
+              <p:cNvCxnSpPr/>
+              <p:nvPr/>
+            </p:nvCxnSpPr>
+            <p:spPr>
+              <a:xfrm>
+                <a:off x="2727750" y="2693295"/>
+                <a:ext cx="66675" cy="1082"/>
+              </a:xfrm>
+              <a:prstGeom prst="line">
+                <a:avLst/>
+              </a:prstGeom>
+            </p:spPr>
+            <p:style>
+              <a:lnRef idx="1">
+                <a:schemeClr val="accent1"/>
+              </a:lnRef>
+              <a:fillRef idx="0">
+                <a:schemeClr val="accent1"/>
+              </a:fillRef>
+              <a:effectRef idx="0">
+                <a:schemeClr val="accent1"/>
+              </a:effectRef>
+              <a:fontRef idx="minor">
+                <a:schemeClr val="tx1"/>
+              </a:fontRef>
+            </p:style>
+          </p:cxnSp>
+        </p:grpSp>
+        <p:grpSp>
+          <p:nvGrpSpPr>
+            <p:cNvPr id="40" name="Group 39"/>
+            <p:cNvGrpSpPr/>
+            <p:nvPr/>
+          </p:nvGrpSpPr>
+          <p:grpSpPr>
+            <a:xfrm>
+              <a:off x="3112647" y="2496814"/>
+              <a:ext cx="1125098" cy="2394338"/>
+              <a:chOff x="2510319" y="2640458"/>
+              <a:chExt cx="503434" cy="1031630"/>
+            </a:xfrm>
+          </p:grpSpPr>
+          <p:sp>
+            <p:nvSpPr>
+              <p:cNvPr id="41" name="Rounded Rectangle 40"/>
+              <p:cNvSpPr/>
+              <p:nvPr/>
+            </p:nvSpPr>
+            <p:spPr>
+              <a:xfrm>
+                <a:off x="2510319" y="2640458"/>
+                <a:ext cx="503434" cy="1031630"/>
+              </a:xfrm>
+              <a:prstGeom prst="roundRect">
+                <a:avLst/>
+              </a:prstGeom>
+              <a:solidFill>
+                <a:schemeClr val="accent4">
+                  <a:lumMod val="20000"/>
+                  <a:lumOff val="80000"/>
+                </a:schemeClr>
+              </a:solidFill>
+              <a:ln w="1270" cmpd="thickThin">
+                <a:solidFill>
+                  <a:schemeClr val="accent1">
+                    <a:shade val="50000"/>
+                    <a:alpha val="62000"/>
+                  </a:schemeClr>
+                </a:solidFill>
+                <a:prstDash val="solid"/>
+              </a:ln>
+            </p:spPr>
+            <p:style>
+              <a:lnRef idx="2">
+                <a:schemeClr val="accent1">
+                  <a:shade val="50000"/>
+                </a:schemeClr>
+              </a:lnRef>
+              <a:fillRef idx="1">
+                <a:schemeClr val="accent1"/>
+              </a:fillRef>
+              <a:effectRef idx="0">
+                <a:schemeClr val="accent1"/>
+              </a:effectRef>
+              <a:fontRef idx="minor">
+                <a:schemeClr val="lt1"/>
+              </a:fontRef>
+            </p:style>
+            <p:txBody>
+              <a:bodyPr rtlCol="0" anchor="ctr"/>
+              <a:lstStyle/>
+              <a:p>
+                <a:pPr algn="ctr"/>
+                <a:endParaRPr lang="en-US" sz="1400"/>
+              </a:p>
+            </p:txBody>
+          </p:sp>
+          <p:sp>
+            <p:nvSpPr>
+              <p:cNvPr id="42" name="Rectangle 41"/>
+              <p:cNvSpPr/>
+              <p:nvPr/>
+            </p:nvSpPr>
+            <p:spPr>
+              <a:xfrm>
+                <a:off x="2539054" y="2724291"/>
+                <a:ext cx="447994" cy="834620"/>
+              </a:xfrm>
+              <a:prstGeom prst="rect">
+                <a:avLst/>
+              </a:prstGeom>
+              <a:gradFill flip="none" rotWithShape="1">
+                <a:gsLst>
+                  <a:gs pos="0">
+                    <a:schemeClr val="accent1">
+                      <a:lumMod val="40000"/>
+                      <a:lumOff val="60000"/>
+                    </a:schemeClr>
+                  </a:gs>
+                  <a:gs pos="46000">
+                    <a:schemeClr val="accent1">
+                      <a:lumMod val="95000"/>
+                      <a:lumOff val="5000"/>
+                    </a:schemeClr>
+                  </a:gs>
+                  <a:gs pos="100000">
+                    <a:schemeClr val="accent1">
+                      <a:lumMod val="60000"/>
+                    </a:schemeClr>
+                  </a:gs>
+                </a:gsLst>
+                <a:path path="circle">
+                  <a:fillToRect l="50000" t="130000" r="50000" b="-30000"/>
+                </a:path>
+                <a:tileRect/>
+              </a:gradFill>
+              <a:ln>
+                <a:noFill/>
+              </a:ln>
+            </p:spPr>
+            <p:style>
+              <a:lnRef idx="2">
+                <a:schemeClr val="accent1">
+                  <a:shade val="50000"/>
+                </a:schemeClr>
+              </a:lnRef>
+              <a:fillRef idx="1">
+                <a:schemeClr val="accent1"/>
+              </a:fillRef>
+              <a:effectRef idx="0">
+                <a:schemeClr val="accent1"/>
+              </a:effectRef>
+              <a:fontRef idx="minor">
+                <a:schemeClr val="lt1"/>
+              </a:fontRef>
+            </p:style>
+            <p:txBody>
+              <a:bodyPr rtlCol="0" anchor="ctr"/>
+              <a:lstStyle/>
+              <a:p>
+                <a:pPr algn="ctr"/>
+                <a:endParaRPr lang="en-US" sz="1400"/>
+              </a:p>
+            </p:txBody>
+          </p:sp>
+          <p:sp>
+            <p:nvSpPr>
+              <p:cNvPr id="43" name="Rounded Rectangle 42"/>
+              <p:cNvSpPr/>
+              <p:nvPr/>
+            </p:nvSpPr>
+            <p:spPr>
+              <a:xfrm>
+                <a:off x="2737139" y="3589329"/>
+                <a:ext cx="54780" cy="45719"/>
+              </a:xfrm>
+              <a:prstGeom prst="roundRect">
+                <a:avLst/>
+              </a:prstGeom>
+              <a:solidFill>
+                <a:schemeClr val="accent1"/>
+              </a:solidFill>
+              <a:ln w="1270">
+                <a:solidFill>
+                  <a:schemeClr val="accent1"/>
+                </a:solidFill>
+              </a:ln>
+            </p:spPr>
+            <p:style>
+              <a:lnRef idx="2">
+                <a:schemeClr val="accent1">
+                  <a:shade val="50000"/>
+                </a:schemeClr>
+              </a:lnRef>
+              <a:fillRef idx="1">
+                <a:schemeClr val="accent1"/>
+              </a:fillRef>
+              <a:effectRef idx="0">
+                <a:schemeClr val="accent1"/>
+              </a:effectRef>
+              <a:fontRef idx="minor">
+                <a:schemeClr val="lt1"/>
+              </a:fontRef>
+            </p:style>
+            <p:txBody>
+              <a:bodyPr rtlCol="0" anchor="ctr"/>
+              <a:lstStyle/>
+              <a:p>
+                <a:pPr algn="ctr"/>
+                <a:endParaRPr lang="en-US" sz="1400"/>
+              </a:p>
+            </p:txBody>
+          </p:sp>
+          <p:cxnSp>
+            <p:nvCxnSpPr>
+              <p:cNvPr id="44" name="Straight Connector 43"/>
+              <p:cNvCxnSpPr/>
+              <p:nvPr/>
+            </p:nvCxnSpPr>
+            <p:spPr>
+              <a:xfrm>
+                <a:off x="2732322" y="2693295"/>
+                <a:ext cx="66675" cy="1082"/>
+              </a:xfrm>
+              <a:prstGeom prst="line">
+                <a:avLst/>
+              </a:prstGeom>
+            </p:spPr>
+            <p:style>
+              <a:lnRef idx="1">
+                <a:schemeClr val="accent1"/>
+              </a:lnRef>
+              <a:fillRef idx="0">
+                <a:schemeClr val="accent1"/>
+              </a:fillRef>
+              <a:effectRef idx="0">
+                <a:schemeClr val="accent1"/>
+              </a:effectRef>
+              <a:fontRef idx="minor">
+                <a:schemeClr val="tx1"/>
+              </a:fontRef>
+            </p:style>
+          </p:cxnSp>
+        </p:grpSp>
+        <p:grpSp>
+          <p:nvGrpSpPr>
+            <p:cNvPr id="45" name="Group 44"/>
+            <p:cNvGrpSpPr/>
+            <p:nvPr/>
+          </p:nvGrpSpPr>
+          <p:grpSpPr>
+            <a:xfrm>
+              <a:off x="8516008" y="2507708"/>
+              <a:ext cx="1125098" cy="2394338"/>
+              <a:chOff x="2510319" y="2640458"/>
+              <a:chExt cx="503434" cy="1031630"/>
+            </a:xfrm>
+            <a:effectLst>
+              <a:outerShdw blurRad="50800" dist="50800" dir="5400000" algn="ctr" rotWithShape="0">
+                <a:srgbClr val="000000">
+                  <a:alpha val="0"/>
+                </a:srgbClr>
+              </a:outerShdw>
+            </a:effectLst>
+          </p:grpSpPr>
+          <p:sp>
+            <p:nvSpPr>
+              <p:cNvPr id="46" name="Rounded Rectangle 45"/>
+              <p:cNvSpPr/>
+              <p:nvPr/>
+            </p:nvSpPr>
+            <p:spPr>
+              <a:xfrm>
+                <a:off x="2510319" y="2640458"/>
+                <a:ext cx="503434" cy="1031630"/>
+              </a:xfrm>
+              <a:prstGeom prst="roundRect">
+                <a:avLst/>
+              </a:prstGeom>
+              <a:solidFill>
+                <a:schemeClr val="accent4">
+                  <a:lumMod val="20000"/>
+                  <a:lumOff val="80000"/>
+                </a:schemeClr>
+              </a:solidFill>
+              <a:ln w="1270" cmpd="thickThin">
+                <a:solidFill>
+                  <a:schemeClr val="accent1">
+                    <a:shade val="50000"/>
+                    <a:alpha val="62000"/>
+                  </a:schemeClr>
+                </a:solidFill>
+                <a:prstDash val="solid"/>
+              </a:ln>
+            </p:spPr>
+            <p:style>
+              <a:lnRef idx="2">
+                <a:schemeClr val="accent1">
+                  <a:shade val="50000"/>
+                </a:schemeClr>
+              </a:lnRef>
+              <a:fillRef idx="1">
+                <a:schemeClr val="accent1"/>
+              </a:fillRef>
+              <a:effectRef idx="0">
+                <a:schemeClr val="accent1"/>
+              </a:effectRef>
+              <a:fontRef idx="minor">
+                <a:schemeClr val="lt1"/>
+              </a:fontRef>
+            </p:style>
+            <p:txBody>
+              <a:bodyPr rtlCol="0" anchor="ctr"/>
+              <a:lstStyle/>
+              <a:p>
+                <a:pPr algn="ctr"/>
+                <a:endParaRPr lang="en-US" sz="1400"/>
+              </a:p>
+            </p:txBody>
+          </p:sp>
+          <p:sp>
+            <p:nvSpPr>
+              <p:cNvPr id="47" name="Rectangle 46"/>
+              <p:cNvSpPr/>
+              <p:nvPr/>
+            </p:nvSpPr>
+            <p:spPr>
+              <a:xfrm>
+                <a:off x="2539054" y="2724291"/>
+                <a:ext cx="447994" cy="834620"/>
+              </a:xfrm>
+              <a:prstGeom prst="rect">
+                <a:avLst/>
+              </a:prstGeom>
+              <a:gradFill flip="none" rotWithShape="1">
+                <a:gsLst>
+                  <a:gs pos="0">
+                    <a:schemeClr val="accent1">
+                      <a:lumMod val="40000"/>
+                      <a:lumOff val="60000"/>
+                    </a:schemeClr>
+                  </a:gs>
+                  <a:gs pos="46000">
+                    <a:schemeClr val="accent1">
+                      <a:lumMod val="95000"/>
+                      <a:lumOff val="5000"/>
+                    </a:schemeClr>
+                  </a:gs>
+                  <a:gs pos="100000">
+                    <a:schemeClr val="accent1">
+                      <a:lumMod val="60000"/>
+                    </a:schemeClr>
+                  </a:gs>
+                </a:gsLst>
+                <a:path path="circle">
+                  <a:fillToRect l="50000" t="130000" r="50000" b="-30000"/>
+                </a:path>
+                <a:tileRect/>
+              </a:gradFill>
+              <a:ln>
+                <a:noFill/>
+              </a:ln>
+            </p:spPr>
+            <p:style>
+              <a:lnRef idx="2">
+                <a:schemeClr val="accent1">
+                  <a:shade val="50000"/>
+                </a:schemeClr>
+              </a:lnRef>
+              <a:fillRef idx="1">
+                <a:schemeClr val="accent1"/>
+              </a:fillRef>
+              <a:effectRef idx="0">
+                <a:schemeClr val="accent1"/>
+              </a:effectRef>
+              <a:fontRef idx="minor">
+                <a:schemeClr val="lt1"/>
+              </a:fontRef>
+            </p:style>
+            <p:txBody>
+              <a:bodyPr rtlCol="0" anchor="ctr"/>
+              <a:lstStyle/>
+              <a:p>
+                <a:pPr algn="ctr"/>
+                <a:endParaRPr lang="en-US" sz="1400"/>
+              </a:p>
+            </p:txBody>
+          </p:sp>
+          <p:sp>
+            <p:nvSpPr>
+              <p:cNvPr id="48" name="Rounded Rectangle 47"/>
+              <p:cNvSpPr/>
+              <p:nvPr/>
+            </p:nvSpPr>
+            <p:spPr>
+              <a:xfrm>
+                <a:off x="2737139" y="3589329"/>
+                <a:ext cx="54780" cy="45719"/>
+              </a:xfrm>
+              <a:prstGeom prst="roundRect">
+                <a:avLst/>
+              </a:prstGeom>
+              <a:solidFill>
+                <a:schemeClr val="accent5">
+                  <a:lumMod val="75000"/>
+                </a:schemeClr>
+              </a:solidFill>
+              <a:ln w="1270"/>
+            </p:spPr>
+            <p:style>
+              <a:lnRef idx="2">
+                <a:schemeClr val="accent1">
+                  <a:shade val="50000"/>
+                </a:schemeClr>
+              </a:lnRef>
+              <a:fillRef idx="1">
+                <a:schemeClr val="accent1"/>
+              </a:fillRef>
+              <a:effectRef idx="0">
+                <a:schemeClr val="accent1"/>
+              </a:effectRef>
+              <a:fontRef idx="minor">
+                <a:schemeClr val="lt1"/>
+              </a:fontRef>
+            </p:style>
+            <p:txBody>
+              <a:bodyPr rtlCol="0" anchor="ctr"/>
+              <a:lstStyle/>
+              <a:p>
+                <a:pPr algn="ctr"/>
+                <a:endParaRPr lang="en-US" sz="1400"/>
+              </a:p>
+            </p:txBody>
+          </p:sp>
+          <p:cxnSp>
+            <p:nvCxnSpPr>
+              <p:cNvPr id="49" name="Straight Connector 48"/>
+              <p:cNvCxnSpPr/>
+              <p:nvPr/>
+            </p:nvCxnSpPr>
+            <p:spPr>
+              <a:xfrm>
+                <a:off x="2732322" y="2693295"/>
+                <a:ext cx="66675" cy="1082"/>
+              </a:xfrm>
+              <a:prstGeom prst="line">
+                <a:avLst/>
+              </a:prstGeom>
+            </p:spPr>
+            <p:style>
+              <a:lnRef idx="1">
+                <a:schemeClr val="accent1"/>
+              </a:lnRef>
+              <a:fillRef idx="0">
+                <a:schemeClr val="accent1"/>
+              </a:fillRef>
+              <a:effectRef idx="0">
+                <a:schemeClr val="accent1"/>
+              </a:effectRef>
+              <a:fontRef idx="minor">
+                <a:schemeClr val="tx1"/>
+              </a:fontRef>
+            </p:style>
+          </p:cxnSp>
+        </p:grpSp>
+        <p:cxnSp>
+          <p:nvCxnSpPr>
+            <p:cNvPr id="91" name="Straight Arrow Connector 90"/>
+            <p:cNvCxnSpPr/>
+            <p:nvPr/>
+          </p:nvCxnSpPr>
+          <p:spPr>
+            <a:xfrm flipH="1" flipV="1">
+              <a:off x="6076011" y="1745464"/>
+              <a:ext cx="10430" cy="749410"/>
+            </a:xfrm>
+            <a:prstGeom prst="straightConnector1">
+              <a:avLst/>
+            </a:prstGeom>
+            <a:ln>
+              <a:solidFill>
+                <a:schemeClr val="accent1">
+                  <a:alpha val="30000"/>
+                </a:schemeClr>
+              </a:solidFill>
+              <a:prstDash val="sysDot"/>
+              <a:tailEnd type="triangle"/>
+            </a:ln>
+            <a:effectLst>
+              <a:outerShdw blurRad="50800" dist="50800" dir="5400000" algn="ctr" rotWithShape="0">
+                <a:srgbClr val="000000">
+                  <a:alpha val="0"/>
+                </a:srgbClr>
+              </a:outerShdw>
+            </a:effectLst>
+          </p:spPr>
+          <p:style>
+            <a:lnRef idx="1">
+              <a:schemeClr val="accent1"/>
+            </a:lnRef>
+            <a:fillRef idx="0">
+              <a:schemeClr val="accent1"/>
+            </a:fillRef>
+            <a:effectRef idx="0">
+              <a:schemeClr val="accent1"/>
+            </a:effectRef>
+            <a:fontRef idx="minor">
+              <a:schemeClr val="tx1"/>
+            </a:fontRef>
+          </p:style>
+        </p:cxnSp>
+        <p:cxnSp>
+          <p:nvCxnSpPr>
+            <p:cNvPr id="95" name="Straight Arrow Connector 94"/>
+            <p:cNvCxnSpPr/>
+            <p:nvPr/>
+          </p:nvCxnSpPr>
+          <p:spPr>
+            <a:xfrm>
+              <a:off x="6566461" y="1745463"/>
+              <a:ext cx="22682" cy="749411"/>
+            </a:xfrm>
+            <a:prstGeom prst="straightConnector1">
+              <a:avLst/>
+            </a:prstGeom>
+            <a:ln w="38100">
+              <a:solidFill>
+                <a:schemeClr val="accent1">
+                  <a:alpha val="30000"/>
+                </a:schemeClr>
+              </a:solidFill>
+              <a:tailEnd type="triangle"/>
+            </a:ln>
+            <a:effectLst>
+              <a:outerShdw blurRad="50800" dist="50800" dir="5400000" algn="ctr" rotWithShape="0">
+                <a:srgbClr val="000000">
+                  <a:alpha val="0"/>
+                </a:srgbClr>
+              </a:outerShdw>
+            </a:effectLst>
+          </p:spPr>
+          <p:style>
+            <a:lnRef idx="1">
+              <a:schemeClr val="accent1"/>
+            </a:lnRef>
+            <a:fillRef idx="0">
+              <a:schemeClr val="accent1"/>
+            </a:fillRef>
+            <a:effectRef idx="0">
+              <a:schemeClr val="accent1"/>
+            </a:effectRef>
+            <a:fontRef idx="minor">
+              <a:schemeClr val="tx1"/>
+            </a:fontRef>
+          </p:style>
+        </p:cxnSp>
+        <p:sp>
+          <p:nvSpPr>
+            <p:cNvPr id="108" name="Rectangle 107"/>
+            <p:cNvSpPr/>
+            <p:nvPr/>
+          </p:nvSpPr>
+          <p:spPr>
+            <a:xfrm>
+              <a:off x="5665873" y="2485930"/>
+              <a:ext cx="1302822" cy="3105414"/>
+            </a:xfrm>
+            <a:prstGeom prst="rect">
+              <a:avLst/>
+            </a:prstGeom>
+            <a:solidFill>
+              <a:schemeClr val="bg1">
+                <a:alpha val="59000"/>
+              </a:schemeClr>
+            </a:solidFill>
+            <a:ln>
+              <a:noFill/>
+            </a:ln>
+          </p:spPr>
+          <p:style>
+            <a:lnRef idx="2">
+              <a:schemeClr val="accent1">
+                <a:shade val="50000"/>
+              </a:schemeClr>
+            </a:lnRef>
+            <a:fillRef idx="1">
+              <a:schemeClr val="accent1"/>
+            </a:fillRef>
+            <a:effectRef idx="0">
+              <a:schemeClr val="accent1"/>
+            </a:effectRef>
+            <a:fontRef idx="minor">
+              <a:schemeClr val="lt1"/>
+            </a:fontRef>
+          </p:style>
+          <p:txBody>
+            <a:bodyPr rtlCol="0" anchor="ctr"/>
+            <a:lstStyle/>
+            <a:p>
+              <a:pPr algn="ctr"/>
+              <a:endParaRPr lang="en-US" sz="1400"/>
+            </a:p>
+          </p:txBody>
+        </p:sp>
+        <p:sp>
+          <p:nvSpPr>
+            <p:cNvPr id="109" name="Rectangle 108"/>
+            <p:cNvSpPr/>
+            <p:nvPr/>
+          </p:nvSpPr>
+          <p:spPr>
+            <a:xfrm>
+              <a:off x="8510176" y="2460961"/>
+              <a:ext cx="1328107" cy="3184818"/>
+            </a:xfrm>
+            <a:prstGeom prst="rect">
+              <a:avLst/>
+            </a:prstGeom>
+            <a:solidFill>
+              <a:schemeClr val="bg1">
+                <a:alpha val="59000"/>
+              </a:schemeClr>
+            </a:solidFill>
+            <a:ln>
+              <a:noFill/>
+            </a:ln>
+          </p:spPr>
+          <p:style>
+            <a:lnRef idx="2">
+              <a:schemeClr val="accent1">
+                <a:shade val="50000"/>
+              </a:schemeClr>
+            </a:lnRef>
+            <a:fillRef idx="1">
+              <a:schemeClr val="accent1"/>
+            </a:fillRef>
+            <a:effectRef idx="0">
+              <a:schemeClr val="accent1"/>
+            </a:effectRef>
+            <a:fontRef idx="minor">
+              <a:schemeClr val="lt1"/>
+            </a:fontRef>
+          </p:style>
+          <p:txBody>
+            <a:bodyPr rtlCol="0" anchor="ctr"/>
+            <a:lstStyle/>
+            <a:p>
+              <a:pPr algn="ctr"/>
+              <a:endParaRPr lang="en-US" sz="1400"/>
+            </a:p>
+          </p:txBody>
+        </p:sp>
+        <p:grpSp>
+          <p:nvGrpSpPr>
+            <p:cNvPr id="30" name="Group 29"/>
+            <p:cNvGrpSpPr/>
+            <p:nvPr/>
+          </p:nvGrpSpPr>
+          <p:grpSpPr>
+            <a:xfrm>
+              <a:off x="4764626" y="-696263"/>
+              <a:ext cx="2741959" cy="2441727"/>
+              <a:chOff x="4605839" y="-1214077"/>
+              <a:chExt cx="3066770" cy="2959542"/>
+            </a:xfrm>
+          </p:grpSpPr>
+          <p:sp>
+            <p:nvSpPr>
+              <p:cNvPr id="50" name="Can 49"/>
+              <p:cNvSpPr/>
+              <p:nvPr/>
+            </p:nvSpPr>
+            <p:spPr>
+              <a:xfrm>
+                <a:off x="4605839" y="-1214077"/>
+                <a:ext cx="3066770" cy="2959542"/>
+              </a:xfrm>
+              <a:prstGeom prst="can">
+                <a:avLst/>
+              </a:prstGeom>
+              <a:gradFill flip="none" rotWithShape="1">
+                <a:gsLst>
+                  <a:gs pos="0">
+                    <a:schemeClr val="accent1">
+                      <a:lumMod val="5000"/>
+                      <a:lumOff val="95000"/>
+                    </a:schemeClr>
+                  </a:gs>
+                  <a:gs pos="74000">
+                    <a:schemeClr val="accent1">
+                      <a:lumMod val="45000"/>
+                      <a:lumOff val="55000"/>
+                    </a:schemeClr>
+                  </a:gs>
+                  <a:gs pos="83000">
+                    <a:schemeClr val="accent1">
+                      <a:lumMod val="45000"/>
+                      <a:lumOff val="55000"/>
+                    </a:schemeClr>
+                  </a:gs>
+                  <a:gs pos="100000">
+                    <a:schemeClr val="accent1">
+                      <a:lumMod val="30000"/>
+                      <a:lumOff val="70000"/>
+                    </a:schemeClr>
+                  </a:gs>
+                </a:gsLst>
+                <a:lin ang="5400000" scaled="1"/>
+                <a:tileRect/>
+              </a:gradFill>
+              <a:ln w="1270"/>
+            </p:spPr>
+            <p:style>
+              <a:lnRef idx="2">
+                <a:schemeClr val="accent1">
+                  <a:shade val="50000"/>
+                </a:schemeClr>
+              </a:lnRef>
+              <a:fillRef idx="1">
+                <a:schemeClr val="accent1"/>
+              </a:fillRef>
+              <a:effectRef idx="0">
+                <a:schemeClr val="accent1"/>
+              </a:effectRef>
+              <a:fontRef idx="minor">
+                <a:schemeClr val="lt1"/>
+              </a:fontRef>
+            </p:style>
+            <p:txBody>
+              <a:bodyPr rtlCol="0" anchor="ctr"/>
+              <a:lstStyle/>
+              <a:p>
+                <a:pPr algn="ctr"/>
+                <a:endParaRPr lang="en-US" sz="1000" dirty="0"/>
+              </a:p>
+            </p:txBody>
+          </p:sp>
+          <p:grpSp>
+            <p:nvGrpSpPr>
+              <p:cNvPr id="64" name="Group 63"/>
+              <p:cNvGrpSpPr/>
+              <p:nvPr/>
+            </p:nvGrpSpPr>
+            <p:grpSpPr>
+              <a:xfrm>
+                <a:off x="5006680" y="-514609"/>
+                <a:ext cx="2301854" cy="2134608"/>
+                <a:chOff x="4419600" y="566023"/>
+                <a:chExt cx="2530200" cy="2447399"/>
+              </a:xfrm>
+            </p:grpSpPr>
+            <p:grpSp>
+              <p:nvGrpSpPr>
+                <p:cNvPr id="65" name="Group 64"/>
+                <p:cNvGrpSpPr/>
+                <p:nvPr/>
+              </p:nvGrpSpPr>
+              <p:grpSpPr>
+                <a:xfrm>
+                  <a:off x="4419600" y="1435868"/>
+                  <a:ext cx="2530200" cy="1577554"/>
+                  <a:chOff x="952500" y="3344346"/>
+                  <a:chExt cx="2530200" cy="1577554"/>
+                </a:xfrm>
+              </p:grpSpPr>
+              <p:grpSp>
+                <p:nvGrpSpPr>
+                  <p:cNvPr id="73" name="Group 72"/>
+                  <p:cNvGrpSpPr/>
+                  <p:nvPr/>
+                </p:nvGrpSpPr>
+                <p:grpSpPr>
+                  <a:xfrm>
+                    <a:off x="952500" y="3344346"/>
+                    <a:ext cx="918018" cy="1577554"/>
+                    <a:chOff x="952500" y="3344346"/>
+                    <a:chExt cx="918018" cy="1577554"/>
+                  </a:xfrm>
+                </p:grpSpPr>
+                <p:grpSp>
+                  <p:nvGrpSpPr>
+                    <p:cNvPr id="90" name="Group 89"/>
+                    <p:cNvGrpSpPr/>
+                    <p:nvPr/>
+                  </p:nvGrpSpPr>
+                  <p:grpSpPr>
+                    <a:xfrm>
+                      <a:off x="952500" y="3344346"/>
+                      <a:ext cx="918018" cy="1577554"/>
+                      <a:chOff x="952500" y="3344346"/>
+                      <a:chExt cx="918018" cy="1577554"/>
+                    </a:xfrm>
+                  </p:grpSpPr>
+                  <p:sp>
+                    <p:nvSpPr>
+                      <p:cNvPr id="93" name="Oval 92"/>
+                      <p:cNvSpPr/>
+                      <p:nvPr/>
+                    </p:nvSpPr>
+                    <p:spPr>
+                      <a:xfrm>
+                        <a:off x="1257300" y="3344346"/>
+                        <a:ext cx="304800" cy="304799"/>
+                      </a:xfrm>
+                      <a:prstGeom prst="ellipse">
+                        <a:avLst/>
+                      </a:prstGeom>
+                    </p:spPr>
+                    <p:style>
+                      <a:lnRef idx="2">
+                        <a:schemeClr val="accent1"/>
+                      </a:lnRef>
+                      <a:fillRef idx="1">
+                        <a:schemeClr val="lt1"/>
+                      </a:fillRef>
+                      <a:effectRef idx="0">
+                        <a:schemeClr val="accent1"/>
+                      </a:effectRef>
+                      <a:fontRef idx="minor">
+                        <a:schemeClr val="dk1"/>
+                      </a:fontRef>
+                    </p:style>
+                    <p:txBody>
+                      <a:bodyPr rtlCol="0" anchor="ctr"/>
+                      <a:lstStyle/>
+                      <a:p>
+                        <a:pPr algn="ctr"/>
+                        <a:endParaRPr lang="en-US" sz="1400"/>
+                      </a:p>
+                    </p:txBody>
+                  </p:sp>
+                  <p:cxnSp>
+                    <p:nvCxnSpPr>
+                      <p:cNvPr id="94" name="Straight Arrow Connector 93"/>
+                      <p:cNvCxnSpPr/>
+                      <p:nvPr/>
+                    </p:nvCxnSpPr>
+                    <p:spPr>
+                      <a:xfrm flipH="1">
+                        <a:off x="1404153" y="3649145"/>
+                        <a:ext cx="5547" cy="576978"/>
+                      </a:xfrm>
+                      <a:prstGeom prst="straightConnector1">
+                        <a:avLst/>
+                      </a:prstGeom>
+                      <a:ln>
+                        <a:tailEnd type="stealth"/>
+                      </a:ln>
+                    </p:spPr>
+                    <p:style>
+                      <a:lnRef idx="3">
+                        <a:schemeClr val="accent1"/>
+                      </a:lnRef>
+                      <a:fillRef idx="0">
+                        <a:schemeClr val="accent1"/>
+                      </a:fillRef>
+                      <a:effectRef idx="2">
+                        <a:schemeClr val="accent1"/>
+                      </a:effectRef>
+                      <a:fontRef idx="minor">
+                        <a:schemeClr val="tx1"/>
+                      </a:fontRef>
+                    </p:style>
+                  </p:cxnSp>
+                  <p:sp>
+                    <p:nvSpPr>
+                      <p:cNvPr id="98" name="TextBox 97"/>
+                      <p:cNvSpPr txBox="1"/>
+                      <p:nvPr/>
+                    </p:nvSpPr>
+                    <p:spPr>
+                      <a:xfrm>
+                        <a:off x="952500" y="4569023"/>
+                        <a:ext cx="918018" cy="352877"/>
+                      </a:xfrm>
+                      <a:prstGeom prst="rect">
+                        <a:avLst/>
+                      </a:prstGeom>
+                      <a:noFill/>
+                    </p:spPr>
+                    <p:txBody>
+                      <a:bodyPr wrap="square" rtlCol="0">
+                        <a:spAutoFit/>
+                      </a:bodyPr>
+                      <a:lstStyle/>
+                      <a:p>
+                        <a:pPr algn="ctr"/>
+                        <a:r>
+                          <a:rPr lang="en-US" sz="1400" dirty="0" smtClean="0"/>
+                          <a:t>App 1</a:t>
+                        </a:r>
+                        <a:endParaRPr lang="en-US" sz="1400" dirty="0"/>
+                      </a:p>
+                    </p:txBody>
+                  </p:sp>
+                </p:grpSp>
+                <p:sp>
+                  <p:nvSpPr>
+                    <p:cNvPr id="92" name="Oval 91"/>
+                    <p:cNvSpPr/>
+                    <p:nvPr/>
+                  </p:nvSpPr>
+                  <p:spPr>
+                    <a:xfrm>
+                      <a:off x="1251753" y="4226123"/>
+                      <a:ext cx="304800" cy="304799"/>
+                    </a:xfrm>
+                    <a:prstGeom prst="ellipse">
+                      <a:avLst/>
+                    </a:prstGeom>
+                    <a:solidFill>
+                      <a:schemeClr val="accent1"/>
+                    </a:solidFill>
+                  </p:spPr>
+                  <p:style>
+                    <a:lnRef idx="2">
+                      <a:schemeClr val="accent1"/>
+                    </a:lnRef>
+                    <a:fillRef idx="1">
+                      <a:schemeClr val="lt1"/>
+                    </a:fillRef>
+                    <a:effectRef idx="0">
+                      <a:schemeClr val="accent1"/>
+                    </a:effectRef>
+                    <a:fontRef idx="minor">
+                      <a:schemeClr val="dk1"/>
+                    </a:fontRef>
+                  </p:style>
+                  <p:txBody>
+                    <a:bodyPr rtlCol="0" anchor="ctr"/>
+                    <a:lstStyle/>
+                    <a:p>
+                      <a:pPr algn="ctr"/>
+                      <a:endParaRPr lang="en-US" sz="1400"/>
+                    </a:p>
+                  </p:txBody>
+                </p:sp>
+              </p:grpSp>
+              <p:grpSp>
+                <p:nvGrpSpPr>
+                  <p:cNvPr id="74" name="Group 73"/>
+                  <p:cNvGrpSpPr/>
+                  <p:nvPr/>
+                </p:nvGrpSpPr>
+                <p:grpSpPr>
+                  <a:xfrm>
+                    <a:off x="1705170" y="3344346"/>
+                    <a:ext cx="918018" cy="1577554"/>
+                    <a:chOff x="952500" y="3344346"/>
+                    <a:chExt cx="918018" cy="1577554"/>
+                  </a:xfrm>
+                </p:grpSpPr>
+                <p:grpSp>
+                  <p:nvGrpSpPr>
+                    <p:cNvPr id="84" name="Group 83"/>
+                    <p:cNvGrpSpPr/>
+                    <p:nvPr/>
+                  </p:nvGrpSpPr>
+                  <p:grpSpPr>
+                    <a:xfrm>
+                      <a:off x="952500" y="3344346"/>
+                      <a:ext cx="918018" cy="1577554"/>
+                      <a:chOff x="952500" y="3344346"/>
+                      <a:chExt cx="918018" cy="1577554"/>
+                    </a:xfrm>
+                  </p:grpSpPr>
+                  <p:sp>
+                    <p:nvSpPr>
+                      <p:cNvPr id="86" name="Oval 85"/>
+                      <p:cNvSpPr/>
+                      <p:nvPr/>
+                    </p:nvSpPr>
+                    <p:spPr>
+                      <a:xfrm>
+                        <a:off x="1257300" y="3344346"/>
+                        <a:ext cx="304800" cy="304799"/>
+                      </a:xfrm>
+                      <a:prstGeom prst="ellipse">
+                        <a:avLst/>
+                      </a:prstGeom>
+                    </p:spPr>
+                    <p:style>
+                      <a:lnRef idx="2">
+                        <a:schemeClr val="accent1"/>
+                      </a:lnRef>
+                      <a:fillRef idx="1">
+                        <a:schemeClr val="lt1"/>
+                      </a:fillRef>
+                      <a:effectRef idx="0">
+                        <a:schemeClr val="accent1"/>
+                      </a:effectRef>
+                      <a:fontRef idx="minor">
+                        <a:schemeClr val="dk1"/>
+                      </a:fontRef>
+                    </p:style>
+                    <p:txBody>
+                      <a:bodyPr rtlCol="0" anchor="ctr"/>
+                      <a:lstStyle/>
+                      <a:p>
+                        <a:pPr algn="ctr"/>
+                        <a:endParaRPr lang="en-US" sz="1400"/>
+                      </a:p>
+                    </p:txBody>
+                  </p:sp>
+                  <p:cxnSp>
+                    <p:nvCxnSpPr>
+                      <p:cNvPr id="88" name="Straight Arrow Connector 87"/>
+                      <p:cNvCxnSpPr/>
+                      <p:nvPr/>
+                    </p:nvCxnSpPr>
+                    <p:spPr>
+                      <a:xfrm flipH="1">
+                        <a:off x="1404153" y="3649145"/>
+                        <a:ext cx="5547" cy="576978"/>
+                      </a:xfrm>
+                      <a:prstGeom prst="straightConnector1">
+                        <a:avLst/>
+                      </a:prstGeom>
+                      <a:ln>
+                        <a:tailEnd type="stealth"/>
+                      </a:ln>
+                    </p:spPr>
+                    <p:style>
+                      <a:lnRef idx="3">
+                        <a:schemeClr val="accent1"/>
+                      </a:lnRef>
+                      <a:fillRef idx="0">
+                        <a:schemeClr val="accent1"/>
+                      </a:fillRef>
+                      <a:effectRef idx="2">
+                        <a:schemeClr val="accent1"/>
+                      </a:effectRef>
+                      <a:fontRef idx="minor">
+                        <a:schemeClr val="tx1"/>
+                      </a:fontRef>
+                    </p:style>
+                  </p:cxnSp>
+                  <p:sp>
+                    <p:nvSpPr>
+                      <p:cNvPr id="89" name="TextBox 88"/>
+                      <p:cNvSpPr txBox="1"/>
+                      <p:nvPr/>
+                    </p:nvSpPr>
+                    <p:spPr>
+                      <a:xfrm>
+                        <a:off x="952500" y="4569023"/>
+                        <a:ext cx="918018" cy="352877"/>
+                      </a:xfrm>
+                      <a:prstGeom prst="rect">
+                        <a:avLst/>
+                      </a:prstGeom>
+                      <a:noFill/>
+                    </p:spPr>
+                    <p:txBody>
+                      <a:bodyPr wrap="square" rtlCol="0">
+                        <a:spAutoFit/>
+                      </a:bodyPr>
+                      <a:lstStyle/>
+                      <a:p>
+                        <a:pPr algn="ctr"/>
+                        <a:r>
+                          <a:rPr lang="en-US" sz="1400" dirty="0" smtClean="0"/>
+                          <a:t>App 2</a:t>
+                        </a:r>
+                        <a:endParaRPr lang="en-US" sz="1400" dirty="0"/>
+                      </a:p>
+                    </p:txBody>
+                  </p:sp>
+                </p:grpSp>
+                <p:sp>
+                  <p:nvSpPr>
+                    <p:cNvPr id="85" name="Oval 84"/>
+                    <p:cNvSpPr/>
+                    <p:nvPr/>
+                  </p:nvSpPr>
+                  <p:spPr>
+                    <a:xfrm>
+                      <a:off x="1251753" y="4226123"/>
+                      <a:ext cx="304800" cy="304799"/>
+                    </a:xfrm>
+                    <a:prstGeom prst="ellipse">
+                      <a:avLst/>
+                    </a:prstGeom>
+                    <a:solidFill>
+                      <a:schemeClr val="accent1"/>
+                    </a:solidFill>
+                  </p:spPr>
+                  <p:style>
+                    <a:lnRef idx="2">
+                      <a:schemeClr val="accent1"/>
+                    </a:lnRef>
+                    <a:fillRef idx="1">
+                      <a:schemeClr val="lt1"/>
+                    </a:fillRef>
+                    <a:effectRef idx="0">
+                      <a:schemeClr val="accent1"/>
+                    </a:effectRef>
+                    <a:fontRef idx="minor">
+                      <a:schemeClr val="dk1"/>
+                    </a:fontRef>
+                  </p:style>
+                  <p:txBody>
+                    <a:bodyPr rtlCol="0" anchor="ctr"/>
+                    <a:lstStyle/>
+                    <a:p>
+                      <a:pPr algn="ctr"/>
+                      <a:endParaRPr lang="en-US" sz="1400"/>
+                    </a:p>
+                  </p:txBody>
+                </p:sp>
+              </p:grpSp>
+              <p:grpSp>
+                <p:nvGrpSpPr>
+                  <p:cNvPr id="75" name="Group 74"/>
+                  <p:cNvGrpSpPr/>
+                  <p:nvPr/>
+                </p:nvGrpSpPr>
+                <p:grpSpPr>
+                  <a:xfrm>
+                    <a:off x="2564682" y="3344346"/>
+                    <a:ext cx="918018" cy="1559608"/>
+                    <a:chOff x="813047" y="3344346"/>
+                    <a:chExt cx="918018" cy="1559608"/>
+                  </a:xfrm>
+                </p:grpSpPr>
+                <p:grpSp>
+                  <p:nvGrpSpPr>
+                    <p:cNvPr id="77" name="Group 76"/>
+                    <p:cNvGrpSpPr/>
+                    <p:nvPr/>
+                  </p:nvGrpSpPr>
+                  <p:grpSpPr>
+                    <a:xfrm>
+                      <a:off x="813047" y="3344346"/>
+                      <a:ext cx="918018" cy="1559608"/>
+                      <a:chOff x="813047" y="3344346"/>
+                      <a:chExt cx="918018" cy="1559608"/>
+                    </a:xfrm>
+                  </p:grpSpPr>
+                  <p:sp>
+                    <p:nvSpPr>
+                      <p:cNvPr id="81" name="Oval 80"/>
+                      <p:cNvSpPr/>
+                      <p:nvPr/>
+                    </p:nvSpPr>
+                    <p:spPr>
+                      <a:xfrm>
+                        <a:off x="1068760" y="3344346"/>
+                        <a:ext cx="304800" cy="304799"/>
+                      </a:xfrm>
+                      <a:prstGeom prst="ellipse">
+                        <a:avLst/>
+                      </a:prstGeom>
+                    </p:spPr>
+                    <p:style>
+                      <a:lnRef idx="2">
+                        <a:schemeClr val="accent1"/>
+                      </a:lnRef>
+                      <a:fillRef idx="1">
+                        <a:schemeClr val="lt1"/>
+                      </a:fillRef>
+                      <a:effectRef idx="0">
+                        <a:schemeClr val="accent1"/>
+                      </a:effectRef>
+                      <a:fontRef idx="minor">
+                        <a:schemeClr val="dk1"/>
+                      </a:fontRef>
+                    </p:style>
+                    <p:txBody>
+                      <a:bodyPr rtlCol="0" anchor="ctr"/>
+                      <a:lstStyle/>
+                      <a:p>
+                        <a:pPr algn="ctr"/>
+                        <a:endParaRPr lang="en-US" sz="1400"/>
+                      </a:p>
+                    </p:txBody>
+                  </p:sp>
+                  <p:cxnSp>
+                    <p:nvCxnSpPr>
+                      <p:cNvPr id="82" name="Straight Arrow Connector 81"/>
+                      <p:cNvCxnSpPr/>
+                      <p:nvPr/>
+                    </p:nvCxnSpPr>
+                    <p:spPr>
+                      <a:xfrm flipH="1">
+                        <a:off x="1215613" y="3649145"/>
+                        <a:ext cx="5547" cy="576978"/>
+                      </a:xfrm>
+                      <a:prstGeom prst="straightConnector1">
+                        <a:avLst/>
+                      </a:prstGeom>
+                      <a:ln>
+                        <a:tailEnd type="stealth"/>
+                      </a:ln>
+                    </p:spPr>
+                    <p:style>
+                      <a:lnRef idx="3">
+                        <a:schemeClr val="accent1"/>
+                      </a:lnRef>
+                      <a:fillRef idx="0">
+                        <a:schemeClr val="accent1"/>
+                      </a:fillRef>
+                      <a:effectRef idx="2">
+                        <a:schemeClr val="accent1"/>
+                      </a:effectRef>
+                      <a:fontRef idx="minor">
+                        <a:schemeClr val="tx1"/>
+                      </a:fontRef>
+                    </p:style>
+                  </p:cxnSp>
+                  <p:sp>
+                    <p:nvSpPr>
+                      <p:cNvPr id="83" name="TextBox 82"/>
+                      <p:cNvSpPr txBox="1"/>
+                      <p:nvPr/>
+                    </p:nvSpPr>
+                    <p:spPr>
+                      <a:xfrm>
+                        <a:off x="813047" y="4551077"/>
+                        <a:ext cx="918018" cy="352877"/>
+                      </a:xfrm>
+                      <a:prstGeom prst="rect">
+                        <a:avLst/>
+                      </a:prstGeom>
+                      <a:noFill/>
+                    </p:spPr>
+                    <p:txBody>
+                      <a:bodyPr wrap="square" rtlCol="0">
+                        <a:spAutoFit/>
+                      </a:bodyPr>
+                      <a:lstStyle/>
+                      <a:p>
+                        <a:pPr algn="ctr"/>
+                        <a:r>
+                          <a:rPr lang="en-US" sz="1400" dirty="0" smtClean="0"/>
+                          <a:t>App N</a:t>
+                        </a:r>
+                        <a:endParaRPr lang="en-US" sz="1400" dirty="0"/>
+                      </a:p>
+                    </p:txBody>
+                  </p:sp>
+                </p:grpSp>
+                <p:sp>
+                  <p:nvSpPr>
+                    <p:cNvPr id="79" name="Oval 78"/>
+                    <p:cNvSpPr/>
+                    <p:nvPr/>
+                  </p:nvSpPr>
+                  <p:spPr>
+                    <a:xfrm>
+                      <a:off x="1063213" y="4226123"/>
+                      <a:ext cx="304800" cy="304799"/>
+                    </a:xfrm>
+                    <a:prstGeom prst="ellipse">
+                      <a:avLst/>
+                    </a:prstGeom>
+                    <a:solidFill>
+                      <a:schemeClr val="accent1">
+                        <a:lumMod val="40000"/>
+                        <a:lumOff val="60000"/>
+                      </a:schemeClr>
+                    </a:solidFill>
+                  </p:spPr>
+                  <p:style>
+                    <a:lnRef idx="2">
+                      <a:schemeClr val="accent1"/>
+                    </a:lnRef>
+                    <a:fillRef idx="1">
+                      <a:schemeClr val="lt1"/>
+                    </a:fillRef>
+                    <a:effectRef idx="0">
+                      <a:schemeClr val="accent1"/>
+                    </a:effectRef>
+                    <a:fontRef idx="minor">
+                      <a:schemeClr val="dk1"/>
+                    </a:fontRef>
+                  </p:style>
+                  <p:txBody>
+                    <a:bodyPr rtlCol="0" anchor="ctr"/>
+                    <a:lstStyle/>
+                    <a:p>
+                      <a:pPr algn="ctr"/>
+                      <a:endParaRPr lang="en-US" sz="1400"/>
+                    </a:p>
+                  </p:txBody>
+                </p:sp>
+              </p:grpSp>
+              <p:sp>
+                <p:nvSpPr>
+                  <p:cNvPr id="76" name="TextBox 75"/>
+                  <p:cNvSpPr txBox="1"/>
+                  <p:nvPr/>
+                </p:nvSpPr>
+                <p:spPr>
+                  <a:xfrm>
+                    <a:off x="2290772" y="3922212"/>
+                    <a:ext cx="547822" cy="811615"/>
+                  </a:xfrm>
+                  <a:prstGeom prst="rect">
+                    <a:avLst/>
+                  </a:prstGeom>
+                  <a:noFill/>
+                </p:spPr>
+                <p:txBody>
+                  <a:bodyPr wrap="square" rtlCol="0">
+                    <a:spAutoFit/>
+                  </a:bodyPr>
+                  <a:lstStyle/>
+                  <a:p>
+                    <a:r>
+                      <a:rPr lang="en-US" sz="4000" dirty="0" smtClean="0"/>
+                      <a:t>…</a:t>
+                    </a:r>
+                    <a:endParaRPr lang="en-US" sz="4000" dirty="0"/>
+                  </a:p>
+                </p:txBody>
+              </p:sp>
+            </p:grpSp>
+            <p:grpSp>
+              <p:nvGrpSpPr>
+                <p:cNvPr id="66" name="Group 65"/>
+                <p:cNvGrpSpPr/>
+                <p:nvPr/>
+              </p:nvGrpSpPr>
+              <p:grpSpPr>
+                <a:xfrm>
+                  <a:off x="4886160" y="566023"/>
+                  <a:ext cx="1553735" cy="881777"/>
+                  <a:chOff x="4886160" y="566023"/>
+                  <a:chExt cx="1553735" cy="881777"/>
+                </a:xfrm>
+              </p:grpSpPr>
+              <p:cxnSp>
+                <p:nvCxnSpPr>
+                  <p:cNvPr id="67" name="Straight Arrow Connector 66"/>
+                  <p:cNvCxnSpPr/>
+                  <p:nvPr/>
+                </p:nvCxnSpPr>
+                <p:spPr>
+                  <a:xfrm flipH="1">
+                    <a:off x="5638830" y="870822"/>
+                    <a:ext cx="5547" cy="576978"/>
+                  </a:xfrm>
+                  <a:prstGeom prst="straightConnector1">
+                    <a:avLst/>
+                  </a:prstGeom>
+                  <a:ln>
+                    <a:tailEnd type="stealth"/>
+                  </a:ln>
+                </p:spPr>
+                <p:style>
+                  <a:lnRef idx="3">
+                    <a:schemeClr val="accent1"/>
+                  </a:lnRef>
+                  <a:fillRef idx="0">
+                    <a:schemeClr val="accent1"/>
+                  </a:fillRef>
+                  <a:effectRef idx="2">
+                    <a:schemeClr val="accent1"/>
+                  </a:effectRef>
+                  <a:fontRef idx="minor">
+                    <a:schemeClr val="tx1"/>
+                  </a:fontRef>
+                </p:style>
+              </p:cxnSp>
+              <p:cxnSp>
+                <p:nvCxnSpPr>
+                  <p:cNvPr id="68" name="Straight Arrow Connector 67"/>
+                  <p:cNvCxnSpPr/>
+                  <p:nvPr/>
+                </p:nvCxnSpPr>
+                <p:spPr>
+                  <a:xfrm flipH="1">
+                    <a:off x="4886160" y="699372"/>
+                    <a:ext cx="608591" cy="748428"/>
+                  </a:xfrm>
+                  <a:prstGeom prst="straightConnector1">
+                    <a:avLst/>
+                  </a:prstGeom>
+                  <a:ln>
+                    <a:tailEnd type="stealth"/>
+                  </a:ln>
+                </p:spPr>
+                <p:style>
+                  <a:lnRef idx="3">
+                    <a:schemeClr val="accent1"/>
+                  </a:lnRef>
+                  <a:fillRef idx="0">
+                    <a:schemeClr val="accent1"/>
+                  </a:fillRef>
+                  <a:effectRef idx="2">
+                    <a:schemeClr val="accent1"/>
+                  </a:effectRef>
+                  <a:fontRef idx="minor">
+                    <a:schemeClr val="tx1"/>
+                  </a:fontRef>
+                </p:style>
+              </p:cxnSp>
+              <p:cxnSp>
+                <p:nvCxnSpPr>
+                  <p:cNvPr id="70" name="Straight Arrow Connector 69"/>
+                  <p:cNvCxnSpPr/>
+                  <p:nvPr/>
+                </p:nvCxnSpPr>
+                <p:spPr>
+                  <a:xfrm>
+                    <a:off x="5788456" y="699372"/>
+                    <a:ext cx="651439" cy="736496"/>
+                  </a:xfrm>
+                  <a:prstGeom prst="straightConnector1">
+                    <a:avLst/>
+                  </a:prstGeom>
+                  <a:ln>
+                    <a:tailEnd type="stealth"/>
+                  </a:ln>
+                </p:spPr>
+                <p:style>
+                  <a:lnRef idx="3">
+                    <a:schemeClr val="accent1"/>
+                  </a:lnRef>
+                  <a:fillRef idx="0">
+                    <a:schemeClr val="accent1"/>
+                  </a:fillRef>
+                  <a:effectRef idx="2">
+                    <a:schemeClr val="accent1"/>
+                  </a:effectRef>
+                  <a:fontRef idx="minor">
+                    <a:schemeClr val="tx1"/>
+                  </a:fontRef>
+                </p:style>
+              </p:cxnSp>
+              <p:sp>
+                <p:nvSpPr>
+                  <p:cNvPr id="71" name="Oval 70"/>
+                  <p:cNvSpPr/>
+                  <p:nvPr/>
+                </p:nvSpPr>
+                <p:spPr>
+                  <a:xfrm>
+                    <a:off x="5491977" y="566023"/>
+                    <a:ext cx="304800" cy="304799"/>
+                  </a:xfrm>
+                  <a:prstGeom prst="ellipse">
+                    <a:avLst/>
+                  </a:prstGeom>
+                </p:spPr>
+                <p:style>
+                  <a:lnRef idx="2">
+                    <a:schemeClr val="accent1"/>
+                  </a:lnRef>
+                  <a:fillRef idx="1">
+                    <a:schemeClr val="lt1"/>
+                  </a:fillRef>
+                  <a:effectRef idx="0">
+                    <a:schemeClr val="accent1"/>
+                  </a:effectRef>
+                  <a:fontRef idx="minor">
+                    <a:schemeClr val="dk1"/>
+                  </a:fontRef>
+                </p:style>
+                <p:txBody>
+                  <a:bodyPr rtlCol="0" anchor="ctr"/>
+                  <a:lstStyle/>
+                  <a:p>
+                    <a:pPr algn="ctr"/>
+                    <a:endParaRPr lang="en-US" sz="1400"/>
+                  </a:p>
+                </p:txBody>
+              </p:sp>
+            </p:grpSp>
+          </p:grpSp>
+        </p:grpSp>
+        <p:sp>
+          <p:nvSpPr>
+            <p:cNvPr id="418" name="Oval 417"/>
+            <p:cNvSpPr/>
+            <p:nvPr/>
+          </p:nvSpPr>
+          <p:spPr>
+            <a:xfrm>
+              <a:off x="3131209" y="1089344"/>
+              <a:ext cx="277293" cy="265844"/>
+            </a:xfrm>
+            <a:prstGeom prst="ellipse">
+              <a:avLst/>
+            </a:prstGeom>
+            <a:solidFill>
+              <a:schemeClr val="accent1">
+                <a:lumMod val="40000"/>
+                <a:lumOff val="60000"/>
+              </a:schemeClr>
+            </a:solidFill>
+          </p:spPr>
+          <p:style>
+            <a:lnRef idx="2">
+              <a:schemeClr val="accent1"/>
+            </a:lnRef>
+            <a:fillRef idx="1">
+              <a:schemeClr val="lt1"/>
+            </a:fillRef>
+            <a:effectRef idx="0">
+              <a:schemeClr val="accent1"/>
+            </a:effectRef>
+            <a:fontRef idx="minor">
+              <a:schemeClr val="dk1"/>
+            </a:fontRef>
+          </p:style>
+          <p:txBody>
+            <a:bodyPr rtlCol="0" anchor="ctr"/>
+            <a:lstStyle/>
+            <a:p>
+              <a:pPr algn="ctr"/>
+              <a:endParaRPr lang="en-US" sz="1400"/>
+            </a:p>
+          </p:txBody>
+        </p:sp>
+        <p:sp>
+          <p:nvSpPr>
+            <p:cNvPr id="419" name="TextBox 418"/>
+            <p:cNvSpPr txBox="1"/>
+            <p:nvPr/>
+          </p:nvSpPr>
+          <p:spPr>
+            <a:xfrm>
+              <a:off x="2823057" y="1424616"/>
+              <a:ext cx="835169" cy="369332"/>
+            </a:xfrm>
+            <a:prstGeom prst="rect">
+              <a:avLst/>
+            </a:prstGeom>
+            <a:noFill/>
+          </p:spPr>
+          <p:txBody>
+            <a:bodyPr wrap="square" rtlCol="0">
+              <a:spAutoFit/>
+            </a:bodyPr>
+            <a:lstStyle/>
+            <a:p>
+              <a:pPr algn="ctr"/>
+              <a:r>
+                <a:rPr lang="en-US" dirty="0" smtClean="0"/>
+                <a:t>App N</a:t>
+              </a:r>
+              <a:endParaRPr lang="en-US" dirty="0"/>
+            </a:p>
+          </p:txBody>
+        </p:sp>
+        <p:sp>
+          <p:nvSpPr>
+            <p:cNvPr id="421" name="Oval 420"/>
+            <p:cNvSpPr/>
+            <p:nvPr/>
+          </p:nvSpPr>
+          <p:spPr>
+            <a:xfrm>
+              <a:off x="5044864" y="2498347"/>
+              <a:ext cx="277293" cy="265844"/>
+            </a:xfrm>
+            <a:prstGeom prst="ellipse">
+              <a:avLst/>
+            </a:prstGeom>
+            <a:solidFill>
+              <a:schemeClr val="accent1"/>
+            </a:solidFill>
+          </p:spPr>
+          <p:style>
+            <a:lnRef idx="2">
+              <a:schemeClr val="accent1"/>
+            </a:lnRef>
+            <a:fillRef idx="1">
+              <a:schemeClr val="lt1"/>
+            </a:fillRef>
+            <a:effectRef idx="0">
+              <a:schemeClr val="accent1"/>
+            </a:effectRef>
+            <a:fontRef idx="minor">
+              <a:schemeClr val="dk1"/>
+            </a:fontRef>
+          </p:style>
+          <p:txBody>
+            <a:bodyPr rtlCol="0" anchor="ctr"/>
+            <a:lstStyle/>
+            <a:p>
+              <a:pPr algn="ctr"/>
+              <a:endParaRPr lang="en-US" sz="1400"/>
+            </a:p>
+          </p:txBody>
+        </p:sp>
+        <p:sp>
+          <p:nvSpPr>
+            <p:cNvPr id="422" name="TextBox 421"/>
+            <p:cNvSpPr txBox="1"/>
+            <p:nvPr/>
+          </p:nvSpPr>
+          <p:spPr>
+            <a:xfrm>
+              <a:off x="4335343" y="2810387"/>
+              <a:ext cx="1369270" cy="646331"/>
+            </a:xfrm>
+            <a:prstGeom prst="rect">
+              <a:avLst/>
+            </a:prstGeom>
+            <a:noFill/>
+          </p:spPr>
+          <p:txBody>
+            <a:bodyPr wrap="square" rtlCol="0">
+              <a:spAutoFit/>
+            </a:bodyPr>
+            <a:lstStyle/>
+            <a:p>
+              <a:pPr algn="ctr"/>
+              <a:r>
+                <a:rPr lang="en-US" dirty="0" smtClean="0"/>
+                <a:t>Model for</a:t>
+              </a:r>
+            </a:p>
+            <a:p>
+              <a:pPr algn="ctr"/>
+              <a:r>
+                <a:rPr lang="en-US" dirty="0" smtClean="0"/>
+                <a:t>App N</a:t>
+              </a:r>
+              <a:endParaRPr lang="en-US" dirty="0"/>
+            </a:p>
+          </p:txBody>
+        </p:sp>
+        <p:sp>
+          <p:nvSpPr>
+            <p:cNvPr id="247" name="TextBox 246"/>
+            <p:cNvSpPr txBox="1"/>
+            <p:nvPr/>
+          </p:nvSpPr>
+          <p:spPr>
+            <a:xfrm>
+              <a:off x="4089407" y="-598467"/>
+              <a:ext cx="4127368" cy="369332"/>
+            </a:xfrm>
+            <a:prstGeom prst="rect">
+              <a:avLst/>
+            </a:prstGeom>
+            <a:noFill/>
+          </p:spPr>
+          <p:txBody>
+            <a:bodyPr wrap="square" rtlCol="0">
+              <a:spAutoFit/>
+            </a:bodyPr>
+            <a:lstStyle/>
+            <a:p>
+              <a:pPr algn="ctr"/>
+              <a:r>
+                <a:rPr lang="en-US" dirty="0"/>
+                <a:t>Server, </a:t>
+              </a:r>
+              <a:r>
+                <a:rPr lang="en-US" dirty="0" smtClean="0"/>
+                <a:t> Running </a:t>
+              </a:r>
+              <a:r>
+                <a:rPr lang="en-US" dirty="0"/>
+                <a:t>HBM</a:t>
+              </a:r>
+            </a:p>
+          </p:txBody>
+        </p:sp>
+        <p:cxnSp>
+          <p:nvCxnSpPr>
+            <p:cNvPr id="13" name="Straight Connector 12"/>
+            <p:cNvCxnSpPr/>
+            <p:nvPr/>
+          </p:nvCxnSpPr>
+          <p:spPr>
+            <a:xfrm flipH="1">
+              <a:off x="2472102" y="3615728"/>
+              <a:ext cx="695610" cy="2007068"/>
+            </a:xfrm>
+            <a:prstGeom prst="line">
+              <a:avLst/>
+            </a:prstGeom>
+            <a:ln>
+              <a:prstDash val="dash"/>
+            </a:ln>
+          </p:spPr>
+          <p:style>
+            <a:lnRef idx="1">
+              <a:schemeClr val="accent1"/>
+            </a:lnRef>
+            <a:fillRef idx="0">
+              <a:schemeClr val="accent1"/>
+            </a:fillRef>
+            <a:effectRef idx="0">
+              <a:schemeClr val="accent1"/>
+            </a:effectRef>
+            <a:fontRef idx="minor">
+              <a:schemeClr val="tx1"/>
+            </a:fontRef>
+          </p:style>
+        </p:cxnSp>
+        <p:cxnSp>
+          <p:nvCxnSpPr>
+            <p:cNvPr id="262" name="Straight Connector 261"/>
+            <p:cNvCxnSpPr/>
+            <p:nvPr/>
+          </p:nvCxnSpPr>
+          <p:spPr>
+            <a:xfrm>
+              <a:off x="4193938" y="3615728"/>
+              <a:ext cx="6046905" cy="1934764"/>
+            </a:xfrm>
+            <a:prstGeom prst="line">
+              <a:avLst/>
+            </a:prstGeom>
+            <a:ln>
+              <a:prstDash val="dash"/>
+            </a:ln>
+          </p:spPr>
+          <p:style>
+            <a:lnRef idx="1">
+              <a:schemeClr val="accent1"/>
+            </a:lnRef>
+            <a:fillRef idx="0">
+              <a:schemeClr val="accent1"/>
+            </a:fillRef>
+            <a:effectRef idx="0">
+              <a:schemeClr val="accent1"/>
+            </a:effectRef>
+            <a:fontRef idx="minor">
+              <a:schemeClr val="tx1"/>
+            </a:fontRef>
+          </p:style>
+        </p:cxnSp>
+        <p:grpSp>
+          <p:nvGrpSpPr>
+            <p:cNvPr id="27" name="Group 26"/>
+            <p:cNvGrpSpPr/>
+            <p:nvPr/>
+          </p:nvGrpSpPr>
+          <p:grpSpPr>
+            <a:xfrm>
+              <a:off x="2290564" y="5537736"/>
+              <a:ext cx="7950280" cy="2706527"/>
+              <a:chOff x="2290564" y="6452166"/>
+              <a:chExt cx="7950280" cy="2706527"/>
+            </a:xfrm>
+          </p:grpSpPr>
+          <p:grpSp>
+            <p:nvGrpSpPr>
+              <p:cNvPr id="424" name="Group 423"/>
+              <p:cNvGrpSpPr/>
+              <p:nvPr/>
+            </p:nvGrpSpPr>
+            <p:grpSpPr>
+              <a:xfrm>
+                <a:off x="2290564" y="6520739"/>
+                <a:ext cx="7950279" cy="2598474"/>
+                <a:chOff x="-181537" y="6367281"/>
+                <a:chExt cx="7950279" cy="2598474"/>
+              </a:xfrm>
+            </p:grpSpPr>
+            <p:sp>
+              <p:nvSpPr>
+                <p:cNvPr id="186" name="TextBox 185"/>
+                <p:cNvSpPr txBox="1"/>
+                <p:nvPr/>
+              </p:nvSpPr>
+              <p:spPr>
+                <a:xfrm>
+                  <a:off x="-181537" y="6367281"/>
+                  <a:ext cx="1828800" cy="646331"/>
+                </a:xfrm>
+                <a:prstGeom prst="rect">
+                  <a:avLst/>
+                </a:prstGeom>
+                <a:noFill/>
+              </p:spPr>
+              <p:txBody>
+                <a:bodyPr wrap="square" rtlCol="0">
+                  <a:spAutoFit/>
+                </a:bodyPr>
+                <a:lstStyle/>
+                <a:p>
+                  <a:pPr algn="ctr"/>
+                  <a:r>
+                    <a:rPr lang="en-US" dirty="0"/>
+                    <a:t>Performance</a:t>
+                  </a:r>
+                </a:p>
+                <a:p>
+                  <a:pPr algn="ctr"/>
+                  <a:r>
+                    <a:rPr lang="en-US" dirty="0" smtClean="0"/>
+                    <a:t>Goal</a:t>
+                  </a:r>
+                  <a:endParaRPr lang="en-US" dirty="0"/>
+                </a:p>
+              </p:txBody>
+            </p:sp>
+            <p:sp>
+              <p:nvSpPr>
+                <p:cNvPr id="102" name="Rectangle 101"/>
+                <p:cNvSpPr/>
+                <p:nvPr/>
+              </p:nvSpPr>
+              <p:spPr>
+                <a:xfrm>
+                  <a:off x="1586970" y="7114538"/>
+                  <a:ext cx="1363821" cy="1169217"/>
+                </a:xfrm>
+                <a:prstGeom prst="rect">
+                  <a:avLst/>
+                </a:prstGeom>
+                <a:solidFill>
+                  <a:schemeClr val="accent1">
+                    <a:lumMod val="60000"/>
+                    <a:lumOff val="40000"/>
+                  </a:schemeClr>
+                </a:solidFill>
+              </p:spPr>
+              <p:style>
+                <a:lnRef idx="2">
+                  <a:schemeClr val="accent1">
+                    <a:shade val="50000"/>
+                  </a:schemeClr>
+                </a:lnRef>
+                <a:fillRef idx="1">
+                  <a:schemeClr val="accent1"/>
+                </a:fillRef>
+                <a:effectRef idx="0">
+                  <a:schemeClr val="accent1"/>
+                </a:effectRef>
+                <a:fontRef idx="minor">
+                  <a:schemeClr val="lt1"/>
+                </a:fontRef>
+              </p:style>
+              <p:txBody>
+                <a:bodyPr rtlCol="0" anchor="ctr"/>
+                <a:lstStyle/>
+                <a:p>
+                  <a:pPr algn="ctr"/>
+                  <a:r>
+                    <a:rPr lang="en-US" dirty="0" smtClean="0">
+                      <a:solidFill>
+                        <a:schemeClr val="tx1"/>
+                      </a:solidFill>
+                    </a:rPr>
+                    <a:t>Light-weight Control</a:t>
+                  </a:r>
+                  <a:endParaRPr lang="en-US" dirty="0">
+                    <a:solidFill>
+                      <a:schemeClr val="tx1"/>
+                    </a:solidFill>
+                  </a:endParaRPr>
+                </a:p>
+                <a:p>
+                  <a:pPr algn="ctr"/>
+                  <a:r>
+                    <a:rPr lang="en-US" dirty="0">
+                      <a:solidFill>
+                        <a:schemeClr val="tx1"/>
+                      </a:solidFill>
+                    </a:rPr>
+                    <a:t>System</a:t>
+                  </a:r>
+                </a:p>
+              </p:txBody>
+            </p:sp>
+            <p:cxnSp>
+              <p:nvCxnSpPr>
+                <p:cNvPr id="181" name="Elbow Connector 180"/>
+                <p:cNvCxnSpPr>
+                  <a:stCxn id="103" idx="2"/>
+                  <a:endCxn id="182" idx="4"/>
+                </p:cNvCxnSpPr>
+                <p:nvPr/>
+              </p:nvCxnSpPr>
+              <p:spPr>
+                <a:xfrm rot="5400000" flipH="1">
+                  <a:off x="3302096" y="5506573"/>
+                  <a:ext cx="564761" cy="5777731"/>
+                </a:xfrm>
+                <a:prstGeom prst="bentConnector3">
+                  <a:avLst>
+                    <a:gd name="adj1" fmla="val -40477"/>
+                  </a:avLst>
+                </a:prstGeom>
+                <a:ln>
+                  <a:tailEnd type="triangle"/>
+                </a:ln>
+              </p:spPr>
+              <p:style>
+                <a:lnRef idx="3">
+                  <a:schemeClr val="accent1"/>
+                </a:lnRef>
+                <a:fillRef idx="0">
+                  <a:schemeClr val="accent1"/>
+                </a:fillRef>
+                <a:effectRef idx="2">
+                  <a:schemeClr val="accent1"/>
+                </a:effectRef>
+                <a:fontRef idx="minor">
+                  <a:schemeClr val="tx1"/>
+                </a:fontRef>
+              </p:style>
+            </p:cxnSp>
+            <p:sp>
+              <p:nvSpPr>
+                <p:cNvPr id="182" name="Oval 181"/>
+                <p:cNvSpPr/>
+                <p:nvPr/>
+              </p:nvSpPr>
+              <p:spPr>
+                <a:xfrm>
+                  <a:off x="314611" y="7392968"/>
+                  <a:ext cx="762000" cy="720089"/>
+                </a:xfrm>
+                <a:prstGeom prst="ellipse">
+                  <a:avLst/>
+                </a:prstGeom>
+              </p:spPr>
+              <p:style>
+                <a:lnRef idx="2">
+                  <a:schemeClr val="accent1">
+                    <a:shade val="50000"/>
+                  </a:schemeClr>
+                </a:lnRef>
+                <a:fillRef idx="1">
+                  <a:schemeClr val="accent1"/>
+                </a:fillRef>
+                <a:effectRef idx="0">
+                  <a:schemeClr val="accent1"/>
+                </a:effectRef>
+                <a:fontRef idx="minor">
+                  <a:schemeClr val="lt1"/>
+                </a:fontRef>
+              </p:style>
+              <p:txBody>
+                <a:bodyPr rtlCol="0" anchor="ctr"/>
+                <a:lstStyle/>
+                <a:p>
+                  <a:pPr algn="ctr"/>
+                  <a:r>
+                    <a:rPr lang="en-US" sz="5400" dirty="0"/>
+                    <a:t>-</a:t>
+                  </a:r>
+                </a:p>
+              </p:txBody>
+            </p:sp>
+            <p:sp>
+              <p:nvSpPr>
+                <p:cNvPr id="184" name="TextBox 183"/>
+                <p:cNvSpPr txBox="1"/>
+                <p:nvPr/>
+              </p:nvSpPr>
+              <p:spPr>
+                <a:xfrm>
+                  <a:off x="1863242" y="8596423"/>
+                  <a:ext cx="3429000" cy="369332"/>
+                </a:xfrm>
+                <a:prstGeom prst="rect">
+                  <a:avLst/>
+                </a:prstGeom>
+                <a:noFill/>
+              </p:spPr>
+              <p:txBody>
+                <a:bodyPr wrap="square" rtlCol="0">
+                  <a:spAutoFit/>
+                </a:bodyPr>
+                <a:lstStyle/>
+                <a:p>
+                  <a:pPr algn="ctr"/>
+                  <a:r>
+                    <a:rPr lang="en-US" dirty="0"/>
+                    <a:t>Performance Feedback</a:t>
+                  </a:r>
+                </a:p>
+              </p:txBody>
+            </p:sp>
+            <p:sp>
+              <p:nvSpPr>
+                <p:cNvPr id="187" name="Rectangle 186"/>
+                <p:cNvSpPr/>
+                <p:nvPr/>
+              </p:nvSpPr>
+              <p:spPr>
+                <a:xfrm>
+                  <a:off x="3459012" y="7309196"/>
+                  <a:ext cx="1340416" cy="974559"/>
+                </a:xfrm>
+                <a:prstGeom prst="rect">
+                  <a:avLst/>
+                </a:prstGeom>
+                <a:solidFill>
+                  <a:schemeClr val="accent1">
+                    <a:lumMod val="60000"/>
+                    <a:lumOff val="40000"/>
+                  </a:schemeClr>
+                </a:solidFill>
+              </p:spPr>
+              <p:style>
+                <a:lnRef idx="1">
+                  <a:schemeClr val="accent1"/>
+                </a:lnRef>
+                <a:fillRef idx="2">
+                  <a:schemeClr val="accent1"/>
+                </a:fillRef>
+                <a:effectRef idx="1">
+                  <a:schemeClr val="accent1"/>
+                </a:effectRef>
+                <a:fontRef idx="minor">
+                  <a:schemeClr val="dk1"/>
+                </a:fontRef>
+              </p:style>
+              <p:txBody>
+                <a:bodyPr rtlCol="0" anchor="ctr"/>
+                <a:lstStyle/>
+                <a:p>
+                  <a:pPr algn="ctr"/>
+                  <a:r>
+                    <a:rPr lang="en-US" dirty="0">
+                      <a:solidFill>
+                        <a:schemeClr val="tx1"/>
+                      </a:solidFill>
+                    </a:rPr>
+                    <a:t>App-specific</a:t>
+                  </a:r>
+                </a:p>
+                <a:p>
+                  <a:pPr algn="ctr"/>
+                  <a:r>
+                    <a:rPr lang="en-US" dirty="0">
+                      <a:solidFill>
+                        <a:schemeClr val="tx1"/>
+                      </a:solidFill>
+                    </a:rPr>
+                    <a:t>Optimizer</a:t>
+                  </a:r>
+                </a:p>
+              </p:txBody>
+            </p:sp>
+            <p:grpSp>
+              <p:nvGrpSpPr>
+                <p:cNvPr id="420" name="Group 419"/>
+                <p:cNvGrpSpPr/>
+                <p:nvPr/>
+              </p:nvGrpSpPr>
+              <p:grpSpPr>
+                <a:xfrm>
+                  <a:off x="5292242" y="6468018"/>
+                  <a:ext cx="2476500" cy="2209800"/>
+                  <a:chOff x="5292242" y="6468018"/>
+                  <a:chExt cx="2476500" cy="2209800"/>
+                </a:xfrm>
+              </p:grpSpPr>
+              <p:sp>
+                <p:nvSpPr>
+                  <p:cNvPr id="103" name="Rectangle 102"/>
+                  <p:cNvSpPr/>
+                  <p:nvPr/>
+                </p:nvSpPr>
+                <p:spPr>
+                  <a:xfrm>
+                    <a:off x="5292242" y="6468018"/>
+                    <a:ext cx="2362200" cy="2209800"/>
+                  </a:xfrm>
+                  <a:prstGeom prst="rect">
+                    <a:avLst/>
+                  </a:prstGeom>
+                </p:spPr>
+                <p:style>
+                  <a:lnRef idx="2">
+                    <a:schemeClr val="accent1">
+                      <a:shade val="50000"/>
+                    </a:schemeClr>
+                  </a:lnRef>
+                  <a:fillRef idx="1">
+                    <a:schemeClr val="accent1"/>
+                  </a:fillRef>
+                  <a:effectRef idx="0">
+                    <a:schemeClr val="accent1"/>
+                  </a:effectRef>
+                  <a:fontRef idx="minor">
+                    <a:schemeClr val="lt1"/>
+                  </a:fontRef>
+                </p:style>
+                <p:txBody>
+                  <a:bodyPr rtlCol="0" anchor="ctr"/>
+                  <a:lstStyle/>
+                  <a:p>
+                    <a:pPr algn="ctr"/>
+                    <a:endParaRPr lang="en-US" sz="1600"/>
+                  </a:p>
+                </p:txBody>
+              </p:sp>
+              <p:grpSp>
+                <p:nvGrpSpPr>
+                  <p:cNvPr id="104" name="Group 99"/>
+                  <p:cNvGrpSpPr>
+                    <a:grpSpLocks/>
+                  </p:cNvGrpSpPr>
+                  <p:nvPr/>
+                </p:nvGrpSpPr>
+                <p:grpSpPr bwMode="auto">
+                  <a:xfrm>
+                    <a:off x="5368443" y="6547196"/>
+                    <a:ext cx="974629" cy="678447"/>
+                    <a:chOff x="7239000" y="4549063"/>
+                    <a:chExt cx="762000" cy="584138"/>
+                  </a:xfrm>
+                </p:grpSpPr>
+                <p:sp>
+                  <p:nvSpPr>
+                    <p:cNvPr id="105" name="Oval 12"/>
+                    <p:cNvSpPr/>
+                    <p:nvPr/>
+                  </p:nvSpPr>
+                  <p:spPr>
+                    <a:xfrm>
+                      <a:off x="7366000" y="4657717"/>
+                      <a:ext cx="527538" cy="461789"/>
+                    </a:xfrm>
+                    <a:prstGeom prst="ellipse">
+                      <a:avLst/>
+                    </a:prstGeom>
+                    <a:gradFill rotWithShape="1">
+                      <a:gsLst>
+                        <a:gs pos="0">
+                          <a:srgbClr val="BBE0E3">
+                            <a:shade val="51000"/>
+                            <a:satMod val="130000"/>
+                          </a:srgbClr>
+                        </a:gs>
+                        <a:gs pos="80000">
+                          <a:srgbClr val="BBE0E3">
+                            <a:shade val="93000"/>
+                            <a:satMod val="130000"/>
+                          </a:srgbClr>
+                        </a:gs>
+                        <a:gs pos="100000">
+                          <a:srgbClr val="BBE0E3">
+                            <a:shade val="94000"/>
+                            <a:satMod val="135000"/>
+                          </a:srgbClr>
+                        </a:gs>
+                      </a:gsLst>
+                      <a:lin ang="16200000" scaled="0"/>
+                    </a:gradFill>
+                    <a:ln>
+                      <a:noFill/>
+                    </a:ln>
+                    <a:effectLst>
+                      <a:outerShdw blurRad="40000" dist="23000" dir="5400000" rotWithShape="0">
+                        <a:srgbClr val="000000">
+                          <a:alpha val="35000"/>
+                        </a:srgbClr>
+                      </a:outerShdw>
+                    </a:effectLst>
+                    <a:scene3d>
+                      <a:camera prst="orthographicFront">
+                        <a:rot lat="0" lon="0" rev="0"/>
+                      </a:camera>
+                      <a:lightRig rig="threePt" dir="t">
+                        <a:rot lat="0" lon="0" rev="1200000"/>
+                      </a:lightRig>
+                    </a:scene3d>
+                    <a:sp3d>
+                      <a:bevelT w="63500" h="25400"/>
+                    </a:sp3d>
+                  </p:spPr>
+                  <p:txBody>
+                    <a:bodyPr anchor="ctr"/>
+                    <a:lstStyle/>
+                    <a:p>
+                      <a:pPr algn="ctr">
+                        <a:defRPr/>
+                      </a:pPr>
+                      <a:endParaRPr lang="en-US" sz="1400" kern="0">
+                        <a:solidFill>
+                          <a:srgbClr val="FFFFFF"/>
+                        </a:solidFill>
+                        <a:latin typeface="Arial"/>
+                      </a:endParaRPr>
+                    </a:p>
+                  </p:txBody>
+                </p:sp>
+                <p:cxnSp>
+                  <p:nvCxnSpPr>
+                    <p:cNvPr id="106" name="Straight Connector 13"/>
+                    <p:cNvCxnSpPr/>
+                    <p:nvPr/>
+                  </p:nvCxnSpPr>
+                  <p:spPr>
+                    <a:xfrm rot="5400000">
+                      <a:off x="7543026" y="4733944"/>
+                      <a:ext cx="153947" cy="0"/>
+                    </a:xfrm>
+                    <a:prstGeom prst="line">
+                      <a:avLst/>
+                    </a:prstGeom>
+                    <a:noFill/>
+                    <a:ln w="25400" cap="flat" cmpd="sng" algn="ctr">
+                      <a:solidFill>
+                        <a:srgbClr val="000000"/>
+                      </a:solidFill>
+                      <a:prstDash val="solid"/>
+                    </a:ln>
+                    <a:effectLst>
+                      <a:outerShdw blurRad="40000" dist="20000" dir="5400000" rotWithShape="0">
+                        <a:srgbClr val="000000">
+                          <a:alpha val="38000"/>
+                        </a:srgbClr>
+                      </a:outerShdw>
+                    </a:effectLst>
+                  </p:spPr>
+                </p:cxnSp>
+                <p:sp>
+                  <p:nvSpPr>
+                    <p:cNvPr id="107" name="Minus 14"/>
+                    <p:cNvSpPr/>
+                    <p:nvPr/>
+                  </p:nvSpPr>
+                  <p:spPr>
+                    <a:xfrm rot="16200000">
+                      <a:off x="7579716" y="4530610"/>
+                      <a:ext cx="80571" cy="117475"/>
+                    </a:xfrm>
+                    <a:prstGeom prst="mathMinus">
+                      <a:avLst/>
+                    </a:prstGeom>
+                    <a:solidFill>
+                      <a:srgbClr val="000000"/>
+                    </a:solidFill>
+                    <a:ln w="3175" cap="flat" cmpd="sng" algn="ctr">
+                      <a:solidFill>
+                        <a:srgbClr val="FFFFFF"/>
+                      </a:solidFill>
+                      <a:prstDash val="solid"/>
+                    </a:ln>
+                    <a:effectLst>
+                      <a:outerShdw blurRad="40000" dist="20000" dir="5400000" rotWithShape="0">
+                        <a:srgbClr val="000000">
+                          <a:alpha val="38000"/>
+                        </a:srgbClr>
+                      </a:outerShdw>
+                    </a:effectLst>
+                  </p:spPr>
+                  <p:txBody>
+                    <a:bodyPr anchor="ctr"/>
+                    <a:lstStyle/>
+                    <a:p>
+                      <a:pPr algn="ctr">
+                        <a:defRPr/>
+                      </a:pPr>
+                      <a:endParaRPr lang="en-US" sz="1400" kern="0">
+                        <a:solidFill>
+                          <a:srgbClr val="FFFFFF"/>
+                        </a:solidFill>
+                        <a:latin typeface="Arial"/>
+                      </a:endParaRPr>
+                    </a:p>
+                  </p:txBody>
+                </p:sp>
+                <p:sp>
+                  <p:nvSpPr>
+                    <p:cNvPr id="110" name="Minus 15"/>
+                    <p:cNvSpPr/>
+                    <p:nvPr/>
+                  </p:nvSpPr>
+                  <p:spPr>
+                    <a:xfrm>
+                      <a:off x="7913688" y="4820990"/>
+                      <a:ext cx="87312" cy="107907"/>
+                    </a:xfrm>
+                    <a:prstGeom prst="mathMinus">
+                      <a:avLst/>
+                    </a:prstGeom>
+                    <a:solidFill>
+                      <a:srgbClr val="000000"/>
+                    </a:solidFill>
+                    <a:ln w="3175" cap="flat" cmpd="sng" algn="ctr">
+                      <a:solidFill>
+                        <a:srgbClr val="FFFFFF"/>
+                      </a:solidFill>
+                      <a:prstDash val="solid"/>
+                    </a:ln>
+                    <a:effectLst>
+                      <a:outerShdw blurRad="40000" dist="20000" dir="5400000" rotWithShape="0">
+                        <a:srgbClr val="000000">
+                          <a:alpha val="38000"/>
+                        </a:srgbClr>
+                      </a:outerShdw>
+                    </a:effectLst>
+                  </p:spPr>
+                  <p:txBody>
+                    <a:bodyPr anchor="ctr"/>
+                    <a:lstStyle/>
+                    <a:p>
+                      <a:pPr algn="ctr">
+                        <a:defRPr/>
+                      </a:pPr>
+                      <a:endParaRPr lang="en-US" sz="1400" kern="0">
+                        <a:solidFill>
+                          <a:srgbClr val="FFFFFF"/>
+                        </a:solidFill>
+                        <a:latin typeface="Arial"/>
+                      </a:endParaRPr>
+                    </a:p>
+                  </p:txBody>
+                </p:sp>
+                <p:sp>
+                  <p:nvSpPr>
+                    <p:cNvPr id="112" name="Minus 16"/>
+                    <p:cNvSpPr/>
+                    <p:nvPr/>
+                  </p:nvSpPr>
+                  <p:spPr>
+                    <a:xfrm>
+                      <a:off x="7239000" y="4820990"/>
+                      <a:ext cx="87313" cy="107907"/>
+                    </a:xfrm>
+                    <a:prstGeom prst="mathMinus">
+                      <a:avLst/>
+                    </a:prstGeom>
+                    <a:solidFill>
+                      <a:srgbClr val="000000"/>
+                    </a:solidFill>
+                    <a:ln w="3175" cap="flat" cmpd="sng" algn="ctr">
+                      <a:solidFill>
+                        <a:srgbClr val="FFFFFF"/>
+                      </a:solidFill>
+                      <a:prstDash val="solid"/>
+                    </a:ln>
+                    <a:effectLst>
+                      <a:outerShdw blurRad="40000" dist="20000" dir="5400000" rotWithShape="0">
+                        <a:srgbClr val="000000">
+                          <a:alpha val="38000"/>
+                        </a:srgbClr>
+                      </a:outerShdw>
+                    </a:effectLst>
+                  </p:spPr>
+                  <p:txBody>
+                    <a:bodyPr anchor="ctr"/>
+                    <a:lstStyle/>
+                    <a:p>
+                      <a:pPr algn="ctr">
+                        <a:defRPr/>
+                      </a:pPr>
+                      <a:endParaRPr lang="en-US" sz="1400" kern="0">
+                        <a:solidFill>
+                          <a:srgbClr val="FFFFFF"/>
+                        </a:solidFill>
+                        <a:latin typeface="Arial"/>
+                      </a:endParaRPr>
+                    </a:p>
+                  </p:txBody>
+                </p:sp>
+                <p:sp>
+                  <p:nvSpPr>
+                    <p:cNvPr id="114" name="Minus 17"/>
+                    <p:cNvSpPr/>
+                    <p:nvPr/>
+                  </p:nvSpPr>
+                  <p:spPr>
+                    <a:xfrm rot="2264948">
+                      <a:off x="7323138" y="4644021"/>
+                      <a:ext cx="87312" cy="109346"/>
+                    </a:xfrm>
+                    <a:prstGeom prst="mathMinus">
+                      <a:avLst/>
+                    </a:prstGeom>
+                    <a:solidFill>
+                      <a:srgbClr val="000000"/>
+                    </a:solidFill>
+                    <a:ln w="3175" cap="flat" cmpd="sng" algn="ctr">
+                      <a:solidFill>
+                        <a:srgbClr val="FFFFFF"/>
+                      </a:solidFill>
+                      <a:prstDash val="solid"/>
+                    </a:ln>
+                    <a:effectLst>
+                      <a:outerShdw blurRad="40000" dist="20000" dir="5400000" rotWithShape="0">
+                        <a:srgbClr val="000000">
+                          <a:alpha val="38000"/>
+                        </a:srgbClr>
+                      </a:outerShdw>
+                    </a:effectLst>
+                  </p:spPr>
+                  <p:txBody>
+                    <a:bodyPr anchor="ctr"/>
+                    <a:lstStyle/>
+                    <a:p>
+                      <a:pPr algn="ctr">
+                        <a:defRPr/>
+                      </a:pPr>
+                      <a:endParaRPr lang="en-US" sz="1400" kern="0">
+                        <a:solidFill>
+                          <a:srgbClr val="FFFFFF"/>
+                        </a:solidFill>
+                        <a:latin typeface="Arial"/>
+                      </a:endParaRPr>
+                    </a:p>
+                  </p:txBody>
+                </p:sp>
+                <p:sp>
+                  <p:nvSpPr>
+                    <p:cNvPr id="117" name="Minus 18"/>
+                    <p:cNvSpPr/>
+                    <p:nvPr/>
+                  </p:nvSpPr>
+                  <p:spPr>
+                    <a:xfrm rot="19067474">
+                      <a:off x="7826375" y="4644021"/>
+                      <a:ext cx="87313" cy="107908"/>
+                    </a:xfrm>
+                    <a:prstGeom prst="mathMinus">
+                      <a:avLst/>
+                    </a:prstGeom>
+                    <a:solidFill>
+                      <a:srgbClr val="000000"/>
+                    </a:solidFill>
+                    <a:ln w="3175" cap="flat" cmpd="sng" algn="ctr">
+                      <a:solidFill>
+                        <a:srgbClr val="FFFFFF"/>
+                      </a:solidFill>
+                      <a:prstDash val="solid"/>
+                    </a:ln>
+                    <a:effectLst>
+                      <a:outerShdw blurRad="40000" dist="20000" dir="5400000" rotWithShape="0">
+                        <a:srgbClr val="000000">
+                          <a:alpha val="38000"/>
+                        </a:srgbClr>
+                      </a:outerShdw>
+                    </a:effectLst>
+                  </p:spPr>
+                  <p:txBody>
+                    <a:bodyPr anchor="ctr"/>
+                    <a:lstStyle/>
+                    <a:p>
+                      <a:pPr algn="ctr">
+                        <a:defRPr/>
+                      </a:pPr>
+                      <a:endParaRPr lang="en-US" sz="1400" kern="0">
+                        <a:solidFill>
+                          <a:srgbClr val="FFFFFF"/>
+                        </a:solidFill>
+                        <a:latin typeface="Arial"/>
+                      </a:endParaRPr>
+                    </a:p>
+                  </p:txBody>
+                </p:sp>
+                <p:sp>
+                  <p:nvSpPr>
+                    <p:cNvPr id="118" name="Minus 19"/>
+                    <p:cNvSpPr/>
+                    <p:nvPr/>
+                  </p:nvSpPr>
+                  <p:spPr>
+                    <a:xfrm rot="19189480">
+                      <a:off x="7329488" y="5025294"/>
+                      <a:ext cx="87312" cy="107907"/>
+                    </a:xfrm>
+                    <a:prstGeom prst="mathMinus">
+                      <a:avLst/>
+                    </a:prstGeom>
+                    <a:solidFill>
+                      <a:srgbClr val="000000"/>
+                    </a:solidFill>
+                    <a:ln w="3175" cap="flat" cmpd="sng" algn="ctr">
+                      <a:solidFill>
+                        <a:srgbClr val="FFFFFF"/>
+                      </a:solidFill>
+                      <a:prstDash val="solid"/>
+                    </a:ln>
+                    <a:effectLst>
+                      <a:outerShdw blurRad="40000" dist="20000" dir="5400000" rotWithShape="0">
+                        <a:srgbClr val="000000">
+                          <a:alpha val="38000"/>
+                        </a:srgbClr>
+                      </a:outerShdw>
+                    </a:effectLst>
+                  </p:spPr>
+                  <p:txBody>
+                    <a:bodyPr anchor="ctr"/>
+                    <a:lstStyle/>
+                    <a:p>
+                      <a:pPr algn="ctr">
+                        <a:defRPr/>
+                      </a:pPr>
+                      <a:endParaRPr lang="en-US" sz="1400" kern="0">
+                        <a:solidFill>
+                          <a:srgbClr val="FFFFFF"/>
+                        </a:solidFill>
+                        <a:latin typeface="Arial"/>
+                      </a:endParaRPr>
+                    </a:p>
+                  </p:txBody>
+                </p:sp>
+                <p:sp>
+                  <p:nvSpPr>
+                    <p:cNvPr id="124" name="Minus 20"/>
+                    <p:cNvSpPr/>
+                    <p:nvPr/>
+                  </p:nvSpPr>
+                  <p:spPr>
+                    <a:xfrm rot="2517184">
+                      <a:off x="7826375" y="5025294"/>
+                      <a:ext cx="87313" cy="107907"/>
+                    </a:xfrm>
+                    <a:prstGeom prst="mathMinus">
+                      <a:avLst/>
+                    </a:prstGeom>
+                    <a:solidFill>
+                      <a:srgbClr val="000000"/>
+                    </a:solidFill>
+                    <a:ln w="3175" cap="flat" cmpd="sng" algn="ctr">
+                      <a:solidFill>
+                        <a:srgbClr val="FFFFFF"/>
+                      </a:solidFill>
+                      <a:prstDash val="solid"/>
+                    </a:ln>
+                    <a:effectLst>
+                      <a:outerShdw blurRad="40000" dist="20000" dir="5400000" rotWithShape="0">
+                        <a:srgbClr val="000000">
+                          <a:alpha val="38000"/>
+                        </a:srgbClr>
+                      </a:outerShdw>
+                    </a:effectLst>
+                  </p:spPr>
+                  <p:txBody>
+                    <a:bodyPr anchor="ctr"/>
+                    <a:lstStyle/>
+                    <a:p>
+                      <a:pPr algn="ctr">
+                        <a:defRPr/>
+                      </a:pPr>
+                      <a:endParaRPr lang="en-US" sz="1400" kern="0">
+                        <a:solidFill>
+                          <a:srgbClr val="FFFFFF"/>
+                        </a:solidFill>
+                        <a:latin typeface="Arial"/>
+                      </a:endParaRPr>
+                    </a:p>
+                  </p:txBody>
+                </p:sp>
+              </p:grpSp>
+              <p:grpSp>
+                <p:nvGrpSpPr>
+                  <p:cNvPr id="140" name="Group 99"/>
+                  <p:cNvGrpSpPr>
+                    <a:grpSpLocks/>
+                  </p:cNvGrpSpPr>
+                  <p:nvPr/>
+                </p:nvGrpSpPr>
+                <p:grpSpPr bwMode="auto">
+                  <a:xfrm>
+                    <a:off x="6603614" y="6547196"/>
+                    <a:ext cx="974629" cy="678447"/>
+                    <a:chOff x="7239000" y="4549063"/>
+                    <a:chExt cx="762000" cy="584138"/>
+                  </a:xfrm>
+                </p:grpSpPr>
+                <p:sp>
+                  <p:nvSpPr>
+                    <p:cNvPr id="146" name="Oval 12"/>
+                    <p:cNvSpPr/>
+                    <p:nvPr/>
+                  </p:nvSpPr>
+                  <p:spPr>
+                    <a:xfrm>
+                      <a:off x="7366000" y="4657717"/>
+                      <a:ext cx="527538" cy="461789"/>
+                    </a:xfrm>
+                    <a:prstGeom prst="ellipse">
+                      <a:avLst/>
+                    </a:prstGeom>
+                    <a:gradFill rotWithShape="1">
+                      <a:gsLst>
+                        <a:gs pos="0">
+                          <a:srgbClr val="BBE0E3">
+                            <a:shade val="51000"/>
+                            <a:satMod val="130000"/>
+                          </a:srgbClr>
+                        </a:gs>
+                        <a:gs pos="80000">
+                          <a:srgbClr val="BBE0E3">
+                            <a:shade val="93000"/>
+                            <a:satMod val="130000"/>
+                          </a:srgbClr>
+                        </a:gs>
+                        <a:gs pos="100000">
+                          <a:srgbClr val="BBE0E3">
+                            <a:shade val="94000"/>
+                            <a:satMod val="135000"/>
+                          </a:srgbClr>
+                        </a:gs>
+                      </a:gsLst>
+                      <a:lin ang="16200000" scaled="0"/>
+                    </a:gradFill>
+                    <a:ln>
+                      <a:noFill/>
+                    </a:ln>
+                    <a:effectLst>
+                      <a:outerShdw blurRad="40000" dist="23000" dir="5400000" rotWithShape="0">
+                        <a:srgbClr val="000000">
+                          <a:alpha val="35000"/>
+                        </a:srgbClr>
+                      </a:outerShdw>
+                    </a:effectLst>
+                    <a:scene3d>
+                      <a:camera prst="orthographicFront">
+                        <a:rot lat="0" lon="0" rev="0"/>
+                      </a:camera>
+                      <a:lightRig rig="threePt" dir="t">
+                        <a:rot lat="0" lon="0" rev="1200000"/>
+                      </a:lightRig>
+                    </a:scene3d>
+                    <a:sp3d>
+                      <a:bevelT w="63500" h="25400"/>
+                    </a:sp3d>
+                  </p:spPr>
+                  <p:txBody>
+                    <a:bodyPr anchor="ctr"/>
+                    <a:lstStyle/>
+                    <a:p>
+                      <a:pPr algn="ctr">
+                        <a:defRPr/>
+                      </a:pPr>
+                      <a:endParaRPr lang="en-US" sz="1400" kern="0">
+                        <a:solidFill>
+                          <a:srgbClr val="FFFFFF"/>
+                        </a:solidFill>
+                        <a:latin typeface="Arial"/>
+                      </a:endParaRPr>
+                    </a:p>
+                  </p:txBody>
+                </p:sp>
+                <p:cxnSp>
+                  <p:nvCxnSpPr>
+                    <p:cNvPr id="147" name="Straight Connector 13"/>
+                    <p:cNvCxnSpPr/>
+                    <p:nvPr/>
+                  </p:nvCxnSpPr>
+                  <p:spPr>
+                    <a:xfrm rot="5400000">
+                      <a:off x="7543026" y="4733944"/>
+                      <a:ext cx="153947" cy="0"/>
+                    </a:xfrm>
+                    <a:prstGeom prst="line">
+                      <a:avLst/>
+                    </a:prstGeom>
+                    <a:noFill/>
+                    <a:ln w="25400" cap="flat" cmpd="sng" algn="ctr">
+                      <a:solidFill>
+                        <a:srgbClr val="000000"/>
+                      </a:solidFill>
+                      <a:prstDash val="solid"/>
+                    </a:ln>
+                    <a:effectLst>
+                      <a:outerShdw blurRad="40000" dist="20000" dir="5400000" rotWithShape="0">
+                        <a:srgbClr val="000000">
+                          <a:alpha val="38000"/>
+                        </a:srgbClr>
+                      </a:outerShdw>
+                    </a:effectLst>
+                  </p:spPr>
+                </p:cxnSp>
+                <p:sp>
+                  <p:nvSpPr>
+                    <p:cNvPr id="148" name="Minus 14"/>
+                    <p:cNvSpPr/>
+                    <p:nvPr/>
+                  </p:nvSpPr>
+                  <p:spPr>
+                    <a:xfrm rot="16200000">
+                      <a:off x="7579716" y="4530610"/>
+                      <a:ext cx="80571" cy="117475"/>
+                    </a:xfrm>
+                    <a:prstGeom prst="mathMinus">
+                      <a:avLst/>
+                    </a:prstGeom>
+                    <a:solidFill>
+                      <a:srgbClr val="000000"/>
+                    </a:solidFill>
+                    <a:ln w="3175" cap="flat" cmpd="sng" algn="ctr">
+                      <a:solidFill>
+                        <a:srgbClr val="FFFFFF"/>
+                      </a:solidFill>
+                      <a:prstDash val="solid"/>
+                    </a:ln>
+                    <a:effectLst>
+                      <a:outerShdw blurRad="40000" dist="20000" dir="5400000" rotWithShape="0">
+                        <a:srgbClr val="000000">
+                          <a:alpha val="38000"/>
+                        </a:srgbClr>
+                      </a:outerShdw>
+                    </a:effectLst>
+                  </p:spPr>
+                  <p:txBody>
+                    <a:bodyPr anchor="ctr"/>
+                    <a:lstStyle/>
+                    <a:p>
+                      <a:pPr algn="ctr">
+                        <a:defRPr/>
+                      </a:pPr>
+                      <a:endParaRPr lang="en-US" sz="1400" kern="0">
+                        <a:solidFill>
+                          <a:srgbClr val="FFFFFF"/>
+                        </a:solidFill>
+                        <a:latin typeface="Arial"/>
+                      </a:endParaRPr>
+                    </a:p>
+                  </p:txBody>
+                </p:sp>
+                <p:sp>
+                  <p:nvSpPr>
+                    <p:cNvPr id="149" name="Minus 15"/>
+                    <p:cNvSpPr/>
+                    <p:nvPr/>
+                  </p:nvSpPr>
+                  <p:spPr>
+                    <a:xfrm>
+                      <a:off x="7913688" y="4820990"/>
+                      <a:ext cx="87312" cy="107907"/>
+                    </a:xfrm>
+                    <a:prstGeom prst="mathMinus">
+                      <a:avLst/>
+                    </a:prstGeom>
+                    <a:solidFill>
+                      <a:srgbClr val="000000"/>
+                    </a:solidFill>
+                    <a:ln w="3175" cap="flat" cmpd="sng" algn="ctr">
+                      <a:solidFill>
+                        <a:srgbClr val="FFFFFF"/>
+                      </a:solidFill>
+                      <a:prstDash val="solid"/>
+                    </a:ln>
+                    <a:effectLst>
+                      <a:outerShdw blurRad="40000" dist="20000" dir="5400000" rotWithShape="0">
+                        <a:srgbClr val="000000">
+                          <a:alpha val="38000"/>
+                        </a:srgbClr>
+                      </a:outerShdw>
+                    </a:effectLst>
+                  </p:spPr>
+                  <p:txBody>
+                    <a:bodyPr anchor="ctr"/>
+                    <a:lstStyle/>
+                    <a:p>
+                      <a:pPr algn="ctr">
+                        <a:defRPr/>
+                      </a:pPr>
+                      <a:endParaRPr lang="en-US" sz="1400" kern="0">
+                        <a:solidFill>
+                          <a:srgbClr val="FFFFFF"/>
+                        </a:solidFill>
+                        <a:latin typeface="Arial"/>
+                      </a:endParaRPr>
+                    </a:p>
+                  </p:txBody>
+                </p:sp>
+                <p:sp>
+                  <p:nvSpPr>
+                    <p:cNvPr id="150" name="Minus 16"/>
+                    <p:cNvSpPr/>
+                    <p:nvPr/>
+                  </p:nvSpPr>
+                  <p:spPr>
+                    <a:xfrm>
+                      <a:off x="7239000" y="4820990"/>
+                      <a:ext cx="87313" cy="107907"/>
+                    </a:xfrm>
+                    <a:prstGeom prst="mathMinus">
+                      <a:avLst/>
+                    </a:prstGeom>
+                    <a:solidFill>
+                      <a:srgbClr val="000000"/>
+                    </a:solidFill>
+                    <a:ln w="3175" cap="flat" cmpd="sng" algn="ctr">
+                      <a:solidFill>
+                        <a:srgbClr val="FFFFFF"/>
+                      </a:solidFill>
+                      <a:prstDash val="solid"/>
+                    </a:ln>
+                    <a:effectLst>
+                      <a:outerShdw blurRad="40000" dist="20000" dir="5400000" rotWithShape="0">
+                        <a:srgbClr val="000000">
+                          <a:alpha val="38000"/>
+                        </a:srgbClr>
+                      </a:outerShdw>
+                    </a:effectLst>
+                  </p:spPr>
+                  <p:txBody>
+                    <a:bodyPr anchor="ctr"/>
+                    <a:lstStyle/>
+                    <a:p>
+                      <a:pPr algn="ctr">
+                        <a:defRPr/>
+                      </a:pPr>
+                      <a:endParaRPr lang="en-US" sz="1400" kern="0">
+                        <a:solidFill>
+                          <a:srgbClr val="FFFFFF"/>
+                        </a:solidFill>
+                        <a:latin typeface="Arial"/>
+                      </a:endParaRPr>
+                    </a:p>
+                  </p:txBody>
+                </p:sp>
+                <p:sp>
+                  <p:nvSpPr>
+                    <p:cNvPr id="151" name="Minus 17"/>
+                    <p:cNvSpPr/>
+                    <p:nvPr/>
+                  </p:nvSpPr>
+                  <p:spPr>
+                    <a:xfrm rot="2264948">
+                      <a:off x="7323138" y="4644021"/>
+                      <a:ext cx="87312" cy="109346"/>
+                    </a:xfrm>
+                    <a:prstGeom prst="mathMinus">
+                      <a:avLst/>
+                    </a:prstGeom>
+                    <a:solidFill>
+                      <a:srgbClr val="000000"/>
+                    </a:solidFill>
+                    <a:ln w="3175" cap="flat" cmpd="sng" algn="ctr">
+                      <a:solidFill>
+                        <a:srgbClr val="FFFFFF"/>
+                      </a:solidFill>
+                      <a:prstDash val="solid"/>
+                    </a:ln>
+                    <a:effectLst>
+                      <a:outerShdw blurRad="40000" dist="20000" dir="5400000" rotWithShape="0">
+                        <a:srgbClr val="000000">
+                          <a:alpha val="38000"/>
+                        </a:srgbClr>
+                      </a:outerShdw>
+                    </a:effectLst>
+                  </p:spPr>
+                  <p:txBody>
+                    <a:bodyPr anchor="ctr"/>
+                    <a:lstStyle/>
+                    <a:p>
+                      <a:pPr algn="ctr">
+                        <a:defRPr/>
+                      </a:pPr>
+                      <a:endParaRPr lang="en-US" sz="1400" kern="0">
+                        <a:solidFill>
+                          <a:srgbClr val="FFFFFF"/>
+                        </a:solidFill>
+                        <a:latin typeface="Arial"/>
+                      </a:endParaRPr>
+                    </a:p>
+                  </p:txBody>
+                </p:sp>
+                <p:sp>
+                  <p:nvSpPr>
+                    <p:cNvPr id="152" name="Minus 18"/>
+                    <p:cNvSpPr/>
+                    <p:nvPr/>
+                  </p:nvSpPr>
+                  <p:spPr>
+                    <a:xfrm rot="19067474">
+                      <a:off x="7826375" y="4644021"/>
+                      <a:ext cx="87313" cy="107908"/>
+                    </a:xfrm>
+                    <a:prstGeom prst="mathMinus">
+                      <a:avLst/>
+                    </a:prstGeom>
+                    <a:solidFill>
+                      <a:srgbClr val="000000"/>
+                    </a:solidFill>
+                    <a:ln w="3175" cap="flat" cmpd="sng" algn="ctr">
+                      <a:solidFill>
+                        <a:srgbClr val="FFFFFF"/>
+                      </a:solidFill>
+                      <a:prstDash val="solid"/>
+                    </a:ln>
+                    <a:effectLst>
+                      <a:outerShdw blurRad="40000" dist="20000" dir="5400000" rotWithShape="0">
+                        <a:srgbClr val="000000">
+                          <a:alpha val="38000"/>
+                        </a:srgbClr>
+                      </a:outerShdw>
+                    </a:effectLst>
+                  </p:spPr>
+                  <p:txBody>
+                    <a:bodyPr anchor="ctr"/>
+                    <a:lstStyle/>
+                    <a:p>
+                      <a:pPr algn="ctr">
+                        <a:defRPr/>
+                      </a:pPr>
+                      <a:endParaRPr lang="en-US" sz="1400" kern="0">
+                        <a:solidFill>
+                          <a:srgbClr val="FFFFFF"/>
+                        </a:solidFill>
+                        <a:latin typeface="Arial"/>
+                      </a:endParaRPr>
+                    </a:p>
+                  </p:txBody>
+                </p:sp>
+                <p:sp>
+                  <p:nvSpPr>
+                    <p:cNvPr id="153" name="Minus 19"/>
+                    <p:cNvSpPr/>
+                    <p:nvPr/>
+                  </p:nvSpPr>
+                  <p:spPr>
+                    <a:xfrm rot="19189480">
+                      <a:off x="7329488" y="5025294"/>
+                      <a:ext cx="87312" cy="107907"/>
+                    </a:xfrm>
+                    <a:prstGeom prst="mathMinus">
+                      <a:avLst/>
+                    </a:prstGeom>
+                    <a:solidFill>
+                      <a:srgbClr val="000000"/>
+                    </a:solidFill>
+                    <a:ln w="3175" cap="flat" cmpd="sng" algn="ctr">
+                      <a:solidFill>
+                        <a:srgbClr val="FFFFFF"/>
+                      </a:solidFill>
+                      <a:prstDash val="solid"/>
+                    </a:ln>
+                    <a:effectLst>
+                      <a:outerShdw blurRad="40000" dist="20000" dir="5400000" rotWithShape="0">
+                        <a:srgbClr val="000000">
+                          <a:alpha val="38000"/>
+                        </a:srgbClr>
+                      </a:outerShdw>
+                    </a:effectLst>
+                  </p:spPr>
+                  <p:txBody>
+                    <a:bodyPr anchor="ctr"/>
+                    <a:lstStyle/>
+                    <a:p>
+                      <a:pPr algn="ctr">
+                        <a:defRPr/>
+                      </a:pPr>
+                      <a:endParaRPr lang="en-US" sz="1400" kern="0">
+                        <a:solidFill>
+                          <a:srgbClr val="FFFFFF"/>
+                        </a:solidFill>
+                        <a:latin typeface="Arial"/>
+                      </a:endParaRPr>
+                    </a:p>
+                  </p:txBody>
+                </p:sp>
+                <p:sp>
+                  <p:nvSpPr>
+                    <p:cNvPr id="154" name="Minus 20"/>
+                    <p:cNvSpPr/>
+                    <p:nvPr/>
+                  </p:nvSpPr>
+                  <p:spPr>
+                    <a:xfrm rot="2517184">
+                      <a:off x="7826375" y="5025294"/>
+                      <a:ext cx="87313" cy="107907"/>
+                    </a:xfrm>
+                    <a:prstGeom prst="mathMinus">
+                      <a:avLst/>
+                    </a:prstGeom>
+                    <a:solidFill>
+                      <a:srgbClr val="000000"/>
+                    </a:solidFill>
+                    <a:ln w="3175" cap="flat" cmpd="sng" algn="ctr">
+                      <a:solidFill>
+                        <a:srgbClr val="FFFFFF"/>
+                      </a:solidFill>
+                      <a:prstDash val="solid"/>
+                    </a:ln>
+                    <a:effectLst>
+                      <a:outerShdw blurRad="40000" dist="20000" dir="5400000" rotWithShape="0">
+                        <a:srgbClr val="000000">
+                          <a:alpha val="38000"/>
+                        </a:srgbClr>
+                      </a:outerShdw>
+                    </a:effectLst>
+                  </p:spPr>
+                  <p:txBody>
+                    <a:bodyPr anchor="ctr"/>
+                    <a:lstStyle/>
+                    <a:p>
+                      <a:pPr algn="ctr">
+                        <a:defRPr/>
+                      </a:pPr>
+                      <a:endParaRPr lang="en-US" sz="1400" kern="0">
+                        <a:solidFill>
+                          <a:srgbClr val="FFFFFF"/>
+                        </a:solidFill>
+                        <a:latin typeface="Arial"/>
+                      </a:endParaRPr>
+                    </a:p>
+                  </p:txBody>
+                </p:sp>
+              </p:grpSp>
+              <p:sp>
+                <p:nvSpPr>
+                  <p:cNvPr id="155" name="TextBox 154"/>
+                  <p:cNvSpPr txBox="1"/>
+                  <p:nvPr/>
+                </p:nvSpPr>
+                <p:spPr>
+                  <a:xfrm>
+                    <a:off x="5292242" y="7232996"/>
+                    <a:ext cx="1181100" cy="307777"/>
+                  </a:xfrm>
+                  <a:prstGeom prst="rect">
+                    <a:avLst/>
+                  </a:prstGeom>
+                  <a:noFill/>
+                </p:spPr>
+                <p:txBody>
+                  <a:bodyPr wrap="square" rtlCol="0">
+                    <a:spAutoFit/>
+                  </a:bodyPr>
+                  <a:lstStyle/>
+                  <a:p>
+                    <a:pPr algn="ctr"/>
+                    <a:r>
+                      <a:rPr lang="en-US" sz="1400" dirty="0">
+                        <a:solidFill>
+                          <a:schemeClr val="bg1"/>
+                        </a:solidFill>
+                      </a:rPr>
+                      <a:t>big cores</a:t>
+                    </a:r>
+                  </a:p>
+                </p:txBody>
+              </p:sp>
+              <p:sp>
+                <p:nvSpPr>
+                  <p:cNvPr id="156" name="TextBox 155"/>
+                  <p:cNvSpPr txBox="1"/>
+                  <p:nvPr/>
+                </p:nvSpPr>
+                <p:spPr>
+                  <a:xfrm>
+                    <a:off x="6511442" y="7232996"/>
+                    <a:ext cx="1181100" cy="307777"/>
+                  </a:xfrm>
+                  <a:prstGeom prst="rect">
+                    <a:avLst/>
+                  </a:prstGeom>
+                  <a:noFill/>
+                </p:spPr>
+                <p:txBody>
+                  <a:bodyPr wrap="square" rtlCol="0">
+                    <a:spAutoFit/>
+                  </a:bodyPr>
+                  <a:lstStyle/>
+                  <a:p>
+                    <a:pPr algn="ctr"/>
+                    <a:r>
+                      <a:rPr lang="en-US" sz="1400" dirty="0">
+                        <a:solidFill>
+                          <a:schemeClr val="bg1"/>
+                        </a:solidFill>
+                      </a:rPr>
+                      <a:t>big speeds</a:t>
+                    </a:r>
+                  </a:p>
+                </p:txBody>
+              </p:sp>
+              <p:grpSp>
+                <p:nvGrpSpPr>
+                  <p:cNvPr id="157" name="Group 99"/>
+                  <p:cNvGrpSpPr>
+                    <a:grpSpLocks/>
+                  </p:cNvGrpSpPr>
+                  <p:nvPr/>
+                </p:nvGrpSpPr>
+                <p:grpSpPr bwMode="auto">
+                  <a:xfrm>
+                    <a:off x="5406543" y="7613996"/>
+                    <a:ext cx="974629" cy="678447"/>
+                    <a:chOff x="7239000" y="4549063"/>
+                    <a:chExt cx="762000" cy="584138"/>
+                  </a:xfrm>
+                </p:grpSpPr>
+                <p:sp>
+                  <p:nvSpPr>
+                    <p:cNvPr id="158" name="Oval 12"/>
+                    <p:cNvSpPr/>
+                    <p:nvPr/>
+                  </p:nvSpPr>
+                  <p:spPr>
+                    <a:xfrm>
+                      <a:off x="7366000" y="4657717"/>
+                      <a:ext cx="527538" cy="461789"/>
+                    </a:xfrm>
+                    <a:prstGeom prst="ellipse">
+                      <a:avLst/>
+                    </a:prstGeom>
+                    <a:gradFill rotWithShape="1">
+                      <a:gsLst>
+                        <a:gs pos="0">
+                          <a:srgbClr val="BBE0E3">
+                            <a:shade val="51000"/>
+                            <a:satMod val="130000"/>
+                          </a:srgbClr>
+                        </a:gs>
+                        <a:gs pos="80000">
+                          <a:srgbClr val="BBE0E3">
+                            <a:shade val="93000"/>
+                            <a:satMod val="130000"/>
+                          </a:srgbClr>
+                        </a:gs>
+                        <a:gs pos="100000">
+                          <a:srgbClr val="BBE0E3">
+                            <a:shade val="94000"/>
+                            <a:satMod val="135000"/>
+                          </a:srgbClr>
+                        </a:gs>
+                      </a:gsLst>
+                      <a:lin ang="16200000" scaled="0"/>
+                    </a:gradFill>
+                    <a:ln>
+                      <a:noFill/>
+                    </a:ln>
+                    <a:effectLst>
+                      <a:outerShdw blurRad="40000" dist="23000" dir="5400000" rotWithShape="0">
+                        <a:srgbClr val="000000">
+                          <a:alpha val="35000"/>
+                        </a:srgbClr>
+                      </a:outerShdw>
+                    </a:effectLst>
+                    <a:scene3d>
+                      <a:camera prst="orthographicFront">
+                        <a:rot lat="0" lon="0" rev="0"/>
+                      </a:camera>
+                      <a:lightRig rig="threePt" dir="t">
+                        <a:rot lat="0" lon="0" rev="1200000"/>
+                      </a:lightRig>
+                    </a:scene3d>
+                    <a:sp3d>
+                      <a:bevelT w="63500" h="25400"/>
+                    </a:sp3d>
+                  </p:spPr>
+                  <p:txBody>
+                    <a:bodyPr anchor="ctr"/>
+                    <a:lstStyle/>
+                    <a:p>
+                      <a:pPr algn="ctr">
+                        <a:defRPr/>
+                      </a:pPr>
+                      <a:endParaRPr lang="en-US" sz="1400" kern="0">
+                        <a:solidFill>
+                          <a:srgbClr val="FFFFFF"/>
+                        </a:solidFill>
+                        <a:latin typeface="Arial"/>
+                      </a:endParaRPr>
+                    </a:p>
+                  </p:txBody>
+                </p:sp>
+                <p:cxnSp>
+                  <p:nvCxnSpPr>
+                    <p:cNvPr id="159" name="Straight Connector 13"/>
+                    <p:cNvCxnSpPr/>
+                    <p:nvPr/>
+                  </p:nvCxnSpPr>
+                  <p:spPr>
+                    <a:xfrm rot="5400000">
+                      <a:off x="7543026" y="4733944"/>
+                      <a:ext cx="153947" cy="0"/>
+                    </a:xfrm>
+                    <a:prstGeom prst="line">
+                      <a:avLst/>
+                    </a:prstGeom>
+                    <a:noFill/>
+                    <a:ln w="25400" cap="flat" cmpd="sng" algn="ctr">
+                      <a:solidFill>
+                        <a:srgbClr val="000000"/>
+                      </a:solidFill>
+                      <a:prstDash val="solid"/>
+                    </a:ln>
+                    <a:effectLst>
+                      <a:outerShdw blurRad="40000" dist="20000" dir="5400000" rotWithShape="0">
+                        <a:srgbClr val="000000">
+                          <a:alpha val="38000"/>
+                        </a:srgbClr>
+                      </a:outerShdw>
+                    </a:effectLst>
+                  </p:spPr>
+                </p:cxnSp>
+                <p:sp>
+                  <p:nvSpPr>
+                    <p:cNvPr id="160" name="Minus 14"/>
+                    <p:cNvSpPr/>
+                    <p:nvPr/>
+                  </p:nvSpPr>
+                  <p:spPr>
+                    <a:xfrm rot="16200000">
+                      <a:off x="7579716" y="4530610"/>
+                      <a:ext cx="80571" cy="117475"/>
+                    </a:xfrm>
+                    <a:prstGeom prst="mathMinus">
+                      <a:avLst/>
+                    </a:prstGeom>
+                    <a:solidFill>
+                      <a:srgbClr val="000000"/>
+                    </a:solidFill>
+                    <a:ln w="3175" cap="flat" cmpd="sng" algn="ctr">
+                      <a:solidFill>
+                        <a:srgbClr val="FFFFFF"/>
+                      </a:solidFill>
+                      <a:prstDash val="solid"/>
+                    </a:ln>
+                    <a:effectLst>
+                      <a:outerShdw blurRad="40000" dist="20000" dir="5400000" rotWithShape="0">
+                        <a:srgbClr val="000000">
+                          <a:alpha val="38000"/>
+                        </a:srgbClr>
+                      </a:outerShdw>
+                    </a:effectLst>
+                  </p:spPr>
+                  <p:txBody>
+                    <a:bodyPr anchor="ctr"/>
+                    <a:lstStyle/>
+                    <a:p>
+                      <a:pPr algn="ctr">
+                        <a:defRPr/>
+                      </a:pPr>
+                      <a:endParaRPr lang="en-US" sz="1400" kern="0">
+                        <a:solidFill>
+                          <a:srgbClr val="FFFFFF"/>
+                        </a:solidFill>
+                        <a:latin typeface="Arial"/>
+                      </a:endParaRPr>
+                    </a:p>
+                  </p:txBody>
+                </p:sp>
+                <p:sp>
+                  <p:nvSpPr>
+                    <p:cNvPr id="161" name="Minus 15"/>
+                    <p:cNvSpPr/>
+                    <p:nvPr/>
+                  </p:nvSpPr>
+                  <p:spPr>
+                    <a:xfrm>
+                      <a:off x="7913688" y="4820990"/>
+                      <a:ext cx="87312" cy="107907"/>
+                    </a:xfrm>
+                    <a:prstGeom prst="mathMinus">
+                      <a:avLst/>
+                    </a:prstGeom>
+                    <a:solidFill>
+                      <a:srgbClr val="000000"/>
+                    </a:solidFill>
+                    <a:ln w="3175" cap="flat" cmpd="sng" algn="ctr">
+                      <a:solidFill>
+                        <a:srgbClr val="FFFFFF"/>
+                      </a:solidFill>
+                      <a:prstDash val="solid"/>
+                    </a:ln>
+                    <a:effectLst>
+                      <a:outerShdw blurRad="40000" dist="20000" dir="5400000" rotWithShape="0">
+                        <a:srgbClr val="000000">
+                          <a:alpha val="38000"/>
+                        </a:srgbClr>
+                      </a:outerShdw>
+                    </a:effectLst>
+                  </p:spPr>
+                  <p:txBody>
+                    <a:bodyPr anchor="ctr"/>
+                    <a:lstStyle/>
+                    <a:p>
+                      <a:pPr algn="ctr">
+                        <a:defRPr/>
+                      </a:pPr>
+                      <a:endParaRPr lang="en-US" sz="1400" kern="0">
+                        <a:solidFill>
+                          <a:srgbClr val="FFFFFF"/>
+                        </a:solidFill>
+                        <a:latin typeface="Arial"/>
+                      </a:endParaRPr>
+                    </a:p>
+                  </p:txBody>
+                </p:sp>
+                <p:sp>
+                  <p:nvSpPr>
+                    <p:cNvPr id="162" name="Minus 16"/>
+                    <p:cNvSpPr/>
+                    <p:nvPr/>
+                  </p:nvSpPr>
+                  <p:spPr>
+                    <a:xfrm>
+                      <a:off x="7239000" y="4820990"/>
+                      <a:ext cx="87313" cy="107907"/>
+                    </a:xfrm>
+                    <a:prstGeom prst="mathMinus">
+                      <a:avLst/>
+                    </a:prstGeom>
+                    <a:solidFill>
+                      <a:srgbClr val="000000"/>
+                    </a:solidFill>
+                    <a:ln w="3175" cap="flat" cmpd="sng" algn="ctr">
+                      <a:solidFill>
+                        <a:srgbClr val="FFFFFF"/>
+                      </a:solidFill>
+                      <a:prstDash val="solid"/>
+                    </a:ln>
+                    <a:effectLst>
+                      <a:outerShdw blurRad="40000" dist="20000" dir="5400000" rotWithShape="0">
+                        <a:srgbClr val="000000">
+                          <a:alpha val="38000"/>
+                        </a:srgbClr>
+                      </a:outerShdw>
+                    </a:effectLst>
+                  </p:spPr>
+                  <p:txBody>
+                    <a:bodyPr anchor="ctr"/>
+                    <a:lstStyle/>
+                    <a:p>
+                      <a:pPr algn="ctr">
+                        <a:defRPr/>
+                      </a:pPr>
+                      <a:endParaRPr lang="en-US" sz="1400" kern="0">
+                        <a:solidFill>
+                          <a:srgbClr val="FFFFFF"/>
+                        </a:solidFill>
+                        <a:latin typeface="Arial"/>
+                      </a:endParaRPr>
+                    </a:p>
+                  </p:txBody>
+                </p:sp>
+                <p:sp>
+                  <p:nvSpPr>
+                    <p:cNvPr id="163" name="Minus 17"/>
+                    <p:cNvSpPr/>
+                    <p:nvPr/>
+                  </p:nvSpPr>
+                  <p:spPr>
+                    <a:xfrm rot="2264948">
+                      <a:off x="7323138" y="4644021"/>
+                      <a:ext cx="87312" cy="109346"/>
+                    </a:xfrm>
+                    <a:prstGeom prst="mathMinus">
+                      <a:avLst/>
+                    </a:prstGeom>
+                    <a:solidFill>
+                      <a:srgbClr val="000000"/>
+                    </a:solidFill>
+                    <a:ln w="3175" cap="flat" cmpd="sng" algn="ctr">
+                      <a:solidFill>
+                        <a:srgbClr val="FFFFFF"/>
+                      </a:solidFill>
+                      <a:prstDash val="solid"/>
+                    </a:ln>
+                    <a:effectLst>
+                      <a:outerShdw blurRad="40000" dist="20000" dir="5400000" rotWithShape="0">
+                        <a:srgbClr val="000000">
+                          <a:alpha val="38000"/>
+                        </a:srgbClr>
+                      </a:outerShdw>
+                    </a:effectLst>
+                  </p:spPr>
+                  <p:txBody>
+                    <a:bodyPr anchor="ctr"/>
+                    <a:lstStyle/>
+                    <a:p>
+                      <a:pPr algn="ctr">
+                        <a:defRPr/>
+                      </a:pPr>
+                      <a:endParaRPr lang="en-US" sz="1400" kern="0">
+                        <a:solidFill>
+                          <a:srgbClr val="FFFFFF"/>
+                        </a:solidFill>
+                        <a:latin typeface="Arial"/>
+                      </a:endParaRPr>
+                    </a:p>
+                  </p:txBody>
+                </p:sp>
+                <p:sp>
+                  <p:nvSpPr>
+                    <p:cNvPr id="164" name="Minus 18"/>
+                    <p:cNvSpPr/>
+                    <p:nvPr/>
+                  </p:nvSpPr>
+                  <p:spPr>
+                    <a:xfrm rot="19067474">
+                      <a:off x="7826375" y="4644021"/>
+                      <a:ext cx="87313" cy="107908"/>
+                    </a:xfrm>
+                    <a:prstGeom prst="mathMinus">
+                      <a:avLst/>
+                    </a:prstGeom>
+                    <a:solidFill>
+                      <a:srgbClr val="000000"/>
+                    </a:solidFill>
+                    <a:ln w="3175" cap="flat" cmpd="sng" algn="ctr">
+                      <a:solidFill>
+                        <a:srgbClr val="FFFFFF"/>
+                      </a:solidFill>
+                      <a:prstDash val="solid"/>
+                    </a:ln>
+                    <a:effectLst>
+                      <a:outerShdw blurRad="40000" dist="20000" dir="5400000" rotWithShape="0">
+                        <a:srgbClr val="000000">
+                          <a:alpha val="38000"/>
+                        </a:srgbClr>
+                      </a:outerShdw>
+                    </a:effectLst>
+                  </p:spPr>
+                  <p:txBody>
+                    <a:bodyPr anchor="ctr"/>
+                    <a:lstStyle/>
+                    <a:p>
+                      <a:pPr algn="ctr">
+                        <a:defRPr/>
+                      </a:pPr>
+                      <a:endParaRPr lang="en-US" sz="1400" kern="0">
+                        <a:solidFill>
+                          <a:srgbClr val="FFFFFF"/>
+                        </a:solidFill>
+                        <a:latin typeface="Arial"/>
+                      </a:endParaRPr>
+                    </a:p>
+                  </p:txBody>
+                </p:sp>
+                <p:sp>
+                  <p:nvSpPr>
+                    <p:cNvPr id="165" name="Minus 19"/>
+                    <p:cNvSpPr/>
+                    <p:nvPr/>
+                  </p:nvSpPr>
+                  <p:spPr>
+                    <a:xfrm rot="19189480">
+                      <a:off x="7329488" y="5025294"/>
+                      <a:ext cx="87312" cy="107907"/>
+                    </a:xfrm>
+                    <a:prstGeom prst="mathMinus">
+                      <a:avLst/>
+                    </a:prstGeom>
+                    <a:solidFill>
+                      <a:srgbClr val="000000"/>
+                    </a:solidFill>
+                    <a:ln w="3175" cap="flat" cmpd="sng" algn="ctr">
+                      <a:solidFill>
+                        <a:srgbClr val="FFFFFF"/>
+                      </a:solidFill>
+                      <a:prstDash val="solid"/>
+                    </a:ln>
+                    <a:effectLst>
+                      <a:outerShdw blurRad="40000" dist="20000" dir="5400000" rotWithShape="0">
+                        <a:srgbClr val="000000">
+                          <a:alpha val="38000"/>
+                        </a:srgbClr>
+                      </a:outerShdw>
+                    </a:effectLst>
+                  </p:spPr>
+                  <p:txBody>
+                    <a:bodyPr anchor="ctr"/>
+                    <a:lstStyle/>
+                    <a:p>
+                      <a:pPr algn="ctr">
+                        <a:defRPr/>
+                      </a:pPr>
+                      <a:endParaRPr lang="en-US" sz="1400" kern="0">
+                        <a:solidFill>
+                          <a:srgbClr val="FFFFFF"/>
+                        </a:solidFill>
+                        <a:latin typeface="Arial"/>
+                      </a:endParaRPr>
+                    </a:p>
+                  </p:txBody>
+                </p:sp>
+                <p:sp>
+                  <p:nvSpPr>
+                    <p:cNvPr id="166" name="Minus 20"/>
+                    <p:cNvSpPr/>
+                    <p:nvPr/>
+                  </p:nvSpPr>
+                  <p:spPr>
+                    <a:xfrm rot="2517184">
+                      <a:off x="7826375" y="5025294"/>
+                      <a:ext cx="87313" cy="107907"/>
+                    </a:xfrm>
+                    <a:prstGeom prst="mathMinus">
+                      <a:avLst/>
+                    </a:prstGeom>
+                    <a:solidFill>
+                      <a:srgbClr val="000000"/>
+                    </a:solidFill>
+                    <a:ln w="3175" cap="flat" cmpd="sng" algn="ctr">
+                      <a:solidFill>
+                        <a:srgbClr val="FFFFFF"/>
+                      </a:solidFill>
+                      <a:prstDash val="solid"/>
+                    </a:ln>
+                    <a:effectLst>
+                      <a:outerShdw blurRad="40000" dist="20000" dir="5400000" rotWithShape="0">
+                        <a:srgbClr val="000000">
+                          <a:alpha val="38000"/>
+                        </a:srgbClr>
+                      </a:outerShdw>
+                    </a:effectLst>
+                  </p:spPr>
+                  <p:txBody>
+                    <a:bodyPr anchor="ctr"/>
+                    <a:lstStyle/>
+                    <a:p>
+                      <a:pPr algn="ctr">
+                        <a:defRPr/>
+                      </a:pPr>
+                      <a:endParaRPr lang="en-US" sz="1400" kern="0">
+                        <a:solidFill>
+                          <a:srgbClr val="FFFFFF"/>
+                        </a:solidFill>
+                        <a:latin typeface="Arial"/>
+                      </a:endParaRPr>
+                    </a:p>
+                  </p:txBody>
+                </p:sp>
+              </p:grpSp>
+              <p:grpSp>
+                <p:nvGrpSpPr>
+                  <p:cNvPr id="167" name="Group 99"/>
+                  <p:cNvGrpSpPr>
+                    <a:grpSpLocks/>
+                  </p:cNvGrpSpPr>
+                  <p:nvPr/>
+                </p:nvGrpSpPr>
+                <p:grpSpPr bwMode="auto">
+                  <a:xfrm>
+                    <a:off x="6641714" y="7613996"/>
+                    <a:ext cx="974629" cy="678447"/>
+                    <a:chOff x="7239000" y="4549063"/>
+                    <a:chExt cx="762000" cy="584138"/>
+                  </a:xfrm>
+                </p:grpSpPr>
+                <p:sp>
+                  <p:nvSpPr>
+                    <p:cNvPr id="168" name="Oval 12"/>
+                    <p:cNvSpPr/>
+                    <p:nvPr/>
+                  </p:nvSpPr>
+                  <p:spPr>
+                    <a:xfrm>
+                      <a:off x="7366000" y="4657717"/>
+                      <a:ext cx="527538" cy="461789"/>
+                    </a:xfrm>
+                    <a:prstGeom prst="ellipse">
+                      <a:avLst/>
+                    </a:prstGeom>
+                    <a:gradFill rotWithShape="1">
+                      <a:gsLst>
+                        <a:gs pos="0">
+                          <a:srgbClr val="BBE0E3">
+                            <a:shade val="51000"/>
+                            <a:satMod val="130000"/>
+                          </a:srgbClr>
+                        </a:gs>
+                        <a:gs pos="80000">
+                          <a:srgbClr val="BBE0E3">
+                            <a:shade val="93000"/>
+                            <a:satMod val="130000"/>
+                          </a:srgbClr>
+                        </a:gs>
+                        <a:gs pos="100000">
+                          <a:srgbClr val="BBE0E3">
+                            <a:shade val="94000"/>
+                            <a:satMod val="135000"/>
+                          </a:srgbClr>
+                        </a:gs>
+                      </a:gsLst>
+                      <a:lin ang="16200000" scaled="0"/>
+                    </a:gradFill>
+                    <a:ln>
+                      <a:noFill/>
+                    </a:ln>
+                    <a:effectLst>
+                      <a:outerShdw blurRad="40000" dist="23000" dir="5400000" rotWithShape="0">
+                        <a:srgbClr val="000000">
+                          <a:alpha val="35000"/>
+                        </a:srgbClr>
+                      </a:outerShdw>
+                    </a:effectLst>
+                    <a:scene3d>
+                      <a:camera prst="orthographicFront">
+                        <a:rot lat="0" lon="0" rev="0"/>
+                      </a:camera>
+                      <a:lightRig rig="threePt" dir="t">
+                        <a:rot lat="0" lon="0" rev="1200000"/>
+                      </a:lightRig>
+                    </a:scene3d>
+                    <a:sp3d>
+                      <a:bevelT w="63500" h="25400"/>
+                    </a:sp3d>
+                  </p:spPr>
+                  <p:txBody>
+                    <a:bodyPr anchor="ctr"/>
+                    <a:lstStyle/>
+                    <a:p>
+                      <a:pPr algn="ctr">
+                        <a:defRPr/>
+                      </a:pPr>
+                      <a:endParaRPr lang="en-US" sz="1400" kern="0">
+                        <a:solidFill>
+                          <a:srgbClr val="FFFFFF"/>
+                        </a:solidFill>
+                        <a:latin typeface="Arial"/>
+                      </a:endParaRPr>
+                    </a:p>
+                  </p:txBody>
+                </p:sp>
+                <p:cxnSp>
+                  <p:nvCxnSpPr>
+                    <p:cNvPr id="169" name="Straight Connector 13"/>
+                    <p:cNvCxnSpPr/>
+                    <p:nvPr/>
+                  </p:nvCxnSpPr>
+                  <p:spPr>
+                    <a:xfrm rot="5400000">
+                      <a:off x="7543026" y="4733944"/>
+                      <a:ext cx="153947" cy="0"/>
+                    </a:xfrm>
+                    <a:prstGeom prst="line">
+                      <a:avLst/>
+                    </a:prstGeom>
+                    <a:noFill/>
+                    <a:ln w="25400" cap="flat" cmpd="sng" algn="ctr">
+                      <a:solidFill>
+                        <a:srgbClr val="000000"/>
+                      </a:solidFill>
+                      <a:prstDash val="solid"/>
+                    </a:ln>
+                    <a:effectLst>
+                      <a:outerShdw blurRad="40000" dist="20000" dir="5400000" rotWithShape="0">
+                        <a:srgbClr val="000000">
+                          <a:alpha val="38000"/>
+                        </a:srgbClr>
+                      </a:outerShdw>
+                    </a:effectLst>
+                  </p:spPr>
+                </p:cxnSp>
+                <p:sp>
+                  <p:nvSpPr>
+                    <p:cNvPr id="170" name="Minus 14"/>
+                    <p:cNvSpPr/>
+                    <p:nvPr/>
+                  </p:nvSpPr>
+                  <p:spPr>
+                    <a:xfrm rot="16200000">
+                      <a:off x="7579716" y="4530610"/>
+                      <a:ext cx="80571" cy="117475"/>
+                    </a:xfrm>
+                    <a:prstGeom prst="mathMinus">
+                      <a:avLst/>
+                    </a:prstGeom>
+                    <a:solidFill>
+                      <a:srgbClr val="000000"/>
+                    </a:solidFill>
+                    <a:ln w="3175" cap="flat" cmpd="sng" algn="ctr">
+                      <a:solidFill>
+                        <a:srgbClr val="FFFFFF"/>
+                      </a:solidFill>
+                      <a:prstDash val="solid"/>
+                    </a:ln>
+                    <a:effectLst>
+                      <a:outerShdw blurRad="40000" dist="20000" dir="5400000" rotWithShape="0">
+                        <a:srgbClr val="000000">
+                          <a:alpha val="38000"/>
+                        </a:srgbClr>
+                      </a:outerShdw>
+                    </a:effectLst>
+                  </p:spPr>
+                  <p:txBody>
+                    <a:bodyPr anchor="ctr"/>
+                    <a:lstStyle/>
+                    <a:p>
+                      <a:pPr algn="ctr">
+                        <a:defRPr/>
+                      </a:pPr>
+                      <a:endParaRPr lang="en-US" sz="1400" kern="0">
+                        <a:solidFill>
+                          <a:srgbClr val="FFFFFF"/>
+                        </a:solidFill>
+                        <a:latin typeface="Arial"/>
+                      </a:endParaRPr>
+                    </a:p>
+                  </p:txBody>
+                </p:sp>
+                <p:sp>
+                  <p:nvSpPr>
+                    <p:cNvPr id="171" name="Minus 15"/>
+                    <p:cNvSpPr/>
+                    <p:nvPr/>
+                  </p:nvSpPr>
+                  <p:spPr>
+                    <a:xfrm>
+                      <a:off x="7913688" y="4820990"/>
+                      <a:ext cx="87312" cy="107907"/>
+                    </a:xfrm>
+                    <a:prstGeom prst="mathMinus">
+                      <a:avLst/>
+                    </a:prstGeom>
+                    <a:solidFill>
+                      <a:srgbClr val="000000"/>
+                    </a:solidFill>
+                    <a:ln w="3175" cap="flat" cmpd="sng" algn="ctr">
+                      <a:solidFill>
+                        <a:srgbClr val="FFFFFF"/>
+                      </a:solidFill>
+                      <a:prstDash val="solid"/>
+                    </a:ln>
+                    <a:effectLst>
+                      <a:outerShdw blurRad="40000" dist="20000" dir="5400000" rotWithShape="0">
+                        <a:srgbClr val="000000">
+                          <a:alpha val="38000"/>
+                        </a:srgbClr>
+                      </a:outerShdw>
+                    </a:effectLst>
+                  </p:spPr>
+                  <p:txBody>
+                    <a:bodyPr anchor="ctr"/>
+                    <a:lstStyle/>
+                    <a:p>
+                      <a:pPr algn="ctr">
+                        <a:defRPr/>
+                      </a:pPr>
+                      <a:endParaRPr lang="en-US" sz="1400" kern="0">
+                        <a:solidFill>
+                          <a:srgbClr val="FFFFFF"/>
+                        </a:solidFill>
+                        <a:latin typeface="Arial"/>
+                      </a:endParaRPr>
+                    </a:p>
+                  </p:txBody>
+                </p:sp>
+                <p:sp>
+                  <p:nvSpPr>
+                    <p:cNvPr id="172" name="Minus 16"/>
+                    <p:cNvSpPr/>
+                    <p:nvPr/>
+                  </p:nvSpPr>
+                  <p:spPr>
+                    <a:xfrm>
+                      <a:off x="7239000" y="4820990"/>
+                      <a:ext cx="87313" cy="107907"/>
+                    </a:xfrm>
+                    <a:prstGeom prst="mathMinus">
+                      <a:avLst/>
+                    </a:prstGeom>
+                    <a:solidFill>
+                      <a:srgbClr val="000000"/>
+                    </a:solidFill>
+                    <a:ln w="3175" cap="flat" cmpd="sng" algn="ctr">
+                      <a:solidFill>
+                        <a:srgbClr val="FFFFFF"/>
+                      </a:solidFill>
+                      <a:prstDash val="solid"/>
+                    </a:ln>
+                    <a:effectLst>
+                      <a:outerShdw blurRad="40000" dist="20000" dir="5400000" rotWithShape="0">
+                        <a:srgbClr val="000000">
+                          <a:alpha val="38000"/>
+                        </a:srgbClr>
+                      </a:outerShdw>
+                    </a:effectLst>
+                  </p:spPr>
+                  <p:txBody>
+                    <a:bodyPr anchor="ctr"/>
+                    <a:lstStyle/>
+                    <a:p>
+                      <a:pPr algn="ctr">
+                        <a:defRPr/>
+                      </a:pPr>
+                      <a:endParaRPr lang="en-US" sz="1400" kern="0">
+                        <a:solidFill>
+                          <a:srgbClr val="FFFFFF"/>
+                        </a:solidFill>
+                        <a:latin typeface="Arial"/>
+                      </a:endParaRPr>
+                    </a:p>
+                  </p:txBody>
+                </p:sp>
+                <p:sp>
+                  <p:nvSpPr>
+                    <p:cNvPr id="173" name="Minus 17"/>
+                    <p:cNvSpPr/>
+                    <p:nvPr/>
+                  </p:nvSpPr>
+                  <p:spPr>
+                    <a:xfrm rot="2264948">
+                      <a:off x="7323138" y="4644021"/>
+                      <a:ext cx="87312" cy="109346"/>
+                    </a:xfrm>
+                    <a:prstGeom prst="mathMinus">
+                      <a:avLst/>
+                    </a:prstGeom>
+                    <a:solidFill>
+                      <a:srgbClr val="000000"/>
+                    </a:solidFill>
+                    <a:ln w="3175" cap="flat" cmpd="sng" algn="ctr">
+                      <a:solidFill>
+                        <a:srgbClr val="FFFFFF"/>
+                      </a:solidFill>
+                      <a:prstDash val="solid"/>
+                    </a:ln>
+                    <a:effectLst>
+                      <a:outerShdw blurRad="40000" dist="20000" dir="5400000" rotWithShape="0">
+                        <a:srgbClr val="000000">
+                          <a:alpha val="38000"/>
+                        </a:srgbClr>
+                      </a:outerShdw>
+                    </a:effectLst>
+                  </p:spPr>
+                  <p:txBody>
+                    <a:bodyPr anchor="ctr"/>
+                    <a:lstStyle/>
+                    <a:p>
+                      <a:pPr algn="ctr">
+                        <a:defRPr/>
+                      </a:pPr>
+                      <a:endParaRPr lang="en-US" sz="1400" kern="0">
+                        <a:solidFill>
+                          <a:srgbClr val="FFFFFF"/>
+                        </a:solidFill>
+                        <a:latin typeface="Arial"/>
+                      </a:endParaRPr>
+                    </a:p>
+                  </p:txBody>
+                </p:sp>
+                <p:sp>
+                  <p:nvSpPr>
+                    <p:cNvPr id="174" name="Minus 18"/>
+                    <p:cNvSpPr/>
+                    <p:nvPr/>
+                  </p:nvSpPr>
+                  <p:spPr>
+                    <a:xfrm rot="19067474">
+                      <a:off x="7826375" y="4644021"/>
+                      <a:ext cx="87313" cy="107908"/>
+                    </a:xfrm>
+                    <a:prstGeom prst="mathMinus">
+                      <a:avLst/>
+                    </a:prstGeom>
+                    <a:solidFill>
+                      <a:srgbClr val="000000"/>
+                    </a:solidFill>
+                    <a:ln w="3175" cap="flat" cmpd="sng" algn="ctr">
+                      <a:solidFill>
+                        <a:srgbClr val="FFFFFF"/>
+                      </a:solidFill>
+                      <a:prstDash val="solid"/>
+                    </a:ln>
+                    <a:effectLst>
+                      <a:outerShdw blurRad="40000" dist="20000" dir="5400000" rotWithShape="0">
+                        <a:srgbClr val="000000">
+                          <a:alpha val="38000"/>
+                        </a:srgbClr>
+                      </a:outerShdw>
+                    </a:effectLst>
+                  </p:spPr>
+                  <p:txBody>
+                    <a:bodyPr anchor="ctr"/>
+                    <a:lstStyle/>
+                    <a:p>
+                      <a:pPr algn="ctr">
+                        <a:defRPr/>
+                      </a:pPr>
+                      <a:endParaRPr lang="en-US" sz="1400" kern="0">
+                        <a:solidFill>
+                          <a:srgbClr val="FFFFFF"/>
+                        </a:solidFill>
+                        <a:latin typeface="Arial"/>
+                      </a:endParaRPr>
+                    </a:p>
+                  </p:txBody>
+                </p:sp>
+                <p:sp>
+                  <p:nvSpPr>
+                    <p:cNvPr id="175" name="Minus 19"/>
+                    <p:cNvSpPr/>
+                    <p:nvPr/>
+                  </p:nvSpPr>
+                  <p:spPr>
+                    <a:xfrm rot="19189480">
+                      <a:off x="7329488" y="5025294"/>
+                      <a:ext cx="87312" cy="107907"/>
+                    </a:xfrm>
+                    <a:prstGeom prst="mathMinus">
+                      <a:avLst/>
+                    </a:prstGeom>
+                    <a:solidFill>
+                      <a:srgbClr val="000000"/>
+                    </a:solidFill>
+                    <a:ln w="3175" cap="flat" cmpd="sng" algn="ctr">
+                      <a:solidFill>
+                        <a:srgbClr val="FFFFFF"/>
+                      </a:solidFill>
+                      <a:prstDash val="solid"/>
+                    </a:ln>
+                    <a:effectLst>
+                      <a:outerShdw blurRad="40000" dist="20000" dir="5400000" rotWithShape="0">
+                        <a:srgbClr val="000000">
+                          <a:alpha val="38000"/>
+                        </a:srgbClr>
+                      </a:outerShdw>
+                    </a:effectLst>
+                  </p:spPr>
+                  <p:txBody>
+                    <a:bodyPr anchor="ctr"/>
+                    <a:lstStyle/>
+                    <a:p>
+                      <a:pPr algn="ctr">
+                        <a:defRPr/>
+                      </a:pPr>
+                      <a:endParaRPr lang="en-US" sz="1400" kern="0">
+                        <a:solidFill>
+                          <a:srgbClr val="FFFFFF"/>
+                        </a:solidFill>
+                        <a:latin typeface="Arial"/>
+                      </a:endParaRPr>
+                    </a:p>
+                  </p:txBody>
+                </p:sp>
+                <p:sp>
+                  <p:nvSpPr>
+                    <p:cNvPr id="176" name="Minus 20"/>
+                    <p:cNvSpPr/>
+                    <p:nvPr/>
+                  </p:nvSpPr>
+                  <p:spPr>
+                    <a:xfrm rot="2517184">
+                      <a:off x="7826375" y="5025294"/>
+                      <a:ext cx="87313" cy="107907"/>
+                    </a:xfrm>
+                    <a:prstGeom prst="mathMinus">
+                      <a:avLst/>
+                    </a:prstGeom>
+                    <a:solidFill>
+                      <a:srgbClr val="000000"/>
+                    </a:solidFill>
+                    <a:ln w="3175" cap="flat" cmpd="sng" algn="ctr">
+                      <a:solidFill>
+                        <a:srgbClr val="FFFFFF"/>
+                      </a:solidFill>
+                      <a:prstDash val="solid"/>
+                    </a:ln>
+                    <a:effectLst>
+                      <a:outerShdw blurRad="40000" dist="20000" dir="5400000" rotWithShape="0">
+                        <a:srgbClr val="000000">
+                          <a:alpha val="38000"/>
+                        </a:srgbClr>
+                      </a:outerShdw>
+                    </a:effectLst>
+                  </p:spPr>
+                  <p:txBody>
+                    <a:bodyPr anchor="ctr"/>
+                    <a:lstStyle/>
+                    <a:p>
+                      <a:pPr algn="ctr">
+                        <a:defRPr/>
+                      </a:pPr>
+                      <a:endParaRPr lang="en-US" sz="1400" kern="0">
+                        <a:solidFill>
+                          <a:srgbClr val="FFFFFF"/>
+                        </a:solidFill>
+                        <a:latin typeface="Arial"/>
+                      </a:endParaRPr>
+                    </a:p>
+                  </p:txBody>
+                </p:sp>
+              </p:grpSp>
+              <p:sp>
+                <p:nvSpPr>
+                  <p:cNvPr id="177" name="TextBox 176"/>
+                  <p:cNvSpPr txBox="1"/>
+                  <p:nvPr/>
+                </p:nvSpPr>
+                <p:spPr>
+                  <a:xfrm>
+                    <a:off x="5330342" y="8299796"/>
+                    <a:ext cx="1181100" cy="307777"/>
+                  </a:xfrm>
+                  <a:prstGeom prst="rect">
+                    <a:avLst/>
+                  </a:prstGeom>
+                  <a:noFill/>
+                </p:spPr>
+                <p:txBody>
+                  <a:bodyPr wrap="square" rtlCol="0">
+                    <a:spAutoFit/>
+                  </a:bodyPr>
+                  <a:lstStyle/>
+                  <a:p>
+                    <a:pPr algn="ctr"/>
+                    <a:r>
+                      <a:rPr lang="en-US" sz="1400" dirty="0">
+                        <a:solidFill>
+                          <a:schemeClr val="bg1"/>
+                        </a:solidFill>
+                      </a:rPr>
+                      <a:t>LITTLE cores</a:t>
+                    </a:r>
+                  </a:p>
+                </p:txBody>
+              </p:sp>
+              <p:sp>
+                <p:nvSpPr>
+                  <p:cNvPr id="178" name="TextBox 177"/>
+                  <p:cNvSpPr txBox="1"/>
+                  <p:nvPr/>
+                </p:nvSpPr>
+                <p:spPr>
+                  <a:xfrm>
+                    <a:off x="6511442" y="8299796"/>
+                    <a:ext cx="1257300" cy="307777"/>
+                  </a:xfrm>
+                  <a:prstGeom prst="rect">
+                    <a:avLst/>
+                  </a:prstGeom>
+                  <a:noFill/>
+                </p:spPr>
+                <p:txBody>
+                  <a:bodyPr wrap="square" rtlCol="0">
+                    <a:spAutoFit/>
+                  </a:bodyPr>
+                  <a:lstStyle/>
+                  <a:p>
+                    <a:pPr algn="ctr"/>
+                    <a:r>
+                      <a:rPr lang="en-US" sz="1400" dirty="0">
+                        <a:solidFill>
+                          <a:schemeClr val="bg1"/>
+                        </a:solidFill>
+                      </a:rPr>
+                      <a:t>LITTLE speeds</a:t>
+                    </a:r>
+                  </a:p>
+                </p:txBody>
+              </p:sp>
+              <p:cxnSp>
+                <p:nvCxnSpPr>
+                  <p:cNvPr id="188" name="Straight Arrow Connector 187"/>
+                  <p:cNvCxnSpPr/>
+                  <p:nvPr/>
+                </p:nvCxnSpPr>
+                <p:spPr>
+                  <a:xfrm flipV="1">
+                    <a:off x="5849177" y="7571923"/>
+                    <a:ext cx="571500" cy="11715"/>
+                  </a:xfrm>
+                  <a:prstGeom prst="straightConnector1">
+                    <a:avLst/>
+                  </a:prstGeom>
+                  <a:ln>
+                    <a:tailEnd type="arrow"/>
+                  </a:ln>
+                </p:spPr>
+                <p:style>
+                  <a:lnRef idx="3">
+                    <a:schemeClr val="accent1"/>
+                  </a:lnRef>
+                  <a:fillRef idx="0">
+                    <a:schemeClr val="accent1"/>
+                  </a:fillRef>
+                  <a:effectRef idx="2">
+                    <a:schemeClr val="accent1"/>
+                  </a:effectRef>
+                  <a:fontRef idx="minor">
+                    <a:schemeClr val="tx1"/>
+                  </a:fontRef>
+                </p:style>
+              </p:cxnSp>
+            </p:grpSp>
+            <p:grpSp>
+              <p:nvGrpSpPr>
+                <p:cNvPr id="189" name="Group 188"/>
+                <p:cNvGrpSpPr/>
+                <p:nvPr/>
+              </p:nvGrpSpPr>
+              <p:grpSpPr>
+                <a:xfrm>
+                  <a:off x="1651581" y="6427395"/>
+                  <a:ext cx="2885502" cy="506752"/>
+                  <a:chOff x="2607739" y="3105003"/>
+                  <a:chExt cx="2885502" cy="506752"/>
+                </a:xfrm>
+              </p:grpSpPr>
+              <p:sp>
+                <p:nvSpPr>
+                  <p:cNvPr id="190" name="Rectangle 189"/>
+                  <p:cNvSpPr/>
+                  <p:nvPr/>
+                </p:nvSpPr>
+                <p:spPr>
+                  <a:xfrm>
+                    <a:off x="2711001" y="3105003"/>
+                    <a:ext cx="2644378" cy="506752"/>
+                  </a:xfrm>
+                  <a:prstGeom prst="rect">
+                    <a:avLst/>
+                  </a:prstGeom>
+                  <a:solidFill>
+                    <a:schemeClr val="accent1">
+                      <a:lumMod val="60000"/>
+                      <a:lumOff val="40000"/>
+                    </a:schemeClr>
+                  </a:solidFill>
+                </p:spPr>
+                <p:style>
+                  <a:lnRef idx="1">
+                    <a:schemeClr val="accent1"/>
+                  </a:lnRef>
+                  <a:fillRef idx="2">
+                    <a:schemeClr val="accent1"/>
+                  </a:fillRef>
+                  <a:effectRef idx="1">
+                    <a:schemeClr val="accent1"/>
+                  </a:effectRef>
+                  <a:fontRef idx="minor">
+                    <a:schemeClr val="dk1"/>
+                  </a:fontRef>
+                </p:style>
+                <p:txBody>
+                  <a:bodyPr rtlCol="0" anchor="ctr"/>
+                  <a:lstStyle/>
+                  <a:p>
+                    <a:pPr algn="ctr"/>
+                    <a:endParaRPr lang="en-US"/>
+                  </a:p>
+                </p:txBody>
+              </p:sp>
+              <p:sp>
+                <p:nvSpPr>
+                  <p:cNvPr id="191" name="TextBox 190"/>
+                  <p:cNvSpPr txBox="1"/>
+                  <p:nvPr/>
+                </p:nvSpPr>
+                <p:spPr>
+                  <a:xfrm>
+                    <a:off x="2607739" y="3197106"/>
+                    <a:ext cx="2885502" cy="369332"/>
+                  </a:xfrm>
+                  <a:prstGeom prst="rect">
+                    <a:avLst/>
+                  </a:prstGeom>
+                  <a:noFill/>
+                </p:spPr>
+                <p:txBody>
+                  <a:bodyPr wrap="square" rtlCol="0">
+                    <a:spAutoFit/>
+                  </a:bodyPr>
+                  <a:lstStyle/>
+                  <a:p>
+                    <a:pPr algn="ctr"/>
+                    <a:r>
+                      <a:rPr lang="en-US" dirty="0" smtClean="0"/>
+                      <a:t>Performance Hash Table</a:t>
+                    </a:r>
+                    <a:endParaRPr lang="en-US" dirty="0"/>
+                  </a:p>
+                </p:txBody>
+              </p:sp>
+            </p:grpSp>
+            <p:cxnSp>
+              <p:nvCxnSpPr>
+                <p:cNvPr id="192" name="Straight Arrow Connector 191"/>
+                <p:cNvCxnSpPr/>
+                <p:nvPr/>
+              </p:nvCxnSpPr>
+              <p:spPr>
+                <a:xfrm>
+                  <a:off x="4107021" y="6885157"/>
+                  <a:ext cx="303" cy="439060"/>
+                </a:xfrm>
+                <a:prstGeom prst="straightConnector1">
+                  <a:avLst/>
+                </a:prstGeom>
+                <a:ln>
+                  <a:tailEnd type="triangle"/>
+                </a:ln>
+              </p:spPr>
+              <p:style>
+                <a:lnRef idx="3">
+                  <a:schemeClr val="accent1"/>
+                </a:lnRef>
+                <a:fillRef idx="0">
+                  <a:schemeClr val="accent1"/>
+                </a:fillRef>
+                <a:effectRef idx="2">
+                  <a:schemeClr val="accent1"/>
+                </a:effectRef>
+                <a:fontRef idx="minor">
+                  <a:schemeClr val="tx1"/>
+                </a:fontRef>
+              </p:style>
+            </p:cxnSp>
+            <p:cxnSp>
+              <p:nvCxnSpPr>
+                <p:cNvPr id="414" name="Straight Arrow Connector 413"/>
+                <p:cNvCxnSpPr/>
+                <p:nvPr/>
+              </p:nvCxnSpPr>
+              <p:spPr>
+                <a:xfrm>
+                  <a:off x="688148" y="6950117"/>
+                  <a:ext cx="303" cy="439060"/>
+                </a:xfrm>
+                <a:prstGeom prst="straightConnector1">
+                  <a:avLst/>
+                </a:prstGeom>
+                <a:ln>
+                  <a:tailEnd type="triangle"/>
+                </a:ln>
+              </p:spPr>
+              <p:style>
+                <a:lnRef idx="3">
+                  <a:schemeClr val="accent1"/>
+                </a:lnRef>
+                <a:fillRef idx="0">
+                  <a:schemeClr val="accent1"/>
+                </a:fillRef>
+                <a:effectRef idx="2">
+                  <a:schemeClr val="accent1"/>
+                </a:effectRef>
+                <a:fontRef idx="minor">
+                  <a:schemeClr val="tx1"/>
+                </a:fontRef>
+              </p:style>
+            </p:cxnSp>
+          </p:grpSp>
+          <p:sp>
+            <p:nvSpPr>
+              <p:cNvPr id="425" name="Rectangle 424"/>
+              <p:cNvSpPr/>
+              <p:nvPr/>
+            </p:nvSpPr>
+            <p:spPr>
+              <a:xfrm>
+                <a:off x="2472102" y="6452166"/>
+                <a:ext cx="7768742" cy="2706527"/>
+              </a:xfrm>
+              <a:prstGeom prst="rect">
+                <a:avLst/>
+              </a:prstGeom>
+              <a:noFill/>
+              <a:ln>
+                <a:prstDash val="dash"/>
+              </a:ln>
+            </p:spPr>
+            <p:style>
+              <a:lnRef idx="2">
+                <a:schemeClr val="accent1">
+                  <a:shade val="50000"/>
+                </a:schemeClr>
+              </a:lnRef>
+              <a:fillRef idx="1">
+                <a:schemeClr val="accent1"/>
+              </a:fillRef>
+              <a:effectRef idx="0">
+                <a:schemeClr val="accent1"/>
+              </a:effectRef>
+              <a:fontRef idx="minor">
+                <a:schemeClr val="lt1"/>
+              </a:fontRef>
+            </p:style>
+            <p:txBody>
+              <a:bodyPr rtlCol="0" anchor="ctr"/>
+              <a:lstStyle/>
+              <a:p>
+                <a:pPr algn="ctr"/>
+                <a:endParaRPr lang="en-US"/>
+              </a:p>
+            </p:txBody>
+          </p:sp>
+          <p:cxnSp>
+            <p:nvCxnSpPr>
+              <p:cNvPr id="426" name="Straight Arrow Connector 425"/>
+              <p:cNvCxnSpPr>
+                <a:stCxn id="426" idx="3"/>
+              </p:cNvCxnSpPr>
+              <p:nvPr/>
+            </p:nvCxnSpPr>
+            <p:spPr>
+              <a:xfrm>
+                <a:off x="3546202" y="7949931"/>
+                <a:ext cx="533400" cy="1"/>
+              </a:xfrm>
+              <a:prstGeom prst="straightConnector1">
+                <a:avLst/>
+              </a:prstGeom>
+              <a:ln>
+                <a:tailEnd type="triangle"/>
+              </a:ln>
+            </p:spPr>
+            <p:style>
+              <a:lnRef idx="3">
+                <a:schemeClr val="accent1"/>
+              </a:lnRef>
+              <a:fillRef idx="0">
+                <a:schemeClr val="accent1"/>
+              </a:fillRef>
+              <a:effectRef idx="2">
+                <a:schemeClr val="accent1"/>
+              </a:effectRef>
+              <a:fontRef idx="minor">
+                <a:schemeClr val="tx1"/>
+              </a:fontRef>
+            </p:style>
+          </p:cxnSp>
+          <p:cxnSp>
+            <p:nvCxnSpPr>
+              <p:cNvPr id="427" name="Straight Arrow Connector 426"/>
+              <p:cNvCxnSpPr>
+                <a:stCxn id="427" idx="3"/>
+              </p:cNvCxnSpPr>
+              <p:nvPr/>
+            </p:nvCxnSpPr>
+            <p:spPr>
+              <a:xfrm>
+                <a:off x="7211893" y="7949932"/>
+                <a:ext cx="533400" cy="1"/>
+              </a:xfrm>
+              <a:prstGeom prst="straightConnector1">
+                <a:avLst/>
+              </a:prstGeom>
+              <a:ln>
+                <a:tailEnd type="triangle"/>
+              </a:ln>
+            </p:spPr>
+            <p:style>
+              <a:lnRef idx="3">
+                <a:schemeClr val="accent1"/>
+              </a:lnRef>
+              <a:fillRef idx="0">
+                <a:schemeClr val="accent1"/>
+              </a:fillRef>
+              <a:effectRef idx="2">
+                <a:schemeClr val="accent1"/>
+              </a:effectRef>
+              <a:fontRef idx="minor">
+                <a:schemeClr val="tx1"/>
+              </a:fontRef>
+            </p:style>
+          </p:cxnSp>
+          <p:cxnSp>
+            <p:nvCxnSpPr>
+              <p:cNvPr id="276" name="Straight Arrow Connector 275"/>
+              <p:cNvCxnSpPr/>
+              <p:nvPr/>
+            </p:nvCxnSpPr>
+            <p:spPr>
+              <a:xfrm>
+                <a:off x="5402315" y="7909706"/>
+                <a:ext cx="533400" cy="1"/>
+              </a:xfrm>
+              <a:prstGeom prst="straightConnector1">
+                <a:avLst/>
+              </a:prstGeom>
+              <a:ln>
+                <a:tailEnd type="triangle"/>
+              </a:ln>
+            </p:spPr>
+            <p:style>
+              <a:lnRef idx="3">
+                <a:schemeClr val="accent1"/>
+              </a:lnRef>
+              <a:fillRef idx="0">
+                <a:schemeClr val="accent1"/>
+              </a:fillRef>
+              <a:effectRef idx="2">
+                <a:schemeClr val="accent1"/>
+              </a:effectRef>
+              <a:fontRef idx="minor">
+                <a:schemeClr val="tx1"/>
+              </a:fontRef>
+            </p:style>
+          </p:cxnSp>
+        </p:grpSp>
+        <p:grpSp>
+          <p:nvGrpSpPr>
+            <p:cNvPr id="198" name="Group 197"/>
+            <p:cNvGrpSpPr/>
+            <p:nvPr/>
+          </p:nvGrpSpPr>
+          <p:grpSpPr>
+            <a:xfrm>
+              <a:off x="5849698" y="3616124"/>
+              <a:ext cx="970363" cy="565934"/>
+              <a:chOff x="3357481" y="4339082"/>
+              <a:chExt cx="1574358" cy="912896"/>
+            </a:xfrm>
+          </p:grpSpPr>
+          <p:grpSp>
+            <p:nvGrpSpPr>
+              <p:cNvPr id="199" name="Group 198"/>
+              <p:cNvGrpSpPr/>
+              <p:nvPr/>
+            </p:nvGrpSpPr>
+            <p:grpSpPr>
+              <a:xfrm>
+                <a:off x="3357481" y="4339082"/>
+                <a:ext cx="1574358" cy="912896"/>
+                <a:chOff x="3307744" y="4381167"/>
+                <a:chExt cx="1574358" cy="912896"/>
+              </a:xfrm>
+            </p:grpSpPr>
+            <p:sp>
+              <p:nvSpPr>
+                <p:cNvPr id="201" name="Rectangle 200"/>
+                <p:cNvSpPr/>
+                <p:nvPr/>
+              </p:nvSpPr>
+              <p:spPr>
+                <a:xfrm>
+                  <a:off x="3788482" y="4636827"/>
+                  <a:ext cx="193993" cy="231382"/>
+                </a:xfrm>
+                <a:prstGeom prst="rect">
+                  <a:avLst/>
+                </a:prstGeom>
+                <a:solidFill>
+                  <a:schemeClr val="accent1">
+                    <a:lumMod val="40000"/>
+                    <a:lumOff val="60000"/>
+                  </a:schemeClr>
+                </a:solidFill>
+                <a:ln w="6350">
+                  <a:solidFill>
+                    <a:schemeClr val="accent1"/>
+                  </a:solidFill>
+                </a:ln>
+              </p:spPr>
+              <p:style>
+                <a:lnRef idx="2">
+                  <a:schemeClr val="accent1">
+                    <a:shade val="50000"/>
+                  </a:schemeClr>
+                </a:lnRef>
+                <a:fillRef idx="1">
+                  <a:schemeClr val="accent1"/>
+                </a:fillRef>
+                <a:effectRef idx="0">
+                  <a:schemeClr val="accent1"/>
+                </a:effectRef>
+                <a:fontRef idx="minor">
+                  <a:schemeClr val="lt1"/>
+                </a:fontRef>
+              </p:style>
+              <p:txBody>
+                <a:bodyPr rtlCol="0" anchor="ctr"/>
+                <a:lstStyle/>
+                <a:p>
+                  <a:pPr algn="ctr"/>
+                  <a:endParaRPr lang="en-US" dirty="0"/>
+                </a:p>
+              </p:txBody>
+            </p:sp>
+            <p:cxnSp>
+              <p:nvCxnSpPr>
+                <p:cNvPr id="202" name="Elbow Connector 201"/>
+                <p:cNvCxnSpPr/>
+                <p:nvPr/>
+              </p:nvCxnSpPr>
+              <p:spPr>
+                <a:xfrm rot="5400000" flipH="1">
+                  <a:off x="4068182" y="4253574"/>
+                  <a:ext cx="41489" cy="1245659"/>
+                </a:xfrm>
+                <a:prstGeom prst="bentConnector3">
+                  <a:avLst>
+                    <a:gd name="adj1" fmla="val -800588"/>
+                  </a:avLst>
+                </a:prstGeom>
+                <a:ln w="6350">
+                  <a:solidFill>
+                    <a:schemeClr val="accent1"/>
+                  </a:solidFill>
+                  <a:tailEnd type="stealth"/>
+                </a:ln>
+              </p:spPr>
+              <p:style>
+                <a:lnRef idx="3">
+                  <a:schemeClr val="accent1"/>
+                </a:lnRef>
+                <a:fillRef idx="0">
+                  <a:schemeClr val="accent1"/>
+                </a:fillRef>
+                <a:effectRef idx="2">
+                  <a:schemeClr val="accent1"/>
+                </a:effectRef>
+                <a:fontRef idx="minor">
+                  <a:schemeClr val="tx1"/>
+                </a:fontRef>
+              </p:style>
+            </p:cxnSp>
+            <p:sp>
+              <p:nvSpPr>
+                <p:cNvPr id="203" name="Oval 202"/>
+                <p:cNvSpPr/>
+                <p:nvPr/>
+              </p:nvSpPr>
+              <p:spPr>
+                <a:xfrm>
+                  <a:off x="3372877" y="4634915"/>
+                  <a:ext cx="186438" cy="220744"/>
+                </a:xfrm>
+                <a:prstGeom prst="ellipse">
+                  <a:avLst/>
+                </a:prstGeom>
+                <a:solidFill>
+                  <a:schemeClr val="accent1">
+                    <a:lumMod val="40000"/>
+                    <a:lumOff val="60000"/>
+                  </a:schemeClr>
+                </a:solidFill>
+                <a:ln>
+                  <a:solidFill>
+                    <a:schemeClr val="accent1"/>
+                  </a:solidFill>
+                </a:ln>
+              </p:spPr>
+              <p:style>
+                <a:lnRef idx="2">
+                  <a:schemeClr val="accent1">
+                    <a:shade val="50000"/>
+                  </a:schemeClr>
+                </a:lnRef>
+                <a:fillRef idx="1">
+                  <a:schemeClr val="accent1"/>
+                </a:fillRef>
+                <a:effectRef idx="0">
+                  <a:schemeClr val="accent1"/>
+                </a:effectRef>
+                <a:fontRef idx="minor">
+                  <a:schemeClr val="lt1"/>
+                </a:fontRef>
+              </p:style>
+              <p:txBody>
+                <a:bodyPr rtlCol="0" anchor="ctr"/>
+                <a:lstStyle/>
+                <a:p>
+                  <a:pPr algn="ctr"/>
+                  <a:endParaRPr lang="en-US" sz="5400" dirty="0"/>
+                </a:p>
+              </p:txBody>
+            </p:sp>
+            <p:sp>
+              <p:nvSpPr>
+                <p:cNvPr id="204" name="Rectangle 203"/>
+                <p:cNvSpPr/>
+                <p:nvPr/>
+              </p:nvSpPr>
+              <p:spPr>
+                <a:xfrm>
+                  <a:off x="4184238" y="4636827"/>
+                  <a:ext cx="193937" cy="231382"/>
+                </a:xfrm>
+                <a:prstGeom prst="rect">
+                  <a:avLst/>
+                </a:prstGeom>
+                <a:solidFill>
+                  <a:schemeClr val="accent1">
+                    <a:lumMod val="40000"/>
+                    <a:lumOff val="60000"/>
+                  </a:schemeClr>
+                </a:solidFill>
+                <a:ln>
+                  <a:solidFill>
+                    <a:schemeClr val="accent1"/>
+                  </a:solidFill>
+                </a:ln>
+              </p:spPr>
+              <p:style>
+                <a:lnRef idx="1">
+                  <a:schemeClr val="accent1"/>
+                </a:lnRef>
+                <a:fillRef idx="2">
+                  <a:schemeClr val="accent1"/>
+                </a:fillRef>
+                <a:effectRef idx="1">
+                  <a:schemeClr val="accent1"/>
+                </a:effectRef>
+                <a:fontRef idx="minor">
+                  <a:schemeClr val="dk1"/>
+                </a:fontRef>
+              </p:style>
+              <p:txBody>
+                <a:bodyPr rtlCol="0" anchor="ctr"/>
+                <a:lstStyle/>
+                <a:p>
+                  <a:pPr algn="ctr"/>
+                  <a:endParaRPr lang="en-US" dirty="0"/>
+                </a:p>
+              </p:txBody>
+            </p:sp>
+            <p:sp>
+              <p:nvSpPr>
+                <p:cNvPr id="205" name="Rectangle 204"/>
+                <p:cNvSpPr/>
+                <p:nvPr/>
+              </p:nvSpPr>
+              <p:spPr>
+                <a:xfrm>
+                  <a:off x="4579405" y="4420312"/>
+                  <a:ext cx="264698" cy="476836"/>
+                </a:xfrm>
+                <a:prstGeom prst="rect">
+                  <a:avLst/>
+                </a:prstGeom>
+                <a:solidFill>
+                  <a:schemeClr val="accent1">
+                    <a:lumMod val="40000"/>
+                    <a:lumOff val="60000"/>
+                  </a:schemeClr>
+                </a:solidFill>
+                <a:ln>
+                  <a:solidFill>
+                    <a:schemeClr val="accent1"/>
+                  </a:solidFill>
+                </a:ln>
+              </p:spPr>
+              <p:style>
+                <a:lnRef idx="2">
+                  <a:schemeClr val="accent1">
+                    <a:shade val="50000"/>
+                  </a:schemeClr>
+                </a:lnRef>
+                <a:fillRef idx="1">
+                  <a:schemeClr val="accent1"/>
+                </a:fillRef>
+                <a:effectRef idx="0">
+                  <a:schemeClr val="accent1"/>
+                </a:effectRef>
+                <a:fontRef idx="minor">
+                  <a:schemeClr val="lt1"/>
+                </a:fontRef>
+              </p:style>
+              <p:txBody>
+                <a:bodyPr rtlCol="0" anchor="ctr"/>
+                <a:lstStyle/>
+                <a:p>
+                  <a:pPr algn="ctr"/>
+                  <a:endParaRPr lang="en-US" sz="1600"/>
+                </a:p>
+              </p:txBody>
+            </p:sp>
+            <p:grpSp>
+              <p:nvGrpSpPr>
+                <p:cNvPr id="206" name="Group 99"/>
+                <p:cNvGrpSpPr>
+                  <a:grpSpLocks/>
+                </p:cNvGrpSpPr>
+                <p:nvPr/>
+              </p:nvGrpSpPr>
+              <p:grpSpPr bwMode="auto">
+                <a:xfrm>
+                  <a:off x="4628762" y="4665765"/>
+                  <a:ext cx="161835" cy="158165"/>
+                  <a:chOff x="7239000" y="4549063"/>
+                  <a:chExt cx="762000" cy="584138"/>
+                </a:xfrm>
+              </p:grpSpPr>
+              <p:sp>
+                <p:nvSpPr>
+                  <p:cNvPr id="214" name="Oval 12"/>
+                  <p:cNvSpPr/>
+                  <p:nvPr/>
+                </p:nvSpPr>
+                <p:spPr>
+                  <a:xfrm>
+                    <a:off x="7366000" y="4657717"/>
+                    <a:ext cx="527538" cy="461789"/>
+                  </a:xfrm>
+                  <a:prstGeom prst="ellipse">
+                    <a:avLst/>
+                  </a:prstGeom>
+                  <a:gradFill rotWithShape="1">
+                    <a:gsLst>
+                      <a:gs pos="0">
+                        <a:srgbClr val="BBE0E3">
+                          <a:shade val="51000"/>
+                          <a:satMod val="130000"/>
+                        </a:srgbClr>
+                      </a:gs>
+                      <a:gs pos="80000">
+                        <a:srgbClr val="BBE0E3">
+                          <a:shade val="93000"/>
+                          <a:satMod val="130000"/>
+                        </a:srgbClr>
+                      </a:gs>
+                      <a:gs pos="100000">
+                        <a:srgbClr val="BBE0E3">
+                          <a:shade val="94000"/>
+                          <a:satMod val="135000"/>
+                        </a:srgbClr>
+                      </a:gs>
+                    </a:gsLst>
+                    <a:lin ang="16200000" scaled="0"/>
+                  </a:gradFill>
+                  <a:ln>
+                    <a:noFill/>
+                  </a:ln>
+                  <a:effectLst>
+                    <a:outerShdw blurRad="40000" dist="23000" dir="5400000" rotWithShape="0">
+                      <a:srgbClr val="000000">
+                        <a:alpha val="35000"/>
+                      </a:srgbClr>
+                    </a:outerShdw>
+                  </a:effectLst>
+                  <a:scene3d>
+                    <a:camera prst="orthographicFront">
+                      <a:rot lat="0" lon="0" rev="0"/>
+                    </a:camera>
+                    <a:lightRig rig="threePt" dir="t">
+                      <a:rot lat="0" lon="0" rev="1200000"/>
+                    </a:lightRig>
+                  </a:scene3d>
+                  <a:sp3d>
+                    <a:bevelT w="63500" h="25400"/>
+                  </a:sp3d>
+                </p:spPr>
+                <p:txBody>
+                  <a:bodyPr anchor="ctr"/>
+                  <a:lstStyle/>
+                  <a:p>
+                    <a:pPr algn="ctr">
+                      <a:defRPr/>
+                    </a:pPr>
+                    <a:endParaRPr lang="en-US" sz="1400" kern="0">
+                      <a:solidFill>
+                        <a:srgbClr val="FFFFFF"/>
+                      </a:solidFill>
+                      <a:latin typeface="Arial"/>
+                    </a:endParaRPr>
+                  </a:p>
+                </p:txBody>
+              </p:sp>
+              <p:cxnSp>
+                <p:nvCxnSpPr>
+                  <p:cNvPr id="215" name="Straight Connector 13"/>
+                  <p:cNvCxnSpPr/>
+                  <p:nvPr/>
+                </p:nvCxnSpPr>
+                <p:spPr>
+                  <a:xfrm rot="5400000">
+                    <a:off x="7543026" y="4733944"/>
+                    <a:ext cx="153947" cy="0"/>
+                  </a:xfrm>
+                  <a:prstGeom prst="line">
+                    <a:avLst/>
+                  </a:prstGeom>
+                  <a:noFill/>
+                  <a:ln w="25400" cap="flat" cmpd="sng" algn="ctr">
+                    <a:solidFill>
+                      <a:srgbClr val="000000"/>
+                    </a:solidFill>
+                    <a:prstDash val="solid"/>
+                  </a:ln>
+                  <a:effectLst>
+                    <a:outerShdw blurRad="40000" dist="20000" dir="5400000" rotWithShape="0">
+                      <a:srgbClr val="000000">
+                        <a:alpha val="38000"/>
+                      </a:srgbClr>
+                    </a:outerShdw>
+                  </a:effectLst>
+                </p:spPr>
+              </p:cxnSp>
+              <p:sp>
+                <p:nvSpPr>
+                  <p:cNvPr id="216" name="Minus 14"/>
+                  <p:cNvSpPr/>
+                  <p:nvPr/>
+                </p:nvSpPr>
+                <p:spPr>
+                  <a:xfrm rot="16200000">
+                    <a:off x="7579716" y="4530610"/>
+                    <a:ext cx="80571" cy="117475"/>
+                  </a:xfrm>
+                  <a:prstGeom prst="mathMinus">
+                    <a:avLst/>
+                  </a:prstGeom>
+                  <a:solidFill>
+                    <a:srgbClr val="000000"/>
+                  </a:solidFill>
+                  <a:ln w="3175" cap="flat" cmpd="sng" algn="ctr">
+                    <a:solidFill>
+                      <a:srgbClr val="FFFFFF"/>
+                    </a:solidFill>
+                    <a:prstDash val="solid"/>
+                  </a:ln>
+                  <a:effectLst>
+                    <a:outerShdw blurRad="40000" dist="20000" dir="5400000" rotWithShape="0">
+                      <a:srgbClr val="000000">
+                        <a:alpha val="38000"/>
+                      </a:srgbClr>
+                    </a:outerShdw>
+                  </a:effectLst>
+                </p:spPr>
+                <p:txBody>
+                  <a:bodyPr anchor="ctr"/>
+                  <a:lstStyle/>
+                  <a:p>
+                    <a:pPr algn="ctr">
+                      <a:defRPr/>
+                    </a:pPr>
+                    <a:endParaRPr lang="en-US" sz="1400" kern="0">
+                      <a:solidFill>
+                        <a:srgbClr val="FFFFFF"/>
+                      </a:solidFill>
+                      <a:latin typeface="Arial"/>
+                    </a:endParaRPr>
+                  </a:p>
+                </p:txBody>
+              </p:sp>
+              <p:sp>
+                <p:nvSpPr>
+                  <p:cNvPr id="217" name="Minus 15"/>
+                  <p:cNvSpPr/>
+                  <p:nvPr/>
+                </p:nvSpPr>
+                <p:spPr>
+                  <a:xfrm>
+                    <a:off x="7913688" y="4820990"/>
+                    <a:ext cx="87312" cy="107907"/>
+                  </a:xfrm>
+                  <a:prstGeom prst="mathMinus">
+                    <a:avLst/>
+                  </a:prstGeom>
+                  <a:solidFill>
+                    <a:srgbClr val="000000"/>
+                  </a:solidFill>
+                  <a:ln w="3175" cap="flat" cmpd="sng" algn="ctr">
+                    <a:solidFill>
+                      <a:srgbClr val="FFFFFF"/>
+                    </a:solidFill>
+                    <a:prstDash val="solid"/>
+                  </a:ln>
+                  <a:effectLst>
+                    <a:outerShdw blurRad="40000" dist="20000" dir="5400000" rotWithShape="0">
+                      <a:srgbClr val="000000">
+                        <a:alpha val="38000"/>
+                      </a:srgbClr>
+                    </a:outerShdw>
+                  </a:effectLst>
+                </p:spPr>
+                <p:txBody>
+                  <a:bodyPr anchor="ctr"/>
+                  <a:lstStyle/>
+                  <a:p>
+                    <a:pPr algn="ctr">
+                      <a:defRPr/>
+                    </a:pPr>
+                    <a:endParaRPr lang="en-US" sz="1400" kern="0">
+                      <a:solidFill>
+                        <a:srgbClr val="FFFFFF"/>
+                      </a:solidFill>
+                      <a:latin typeface="Arial"/>
+                    </a:endParaRPr>
+                  </a:p>
+                </p:txBody>
+              </p:sp>
+              <p:sp>
+                <p:nvSpPr>
+                  <p:cNvPr id="218" name="Minus 16"/>
+                  <p:cNvSpPr/>
+                  <p:nvPr/>
+                </p:nvSpPr>
+                <p:spPr>
+                  <a:xfrm>
+                    <a:off x="7239000" y="4820990"/>
+                    <a:ext cx="87313" cy="107907"/>
+                  </a:xfrm>
+                  <a:prstGeom prst="mathMinus">
+                    <a:avLst/>
+                  </a:prstGeom>
+                  <a:solidFill>
+                    <a:srgbClr val="000000"/>
+                  </a:solidFill>
+                  <a:ln w="3175" cap="flat" cmpd="sng" algn="ctr">
+                    <a:solidFill>
+                      <a:srgbClr val="FFFFFF"/>
+                    </a:solidFill>
+                    <a:prstDash val="solid"/>
+                  </a:ln>
+                  <a:effectLst>
+                    <a:outerShdw blurRad="40000" dist="20000" dir="5400000" rotWithShape="0">
+                      <a:srgbClr val="000000">
+                        <a:alpha val="38000"/>
+                      </a:srgbClr>
+                    </a:outerShdw>
+                  </a:effectLst>
+                </p:spPr>
+                <p:txBody>
+                  <a:bodyPr anchor="ctr"/>
+                  <a:lstStyle/>
+                  <a:p>
+                    <a:pPr algn="ctr">
+                      <a:defRPr/>
+                    </a:pPr>
+                    <a:endParaRPr lang="en-US" sz="1400" kern="0">
+                      <a:solidFill>
+                        <a:srgbClr val="FFFFFF"/>
+                      </a:solidFill>
+                      <a:latin typeface="Arial"/>
+                    </a:endParaRPr>
+                  </a:p>
+                </p:txBody>
+              </p:sp>
+              <p:sp>
+                <p:nvSpPr>
+                  <p:cNvPr id="219" name="Minus 17"/>
+                  <p:cNvSpPr/>
+                  <p:nvPr/>
+                </p:nvSpPr>
+                <p:spPr>
+                  <a:xfrm rot="2264948">
+                    <a:off x="7323138" y="4644021"/>
+                    <a:ext cx="87312" cy="109346"/>
+                  </a:xfrm>
+                  <a:prstGeom prst="mathMinus">
+                    <a:avLst/>
+                  </a:prstGeom>
+                  <a:solidFill>
+                    <a:srgbClr val="000000"/>
+                  </a:solidFill>
+                  <a:ln w="3175" cap="flat" cmpd="sng" algn="ctr">
+                    <a:solidFill>
+                      <a:srgbClr val="FFFFFF"/>
+                    </a:solidFill>
+                    <a:prstDash val="solid"/>
+                  </a:ln>
+                  <a:effectLst>
+                    <a:outerShdw blurRad="40000" dist="20000" dir="5400000" rotWithShape="0">
+                      <a:srgbClr val="000000">
+                        <a:alpha val="38000"/>
+                      </a:srgbClr>
+                    </a:outerShdw>
+                  </a:effectLst>
+                </p:spPr>
+                <p:txBody>
+                  <a:bodyPr anchor="ctr"/>
+                  <a:lstStyle/>
+                  <a:p>
+                    <a:pPr algn="ctr">
+                      <a:defRPr/>
+                    </a:pPr>
+                    <a:endParaRPr lang="en-US" sz="1400" kern="0">
+                      <a:solidFill>
+                        <a:srgbClr val="FFFFFF"/>
+                      </a:solidFill>
+                      <a:latin typeface="Arial"/>
+                    </a:endParaRPr>
+                  </a:p>
+                </p:txBody>
+              </p:sp>
+              <p:sp>
+                <p:nvSpPr>
+                  <p:cNvPr id="220" name="Minus 18"/>
+                  <p:cNvSpPr/>
+                  <p:nvPr/>
+                </p:nvSpPr>
+                <p:spPr>
+                  <a:xfrm rot="19067474">
+                    <a:off x="7826375" y="4644021"/>
+                    <a:ext cx="87313" cy="107908"/>
+                  </a:xfrm>
+                  <a:prstGeom prst="mathMinus">
+                    <a:avLst/>
+                  </a:prstGeom>
+                  <a:solidFill>
+                    <a:srgbClr val="000000"/>
+                  </a:solidFill>
+                  <a:ln w="3175" cap="flat" cmpd="sng" algn="ctr">
+                    <a:solidFill>
+                      <a:srgbClr val="FFFFFF"/>
+                    </a:solidFill>
+                    <a:prstDash val="solid"/>
+                  </a:ln>
+                  <a:effectLst>
+                    <a:outerShdw blurRad="40000" dist="20000" dir="5400000" rotWithShape="0">
+                      <a:srgbClr val="000000">
+                        <a:alpha val="38000"/>
+                      </a:srgbClr>
+                    </a:outerShdw>
+                  </a:effectLst>
+                </p:spPr>
+                <p:txBody>
+                  <a:bodyPr anchor="ctr"/>
+                  <a:lstStyle/>
+                  <a:p>
+                    <a:pPr algn="ctr">
+                      <a:defRPr/>
+                    </a:pPr>
+                    <a:endParaRPr lang="en-US" sz="1400" kern="0">
+                      <a:solidFill>
+                        <a:srgbClr val="FFFFFF"/>
+                      </a:solidFill>
+                      <a:latin typeface="Arial"/>
+                    </a:endParaRPr>
+                  </a:p>
+                </p:txBody>
+              </p:sp>
+              <p:sp>
+                <p:nvSpPr>
+                  <p:cNvPr id="221" name="Minus 19"/>
+                  <p:cNvSpPr/>
+                  <p:nvPr/>
+                </p:nvSpPr>
+                <p:spPr>
+                  <a:xfrm rot="19189480">
+                    <a:off x="7329488" y="5025294"/>
+                    <a:ext cx="87312" cy="107907"/>
+                  </a:xfrm>
+                  <a:prstGeom prst="mathMinus">
+                    <a:avLst/>
+                  </a:prstGeom>
+                  <a:solidFill>
+                    <a:srgbClr val="000000"/>
+                  </a:solidFill>
+                  <a:ln w="3175" cap="flat" cmpd="sng" algn="ctr">
+                    <a:solidFill>
+                      <a:srgbClr val="FFFFFF"/>
+                    </a:solidFill>
+                    <a:prstDash val="solid"/>
+                  </a:ln>
+                  <a:effectLst>
+                    <a:outerShdw blurRad="40000" dist="20000" dir="5400000" rotWithShape="0">
+                      <a:srgbClr val="000000">
+                        <a:alpha val="38000"/>
+                      </a:srgbClr>
+                    </a:outerShdw>
+                  </a:effectLst>
+                </p:spPr>
+                <p:txBody>
+                  <a:bodyPr anchor="ctr"/>
+                  <a:lstStyle/>
+                  <a:p>
+                    <a:pPr algn="ctr">
+                      <a:defRPr/>
+                    </a:pPr>
+                    <a:endParaRPr lang="en-US" sz="1400" kern="0">
+                      <a:solidFill>
+                        <a:srgbClr val="FFFFFF"/>
+                      </a:solidFill>
+                      <a:latin typeface="Arial"/>
+                    </a:endParaRPr>
+                  </a:p>
+                </p:txBody>
+              </p:sp>
+              <p:sp>
+                <p:nvSpPr>
+                  <p:cNvPr id="222" name="Minus 20"/>
+                  <p:cNvSpPr/>
+                  <p:nvPr/>
+                </p:nvSpPr>
+                <p:spPr>
+                  <a:xfrm rot="2517184">
+                    <a:off x="7826375" y="5025294"/>
+                    <a:ext cx="87313" cy="107907"/>
+                  </a:xfrm>
+                  <a:prstGeom prst="mathMinus">
+                    <a:avLst/>
+                  </a:prstGeom>
+                  <a:solidFill>
+                    <a:srgbClr val="000000"/>
+                  </a:solidFill>
+                  <a:ln w="3175" cap="flat" cmpd="sng" algn="ctr">
+                    <a:solidFill>
+                      <a:srgbClr val="FFFFFF"/>
+                    </a:solidFill>
+                    <a:prstDash val="solid"/>
+                  </a:ln>
+                  <a:effectLst>
+                    <a:outerShdw blurRad="40000" dist="20000" dir="5400000" rotWithShape="0">
+                      <a:srgbClr val="000000">
+                        <a:alpha val="38000"/>
+                      </a:srgbClr>
+                    </a:outerShdw>
+                  </a:effectLst>
+                </p:spPr>
+                <p:txBody>
+                  <a:bodyPr anchor="ctr"/>
+                  <a:lstStyle/>
+                  <a:p>
+                    <a:pPr algn="ctr">
+                      <a:defRPr/>
+                    </a:pPr>
+                    <a:endParaRPr lang="en-US" sz="1400" kern="0">
+                      <a:solidFill>
+                        <a:srgbClr val="FFFFFF"/>
+                      </a:solidFill>
+                      <a:latin typeface="Arial"/>
+                    </a:endParaRPr>
+                  </a:p>
+                </p:txBody>
+              </p:sp>
+            </p:grpSp>
+            <p:sp>
+              <p:nvSpPr>
+                <p:cNvPr id="207" name="Rectangle 206"/>
+                <p:cNvSpPr/>
+                <p:nvPr/>
+              </p:nvSpPr>
+              <p:spPr>
+                <a:xfrm>
+                  <a:off x="3778877" y="4420310"/>
+                  <a:ext cx="599297" cy="59977"/>
+                </a:xfrm>
+                <a:prstGeom prst="rect">
+                  <a:avLst/>
+                </a:prstGeom>
+                <a:solidFill>
+                  <a:schemeClr val="accent1">
+                    <a:lumMod val="40000"/>
+                    <a:lumOff val="60000"/>
+                  </a:schemeClr>
+                </a:solidFill>
+                <a:ln>
+                  <a:solidFill>
+                    <a:schemeClr val="accent1"/>
+                  </a:solidFill>
+                </a:ln>
+              </p:spPr>
+              <p:style>
+                <a:lnRef idx="1">
+                  <a:schemeClr val="accent1"/>
+                </a:lnRef>
+                <a:fillRef idx="2">
+                  <a:schemeClr val="accent1"/>
+                </a:fillRef>
+                <a:effectRef idx="1">
+                  <a:schemeClr val="accent1"/>
+                </a:effectRef>
+                <a:fontRef idx="minor">
+                  <a:schemeClr val="dk1"/>
+                </a:fontRef>
+              </p:style>
+              <p:txBody>
+                <a:bodyPr rtlCol="0" anchor="ctr"/>
+                <a:lstStyle/>
+                <a:p>
+                  <a:pPr algn="ctr"/>
+                  <a:endParaRPr lang="en-US"/>
+                </a:p>
+              </p:txBody>
+            </p:sp>
+            <p:cxnSp>
+              <p:nvCxnSpPr>
+                <p:cNvPr id="208" name="Straight Arrow Connector 207"/>
+                <p:cNvCxnSpPr/>
+                <p:nvPr/>
+              </p:nvCxnSpPr>
+              <p:spPr>
+                <a:xfrm>
+                  <a:off x="4280051" y="4480287"/>
+                  <a:ext cx="1780" cy="156540"/>
+                </a:xfrm>
+                <a:prstGeom prst="straightConnector1">
+                  <a:avLst/>
+                </a:prstGeom>
+                <a:ln w="6350">
+                  <a:solidFill>
+                    <a:schemeClr val="accent1"/>
+                  </a:solidFill>
+                  <a:tailEnd type="stealth"/>
+                </a:ln>
+              </p:spPr>
+              <p:style>
+                <a:lnRef idx="3">
+                  <a:schemeClr val="accent1"/>
+                </a:lnRef>
+                <a:fillRef idx="0">
+                  <a:schemeClr val="accent1"/>
+                </a:fillRef>
+                <a:effectRef idx="2">
+                  <a:schemeClr val="accent1"/>
+                </a:effectRef>
+                <a:fontRef idx="minor">
+                  <a:schemeClr val="tx1"/>
+                </a:fontRef>
+              </p:style>
+            </p:cxnSp>
+            <p:cxnSp>
+              <p:nvCxnSpPr>
+                <p:cNvPr id="209" name="Straight Arrow Connector 208"/>
+                <p:cNvCxnSpPr/>
+                <p:nvPr/>
+              </p:nvCxnSpPr>
+              <p:spPr>
+                <a:xfrm>
+                  <a:off x="3455581" y="4420310"/>
+                  <a:ext cx="109" cy="183722"/>
+                </a:xfrm>
+                <a:prstGeom prst="straightConnector1">
+                  <a:avLst/>
+                </a:prstGeom>
+                <a:ln w="6350">
+                  <a:solidFill>
+                    <a:schemeClr val="accent1"/>
+                  </a:solidFill>
+                  <a:tailEnd type="stealth"/>
+                </a:ln>
+              </p:spPr>
+              <p:style>
+                <a:lnRef idx="3">
+                  <a:schemeClr val="accent1"/>
+                </a:lnRef>
+                <a:fillRef idx="0">
+                  <a:schemeClr val="accent1"/>
+                </a:fillRef>
+                <a:effectRef idx="2">
+                  <a:schemeClr val="accent1"/>
+                </a:effectRef>
+                <a:fontRef idx="minor">
+                  <a:schemeClr val="tx1"/>
+                </a:fontRef>
+              </p:style>
+            </p:cxnSp>
+            <p:cxnSp>
+              <p:nvCxnSpPr>
+                <p:cNvPr id="210" name="Straight Arrow Connector 209"/>
+                <p:cNvCxnSpPr/>
+                <p:nvPr/>
+              </p:nvCxnSpPr>
+              <p:spPr>
+                <a:xfrm>
+                  <a:off x="3559315" y="4754734"/>
+                  <a:ext cx="191466" cy="0"/>
+                </a:xfrm>
+                <a:prstGeom prst="straightConnector1">
+                  <a:avLst/>
+                </a:prstGeom>
+                <a:ln w="6350">
+                  <a:solidFill>
+                    <a:schemeClr val="accent1"/>
+                  </a:solidFill>
+                  <a:tailEnd type="stealth"/>
+                </a:ln>
+              </p:spPr>
+              <p:style>
+                <a:lnRef idx="3">
+                  <a:schemeClr val="accent1"/>
+                </a:lnRef>
+                <a:fillRef idx="0">
+                  <a:schemeClr val="accent1"/>
+                </a:fillRef>
+                <a:effectRef idx="2">
+                  <a:schemeClr val="accent1"/>
+                </a:effectRef>
+                <a:fontRef idx="minor">
+                  <a:schemeClr val="tx1"/>
+                </a:fontRef>
+              </p:style>
+            </p:cxnSp>
+            <p:cxnSp>
+              <p:nvCxnSpPr>
+                <p:cNvPr id="211" name="Straight Arrow Connector 210"/>
+                <p:cNvCxnSpPr/>
+                <p:nvPr/>
+              </p:nvCxnSpPr>
+              <p:spPr>
+                <a:xfrm>
+                  <a:off x="3992770" y="4754735"/>
+                  <a:ext cx="191467" cy="0"/>
+                </a:xfrm>
+                <a:prstGeom prst="straightConnector1">
+                  <a:avLst/>
+                </a:prstGeom>
+                <a:ln w="6350">
+                  <a:solidFill>
+                    <a:schemeClr val="accent1"/>
+                  </a:solidFill>
+                  <a:tailEnd type="stealth"/>
+                </a:ln>
+              </p:spPr>
+              <p:style>
+                <a:lnRef idx="3">
+                  <a:schemeClr val="accent1"/>
+                </a:lnRef>
+                <a:fillRef idx="0">
+                  <a:schemeClr val="accent1"/>
+                </a:fillRef>
+                <a:effectRef idx="2">
+                  <a:schemeClr val="accent1"/>
+                </a:effectRef>
+                <a:fontRef idx="minor">
+                  <a:schemeClr val="tx1"/>
+                </a:fontRef>
+              </p:style>
+            </p:cxnSp>
+            <p:cxnSp>
+              <p:nvCxnSpPr>
+                <p:cNvPr id="212" name="Straight Arrow Connector 211"/>
+                <p:cNvCxnSpPr/>
+                <p:nvPr/>
+              </p:nvCxnSpPr>
+              <p:spPr>
+                <a:xfrm>
+                  <a:off x="4386603" y="4757865"/>
+                  <a:ext cx="191467" cy="0"/>
+                </a:xfrm>
+                <a:prstGeom prst="straightConnector1">
+                  <a:avLst/>
+                </a:prstGeom>
+                <a:ln w="6350">
+                  <a:solidFill>
+                    <a:schemeClr val="accent1"/>
+                  </a:solidFill>
+                  <a:tailEnd type="stealth"/>
+                </a:ln>
+              </p:spPr>
+              <p:style>
+                <a:lnRef idx="3">
+                  <a:schemeClr val="accent1"/>
+                </a:lnRef>
+                <a:fillRef idx="0">
+                  <a:schemeClr val="accent1"/>
+                </a:fillRef>
+                <a:effectRef idx="2">
+                  <a:schemeClr val="accent1"/>
+                </a:effectRef>
+                <a:fontRef idx="minor">
+                  <a:schemeClr val="tx1"/>
+                </a:fontRef>
+              </p:style>
+            </p:cxnSp>
+            <p:sp>
+              <p:nvSpPr>
+                <p:cNvPr id="213" name="Rectangle 212"/>
+                <p:cNvSpPr/>
+                <p:nvPr/>
+              </p:nvSpPr>
+              <p:spPr>
+                <a:xfrm>
+                  <a:off x="3307744" y="4381167"/>
+                  <a:ext cx="1574358" cy="912896"/>
+                </a:xfrm>
+                <a:prstGeom prst="rect">
+                  <a:avLst/>
+                </a:prstGeom>
+                <a:noFill/>
+                <a:ln>
+                  <a:solidFill>
+                    <a:schemeClr val="accent1"/>
+                  </a:solidFill>
+                  <a:prstDash val="dash"/>
+                </a:ln>
+              </p:spPr>
+              <p:style>
+                <a:lnRef idx="2">
+                  <a:schemeClr val="accent1">
+                    <a:shade val="50000"/>
+                  </a:schemeClr>
+                </a:lnRef>
+                <a:fillRef idx="1">
+                  <a:schemeClr val="accent1"/>
+                </a:fillRef>
+                <a:effectRef idx="0">
+                  <a:schemeClr val="accent1"/>
+                </a:effectRef>
+                <a:fontRef idx="minor">
+                  <a:schemeClr val="lt1"/>
+                </a:fontRef>
+              </p:style>
+              <p:txBody>
+                <a:bodyPr rtlCol="0" anchor="ctr"/>
+                <a:lstStyle/>
+                <a:p>
+                  <a:pPr algn="ctr"/>
+                  <a:endParaRPr lang="en-US"/>
+                </a:p>
+              </p:txBody>
+            </p:sp>
+          </p:grpSp>
+          <p:sp>
+            <p:nvSpPr>
+              <p:cNvPr id="200" name="Rectangle 199"/>
+              <p:cNvSpPr/>
+              <p:nvPr/>
+            </p:nvSpPr>
+            <p:spPr>
+              <a:xfrm>
+                <a:off x="4684013" y="4634587"/>
+                <a:ext cx="152551" cy="146050"/>
+              </a:xfrm>
+              <a:prstGeom prst="rect">
+                <a:avLst/>
+              </a:prstGeom>
+              <a:solidFill>
+                <a:schemeClr val="accent1">
+                  <a:lumMod val="40000"/>
+                  <a:lumOff val="60000"/>
+                  <a:alpha val="55000"/>
+                </a:schemeClr>
+              </a:solidFill>
+              <a:ln>
+                <a:noFill/>
+              </a:ln>
+            </p:spPr>
+            <p:style>
+              <a:lnRef idx="2">
+                <a:schemeClr val="accent1">
+                  <a:shade val="50000"/>
+                </a:schemeClr>
+              </a:lnRef>
+              <a:fillRef idx="1">
+                <a:schemeClr val="accent1"/>
+              </a:fillRef>
+              <a:effectRef idx="0">
+                <a:schemeClr val="accent1"/>
+              </a:effectRef>
+              <a:fontRef idx="minor">
+                <a:schemeClr val="lt1"/>
+              </a:fontRef>
+            </p:style>
+            <p:txBody>
+              <a:bodyPr rtlCol="0" anchor="ctr"/>
+              <a:lstStyle/>
+              <a:p>
+                <a:pPr algn="ctr"/>
+                <a:endParaRPr lang="en-US"/>
+              </a:p>
+            </p:txBody>
+          </p:sp>
+        </p:grpSp>
+        <p:grpSp>
+          <p:nvGrpSpPr>
+            <p:cNvPr id="223" name="Group 222"/>
+            <p:cNvGrpSpPr/>
+            <p:nvPr/>
+          </p:nvGrpSpPr>
+          <p:grpSpPr>
+            <a:xfrm>
+              <a:off x="8592795" y="3627010"/>
+              <a:ext cx="970363" cy="565934"/>
+              <a:chOff x="3357481" y="4339082"/>
+              <a:chExt cx="1574358" cy="912896"/>
+            </a:xfrm>
+          </p:grpSpPr>
+          <p:grpSp>
+            <p:nvGrpSpPr>
+              <p:cNvPr id="224" name="Group 223"/>
+              <p:cNvGrpSpPr/>
+              <p:nvPr/>
+            </p:nvGrpSpPr>
+            <p:grpSpPr>
+              <a:xfrm>
+                <a:off x="3357481" y="4339082"/>
+                <a:ext cx="1574358" cy="912896"/>
+                <a:chOff x="3307744" y="4381167"/>
+                <a:chExt cx="1574358" cy="912896"/>
+              </a:xfrm>
+            </p:grpSpPr>
+            <p:sp>
+              <p:nvSpPr>
+                <p:cNvPr id="226" name="Rectangle 225"/>
+                <p:cNvSpPr/>
+                <p:nvPr/>
+              </p:nvSpPr>
+              <p:spPr>
+                <a:xfrm>
+                  <a:off x="3788482" y="4636827"/>
+                  <a:ext cx="193993" cy="231382"/>
+                </a:xfrm>
+                <a:prstGeom prst="rect">
+                  <a:avLst/>
+                </a:prstGeom>
+                <a:solidFill>
+                  <a:schemeClr val="accent1">
+                    <a:lumMod val="40000"/>
+                    <a:lumOff val="60000"/>
+                  </a:schemeClr>
+                </a:solidFill>
+                <a:ln w="6350">
+                  <a:solidFill>
+                    <a:schemeClr val="accent1"/>
+                  </a:solidFill>
+                </a:ln>
+              </p:spPr>
+              <p:style>
+                <a:lnRef idx="2">
+                  <a:schemeClr val="accent1">
+                    <a:shade val="50000"/>
+                  </a:schemeClr>
+                </a:lnRef>
+                <a:fillRef idx="1">
+                  <a:schemeClr val="accent1"/>
+                </a:fillRef>
+                <a:effectRef idx="0">
+                  <a:schemeClr val="accent1"/>
+                </a:effectRef>
+                <a:fontRef idx="minor">
+                  <a:schemeClr val="lt1"/>
+                </a:fontRef>
+              </p:style>
+              <p:txBody>
+                <a:bodyPr rtlCol="0" anchor="ctr"/>
+                <a:lstStyle/>
+                <a:p>
+                  <a:pPr algn="ctr"/>
+                  <a:endParaRPr lang="en-US" dirty="0"/>
+                </a:p>
+              </p:txBody>
+            </p:sp>
+            <p:cxnSp>
+              <p:nvCxnSpPr>
+                <p:cNvPr id="227" name="Elbow Connector 226"/>
+                <p:cNvCxnSpPr/>
+                <p:nvPr/>
+              </p:nvCxnSpPr>
+              <p:spPr>
+                <a:xfrm rot="5400000" flipH="1">
+                  <a:off x="4068182" y="4253574"/>
+                  <a:ext cx="41489" cy="1245659"/>
+                </a:xfrm>
+                <a:prstGeom prst="bentConnector3">
+                  <a:avLst>
+                    <a:gd name="adj1" fmla="val -800588"/>
+                  </a:avLst>
+                </a:prstGeom>
+                <a:ln w="6350">
+                  <a:solidFill>
+                    <a:schemeClr val="accent1"/>
+                  </a:solidFill>
+                  <a:tailEnd type="stealth"/>
+                </a:ln>
+              </p:spPr>
+              <p:style>
+                <a:lnRef idx="3">
+                  <a:schemeClr val="accent1"/>
+                </a:lnRef>
+                <a:fillRef idx="0">
+                  <a:schemeClr val="accent1"/>
+                </a:fillRef>
+                <a:effectRef idx="2">
+                  <a:schemeClr val="accent1"/>
+                </a:effectRef>
+                <a:fontRef idx="minor">
+                  <a:schemeClr val="tx1"/>
+                </a:fontRef>
+              </p:style>
+            </p:cxnSp>
+            <p:sp>
+              <p:nvSpPr>
+                <p:cNvPr id="228" name="Oval 227"/>
+                <p:cNvSpPr/>
+                <p:nvPr/>
+              </p:nvSpPr>
+              <p:spPr>
+                <a:xfrm>
+                  <a:off x="3372877" y="4634915"/>
+                  <a:ext cx="186438" cy="220744"/>
+                </a:xfrm>
+                <a:prstGeom prst="ellipse">
+                  <a:avLst/>
+                </a:prstGeom>
+                <a:solidFill>
+                  <a:schemeClr val="accent1">
+                    <a:lumMod val="40000"/>
+                    <a:lumOff val="60000"/>
+                  </a:schemeClr>
+                </a:solidFill>
+                <a:ln>
+                  <a:solidFill>
+                    <a:schemeClr val="accent1"/>
+                  </a:solidFill>
+                </a:ln>
+              </p:spPr>
+              <p:style>
+                <a:lnRef idx="2">
+                  <a:schemeClr val="accent1">
+                    <a:shade val="50000"/>
+                  </a:schemeClr>
+                </a:lnRef>
+                <a:fillRef idx="1">
+                  <a:schemeClr val="accent1"/>
+                </a:fillRef>
+                <a:effectRef idx="0">
+                  <a:schemeClr val="accent1"/>
+                </a:effectRef>
+                <a:fontRef idx="minor">
+                  <a:schemeClr val="lt1"/>
+                </a:fontRef>
+              </p:style>
+              <p:txBody>
+                <a:bodyPr rtlCol="0" anchor="ctr"/>
+                <a:lstStyle/>
+                <a:p>
+                  <a:pPr algn="ctr"/>
+                  <a:endParaRPr lang="en-US" sz="5400" dirty="0"/>
+                </a:p>
+              </p:txBody>
+            </p:sp>
+            <p:sp>
+              <p:nvSpPr>
+                <p:cNvPr id="229" name="Rectangle 228"/>
+                <p:cNvSpPr/>
+                <p:nvPr/>
+              </p:nvSpPr>
+              <p:spPr>
+                <a:xfrm>
+                  <a:off x="4184238" y="4636827"/>
+                  <a:ext cx="193937" cy="231382"/>
+                </a:xfrm>
+                <a:prstGeom prst="rect">
+                  <a:avLst/>
+                </a:prstGeom>
+                <a:solidFill>
+                  <a:schemeClr val="accent1">
+                    <a:lumMod val="40000"/>
+                    <a:lumOff val="60000"/>
+                  </a:schemeClr>
+                </a:solidFill>
+                <a:ln>
+                  <a:solidFill>
+                    <a:schemeClr val="accent1"/>
+                  </a:solidFill>
+                </a:ln>
+              </p:spPr>
+              <p:style>
+                <a:lnRef idx="1">
+                  <a:schemeClr val="accent1"/>
+                </a:lnRef>
+                <a:fillRef idx="2">
+                  <a:schemeClr val="accent1"/>
+                </a:fillRef>
+                <a:effectRef idx="1">
+                  <a:schemeClr val="accent1"/>
+                </a:effectRef>
+                <a:fontRef idx="minor">
+                  <a:schemeClr val="dk1"/>
+                </a:fontRef>
+              </p:style>
+              <p:txBody>
+                <a:bodyPr rtlCol="0" anchor="ctr"/>
+                <a:lstStyle/>
+                <a:p>
+                  <a:pPr algn="ctr"/>
+                  <a:endParaRPr lang="en-US" dirty="0"/>
+                </a:p>
+              </p:txBody>
+            </p:sp>
+            <p:sp>
+              <p:nvSpPr>
+                <p:cNvPr id="230" name="Rectangle 229"/>
+                <p:cNvSpPr/>
+                <p:nvPr/>
+              </p:nvSpPr>
+              <p:spPr>
+                <a:xfrm>
+                  <a:off x="4579405" y="4420312"/>
+                  <a:ext cx="264698" cy="476836"/>
+                </a:xfrm>
+                <a:prstGeom prst="rect">
+                  <a:avLst/>
+                </a:prstGeom>
+                <a:solidFill>
+                  <a:schemeClr val="accent1">
+                    <a:lumMod val="40000"/>
+                    <a:lumOff val="60000"/>
+                  </a:schemeClr>
+                </a:solidFill>
+                <a:ln>
+                  <a:solidFill>
+                    <a:schemeClr val="accent1"/>
+                  </a:solidFill>
+                </a:ln>
+              </p:spPr>
+              <p:style>
+                <a:lnRef idx="2">
+                  <a:schemeClr val="accent1">
+                    <a:shade val="50000"/>
+                  </a:schemeClr>
+                </a:lnRef>
+                <a:fillRef idx="1">
+                  <a:schemeClr val="accent1"/>
+                </a:fillRef>
+                <a:effectRef idx="0">
+                  <a:schemeClr val="accent1"/>
+                </a:effectRef>
+                <a:fontRef idx="minor">
+                  <a:schemeClr val="lt1"/>
+                </a:fontRef>
+              </p:style>
+              <p:txBody>
+                <a:bodyPr rtlCol="0" anchor="ctr"/>
+                <a:lstStyle/>
+                <a:p>
+                  <a:pPr algn="ctr"/>
+                  <a:endParaRPr lang="en-US" sz="1600"/>
+                </a:p>
+              </p:txBody>
+            </p:sp>
+            <p:grpSp>
+              <p:nvGrpSpPr>
+                <p:cNvPr id="231" name="Group 99"/>
+                <p:cNvGrpSpPr>
+                  <a:grpSpLocks/>
+                </p:cNvGrpSpPr>
+                <p:nvPr/>
+              </p:nvGrpSpPr>
+              <p:grpSpPr bwMode="auto">
+                <a:xfrm>
+                  <a:off x="4628762" y="4665765"/>
+                  <a:ext cx="161835" cy="158165"/>
+                  <a:chOff x="7239000" y="4549063"/>
+                  <a:chExt cx="762000" cy="584138"/>
+                </a:xfrm>
+              </p:grpSpPr>
+              <p:sp>
+                <p:nvSpPr>
+                  <p:cNvPr id="239" name="Oval 12"/>
+                  <p:cNvSpPr/>
+                  <p:nvPr/>
+                </p:nvSpPr>
+                <p:spPr>
+                  <a:xfrm>
+                    <a:off x="7366000" y="4657717"/>
+                    <a:ext cx="527538" cy="461789"/>
+                  </a:xfrm>
+                  <a:prstGeom prst="ellipse">
+                    <a:avLst/>
+                  </a:prstGeom>
+                  <a:gradFill rotWithShape="1">
+                    <a:gsLst>
+                      <a:gs pos="0">
+                        <a:srgbClr val="BBE0E3">
+                          <a:shade val="51000"/>
+                          <a:satMod val="130000"/>
+                        </a:srgbClr>
+                      </a:gs>
+                      <a:gs pos="80000">
+                        <a:srgbClr val="BBE0E3">
+                          <a:shade val="93000"/>
+                          <a:satMod val="130000"/>
+                        </a:srgbClr>
+                      </a:gs>
+                      <a:gs pos="100000">
+                        <a:srgbClr val="BBE0E3">
+                          <a:shade val="94000"/>
+                          <a:satMod val="135000"/>
+                        </a:srgbClr>
+                      </a:gs>
+                    </a:gsLst>
+                    <a:lin ang="16200000" scaled="0"/>
+                  </a:gradFill>
+                  <a:ln>
+                    <a:noFill/>
+                  </a:ln>
+                  <a:effectLst>
+                    <a:outerShdw blurRad="40000" dist="23000" dir="5400000" rotWithShape="0">
+                      <a:srgbClr val="000000">
+                        <a:alpha val="35000"/>
+                      </a:srgbClr>
+                    </a:outerShdw>
+                  </a:effectLst>
+                  <a:scene3d>
+                    <a:camera prst="orthographicFront">
+                      <a:rot lat="0" lon="0" rev="0"/>
+                    </a:camera>
+                    <a:lightRig rig="threePt" dir="t">
+                      <a:rot lat="0" lon="0" rev="1200000"/>
+                    </a:lightRig>
+                  </a:scene3d>
+                  <a:sp3d>
+                    <a:bevelT w="63500" h="25400"/>
+                  </a:sp3d>
+                </p:spPr>
+                <p:txBody>
+                  <a:bodyPr anchor="ctr"/>
+                  <a:lstStyle/>
+                  <a:p>
+                    <a:pPr algn="ctr">
+                      <a:defRPr/>
+                    </a:pPr>
+                    <a:endParaRPr lang="en-US" sz="1400" kern="0">
+                      <a:solidFill>
+                        <a:srgbClr val="FFFFFF"/>
+                      </a:solidFill>
+                      <a:latin typeface="Arial"/>
+                    </a:endParaRPr>
+                  </a:p>
+                </p:txBody>
+              </p:sp>
+              <p:cxnSp>
+                <p:nvCxnSpPr>
+                  <p:cNvPr id="240" name="Straight Connector 13"/>
+                  <p:cNvCxnSpPr/>
+                  <p:nvPr/>
+                </p:nvCxnSpPr>
+                <p:spPr>
+                  <a:xfrm rot="5400000">
+                    <a:off x="7543026" y="4733944"/>
+                    <a:ext cx="153947" cy="0"/>
+                  </a:xfrm>
+                  <a:prstGeom prst="line">
+                    <a:avLst/>
+                  </a:prstGeom>
+                  <a:noFill/>
+                  <a:ln w="25400" cap="flat" cmpd="sng" algn="ctr">
+                    <a:solidFill>
+                      <a:srgbClr val="000000"/>
+                    </a:solidFill>
+                    <a:prstDash val="solid"/>
+                  </a:ln>
+                  <a:effectLst>
+                    <a:outerShdw blurRad="40000" dist="20000" dir="5400000" rotWithShape="0">
+                      <a:srgbClr val="000000">
+                        <a:alpha val="38000"/>
+                      </a:srgbClr>
+                    </a:outerShdw>
+                  </a:effectLst>
+                </p:spPr>
+              </p:cxnSp>
+              <p:sp>
+                <p:nvSpPr>
+                  <p:cNvPr id="241" name="Minus 14"/>
+                  <p:cNvSpPr/>
+                  <p:nvPr/>
+                </p:nvSpPr>
+                <p:spPr>
+                  <a:xfrm rot="16200000">
+                    <a:off x="7579716" y="4530610"/>
+                    <a:ext cx="80571" cy="117475"/>
+                  </a:xfrm>
+                  <a:prstGeom prst="mathMinus">
+                    <a:avLst/>
+                  </a:prstGeom>
+                  <a:solidFill>
+                    <a:srgbClr val="000000"/>
+                  </a:solidFill>
+                  <a:ln w="3175" cap="flat" cmpd="sng" algn="ctr">
+                    <a:solidFill>
+                      <a:srgbClr val="FFFFFF"/>
+                    </a:solidFill>
+                    <a:prstDash val="solid"/>
+                  </a:ln>
+                  <a:effectLst>
+                    <a:outerShdw blurRad="40000" dist="20000" dir="5400000" rotWithShape="0">
+                      <a:srgbClr val="000000">
+                        <a:alpha val="38000"/>
+                      </a:srgbClr>
+                    </a:outerShdw>
+                  </a:effectLst>
+                </p:spPr>
+                <p:txBody>
+                  <a:bodyPr anchor="ctr"/>
+                  <a:lstStyle/>
+                  <a:p>
+                    <a:pPr algn="ctr">
+                      <a:defRPr/>
+                    </a:pPr>
+                    <a:endParaRPr lang="en-US" sz="1400" kern="0">
+                      <a:solidFill>
+                        <a:srgbClr val="FFFFFF"/>
+                      </a:solidFill>
+                      <a:latin typeface="Arial"/>
+                    </a:endParaRPr>
+                  </a:p>
+                </p:txBody>
+              </p:sp>
+              <p:sp>
+                <p:nvSpPr>
+                  <p:cNvPr id="242" name="Minus 15"/>
+                  <p:cNvSpPr/>
+                  <p:nvPr/>
+                </p:nvSpPr>
+                <p:spPr>
+                  <a:xfrm>
+                    <a:off x="7913688" y="4820990"/>
+                    <a:ext cx="87312" cy="107907"/>
+                  </a:xfrm>
+                  <a:prstGeom prst="mathMinus">
+                    <a:avLst/>
+                  </a:prstGeom>
+                  <a:solidFill>
+                    <a:srgbClr val="000000"/>
+                  </a:solidFill>
+                  <a:ln w="3175" cap="flat" cmpd="sng" algn="ctr">
+                    <a:solidFill>
+                      <a:srgbClr val="FFFFFF"/>
+                    </a:solidFill>
+                    <a:prstDash val="solid"/>
+                  </a:ln>
+                  <a:effectLst>
+                    <a:outerShdw blurRad="40000" dist="20000" dir="5400000" rotWithShape="0">
+                      <a:srgbClr val="000000">
+                        <a:alpha val="38000"/>
+                      </a:srgbClr>
+                    </a:outerShdw>
+                  </a:effectLst>
+                </p:spPr>
+                <p:txBody>
+                  <a:bodyPr anchor="ctr"/>
+                  <a:lstStyle/>
+                  <a:p>
+                    <a:pPr algn="ctr">
+                      <a:defRPr/>
+                    </a:pPr>
+                    <a:endParaRPr lang="en-US" sz="1400" kern="0">
+                      <a:solidFill>
+                        <a:srgbClr val="FFFFFF"/>
+                      </a:solidFill>
+                      <a:latin typeface="Arial"/>
+                    </a:endParaRPr>
+                  </a:p>
+                </p:txBody>
+              </p:sp>
+              <p:sp>
+                <p:nvSpPr>
+                  <p:cNvPr id="243" name="Minus 16"/>
+                  <p:cNvSpPr/>
+                  <p:nvPr/>
+                </p:nvSpPr>
+                <p:spPr>
+                  <a:xfrm>
+                    <a:off x="7239000" y="4820990"/>
+                    <a:ext cx="87313" cy="107907"/>
+                  </a:xfrm>
+                  <a:prstGeom prst="mathMinus">
+                    <a:avLst/>
+                  </a:prstGeom>
+                  <a:solidFill>
+                    <a:srgbClr val="000000"/>
+                  </a:solidFill>
+                  <a:ln w="3175" cap="flat" cmpd="sng" algn="ctr">
+                    <a:solidFill>
+                      <a:srgbClr val="FFFFFF"/>
+                    </a:solidFill>
+                    <a:prstDash val="solid"/>
+                  </a:ln>
+                  <a:effectLst>
+                    <a:outerShdw blurRad="40000" dist="20000" dir="5400000" rotWithShape="0">
+                      <a:srgbClr val="000000">
+                        <a:alpha val="38000"/>
+                      </a:srgbClr>
+                    </a:outerShdw>
+                  </a:effectLst>
+                </p:spPr>
+                <p:txBody>
+                  <a:bodyPr anchor="ctr"/>
+                  <a:lstStyle/>
+                  <a:p>
+                    <a:pPr algn="ctr">
+                      <a:defRPr/>
+                    </a:pPr>
+                    <a:endParaRPr lang="en-US" sz="1400" kern="0">
+                      <a:solidFill>
+                        <a:srgbClr val="FFFFFF"/>
+                      </a:solidFill>
+                      <a:latin typeface="Arial"/>
+                    </a:endParaRPr>
+                  </a:p>
+                </p:txBody>
+              </p:sp>
+              <p:sp>
+                <p:nvSpPr>
+                  <p:cNvPr id="244" name="Minus 17"/>
+                  <p:cNvSpPr/>
+                  <p:nvPr/>
+                </p:nvSpPr>
+                <p:spPr>
+                  <a:xfrm rot="2264948">
+                    <a:off x="7323138" y="4644021"/>
+                    <a:ext cx="87312" cy="109346"/>
+                  </a:xfrm>
+                  <a:prstGeom prst="mathMinus">
+                    <a:avLst/>
+                  </a:prstGeom>
+                  <a:solidFill>
+                    <a:srgbClr val="000000"/>
+                  </a:solidFill>
+                  <a:ln w="3175" cap="flat" cmpd="sng" algn="ctr">
+                    <a:solidFill>
+                      <a:srgbClr val="FFFFFF"/>
+                    </a:solidFill>
+                    <a:prstDash val="solid"/>
+                  </a:ln>
+                  <a:effectLst>
+                    <a:outerShdw blurRad="40000" dist="20000" dir="5400000" rotWithShape="0">
+                      <a:srgbClr val="000000">
+                        <a:alpha val="38000"/>
+                      </a:srgbClr>
+                    </a:outerShdw>
+                  </a:effectLst>
+                </p:spPr>
+                <p:txBody>
+                  <a:bodyPr anchor="ctr"/>
+                  <a:lstStyle/>
+                  <a:p>
+                    <a:pPr algn="ctr">
+                      <a:defRPr/>
+                    </a:pPr>
+                    <a:endParaRPr lang="en-US" sz="1400" kern="0">
+                      <a:solidFill>
+                        <a:srgbClr val="FFFFFF"/>
+                      </a:solidFill>
+                      <a:latin typeface="Arial"/>
+                    </a:endParaRPr>
+                  </a:p>
+                </p:txBody>
+              </p:sp>
+              <p:sp>
+                <p:nvSpPr>
+                  <p:cNvPr id="245" name="Minus 18"/>
+                  <p:cNvSpPr/>
+                  <p:nvPr/>
+                </p:nvSpPr>
+                <p:spPr>
+                  <a:xfrm rot="19067474">
+                    <a:off x="7826375" y="4644021"/>
+                    <a:ext cx="87313" cy="107908"/>
+                  </a:xfrm>
+                  <a:prstGeom prst="mathMinus">
+                    <a:avLst/>
+                  </a:prstGeom>
+                  <a:solidFill>
+                    <a:srgbClr val="000000"/>
+                  </a:solidFill>
+                  <a:ln w="3175" cap="flat" cmpd="sng" algn="ctr">
+                    <a:solidFill>
+                      <a:srgbClr val="FFFFFF"/>
+                    </a:solidFill>
+                    <a:prstDash val="solid"/>
+                  </a:ln>
+                  <a:effectLst>
+                    <a:outerShdw blurRad="40000" dist="20000" dir="5400000" rotWithShape="0">
+                      <a:srgbClr val="000000">
+                        <a:alpha val="38000"/>
+                      </a:srgbClr>
+                    </a:outerShdw>
+                  </a:effectLst>
+                </p:spPr>
+                <p:txBody>
+                  <a:bodyPr anchor="ctr"/>
+                  <a:lstStyle/>
+                  <a:p>
+                    <a:pPr algn="ctr">
+                      <a:defRPr/>
+                    </a:pPr>
+                    <a:endParaRPr lang="en-US" sz="1400" kern="0">
+                      <a:solidFill>
+                        <a:srgbClr val="FFFFFF"/>
+                      </a:solidFill>
+                      <a:latin typeface="Arial"/>
+                    </a:endParaRPr>
+                  </a:p>
+                </p:txBody>
+              </p:sp>
+              <p:sp>
+                <p:nvSpPr>
+                  <p:cNvPr id="246" name="Minus 19"/>
+                  <p:cNvSpPr/>
+                  <p:nvPr/>
+                </p:nvSpPr>
+                <p:spPr>
+                  <a:xfrm rot="19189480">
+                    <a:off x="7329488" y="5025294"/>
+                    <a:ext cx="87312" cy="107907"/>
+                  </a:xfrm>
+                  <a:prstGeom prst="mathMinus">
+                    <a:avLst/>
+                  </a:prstGeom>
+                  <a:solidFill>
+                    <a:srgbClr val="000000"/>
+                  </a:solidFill>
+                  <a:ln w="3175" cap="flat" cmpd="sng" algn="ctr">
+                    <a:solidFill>
+                      <a:srgbClr val="FFFFFF"/>
+                    </a:solidFill>
+                    <a:prstDash val="solid"/>
+                  </a:ln>
+                  <a:effectLst>
+                    <a:outerShdw blurRad="40000" dist="20000" dir="5400000" rotWithShape="0">
+                      <a:srgbClr val="000000">
+                        <a:alpha val="38000"/>
+                      </a:srgbClr>
+                    </a:outerShdw>
+                  </a:effectLst>
+                </p:spPr>
+                <p:txBody>
+                  <a:bodyPr anchor="ctr"/>
+                  <a:lstStyle/>
+                  <a:p>
+                    <a:pPr algn="ctr">
+                      <a:defRPr/>
+                    </a:pPr>
+                    <a:endParaRPr lang="en-US" sz="1400" kern="0">
+                      <a:solidFill>
+                        <a:srgbClr val="FFFFFF"/>
+                      </a:solidFill>
+                      <a:latin typeface="Arial"/>
+                    </a:endParaRPr>
+                  </a:p>
+                </p:txBody>
+              </p:sp>
+              <p:sp>
+                <p:nvSpPr>
+                  <p:cNvPr id="248" name="Minus 20"/>
+                  <p:cNvSpPr/>
+                  <p:nvPr/>
+                </p:nvSpPr>
+                <p:spPr>
+                  <a:xfrm rot="2517184">
+                    <a:off x="7826375" y="5025294"/>
+                    <a:ext cx="87313" cy="107907"/>
+                  </a:xfrm>
+                  <a:prstGeom prst="mathMinus">
+                    <a:avLst/>
+                  </a:prstGeom>
+                  <a:solidFill>
+                    <a:srgbClr val="000000"/>
+                  </a:solidFill>
+                  <a:ln w="3175" cap="flat" cmpd="sng" algn="ctr">
+                    <a:solidFill>
+                      <a:srgbClr val="FFFFFF"/>
+                    </a:solidFill>
+                    <a:prstDash val="solid"/>
+                  </a:ln>
+                  <a:effectLst>
+                    <a:outerShdw blurRad="40000" dist="20000" dir="5400000" rotWithShape="0">
+                      <a:srgbClr val="000000">
+                        <a:alpha val="38000"/>
+                      </a:srgbClr>
+                    </a:outerShdw>
+                  </a:effectLst>
+                </p:spPr>
+                <p:txBody>
+                  <a:bodyPr anchor="ctr"/>
+                  <a:lstStyle/>
+                  <a:p>
+                    <a:pPr algn="ctr">
+                      <a:defRPr/>
+                    </a:pPr>
+                    <a:endParaRPr lang="en-US" sz="1400" kern="0">
+                      <a:solidFill>
+                        <a:srgbClr val="FFFFFF"/>
+                      </a:solidFill>
+                      <a:latin typeface="Arial"/>
+                    </a:endParaRPr>
+                  </a:p>
+                </p:txBody>
+              </p:sp>
+            </p:grpSp>
+            <p:sp>
+              <p:nvSpPr>
+                <p:cNvPr id="232" name="Rectangle 231"/>
+                <p:cNvSpPr/>
+                <p:nvPr/>
+              </p:nvSpPr>
+              <p:spPr>
+                <a:xfrm>
+                  <a:off x="3778877" y="4420310"/>
+                  <a:ext cx="599297" cy="59977"/>
+                </a:xfrm>
+                <a:prstGeom prst="rect">
+                  <a:avLst/>
+                </a:prstGeom>
+                <a:solidFill>
+                  <a:schemeClr val="accent1">
+                    <a:lumMod val="40000"/>
+                    <a:lumOff val="60000"/>
+                  </a:schemeClr>
+                </a:solidFill>
+                <a:ln>
+                  <a:solidFill>
+                    <a:schemeClr val="accent1"/>
+                  </a:solidFill>
+                </a:ln>
+              </p:spPr>
+              <p:style>
+                <a:lnRef idx="1">
+                  <a:schemeClr val="accent1"/>
+                </a:lnRef>
+                <a:fillRef idx="2">
+                  <a:schemeClr val="accent1"/>
+                </a:fillRef>
+                <a:effectRef idx="1">
+                  <a:schemeClr val="accent1"/>
+                </a:effectRef>
+                <a:fontRef idx="minor">
+                  <a:schemeClr val="dk1"/>
+                </a:fontRef>
+              </p:style>
+              <p:txBody>
+                <a:bodyPr rtlCol="0" anchor="ctr"/>
+                <a:lstStyle/>
+                <a:p>
+                  <a:pPr algn="ctr"/>
+                  <a:endParaRPr lang="en-US"/>
+                </a:p>
+              </p:txBody>
+            </p:sp>
+            <p:cxnSp>
+              <p:nvCxnSpPr>
+                <p:cNvPr id="233" name="Straight Arrow Connector 232"/>
+                <p:cNvCxnSpPr/>
+                <p:nvPr/>
+              </p:nvCxnSpPr>
+              <p:spPr>
+                <a:xfrm>
+                  <a:off x="4280051" y="4480287"/>
+                  <a:ext cx="1780" cy="156540"/>
+                </a:xfrm>
+                <a:prstGeom prst="straightConnector1">
+                  <a:avLst/>
+                </a:prstGeom>
+                <a:ln w="6350">
+                  <a:solidFill>
+                    <a:schemeClr val="accent1"/>
+                  </a:solidFill>
+                  <a:tailEnd type="stealth"/>
+                </a:ln>
+              </p:spPr>
+              <p:style>
+                <a:lnRef idx="3">
+                  <a:schemeClr val="accent1"/>
+                </a:lnRef>
+                <a:fillRef idx="0">
+                  <a:schemeClr val="accent1"/>
+                </a:fillRef>
+                <a:effectRef idx="2">
+                  <a:schemeClr val="accent1"/>
+                </a:effectRef>
+                <a:fontRef idx="minor">
+                  <a:schemeClr val="tx1"/>
+                </a:fontRef>
+              </p:style>
+            </p:cxnSp>
+            <p:cxnSp>
+              <p:nvCxnSpPr>
+                <p:cNvPr id="234" name="Straight Arrow Connector 233"/>
+                <p:cNvCxnSpPr/>
+                <p:nvPr/>
+              </p:nvCxnSpPr>
+              <p:spPr>
+                <a:xfrm>
+                  <a:off x="3455581" y="4420310"/>
+                  <a:ext cx="109" cy="183722"/>
+                </a:xfrm>
+                <a:prstGeom prst="straightConnector1">
+                  <a:avLst/>
+                </a:prstGeom>
+                <a:ln w="6350">
+                  <a:solidFill>
+                    <a:schemeClr val="accent1"/>
+                  </a:solidFill>
+                  <a:tailEnd type="stealth"/>
+                </a:ln>
+              </p:spPr>
+              <p:style>
+                <a:lnRef idx="3">
+                  <a:schemeClr val="accent1"/>
+                </a:lnRef>
+                <a:fillRef idx="0">
+                  <a:schemeClr val="accent1"/>
+                </a:fillRef>
+                <a:effectRef idx="2">
+                  <a:schemeClr val="accent1"/>
+                </a:effectRef>
+                <a:fontRef idx="minor">
+                  <a:schemeClr val="tx1"/>
+                </a:fontRef>
+              </p:style>
+            </p:cxnSp>
+            <p:cxnSp>
+              <p:nvCxnSpPr>
+                <p:cNvPr id="235" name="Straight Arrow Connector 234"/>
+                <p:cNvCxnSpPr/>
+                <p:nvPr/>
+              </p:nvCxnSpPr>
+              <p:spPr>
+                <a:xfrm>
+                  <a:off x="3559315" y="4754734"/>
+                  <a:ext cx="191466" cy="0"/>
+                </a:xfrm>
+                <a:prstGeom prst="straightConnector1">
+                  <a:avLst/>
+                </a:prstGeom>
+                <a:ln w="6350">
+                  <a:solidFill>
+                    <a:schemeClr val="accent1"/>
+                  </a:solidFill>
+                  <a:tailEnd type="stealth"/>
+                </a:ln>
+              </p:spPr>
+              <p:style>
+                <a:lnRef idx="3">
+                  <a:schemeClr val="accent1"/>
+                </a:lnRef>
+                <a:fillRef idx="0">
+                  <a:schemeClr val="accent1"/>
+                </a:fillRef>
+                <a:effectRef idx="2">
+                  <a:schemeClr val="accent1"/>
+                </a:effectRef>
+                <a:fontRef idx="minor">
+                  <a:schemeClr val="tx1"/>
+                </a:fontRef>
+              </p:style>
+            </p:cxnSp>
+            <p:cxnSp>
+              <p:nvCxnSpPr>
+                <p:cNvPr id="236" name="Straight Arrow Connector 235"/>
+                <p:cNvCxnSpPr/>
+                <p:nvPr/>
+              </p:nvCxnSpPr>
+              <p:spPr>
+                <a:xfrm>
+                  <a:off x="3992770" y="4754735"/>
+                  <a:ext cx="191467" cy="0"/>
+                </a:xfrm>
+                <a:prstGeom prst="straightConnector1">
+                  <a:avLst/>
+                </a:prstGeom>
+                <a:ln w="6350">
+                  <a:solidFill>
+                    <a:schemeClr val="accent1"/>
+                  </a:solidFill>
+                  <a:tailEnd type="stealth"/>
+                </a:ln>
+              </p:spPr>
+              <p:style>
+                <a:lnRef idx="3">
+                  <a:schemeClr val="accent1"/>
+                </a:lnRef>
+                <a:fillRef idx="0">
+                  <a:schemeClr val="accent1"/>
+                </a:fillRef>
+                <a:effectRef idx="2">
+                  <a:schemeClr val="accent1"/>
+                </a:effectRef>
+                <a:fontRef idx="minor">
+                  <a:schemeClr val="tx1"/>
+                </a:fontRef>
+              </p:style>
+            </p:cxnSp>
+            <p:cxnSp>
+              <p:nvCxnSpPr>
+                <p:cNvPr id="237" name="Straight Arrow Connector 236"/>
+                <p:cNvCxnSpPr/>
+                <p:nvPr/>
+              </p:nvCxnSpPr>
+              <p:spPr>
+                <a:xfrm>
+                  <a:off x="4386603" y="4757865"/>
+                  <a:ext cx="191467" cy="0"/>
+                </a:xfrm>
+                <a:prstGeom prst="straightConnector1">
+                  <a:avLst/>
+                </a:prstGeom>
+                <a:ln w="6350">
+                  <a:solidFill>
+                    <a:schemeClr val="accent1"/>
+                  </a:solidFill>
+                  <a:tailEnd type="stealth"/>
+                </a:ln>
+              </p:spPr>
+              <p:style>
+                <a:lnRef idx="3">
+                  <a:schemeClr val="accent1"/>
+                </a:lnRef>
+                <a:fillRef idx="0">
+                  <a:schemeClr val="accent1"/>
+                </a:fillRef>
+                <a:effectRef idx="2">
+                  <a:schemeClr val="accent1"/>
+                </a:effectRef>
+                <a:fontRef idx="minor">
+                  <a:schemeClr val="tx1"/>
+                </a:fontRef>
+              </p:style>
+            </p:cxnSp>
+            <p:sp>
+              <p:nvSpPr>
+                <p:cNvPr id="238" name="Rectangle 237"/>
+                <p:cNvSpPr/>
+                <p:nvPr/>
+              </p:nvSpPr>
+              <p:spPr>
+                <a:xfrm>
+                  <a:off x="3307744" y="4381167"/>
+                  <a:ext cx="1574358" cy="912896"/>
+                </a:xfrm>
+                <a:prstGeom prst="rect">
+                  <a:avLst/>
+                </a:prstGeom>
+                <a:noFill/>
+                <a:ln>
+                  <a:solidFill>
+                    <a:schemeClr val="accent1"/>
+                  </a:solidFill>
+                  <a:prstDash val="dash"/>
+                </a:ln>
+              </p:spPr>
+              <p:style>
+                <a:lnRef idx="2">
+                  <a:schemeClr val="accent1">
+                    <a:shade val="50000"/>
+                  </a:schemeClr>
+                </a:lnRef>
+                <a:fillRef idx="1">
+                  <a:schemeClr val="accent1"/>
+                </a:fillRef>
+                <a:effectRef idx="0">
+                  <a:schemeClr val="accent1"/>
+                </a:effectRef>
+                <a:fontRef idx="minor">
+                  <a:schemeClr val="lt1"/>
+                </a:fontRef>
+              </p:style>
+              <p:txBody>
+                <a:bodyPr rtlCol="0" anchor="ctr"/>
+                <a:lstStyle/>
+                <a:p>
+                  <a:pPr algn="ctr"/>
+                  <a:endParaRPr lang="en-US"/>
+                </a:p>
+              </p:txBody>
+            </p:sp>
+          </p:grpSp>
+          <p:sp>
+            <p:nvSpPr>
+              <p:cNvPr id="225" name="Rectangle 224"/>
+              <p:cNvSpPr/>
+              <p:nvPr/>
+            </p:nvSpPr>
+            <p:spPr>
+              <a:xfrm>
+                <a:off x="4684013" y="4634587"/>
+                <a:ext cx="152551" cy="146050"/>
+              </a:xfrm>
+              <a:prstGeom prst="rect">
+                <a:avLst/>
+              </a:prstGeom>
+              <a:solidFill>
+                <a:schemeClr val="accent1">
+                  <a:lumMod val="40000"/>
+                  <a:lumOff val="60000"/>
+                  <a:alpha val="55000"/>
+                </a:schemeClr>
+              </a:solidFill>
+              <a:ln>
+                <a:noFill/>
+              </a:ln>
+            </p:spPr>
+            <p:style>
+              <a:lnRef idx="2">
+                <a:schemeClr val="accent1">
+                  <a:shade val="50000"/>
+                </a:schemeClr>
+              </a:lnRef>
+              <a:fillRef idx="1">
+                <a:schemeClr val="accent1"/>
+              </a:fillRef>
+              <a:effectRef idx="0">
+                <a:schemeClr val="accent1"/>
+              </a:effectRef>
+              <a:fontRef idx="minor">
+                <a:schemeClr val="lt1"/>
+              </a:fontRef>
+            </p:style>
+            <p:txBody>
+              <a:bodyPr rtlCol="0" anchor="ctr"/>
+              <a:lstStyle/>
+              <a:p>
+                <a:pPr algn="ctr"/>
+                <a:endParaRPr lang="en-US"/>
+              </a:p>
+            </p:txBody>
+          </p:sp>
+        </p:grpSp>
+        <p:grpSp>
+          <p:nvGrpSpPr>
+            <p:cNvPr id="249" name="Group 248"/>
+            <p:cNvGrpSpPr/>
+            <p:nvPr/>
+          </p:nvGrpSpPr>
+          <p:grpSpPr>
+            <a:xfrm>
+              <a:off x="3181609" y="3616116"/>
+              <a:ext cx="995623" cy="565934"/>
+              <a:chOff x="3357481" y="4339082"/>
+              <a:chExt cx="1574358" cy="912896"/>
+            </a:xfrm>
+          </p:grpSpPr>
+          <p:grpSp>
+            <p:nvGrpSpPr>
+              <p:cNvPr id="250" name="Group 249"/>
+              <p:cNvGrpSpPr/>
+              <p:nvPr/>
+            </p:nvGrpSpPr>
+            <p:grpSpPr>
+              <a:xfrm>
+                <a:off x="3357481" y="4339082"/>
+                <a:ext cx="1574358" cy="912896"/>
+                <a:chOff x="3307744" y="4381167"/>
+                <a:chExt cx="1574358" cy="912896"/>
+              </a:xfrm>
+            </p:grpSpPr>
+            <p:sp>
+              <p:nvSpPr>
+                <p:cNvPr id="252" name="Rectangle 251"/>
+                <p:cNvSpPr/>
+                <p:nvPr/>
+              </p:nvSpPr>
+              <p:spPr>
+                <a:xfrm>
+                  <a:off x="3788482" y="4636827"/>
+                  <a:ext cx="193993" cy="231382"/>
+                </a:xfrm>
+                <a:prstGeom prst="rect">
+                  <a:avLst/>
+                </a:prstGeom>
+                <a:solidFill>
+                  <a:schemeClr val="accent1">
+                    <a:lumMod val="40000"/>
+                    <a:lumOff val="60000"/>
+                  </a:schemeClr>
+                </a:solidFill>
+                <a:ln>
+                  <a:solidFill>
+                    <a:schemeClr val="accent1">
+                      <a:lumMod val="40000"/>
+                      <a:lumOff val="60000"/>
+                    </a:schemeClr>
+                  </a:solidFill>
+                </a:ln>
+              </p:spPr>
+              <p:style>
+                <a:lnRef idx="2">
+                  <a:schemeClr val="accent1">
+                    <a:shade val="50000"/>
+                  </a:schemeClr>
+                </a:lnRef>
+                <a:fillRef idx="1">
+                  <a:schemeClr val="accent1"/>
+                </a:fillRef>
+                <a:effectRef idx="0">
+                  <a:schemeClr val="accent1"/>
+                </a:effectRef>
+                <a:fontRef idx="minor">
+                  <a:schemeClr val="lt1"/>
+                </a:fontRef>
+              </p:style>
+              <p:txBody>
+                <a:bodyPr rtlCol="0" anchor="ctr"/>
+                <a:lstStyle/>
+                <a:p>
+                  <a:pPr algn="ctr"/>
+                  <a:endParaRPr lang="en-US" dirty="0"/>
+                </a:p>
+              </p:txBody>
+            </p:sp>
+            <p:cxnSp>
+              <p:nvCxnSpPr>
+                <p:cNvPr id="253" name="Elbow Connector 252"/>
+                <p:cNvCxnSpPr/>
+                <p:nvPr/>
+              </p:nvCxnSpPr>
+              <p:spPr>
+                <a:xfrm rot="5400000" flipH="1">
+                  <a:off x="4068182" y="4253574"/>
+                  <a:ext cx="41489" cy="1245659"/>
+                </a:xfrm>
+                <a:prstGeom prst="bentConnector3">
+                  <a:avLst>
+                    <a:gd name="adj1" fmla="val -800588"/>
+                  </a:avLst>
+                </a:prstGeom>
+                <a:ln w="6350">
+                  <a:solidFill>
+                    <a:schemeClr val="accent1">
+                      <a:lumMod val="40000"/>
+                      <a:lumOff val="60000"/>
+                    </a:schemeClr>
+                  </a:solidFill>
+                  <a:tailEnd type="stealth"/>
+                </a:ln>
+              </p:spPr>
+              <p:style>
+                <a:lnRef idx="3">
+                  <a:schemeClr val="accent1"/>
+                </a:lnRef>
+                <a:fillRef idx="0">
+                  <a:schemeClr val="accent1"/>
+                </a:fillRef>
+                <a:effectRef idx="2">
+                  <a:schemeClr val="accent1"/>
+                </a:effectRef>
+                <a:fontRef idx="minor">
+                  <a:schemeClr val="tx1"/>
+                </a:fontRef>
+              </p:style>
+            </p:cxnSp>
+            <p:sp>
+              <p:nvSpPr>
+                <p:cNvPr id="254" name="Oval 253"/>
+                <p:cNvSpPr/>
+                <p:nvPr/>
+              </p:nvSpPr>
+              <p:spPr>
+                <a:xfrm>
+                  <a:off x="3372877" y="4634915"/>
+                  <a:ext cx="186438" cy="220744"/>
+                </a:xfrm>
+                <a:prstGeom prst="ellipse">
+                  <a:avLst/>
+                </a:prstGeom>
+                <a:solidFill>
+                  <a:schemeClr val="accent1">
+                    <a:lumMod val="40000"/>
+                    <a:lumOff val="60000"/>
+                  </a:schemeClr>
+                </a:solidFill>
+                <a:ln>
+                  <a:solidFill>
+                    <a:schemeClr val="accent1">
+                      <a:lumMod val="40000"/>
+                      <a:lumOff val="60000"/>
+                    </a:schemeClr>
+                  </a:solidFill>
+                </a:ln>
+              </p:spPr>
+              <p:style>
+                <a:lnRef idx="2">
+                  <a:schemeClr val="accent1">
+                    <a:shade val="50000"/>
+                  </a:schemeClr>
+                </a:lnRef>
+                <a:fillRef idx="1">
+                  <a:schemeClr val="accent1"/>
+                </a:fillRef>
+                <a:effectRef idx="0">
+                  <a:schemeClr val="accent1"/>
+                </a:effectRef>
+                <a:fontRef idx="minor">
+                  <a:schemeClr val="lt1"/>
+                </a:fontRef>
+              </p:style>
+              <p:txBody>
+                <a:bodyPr rtlCol="0" anchor="ctr"/>
+                <a:lstStyle/>
+                <a:p>
+                  <a:pPr algn="ctr"/>
+                  <a:endParaRPr lang="en-US" sz="5400" dirty="0"/>
+                </a:p>
+              </p:txBody>
+            </p:sp>
+            <p:sp>
+              <p:nvSpPr>
+                <p:cNvPr id="255" name="Rectangle 254"/>
+                <p:cNvSpPr/>
+                <p:nvPr/>
+              </p:nvSpPr>
+              <p:spPr>
+                <a:xfrm>
+                  <a:off x="4184238" y="4636827"/>
+                  <a:ext cx="193937" cy="231382"/>
+                </a:xfrm>
+                <a:prstGeom prst="rect">
+                  <a:avLst/>
+                </a:prstGeom>
+                <a:solidFill>
+                  <a:schemeClr val="accent1">
+                    <a:lumMod val="40000"/>
+                    <a:lumOff val="60000"/>
+                  </a:schemeClr>
+                </a:solidFill>
+                <a:ln>
+                  <a:solidFill>
+                    <a:schemeClr val="accent1">
+                      <a:lumMod val="40000"/>
+                      <a:lumOff val="60000"/>
+                    </a:schemeClr>
+                  </a:solidFill>
+                </a:ln>
+              </p:spPr>
+              <p:style>
+                <a:lnRef idx="1">
+                  <a:schemeClr val="accent1"/>
+                </a:lnRef>
+                <a:fillRef idx="2">
+                  <a:schemeClr val="accent1"/>
+                </a:fillRef>
+                <a:effectRef idx="1">
+                  <a:schemeClr val="accent1"/>
+                </a:effectRef>
+                <a:fontRef idx="minor">
+                  <a:schemeClr val="dk1"/>
+                </a:fontRef>
+              </p:style>
+              <p:txBody>
+                <a:bodyPr rtlCol="0" anchor="ctr"/>
+                <a:lstStyle/>
+                <a:p>
+                  <a:pPr algn="ctr"/>
+                  <a:endParaRPr lang="en-US" dirty="0"/>
+                </a:p>
+              </p:txBody>
+            </p:sp>
+            <p:sp>
+              <p:nvSpPr>
+                <p:cNvPr id="256" name="Rectangle 255"/>
+                <p:cNvSpPr/>
+                <p:nvPr/>
+              </p:nvSpPr>
+              <p:spPr>
+                <a:xfrm>
+                  <a:off x="4579406" y="4420312"/>
+                  <a:ext cx="264698" cy="476836"/>
+                </a:xfrm>
+                <a:prstGeom prst="rect">
+                  <a:avLst/>
+                </a:prstGeom>
+                <a:solidFill>
+                  <a:schemeClr val="accent1">
+                    <a:lumMod val="40000"/>
+                    <a:lumOff val="60000"/>
+                  </a:schemeClr>
+                </a:solidFill>
+                <a:ln>
+                  <a:solidFill>
+                    <a:schemeClr val="accent1">
+                      <a:lumMod val="40000"/>
+                      <a:lumOff val="60000"/>
+                    </a:schemeClr>
+                  </a:solidFill>
+                </a:ln>
+              </p:spPr>
+              <p:style>
+                <a:lnRef idx="2">
+                  <a:schemeClr val="accent1">
+                    <a:shade val="50000"/>
+                  </a:schemeClr>
+                </a:lnRef>
+                <a:fillRef idx="1">
+                  <a:schemeClr val="accent1"/>
+                </a:fillRef>
+                <a:effectRef idx="0">
+                  <a:schemeClr val="accent1"/>
+                </a:effectRef>
+                <a:fontRef idx="minor">
+                  <a:schemeClr val="lt1"/>
+                </a:fontRef>
+              </p:style>
+              <p:txBody>
+                <a:bodyPr rtlCol="0" anchor="ctr"/>
+                <a:lstStyle/>
+                <a:p>
+                  <a:pPr algn="ctr"/>
+                  <a:endParaRPr lang="en-US" sz="1600"/>
+                </a:p>
+              </p:txBody>
+            </p:sp>
+            <p:grpSp>
+              <p:nvGrpSpPr>
+                <p:cNvPr id="257" name="Group 99"/>
+                <p:cNvGrpSpPr>
+                  <a:grpSpLocks/>
+                </p:cNvGrpSpPr>
+                <p:nvPr/>
+              </p:nvGrpSpPr>
+              <p:grpSpPr bwMode="auto">
+                <a:xfrm>
+                  <a:off x="4628762" y="4665765"/>
+                  <a:ext cx="161835" cy="158165"/>
+                  <a:chOff x="7239000" y="4549063"/>
+                  <a:chExt cx="762000" cy="584138"/>
+                </a:xfrm>
+              </p:grpSpPr>
+              <p:sp>
+                <p:nvSpPr>
+                  <p:cNvPr id="266" name="Oval 12"/>
+                  <p:cNvSpPr/>
+                  <p:nvPr/>
+                </p:nvSpPr>
+                <p:spPr>
+                  <a:xfrm>
+                    <a:off x="7366000" y="4657717"/>
+                    <a:ext cx="527538" cy="461789"/>
+                  </a:xfrm>
+                  <a:prstGeom prst="ellipse">
+                    <a:avLst/>
+                  </a:prstGeom>
+                  <a:gradFill rotWithShape="1">
+                    <a:gsLst>
+                      <a:gs pos="0">
+                        <a:srgbClr val="BBE0E3">
+                          <a:shade val="51000"/>
+                          <a:satMod val="130000"/>
+                        </a:srgbClr>
+                      </a:gs>
+                      <a:gs pos="80000">
+                        <a:srgbClr val="BBE0E3">
+                          <a:shade val="93000"/>
+                          <a:satMod val="130000"/>
+                        </a:srgbClr>
+                      </a:gs>
+                      <a:gs pos="100000">
+                        <a:srgbClr val="BBE0E3">
+                          <a:shade val="94000"/>
+                          <a:satMod val="135000"/>
+                        </a:srgbClr>
+                      </a:gs>
+                    </a:gsLst>
+                    <a:lin ang="16200000" scaled="0"/>
+                  </a:gradFill>
+                  <a:ln>
+                    <a:noFill/>
+                  </a:ln>
+                  <a:effectLst>
+                    <a:outerShdw blurRad="40000" dist="23000" dir="5400000" rotWithShape="0">
+                      <a:srgbClr val="000000">
+                        <a:alpha val="35000"/>
+                      </a:srgbClr>
+                    </a:outerShdw>
+                  </a:effectLst>
+                  <a:scene3d>
+                    <a:camera prst="orthographicFront">
+                      <a:rot lat="0" lon="0" rev="0"/>
+                    </a:camera>
+                    <a:lightRig rig="threePt" dir="t">
+                      <a:rot lat="0" lon="0" rev="1200000"/>
+                    </a:lightRig>
+                  </a:scene3d>
+                  <a:sp3d>
+                    <a:bevelT w="63500" h="25400"/>
+                  </a:sp3d>
+                </p:spPr>
+                <p:txBody>
+                  <a:bodyPr anchor="ctr"/>
+                  <a:lstStyle/>
+                  <a:p>
+                    <a:pPr algn="ctr">
+                      <a:defRPr/>
+                    </a:pPr>
+                    <a:endParaRPr lang="en-US" sz="1400" kern="0">
+                      <a:solidFill>
+                        <a:srgbClr val="FFFFFF"/>
+                      </a:solidFill>
+                      <a:latin typeface="Arial"/>
+                    </a:endParaRPr>
+                  </a:p>
+                </p:txBody>
+              </p:sp>
+              <p:cxnSp>
+                <p:nvCxnSpPr>
+                  <p:cNvPr id="267" name="Straight Connector 13"/>
+                  <p:cNvCxnSpPr/>
+                  <p:nvPr/>
+                </p:nvCxnSpPr>
+                <p:spPr>
+                  <a:xfrm rot="5400000">
+                    <a:off x="7543026" y="4733944"/>
+                    <a:ext cx="153947" cy="0"/>
+                  </a:xfrm>
+                  <a:prstGeom prst="line">
+                    <a:avLst/>
+                  </a:prstGeom>
+                  <a:noFill/>
+                  <a:ln w="25400" cap="flat" cmpd="sng" algn="ctr">
+                    <a:solidFill>
+                      <a:srgbClr val="000000"/>
+                    </a:solidFill>
+                    <a:prstDash val="solid"/>
+                  </a:ln>
+                  <a:effectLst>
+                    <a:outerShdw blurRad="40000" dist="20000" dir="5400000" rotWithShape="0">
+                      <a:srgbClr val="000000">
+                        <a:alpha val="38000"/>
+                      </a:srgbClr>
+                    </a:outerShdw>
+                  </a:effectLst>
+                </p:spPr>
+              </p:cxnSp>
+              <p:sp>
+                <p:nvSpPr>
+                  <p:cNvPr id="268" name="Minus 14"/>
+                  <p:cNvSpPr/>
+                  <p:nvPr/>
+                </p:nvSpPr>
+                <p:spPr>
+                  <a:xfrm rot="16200000">
+                    <a:off x="7579716" y="4530610"/>
+                    <a:ext cx="80571" cy="117475"/>
+                  </a:xfrm>
+                  <a:prstGeom prst="mathMinus">
+                    <a:avLst/>
+                  </a:prstGeom>
+                  <a:solidFill>
+                    <a:srgbClr val="000000"/>
+                  </a:solidFill>
+                  <a:ln w="3175" cap="flat" cmpd="sng" algn="ctr">
+                    <a:solidFill>
+                      <a:srgbClr val="FFFFFF"/>
+                    </a:solidFill>
+                    <a:prstDash val="solid"/>
+                  </a:ln>
+                  <a:effectLst>
+                    <a:outerShdw blurRad="40000" dist="20000" dir="5400000" rotWithShape="0">
+                      <a:srgbClr val="000000">
+                        <a:alpha val="38000"/>
+                      </a:srgbClr>
+                    </a:outerShdw>
+                  </a:effectLst>
+                </p:spPr>
+                <p:txBody>
+                  <a:bodyPr anchor="ctr"/>
+                  <a:lstStyle/>
+                  <a:p>
+                    <a:pPr algn="ctr">
+                      <a:defRPr/>
+                    </a:pPr>
+                    <a:endParaRPr lang="en-US" sz="1400" kern="0">
+                      <a:solidFill>
+                        <a:srgbClr val="FFFFFF"/>
+                      </a:solidFill>
+                      <a:latin typeface="Arial"/>
+                    </a:endParaRPr>
+                  </a:p>
+                </p:txBody>
+              </p:sp>
+              <p:sp>
+                <p:nvSpPr>
+                  <p:cNvPr id="269" name="Minus 15"/>
+                  <p:cNvSpPr/>
+                  <p:nvPr/>
+                </p:nvSpPr>
+                <p:spPr>
+                  <a:xfrm>
+                    <a:off x="7913688" y="4820990"/>
+                    <a:ext cx="87312" cy="107907"/>
+                  </a:xfrm>
+                  <a:prstGeom prst="mathMinus">
+                    <a:avLst/>
+                  </a:prstGeom>
+                  <a:solidFill>
+                    <a:srgbClr val="000000"/>
+                  </a:solidFill>
+                  <a:ln w="3175" cap="flat" cmpd="sng" algn="ctr">
+                    <a:solidFill>
+                      <a:srgbClr val="FFFFFF"/>
+                    </a:solidFill>
+                    <a:prstDash val="solid"/>
+                  </a:ln>
+                  <a:effectLst>
+                    <a:outerShdw blurRad="40000" dist="20000" dir="5400000" rotWithShape="0">
+                      <a:srgbClr val="000000">
+                        <a:alpha val="38000"/>
+                      </a:srgbClr>
+                    </a:outerShdw>
+                  </a:effectLst>
+                </p:spPr>
+                <p:txBody>
+                  <a:bodyPr anchor="ctr"/>
+                  <a:lstStyle/>
+                  <a:p>
+                    <a:pPr algn="ctr">
+                      <a:defRPr/>
+                    </a:pPr>
+                    <a:endParaRPr lang="en-US" sz="1400" kern="0">
+                      <a:solidFill>
+                        <a:srgbClr val="FFFFFF"/>
+                      </a:solidFill>
+                      <a:latin typeface="Arial"/>
+                    </a:endParaRPr>
+                  </a:p>
+                </p:txBody>
+              </p:sp>
+              <p:sp>
+                <p:nvSpPr>
+                  <p:cNvPr id="270" name="Minus 16"/>
+                  <p:cNvSpPr/>
+                  <p:nvPr/>
+                </p:nvSpPr>
+                <p:spPr>
+                  <a:xfrm>
+                    <a:off x="7239000" y="4820990"/>
+                    <a:ext cx="87313" cy="107907"/>
+                  </a:xfrm>
+                  <a:prstGeom prst="mathMinus">
+                    <a:avLst/>
+                  </a:prstGeom>
+                  <a:solidFill>
+                    <a:srgbClr val="000000"/>
+                  </a:solidFill>
+                  <a:ln w="3175" cap="flat" cmpd="sng" algn="ctr">
+                    <a:solidFill>
+                      <a:srgbClr val="FFFFFF"/>
+                    </a:solidFill>
+                    <a:prstDash val="solid"/>
+                  </a:ln>
+                  <a:effectLst>
+                    <a:outerShdw blurRad="40000" dist="20000" dir="5400000" rotWithShape="0">
+                      <a:srgbClr val="000000">
+                        <a:alpha val="38000"/>
+                      </a:srgbClr>
+                    </a:outerShdw>
+                  </a:effectLst>
+                </p:spPr>
+                <p:txBody>
+                  <a:bodyPr anchor="ctr"/>
+                  <a:lstStyle/>
+                  <a:p>
+                    <a:pPr algn="ctr">
+                      <a:defRPr/>
+                    </a:pPr>
+                    <a:endParaRPr lang="en-US" sz="1400" kern="0">
+                      <a:solidFill>
+                        <a:srgbClr val="FFFFFF"/>
+                      </a:solidFill>
+                      <a:latin typeface="Arial"/>
+                    </a:endParaRPr>
+                  </a:p>
+                </p:txBody>
+              </p:sp>
+              <p:sp>
+                <p:nvSpPr>
+                  <p:cNvPr id="271" name="Minus 17"/>
+                  <p:cNvSpPr/>
+                  <p:nvPr/>
+                </p:nvSpPr>
+                <p:spPr>
+                  <a:xfrm rot="2264948">
+                    <a:off x="7323138" y="4644021"/>
+                    <a:ext cx="87312" cy="109346"/>
+                  </a:xfrm>
+                  <a:prstGeom prst="mathMinus">
+                    <a:avLst/>
+                  </a:prstGeom>
+                  <a:solidFill>
+                    <a:srgbClr val="000000"/>
+                  </a:solidFill>
+                  <a:ln w="3175" cap="flat" cmpd="sng" algn="ctr">
+                    <a:solidFill>
+                      <a:srgbClr val="FFFFFF"/>
+                    </a:solidFill>
+                    <a:prstDash val="solid"/>
+                  </a:ln>
+                  <a:effectLst>
+                    <a:outerShdw blurRad="40000" dist="20000" dir="5400000" rotWithShape="0">
+                      <a:srgbClr val="000000">
+                        <a:alpha val="38000"/>
+                      </a:srgbClr>
+                    </a:outerShdw>
+                  </a:effectLst>
+                </p:spPr>
+                <p:txBody>
+                  <a:bodyPr anchor="ctr"/>
+                  <a:lstStyle/>
+                  <a:p>
+                    <a:pPr algn="ctr">
+                      <a:defRPr/>
+                    </a:pPr>
+                    <a:endParaRPr lang="en-US" sz="1400" kern="0">
+                      <a:solidFill>
+                        <a:srgbClr val="FFFFFF"/>
+                      </a:solidFill>
+                      <a:latin typeface="Arial"/>
+                    </a:endParaRPr>
+                  </a:p>
+                </p:txBody>
+              </p:sp>
+              <p:sp>
+                <p:nvSpPr>
+                  <p:cNvPr id="272" name="Minus 18"/>
+                  <p:cNvSpPr/>
+                  <p:nvPr/>
+                </p:nvSpPr>
+                <p:spPr>
+                  <a:xfrm rot="19067474">
+                    <a:off x="7826375" y="4644021"/>
+                    <a:ext cx="87313" cy="107908"/>
+                  </a:xfrm>
+                  <a:prstGeom prst="mathMinus">
+                    <a:avLst/>
+                  </a:prstGeom>
+                  <a:solidFill>
+                    <a:srgbClr val="000000"/>
+                  </a:solidFill>
+                  <a:ln w="3175" cap="flat" cmpd="sng" algn="ctr">
+                    <a:solidFill>
+                      <a:srgbClr val="FFFFFF"/>
+                    </a:solidFill>
+                    <a:prstDash val="solid"/>
+                  </a:ln>
+                  <a:effectLst>
+                    <a:outerShdw blurRad="40000" dist="20000" dir="5400000" rotWithShape="0">
+                      <a:srgbClr val="000000">
+                        <a:alpha val="38000"/>
+                      </a:srgbClr>
+                    </a:outerShdw>
+                  </a:effectLst>
+                </p:spPr>
+                <p:txBody>
+                  <a:bodyPr anchor="ctr"/>
+                  <a:lstStyle/>
+                  <a:p>
+                    <a:pPr algn="ctr">
+                      <a:defRPr/>
+                    </a:pPr>
+                    <a:endParaRPr lang="en-US" sz="1400" kern="0">
+                      <a:solidFill>
+                        <a:srgbClr val="FFFFFF"/>
+                      </a:solidFill>
+                      <a:latin typeface="Arial"/>
+                    </a:endParaRPr>
+                  </a:p>
+                </p:txBody>
+              </p:sp>
+              <p:sp>
+                <p:nvSpPr>
+                  <p:cNvPr id="273" name="Minus 19"/>
+                  <p:cNvSpPr/>
+                  <p:nvPr/>
+                </p:nvSpPr>
+                <p:spPr>
+                  <a:xfrm rot="19189480">
+                    <a:off x="7329488" y="5025294"/>
+                    <a:ext cx="87312" cy="107907"/>
+                  </a:xfrm>
+                  <a:prstGeom prst="mathMinus">
+                    <a:avLst/>
+                  </a:prstGeom>
+                  <a:solidFill>
+                    <a:srgbClr val="000000"/>
+                  </a:solidFill>
+                  <a:ln w="3175" cap="flat" cmpd="sng" algn="ctr">
+                    <a:solidFill>
+                      <a:srgbClr val="FFFFFF"/>
+                    </a:solidFill>
+                    <a:prstDash val="solid"/>
+                  </a:ln>
+                  <a:effectLst>
+                    <a:outerShdw blurRad="40000" dist="20000" dir="5400000" rotWithShape="0">
+                      <a:srgbClr val="000000">
+                        <a:alpha val="38000"/>
+                      </a:srgbClr>
+                    </a:outerShdw>
+                  </a:effectLst>
+                </p:spPr>
+                <p:txBody>
+                  <a:bodyPr anchor="ctr"/>
+                  <a:lstStyle/>
+                  <a:p>
+                    <a:pPr algn="ctr">
+                      <a:defRPr/>
+                    </a:pPr>
+                    <a:endParaRPr lang="en-US" sz="1400" kern="0">
+                      <a:solidFill>
+                        <a:srgbClr val="FFFFFF"/>
+                      </a:solidFill>
+                      <a:latin typeface="Arial"/>
+                    </a:endParaRPr>
+                  </a:p>
+                </p:txBody>
+              </p:sp>
+              <p:sp>
+                <p:nvSpPr>
+                  <p:cNvPr id="274" name="Minus 20"/>
+                  <p:cNvSpPr/>
+                  <p:nvPr/>
+                </p:nvSpPr>
+                <p:spPr>
+                  <a:xfrm rot="2517184">
+                    <a:off x="7826375" y="5025294"/>
+                    <a:ext cx="87313" cy="107907"/>
+                  </a:xfrm>
+                  <a:prstGeom prst="mathMinus">
+                    <a:avLst/>
+                  </a:prstGeom>
+                  <a:solidFill>
+                    <a:srgbClr val="000000"/>
+                  </a:solidFill>
+                  <a:ln w="3175" cap="flat" cmpd="sng" algn="ctr">
+                    <a:solidFill>
+                      <a:srgbClr val="FFFFFF"/>
+                    </a:solidFill>
+                    <a:prstDash val="solid"/>
+                  </a:ln>
+                  <a:effectLst>
+                    <a:outerShdw blurRad="40000" dist="20000" dir="5400000" rotWithShape="0">
+                      <a:srgbClr val="000000">
+                        <a:alpha val="38000"/>
+                      </a:srgbClr>
+                    </a:outerShdw>
+                  </a:effectLst>
+                </p:spPr>
+                <p:txBody>
+                  <a:bodyPr anchor="ctr"/>
+                  <a:lstStyle/>
+                  <a:p>
+                    <a:pPr algn="ctr">
+                      <a:defRPr/>
+                    </a:pPr>
+                    <a:endParaRPr lang="en-US" sz="1400" kern="0">
+                      <a:solidFill>
+                        <a:srgbClr val="FFFFFF"/>
+                      </a:solidFill>
+                      <a:latin typeface="Arial"/>
+                    </a:endParaRPr>
+                  </a:p>
+                </p:txBody>
+              </p:sp>
+            </p:grpSp>
+            <p:sp>
+              <p:nvSpPr>
+                <p:cNvPr id="258" name="Rectangle 257"/>
+                <p:cNvSpPr/>
+                <p:nvPr/>
+              </p:nvSpPr>
+              <p:spPr>
+                <a:xfrm>
+                  <a:off x="3778877" y="4420310"/>
+                  <a:ext cx="599297" cy="59977"/>
+                </a:xfrm>
+                <a:prstGeom prst="rect">
+                  <a:avLst/>
+                </a:prstGeom>
+                <a:solidFill>
+                  <a:schemeClr val="accent1">
+                    <a:lumMod val="40000"/>
+                    <a:lumOff val="60000"/>
+                  </a:schemeClr>
+                </a:solidFill>
+                <a:ln>
+                  <a:solidFill>
+                    <a:schemeClr val="accent1">
+                      <a:lumMod val="40000"/>
+                      <a:lumOff val="60000"/>
+                    </a:schemeClr>
+                  </a:solidFill>
+                </a:ln>
+              </p:spPr>
+              <p:style>
+                <a:lnRef idx="1">
+                  <a:schemeClr val="accent1"/>
+                </a:lnRef>
+                <a:fillRef idx="2">
+                  <a:schemeClr val="accent1"/>
+                </a:fillRef>
+                <a:effectRef idx="1">
+                  <a:schemeClr val="accent1"/>
+                </a:effectRef>
+                <a:fontRef idx="minor">
+                  <a:schemeClr val="dk1"/>
+                </a:fontRef>
+              </p:style>
+              <p:txBody>
+                <a:bodyPr rtlCol="0" anchor="ctr"/>
+                <a:lstStyle/>
+                <a:p>
+                  <a:pPr algn="ctr"/>
+                  <a:endParaRPr lang="en-US"/>
+                </a:p>
+              </p:txBody>
+            </p:sp>
+            <p:cxnSp>
+              <p:nvCxnSpPr>
+                <p:cNvPr id="259" name="Straight Arrow Connector 258"/>
+                <p:cNvCxnSpPr/>
+                <p:nvPr/>
+              </p:nvCxnSpPr>
+              <p:spPr>
+                <a:xfrm>
+                  <a:off x="4280051" y="4480287"/>
+                  <a:ext cx="1780" cy="156540"/>
+                </a:xfrm>
+                <a:prstGeom prst="straightConnector1">
+                  <a:avLst/>
+                </a:prstGeom>
+                <a:ln w="6350">
+                  <a:solidFill>
+                    <a:schemeClr val="accent1">
+                      <a:lumMod val="40000"/>
+                      <a:lumOff val="60000"/>
+                    </a:schemeClr>
+                  </a:solidFill>
+                  <a:tailEnd type="stealth"/>
+                </a:ln>
+              </p:spPr>
+              <p:style>
+                <a:lnRef idx="3">
+                  <a:schemeClr val="accent1"/>
+                </a:lnRef>
+                <a:fillRef idx="0">
+                  <a:schemeClr val="accent1"/>
+                </a:fillRef>
+                <a:effectRef idx="2">
+                  <a:schemeClr val="accent1"/>
+                </a:effectRef>
+                <a:fontRef idx="minor">
+                  <a:schemeClr val="tx1"/>
+                </a:fontRef>
+              </p:style>
+            </p:cxnSp>
+            <p:cxnSp>
+              <p:nvCxnSpPr>
+                <p:cNvPr id="260" name="Straight Arrow Connector 259"/>
+                <p:cNvCxnSpPr/>
+                <p:nvPr/>
+              </p:nvCxnSpPr>
+              <p:spPr>
+                <a:xfrm>
+                  <a:off x="3455581" y="4420310"/>
+                  <a:ext cx="109" cy="183722"/>
+                </a:xfrm>
+                <a:prstGeom prst="straightConnector1">
+                  <a:avLst/>
+                </a:prstGeom>
+                <a:ln w="6350">
+                  <a:solidFill>
+                    <a:schemeClr val="accent1">
+                      <a:lumMod val="40000"/>
+                      <a:lumOff val="60000"/>
+                    </a:schemeClr>
+                  </a:solidFill>
+                  <a:tailEnd type="stealth"/>
+                </a:ln>
+              </p:spPr>
+              <p:style>
+                <a:lnRef idx="3">
+                  <a:schemeClr val="accent1"/>
+                </a:lnRef>
+                <a:fillRef idx="0">
+                  <a:schemeClr val="accent1"/>
+                </a:fillRef>
+                <a:effectRef idx="2">
+                  <a:schemeClr val="accent1"/>
+                </a:effectRef>
+                <a:fontRef idx="minor">
+                  <a:schemeClr val="tx1"/>
+                </a:fontRef>
+              </p:style>
+            </p:cxnSp>
+            <p:cxnSp>
+              <p:nvCxnSpPr>
+                <p:cNvPr id="261" name="Straight Arrow Connector 260"/>
+                <p:cNvCxnSpPr/>
+                <p:nvPr/>
+              </p:nvCxnSpPr>
+              <p:spPr>
+                <a:xfrm>
+                  <a:off x="3559315" y="4754734"/>
+                  <a:ext cx="191466" cy="0"/>
+                </a:xfrm>
+                <a:prstGeom prst="straightConnector1">
+                  <a:avLst/>
+                </a:prstGeom>
+                <a:ln w="6350">
+                  <a:solidFill>
+                    <a:schemeClr val="accent1">
+                      <a:lumMod val="40000"/>
+                      <a:lumOff val="60000"/>
+                    </a:schemeClr>
+                  </a:solidFill>
+                  <a:tailEnd type="stealth"/>
+                </a:ln>
+              </p:spPr>
+              <p:style>
+                <a:lnRef idx="3">
+                  <a:schemeClr val="accent1"/>
+                </a:lnRef>
+                <a:fillRef idx="0">
+                  <a:schemeClr val="accent1"/>
+                </a:fillRef>
+                <a:effectRef idx="2">
+                  <a:schemeClr val="accent1"/>
+                </a:effectRef>
+                <a:fontRef idx="minor">
+                  <a:schemeClr val="tx1"/>
+                </a:fontRef>
+              </p:style>
+            </p:cxnSp>
+            <p:cxnSp>
+              <p:nvCxnSpPr>
+                <p:cNvPr id="263" name="Straight Arrow Connector 262"/>
+                <p:cNvCxnSpPr/>
+                <p:nvPr/>
+              </p:nvCxnSpPr>
+              <p:spPr>
+                <a:xfrm>
+                  <a:off x="3992770" y="4754735"/>
+                  <a:ext cx="191467" cy="0"/>
+                </a:xfrm>
+                <a:prstGeom prst="straightConnector1">
+                  <a:avLst/>
+                </a:prstGeom>
+                <a:ln w="6350">
+                  <a:solidFill>
+                    <a:schemeClr val="accent1">
+                      <a:lumMod val="40000"/>
+                      <a:lumOff val="60000"/>
+                    </a:schemeClr>
+                  </a:solidFill>
+                  <a:tailEnd type="stealth"/>
+                </a:ln>
+              </p:spPr>
+              <p:style>
+                <a:lnRef idx="3">
+                  <a:schemeClr val="accent1"/>
+                </a:lnRef>
+                <a:fillRef idx="0">
+                  <a:schemeClr val="accent1"/>
+                </a:fillRef>
+                <a:effectRef idx="2">
+                  <a:schemeClr val="accent1"/>
+                </a:effectRef>
+                <a:fontRef idx="minor">
+                  <a:schemeClr val="tx1"/>
+                </a:fontRef>
+              </p:style>
+            </p:cxnSp>
+            <p:cxnSp>
+              <p:nvCxnSpPr>
+                <p:cNvPr id="264" name="Straight Arrow Connector 263"/>
+                <p:cNvCxnSpPr/>
+                <p:nvPr/>
+              </p:nvCxnSpPr>
+              <p:spPr>
+                <a:xfrm>
+                  <a:off x="4386603" y="4757865"/>
+                  <a:ext cx="191467" cy="0"/>
+                </a:xfrm>
+                <a:prstGeom prst="straightConnector1">
+                  <a:avLst/>
+                </a:prstGeom>
+                <a:ln w="6350">
+                  <a:solidFill>
+                    <a:schemeClr val="accent1">
+                      <a:lumMod val="40000"/>
+                      <a:lumOff val="60000"/>
+                    </a:schemeClr>
+                  </a:solidFill>
+                  <a:tailEnd type="stealth"/>
+                </a:ln>
+              </p:spPr>
+              <p:style>
+                <a:lnRef idx="3">
+                  <a:schemeClr val="accent1"/>
+                </a:lnRef>
+                <a:fillRef idx="0">
+                  <a:schemeClr val="accent1"/>
+                </a:fillRef>
+                <a:effectRef idx="2">
+                  <a:schemeClr val="accent1"/>
+                </a:effectRef>
+                <a:fontRef idx="minor">
+                  <a:schemeClr val="tx1"/>
+                </a:fontRef>
+              </p:style>
+            </p:cxnSp>
+            <p:sp>
+              <p:nvSpPr>
+                <p:cNvPr id="265" name="Rectangle 264"/>
+                <p:cNvSpPr/>
+                <p:nvPr/>
+              </p:nvSpPr>
+              <p:spPr>
+                <a:xfrm>
+                  <a:off x="3307744" y="4381167"/>
+                  <a:ext cx="1574358" cy="912896"/>
+                </a:xfrm>
+                <a:prstGeom prst="rect">
+                  <a:avLst/>
+                </a:prstGeom>
+                <a:noFill/>
+                <a:ln>
+                  <a:solidFill>
+                    <a:schemeClr val="accent1">
+                      <a:lumMod val="40000"/>
+                      <a:lumOff val="60000"/>
+                    </a:schemeClr>
+                  </a:solidFill>
+                  <a:prstDash val="dash"/>
+                </a:ln>
+              </p:spPr>
+              <p:style>
+                <a:lnRef idx="2">
+                  <a:schemeClr val="accent1">
+                    <a:shade val="50000"/>
+                  </a:schemeClr>
+                </a:lnRef>
+                <a:fillRef idx="1">
+                  <a:schemeClr val="accent1"/>
+                </a:fillRef>
+                <a:effectRef idx="0">
+                  <a:schemeClr val="accent1"/>
+                </a:effectRef>
+                <a:fontRef idx="minor">
+                  <a:schemeClr val="lt1"/>
+                </a:fontRef>
+              </p:style>
+              <p:txBody>
+                <a:bodyPr rtlCol="0" anchor="ctr"/>
+                <a:lstStyle/>
+                <a:p>
+                  <a:pPr algn="ctr"/>
+                  <a:endParaRPr lang="en-US"/>
+                </a:p>
+              </p:txBody>
+            </p:sp>
+          </p:grpSp>
+          <p:sp>
+            <p:nvSpPr>
+              <p:cNvPr id="251" name="Rectangle 250"/>
+              <p:cNvSpPr/>
+              <p:nvPr/>
+            </p:nvSpPr>
+            <p:spPr>
+              <a:xfrm>
+                <a:off x="4684013" y="4634587"/>
+                <a:ext cx="152551" cy="146050"/>
+              </a:xfrm>
+              <a:prstGeom prst="rect">
+                <a:avLst/>
+              </a:prstGeom>
+              <a:solidFill>
+                <a:schemeClr val="accent1">
+                  <a:lumMod val="40000"/>
+                  <a:lumOff val="60000"/>
+                  <a:alpha val="55000"/>
+                </a:schemeClr>
+              </a:solidFill>
+              <a:ln>
+                <a:noFill/>
+              </a:ln>
+            </p:spPr>
+            <p:style>
+              <a:lnRef idx="2">
+                <a:schemeClr val="accent1">
+                  <a:shade val="50000"/>
+                </a:schemeClr>
+              </a:lnRef>
+              <a:fillRef idx="1">
+                <a:schemeClr val="accent1"/>
+              </a:fillRef>
+              <a:effectRef idx="0">
+                <a:schemeClr val="accent1"/>
+              </a:effectRef>
+              <a:fontRef idx="minor">
+                <a:schemeClr val="lt1"/>
+              </a:fontRef>
+            </p:style>
+            <p:txBody>
+              <a:bodyPr rtlCol="0" anchor="ctr"/>
+              <a:lstStyle/>
+              <a:p>
+                <a:pPr algn="ctr"/>
+                <a:endParaRPr lang="en-US"/>
+              </a:p>
+            </p:txBody>
+          </p:sp>
+        </p:grpSp>
+        <p:cxnSp>
+          <p:nvCxnSpPr>
+            <p:cNvPr id="5" name="Straight Arrow Connector 4"/>
+            <p:cNvCxnSpPr>
+              <a:endCxn id="190" idx="0"/>
+            </p:cNvCxnSpPr>
+            <p:nvPr/>
+          </p:nvCxnSpPr>
+          <p:spPr>
+            <a:xfrm flipH="1">
+              <a:off x="5549133" y="1725283"/>
+              <a:ext cx="6279" cy="3941140"/>
+            </a:xfrm>
+            <a:prstGeom prst="straightConnector1">
+              <a:avLst/>
+            </a:prstGeom>
+            <a:ln>
+              <a:tailEnd type="triangle"/>
+            </a:ln>
+          </p:spPr>
+          <p:style>
+            <a:lnRef idx="1">
+              <a:schemeClr val="accent1"/>
+            </a:lnRef>
+            <a:fillRef idx="0">
+              <a:schemeClr val="accent1"/>
+            </a:fillRef>
+            <a:effectRef idx="0">
+              <a:schemeClr val="accent1"/>
+            </a:effectRef>
+            <a:fontRef idx="minor">
+              <a:schemeClr val="tx1"/>
+            </a:fontRef>
+          </p:style>
+        </p:cxnSp>
+        <p:cxnSp>
+          <p:nvCxnSpPr>
+            <p:cNvPr id="7" name="Elbow Connector 6"/>
+            <p:cNvCxnSpPr>
+              <a:stCxn id="41" idx="0"/>
+              <a:endCxn id="50" idx="2"/>
+            </p:cNvCxnSpPr>
+            <p:nvPr/>
+          </p:nvCxnSpPr>
+          <p:spPr>
+            <a:xfrm rot="5400000" flipH="1" flipV="1">
+              <a:off x="3233805" y="965993"/>
+              <a:ext cx="1972213" cy="1089431"/>
+            </a:xfrm>
+            <a:prstGeom prst="bentConnector2">
+              <a:avLst/>
+            </a:prstGeom>
+            <a:ln>
+              <a:tailEnd type="triangle"/>
+            </a:ln>
+          </p:spPr>
+          <p:style>
+            <a:lnRef idx="1">
+              <a:schemeClr val="accent1"/>
+            </a:lnRef>
+            <a:fillRef idx="0">
+              <a:schemeClr val="accent1"/>
+            </a:fillRef>
+            <a:effectRef idx="0">
+              <a:schemeClr val="accent1"/>
+            </a:effectRef>
+            <a:fontRef idx="minor">
+              <a:schemeClr val="tx1"/>
+            </a:fontRef>
+          </p:style>
+        </p:cxnSp>
+        <p:cxnSp>
+          <p:nvCxnSpPr>
+            <p:cNvPr id="12" name="Elbow Connector 11"/>
+            <p:cNvCxnSpPr>
+              <a:endCxn id="46" idx="1"/>
+            </p:cNvCxnSpPr>
+            <p:nvPr/>
+          </p:nvCxnSpPr>
+          <p:spPr>
+            <a:xfrm rot="16200000" flipH="1">
+              <a:off x="6802358" y="1991226"/>
+              <a:ext cx="2104135" cy="1323166"/>
+            </a:xfrm>
+            <a:prstGeom prst="bentConnector2">
+              <a:avLst/>
+            </a:prstGeom>
+            <a:ln>
+              <a:solidFill>
+                <a:schemeClr val="accent1">
+                  <a:alpha val="53000"/>
+                </a:schemeClr>
+              </a:solidFill>
+              <a:tailEnd type="triangle"/>
+            </a:ln>
+          </p:spPr>
+          <p:style>
+            <a:lnRef idx="1">
+              <a:schemeClr val="accent1"/>
+            </a:lnRef>
+            <a:fillRef idx="0">
+              <a:schemeClr val="accent1"/>
+            </a:fillRef>
+            <a:effectRef idx="0">
+              <a:schemeClr val="accent1"/>
+            </a:effectRef>
+            <a:fontRef idx="minor">
+              <a:schemeClr val="tx1"/>
+            </a:fontRef>
+          </p:style>
+        </p:cxnSp>
+        <p:cxnSp>
+          <p:nvCxnSpPr>
+            <p:cNvPr id="18" name="Elbow Connector 17"/>
+            <p:cNvCxnSpPr>
+              <a:stCxn id="50" idx="4"/>
+              <a:endCxn id="46" idx="0"/>
+            </p:cNvCxnSpPr>
+            <p:nvPr/>
+          </p:nvCxnSpPr>
+          <p:spPr>
+            <a:xfrm>
+              <a:off x="7506586" y="524601"/>
+              <a:ext cx="1571971" cy="1983107"/>
+            </a:xfrm>
+            <a:prstGeom prst="bentConnector2">
+              <a:avLst/>
+            </a:prstGeom>
+            <a:ln>
+              <a:solidFill>
+                <a:schemeClr val="accent1">
+                  <a:alpha val="53000"/>
+                </a:schemeClr>
+              </a:solidFill>
+              <a:tailEnd type="triangle"/>
+            </a:ln>
+          </p:spPr>
+          <p:style>
+            <a:lnRef idx="1">
+              <a:schemeClr val="accent1"/>
+            </a:lnRef>
+            <a:fillRef idx="0">
+              <a:schemeClr val="accent1"/>
+            </a:fillRef>
+            <a:effectRef idx="0">
+              <a:schemeClr val="accent1"/>
+            </a:effectRef>
+            <a:fontRef idx="minor">
+              <a:schemeClr val="tx1"/>
+            </a:fontRef>
+          </p:style>
+        </p:cxnSp>
+      </p:grpSp>
+    </p:spTree>
+    <p:extLst>
+      <p:ext uri="{BB962C8B-B14F-4D97-AF65-F5344CB8AC3E}">
+        <p14:creationId xmlns:p14="http://schemas.microsoft.com/office/powerpoint/2010/main" val="1972547212"/>
+      </p:ext>
+    </p:extLst>
+  </p:cSld>
+  <p:clrMapOvr>
+    <a:masterClrMapping/>
+  </p:clrMapOvr>
+  <p:timing>
+    <p:tnLst>
+      <p:par>
+        <p:cTn id="1" dur="indefinite" restart="never" nodeType="tmRoot"/>
+      </p:par>
+    </p:tnLst>
+  </p:timing>
+</p:sld>
+</file>
+
+<file path=ppt/slides/slide3.xml><?xml version="1.0" encoding="utf-8"?>
+<p:sld xmlns:a="http://schemas.openxmlformats.org/drawingml/2006/main" xmlns:r="http://schemas.openxmlformats.org/officeDocument/2006/relationships" xmlns:p="http://schemas.openxmlformats.org/presentationml/2006/main">
+  <p:cSld>
+    <p:spTree>
+      <p:nvGrpSpPr>
+        <p:cNvPr id="1" name=""/>
+        <p:cNvGrpSpPr/>
+        <p:nvPr/>
+      </p:nvGrpSpPr>
+      <p:grpSpPr>
+        <a:xfrm>
+          <a:off x="0" y="0"/>
+          <a:ext cx="0" cy="0"/>
+          <a:chOff x="0" y="0"/>
+          <a:chExt cx="0" cy="0"/>
+        </a:xfrm>
+      </p:grpSpPr>
+      <p:grpSp>
+        <p:nvGrpSpPr>
           <p:cNvPr id="2" name="Group 1"/>
           <p:cNvGrpSpPr/>
           <p:nvPr/>
@@ -14379,7 +22759,7 @@
 </p:sld>
 </file>
 
-<file path=ppt/slides/slide3.xml><?xml version="1.0" encoding="utf-8"?>
+<file path=ppt/slides/slide4.xml><?xml version="1.0" encoding="utf-8"?>
 <p:sld xmlns:a="http://schemas.openxmlformats.org/drawingml/2006/main" xmlns:r="http://schemas.openxmlformats.org/officeDocument/2006/relationships" xmlns:p="http://schemas.openxmlformats.org/presentationml/2006/main">
   <p:cSld>
     <p:spTree>
@@ -17059,4 +25439,265 @@
     </a:ext>
   </a:extLst>
 </a:theme>
+</file>
+
+<file path=ppt/theme/theme3.xml><?xml version="1.0" encoding="utf-8"?>
+<a:theme xmlns:a="http://schemas.openxmlformats.org/drawingml/2006/main" name="Office Theme">
+  <a:themeElements>
+    <a:clrScheme name="Office">
+      <a:dk1>
+        <a:sysClr val="windowText" lastClr="000000"/>
+      </a:dk1>
+      <a:lt1>
+        <a:sysClr val="window" lastClr="FFFFFF"/>
+      </a:lt1>
+      <a:dk2>
+        <a:srgbClr val="44546A"/>
+      </a:dk2>
+      <a:lt2>
+        <a:srgbClr val="E7E6E6"/>
+      </a:lt2>
+      <a:accent1>
+        <a:srgbClr val="5B9BD5"/>
+      </a:accent1>
+      <a:accent2>
+        <a:srgbClr val="ED7D31"/>
+      </a:accent2>
+      <a:accent3>
+        <a:srgbClr val="A5A5A5"/>
+      </a:accent3>
+      <a:accent4>
+        <a:srgbClr val="FFC000"/>
+      </a:accent4>
+      <a:accent5>
+        <a:srgbClr val="4472C4"/>
+      </a:accent5>
+      <a:accent6>
+        <a:srgbClr val="70AD47"/>
+      </a:accent6>
+      <a:hlink>
+        <a:srgbClr val="0563C1"/>
+      </a:hlink>
+      <a:folHlink>
+        <a:srgbClr val="954F72"/>
+      </a:folHlink>
+    </a:clrScheme>
+    <a:fontScheme name="Office">
+      <a:majorFont>
+        <a:latin typeface="Calibri Light" panose="020F0302020204030204"/>
+        <a:ea typeface=""/>
+        <a:cs typeface=""/>
+        <a:font script="Jpan" typeface="Yu Gothic Light"/>
+        <a:font script="Hang" typeface="맑은 고딕"/>
+        <a:font script="Hans" typeface="DengXian Light"/>
+        <a:font script="Hant" typeface="新細明體"/>
+        <a:font script="Arab" typeface="Times New Roman"/>
+        <a:font script="Hebr" typeface="Times New Roman"/>
+        <a:font script="Thai" typeface="Angsana New"/>
+        <a:font script="Ethi" typeface="Nyala"/>
+        <a:font script="Beng" typeface="Vrinda"/>
+        <a:font script="Gujr" typeface="Shruti"/>
+        <a:font script="Khmr" typeface="MoolBoran"/>
+        <a:font script="Knda" typeface="Tunga"/>
+        <a:font script="Guru" typeface="Raavi"/>
+        <a:font script="Cans" typeface="Euphemia"/>
+        <a:font script="Cher" typeface="Plantagenet Cherokee"/>
+        <a:font script="Yiii" typeface="Microsoft Yi Baiti"/>
+        <a:font script="Tibt" typeface="Microsoft Himalaya"/>
+        <a:font script="Thaa" typeface="MV Boli"/>
+        <a:font script="Deva" typeface="Mangal"/>
+        <a:font script="Telu" typeface="Gautami"/>
+        <a:font script="Taml" typeface="Latha"/>
+        <a:font script="Syrc" typeface="Estrangelo Edessa"/>
+        <a:font script="Orya" typeface="Kalinga"/>
+        <a:font script="Mlym" typeface="Kartika"/>
+        <a:font script="Laoo" typeface="DokChampa"/>
+        <a:font script="Sinh" typeface="Iskoola Pota"/>
+        <a:font script="Mong" typeface="Mongolian Baiti"/>
+        <a:font script="Viet" typeface="Times New Roman"/>
+        <a:font script="Uigh" typeface="Microsoft Uighur"/>
+        <a:font script="Geor" typeface="Sylfaen"/>
+      </a:majorFont>
+      <a:minorFont>
+        <a:latin typeface="Calibri" panose="020F0502020204030204"/>
+        <a:ea typeface=""/>
+        <a:cs typeface=""/>
+        <a:font script="Jpan" typeface="Yu Gothic"/>
+        <a:font script="Hang" typeface="맑은 고딕"/>
+        <a:font script="Hans" typeface="DengXian"/>
+        <a:font script="Hant" typeface="新細明體"/>
+        <a:font script="Arab" typeface="Arial"/>
+        <a:font script="Hebr" typeface="Arial"/>
+        <a:font script="Thai" typeface="Cordia New"/>
+        <a:font script="Ethi" typeface="Nyala"/>
+        <a:font script="Beng" typeface="Vrinda"/>
+        <a:font script="Gujr" typeface="Shruti"/>
+        <a:font script="Khmr" typeface="DaunPenh"/>
+        <a:font script="Knda" typeface="Tunga"/>
+        <a:font script="Guru" typeface="Raavi"/>
+        <a:font script="Cans" typeface="Euphemia"/>
+        <a:font script="Cher" typeface="Plantagenet Cherokee"/>
+        <a:font script="Yiii" typeface="Microsoft Yi Baiti"/>
+        <a:font script="Tibt" typeface="Microsoft Himalaya"/>
+        <a:font script="Thaa" typeface="MV Boli"/>
+        <a:font script="Deva" typeface="Mangal"/>
+        <a:font script="Telu" typeface="Gautami"/>
+        <a:font script="Taml" typeface="Latha"/>
+        <a:font script="Syrc" typeface="Estrangelo Edessa"/>
+        <a:font script="Orya" typeface="Kalinga"/>
+        <a:font script="Mlym" typeface="Kartika"/>
+        <a:font script="Laoo" typeface="DokChampa"/>
+        <a:font script="Sinh" typeface="Iskoola Pota"/>
+        <a:font script="Mong" typeface="Mongolian Baiti"/>
+        <a:font script="Viet" typeface="Arial"/>
+        <a:font script="Uigh" typeface="Microsoft Uighur"/>
+        <a:font script="Geor" typeface="Sylfaen"/>
+      </a:minorFont>
+    </a:fontScheme>
+    <a:fmtScheme name="Office">
+      <a:fillStyleLst>
+        <a:solidFill>
+          <a:schemeClr val="phClr"/>
+        </a:solidFill>
+        <a:gradFill rotWithShape="1">
+          <a:gsLst>
+            <a:gs pos="0">
+              <a:schemeClr val="phClr">
+                <a:lumMod val="110000"/>
+                <a:satMod val="105000"/>
+                <a:tint val="67000"/>
+              </a:schemeClr>
+            </a:gs>
+            <a:gs pos="50000">
+              <a:schemeClr val="phClr">
+                <a:lumMod val="105000"/>
+                <a:satMod val="103000"/>
+                <a:tint val="73000"/>
+              </a:schemeClr>
+            </a:gs>
+            <a:gs pos="100000">
+              <a:schemeClr val="phClr">
+                <a:lumMod val="105000"/>
+                <a:satMod val="109000"/>
+                <a:tint val="81000"/>
+              </a:schemeClr>
+            </a:gs>
+          </a:gsLst>
+          <a:lin ang="5400000" scaled="0"/>
+        </a:gradFill>
+        <a:gradFill rotWithShape="1">
+          <a:gsLst>
+            <a:gs pos="0">
+              <a:schemeClr val="phClr">
+                <a:satMod val="103000"/>
+                <a:lumMod val="102000"/>
+                <a:tint val="94000"/>
+              </a:schemeClr>
+            </a:gs>
+            <a:gs pos="50000">
+              <a:schemeClr val="phClr">
+                <a:satMod val="110000"/>
+                <a:lumMod val="100000"/>
+                <a:shade val="100000"/>
+              </a:schemeClr>
+            </a:gs>
+            <a:gs pos="100000">
+              <a:schemeClr val="phClr">
+                <a:lumMod val="99000"/>
+                <a:satMod val="120000"/>
+                <a:shade val="78000"/>
+              </a:schemeClr>
+            </a:gs>
+          </a:gsLst>
+          <a:lin ang="5400000" scaled="0"/>
+        </a:gradFill>
+      </a:fillStyleLst>
+      <a:lnStyleLst>
+        <a:ln w="6350" cap="flat" cmpd="sng" algn="ctr">
+          <a:solidFill>
+            <a:schemeClr val="phClr"/>
+          </a:solidFill>
+          <a:prstDash val="solid"/>
+          <a:miter lim="800000"/>
+        </a:ln>
+        <a:ln w="12700" cap="flat" cmpd="sng" algn="ctr">
+          <a:solidFill>
+            <a:schemeClr val="phClr"/>
+          </a:solidFill>
+          <a:prstDash val="solid"/>
+          <a:miter lim="800000"/>
+        </a:ln>
+        <a:ln w="19050" cap="flat" cmpd="sng" algn="ctr">
+          <a:solidFill>
+            <a:schemeClr val="phClr"/>
+          </a:solidFill>
+          <a:prstDash val="solid"/>
+          <a:miter lim="800000"/>
+        </a:ln>
+      </a:lnStyleLst>
+      <a:effectStyleLst>
+        <a:effectStyle>
+          <a:effectLst/>
+        </a:effectStyle>
+        <a:effectStyle>
+          <a:effectLst/>
+        </a:effectStyle>
+        <a:effectStyle>
+          <a:effectLst>
+            <a:outerShdw blurRad="57150" dist="19050" dir="5400000" algn="ctr" rotWithShape="0">
+              <a:srgbClr val="000000">
+                <a:alpha val="63000"/>
+              </a:srgbClr>
+            </a:outerShdw>
+          </a:effectLst>
+        </a:effectStyle>
+      </a:effectStyleLst>
+      <a:bgFillStyleLst>
+        <a:solidFill>
+          <a:schemeClr val="phClr"/>
+        </a:solidFill>
+        <a:solidFill>
+          <a:schemeClr val="phClr">
+            <a:tint val="95000"/>
+            <a:satMod val="170000"/>
+          </a:schemeClr>
+        </a:solidFill>
+        <a:gradFill rotWithShape="1">
+          <a:gsLst>
+            <a:gs pos="0">
+              <a:schemeClr val="phClr">
+                <a:tint val="93000"/>
+                <a:satMod val="150000"/>
+                <a:shade val="98000"/>
+                <a:lumMod val="102000"/>
+              </a:schemeClr>
+            </a:gs>
+            <a:gs pos="50000">
+              <a:schemeClr val="phClr">
+                <a:tint val="98000"/>
+                <a:satMod val="130000"/>
+                <a:shade val="90000"/>
+                <a:lumMod val="103000"/>
+              </a:schemeClr>
+            </a:gs>
+            <a:gs pos="100000">
+              <a:schemeClr val="phClr">
+                <a:shade val="63000"/>
+                <a:satMod val="120000"/>
+              </a:schemeClr>
+            </a:gs>
+          </a:gsLst>
+          <a:lin ang="5400000" scaled="0"/>
+        </a:gradFill>
+      </a:bgFillStyleLst>
+    </a:fmtScheme>
+  </a:themeElements>
+  <a:objectDefaults/>
+  <a:extraClrSchemeLst/>
+  <a:extLst>
+    <a:ext uri="{05A4C25C-085E-4340-85A3-A5531E510DB2}">
+      <thm15:themeFamily xmlns:thm15="http://schemas.microsoft.com/office/thememl/2012/main" name="Office Theme" id="{62F939B6-93AF-4DB8-9C6B-D6C7DFDC589F}" vid="{4A3C46E8-61CC-4603-A589-7422A47A8E4A}"/>
+    </a:ext>
+  </a:extLst>
+</a:theme>
 </file>
--- a/figures/Mobile.pptx
+++ b/figures/Mobile.pptx
@@ -5,16 +5,17 @@
     <p:sldMasterId id="2147483648" r:id="rId1"/>
   </p:sldMasterIdLst>
   <p:notesMasterIdLst>
-    <p:notesMasterId r:id="rId6"/>
+    <p:notesMasterId r:id="rId7"/>
   </p:notesMasterIdLst>
   <p:handoutMasterIdLst>
-    <p:handoutMasterId r:id="rId7"/>
+    <p:handoutMasterId r:id="rId8"/>
   </p:handoutMasterIdLst>
   <p:sldIdLst>
     <p:sldId id="265" r:id="rId2"/>
     <p:sldId id="268" r:id="rId3"/>
     <p:sldId id="267" r:id="rId4"/>
     <p:sldId id="266" r:id="rId5"/>
+    <p:sldId id="269" r:id="rId6"/>
   </p:sldIdLst>
   <p:sldSz cx="12192000" cy="6858000"/>
   <p:notesSz cx="6858000" cy="9144000"/>
@@ -850,6 +851,7 @@
               </a:p>
             </c:rich>
           </c:tx>
+          <c:layout/>
           <c:overlay val="0"/>
           <c:spPr>
             <a:noFill/>
@@ -968,6 +970,7 @@
               </a:p>
             </c:rich>
           </c:tx>
+          <c:layout/>
           <c:overlay val="0"/>
           <c:spPr>
             <a:noFill/>
@@ -1049,6 +1052,7 @@
     </c:plotArea>
     <c:legend>
       <c:legendPos val="t"/>
+      <c:layout/>
       <c:overlay val="0"/>
       <c:spPr>
         <a:noFill/>
@@ -13013,8 +13017,8 @@
         </p:nvGrpSpPr>
         <p:grpSpPr>
           <a:xfrm>
-            <a:off x="2290564" y="-696263"/>
-            <a:ext cx="7950280" cy="8940526"/>
+            <a:off x="2294965" y="-332370"/>
+            <a:ext cx="7945879" cy="9232529"/>
             <a:chOff x="2290564" y="-696263"/>
             <a:chExt cx="7950280" cy="8940526"/>
           </a:xfrm>
@@ -13697,7 +13701,7 @@
                   <a:alpha val="30000"/>
                 </a:schemeClr>
               </a:solidFill>
-              <a:prstDash val="sysDot"/>
+              <a:prstDash val="solid"/>
               <a:tailEnd type="triangle"/>
             </a:ln>
             <a:effectLst>
@@ -13737,7 +13741,7 @@
             <a:prstGeom prst="straightConnector1">
               <a:avLst/>
             </a:prstGeom>
-            <a:ln w="38100">
+            <a:ln w="6350">
               <a:solidFill>
                 <a:schemeClr val="accent1">
                   <a:alpha val="30000"/>
@@ -14507,7 +14511,7 @@
                 </p:nvSpPr>
                 <p:spPr>
                   <a:xfrm>
-                    <a:off x="2290772" y="3922212"/>
+                    <a:off x="2251961" y="3720387"/>
                     <a:ext cx="547822" cy="811615"/>
                   </a:xfrm>
                   <a:prstGeom prst="rect">
@@ -14870,9 +14874,10 @@
                 <a:t> Running </a:t>
               </a:r>
               <a:r>
-                <a:rPr lang="en-US" dirty="0"/>
-                <a:t>HBM</a:t>
+                <a:rPr lang="en-US" b="1" dirty="0" smtClean="0"/>
+                <a:t>HBM(1)</a:t>
               </a:r>
+              <a:endParaRPr lang="en-US" b="1" dirty="0"/>
             </a:p>
           </p:txBody>
         </p:sp>
@@ -14884,8 +14889,8 @@
           </p:nvCxnSpPr>
           <p:spPr>
             <a:xfrm flipH="1">
-              <a:off x="2472102" y="3615728"/>
-              <a:ext cx="695610" cy="2007068"/>
+              <a:off x="2482128" y="3615728"/>
+              <a:ext cx="685584" cy="1934764"/>
             </a:xfrm>
             <a:prstGeom prst="line">
               <a:avLst/>
@@ -14965,9 +14970,9 @@
             <p:grpSpPr>
               <a:xfrm>
                 <a:off x="2290564" y="6520739"/>
-                <a:ext cx="7950279" cy="2598474"/>
+                <a:ext cx="7950279" cy="2555944"/>
                 <a:chOff x="-181537" y="6367281"/>
-                <a:chExt cx="7950279" cy="2598474"/>
+                <a:chExt cx="7950279" cy="2555944"/>
               </a:xfrm>
             </p:grpSpPr>
             <p:sp>
@@ -15067,13 +15072,18 @@
                 <a:p>
                   <a:pPr algn="ctr"/>
                   <a:r>
-                    <a:rPr lang="en-US" dirty="0">
+                    <a:rPr lang="en-US" dirty="0" smtClean="0">
                       <a:solidFill>
                         <a:schemeClr val="tx1"/>
                       </a:solidFill>
                     </a:rPr>
-                    <a:t>System</a:t>
+                    <a:t>System: LCS(3)</a:t>
                   </a:r>
+                  <a:endParaRPr lang="en-US" dirty="0">
+                    <a:solidFill>
+                      <a:schemeClr val="tx1"/>
+                    </a:solidFill>
+                  </a:endParaRPr>
                 </a:p>
               </p:txBody>
             </p:sp>
@@ -15088,12 +15098,12 @@
               </p:nvCxnSpPr>
               <p:spPr>
                 <a:xfrm rot="5400000" flipH="1">
-                  <a:off x="3302096" y="5506573"/>
-                  <a:ext cx="564761" cy="5777731"/>
+                  <a:off x="3242322" y="5566347"/>
+                  <a:ext cx="684309" cy="5777731"/>
                 </a:xfrm>
                 <a:prstGeom prst="bentConnector3">
                   <a:avLst>
-                    <a:gd name="adj1" fmla="val -40477"/>
+                    <a:gd name="adj1" fmla="val -33406"/>
                   </a:avLst>
                 </a:prstGeom>
                 <a:ln>
@@ -15166,7 +15176,7 @@
               </p:nvSpPr>
               <p:spPr>
                 <a:xfrm>
-                  <a:off x="1863242" y="8596423"/>
+                  <a:off x="1863242" y="8553893"/>
                   <a:ext cx="3429000" cy="369332"/>
                 </a:xfrm>
                 <a:prstGeom prst="rect">
@@ -15259,9 +15269,9 @@
               <p:grpSpPr>
                 <a:xfrm>
                   <a:off x="5292242" y="6468018"/>
-                  <a:ext cx="2476500" cy="2209800"/>
+                  <a:ext cx="2476500" cy="2329348"/>
                   <a:chOff x="5292242" y="6468018"/>
-                  <a:chExt cx="2476500" cy="2209800"/>
+                  <a:chExt cx="2476500" cy="2329348"/>
                 </a:xfrm>
               </p:grpSpPr>
               <p:sp>
@@ -15273,7 +15283,7 @@
                 <p:spPr>
                   <a:xfrm>
                     <a:off x="5292242" y="6468018"/>
-                    <a:ext cx="2362200" cy="2209800"/>
+                    <a:ext cx="2362200" cy="2329348"/>
                   </a:xfrm>
                   <a:prstGeom prst="rect">
                     <a:avLst/>
@@ -16230,11 +16240,7 @@
                   <a:p>
                     <a:pPr algn="ctr"/>
                     <a:r>
-                      <a:rPr lang="en-US" sz="1400" dirty="0">
-                        <a:solidFill>
-                          <a:schemeClr val="bg1"/>
-                        </a:solidFill>
-                      </a:rPr>
+                      <a:rPr lang="en-US" sz="1400" dirty="0"/>
                       <a:t>big cores</a:t>
                     </a:r>
                   </a:p>
@@ -16264,11 +16270,7 @@
                   <a:p>
                     <a:pPr algn="ctr"/>
                     <a:r>
-                      <a:rPr lang="en-US" sz="1400" dirty="0">
-                        <a:solidFill>
-                          <a:schemeClr val="bg1"/>
-                        </a:solidFill>
-                      </a:rPr>
+                      <a:rPr lang="en-US" sz="1400" dirty="0"/>
                       <a:t>big speeds</a:t>
                     </a:r>
                   </a:p>
@@ -17200,11 +17202,7 @@
                   <a:p>
                     <a:pPr algn="ctr"/>
                     <a:r>
-                      <a:rPr lang="en-US" sz="1400" dirty="0">
-                        <a:solidFill>
-                          <a:schemeClr val="bg1"/>
-                        </a:solidFill>
-                      </a:rPr>
+                      <a:rPr lang="en-US" sz="1400" dirty="0"/>
                       <a:t>LITTLE cores</a:t>
                     </a:r>
                   </a:p>
@@ -17234,11 +17232,7 @@
                   <a:p>
                     <a:pPr algn="ctr"/>
                     <a:r>
-                      <a:rPr lang="en-US" sz="1400" dirty="0">
-                        <a:solidFill>
-                          <a:schemeClr val="bg1"/>
-                        </a:solidFill>
-                      </a:rPr>
+                      <a:rPr lang="en-US" sz="1400" dirty="0"/>
                       <a:t>LITTLE speeds</a:t>
                     </a:r>
                   </a:p>
@@ -17286,10 +17280,10 @@
               </p:nvGrpSpPr>
               <p:grpSpPr>
                 <a:xfrm>
-                  <a:off x="1651581" y="6427395"/>
-                  <a:ext cx="2885502" cy="506752"/>
-                  <a:chOff x="2607739" y="3105003"/>
-                  <a:chExt cx="2885502" cy="506752"/>
+                  <a:off x="1436786" y="6375988"/>
+                  <a:ext cx="3648232" cy="646331"/>
+                  <a:chOff x="2392944" y="3053596"/>
+                  <a:chExt cx="3648232" cy="646331"/>
                 </a:xfrm>
               </p:grpSpPr>
               <p:sp>
@@ -17300,8 +17294,8 @@
                 </p:nvSpPr>
                 <p:spPr>
                   <a:xfrm>
-                    <a:off x="2711001" y="3105003"/>
-                    <a:ext cx="2644378" cy="506752"/>
+                    <a:off x="2575624" y="3109280"/>
+                    <a:ext cx="3244104" cy="526376"/>
                   </a:xfrm>
                   <a:prstGeom prst="rect">
                     <a:avLst/>
@@ -17344,8 +17338,8 @@
                 </p:nvSpPr>
                 <p:spPr>
                   <a:xfrm>
-                    <a:off x="2607739" y="3197106"/>
-                    <a:ext cx="2885502" cy="369332"/>
+                    <a:off x="2392944" y="3053596"/>
+                    <a:ext cx="3648232" cy="646331"/>
                   </a:xfrm>
                   <a:prstGeom prst="rect">
                     <a:avLst/>
@@ -17361,7 +17355,22 @@
                     <a:pPr algn="ctr"/>
                     <a:r>
                       <a:rPr lang="en-US" dirty="0" smtClean="0"/>
-                      <a:t>Performance Hash Table</a:t>
+                      <a:t>Performance Hash </a:t>
+                    </a:r>
+                    <a:r>
+                      <a:rPr lang="en-US" dirty="0" smtClean="0"/>
+                      <a:t>Table</a:t>
+                    </a:r>
+                    <a:r>
+                      <a:rPr lang="en-US" smtClean="0"/>
+                      <a:t>: </a:t>
+                    </a:r>
+                  </a:p>
+                  <a:p>
+                    <a:pPr algn="ctr"/>
+                    <a:r>
+                      <a:rPr lang="en-US" dirty="0" smtClean="0"/>
+                      <a:t>PHT(2)</a:t>
                     </a:r>
                     <a:endParaRPr lang="en-US" dirty="0"/>
                   </a:p>
@@ -17371,13 +17380,15 @@
             <p:cxnSp>
               <p:nvCxnSpPr>
                 <p:cNvPr id="192" name="Straight Arrow Connector 191"/>
-                <p:cNvCxnSpPr/>
+                <p:cNvCxnSpPr>
+                  <a:endCxn id="187" idx="0"/>
+                </p:cNvCxnSpPr>
                 <p:nvPr/>
               </p:nvCxnSpPr>
               <p:spPr>
                 <a:xfrm>
-                  <a:off x="4107021" y="6885157"/>
-                  <a:ext cx="303" cy="439060"/>
+                  <a:off x="4129220" y="6931512"/>
+                  <a:ext cx="0" cy="377684"/>
                 </a:xfrm>
                 <a:prstGeom prst="straightConnector1">
                   <a:avLst/>
@@ -17518,14 +17529,14 @@
             <p:nvCxnSpPr>
               <p:cNvPr id="427" name="Straight Arrow Connector 426"/>
               <p:cNvCxnSpPr>
-                <a:stCxn id="427" idx="3"/>
+                <a:stCxn id="187" idx="3"/>
               </p:cNvCxnSpPr>
               <p:nvPr/>
             </p:nvCxnSpPr>
             <p:spPr>
-              <a:xfrm>
-                <a:off x="7211893" y="7949932"/>
-                <a:ext cx="533400" cy="1"/>
+              <a:xfrm flipV="1">
+                <a:off x="7271529" y="7949933"/>
+                <a:ext cx="473764" cy="1"/>
               </a:xfrm>
               <a:prstGeom prst="straightConnector1">
                 <a:avLst/>
@@ -20769,9 +20780,9 @@
             <p:nvPr/>
           </p:nvCxnSpPr>
           <p:spPr>
-            <a:xfrm flipH="1">
-              <a:off x="5549133" y="1725283"/>
-              <a:ext cx="6279" cy="3941140"/>
+            <a:xfrm>
+              <a:off x="5693099" y="1745463"/>
+              <a:ext cx="20520" cy="3925237"/>
             </a:xfrm>
             <a:prstGeom prst="straightConnector1">
               <a:avLst/>
@@ -20952,54 +20963,72 @@
       </p:grpSpPr>
       <p:grpSp>
         <p:nvGrpSpPr>
-          <p:cNvPr id="2" name="Group 1"/>
+          <p:cNvPr id="32" name="Group 31"/>
           <p:cNvGrpSpPr/>
           <p:nvPr/>
         </p:nvGrpSpPr>
         <p:grpSpPr>
           <a:xfrm>
             <a:off x="2954216" y="-893884"/>
-            <a:ext cx="9398428" cy="6286770"/>
+            <a:ext cx="9398428" cy="6559579"/>
             <a:chOff x="2954216" y="-893884"/>
-            <a:chExt cx="9398428" cy="6286770"/>
+            <a:chExt cx="9398428" cy="6559579"/>
           </a:xfrm>
         </p:grpSpPr>
-        <p:graphicFrame>
-          <p:nvGraphicFramePr>
-            <p:cNvPr id="5" name="Chart 4"/>
-            <p:cNvGraphicFramePr/>
-            <p:nvPr>
-              <p:extLst>
-                <p:ext uri="{D42A27DB-BD31-4B8C-83A1-F6EECF244321}">
-                  <p14:modId xmlns:p14="http://schemas.microsoft.com/office/powerpoint/2010/main" val="1271818288"/>
-                </p:ext>
-              </p:extLst>
-            </p:nvPr>
-          </p:nvGraphicFramePr>
-          <p:xfrm>
-            <a:off x="2954216" y="-893884"/>
-            <a:ext cx="6096000" cy="4101123"/>
-          </p:xfrm>
-          <a:graphic>
-            <a:graphicData uri="http://schemas.openxmlformats.org/drawingml/2006/chart">
-              <c:chart xmlns:c="http://schemas.openxmlformats.org/drawingml/2006/chart" xmlns:r="http://schemas.openxmlformats.org/officeDocument/2006/relationships" r:id="rId2"/>
-            </a:graphicData>
-          </a:graphic>
-        </p:graphicFrame>
         <p:sp>
           <p:nvSpPr>
-            <p:cNvPr id="3" name="Rectangle 2"/>
+            <p:cNvPr id="30" name="Rectangle 29"/>
             <p:cNvSpPr/>
             <p:nvPr/>
           </p:nvSpPr>
           <p:spPr>
             <a:xfrm>
-              <a:off x="3909647" y="3201371"/>
-              <a:ext cx="969646" cy="914400"/>
+              <a:off x="3675529" y="3048001"/>
+              <a:ext cx="8283389" cy="2617694"/>
             </a:xfrm>
             <a:prstGeom prst="rect">
               <a:avLst/>
             </a:prstGeom>
+            <a:gradFill flip="none" rotWithShape="1">
+              <a:gsLst>
+                <a:gs pos="0">
+                  <a:schemeClr val="accent1">
+                    <a:lumMod val="5000"/>
+                    <a:lumOff val="95000"/>
+                  </a:schemeClr>
+                </a:gs>
+                <a:gs pos="74000">
+                  <a:schemeClr val="accent1">
+                    <a:lumMod val="45000"/>
+                    <a:lumOff val="55000"/>
+                  </a:schemeClr>
+                </a:gs>
+                <a:gs pos="83000">
+                  <a:schemeClr val="accent1">
+                    <a:lumMod val="45000"/>
+                    <a:lumOff val="55000"/>
+                  </a:schemeClr>
+                </a:gs>
+                <a:gs pos="100000">
+                  <a:schemeClr val="accent1">
+                    <a:lumMod val="30000"/>
+                    <a:lumOff val="70000"/>
+                  </a:schemeClr>
+                </a:gs>
+              </a:gsLst>
+              <a:path path="shape">
+                <a:fillToRect l="50000" t="50000" r="50000" b="50000"/>
+              </a:path>
+              <a:tileRect/>
+            </a:gradFill>
+            <a:ln cmpd="thinThick">
+              <a:solidFill>
+                <a:schemeClr val="bg2">
+                  <a:lumMod val="50000"/>
+                </a:schemeClr>
+              </a:solidFill>
+              <a:prstDash val="sysDot"/>
+            </a:ln>
           </p:spPr>
           <p:style>
             <a:lnRef idx="2">
@@ -21022,719 +21051,1238 @@
             <a:lstStyle/>
             <a:p>
               <a:pPr algn="ctr"/>
-              <a:r>
-                <a:rPr lang="en-US" dirty="0"/>
-                <a:t>c = 0</a:t>
-              </a:r>
-            </a:p>
-            <a:p>
-              <a:pPr algn="ctr"/>
-              <a:r>
-                <a:rPr lang="en-US" dirty="0" err="1"/>
-                <a:t>s</a:t>
-              </a:r>
-              <a:r>
-                <a:rPr lang="en-US" baseline="-25000" dirty="0" err="1"/>
-                <a:t>c</a:t>
-              </a:r>
-              <a:r>
-                <a:rPr lang="en-US" dirty="0"/>
-                <a:t> = 0</a:t>
-              </a:r>
-            </a:p>
-            <a:p>
-              <a:pPr algn="ctr"/>
-              <a:r>
-                <a:rPr lang="en-US" dirty="0"/>
-                <a:t>p</a:t>
-              </a:r>
-              <a:r>
-                <a:rPr lang="en-US" baseline="-25000" dirty="0"/>
-                <a:t>c</a:t>
-              </a:r>
-              <a:r>
-                <a:rPr lang="en-US" dirty="0"/>
-                <a:t> = .01</a:t>
-              </a:r>
-            </a:p>
-          </p:txBody>
-        </p:sp>
-        <p:sp>
-          <p:nvSpPr>
-            <p:cNvPr id="4" name="Rectangle 3"/>
-            <p:cNvSpPr/>
-            <p:nvPr/>
-          </p:nvSpPr>
-          <p:spPr>
-            <a:xfrm>
-              <a:off x="4883010" y="3201371"/>
-              <a:ext cx="2953052" cy="914400"/>
-            </a:xfrm>
-            <a:prstGeom prst="rect">
-              <a:avLst/>
-            </a:prstGeom>
-          </p:spPr>
-          <p:style>
-            <a:lnRef idx="2">
-              <a:schemeClr val="accent1">
-                <a:shade val="50000"/>
-              </a:schemeClr>
-            </a:lnRef>
-            <a:fillRef idx="1">
-              <a:schemeClr val="accent1"/>
-            </a:fillRef>
-            <a:effectRef idx="0">
-              <a:schemeClr val="accent1"/>
-            </a:effectRef>
-            <a:fontRef idx="minor">
-              <a:schemeClr val="lt1"/>
-            </a:fontRef>
-          </p:style>
-          <p:txBody>
-            <a:bodyPr rtlCol="0" anchor="ctr"/>
-            <a:lstStyle/>
-            <a:p>
-              <a:pPr algn="ctr"/>
-              <a:r>
-                <a:rPr lang="en-US" dirty="0"/>
-                <a:t>c = 1</a:t>
-              </a:r>
-            </a:p>
-            <a:p>
-              <a:pPr algn="ctr"/>
-              <a:r>
-                <a:rPr lang="en-US" dirty="0" err="1"/>
-                <a:t>s</a:t>
-              </a:r>
-              <a:r>
-                <a:rPr lang="en-US" baseline="-25000" dirty="0" err="1"/>
-                <a:t>c</a:t>
-              </a:r>
-              <a:r>
-                <a:rPr lang="en-US" dirty="0"/>
-                <a:t> = .2</a:t>
-              </a:r>
-            </a:p>
-            <a:p>
-              <a:pPr algn="ctr"/>
-              <a:r>
-                <a:rPr lang="en-US" dirty="0"/>
-                <a:t>p</a:t>
-              </a:r>
-              <a:r>
-                <a:rPr lang="en-US" baseline="-25000" dirty="0"/>
-                <a:t>c</a:t>
-              </a:r>
-              <a:r>
-                <a:rPr lang="en-US" dirty="0"/>
-                <a:t> = .08</a:t>
-              </a:r>
-            </a:p>
-          </p:txBody>
-        </p:sp>
-        <p:sp>
-          <p:nvSpPr>
-            <p:cNvPr id="6" name="Rectangle 5"/>
-            <p:cNvSpPr/>
-            <p:nvPr/>
-          </p:nvSpPr>
-          <p:spPr>
-            <a:xfrm>
-              <a:off x="7840063" y="3201371"/>
-              <a:ext cx="1000927" cy="914400"/>
-            </a:xfrm>
-            <a:prstGeom prst="rect">
-              <a:avLst/>
-            </a:prstGeom>
-          </p:spPr>
-          <p:style>
-            <a:lnRef idx="2">
-              <a:schemeClr val="accent1">
-                <a:shade val="50000"/>
-              </a:schemeClr>
-            </a:lnRef>
-            <a:fillRef idx="1">
-              <a:schemeClr val="accent1"/>
-            </a:fillRef>
-            <a:effectRef idx="0">
-              <a:schemeClr val="accent1"/>
-            </a:effectRef>
-            <a:fontRef idx="minor">
-              <a:schemeClr val="lt1"/>
-            </a:fontRef>
-          </p:style>
-          <p:txBody>
-            <a:bodyPr rtlCol="0" anchor="ctr"/>
-            <a:lstStyle/>
-            <a:p>
-              <a:pPr algn="ctr"/>
-              <a:r>
-                <a:rPr lang="en-US" dirty="0"/>
-                <a:t>c = 2</a:t>
-              </a:r>
-            </a:p>
-            <a:p>
-              <a:pPr algn="ctr"/>
-              <a:r>
-                <a:rPr lang="en-US" dirty="0" err="1"/>
-                <a:t>s</a:t>
-              </a:r>
-              <a:r>
-                <a:rPr lang="en-US" baseline="-25000" dirty="0" err="1"/>
-                <a:t>c</a:t>
-              </a:r>
-              <a:r>
-                <a:rPr lang="en-US" dirty="0"/>
-                <a:t> = .8</a:t>
-              </a:r>
-            </a:p>
-            <a:p>
-              <a:pPr algn="ctr"/>
-              <a:r>
-                <a:rPr lang="en-US" dirty="0"/>
-                <a:t>p</a:t>
-              </a:r>
-              <a:r>
-                <a:rPr lang="en-US" baseline="-25000" dirty="0"/>
-                <a:t>c</a:t>
-              </a:r>
-              <a:r>
-                <a:rPr lang="en-US" dirty="0"/>
-                <a:t> = .6</a:t>
-              </a:r>
-            </a:p>
-          </p:txBody>
-        </p:sp>
-        <p:sp>
-          <p:nvSpPr>
-            <p:cNvPr id="7" name="Rectangle 6"/>
-            <p:cNvSpPr/>
-            <p:nvPr/>
-          </p:nvSpPr>
-          <p:spPr>
-            <a:xfrm>
-              <a:off x="8858921" y="3201371"/>
-              <a:ext cx="914400" cy="914400"/>
-            </a:xfrm>
-            <a:prstGeom prst="rect">
-              <a:avLst/>
-            </a:prstGeom>
-          </p:spPr>
-          <p:style>
-            <a:lnRef idx="2">
-              <a:schemeClr val="accent1">
-                <a:shade val="50000"/>
-              </a:schemeClr>
-            </a:lnRef>
-            <a:fillRef idx="1">
-              <a:schemeClr val="accent1"/>
-            </a:fillRef>
-            <a:effectRef idx="0">
-              <a:schemeClr val="accent1"/>
-            </a:effectRef>
-            <a:fontRef idx="minor">
-              <a:schemeClr val="lt1"/>
-            </a:fontRef>
-          </p:style>
-          <p:txBody>
-            <a:bodyPr rtlCol="0" anchor="ctr"/>
-            <a:lstStyle/>
-            <a:p>
-              <a:pPr algn="ctr"/>
-              <a:r>
-                <a:rPr lang="en-US" dirty="0"/>
-                <a:t>c = 3</a:t>
-              </a:r>
-            </a:p>
-            <a:p>
-              <a:pPr algn="ctr"/>
-              <a:r>
-                <a:rPr lang="en-US" dirty="0" err="1"/>
-                <a:t>s</a:t>
-              </a:r>
-              <a:r>
-                <a:rPr lang="en-US" baseline="-25000" dirty="0" err="1"/>
-                <a:t>c</a:t>
-              </a:r>
-              <a:r>
-                <a:rPr lang="en-US" dirty="0"/>
-                <a:t> = 1</a:t>
-              </a:r>
-            </a:p>
-            <a:p>
-              <a:pPr algn="ctr"/>
-              <a:r>
-                <a:rPr lang="en-US" dirty="0"/>
-                <a:t>p</a:t>
-              </a:r>
-              <a:r>
-                <a:rPr lang="en-US" baseline="-25000" dirty="0"/>
-                <a:t>c</a:t>
-              </a:r>
-              <a:r>
-                <a:rPr lang="en-US" dirty="0"/>
-                <a:t> = 1</a:t>
-              </a:r>
+              <a:endParaRPr lang="en-US"/>
             </a:p>
           </p:txBody>
         </p:sp>
         <p:grpSp>
           <p:nvGrpSpPr>
-            <p:cNvPr id="68" name="Group 67"/>
+            <p:cNvPr id="2" name="Group 1"/>
             <p:cNvGrpSpPr/>
             <p:nvPr/>
           </p:nvGrpSpPr>
           <p:grpSpPr>
             <a:xfrm>
-              <a:off x="3905094" y="4734435"/>
-              <a:ext cx="5868231" cy="658451"/>
-              <a:chOff x="3786558" y="4666703"/>
-              <a:chExt cx="5868231" cy="658451"/>
+              <a:off x="2954216" y="-893884"/>
+              <a:ext cx="9398428" cy="6286770"/>
+              <a:chOff x="2954216" y="-893884"/>
+              <a:chExt cx="9398428" cy="6286770"/>
             </a:xfrm>
           </p:grpSpPr>
+          <p:graphicFrame>
+            <p:nvGraphicFramePr>
+              <p:cNvPr id="5" name="Chart 4"/>
+              <p:cNvGraphicFramePr/>
+              <p:nvPr>
+                <p:extLst>
+                  <p:ext uri="{D42A27DB-BD31-4B8C-83A1-F6EECF244321}">
+                    <p14:modId xmlns:p14="http://schemas.microsoft.com/office/powerpoint/2010/main" val="1271818288"/>
+                  </p:ext>
+                </p:extLst>
+              </p:nvPr>
+            </p:nvGraphicFramePr>
+            <p:xfrm>
+              <a:off x="2954216" y="-893884"/>
+              <a:ext cx="6096000" cy="4101123"/>
+            </p:xfrm>
+            <a:graphic>
+              <a:graphicData uri="http://schemas.openxmlformats.org/drawingml/2006/chart">
+                <c:chart xmlns:c="http://schemas.openxmlformats.org/drawingml/2006/chart" xmlns:r="http://schemas.openxmlformats.org/officeDocument/2006/relationships" r:id="rId2"/>
+              </a:graphicData>
+            </a:graphic>
+          </p:graphicFrame>
+          <p:sp>
+            <p:nvSpPr>
+              <p:cNvPr id="3" name="Rectangle 2"/>
+              <p:cNvSpPr/>
+              <p:nvPr/>
+            </p:nvSpPr>
+            <p:spPr>
+              <a:xfrm>
+                <a:off x="3909647" y="3201371"/>
+                <a:ext cx="969646" cy="914400"/>
+              </a:xfrm>
+              <a:prstGeom prst="rect">
+                <a:avLst/>
+              </a:prstGeom>
+            </p:spPr>
+            <p:style>
+              <a:lnRef idx="2">
+                <a:schemeClr val="accent1">
+                  <a:shade val="50000"/>
+                </a:schemeClr>
+              </a:lnRef>
+              <a:fillRef idx="1">
+                <a:schemeClr val="accent1"/>
+              </a:fillRef>
+              <a:effectRef idx="0">
+                <a:schemeClr val="accent1"/>
+              </a:effectRef>
+              <a:fontRef idx="minor">
+                <a:schemeClr val="lt1"/>
+              </a:fontRef>
+            </p:style>
+            <p:txBody>
+              <a:bodyPr rtlCol="0" anchor="ctr"/>
+              <a:lstStyle/>
+              <a:p>
+                <a:pPr algn="ctr"/>
+                <a:r>
+                  <a:rPr lang="en-US" dirty="0">
+                    <a:solidFill>
+                      <a:schemeClr val="tx1"/>
+                    </a:solidFill>
+                  </a:rPr>
+                  <a:t>c = 0</a:t>
+                </a:r>
+              </a:p>
+              <a:p>
+                <a:pPr algn="ctr"/>
+                <a:r>
+                  <a:rPr lang="en-US" dirty="0">
+                    <a:solidFill>
+                      <a:schemeClr val="tx1"/>
+                    </a:solidFill>
+                  </a:rPr>
+                  <a:t>s</a:t>
+                </a:r>
+                <a:r>
+                  <a:rPr lang="en-US" baseline="-25000" dirty="0">
+                    <a:solidFill>
+                      <a:schemeClr val="tx1"/>
+                    </a:solidFill>
+                  </a:rPr>
+                  <a:t>c</a:t>
+                </a:r>
+                <a:r>
+                  <a:rPr lang="en-US" dirty="0">
+                    <a:solidFill>
+                      <a:schemeClr val="tx1"/>
+                    </a:solidFill>
+                  </a:rPr>
+                  <a:t> = 0</a:t>
+                </a:r>
+              </a:p>
+              <a:p>
+                <a:pPr algn="ctr"/>
+                <a:r>
+                  <a:rPr lang="en-US" dirty="0">
+                    <a:solidFill>
+                      <a:schemeClr val="tx1"/>
+                    </a:solidFill>
+                  </a:rPr>
+                  <a:t>p</a:t>
+                </a:r>
+                <a:r>
+                  <a:rPr lang="en-US" baseline="-25000" dirty="0">
+                    <a:solidFill>
+                      <a:schemeClr val="tx1"/>
+                    </a:solidFill>
+                  </a:rPr>
+                  <a:t>c</a:t>
+                </a:r>
+                <a:r>
+                  <a:rPr lang="en-US" dirty="0">
+                    <a:solidFill>
+                      <a:schemeClr val="tx1"/>
+                    </a:solidFill>
+                  </a:rPr>
+                  <a:t> = .01</a:t>
+                </a:r>
+              </a:p>
+            </p:txBody>
+          </p:sp>
+          <p:sp>
+            <p:nvSpPr>
+              <p:cNvPr id="4" name="Rectangle 3"/>
+              <p:cNvSpPr/>
+              <p:nvPr/>
+            </p:nvSpPr>
+            <p:spPr>
+              <a:xfrm>
+                <a:off x="4883010" y="3201371"/>
+                <a:ext cx="2953052" cy="914400"/>
+              </a:xfrm>
+              <a:prstGeom prst="rect">
+                <a:avLst/>
+              </a:prstGeom>
+            </p:spPr>
+            <p:style>
+              <a:lnRef idx="2">
+                <a:schemeClr val="accent1">
+                  <a:shade val="50000"/>
+                </a:schemeClr>
+              </a:lnRef>
+              <a:fillRef idx="1">
+                <a:schemeClr val="accent1"/>
+              </a:fillRef>
+              <a:effectRef idx="0">
+                <a:schemeClr val="accent1"/>
+              </a:effectRef>
+              <a:fontRef idx="minor">
+                <a:schemeClr val="lt1"/>
+              </a:fontRef>
+            </p:style>
+            <p:txBody>
+              <a:bodyPr rtlCol="0" anchor="ctr"/>
+              <a:lstStyle/>
+              <a:p>
+                <a:pPr algn="ctr"/>
+                <a:r>
+                  <a:rPr lang="en-US" dirty="0">
+                    <a:solidFill>
+                      <a:schemeClr val="tx1"/>
+                    </a:solidFill>
+                  </a:rPr>
+                  <a:t>c = 1</a:t>
+                </a:r>
+              </a:p>
+              <a:p>
+                <a:pPr algn="ctr"/>
+                <a:r>
+                  <a:rPr lang="en-US" dirty="0">
+                    <a:solidFill>
+                      <a:schemeClr val="tx1"/>
+                    </a:solidFill>
+                  </a:rPr>
+                  <a:t>s</a:t>
+                </a:r>
+                <a:r>
+                  <a:rPr lang="en-US" baseline="-25000" dirty="0">
+                    <a:solidFill>
+                      <a:schemeClr val="tx1"/>
+                    </a:solidFill>
+                  </a:rPr>
+                  <a:t>c</a:t>
+                </a:r>
+                <a:r>
+                  <a:rPr lang="en-US" dirty="0">
+                    <a:solidFill>
+                      <a:schemeClr val="tx1"/>
+                    </a:solidFill>
+                  </a:rPr>
+                  <a:t> = .2</a:t>
+                </a:r>
+              </a:p>
+              <a:p>
+                <a:pPr algn="ctr"/>
+                <a:r>
+                  <a:rPr lang="en-US" dirty="0">
+                    <a:solidFill>
+                      <a:schemeClr val="tx1"/>
+                    </a:solidFill>
+                  </a:rPr>
+                  <a:t>p</a:t>
+                </a:r>
+                <a:r>
+                  <a:rPr lang="en-US" baseline="-25000" dirty="0">
+                    <a:solidFill>
+                      <a:schemeClr val="tx1"/>
+                    </a:solidFill>
+                  </a:rPr>
+                  <a:t>c</a:t>
+                </a:r>
+                <a:r>
+                  <a:rPr lang="en-US" dirty="0">
+                    <a:solidFill>
+                      <a:schemeClr val="tx1"/>
+                    </a:solidFill>
+                  </a:rPr>
+                  <a:t> = .08</a:t>
+                </a:r>
+              </a:p>
+            </p:txBody>
+          </p:sp>
+          <p:sp>
+            <p:nvSpPr>
+              <p:cNvPr id="6" name="Rectangle 5"/>
+              <p:cNvSpPr/>
+              <p:nvPr/>
+            </p:nvSpPr>
+            <p:spPr>
+              <a:xfrm>
+                <a:off x="7840063" y="3201371"/>
+                <a:ext cx="1000927" cy="914400"/>
+              </a:xfrm>
+              <a:prstGeom prst="rect">
+                <a:avLst/>
+              </a:prstGeom>
+            </p:spPr>
+            <p:style>
+              <a:lnRef idx="2">
+                <a:schemeClr val="accent1">
+                  <a:shade val="50000"/>
+                </a:schemeClr>
+              </a:lnRef>
+              <a:fillRef idx="1">
+                <a:schemeClr val="accent1"/>
+              </a:fillRef>
+              <a:effectRef idx="0">
+                <a:schemeClr val="accent1"/>
+              </a:effectRef>
+              <a:fontRef idx="minor">
+                <a:schemeClr val="lt1"/>
+              </a:fontRef>
+            </p:style>
+            <p:txBody>
+              <a:bodyPr rtlCol="0" anchor="ctr"/>
+              <a:lstStyle/>
+              <a:p>
+                <a:pPr algn="ctr"/>
+                <a:r>
+                  <a:rPr lang="en-US" dirty="0">
+                    <a:solidFill>
+                      <a:schemeClr val="tx1"/>
+                    </a:solidFill>
+                  </a:rPr>
+                  <a:t>c = 2</a:t>
+                </a:r>
+              </a:p>
+              <a:p>
+                <a:pPr algn="ctr"/>
+                <a:r>
+                  <a:rPr lang="en-US" dirty="0">
+                    <a:solidFill>
+                      <a:schemeClr val="tx1"/>
+                    </a:solidFill>
+                  </a:rPr>
+                  <a:t>s</a:t>
+                </a:r>
+                <a:r>
+                  <a:rPr lang="en-US" baseline="-25000" dirty="0">
+                    <a:solidFill>
+                      <a:schemeClr val="tx1"/>
+                    </a:solidFill>
+                  </a:rPr>
+                  <a:t>c</a:t>
+                </a:r>
+                <a:r>
+                  <a:rPr lang="en-US" dirty="0">
+                    <a:solidFill>
+                      <a:schemeClr val="tx1"/>
+                    </a:solidFill>
+                  </a:rPr>
+                  <a:t> = .8</a:t>
+                </a:r>
+              </a:p>
+              <a:p>
+                <a:pPr algn="ctr"/>
+                <a:r>
+                  <a:rPr lang="en-US" dirty="0">
+                    <a:solidFill>
+                      <a:schemeClr val="tx1"/>
+                    </a:solidFill>
+                  </a:rPr>
+                  <a:t>p</a:t>
+                </a:r>
+                <a:r>
+                  <a:rPr lang="en-US" baseline="-25000" dirty="0">
+                    <a:solidFill>
+                      <a:schemeClr val="tx1"/>
+                    </a:solidFill>
+                  </a:rPr>
+                  <a:t>c</a:t>
+                </a:r>
+                <a:r>
+                  <a:rPr lang="en-US" dirty="0">
+                    <a:solidFill>
+                      <a:schemeClr val="tx1"/>
+                    </a:solidFill>
+                  </a:rPr>
+                  <a:t> = .6</a:t>
+                </a:r>
+              </a:p>
+            </p:txBody>
+          </p:sp>
+          <p:sp>
+            <p:nvSpPr>
+              <p:cNvPr id="7" name="Rectangle 6"/>
+              <p:cNvSpPr/>
+              <p:nvPr/>
+            </p:nvSpPr>
+            <p:spPr>
+              <a:xfrm>
+                <a:off x="8858921" y="3201371"/>
+                <a:ext cx="914400" cy="914400"/>
+              </a:xfrm>
+              <a:prstGeom prst="rect">
+                <a:avLst/>
+              </a:prstGeom>
+            </p:spPr>
+            <p:style>
+              <a:lnRef idx="2">
+                <a:schemeClr val="accent1">
+                  <a:shade val="50000"/>
+                </a:schemeClr>
+              </a:lnRef>
+              <a:fillRef idx="1">
+                <a:schemeClr val="accent1"/>
+              </a:fillRef>
+              <a:effectRef idx="0">
+                <a:schemeClr val="accent1"/>
+              </a:effectRef>
+              <a:fontRef idx="minor">
+                <a:schemeClr val="lt1"/>
+              </a:fontRef>
+            </p:style>
+            <p:txBody>
+              <a:bodyPr rtlCol="0" anchor="ctr"/>
+              <a:lstStyle/>
+              <a:p>
+                <a:pPr algn="ctr"/>
+                <a:r>
+                  <a:rPr lang="en-US" dirty="0">
+                    <a:solidFill>
+                      <a:schemeClr val="tx1"/>
+                    </a:solidFill>
+                  </a:rPr>
+                  <a:t>c = 3</a:t>
+                </a:r>
+              </a:p>
+              <a:p>
+                <a:pPr algn="ctr"/>
+                <a:r>
+                  <a:rPr lang="en-US" dirty="0">
+                    <a:solidFill>
+                      <a:schemeClr val="tx1"/>
+                    </a:solidFill>
+                  </a:rPr>
+                  <a:t>s</a:t>
+                </a:r>
+                <a:r>
+                  <a:rPr lang="en-US" baseline="-25000" dirty="0">
+                    <a:solidFill>
+                      <a:schemeClr val="tx1"/>
+                    </a:solidFill>
+                  </a:rPr>
+                  <a:t>c</a:t>
+                </a:r>
+                <a:r>
+                  <a:rPr lang="en-US" dirty="0">
+                    <a:solidFill>
+                      <a:schemeClr val="tx1"/>
+                    </a:solidFill>
+                  </a:rPr>
+                  <a:t> = 1</a:t>
+                </a:r>
+              </a:p>
+              <a:p>
+                <a:pPr algn="ctr"/>
+                <a:r>
+                  <a:rPr lang="en-US" dirty="0">
+                    <a:solidFill>
+                      <a:schemeClr val="tx1"/>
+                    </a:solidFill>
+                  </a:rPr>
+                  <a:t>p</a:t>
+                </a:r>
+                <a:r>
+                  <a:rPr lang="en-US" baseline="-25000" dirty="0">
+                    <a:solidFill>
+                      <a:schemeClr val="tx1"/>
+                    </a:solidFill>
+                  </a:rPr>
+                  <a:t>c</a:t>
+                </a:r>
+                <a:r>
+                  <a:rPr lang="en-US" dirty="0">
+                    <a:solidFill>
+                      <a:schemeClr val="tx1"/>
+                    </a:solidFill>
+                  </a:rPr>
+                  <a:t> = 1</a:t>
+                </a:r>
+              </a:p>
+            </p:txBody>
+          </p:sp>
           <p:grpSp>
             <p:nvGrpSpPr>
-              <p:cNvPr id="43" name="Group 42"/>
+              <p:cNvPr id="68" name="Group 67"/>
               <p:cNvGrpSpPr/>
               <p:nvPr/>
             </p:nvGrpSpPr>
             <p:grpSpPr>
-              <a:xfrm rot="16200000">
-                <a:off x="6391448" y="2061813"/>
-                <a:ext cx="658451" cy="5868231"/>
-                <a:chOff x="2719754" y="3207239"/>
-                <a:chExt cx="914403" cy="5868231"/>
+              <a:xfrm>
+                <a:off x="3905094" y="4734435"/>
+                <a:ext cx="5868231" cy="658451"/>
+                <a:chOff x="3786558" y="4666703"/>
+                <a:chExt cx="5868231" cy="658451"/>
               </a:xfrm>
             </p:grpSpPr>
+            <p:grpSp>
+              <p:nvGrpSpPr>
+                <p:cNvPr id="43" name="Group 42"/>
+                <p:cNvGrpSpPr/>
+                <p:nvPr/>
+              </p:nvGrpSpPr>
+              <p:grpSpPr>
+                <a:xfrm rot="16200000">
+                  <a:off x="6391448" y="2061813"/>
+                  <a:ext cx="658451" cy="5868231"/>
+                  <a:chOff x="2719754" y="3207239"/>
+                  <a:chExt cx="914403" cy="5868231"/>
+                </a:xfrm>
+              </p:grpSpPr>
+              <p:sp>
+                <p:nvSpPr>
+                  <p:cNvPr id="8" name="Rectangle 7"/>
+                  <p:cNvSpPr/>
+                  <p:nvPr/>
+                </p:nvSpPr>
+                <p:spPr>
+                  <a:xfrm>
+                    <a:off x="2719755" y="3207239"/>
+                    <a:ext cx="914400" cy="457200"/>
+                  </a:xfrm>
+                  <a:prstGeom prst="rect">
+                    <a:avLst/>
+                  </a:prstGeom>
+                </p:spPr>
+                <p:style>
+                  <a:lnRef idx="2">
+                    <a:schemeClr val="accent1"/>
+                  </a:lnRef>
+                  <a:fillRef idx="1">
+                    <a:schemeClr val="lt1"/>
+                  </a:fillRef>
+                  <a:effectRef idx="0">
+                    <a:schemeClr val="accent1"/>
+                  </a:effectRef>
+                  <a:fontRef idx="minor">
+                    <a:schemeClr val="dk1"/>
+                  </a:fontRef>
+                </p:style>
+                <p:txBody>
+                  <a:bodyPr rtlCol="0" anchor="ctr"/>
+                  <a:lstStyle/>
+                  <a:p>
+                    <a:pPr algn="ctr"/>
+                    <a:endParaRPr lang="en-US"/>
+                  </a:p>
+                </p:txBody>
+              </p:sp>
+              <p:sp>
+                <p:nvSpPr>
+                  <p:cNvPr id="9" name="Rectangle 8"/>
+                  <p:cNvSpPr/>
+                  <p:nvPr/>
+                </p:nvSpPr>
+                <p:spPr>
+                  <a:xfrm>
+                    <a:off x="2719757" y="3664439"/>
+                    <a:ext cx="914400" cy="516999"/>
+                  </a:xfrm>
+                  <a:prstGeom prst="rect">
+                    <a:avLst/>
+                  </a:prstGeom>
+                </p:spPr>
+                <p:style>
+                  <a:lnRef idx="2">
+                    <a:schemeClr val="accent1"/>
+                  </a:lnRef>
+                  <a:fillRef idx="1">
+                    <a:schemeClr val="lt1"/>
+                  </a:fillRef>
+                  <a:effectRef idx="0">
+                    <a:schemeClr val="accent1"/>
+                  </a:effectRef>
+                  <a:fontRef idx="minor">
+                    <a:schemeClr val="dk1"/>
+                  </a:fontRef>
+                </p:style>
+                <p:txBody>
+                  <a:bodyPr rtlCol="0" anchor="ctr"/>
+                  <a:lstStyle/>
+                  <a:p>
+                    <a:pPr algn="ctr"/>
+                    <a:endParaRPr lang="en-US"/>
+                  </a:p>
+                </p:txBody>
+              </p:sp>
+              <p:sp>
+                <p:nvSpPr>
+                  <p:cNvPr id="10" name="Rectangle 9"/>
+                  <p:cNvSpPr/>
+                  <p:nvPr/>
+                </p:nvSpPr>
+                <p:spPr>
+                  <a:xfrm>
+                    <a:off x="2719756" y="4181441"/>
+                    <a:ext cx="914400" cy="577798"/>
+                  </a:xfrm>
+                  <a:prstGeom prst="rect">
+                    <a:avLst/>
+                  </a:prstGeom>
+                </p:spPr>
+                <p:style>
+                  <a:lnRef idx="2">
+                    <a:schemeClr val="accent1"/>
+                  </a:lnRef>
+                  <a:fillRef idx="1">
+                    <a:schemeClr val="lt1"/>
+                  </a:fillRef>
+                  <a:effectRef idx="0">
+                    <a:schemeClr val="accent1"/>
+                  </a:effectRef>
+                  <a:fontRef idx="minor">
+                    <a:schemeClr val="dk1"/>
+                  </a:fontRef>
+                </p:style>
+                <p:txBody>
+                  <a:bodyPr rtlCol="0" anchor="ctr"/>
+                  <a:lstStyle/>
+                  <a:p>
+                    <a:pPr algn="ctr"/>
+                    <a:endParaRPr lang="en-US"/>
+                  </a:p>
+                </p:txBody>
+              </p:sp>
+              <p:sp>
+                <p:nvSpPr>
+                  <p:cNvPr id="11" name="Rectangle 10"/>
+                  <p:cNvSpPr/>
+                  <p:nvPr/>
+                </p:nvSpPr>
+                <p:spPr>
+                  <a:xfrm>
+                    <a:off x="2719757" y="4759240"/>
+                    <a:ext cx="914400" cy="562223"/>
+                  </a:xfrm>
+                  <a:prstGeom prst="rect">
+                    <a:avLst/>
+                  </a:prstGeom>
+                </p:spPr>
+                <p:style>
+                  <a:lnRef idx="2">
+                    <a:schemeClr val="accent1"/>
+                  </a:lnRef>
+                  <a:fillRef idx="1">
+                    <a:schemeClr val="lt1"/>
+                  </a:fillRef>
+                  <a:effectRef idx="0">
+                    <a:schemeClr val="accent1"/>
+                  </a:effectRef>
+                  <a:fontRef idx="minor">
+                    <a:schemeClr val="dk1"/>
+                  </a:fontRef>
+                </p:style>
+                <p:txBody>
+                  <a:bodyPr rtlCol="0" anchor="ctr"/>
+                  <a:lstStyle/>
+                  <a:p>
+                    <a:pPr algn="ctr"/>
+                    <a:endParaRPr lang="en-US"/>
+                  </a:p>
+                </p:txBody>
+              </p:sp>
+              <p:sp>
+                <p:nvSpPr>
+                  <p:cNvPr id="12" name="Rectangle 11"/>
+                  <p:cNvSpPr/>
+                  <p:nvPr/>
+                </p:nvSpPr>
+                <p:spPr>
+                  <a:xfrm>
+                    <a:off x="2719755" y="5324290"/>
+                    <a:ext cx="914400" cy="457200"/>
+                  </a:xfrm>
+                  <a:prstGeom prst="rect">
+                    <a:avLst/>
+                  </a:prstGeom>
+                </p:spPr>
+                <p:style>
+                  <a:lnRef idx="2">
+                    <a:schemeClr val="accent1"/>
+                  </a:lnRef>
+                  <a:fillRef idx="1">
+                    <a:schemeClr val="lt1"/>
+                  </a:fillRef>
+                  <a:effectRef idx="0">
+                    <a:schemeClr val="accent1"/>
+                  </a:effectRef>
+                  <a:fontRef idx="minor">
+                    <a:schemeClr val="dk1"/>
+                  </a:fontRef>
+                </p:style>
+                <p:txBody>
+                  <a:bodyPr rtlCol="0" anchor="ctr"/>
+                  <a:lstStyle/>
+                  <a:p>
+                    <a:pPr algn="ctr"/>
+                    <a:endParaRPr lang="en-US"/>
+                  </a:p>
+                </p:txBody>
+              </p:sp>
+              <p:sp>
+                <p:nvSpPr>
+                  <p:cNvPr id="13" name="Rectangle 12"/>
+                  <p:cNvSpPr/>
+                  <p:nvPr/>
+                </p:nvSpPr>
+                <p:spPr>
+                  <a:xfrm>
+                    <a:off x="2719755" y="5781490"/>
+                    <a:ext cx="914400" cy="457200"/>
+                  </a:xfrm>
+                  <a:prstGeom prst="rect">
+                    <a:avLst/>
+                  </a:prstGeom>
+                </p:spPr>
+                <p:style>
+                  <a:lnRef idx="2">
+                    <a:schemeClr val="accent1"/>
+                  </a:lnRef>
+                  <a:fillRef idx="1">
+                    <a:schemeClr val="lt1"/>
+                  </a:fillRef>
+                  <a:effectRef idx="0">
+                    <a:schemeClr val="accent1"/>
+                  </a:effectRef>
+                  <a:fontRef idx="minor">
+                    <a:schemeClr val="dk1"/>
+                  </a:fontRef>
+                </p:style>
+                <p:txBody>
+                  <a:bodyPr rtlCol="0" anchor="ctr"/>
+                  <a:lstStyle/>
+                  <a:p>
+                    <a:pPr algn="ctr"/>
+                    <a:endParaRPr lang="en-US"/>
+                  </a:p>
+                </p:txBody>
+              </p:sp>
+              <p:sp>
+                <p:nvSpPr>
+                  <p:cNvPr id="14" name="Rectangle 13"/>
+                  <p:cNvSpPr/>
+                  <p:nvPr/>
+                </p:nvSpPr>
+                <p:spPr>
+                  <a:xfrm>
+                    <a:off x="2719755" y="6238690"/>
+                    <a:ext cx="914400" cy="457200"/>
+                  </a:xfrm>
+                  <a:prstGeom prst="rect">
+                    <a:avLst/>
+                  </a:prstGeom>
+                </p:spPr>
+                <p:style>
+                  <a:lnRef idx="2">
+                    <a:schemeClr val="accent1"/>
+                  </a:lnRef>
+                  <a:fillRef idx="1">
+                    <a:schemeClr val="lt1"/>
+                  </a:fillRef>
+                  <a:effectRef idx="0">
+                    <a:schemeClr val="accent1"/>
+                  </a:effectRef>
+                  <a:fontRef idx="minor">
+                    <a:schemeClr val="dk1"/>
+                  </a:fontRef>
+                </p:style>
+                <p:txBody>
+                  <a:bodyPr rtlCol="0" anchor="ctr"/>
+                  <a:lstStyle/>
+                  <a:p>
+                    <a:pPr algn="ctr"/>
+                    <a:endParaRPr lang="en-US"/>
+                  </a:p>
+                </p:txBody>
+              </p:sp>
+              <p:sp>
+                <p:nvSpPr>
+                  <p:cNvPr id="15" name="Rectangle 14"/>
+                  <p:cNvSpPr/>
+                  <p:nvPr/>
+                </p:nvSpPr>
+                <p:spPr>
+                  <a:xfrm>
+                    <a:off x="2719755" y="6695890"/>
+                    <a:ext cx="914400" cy="457200"/>
+                  </a:xfrm>
+                  <a:prstGeom prst="rect">
+                    <a:avLst/>
+                  </a:prstGeom>
+                </p:spPr>
+                <p:style>
+                  <a:lnRef idx="2">
+                    <a:schemeClr val="accent1"/>
+                  </a:lnRef>
+                  <a:fillRef idx="1">
+                    <a:schemeClr val="lt1"/>
+                  </a:fillRef>
+                  <a:effectRef idx="0">
+                    <a:schemeClr val="accent1"/>
+                  </a:effectRef>
+                  <a:fontRef idx="minor">
+                    <a:schemeClr val="dk1"/>
+                  </a:fontRef>
+                </p:style>
+                <p:txBody>
+                  <a:bodyPr rtlCol="0" anchor="ctr"/>
+                  <a:lstStyle/>
+                  <a:p>
+                    <a:pPr algn="ctr"/>
+                    <a:endParaRPr lang="en-US"/>
+                  </a:p>
+                </p:txBody>
+              </p:sp>
+              <p:sp>
+                <p:nvSpPr>
+                  <p:cNvPr id="16" name="Rectangle 15"/>
+                  <p:cNvSpPr/>
+                  <p:nvPr/>
+                </p:nvSpPr>
+                <p:spPr>
+                  <a:xfrm>
+                    <a:off x="2719754" y="7153074"/>
+                    <a:ext cx="914400" cy="478067"/>
+                  </a:xfrm>
+                  <a:prstGeom prst="rect">
+                    <a:avLst/>
+                  </a:prstGeom>
+                </p:spPr>
+                <p:style>
+                  <a:lnRef idx="2">
+                    <a:schemeClr val="accent1"/>
+                  </a:lnRef>
+                  <a:fillRef idx="1">
+                    <a:schemeClr val="lt1"/>
+                  </a:fillRef>
+                  <a:effectRef idx="0">
+                    <a:schemeClr val="accent1"/>
+                  </a:effectRef>
+                  <a:fontRef idx="minor">
+                    <a:schemeClr val="dk1"/>
+                  </a:fontRef>
+                </p:style>
+                <p:txBody>
+                  <a:bodyPr rtlCol="0" anchor="ctr"/>
+                  <a:lstStyle/>
+                  <a:p>
+                    <a:pPr algn="ctr"/>
+                    <a:endParaRPr lang="en-US"/>
+                  </a:p>
+                </p:txBody>
+              </p:sp>
+              <p:sp>
+                <p:nvSpPr>
+                  <p:cNvPr id="17" name="Rectangle 16"/>
+                  <p:cNvSpPr/>
+                  <p:nvPr/>
+                </p:nvSpPr>
+                <p:spPr>
+                  <a:xfrm>
+                    <a:off x="2719756" y="7631140"/>
+                    <a:ext cx="914401" cy="524263"/>
+                  </a:xfrm>
+                  <a:prstGeom prst="rect">
+                    <a:avLst/>
+                  </a:prstGeom>
+                </p:spPr>
+                <p:style>
+                  <a:lnRef idx="2">
+                    <a:schemeClr val="accent1"/>
+                  </a:lnRef>
+                  <a:fillRef idx="1">
+                    <a:schemeClr val="lt1"/>
+                  </a:fillRef>
+                  <a:effectRef idx="0">
+                    <a:schemeClr val="accent1"/>
+                  </a:effectRef>
+                  <a:fontRef idx="minor">
+                    <a:schemeClr val="dk1"/>
+                  </a:fontRef>
+                </p:style>
+                <p:txBody>
+                  <a:bodyPr rtlCol="0" anchor="ctr"/>
+                  <a:lstStyle/>
+                  <a:p>
+                    <a:pPr algn="ctr"/>
+                    <a:endParaRPr lang="en-US"/>
+                  </a:p>
+                </p:txBody>
+              </p:sp>
+              <p:sp>
+                <p:nvSpPr>
+                  <p:cNvPr id="18" name="Rectangle 17"/>
+                  <p:cNvSpPr/>
+                  <p:nvPr/>
+                </p:nvSpPr>
+                <p:spPr>
+                  <a:xfrm>
+                    <a:off x="2719757" y="8155401"/>
+                    <a:ext cx="914400" cy="920069"/>
+                  </a:xfrm>
+                  <a:prstGeom prst="rect">
+                    <a:avLst/>
+                  </a:prstGeom>
+                </p:spPr>
+                <p:style>
+                  <a:lnRef idx="2">
+                    <a:schemeClr val="accent1"/>
+                  </a:lnRef>
+                  <a:fillRef idx="1">
+                    <a:schemeClr val="lt1"/>
+                  </a:fillRef>
+                  <a:effectRef idx="0">
+                    <a:schemeClr val="accent1"/>
+                  </a:effectRef>
+                  <a:fontRef idx="minor">
+                    <a:schemeClr val="dk1"/>
+                  </a:fontRef>
+                </p:style>
+                <p:txBody>
+                  <a:bodyPr rtlCol="0" anchor="ctr"/>
+                  <a:lstStyle/>
+                  <a:p>
+                    <a:pPr algn="ctr"/>
+                    <a:endParaRPr lang="en-US"/>
+                  </a:p>
+                </p:txBody>
+              </p:sp>
+            </p:grpSp>
             <p:sp>
               <p:nvSpPr>
-                <p:cNvPr id="8" name="Rectangle 7"/>
-                <p:cNvSpPr/>
+                <p:cNvPr id="19" name="TextBox 18"/>
+                <p:cNvSpPr txBox="1"/>
                 <p:nvPr/>
               </p:nvSpPr>
               <p:spPr>
                 <a:xfrm>
-                  <a:off x="2719755" y="3207239"/>
-                  <a:ext cx="914400" cy="457200"/>
+                  <a:off x="3824655" y="4811264"/>
+                  <a:ext cx="381000" cy="369332"/>
                 </a:xfrm>
                 <a:prstGeom prst="rect">
                   <a:avLst/>
                 </a:prstGeom>
+                <a:noFill/>
               </p:spPr>
-              <p:style>
-                <a:lnRef idx="2">
-                  <a:schemeClr val="accent1"/>
-                </a:lnRef>
-                <a:fillRef idx="1">
-                  <a:schemeClr val="lt1"/>
-                </a:fillRef>
-                <a:effectRef idx="0">
-                  <a:schemeClr val="accent1"/>
-                </a:effectRef>
-                <a:fontRef idx="minor">
-                  <a:schemeClr val="dk1"/>
-                </a:fontRef>
-              </p:style>
               <p:txBody>
-                <a:bodyPr rtlCol="0" anchor="ctr"/>
+                <a:bodyPr wrap="square" rtlCol="0">
+                  <a:spAutoFit/>
+                </a:bodyPr>
                 <a:lstStyle/>
                 <a:p>
                   <a:pPr algn="ctr"/>
-                  <a:endParaRPr lang="en-US"/>
+                  <a:r>
+                    <a:rPr lang="en-US" dirty="0"/>
+                    <a:t>0</a:t>
+                  </a:r>
                 </a:p>
               </p:txBody>
             </p:sp>
             <p:sp>
               <p:nvSpPr>
-                <p:cNvPr id="9" name="Rectangle 8"/>
-                <p:cNvSpPr/>
+                <p:cNvPr id="20" name="TextBox 19"/>
+                <p:cNvSpPr txBox="1"/>
                 <p:nvPr/>
               </p:nvSpPr>
               <p:spPr>
                 <a:xfrm>
-                  <a:off x="2719757" y="3664439"/>
-                  <a:ext cx="914400" cy="516999"/>
+                  <a:off x="4205655" y="4811264"/>
+                  <a:ext cx="533400" cy="369332"/>
                 </a:xfrm>
                 <a:prstGeom prst="rect">
                   <a:avLst/>
                 </a:prstGeom>
+                <a:noFill/>
               </p:spPr>
-              <p:style>
-                <a:lnRef idx="2">
-                  <a:schemeClr val="accent1"/>
-                </a:lnRef>
-                <a:fillRef idx="1">
-                  <a:schemeClr val="lt1"/>
-                </a:fillRef>
-                <a:effectRef idx="0">
-                  <a:schemeClr val="accent1"/>
-                </a:effectRef>
-                <a:fontRef idx="minor">
-                  <a:schemeClr val="dk1"/>
-                </a:fontRef>
-              </p:style>
               <p:txBody>
-                <a:bodyPr rtlCol="0" anchor="ctr"/>
+                <a:bodyPr wrap="square" rtlCol="0">
+                  <a:spAutoFit/>
+                </a:bodyPr>
                 <a:lstStyle/>
                 <a:p>
                   <a:pPr algn="ctr"/>
-                  <a:endParaRPr lang="en-US"/>
+                  <a:r>
+                    <a:rPr lang="en-US" dirty="0"/>
+                    <a:t>0.1</a:t>
+                  </a:r>
                 </a:p>
               </p:txBody>
             </p:sp>
             <p:sp>
               <p:nvSpPr>
-                <p:cNvPr id="10" name="Rectangle 9"/>
-                <p:cNvSpPr/>
+                <p:cNvPr id="21" name="TextBox 20"/>
+                <p:cNvSpPr txBox="1"/>
                 <p:nvPr/>
               </p:nvSpPr>
               <p:spPr>
                 <a:xfrm>
-                  <a:off x="2719756" y="4181441"/>
-                  <a:ext cx="914400" cy="577798"/>
+                  <a:off x="4802000" y="4811264"/>
+                  <a:ext cx="533400" cy="369332"/>
                 </a:xfrm>
                 <a:prstGeom prst="rect">
                   <a:avLst/>
                 </a:prstGeom>
+                <a:noFill/>
               </p:spPr>
-              <p:style>
-                <a:lnRef idx="2">
-                  <a:schemeClr val="accent1"/>
-                </a:lnRef>
-                <a:fillRef idx="1">
-                  <a:schemeClr val="lt1"/>
-                </a:fillRef>
-                <a:effectRef idx="0">
-                  <a:schemeClr val="accent1"/>
-                </a:effectRef>
-                <a:fontRef idx="minor">
-                  <a:schemeClr val="dk1"/>
-                </a:fontRef>
-              </p:style>
               <p:txBody>
-                <a:bodyPr rtlCol="0" anchor="ctr"/>
+                <a:bodyPr wrap="square" rtlCol="0">
+                  <a:spAutoFit/>
+                </a:bodyPr>
                 <a:lstStyle/>
                 <a:p>
                   <a:pPr algn="ctr"/>
-                  <a:endParaRPr lang="en-US"/>
+                  <a:r>
+                    <a:rPr lang="en-US" dirty="0"/>
+                    <a:t>0.2</a:t>
+                  </a:r>
                 </a:p>
               </p:txBody>
             </p:sp>
             <p:sp>
               <p:nvSpPr>
-                <p:cNvPr id="11" name="Rectangle 10"/>
-                <p:cNvSpPr/>
+                <p:cNvPr id="22" name="TextBox 21"/>
+                <p:cNvSpPr txBox="1"/>
                 <p:nvPr/>
               </p:nvSpPr>
               <p:spPr>
                 <a:xfrm>
-                  <a:off x="2719757" y="4759240"/>
-                  <a:ext cx="914400" cy="562223"/>
+                  <a:off x="5367382" y="4818048"/>
+                  <a:ext cx="533400" cy="369332"/>
                 </a:xfrm>
                 <a:prstGeom prst="rect">
                   <a:avLst/>
                 </a:prstGeom>
+                <a:noFill/>
               </p:spPr>
-              <p:style>
-                <a:lnRef idx="2">
-                  <a:schemeClr val="accent1"/>
-                </a:lnRef>
-                <a:fillRef idx="1">
-                  <a:schemeClr val="lt1"/>
-                </a:fillRef>
-                <a:effectRef idx="0">
-                  <a:schemeClr val="accent1"/>
-                </a:effectRef>
-                <a:fontRef idx="minor">
-                  <a:schemeClr val="dk1"/>
-                </a:fontRef>
-              </p:style>
               <p:txBody>
-                <a:bodyPr rtlCol="0" anchor="ctr"/>
+                <a:bodyPr wrap="square" rtlCol="0">
+                  <a:spAutoFit/>
+                </a:bodyPr>
                 <a:lstStyle/>
                 <a:p>
                   <a:pPr algn="ctr"/>
-                  <a:endParaRPr lang="en-US"/>
+                  <a:r>
+                    <a:rPr lang="en-US" dirty="0"/>
+                    <a:t>0.3</a:t>
+                  </a:r>
                 </a:p>
               </p:txBody>
             </p:sp>
             <p:sp>
               <p:nvSpPr>
-                <p:cNvPr id="12" name="Rectangle 11"/>
-                <p:cNvSpPr/>
+                <p:cNvPr id="23" name="TextBox 22"/>
+                <p:cNvSpPr txBox="1"/>
                 <p:nvPr/>
               </p:nvSpPr>
               <p:spPr>
                 <a:xfrm>
-                  <a:off x="2719755" y="5324290"/>
-                  <a:ext cx="914400" cy="457200"/>
+                  <a:off x="5878994" y="4824832"/>
+                  <a:ext cx="533400" cy="369332"/>
                 </a:xfrm>
                 <a:prstGeom prst="rect">
                   <a:avLst/>
                 </a:prstGeom>
+                <a:noFill/>
               </p:spPr>
-              <p:style>
-                <a:lnRef idx="2">
-                  <a:schemeClr val="accent1"/>
-                </a:lnRef>
-                <a:fillRef idx="1">
-                  <a:schemeClr val="lt1"/>
-                </a:fillRef>
-                <a:effectRef idx="0">
-                  <a:schemeClr val="accent1"/>
-                </a:effectRef>
-                <a:fontRef idx="minor">
-                  <a:schemeClr val="dk1"/>
-                </a:fontRef>
-              </p:style>
               <p:txBody>
-                <a:bodyPr rtlCol="0" anchor="ctr"/>
+                <a:bodyPr wrap="square" rtlCol="0">
+                  <a:spAutoFit/>
+                </a:bodyPr>
                 <a:lstStyle/>
                 <a:p>
                   <a:pPr algn="ctr"/>
-                  <a:endParaRPr lang="en-US"/>
+                  <a:r>
+                    <a:rPr lang="en-US" dirty="0"/>
+                    <a:t>0.4</a:t>
+                  </a:r>
                 </a:p>
               </p:txBody>
             </p:sp>
             <p:sp>
               <p:nvSpPr>
-                <p:cNvPr id="13" name="Rectangle 12"/>
-                <p:cNvSpPr/>
+                <p:cNvPr id="24" name="TextBox 23"/>
+                <p:cNvSpPr txBox="1"/>
                 <p:nvPr/>
               </p:nvSpPr>
               <p:spPr>
                 <a:xfrm>
-                  <a:off x="2719755" y="5781490"/>
-                  <a:ext cx="914400" cy="457200"/>
+                  <a:off x="6336193" y="4824832"/>
+                  <a:ext cx="533400" cy="369332"/>
                 </a:xfrm>
                 <a:prstGeom prst="rect">
                   <a:avLst/>
                 </a:prstGeom>
+                <a:noFill/>
               </p:spPr>
-              <p:style>
-                <a:lnRef idx="2">
-                  <a:schemeClr val="accent1"/>
-                </a:lnRef>
-                <a:fillRef idx="1">
-                  <a:schemeClr val="lt1"/>
-                </a:fillRef>
-                <a:effectRef idx="0">
-                  <a:schemeClr val="accent1"/>
-                </a:effectRef>
-                <a:fontRef idx="minor">
-                  <a:schemeClr val="dk1"/>
-                </a:fontRef>
-              </p:style>
               <p:txBody>
-                <a:bodyPr rtlCol="0" anchor="ctr"/>
+                <a:bodyPr wrap="square" rtlCol="0">
+                  <a:spAutoFit/>
+                </a:bodyPr>
                 <a:lstStyle/>
                 <a:p>
                   <a:pPr algn="ctr"/>
-                  <a:endParaRPr lang="en-US"/>
+                  <a:r>
+                    <a:rPr lang="en-US" dirty="0"/>
+                    <a:t>0.5</a:t>
+                  </a:r>
                 </a:p>
               </p:txBody>
             </p:sp>
             <p:sp>
               <p:nvSpPr>
-                <p:cNvPr id="14" name="Rectangle 13"/>
-                <p:cNvSpPr/>
+                <p:cNvPr id="25" name="TextBox 24"/>
+                <p:cNvSpPr txBox="1"/>
                 <p:nvPr/>
               </p:nvSpPr>
               <p:spPr>
                 <a:xfrm>
-                  <a:off x="2719755" y="6238690"/>
-                  <a:ext cx="914400" cy="457200"/>
+                  <a:off x="6793393" y="4811264"/>
+                  <a:ext cx="533400" cy="369332"/>
                 </a:xfrm>
                 <a:prstGeom prst="rect">
                   <a:avLst/>
                 </a:prstGeom>
+                <a:noFill/>
               </p:spPr>
-              <p:style>
-                <a:lnRef idx="2">
-                  <a:schemeClr val="accent1"/>
-                </a:lnRef>
-                <a:fillRef idx="1">
-                  <a:schemeClr val="lt1"/>
-                </a:fillRef>
-                <a:effectRef idx="0">
-                  <a:schemeClr val="accent1"/>
-                </a:effectRef>
-                <a:fontRef idx="minor">
-                  <a:schemeClr val="dk1"/>
-                </a:fontRef>
-              </p:style>
               <p:txBody>
-                <a:bodyPr rtlCol="0" anchor="ctr"/>
+                <a:bodyPr wrap="square" rtlCol="0">
+                  <a:spAutoFit/>
+                </a:bodyPr>
                 <a:lstStyle/>
                 <a:p>
                   <a:pPr algn="ctr"/>
-                  <a:endParaRPr lang="en-US"/>
+                  <a:r>
+                    <a:rPr lang="en-US" dirty="0"/>
+                    <a:t>0.6</a:t>
+                  </a:r>
                 </a:p>
               </p:txBody>
             </p:sp>
             <p:sp>
               <p:nvSpPr>
-                <p:cNvPr id="15" name="Rectangle 14"/>
-                <p:cNvSpPr/>
+                <p:cNvPr id="26" name="TextBox 25"/>
+                <p:cNvSpPr txBox="1"/>
                 <p:nvPr/>
               </p:nvSpPr>
               <p:spPr>
                 <a:xfrm>
-                  <a:off x="2719755" y="6695890"/>
-                  <a:ext cx="914400" cy="457200"/>
+                  <a:off x="7268178" y="4824832"/>
+                  <a:ext cx="533400" cy="369332"/>
                 </a:xfrm>
                 <a:prstGeom prst="rect">
                   <a:avLst/>
                 </a:prstGeom>
+                <a:noFill/>
               </p:spPr>
-              <p:style>
-                <a:lnRef idx="2">
-                  <a:schemeClr val="accent1"/>
-                </a:lnRef>
-                <a:fillRef idx="1">
-                  <a:schemeClr val="lt1"/>
-                </a:fillRef>
-                <a:effectRef idx="0">
-                  <a:schemeClr val="accent1"/>
-                </a:effectRef>
-                <a:fontRef idx="minor">
-                  <a:schemeClr val="dk1"/>
-                </a:fontRef>
-              </p:style>
               <p:txBody>
-                <a:bodyPr rtlCol="0" anchor="ctr"/>
+                <a:bodyPr wrap="square" rtlCol="0">
+                  <a:spAutoFit/>
+                </a:bodyPr>
                 <a:lstStyle/>
                 <a:p>
                   <a:pPr algn="ctr"/>
-                  <a:endParaRPr lang="en-US"/>
+                  <a:r>
+                    <a:rPr lang="en-US" dirty="0"/>
+                    <a:t>0.7</a:t>
+                  </a:r>
                 </a:p>
               </p:txBody>
             </p:sp>
             <p:sp>
               <p:nvSpPr>
-                <p:cNvPr id="16" name="Rectangle 15"/>
-                <p:cNvSpPr/>
+                <p:cNvPr id="27" name="TextBox 26"/>
+                <p:cNvSpPr txBox="1"/>
                 <p:nvPr/>
               </p:nvSpPr>
               <p:spPr>
                 <a:xfrm>
-                  <a:off x="2719754" y="7153074"/>
-                  <a:ext cx="914400" cy="478067"/>
+                  <a:off x="7732392" y="4835531"/>
+                  <a:ext cx="533400" cy="369332"/>
                 </a:xfrm>
                 <a:prstGeom prst="rect">
                   <a:avLst/>
                 </a:prstGeom>
+                <a:noFill/>
               </p:spPr>
-              <p:style>
-                <a:lnRef idx="2">
-                  <a:schemeClr val="accent1"/>
-                </a:lnRef>
-                <a:fillRef idx="1">
-                  <a:schemeClr val="lt1"/>
-                </a:fillRef>
-                <a:effectRef idx="0">
-                  <a:schemeClr val="accent1"/>
-                </a:effectRef>
-                <a:fontRef idx="minor">
-                  <a:schemeClr val="dk1"/>
-                </a:fontRef>
-              </p:style>
               <p:txBody>
-                <a:bodyPr rtlCol="0" anchor="ctr"/>
+                <a:bodyPr wrap="square" rtlCol="0">
+                  <a:spAutoFit/>
+                </a:bodyPr>
                 <a:lstStyle/>
                 <a:p>
                   <a:pPr algn="ctr"/>
-                  <a:endParaRPr lang="en-US"/>
+                  <a:r>
+                    <a:rPr lang="en-US" dirty="0"/>
+                    <a:t>0.8</a:t>
+                  </a:r>
                 </a:p>
               </p:txBody>
             </p:sp>
             <p:sp>
               <p:nvSpPr>
-                <p:cNvPr id="17" name="Rectangle 16"/>
-                <p:cNvSpPr/>
+                <p:cNvPr id="28" name="TextBox 27"/>
+                <p:cNvSpPr txBox="1"/>
                 <p:nvPr/>
               </p:nvSpPr>
               <p:spPr>
                 <a:xfrm>
-                  <a:off x="2719756" y="7631140"/>
-                  <a:ext cx="914401" cy="524263"/>
+                  <a:off x="8138889" y="4824832"/>
+                  <a:ext cx="533400" cy="369332"/>
                 </a:xfrm>
                 <a:prstGeom prst="rect">
                   <a:avLst/>
                 </a:prstGeom>
+                <a:noFill/>
               </p:spPr>
-              <p:style>
-                <a:lnRef idx="2">
-                  <a:schemeClr val="accent1"/>
-                </a:lnRef>
-                <a:fillRef idx="1">
-                  <a:schemeClr val="lt1"/>
-                </a:fillRef>
-                <a:effectRef idx="0">
-                  <a:schemeClr val="accent1"/>
-                </a:effectRef>
-                <a:fontRef idx="minor">
-                  <a:schemeClr val="dk1"/>
-                </a:fontRef>
-              </p:style>
               <p:txBody>
-                <a:bodyPr rtlCol="0" anchor="ctr"/>
+                <a:bodyPr wrap="square" rtlCol="0">
+                  <a:spAutoFit/>
+                </a:bodyPr>
                 <a:lstStyle/>
                 <a:p>
                   <a:pPr algn="ctr"/>
-                  <a:endParaRPr lang="en-US"/>
+                  <a:r>
+                    <a:rPr lang="en-US" dirty="0"/>
+                    <a:t>0.9</a:t>
+                  </a:r>
                 </a:p>
               </p:txBody>
             </p:sp>
             <p:sp>
               <p:nvSpPr>
-                <p:cNvPr id="18" name="Rectangle 17"/>
-                <p:cNvSpPr/>
+                <p:cNvPr id="29" name="TextBox 28"/>
+                <p:cNvSpPr txBox="1"/>
                 <p:nvPr/>
               </p:nvSpPr>
               <p:spPr>
                 <a:xfrm>
-                  <a:off x="2719757" y="8155401"/>
-                  <a:ext cx="914400" cy="920069"/>
+                  <a:off x="8931680" y="4811264"/>
+                  <a:ext cx="533400" cy="369332"/>
                 </a:xfrm>
                 <a:prstGeom prst="rect">
                   <a:avLst/>
                 </a:prstGeom>
+                <a:noFill/>
               </p:spPr>
-              <p:style>
-                <a:lnRef idx="2">
-                  <a:schemeClr val="accent1"/>
-                </a:lnRef>
-                <a:fillRef idx="1">
-                  <a:schemeClr val="lt1"/>
-                </a:fillRef>
-                <a:effectRef idx="0">
-                  <a:schemeClr val="accent1"/>
-                </a:effectRef>
-                <a:fontRef idx="minor">
-                  <a:schemeClr val="dk1"/>
-                </a:fontRef>
-              </p:style>
               <p:txBody>
-                <a:bodyPr rtlCol="0" anchor="ctr"/>
+                <a:bodyPr wrap="square" rtlCol="0">
+                  <a:spAutoFit/>
+                </a:bodyPr>
                 <a:lstStyle/>
                 <a:p>
                   <a:pPr algn="ctr"/>
-                  <a:endParaRPr lang="en-US"/>
+                  <a:r>
+                    <a:rPr lang="en-US" dirty="0"/>
+                    <a:t>1</a:t>
+                  </a:r>
                 </a:p>
               </p:txBody>
             </p:sp>
           </p:grpSp>
           <p:sp>
             <p:nvSpPr>
-              <p:cNvPr id="19" name="TextBox 18"/>
+              <p:cNvPr id="41" name="TextBox 40"/>
               <p:cNvSpPr txBox="1"/>
               <p:nvPr/>
             </p:nvSpPr>
             <p:spPr>
               <a:xfrm>
-                <a:off x="3824655" y="4811264"/>
-                <a:ext cx="381000" cy="369332"/>
+                <a:off x="9583616" y="4822302"/>
+                <a:ext cx="2215662" cy="369332"/>
               </a:xfrm>
               <a:prstGeom prst="rect">
                 <a:avLst/>
@@ -21750,21 +22298,21 @@
                 <a:pPr algn="ctr"/>
                 <a:r>
                   <a:rPr lang="en-US" dirty="0"/>
-                  <a:t>0</a:t>
+                  <a:t>Speedup Index</a:t>
                 </a:r>
               </a:p>
             </p:txBody>
           </p:sp>
           <p:sp>
             <p:nvSpPr>
-              <p:cNvPr id="20" name="TextBox 19"/>
+              <p:cNvPr id="42" name="TextBox 41"/>
               <p:cNvSpPr txBox="1"/>
               <p:nvPr/>
             </p:nvSpPr>
             <p:spPr>
               <a:xfrm>
-                <a:off x="4205655" y="4811264"/>
-                <a:ext cx="533400" cy="369332"/>
+                <a:off x="9348972" y="3473905"/>
+                <a:ext cx="3003672" cy="369332"/>
               </a:xfrm>
               <a:prstGeom prst="rect">
                 <a:avLst/>
@@ -21780,971 +22328,681 @@
                 <a:pPr algn="ctr"/>
                 <a:r>
                   <a:rPr lang="en-US" dirty="0"/>
-                  <a:t>0.1</a:t>
+                  <a:t>Configuration Array</a:t>
                 </a:r>
               </a:p>
             </p:txBody>
           </p:sp>
-          <p:sp>
-            <p:nvSpPr>
-              <p:cNvPr id="21" name="TextBox 20"/>
-              <p:cNvSpPr txBox="1"/>
+          <p:cxnSp>
+            <p:nvCxnSpPr>
+              <p:cNvPr id="70" name="Straight Connector 69"/>
+              <p:cNvCxnSpPr/>
               <p:nvPr/>
-            </p:nvSpPr>
+            </p:nvCxnSpPr>
             <p:spPr>
               <a:xfrm>
-                <a:off x="4802000" y="4811264"/>
-                <a:ext cx="533400" cy="369332"/>
+                <a:off x="3909647" y="2303585"/>
+                <a:ext cx="0" cy="897786"/>
               </a:xfrm>
-              <a:prstGeom prst="rect">
+              <a:prstGeom prst="line">
                 <a:avLst/>
               </a:prstGeom>
-              <a:noFill/>
+              <a:ln>
+                <a:solidFill>
+                  <a:schemeClr val="bg1">
+                    <a:lumMod val="65000"/>
+                  </a:schemeClr>
+                </a:solidFill>
+                <a:prstDash val="dash"/>
+              </a:ln>
             </p:spPr>
-            <p:txBody>
-              <a:bodyPr wrap="square" rtlCol="0">
-                <a:spAutoFit/>
-              </a:bodyPr>
-              <a:lstStyle/>
-              <a:p>
-                <a:pPr algn="ctr"/>
-                <a:r>
-                  <a:rPr lang="en-US" dirty="0"/>
-                  <a:t>0.2</a:t>
-                </a:r>
-              </a:p>
-            </p:txBody>
-          </p:sp>
-          <p:sp>
-            <p:nvSpPr>
-              <p:cNvPr id="22" name="TextBox 21"/>
-              <p:cNvSpPr txBox="1"/>
+            <p:style>
+              <a:lnRef idx="1">
+                <a:schemeClr val="accent1"/>
+              </a:lnRef>
+              <a:fillRef idx="0">
+                <a:schemeClr val="accent1"/>
+              </a:fillRef>
+              <a:effectRef idx="0">
+                <a:schemeClr val="accent1"/>
+              </a:effectRef>
+              <a:fontRef idx="minor">
+                <a:schemeClr val="tx1"/>
+              </a:fontRef>
+            </p:style>
+          </p:cxnSp>
+          <p:cxnSp>
+            <p:nvCxnSpPr>
+              <p:cNvPr id="71" name="Straight Connector 70"/>
+              <p:cNvCxnSpPr/>
               <p:nvPr/>
-            </p:nvSpPr>
+            </p:nvCxnSpPr>
+            <p:spPr>
+              <a:xfrm flipH="1">
+                <a:off x="4884957" y="2133010"/>
+                <a:ext cx="3448" cy="1068361"/>
+              </a:xfrm>
+              <a:prstGeom prst="line">
+                <a:avLst/>
+              </a:prstGeom>
+              <a:ln>
+                <a:solidFill>
+                  <a:schemeClr val="bg1">
+                    <a:lumMod val="65000"/>
+                  </a:schemeClr>
+                </a:solidFill>
+                <a:prstDash val="dash"/>
+              </a:ln>
+            </p:spPr>
+            <p:style>
+              <a:lnRef idx="1">
+                <a:schemeClr val="accent1"/>
+              </a:lnRef>
+              <a:fillRef idx="0">
+                <a:schemeClr val="accent1"/>
+              </a:fillRef>
+              <a:effectRef idx="0">
+                <a:schemeClr val="accent1"/>
+              </a:effectRef>
+              <a:fontRef idx="minor">
+                <a:schemeClr val="tx1"/>
+              </a:fontRef>
+            </p:style>
+          </p:cxnSp>
+          <p:cxnSp>
+            <p:nvCxnSpPr>
+              <p:cNvPr id="73" name="Straight Connector 72"/>
+              <p:cNvCxnSpPr/>
+              <p:nvPr/>
+            </p:nvCxnSpPr>
             <p:spPr>
               <a:xfrm>
-                <a:off x="5367382" y="4818048"/>
-                <a:ext cx="533400" cy="369332"/>
+                <a:off x="7836062" y="803435"/>
+                <a:ext cx="0" cy="2397936"/>
               </a:xfrm>
-              <a:prstGeom prst="rect">
+              <a:prstGeom prst="line">
                 <a:avLst/>
               </a:prstGeom>
-              <a:noFill/>
+              <a:ln>
+                <a:solidFill>
+                  <a:schemeClr val="bg1">
+                    <a:lumMod val="65000"/>
+                  </a:schemeClr>
+                </a:solidFill>
+                <a:prstDash val="dash"/>
+              </a:ln>
             </p:spPr>
-            <p:txBody>
-              <a:bodyPr wrap="square" rtlCol="0">
-                <a:spAutoFit/>
-              </a:bodyPr>
-              <a:lstStyle/>
-              <a:p>
-                <a:pPr algn="ctr"/>
-                <a:r>
-                  <a:rPr lang="en-US" dirty="0"/>
-                  <a:t>0.3</a:t>
-                </a:r>
-              </a:p>
-            </p:txBody>
-          </p:sp>
-          <p:sp>
-            <p:nvSpPr>
-              <p:cNvPr id="23" name="TextBox 22"/>
-              <p:cNvSpPr txBox="1"/>
+            <p:style>
+              <a:lnRef idx="1">
+                <a:schemeClr val="accent1"/>
+              </a:lnRef>
+              <a:fillRef idx="0">
+                <a:schemeClr val="accent1"/>
+              </a:fillRef>
+              <a:effectRef idx="0">
+                <a:schemeClr val="accent1"/>
+              </a:effectRef>
+              <a:fontRef idx="minor">
+                <a:schemeClr val="tx1"/>
+              </a:fontRef>
+            </p:style>
+          </p:cxnSp>
+          <p:cxnSp>
+            <p:nvCxnSpPr>
+              <p:cNvPr id="76" name="Straight Connector 75"/>
+              <p:cNvCxnSpPr/>
               <p:nvPr/>
-            </p:nvSpPr>
+            </p:nvCxnSpPr>
             <p:spPr>
               <a:xfrm>
-                <a:off x="5878994" y="4824832"/>
-                <a:ext cx="533400" cy="369332"/>
+                <a:off x="8831052" y="-248824"/>
+                <a:ext cx="13938" cy="3450195"/>
               </a:xfrm>
-              <a:prstGeom prst="rect">
+              <a:prstGeom prst="line">
                 <a:avLst/>
               </a:prstGeom>
-              <a:noFill/>
+              <a:ln>
+                <a:solidFill>
+                  <a:schemeClr val="bg1">
+                    <a:lumMod val="65000"/>
+                  </a:schemeClr>
+                </a:solidFill>
+                <a:prstDash val="dash"/>
+              </a:ln>
             </p:spPr>
-            <p:txBody>
-              <a:bodyPr wrap="square" rtlCol="0">
-                <a:spAutoFit/>
-              </a:bodyPr>
-              <a:lstStyle/>
-              <a:p>
-                <a:pPr algn="ctr"/>
-                <a:r>
-                  <a:rPr lang="en-US" dirty="0"/>
-                  <a:t>0.4</a:t>
-                </a:r>
-              </a:p>
-            </p:txBody>
-          </p:sp>
-          <p:sp>
-            <p:nvSpPr>
-              <p:cNvPr id="24" name="TextBox 23"/>
-              <p:cNvSpPr txBox="1"/>
+            <p:style>
+              <a:lnRef idx="1">
+                <a:schemeClr val="accent1"/>
+              </a:lnRef>
+              <a:fillRef idx="0">
+                <a:schemeClr val="accent1"/>
+              </a:fillRef>
+              <a:effectRef idx="0">
+                <a:schemeClr val="accent1"/>
+              </a:effectRef>
+              <a:fontRef idx="minor">
+                <a:schemeClr val="tx1"/>
+              </a:fontRef>
+            </p:style>
+          </p:cxnSp>
+          <p:cxnSp>
+            <p:nvCxnSpPr>
+              <p:cNvPr id="79" name="Straight Connector 78"/>
+              <p:cNvCxnSpPr/>
               <p:nvPr/>
-            </p:nvSpPr>
+            </p:nvCxnSpPr>
             <p:spPr>
               <a:xfrm>
-                <a:off x="6336193" y="4824832"/>
-                <a:ext cx="533400" cy="369332"/>
+                <a:off x="3905091" y="4115771"/>
+                <a:ext cx="0" cy="618667"/>
               </a:xfrm>
-              <a:prstGeom prst="rect">
+              <a:prstGeom prst="line">
                 <a:avLst/>
               </a:prstGeom>
-              <a:noFill/>
+              <a:ln>
+                <a:solidFill>
+                  <a:schemeClr val="bg1">
+                    <a:lumMod val="65000"/>
+                  </a:schemeClr>
+                </a:solidFill>
+                <a:prstDash val="dash"/>
+              </a:ln>
             </p:spPr>
-            <p:txBody>
-              <a:bodyPr wrap="square" rtlCol="0">
-                <a:spAutoFit/>
-              </a:bodyPr>
-              <a:lstStyle/>
-              <a:p>
-                <a:pPr algn="ctr"/>
-                <a:r>
-                  <a:rPr lang="en-US" dirty="0"/>
-                  <a:t>0.5</a:t>
-                </a:r>
-              </a:p>
-            </p:txBody>
-          </p:sp>
-          <p:sp>
-            <p:nvSpPr>
-              <p:cNvPr id="25" name="TextBox 24"/>
-              <p:cNvSpPr txBox="1"/>
+            <p:style>
+              <a:lnRef idx="1">
+                <a:schemeClr val="accent1"/>
+              </a:lnRef>
+              <a:fillRef idx="0">
+                <a:schemeClr val="accent1"/>
+              </a:fillRef>
+              <a:effectRef idx="0">
+                <a:schemeClr val="accent1"/>
+              </a:effectRef>
+              <a:fontRef idx="minor">
+                <a:schemeClr val="tx1"/>
+              </a:fontRef>
+            </p:style>
+          </p:cxnSp>
+          <p:cxnSp>
+            <p:nvCxnSpPr>
+              <p:cNvPr id="81" name="Straight Connector 80"/>
+              <p:cNvCxnSpPr/>
               <p:nvPr/>
-            </p:nvSpPr>
+            </p:nvCxnSpPr>
             <p:spPr>
               <a:xfrm>
-                <a:off x="6793393" y="4811264"/>
-                <a:ext cx="533400" cy="369332"/>
+                <a:off x="4884957" y="4115771"/>
+                <a:ext cx="0" cy="618667"/>
               </a:xfrm>
-              <a:prstGeom prst="rect">
+              <a:prstGeom prst="line">
                 <a:avLst/>
               </a:prstGeom>
-              <a:noFill/>
+              <a:ln>
+                <a:solidFill>
+                  <a:schemeClr val="bg1">
+                    <a:lumMod val="65000"/>
+                  </a:schemeClr>
+                </a:solidFill>
+                <a:prstDash val="dash"/>
+              </a:ln>
             </p:spPr>
-            <p:txBody>
-              <a:bodyPr wrap="square" rtlCol="0">
-                <a:spAutoFit/>
-              </a:bodyPr>
-              <a:lstStyle/>
-              <a:p>
-                <a:pPr algn="ctr"/>
-                <a:r>
-                  <a:rPr lang="en-US" dirty="0"/>
-                  <a:t>0.6</a:t>
-                </a:r>
-              </a:p>
-            </p:txBody>
-          </p:sp>
-          <p:sp>
-            <p:nvSpPr>
-              <p:cNvPr id="26" name="TextBox 25"/>
-              <p:cNvSpPr txBox="1"/>
+            <p:style>
+              <a:lnRef idx="1">
+                <a:schemeClr val="accent1"/>
+              </a:lnRef>
+              <a:fillRef idx="0">
+                <a:schemeClr val="accent1"/>
+              </a:fillRef>
+              <a:effectRef idx="0">
+                <a:schemeClr val="accent1"/>
+              </a:effectRef>
+              <a:fontRef idx="minor">
+                <a:schemeClr val="tx1"/>
+              </a:fontRef>
+            </p:style>
+          </p:cxnSp>
+          <p:cxnSp>
+            <p:nvCxnSpPr>
+              <p:cNvPr id="82" name="Straight Connector 81"/>
+              <p:cNvCxnSpPr/>
               <p:nvPr/>
-            </p:nvSpPr>
+            </p:nvCxnSpPr>
             <p:spPr>
               <a:xfrm>
-                <a:off x="7268178" y="4824832"/>
-                <a:ext cx="533400" cy="369332"/>
+                <a:off x="7842389" y="4115771"/>
+                <a:ext cx="0" cy="618667"/>
               </a:xfrm>
-              <a:prstGeom prst="rect">
+              <a:prstGeom prst="line">
                 <a:avLst/>
               </a:prstGeom>
-              <a:noFill/>
+              <a:ln>
+                <a:solidFill>
+                  <a:schemeClr val="bg1">
+                    <a:lumMod val="65000"/>
+                  </a:schemeClr>
+                </a:solidFill>
+                <a:prstDash val="dash"/>
+              </a:ln>
             </p:spPr>
-            <p:txBody>
-              <a:bodyPr wrap="square" rtlCol="0">
-                <a:spAutoFit/>
-              </a:bodyPr>
-              <a:lstStyle/>
-              <a:p>
-                <a:pPr algn="ctr"/>
-                <a:r>
-                  <a:rPr lang="en-US" dirty="0"/>
-                  <a:t>0.7</a:t>
-                </a:r>
-              </a:p>
-            </p:txBody>
-          </p:sp>
-          <p:sp>
-            <p:nvSpPr>
-              <p:cNvPr id="27" name="TextBox 26"/>
-              <p:cNvSpPr txBox="1"/>
+            <p:style>
+              <a:lnRef idx="1">
+                <a:schemeClr val="accent1"/>
+              </a:lnRef>
+              <a:fillRef idx="0">
+                <a:schemeClr val="accent1"/>
+              </a:fillRef>
+              <a:effectRef idx="0">
+                <a:schemeClr val="accent1"/>
+              </a:effectRef>
+              <a:fontRef idx="minor">
+                <a:schemeClr val="tx1"/>
+              </a:fontRef>
+            </p:style>
+          </p:cxnSp>
+          <p:cxnSp>
+            <p:nvCxnSpPr>
+              <p:cNvPr id="83" name="Straight Connector 82"/>
+              <p:cNvCxnSpPr/>
               <p:nvPr/>
-            </p:nvSpPr>
+            </p:nvCxnSpPr>
             <p:spPr>
               <a:xfrm>
-                <a:off x="7732392" y="4835531"/>
-                <a:ext cx="533400" cy="369332"/>
+                <a:off x="8853256" y="4115771"/>
+                <a:ext cx="0" cy="618667"/>
               </a:xfrm>
-              <a:prstGeom prst="rect">
+              <a:prstGeom prst="line">
                 <a:avLst/>
               </a:prstGeom>
-              <a:noFill/>
+              <a:ln>
+                <a:solidFill>
+                  <a:schemeClr val="bg1">
+                    <a:lumMod val="65000"/>
+                  </a:schemeClr>
+                </a:solidFill>
+                <a:prstDash val="dash"/>
+              </a:ln>
             </p:spPr>
-            <p:txBody>
-              <a:bodyPr wrap="square" rtlCol="0">
-                <a:spAutoFit/>
-              </a:bodyPr>
-              <a:lstStyle/>
-              <a:p>
-                <a:pPr algn="ctr"/>
-                <a:r>
-                  <a:rPr lang="en-US" dirty="0"/>
-                  <a:t>0.8</a:t>
-                </a:r>
-              </a:p>
-            </p:txBody>
-          </p:sp>
-          <p:sp>
-            <p:nvSpPr>
-              <p:cNvPr id="28" name="TextBox 27"/>
-              <p:cNvSpPr txBox="1"/>
+            <p:style>
+              <a:lnRef idx="1">
+                <a:schemeClr val="accent1"/>
+              </a:lnRef>
+              <a:fillRef idx="0">
+                <a:schemeClr val="accent1"/>
+              </a:fillRef>
+              <a:effectRef idx="0">
+                <a:schemeClr val="accent1"/>
+              </a:effectRef>
+              <a:fontRef idx="minor">
+                <a:schemeClr val="tx1"/>
+              </a:fontRef>
+            </p:style>
+          </p:cxnSp>
+          <p:cxnSp>
+            <p:nvCxnSpPr>
+              <p:cNvPr id="85" name="Straight Arrow Connector 84"/>
+              <p:cNvCxnSpPr>
+                <a:stCxn id="8" idx="3"/>
+              </p:cNvCxnSpPr>
               <p:nvPr/>
-            </p:nvSpPr>
+            </p:nvCxnSpPr>
             <p:spPr>
-              <a:xfrm>
-                <a:off x="8138889" y="4824832"/>
-                <a:ext cx="533400" cy="369332"/>
+              <a:xfrm flipH="1" flipV="1">
+                <a:off x="4133691" y="4115771"/>
+                <a:ext cx="4" cy="618666"/>
               </a:xfrm>
-              <a:prstGeom prst="rect">
+              <a:prstGeom prst="straightConnector1">
                 <a:avLst/>
               </a:prstGeom>
-              <a:noFill/>
+              <a:ln>
+                <a:tailEnd type="triangle"/>
+              </a:ln>
             </p:spPr>
-            <p:txBody>
-              <a:bodyPr wrap="square" rtlCol="0">
-                <a:spAutoFit/>
-              </a:bodyPr>
-              <a:lstStyle/>
-              <a:p>
-                <a:pPr algn="ctr"/>
-                <a:r>
-                  <a:rPr lang="en-US" dirty="0"/>
-                  <a:t>0.9</a:t>
-                </a:r>
-              </a:p>
-            </p:txBody>
-          </p:sp>
-          <p:sp>
-            <p:nvSpPr>
-              <p:cNvPr id="29" name="TextBox 28"/>
-              <p:cNvSpPr txBox="1"/>
+            <p:style>
+              <a:lnRef idx="1">
+                <a:schemeClr val="accent1"/>
+              </a:lnRef>
+              <a:fillRef idx="0">
+                <a:schemeClr val="accent1"/>
+              </a:fillRef>
+              <a:effectRef idx="0">
+                <a:schemeClr val="accent1"/>
+              </a:effectRef>
+              <a:fontRef idx="minor">
+                <a:schemeClr val="tx1"/>
+              </a:fontRef>
+            </p:style>
+          </p:cxnSp>
+          <p:cxnSp>
+            <p:nvCxnSpPr>
+              <p:cNvPr id="86" name="Straight Arrow Connector 85"/>
+              <p:cNvCxnSpPr/>
               <p:nvPr/>
-            </p:nvSpPr>
+            </p:nvCxnSpPr>
             <p:spPr>
-              <a:xfrm>
-                <a:off x="8931680" y="4811264"/>
-                <a:ext cx="533400" cy="369332"/>
+              <a:xfrm flipH="1" flipV="1">
+                <a:off x="4614707" y="4111003"/>
+                <a:ext cx="4" cy="618666"/>
               </a:xfrm>
-              <a:prstGeom prst="rect">
+              <a:prstGeom prst="straightConnector1">
                 <a:avLst/>
               </a:prstGeom>
-              <a:noFill/>
+              <a:ln>
+                <a:tailEnd type="triangle"/>
+              </a:ln>
             </p:spPr>
-            <p:txBody>
-              <a:bodyPr wrap="square" rtlCol="0">
-                <a:spAutoFit/>
-              </a:bodyPr>
-              <a:lstStyle/>
-              <a:p>
-                <a:pPr algn="ctr"/>
-                <a:r>
-                  <a:rPr lang="en-US" dirty="0"/>
-                  <a:t>1</a:t>
-                </a:r>
-              </a:p>
-            </p:txBody>
-          </p:sp>
+            <p:style>
+              <a:lnRef idx="1">
+                <a:schemeClr val="accent1"/>
+              </a:lnRef>
+              <a:fillRef idx="0">
+                <a:schemeClr val="accent1"/>
+              </a:fillRef>
+              <a:effectRef idx="0">
+                <a:schemeClr val="accent1"/>
+              </a:effectRef>
+              <a:fontRef idx="minor">
+                <a:schemeClr val="tx1"/>
+              </a:fontRef>
+            </p:style>
+          </p:cxnSp>
+          <p:cxnSp>
+            <p:nvCxnSpPr>
+              <p:cNvPr id="87" name="Straight Arrow Connector 86"/>
+              <p:cNvCxnSpPr/>
+              <p:nvPr/>
+            </p:nvCxnSpPr>
+            <p:spPr>
+              <a:xfrm flipH="1" flipV="1">
+                <a:off x="5200496" y="4111003"/>
+                <a:ext cx="4" cy="618666"/>
+              </a:xfrm>
+              <a:prstGeom prst="straightConnector1">
+                <a:avLst/>
+              </a:prstGeom>
+              <a:ln>
+                <a:tailEnd type="triangle"/>
+              </a:ln>
+            </p:spPr>
+            <p:style>
+              <a:lnRef idx="1">
+                <a:schemeClr val="accent1"/>
+              </a:lnRef>
+              <a:fillRef idx="0">
+                <a:schemeClr val="accent1"/>
+              </a:fillRef>
+              <a:effectRef idx="0">
+                <a:schemeClr val="accent1"/>
+              </a:effectRef>
+              <a:fontRef idx="minor">
+                <a:schemeClr val="tx1"/>
+              </a:fontRef>
+            </p:style>
+          </p:cxnSp>
+          <p:cxnSp>
+            <p:nvCxnSpPr>
+              <p:cNvPr id="88" name="Straight Arrow Connector 87"/>
+              <p:cNvCxnSpPr/>
+              <p:nvPr/>
+            </p:nvCxnSpPr>
+            <p:spPr>
+              <a:xfrm flipH="1" flipV="1">
+                <a:off x="5729142" y="4111003"/>
+                <a:ext cx="4" cy="618666"/>
+              </a:xfrm>
+              <a:prstGeom prst="straightConnector1">
+                <a:avLst/>
+              </a:prstGeom>
+              <a:ln>
+                <a:tailEnd type="triangle"/>
+              </a:ln>
+            </p:spPr>
+            <p:style>
+              <a:lnRef idx="1">
+                <a:schemeClr val="accent1"/>
+              </a:lnRef>
+              <a:fillRef idx="0">
+                <a:schemeClr val="accent1"/>
+              </a:fillRef>
+              <a:effectRef idx="0">
+                <a:schemeClr val="accent1"/>
+              </a:effectRef>
+              <a:fontRef idx="minor">
+                <a:schemeClr val="tx1"/>
+              </a:fontRef>
+            </p:style>
+          </p:cxnSp>
+          <p:cxnSp>
+            <p:nvCxnSpPr>
+              <p:cNvPr id="89" name="Straight Arrow Connector 88"/>
+              <p:cNvCxnSpPr/>
+              <p:nvPr/>
+            </p:nvCxnSpPr>
+            <p:spPr>
+              <a:xfrm flipH="1" flipV="1">
+                <a:off x="6210158" y="4120523"/>
+                <a:ext cx="4" cy="618666"/>
+              </a:xfrm>
+              <a:prstGeom prst="straightConnector1">
+                <a:avLst/>
+              </a:prstGeom>
+              <a:ln>
+                <a:tailEnd type="triangle"/>
+              </a:ln>
+            </p:spPr>
+            <p:style>
+              <a:lnRef idx="1">
+                <a:schemeClr val="accent1"/>
+              </a:lnRef>
+              <a:fillRef idx="0">
+                <a:schemeClr val="accent1"/>
+              </a:fillRef>
+              <a:effectRef idx="0">
+                <a:schemeClr val="accent1"/>
+              </a:effectRef>
+              <a:fontRef idx="minor">
+                <a:schemeClr val="tx1"/>
+              </a:fontRef>
+            </p:style>
+          </p:cxnSp>
+          <p:cxnSp>
+            <p:nvCxnSpPr>
+              <p:cNvPr id="90" name="Straight Arrow Connector 89"/>
+              <p:cNvCxnSpPr/>
+              <p:nvPr/>
+            </p:nvCxnSpPr>
+            <p:spPr>
+              <a:xfrm flipH="1" flipV="1">
+                <a:off x="6710219" y="4120523"/>
+                <a:ext cx="4" cy="618666"/>
+              </a:xfrm>
+              <a:prstGeom prst="straightConnector1">
+                <a:avLst/>
+              </a:prstGeom>
+              <a:ln>
+                <a:tailEnd type="triangle"/>
+              </a:ln>
+            </p:spPr>
+            <p:style>
+              <a:lnRef idx="1">
+                <a:schemeClr val="accent1"/>
+              </a:lnRef>
+              <a:fillRef idx="0">
+                <a:schemeClr val="accent1"/>
+              </a:fillRef>
+              <a:effectRef idx="0">
+                <a:schemeClr val="accent1"/>
+              </a:effectRef>
+              <a:fontRef idx="minor">
+                <a:schemeClr val="tx1"/>
+              </a:fontRef>
+            </p:style>
+          </p:cxnSp>
+          <p:cxnSp>
+            <p:nvCxnSpPr>
+              <p:cNvPr id="91" name="Straight Arrow Connector 90"/>
+              <p:cNvCxnSpPr/>
+              <p:nvPr/>
+            </p:nvCxnSpPr>
+            <p:spPr>
+              <a:xfrm flipH="1" flipV="1">
+                <a:off x="7143606" y="4111003"/>
+                <a:ext cx="4" cy="618666"/>
+              </a:xfrm>
+              <a:prstGeom prst="straightConnector1">
+                <a:avLst/>
+              </a:prstGeom>
+              <a:ln>
+                <a:tailEnd type="triangle"/>
+              </a:ln>
+            </p:spPr>
+            <p:style>
+              <a:lnRef idx="1">
+                <a:schemeClr val="accent1"/>
+              </a:lnRef>
+              <a:fillRef idx="0">
+                <a:schemeClr val="accent1"/>
+              </a:fillRef>
+              <a:effectRef idx="0">
+                <a:schemeClr val="accent1"/>
+              </a:effectRef>
+              <a:fontRef idx="minor">
+                <a:schemeClr val="tx1"/>
+              </a:fontRef>
+            </p:style>
+          </p:cxnSp>
+          <p:cxnSp>
+            <p:nvCxnSpPr>
+              <p:cNvPr id="92" name="Straight Arrow Connector 91"/>
+              <p:cNvCxnSpPr/>
+              <p:nvPr/>
+            </p:nvCxnSpPr>
+            <p:spPr>
+              <a:xfrm flipH="1" flipV="1">
+                <a:off x="7624622" y="4120523"/>
+                <a:ext cx="4" cy="618666"/>
+              </a:xfrm>
+              <a:prstGeom prst="straightConnector1">
+                <a:avLst/>
+              </a:prstGeom>
+              <a:ln>
+                <a:tailEnd type="triangle"/>
+              </a:ln>
+            </p:spPr>
+            <p:style>
+              <a:lnRef idx="1">
+                <a:schemeClr val="accent1"/>
+              </a:lnRef>
+              <a:fillRef idx="0">
+                <a:schemeClr val="accent1"/>
+              </a:fillRef>
+              <a:effectRef idx="0">
+                <a:schemeClr val="accent1"/>
+              </a:effectRef>
+              <a:fontRef idx="minor">
+                <a:schemeClr val="tx1"/>
+              </a:fontRef>
+            </p:style>
+          </p:cxnSp>
+          <p:cxnSp>
+            <p:nvCxnSpPr>
+              <p:cNvPr id="93" name="Straight Arrow Connector 92"/>
+              <p:cNvCxnSpPr/>
+              <p:nvPr/>
+            </p:nvCxnSpPr>
+            <p:spPr>
+              <a:xfrm flipH="1" flipV="1">
+                <a:off x="8096107" y="4120523"/>
+                <a:ext cx="4" cy="618666"/>
+              </a:xfrm>
+              <a:prstGeom prst="straightConnector1">
+                <a:avLst/>
+              </a:prstGeom>
+              <a:ln>
+                <a:tailEnd type="triangle"/>
+              </a:ln>
+            </p:spPr>
+            <p:style>
+              <a:lnRef idx="1">
+                <a:schemeClr val="accent1"/>
+              </a:lnRef>
+              <a:fillRef idx="0">
+                <a:schemeClr val="accent1"/>
+              </a:fillRef>
+              <a:effectRef idx="0">
+                <a:schemeClr val="accent1"/>
+              </a:effectRef>
+              <a:fontRef idx="minor">
+                <a:schemeClr val="tx1"/>
+              </a:fontRef>
+            </p:style>
+          </p:cxnSp>
+          <p:cxnSp>
+            <p:nvCxnSpPr>
+              <p:cNvPr id="94" name="Straight Arrow Connector 93"/>
+              <p:cNvCxnSpPr/>
+              <p:nvPr/>
+            </p:nvCxnSpPr>
+            <p:spPr>
+              <a:xfrm flipH="1" flipV="1">
+                <a:off x="9329593" y="4111003"/>
+                <a:ext cx="4" cy="618666"/>
+              </a:xfrm>
+              <a:prstGeom prst="straightConnector1">
+                <a:avLst/>
+              </a:prstGeom>
+              <a:ln>
+                <a:tailEnd type="triangle"/>
+              </a:ln>
+            </p:spPr>
+            <p:style>
+              <a:lnRef idx="1">
+                <a:schemeClr val="accent1"/>
+              </a:lnRef>
+              <a:fillRef idx="0">
+                <a:schemeClr val="accent1"/>
+              </a:fillRef>
+              <a:effectRef idx="0">
+                <a:schemeClr val="accent1"/>
+              </a:effectRef>
+              <a:fontRef idx="minor">
+                <a:schemeClr val="tx1"/>
+              </a:fontRef>
+            </p:style>
+          </p:cxnSp>
+          <p:cxnSp>
+            <p:nvCxnSpPr>
+              <p:cNvPr id="97" name="Straight Arrow Connector 96"/>
+              <p:cNvCxnSpPr/>
+              <p:nvPr/>
+            </p:nvCxnSpPr>
+            <p:spPr>
+              <a:xfrm flipH="1" flipV="1">
+                <a:off x="8567588" y="4134811"/>
+                <a:ext cx="4" cy="618666"/>
+              </a:xfrm>
+              <a:prstGeom prst="straightConnector1">
+                <a:avLst/>
+              </a:prstGeom>
+              <a:ln>
+                <a:tailEnd type="triangle"/>
+              </a:ln>
+            </p:spPr>
+            <p:style>
+              <a:lnRef idx="1">
+                <a:schemeClr val="accent1"/>
+              </a:lnRef>
+              <a:fillRef idx="0">
+                <a:schemeClr val="accent1"/>
+              </a:fillRef>
+              <a:effectRef idx="0">
+                <a:schemeClr val="accent1"/>
+              </a:effectRef>
+              <a:fontRef idx="minor">
+                <a:schemeClr val="tx1"/>
+              </a:fontRef>
+            </p:style>
+          </p:cxnSp>
         </p:grpSp>
-        <p:sp>
-          <p:nvSpPr>
-            <p:cNvPr id="41" name="TextBox 40"/>
-            <p:cNvSpPr txBox="1"/>
-            <p:nvPr/>
-          </p:nvSpPr>
-          <p:spPr>
-            <a:xfrm>
-              <a:off x="9583616" y="4822302"/>
-              <a:ext cx="2215662" cy="369332"/>
-            </a:xfrm>
-            <a:prstGeom prst="rect">
-              <a:avLst/>
-            </a:prstGeom>
-            <a:noFill/>
-          </p:spPr>
-          <p:txBody>
-            <a:bodyPr wrap="square" rtlCol="0">
-              <a:spAutoFit/>
-            </a:bodyPr>
-            <a:lstStyle/>
-            <a:p>
-              <a:pPr algn="ctr"/>
-              <a:r>
-                <a:rPr lang="en-US" dirty="0"/>
-                <a:t>Speedup Index</a:t>
-              </a:r>
-            </a:p>
-          </p:txBody>
-        </p:sp>
-        <p:sp>
-          <p:nvSpPr>
-            <p:cNvPr id="42" name="TextBox 41"/>
-            <p:cNvSpPr txBox="1"/>
-            <p:nvPr/>
-          </p:nvSpPr>
-          <p:spPr>
-            <a:xfrm>
-              <a:off x="9348972" y="3473905"/>
-              <a:ext cx="3003672" cy="369332"/>
-            </a:xfrm>
-            <a:prstGeom prst="rect">
-              <a:avLst/>
-            </a:prstGeom>
-            <a:noFill/>
-          </p:spPr>
-          <p:txBody>
-            <a:bodyPr wrap="square" rtlCol="0">
-              <a:spAutoFit/>
-            </a:bodyPr>
-            <a:lstStyle/>
-            <a:p>
-              <a:pPr algn="ctr"/>
-              <a:r>
-                <a:rPr lang="en-US" dirty="0"/>
-                <a:t>Configuration Array</a:t>
-              </a:r>
-            </a:p>
-          </p:txBody>
-        </p:sp>
-        <p:cxnSp>
-          <p:nvCxnSpPr>
-            <p:cNvPr id="70" name="Straight Connector 69"/>
-            <p:cNvCxnSpPr/>
-            <p:nvPr/>
-          </p:nvCxnSpPr>
-          <p:spPr>
-            <a:xfrm>
-              <a:off x="3909647" y="2303585"/>
-              <a:ext cx="0" cy="897786"/>
-            </a:xfrm>
-            <a:prstGeom prst="line">
-              <a:avLst/>
-            </a:prstGeom>
-            <a:ln>
-              <a:prstDash val="dash"/>
-            </a:ln>
-          </p:spPr>
-          <p:style>
-            <a:lnRef idx="1">
-              <a:schemeClr val="accent1"/>
-            </a:lnRef>
-            <a:fillRef idx="0">
-              <a:schemeClr val="accent1"/>
-            </a:fillRef>
-            <a:effectRef idx="0">
-              <a:schemeClr val="accent1"/>
-            </a:effectRef>
-            <a:fontRef idx="minor">
-              <a:schemeClr val="tx1"/>
-            </a:fontRef>
-          </p:style>
-        </p:cxnSp>
-        <p:cxnSp>
-          <p:nvCxnSpPr>
-            <p:cNvPr id="71" name="Straight Connector 70"/>
-            <p:cNvCxnSpPr/>
-            <p:nvPr/>
-          </p:nvCxnSpPr>
-          <p:spPr>
-            <a:xfrm flipH="1">
-              <a:off x="4884957" y="2133010"/>
-              <a:ext cx="3448" cy="1068361"/>
-            </a:xfrm>
-            <a:prstGeom prst="line">
-              <a:avLst/>
-            </a:prstGeom>
-            <a:ln>
-              <a:prstDash val="dash"/>
-            </a:ln>
-          </p:spPr>
-          <p:style>
-            <a:lnRef idx="1">
-              <a:schemeClr val="accent1"/>
-            </a:lnRef>
-            <a:fillRef idx="0">
-              <a:schemeClr val="accent1"/>
-            </a:fillRef>
-            <a:effectRef idx="0">
-              <a:schemeClr val="accent1"/>
-            </a:effectRef>
-            <a:fontRef idx="minor">
-              <a:schemeClr val="tx1"/>
-            </a:fontRef>
-          </p:style>
-        </p:cxnSp>
-        <p:cxnSp>
-          <p:nvCxnSpPr>
-            <p:cNvPr id="73" name="Straight Connector 72"/>
-            <p:cNvCxnSpPr/>
-            <p:nvPr/>
-          </p:nvCxnSpPr>
-          <p:spPr>
-            <a:xfrm>
-              <a:off x="7836062" y="803435"/>
-              <a:ext cx="0" cy="2397936"/>
-            </a:xfrm>
-            <a:prstGeom prst="line">
-              <a:avLst/>
-            </a:prstGeom>
-            <a:ln>
-              <a:prstDash val="dash"/>
-            </a:ln>
-          </p:spPr>
-          <p:style>
-            <a:lnRef idx="1">
-              <a:schemeClr val="accent1"/>
-            </a:lnRef>
-            <a:fillRef idx="0">
-              <a:schemeClr val="accent1"/>
-            </a:fillRef>
-            <a:effectRef idx="0">
-              <a:schemeClr val="accent1"/>
-            </a:effectRef>
-            <a:fontRef idx="minor">
-              <a:schemeClr val="tx1"/>
-            </a:fontRef>
-          </p:style>
-        </p:cxnSp>
-        <p:cxnSp>
-          <p:nvCxnSpPr>
-            <p:cNvPr id="76" name="Straight Connector 75"/>
-            <p:cNvCxnSpPr/>
-            <p:nvPr/>
-          </p:nvCxnSpPr>
-          <p:spPr>
-            <a:xfrm>
-              <a:off x="8831052" y="-248824"/>
-              <a:ext cx="13938" cy="3450195"/>
-            </a:xfrm>
-            <a:prstGeom prst="line">
-              <a:avLst/>
-            </a:prstGeom>
-            <a:ln>
-              <a:prstDash val="dash"/>
-            </a:ln>
-          </p:spPr>
-          <p:style>
-            <a:lnRef idx="1">
-              <a:schemeClr val="accent1"/>
-            </a:lnRef>
-            <a:fillRef idx="0">
-              <a:schemeClr val="accent1"/>
-            </a:fillRef>
-            <a:effectRef idx="0">
-              <a:schemeClr val="accent1"/>
-            </a:effectRef>
-            <a:fontRef idx="minor">
-              <a:schemeClr val="tx1"/>
-            </a:fontRef>
-          </p:style>
-        </p:cxnSp>
-        <p:cxnSp>
-          <p:nvCxnSpPr>
-            <p:cNvPr id="79" name="Straight Connector 78"/>
-            <p:cNvCxnSpPr/>
-            <p:nvPr/>
-          </p:nvCxnSpPr>
-          <p:spPr>
-            <a:xfrm>
-              <a:off x="3905091" y="4115771"/>
-              <a:ext cx="0" cy="618667"/>
-            </a:xfrm>
-            <a:prstGeom prst="line">
-              <a:avLst/>
-            </a:prstGeom>
-            <a:ln>
-              <a:prstDash val="dash"/>
-            </a:ln>
-          </p:spPr>
-          <p:style>
-            <a:lnRef idx="1">
-              <a:schemeClr val="accent1"/>
-            </a:lnRef>
-            <a:fillRef idx="0">
-              <a:schemeClr val="accent1"/>
-            </a:fillRef>
-            <a:effectRef idx="0">
-              <a:schemeClr val="accent1"/>
-            </a:effectRef>
-            <a:fontRef idx="minor">
-              <a:schemeClr val="tx1"/>
-            </a:fontRef>
-          </p:style>
-        </p:cxnSp>
-        <p:cxnSp>
-          <p:nvCxnSpPr>
-            <p:cNvPr id="81" name="Straight Connector 80"/>
-            <p:cNvCxnSpPr/>
-            <p:nvPr/>
-          </p:nvCxnSpPr>
-          <p:spPr>
-            <a:xfrm>
-              <a:off x="4884957" y="4115771"/>
-              <a:ext cx="0" cy="618667"/>
-            </a:xfrm>
-            <a:prstGeom prst="line">
-              <a:avLst/>
-            </a:prstGeom>
-            <a:ln>
-              <a:prstDash val="dash"/>
-            </a:ln>
-          </p:spPr>
-          <p:style>
-            <a:lnRef idx="1">
-              <a:schemeClr val="accent1"/>
-            </a:lnRef>
-            <a:fillRef idx="0">
-              <a:schemeClr val="accent1"/>
-            </a:fillRef>
-            <a:effectRef idx="0">
-              <a:schemeClr val="accent1"/>
-            </a:effectRef>
-            <a:fontRef idx="minor">
-              <a:schemeClr val="tx1"/>
-            </a:fontRef>
-          </p:style>
-        </p:cxnSp>
-        <p:cxnSp>
-          <p:nvCxnSpPr>
-            <p:cNvPr id="82" name="Straight Connector 81"/>
-            <p:cNvCxnSpPr/>
-            <p:nvPr/>
-          </p:nvCxnSpPr>
-          <p:spPr>
-            <a:xfrm>
-              <a:off x="7842389" y="4115771"/>
-              <a:ext cx="0" cy="618667"/>
-            </a:xfrm>
-            <a:prstGeom prst="line">
-              <a:avLst/>
-            </a:prstGeom>
-            <a:ln>
-              <a:prstDash val="dash"/>
-            </a:ln>
-          </p:spPr>
-          <p:style>
-            <a:lnRef idx="1">
-              <a:schemeClr val="accent1"/>
-            </a:lnRef>
-            <a:fillRef idx="0">
-              <a:schemeClr val="accent1"/>
-            </a:fillRef>
-            <a:effectRef idx="0">
-              <a:schemeClr val="accent1"/>
-            </a:effectRef>
-            <a:fontRef idx="minor">
-              <a:schemeClr val="tx1"/>
-            </a:fontRef>
-          </p:style>
-        </p:cxnSp>
-        <p:cxnSp>
-          <p:nvCxnSpPr>
-            <p:cNvPr id="83" name="Straight Connector 82"/>
-            <p:cNvCxnSpPr/>
-            <p:nvPr/>
-          </p:nvCxnSpPr>
-          <p:spPr>
-            <a:xfrm>
-              <a:off x="8853256" y="4115771"/>
-              <a:ext cx="0" cy="618667"/>
-            </a:xfrm>
-            <a:prstGeom prst="line">
-              <a:avLst/>
-            </a:prstGeom>
-            <a:ln>
-              <a:prstDash val="dash"/>
-            </a:ln>
-          </p:spPr>
-          <p:style>
-            <a:lnRef idx="1">
-              <a:schemeClr val="accent1"/>
-            </a:lnRef>
-            <a:fillRef idx="0">
-              <a:schemeClr val="accent1"/>
-            </a:fillRef>
-            <a:effectRef idx="0">
-              <a:schemeClr val="accent1"/>
-            </a:effectRef>
-            <a:fontRef idx="minor">
-              <a:schemeClr val="tx1"/>
-            </a:fontRef>
-          </p:style>
-        </p:cxnSp>
-        <p:cxnSp>
-          <p:nvCxnSpPr>
-            <p:cNvPr id="85" name="Straight Arrow Connector 84"/>
-            <p:cNvCxnSpPr>
-              <a:stCxn id="8" idx="3"/>
-            </p:cNvCxnSpPr>
-            <p:nvPr/>
-          </p:nvCxnSpPr>
-          <p:spPr>
-            <a:xfrm flipH="1" flipV="1">
-              <a:off x="4133691" y="4115771"/>
-              <a:ext cx="4" cy="618666"/>
-            </a:xfrm>
-            <a:prstGeom prst="straightConnector1">
-              <a:avLst/>
-            </a:prstGeom>
-            <a:ln>
-              <a:tailEnd type="triangle"/>
-            </a:ln>
-          </p:spPr>
-          <p:style>
-            <a:lnRef idx="1">
-              <a:schemeClr val="accent1"/>
-            </a:lnRef>
-            <a:fillRef idx="0">
-              <a:schemeClr val="accent1"/>
-            </a:fillRef>
-            <a:effectRef idx="0">
-              <a:schemeClr val="accent1"/>
-            </a:effectRef>
-            <a:fontRef idx="minor">
-              <a:schemeClr val="tx1"/>
-            </a:fontRef>
-          </p:style>
-        </p:cxnSp>
-        <p:cxnSp>
-          <p:nvCxnSpPr>
-            <p:cNvPr id="86" name="Straight Arrow Connector 85"/>
-            <p:cNvCxnSpPr/>
-            <p:nvPr/>
-          </p:nvCxnSpPr>
-          <p:spPr>
-            <a:xfrm flipH="1" flipV="1">
-              <a:off x="4614707" y="4111003"/>
-              <a:ext cx="4" cy="618666"/>
-            </a:xfrm>
-            <a:prstGeom prst="straightConnector1">
-              <a:avLst/>
-            </a:prstGeom>
-            <a:ln>
-              <a:tailEnd type="triangle"/>
-            </a:ln>
-          </p:spPr>
-          <p:style>
-            <a:lnRef idx="1">
-              <a:schemeClr val="accent1"/>
-            </a:lnRef>
-            <a:fillRef idx="0">
-              <a:schemeClr val="accent1"/>
-            </a:fillRef>
-            <a:effectRef idx="0">
-              <a:schemeClr val="accent1"/>
-            </a:effectRef>
-            <a:fontRef idx="minor">
-              <a:schemeClr val="tx1"/>
-            </a:fontRef>
-          </p:style>
-        </p:cxnSp>
-        <p:cxnSp>
-          <p:nvCxnSpPr>
-            <p:cNvPr id="87" name="Straight Arrow Connector 86"/>
-            <p:cNvCxnSpPr/>
-            <p:nvPr/>
-          </p:nvCxnSpPr>
-          <p:spPr>
-            <a:xfrm flipH="1" flipV="1">
-              <a:off x="5200496" y="4111003"/>
-              <a:ext cx="4" cy="618666"/>
-            </a:xfrm>
-            <a:prstGeom prst="straightConnector1">
-              <a:avLst/>
-            </a:prstGeom>
-            <a:ln>
-              <a:tailEnd type="triangle"/>
-            </a:ln>
-          </p:spPr>
-          <p:style>
-            <a:lnRef idx="1">
-              <a:schemeClr val="accent1"/>
-            </a:lnRef>
-            <a:fillRef idx="0">
-              <a:schemeClr val="accent1"/>
-            </a:fillRef>
-            <a:effectRef idx="0">
-              <a:schemeClr val="accent1"/>
-            </a:effectRef>
-            <a:fontRef idx="minor">
-              <a:schemeClr val="tx1"/>
-            </a:fontRef>
-          </p:style>
-        </p:cxnSp>
-        <p:cxnSp>
-          <p:nvCxnSpPr>
-            <p:cNvPr id="88" name="Straight Arrow Connector 87"/>
-            <p:cNvCxnSpPr/>
-            <p:nvPr/>
-          </p:nvCxnSpPr>
-          <p:spPr>
-            <a:xfrm flipH="1" flipV="1">
-              <a:off x="5729142" y="4111003"/>
-              <a:ext cx="4" cy="618666"/>
-            </a:xfrm>
-            <a:prstGeom prst="straightConnector1">
-              <a:avLst/>
-            </a:prstGeom>
-            <a:ln>
-              <a:tailEnd type="triangle"/>
-            </a:ln>
-          </p:spPr>
-          <p:style>
-            <a:lnRef idx="1">
-              <a:schemeClr val="accent1"/>
-            </a:lnRef>
-            <a:fillRef idx="0">
-              <a:schemeClr val="accent1"/>
-            </a:fillRef>
-            <a:effectRef idx="0">
-              <a:schemeClr val="accent1"/>
-            </a:effectRef>
-            <a:fontRef idx="minor">
-              <a:schemeClr val="tx1"/>
-            </a:fontRef>
-          </p:style>
-        </p:cxnSp>
-        <p:cxnSp>
-          <p:nvCxnSpPr>
-            <p:cNvPr id="89" name="Straight Arrow Connector 88"/>
-            <p:cNvCxnSpPr/>
-            <p:nvPr/>
-          </p:nvCxnSpPr>
-          <p:spPr>
-            <a:xfrm flipH="1" flipV="1">
-              <a:off x="6210158" y="4120523"/>
-              <a:ext cx="4" cy="618666"/>
-            </a:xfrm>
-            <a:prstGeom prst="straightConnector1">
-              <a:avLst/>
-            </a:prstGeom>
-            <a:ln>
-              <a:tailEnd type="triangle"/>
-            </a:ln>
-          </p:spPr>
-          <p:style>
-            <a:lnRef idx="1">
-              <a:schemeClr val="accent1"/>
-            </a:lnRef>
-            <a:fillRef idx="0">
-              <a:schemeClr val="accent1"/>
-            </a:fillRef>
-            <a:effectRef idx="0">
-              <a:schemeClr val="accent1"/>
-            </a:effectRef>
-            <a:fontRef idx="minor">
-              <a:schemeClr val="tx1"/>
-            </a:fontRef>
-          </p:style>
-        </p:cxnSp>
-        <p:cxnSp>
-          <p:nvCxnSpPr>
-            <p:cNvPr id="90" name="Straight Arrow Connector 89"/>
-            <p:cNvCxnSpPr/>
-            <p:nvPr/>
-          </p:nvCxnSpPr>
-          <p:spPr>
-            <a:xfrm flipH="1" flipV="1">
-              <a:off x="6710219" y="4120523"/>
-              <a:ext cx="4" cy="618666"/>
-            </a:xfrm>
-            <a:prstGeom prst="straightConnector1">
-              <a:avLst/>
-            </a:prstGeom>
-            <a:ln>
-              <a:tailEnd type="triangle"/>
-            </a:ln>
-          </p:spPr>
-          <p:style>
-            <a:lnRef idx="1">
-              <a:schemeClr val="accent1"/>
-            </a:lnRef>
-            <a:fillRef idx="0">
-              <a:schemeClr val="accent1"/>
-            </a:fillRef>
-            <a:effectRef idx="0">
-              <a:schemeClr val="accent1"/>
-            </a:effectRef>
-            <a:fontRef idx="minor">
-              <a:schemeClr val="tx1"/>
-            </a:fontRef>
-          </p:style>
-        </p:cxnSp>
-        <p:cxnSp>
-          <p:nvCxnSpPr>
-            <p:cNvPr id="91" name="Straight Arrow Connector 90"/>
-            <p:cNvCxnSpPr/>
-            <p:nvPr/>
-          </p:nvCxnSpPr>
-          <p:spPr>
-            <a:xfrm flipH="1" flipV="1">
-              <a:off x="7143606" y="4111003"/>
-              <a:ext cx="4" cy="618666"/>
-            </a:xfrm>
-            <a:prstGeom prst="straightConnector1">
-              <a:avLst/>
-            </a:prstGeom>
-            <a:ln>
-              <a:tailEnd type="triangle"/>
-            </a:ln>
-          </p:spPr>
-          <p:style>
-            <a:lnRef idx="1">
-              <a:schemeClr val="accent1"/>
-            </a:lnRef>
-            <a:fillRef idx="0">
-              <a:schemeClr val="accent1"/>
-            </a:fillRef>
-            <a:effectRef idx="0">
-              <a:schemeClr val="accent1"/>
-            </a:effectRef>
-            <a:fontRef idx="minor">
-              <a:schemeClr val="tx1"/>
-            </a:fontRef>
-          </p:style>
-        </p:cxnSp>
-        <p:cxnSp>
-          <p:nvCxnSpPr>
-            <p:cNvPr id="92" name="Straight Arrow Connector 91"/>
-            <p:cNvCxnSpPr/>
-            <p:nvPr/>
-          </p:nvCxnSpPr>
-          <p:spPr>
-            <a:xfrm flipH="1" flipV="1">
-              <a:off x="7624622" y="4120523"/>
-              <a:ext cx="4" cy="618666"/>
-            </a:xfrm>
-            <a:prstGeom prst="straightConnector1">
-              <a:avLst/>
-            </a:prstGeom>
-            <a:ln>
-              <a:tailEnd type="triangle"/>
-            </a:ln>
-          </p:spPr>
-          <p:style>
-            <a:lnRef idx="1">
-              <a:schemeClr val="accent1"/>
-            </a:lnRef>
-            <a:fillRef idx="0">
-              <a:schemeClr val="accent1"/>
-            </a:fillRef>
-            <a:effectRef idx="0">
-              <a:schemeClr val="accent1"/>
-            </a:effectRef>
-            <a:fontRef idx="minor">
-              <a:schemeClr val="tx1"/>
-            </a:fontRef>
-          </p:style>
-        </p:cxnSp>
-        <p:cxnSp>
-          <p:nvCxnSpPr>
-            <p:cNvPr id="93" name="Straight Arrow Connector 92"/>
-            <p:cNvCxnSpPr/>
-            <p:nvPr/>
-          </p:nvCxnSpPr>
-          <p:spPr>
-            <a:xfrm flipH="1" flipV="1">
-              <a:off x="8096107" y="4120523"/>
-              <a:ext cx="4" cy="618666"/>
-            </a:xfrm>
-            <a:prstGeom prst="straightConnector1">
-              <a:avLst/>
-            </a:prstGeom>
-            <a:ln>
-              <a:tailEnd type="triangle"/>
-            </a:ln>
-          </p:spPr>
-          <p:style>
-            <a:lnRef idx="1">
-              <a:schemeClr val="accent1"/>
-            </a:lnRef>
-            <a:fillRef idx="0">
-              <a:schemeClr val="accent1"/>
-            </a:fillRef>
-            <a:effectRef idx="0">
-              <a:schemeClr val="accent1"/>
-            </a:effectRef>
-            <a:fontRef idx="minor">
-              <a:schemeClr val="tx1"/>
-            </a:fontRef>
-          </p:style>
-        </p:cxnSp>
-        <p:cxnSp>
-          <p:nvCxnSpPr>
-            <p:cNvPr id="94" name="Straight Arrow Connector 93"/>
-            <p:cNvCxnSpPr/>
-            <p:nvPr/>
-          </p:nvCxnSpPr>
-          <p:spPr>
-            <a:xfrm flipH="1" flipV="1">
-              <a:off x="9329593" y="4111003"/>
-              <a:ext cx="4" cy="618666"/>
-            </a:xfrm>
-            <a:prstGeom prst="straightConnector1">
-              <a:avLst/>
-            </a:prstGeom>
-            <a:ln>
-              <a:tailEnd type="triangle"/>
-            </a:ln>
-          </p:spPr>
-          <p:style>
-            <a:lnRef idx="1">
-              <a:schemeClr val="accent1"/>
-            </a:lnRef>
-            <a:fillRef idx="0">
-              <a:schemeClr val="accent1"/>
-            </a:fillRef>
-            <a:effectRef idx="0">
-              <a:schemeClr val="accent1"/>
-            </a:effectRef>
-            <a:fontRef idx="minor">
-              <a:schemeClr val="tx1"/>
-            </a:fontRef>
-          </p:style>
-        </p:cxnSp>
-        <p:cxnSp>
-          <p:nvCxnSpPr>
-            <p:cNvPr id="97" name="Straight Arrow Connector 96"/>
-            <p:cNvCxnSpPr/>
-            <p:nvPr/>
-          </p:nvCxnSpPr>
-          <p:spPr>
-            <a:xfrm flipH="1" flipV="1">
-              <a:off x="8567588" y="4134811"/>
-              <a:ext cx="4" cy="618666"/>
-            </a:xfrm>
-            <a:prstGeom prst="straightConnector1">
-              <a:avLst/>
-            </a:prstGeom>
-            <a:ln>
-              <a:tailEnd type="triangle"/>
-            </a:ln>
-          </p:spPr>
-          <p:style>
-            <a:lnRef idx="1">
-              <a:schemeClr val="accent1"/>
-            </a:lnRef>
-            <a:fillRef idx="0">
-              <a:schemeClr val="accent1"/>
-            </a:fillRef>
-            <a:effectRef idx="0">
-              <a:schemeClr val="accent1"/>
-            </a:effectRef>
-            <a:fontRef idx="minor">
-              <a:schemeClr val="tx1"/>
-            </a:fontRef>
-          </p:style>
-        </p:cxnSp>
       </p:grpSp>
     </p:spTree>
     <p:extLst>
@@ -24906,10 +25164,3145 @@
           </p:txBody>
         </p:sp>
       </p:grpSp>
+      <p:grpSp>
+        <p:nvGrpSpPr>
+          <p:cNvPr id="54" name="Group 53"/>
+          <p:cNvGrpSpPr/>
+          <p:nvPr/>
+        </p:nvGrpSpPr>
+        <p:grpSpPr>
+          <a:xfrm>
+            <a:off x="1072452" y="1113463"/>
+            <a:ext cx="2818435" cy="1812166"/>
+            <a:chOff x="877265" y="3064634"/>
+            <a:chExt cx="2818435" cy="1812166"/>
+          </a:xfrm>
+        </p:grpSpPr>
+        <p:grpSp>
+          <p:nvGrpSpPr>
+            <p:cNvPr id="55" name="Group 54"/>
+            <p:cNvGrpSpPr/>
+            <p:nvPr/>
+          </p:nvGrpSpPr>
+          <p:grpSpPr>
+            <a:xfrm>
+              <a:off x="877265" y="3064634"/>
+              <a:ext cx="1066800" cy="1812166"/>
+              <a:chOff x="877265" y="3064634"/>
+              <a:chExt cx="1066800" cy="1812166"/>
+            </a:xfrm>
+          </p:grpSpPr>
+          <p:grpSp>
+            <p:nvGrpSpPr>
+              <p:cNvPr id="71" name="Group 70"/>
+              <p:cNvGrpSpPr/>
+              <p:nvPr/>
+            </p:nvGrpSpPr>
+            <p:grpSpPr>
+              <a:xfrm>
+                <a:off x="877265" y="3064634"/>
+                <a:ext cx="1066800" cy="1812166"/>
+                <a:chOff x="877265" y="3064634"/>
+                <a:chExt cx="1066800" cy="1812166"/>
+              </a:xfrm>
+            </p:grpSpPr>
+            <p:sp>
+              <p:nvSpPr>
+                <p:cNvPr id="73" name="Oval 72"/>
+                <p:cNvSpPr/>
+                <p:nvPr/>
+              </p:nvSpPr>
+              <p:spPr>
+                <a:xfrm>
+                  <a:off x="1257300" y="3344346"/>
+                  <a:ext cx="304800" cy="304799"/>
+                </a:xfrm>
+                <a:prstGeom prst="ellipse">
+                  <a:avLst/>
+                </a:prstGeom>
+              </p:spPr>
+              <p:style>
+                <a:lnRef idx="2">
+                  <a:schemeClr val="accent1"/>
+                </a:lnRef>
+                <a:fillRef idx="1">
+                  <a:schemeClr val="lt1"/>
+                </a:fillRef>
+                <a:effectRef idx="0">
+                  <a:schemeClr val="accent1"/>
+                </a:effectRef>
+                <a:fontRef idx="minor">
+                  <a:schemeClr val="dk1"/>
+                </a:fontRef>
+              </p:style>
+              <p:txBody>
+                <a:bodyPr rtlCol="0" anchor="ctr"/>
+                <a:lstStyle/>
+                <a:p>
+                  <a:pPr algn="ctr"/>
+                  <a:endParaRPr lang="en-US" sz="1400"/>
+                </a:p>
+              </p:txBody>
+            </p:sp>
+            <p:cxnSp>
+              <p:nvCxnSpPr>
+                <p:cNvPr id="74" name="Straight Arrow Connector 73"/>
+                <p:cNvCxnSpPr/>
+                <p:nvPr/>
+              </p:nvCxnSpPr>
+              <p:spPr>
+                <a:xfrm flipH="1">
+                  <a:off x="1404153" y="3649145"/>
+                  <a:ext cx="5547" cy="576978"/>
+                </a:xfrm>
+                <a:prstGeom prst="straightConnector1">
+                  <a:avLst/>
+                </a:prstGeom>
+                <a:ln>
+                  <a:tailEnd type="arrow"/>
+                </a:ln>
+              </p:spPr>
+              <p:style>
+                <a:lnRef idx="3">
+                  <a:schemeClr val="accent1"/>
+                </a:lnRef>
+                <a:fillRef idx="0">
+                  <a:schemeClr val="accent1"/>
+                </a:fillRef>
+                <a:effectRef idx="2">
+                  <a:schemeClr val="accent1"/>
+                </a:effectRef>
+                <a:fontRef idx="minor">
+                  <a:schemeClr val="tx1"/>
+                </a:fontRef>
+              </p:style>
+            </p:cxnSp>
+            <p:sp>
+              <p:nvSpPr>
+                <p:cNvPr id="75" name="TextBox 74"/>
+                <p:cNvSpPr txBox="1"/>
+                <p:nvPr/>
+              </p:nvSpPr>
+              <p:spPr>
+                <a:xfrm>
+                  <a:off x="877265" y="3064634"/>
+                  <a:ext cx="1066800" cy="307777"/>
+                </a:xfrm>
+                <a:prstGeom prst="rect">
+                  <a:avLst/>
+                </a:prstGeom>
+                <a:noFill/>
+              </p:spPr>
+              <p:txBody>
+                <a:bodyPr wrap="square" rtlCol="0">
+                  <a:spAutoFit/>
+                </a:bodyPr>
+                <a:lstStyle/>
+                <a:p>
+                  <a:pPr algn="ctr"/>
+                  <a:r>
+                    <a:rPr lang="en-US" sz="1400" dirty="0" smtClean="0"/>
+                    <a:t>Model 1</a:t>
+                  </a:r>
+                  <a:endParaRPr lang="en-US" sz="1400" dirty="0"/>
+                </a:p>
+              </p:txBody>
+            </p:sp>
+            <p:sp>
+              <p:nvSpPr>
+                <p:cNvPr id="76" name="TextBox 75"/>
+                <p:cNvSpPr txBox="1"/>
+                <p:nvPr/>
+              </p:nvSpPr>
+              <p:spPr>
+                <a:xfrm>
+                  <a:off x="952500" y="4569023"/>
+                  <a:ext cx="918018" cy="307777"/>
+                </a:xfrm>
+                <a:prstGeom prst="rect">
+                  <a:avLst/>
+                </a:prstGeom>
+                <a:noFill/>
+              </p:spPr>
+              <p:txBody>
+                <a:bodyPr wrap="square" rtlCol="0">
+                  <a:spAutoFit/>
+                </a:bodyPr>
+                <a:lstStyle/>
+                <a:p>
+                  <a:pPr algn="ctr"/>
+                  <a:r>
+                    <a:rPr lang="en-US" sz="1400" dirty="0" smtClean="0"/>
+                    <a:t>App 1</a:t>
+                  </a:r>
+                  <a:endParaRPr lang="en-US" sz="1400" dirty="0"/>
+                </a:p>
+              </p:txBody>
+            </p:sp>
+          </p:grpSp>
+          <p:sp>
+            <p:nvSpPr>
+              <p:cNvPr id="72" name="Oval 71"/>
+              <p:cNvSpPr/>
+              <p:nvPr/>
+            </p:nvSpPr>
+            <p:spPr>
+              <a:xfrm>
+                <a:off x="1251753" y="4226123"/>
+                <a:ext cx="304800" cy="304799"/>
+              </a:xfrm>
+              <a:prstGeom prst="ellipse">
+                <a:avLst/>
+              </a:prstGeom>
+              <a:solidFill>
+                <a:schemeClr val="accent1"/>
+              </a:solidFill>
+            </p:spPr>
+            <p:style>
+              <a:lnRef idx="2">
+                <a:schemeClr val="accent1"/>
+              </a:lnRef>
+              <a:fillRef idx="1">
+                <a:schemeClr val="lt1"/>
+              </a:fillRef>
+              <a:effectRef idx="0">
+                <a:schemeClr val="accent1"/>
+              </a:effectRef>
+              <a:fontRef idx="minor">
+                <a:schemeClr val="dk1"/>
+              </a:fontRef>
+            </p:style>
+            <p:txBody>
+              <a:bodyPr rtlCol="0" anchor="ctr"/>
+              <a:lstStyle/>
+              <a:p>
+                <a:pPr algn="ctr"/>
+                <a:endParaRPr lang="en-US" sz="1400"/>
+              </a:p>
+            </p:txBody>
+          </p:sp>
+        </p:grpSp>
+        <p:grpSp>
+          <p:nvGrpSpPr>
+            <p:cNvPr id="56" name="Group 55"/>
+            <p:cNvGrpSpPr/>
+            <p:nvPr/>
+          </p:nvGrpSpPr>
+          <p:grpSpPr>
+            <a:xfrm>
+              <a:off x="1629935" y="3064634"/>
+              <a:ext cx="1066800" cy="1812166"/>
+              <a:chOff x="877265" y="3064634"/>
+              <a:chExt cx="1066800" cy="1812166"/>
+            </a:xfrm>
+          </p:grpSpPr>
+          <p:grpSp>
+            <p:nvGrpSpPr>
+              <p:cNvPr id="65" name="Group 64"/>
+              <p:cNvGrpSpPr/>
+              <p:nvPr/>
+            </p:nvGrpSpPr>
+            <p:grpSpPr>
+              <a:xfrm>
+                <a:off x="877265" y="3064634"/>
+                <a:ext cx="1066800" cy="1812166"/>
+                <a:chOff x="877265" y="3064634"/>
+                <a:chExt cx="1066800" cy="1812166"/>
+              </a:xfrm>
+            </p:grpSpPr>
+            <p:sp>
+              <p:nvSpPr>
+                <p:cNvPr id="67" name="Oval 66"/>
+                <p:cNvSpPr/>
+                <p:nvPr/>
+              </p:nvSpPr>
+              <p:spPr>
+                <a:xfrm>
+                  <a:off x="1257300" y="3344346"/>
+                  <a:ext cx="304800" cy="304799"/>
+                </a:xfrm>
+                <a:prstGeom prst="ellipse">
+                  <a:avLst/>
+                </a:prstGeom>
+              </p:spPr>
+              <p:style>
+                <a:lnRef idx="2">
+                  <a:schemeClr val="accent1"/>
+                </a:lnRef>
+                <a:fillRef idx="1">
+                  <a:schemeClr val="lt1"/>
+                </a:fillRef>
+                <a:effectRef idx="0">
+                  <a:schemeClr val="accent1"/>
+                </a:effectRef>
+                <a:fontRef idx="minor">
+                  <a:schemeClr val="dk1"/>
+                </a:fontRef>
+              </p:style>
+              <p:txBody>
+                <a:bodyPr rtlCol="0" anchor="ctr"/>
+                <a:lstStyle/>
+                <a:p>
+                  <a:pPr algn="ctr"/>
+                  <a:endParaRPr lang="en-US" sz="1400"/>
+                </a:p>
+              </p:txBody>
+            </p:sp>
+            <p:cxnSp>
+              <p:nvCxnSpPr>
+                <p:cNvPr id="68" name="Straight Arrow Connector 67"/>
+                <p:cNvCxnSpPr/>
+                <p:nvPr/>
+              </p:nvCxnSpPr>
+              <p:spPr>
+                <a:xfrm flipH="1">
+                  <a:off x="1404153" y="3649145"/>
+                  <a:ext cx="5547" cy="576978"/>
+                </a:xfrm>
+                <a:prstGeom prst="straightConnector1">
+                  <a:avLst/>
+                </a:prstGeom>
+                <a:ln>
+                  <a:tailEnd type="arrow"/>
+                </a:ln>
+              </p:spPr>
+              <p:style>
+                <a:lnRef idx="3">
+                  <a:schemeClr val="accent1"/>
+                </a:lnRef>
+                <a:fillRef idx="0">
+                  <a:schemeClr val="accent1"/>
+                </a:fillRef>
+                <a:effectRef idx="2">
+                  <a:schemeClr val="accent1"/>
+                </a:effectRef>
+                <a:fontRef idx="minor">
+                  <a:schemeClr val="tx1"/>
+                </a:fontRef>
+              </p:style>
+            </p:cxnSp>
+            <p:sp>
+              <p:nvSpPr>
+                <p:cNvPr id="69" name="TextBox 68"/>
+                <p:cNvSpPr txBox="1"/>
+                <p:nvPr/>
+              </p:nvSpPr>
+              <p:spPr>
+                <a:xfrm>
+                  <a:off x="877265" y="3064634"/>
+                  <a:ext cx="1066800" cy="307777"/>
+                </a:xfrm>
+                <a:prstGeom prst="rect">
+                  <a:avLst/>
+                </a:prstGeom>
+                <a:noFill/>
+              </p:spPr>
+              <p:txBody>
+                <a:bodyPr wrap="square" rtlCol="0">
+                  <a:spAutoFit/>
+                </a:bodyPr>
+                <a:lstStyle/>
+                <a:p>
+                  <a:pPr algn="ctr"/>
+                  <a:r>
+                    <a:rPr lang="en-US" sz="1400" dirty="0" smtClean="0"/>
+                    <a:t>Model 2</a:t>
+                  </a:r>
+                  <a:endParaRPr lang="en-US" sz="1400" dirty="0"/>
+                </a:p>
+              </p:txBody>
+            </p:sp>
+            <p:sp>
+              <p:nvSpPr>
+                <p:cNvPr id="70" name="TextBox 69"/>
+                <p:cNvSpPr txBox="1"/>
+                <p:nvPr/>
+              </p:nvSpPr>
+              <p:spPr>
+                <a:xfrm>
+                  <a:off x="952500" y="4569023"/>
+                  <a:ext cx="918018" cy="307777"/>
+                </a:xfrm>
+                <a:prstGeom prst="rect">
+                  <a:avLst/>
+                </a:prstGeom>
+                <a:noFill/>
+              </p:spPr>
+              <p:txBody>
+                <a:bodyPr wrap="square" rtlCol="0">
+                  <a:spAutoFit/>
+                </a:bodyPr>
+                <a:lstStyle/>
+                <a:p>
+                  <a:pPr algn="ctr"/>
+                  <a:r>
+                    <a:rPr lang="en-US" sz="1400" dirty="0" smtClean="0"/>
+                    <a:t>App 2</a:t>
+                  </a:r>
+                  <a:endParaRPr lang="en-US" sz="1400" dirty="0"/>
+                </a:p>
+              </p:txBody>
+            </p:sp>
+          </p:grpSp>
+          <p:sp>
+            <p:nvSpPr>
+              <p:cNvPr id="66" name="Oval 65"/>
+              <p:cNvSpPr/>
+              <p:nvPr/>
+            </p:nvSpPr>
+            <p:spPr>
+              <a:xfrm>
+                <a:off x="1251753" y="4226123"/>
+                <a:ext cx="304800" cy="304799"/>
+              </a:xfrm>
+              <a:prstGeom prst="ellipse">
+                <a:avLst/>
+              </a:prstGeom>
+              <a:solidFill>
+                <a:schemeClr val="accent1"/>
+              </a:solidFill>
+            </p:spPr>
+            <p:style>
+              <a:lnRef idx="2">
+                <a:schemeClr val="accent1"/>
+              </a:lnRef>
+              <a:fillRef idx="1">
+                <a:schemeClr val="lt1"/>
+              </a:fillRef>
+              <a:effectRef idx="0">
+                <a:schemeClr val="accent1"/>
+              </a:effectRef>
+              <a:fontRef idx="minor">
+                <a:schemeClr val="dk1"/>
+              </a:fontRef>
+            </p:style>
+            <p:txBody>
+              <a:bodyPr rtlCol="0" anchor="ctr"/>
+              <a:lstStyle/>
+              <a:p>
+                <a:pPr algn="ctr"/>
+                <a:endParaRPr lang="en-US" sz="1400"/>
+              </a:p>
+            </p:txBody>
+          </p:sp>
+        </p:grpSp>
+        <p:grpSp>
+          <p:nvGrpSpPr>
+            <p:cNvPr id="57" name="Group 56"/>
+            <p:cNvGrpSpPr/>
+            <p:nvPr/>
+          </p:nvGrpSpPr>
+          <p:grpSpPr>
+            <a:xfrm>
+              <a:off x="2628900" y="3064634"/>
+              <a:ext cx="1066800" cy="1812166"/>
+              <a:chOff x="877265" y="3064634"/>
+              <a:chExt cx="1066800" cy="1812166"/>
+            </a:xfrm>
+          </p:grpSpPr>
+          <p:grpSp>
+            <p:nvGrpSpPr>
+              <p:cNvPr id="59" name="Group 58"/>
+              <p:cNvGrpSpPr/>
+              <p:nvPr/>
+            </p:nvGrpSpPr>
+            <p:grpSpPr>
+              <a:xfrm>
+                <a:off x="877265" y="3064634"/>
+                <a:ext cx="1066800" cy="1812166"/>
+                <a:chOff x="877265" y="3064634"/>
+                <a:chExt cx="1066800" cy="1812166"/>
+              </a:xfrm>
+            </p:grpSpPr>
+            <p:sp>
+              <p:nvSpPr>
+                <p:cNvPr id="61" name="Oval 60"/>
+                <p:cNvSpPr/>
+                <p:nvPr/>
+              </p:nvSpPr>
+              <p:spPr>
+                <a:xfrm>
+                  <a:off x="1257300" y="3344346"/>
+                  <a:ext cx="304800" cy="304799"/>
+                </a:xfrm>
+                <a:prstGeom prst="ellipse">
+                  <a:avLst/>
+                </a:prstGeom>
+              </p:spPr>
+              <p:style>
+                <a:lnRef idx="2">
+                  <a:schemeClr val="accent1"/>
+                </a:lnRef>
+                <a:fillRef idx="1">
+                  <a:schemeClr val="lt1"/>
+                </a:fillRef>
+                <a:effectRef idx="0">
+                  <a:schemeClr val="accent1"/>
+                </a:effectRef>
+                <a:fontRef idx="minor">
+                  <a:schemeClr val="dk1"/>
+                </a:fontRef>
+              </p:style>
+              <p:txBody>
+                <a:bodyPr rtlCol="0" anchor="ctr"/>
+                <a:lstStyle/>
+                <a:p>
+                  <a:pPr algn="ctr"/>
+                  <a:endParaRPr lang="en-US" sz="1400"/>
+                </a:p>
+              </p:txBody>
+            </p:sp>
+            <p:cxnSp>
+              <p:nvCxnSpPr>
+                <p:cNvPr id="62" name="Straight Arrow Connector 61"/>
+                <p:cNvCxnSpPr/>
+                <p:nvPr/>
+              </p:nvCxnSpPr>
+              <p:spPr>
+                <a:xfrm flipH="1">
+                  <a:off x="1404153" y="3649145"/>
+                  <a:ext cx="5547" cy="576978"/>
+                </a:xfrm>
+                <a:prstGeom prst="straightConnector1">
+                  <a:avLst/>
+                </a:prstGeom>
+                <a:ln>
+                  <a:tailEnd type="arrow"/>
+                </a:ln>
+              </p:spPr>
+              <p:style>
+                <a:lnRef idx="3">
+                  <a:schemeClr val="accent1"/>
+                </a:lnRef>
+                <a:fillRef idx="0">
+                  <a:schemeClr val="accent1"/>
+                </a:fillRef>
+                <a:effectRef idx="2">
+                  <a:schemeClr val="accent1"/>
+                </a:effectRef>
+                <a:fontRef idx="minor">
+                  <a:schemeClr val="tx1"/>
+                </a:fontRef>
+              </p:style>
+            </p:cxnSp>
+            <p:sp>
+              <p:nvSpPr>
+                <p:cNvPr id="63" name="TextBox 62"/>
+                <p:cNvSpPr txBox="1"/>
+                <p:nvPr/>
+              </p:nvSpPr>
+              <p:spPr>
+                <a:xfrm>
+                  <a:off x="877265" y="3064634"/>
+                  <a:ext cx="1066800" cy="307777"/>
+                </a:xfrm>
+                <a:prstGeom prst="rect">
+                  <a:avLst/>
+                </a:prstGeom>
+                <a:noFill/>
+              </p:spPr>
+              <p:txBody>
+                <a:bodyPr wrap="square" rtlCol="0">
+                  <a:spAutoFit/>
+                </a:bodyPr>
+                <a:lstStyle/>
+                <a:p>
+                  <a:pPr algn="ctr"/>
+                  <a:r>
+                    <a:rPr lang="en-US" sz="1400" dirty="0" smtClean="0"/>
+                    <a:t>Model N</a:t>
+                  </a:r>
+                  <a:endParaRPr lang="en-US" sz="1400" dirty="0"/>
+                </a:p>
+              </p:txBody>
+            </p:sp>
+            <p:sp>
+              <p:nvSpPr>
+                <p:cNvPr id="64" name="TextBox 63"/>
+                <p:cNvSpPr txBox="1"/>
+                <p:nvPr/>
+              </p:nvSpPr>
+              <p:spPr>
+                <a:xfrm>
+                  <a:off x="952500" y="4569023"/>
+                  <a:ext cx="918018" cy="307777"/>
+                </a:xfrm>
+                <a:prstGeom prst="rect">
+                  <a:avLst/>
+                </a:prstGeom>
+                <a:noFill/>
+              </p:spPr>
+              <p:txBody>
+                <a:bodyPr wrap="square" rtlCol="0">
+                  <a:spAutoFit/>
+                </a:bodyPr>
+                <a:lstStyle/>
+                <a:p>
+                  <a:pPr algn="ctr"/>
+                  <a:r>
+                    <a:rPr lang="en-US" sz="1400" dirty="0" smtClean="0"/>
+                    <a:t>App N</a:t>
+                  </a:r>
+                  <a:endParaRPr lang="en-US" sz="1400" dirty="0"/>
+                </a:p>
+              </p:txBody>
+            </p:sp>
+          </p:grpSp>
+          <p:sp>
+            <p:nvSpPr>
+              <p:cNvPr id="60" name="Oval 59"/>
+              <p:cNvSpPr/>
+              <p:nvPr/>
+            </p:nvSpPr>
+            <p:spPr>
+              <a:xfrm>
+                <a:off x="1251753" y="4226123"/>
+                <a:ext cx="304800" cy="304799"/>
+              </a:xfrm>
+              <a:prstGeom prst="ellipse">
+                <a:avLst/>
+              </a:prstGeom>
+              <a:solidFill>
+                <a:schemeClr val="accent1"/>
+              </a:solidFill>
+            </p:spPr>
+            <p:style>
+              <a:lnRef idx="2">
+                <a:schemeClr val="accent1"/>
+              </a:lnRef>
+              <a:fillRef idx="1">
+                <a:schemeClr val="lt1"/>
+              </a:fillRef>
+              <a:effectRef idx="0">
+                <a:schemeClr val="accent1"/>
+              </a:effectRef>
+              <a:fontRef idx="minor">
+                <a:schemeClr val="dk1"/>
+              </a:fontRef>
+            </p:style>
+            <p:txBody>
+              <a:bodyPr rtlCol="0" anchor="ctr"/>
+              <a:lstStyle/>
+              <a:p>
+                <a:pPr algn="ctr"/>
+                <a:endParaRPr lang="en-US" sz="1400"/>
+              </a:p>
+            </p:txBody>
+          </p:sp>
+        </p:grpSp>
+        <p:sp>
+          <p:nvSpPr>
+            <p:cNvPr id="58" name="TextBox 57"/>
+            <p:cNvSpPr txBox="1"/>
+            <p:nvPr/>
+          </p:nvSpPr>
+          <p:spPr>
+            <a:xfrm>
+              <a:off x="2389496" y="3860091"/>
+              <a:ext cx="1066800" cy="707886"/>
+            </a:xfrm>
+            <a:prstGeom prst="rect">
+              <a:avLst/>
+            </a:prstGeom>
+            <a:noFill/>
+          </p:spPr>
+          <p:txBody>
+            <a:bodyPr wrap="square" rtlCol="0">
+              <a:spAutoFit/>
+            </a:bodyPr>
+            <a:lstStyle/>
+            <a:p>
+              <a:r>
+                <a:rPr lang="en-US" sz="4000" dirty="0" smtClean="0"/>
+                <a:t>…</a:t>
+              </a:r>
+              <a:endParaRPr lang="en-US" sz="4000" dirty="0"/>
+            </a:p>
+          </p:txBody>
+        </p:sp>
+      </p:grpSp>
+      <p:grpSp>
+        <p:nvGrpSpPr>
+          <p:cNvPr id="77" name="Group 76"/>
+          <p:cNvGrpSpPr/>
+          <p:nvPr/>
+        </p:nvGrpSpPr>
+        <p:grpSpPr>
+          <a:xfrm>
+            <a:off x="4024343" y="996146"/>
+            <a:ext cx="2669653" cy="1838328"/>
+            <a:chOff x="952500" y="3038472"/>
+            <a:chExt cx="2669653" cy="1838328"/>
+          </a:xfrm>
+        </p:grpSpPr>
+        <p:grpSp>
+          <p:nvGrpSpPr>
+            <p:cNvPr id="78" name="Group 77"/>
+            <p:cNvGrpSpPr/>
+            <p:nvPr/>
+          </p:nvGrpSpPr>
+          <p:grpSpPr>
+            <a:xfrm>
+              <a:off x="952500" y="3038472"/>
+              <a:ext cx="1751635" cy="1838328"/>
+              <a:chOff x="952500" y="3038472"/>
+              <a:chExt cx="1751635" cy="1838328"/>
+            </a:xfrm>
+          </p:grpSpPr>
+          <p:grpSp>
+            <p:nvGrpSpPr>
+              <p:cNvPr id="91" name="Group 90"/>
+              <p:cNvGrpSpPr/>
+              <p:nvPr/>
+            </p:nvGrpSpPr>
+            <p:grpSpPr>
+              <a:xfrm>
+                <a:off x="952500" y="3038472"/>
+                <a:ext cx="1751635" cy="1838328"/>
+                <a:chOff x="952500" y="3038472"/>
+                <a:chExt cx="1751635" cy="1838328"/>
+              </a:xfrm>
+            </p:grpSpPr>
+            <p:cxnSp>
+              <p:nvCxnSpPr>
+                <p:cNvPr id="93" name="Straight Arrow Connector 92"/>
+                <p:cNvCxnSpPr/>
+                <p:nvPr/>
+              </p:nvCxnSpPr>
+              <p:spPr>
+                <a:xfrm flipH="1">
+                  <a:off x="1404153" y="3477695"/>
+                  <a:ext cx="608591" cy="748428"/>
+                </a:xfrm>
+                <a:prstGeom prst="straightConnector1">
+                  <a:avLst/>
+                </a:prstGeom>
+                <a:ln>
+                  <a:tailEnd type="arrow"/>
+                </a:ln>
+              </p:spPr>
+              <p:style>
+                <a:lnRef idx="3">
+                  <a:schemeClr val="accent1"/>
+                </a:lnRef>
+                <a:fillRef idx="0">
+                  <a:schemeClr val="accent1"/>
+                </a:fillRef>
+                <a:effectRef idx="2">
+                  <a:schemeClr val="accent1"/>
+                </a:effectRef>
+                <a:fontRef idx="minor">
+                  <a:schemeClr val="tx1"/>
+                </a:fontRef>
+              </p:style>
+            </p:cxnSp>
+            <p:sp>
+              <p:nvSpPr>
+                <p:cNvPr id="94" name="TextBox 93"/>
+                <p:cNvSpPr txBox="1"/>
+                <p:nvPr/>
+              </p:nvSpPr>
+              <p:spPr>
+                <a:xfrm>
+                  <a:off x="1637335" y="3038472"/>
+                  <a:ext cx="1066800" cy="307777"/>
+                </a:xfrm>
+                <a:prstGeom prst="rect">
+                  <a:avLst/>
+                </a:prstGeom>
+                <a:noFill/>
+              </p:spPr>
+              <p:txBody>
+                <a:bodyPr wrap="square" rtlCol="0">
+                  <a:spAutoFit/>
+                </a:bodyPr>
+                <a:lstStyle/>
+                <a:p>
+                  <a:pPr algn="ctr"/>
+                  <a:r>
+                    <a:rPr lang="en-US" sz="1400" smtClean="0"/>
+                    <a:t>Model</a:t>
+                  </a:r>
+                  <a:endParaRPr lang="en-US" sz="1400" dirty="0"/>
+                </a:p>
+              </p:txBody>
+            </p:sp>
+            <p:sp>
+              <p:nvSpPr>
+                <p:cNvPr id="95" name="TextBox 94"/>
+                <p:cNvSpPr txBox="1"/>
+                <p:nvPr/>
+              </p:nvSpPr>
+              <p:spPr>
+                <a:xfrm>
+                  <a:off x="952500" y="4569023"/>
+                  <a:ext cx="918018" cy="307777"/>
+                </a:xfrm>
+                <a:prstGeom prst="rect">
+                  <a:avLst/>
+                </a:prstGeom>
+                <a:noFill/>
+              </p:spPr>
+              <p:txBody>
+                <a:bodyPr wrap="square" rtlCol="0">
+                  <a:spAutoFit/>
+                </a:bodyPr>
+                <a:lstStyle/>
+                <a:p>
+                  <a:pPr algn="ctr"/>
+                  <a:r>
+                    <a:rPr lang="en-US" sz="1400" dirty="0" smtClean="0"/>
+                    <a:t>App 1</a:t>
+                  </a:r>
+                  <a:endParaRPr lang="en-US" sz="1400" dirty="0"/>
+                </a:p>
+              </p:txBody>
+            </p:sp>
+          </p:grpSp>
+          <p:sp>
+            <p:nvSpPr>
+              <p:cNvPr id="92" name="Oval 91"/>
+              <p:cNvSpPr/>
+              <p:nvPr/>
+            </p:nvSpPr>
+            <p:spPr>
+              <a:xfrm>
+                <a:off x="1251753" y="4226123"/>
+                <a:ext cx="304800" cy="304799"/>
+              </a:xfrm>
+              <a:prstGeom prst="ellipse">
+                <a:avLst/>
+              </a:prstGeom>
+              <a:solidFill>
+                <a:schemeClr val="accent1"/>
+              </a:solidFill>
+            </p:spPr>
+            <p:style>
+              <a:lnRef idx="2">
+                <a:schemeClr val="accent1"/>
+              </a:lnRef>
+              <a:fillRef idx="1">
+                <a:schemeClr val="lt1"/>
+              </a:fillRef>
+              <a:effectRef idx="0">
+                <a:schemeClr val="accent1"/>
+              </a:effectRef>
+              <a:fontRef idx="minor">
+                <a:schemeClr val="dk1"/>
+              </a:fontRef>
+            </p:style>
+            <p:txBody>
+              <a:bodyPr rtlCol="0" anchor="ctr"/>
+              <a:lstStyle/>
+              <a:p>
+                <a:pPr algn="ctr"/>
+                <a:endParaRPr lang="en-US" sz="1400"/>
+              </a:p>
+            </p:txBody>
+          </p:sp>
+        </p:grpSp>
+        <p:grpSp>
+          <p:nvGrpSpPr>
+            <p:cNvPr id="79" name="Group 78"/>
+            <p:cNvGrpSpPr/>
+            <p:nvPr/>
+          </p:nvGrpSpPr>
+          <p:grpSpPr>
+            <a:xfrm>
+              <a:off x="1705170" y="3344346"/>
+              <a:ext cx="918018" cy="1532454"/>
+              <a:chOff x="952500" y="3344346"/>
+              <a:chExt cx="918018" cy="1532454"/>
+            </a:xfrm>
+          </p:grpSpPr>
+          <p:grpSp>
+            <p:nvGrpSpPr>
+              <p:cNvPr id="86" name="Group 85"/>
+              <p:cNvGrpSpPr/>
+              <p:nvPr/>
+            </p:nvGrpSpPr>
+            <p:grpSpPr>
+              <a:xfrm>
+                <a:off x="952500" y="3344346"/>
+                <a:ext cx="918018" cy="1532454"/>
+                <a:chOff x="952500" y="3344346"/>
+                <a:chExt cx="918018" cy="1532454"/>
+              </a:xfrm>
+            </p:grpSpPr>
+            <p:sp>
+              <p:nvSpPr>
+                <p:cNvPr id="88" name="Oval 87"/>
+                <p:cNvSpPr/>
+                <p:nvPr/>
+              </p:nvSpPr>
+              <p:spPr>
+                <a:xfrm>
+                  <a:off x="1257300" y="3344346"/>
+                  <a:ext cx="304800" cy="304799"/>
+                </a:xfrm>
+                <a:prstGeom prst="ellipse">
+                  <a:avLst/>
+                </a:prstGeom>
+              </p:spPr>
+              <p:style>
+                <a:lnRef idx="2">
+                  <a:schemeClr val="accent1"/>
+                </a:lnRef>
+                <a:fillRef idx="1">
+                  <a:schemeClr val="lt1"/>
+                </a:fillRef>
+                <a:effectRef idx="0">
+                  <a:schemeClr val="accent1"/>
+                </a:effectRef>
+                <a:fontRef idx="minor">
+                  <a:schemeClr val="dk1"/>
+                </a:fontRef>
+              </p:style>
+              <p:txBody>
+                <a:bodyPr rtlCol="0" anchor="ctr"/>
+                <a:lstStyle/>
+                <a:p>
+                  <a:pPr algn="ctr"/>
+                  <a:endParaRPr lang="en-US" sz="1400"/>
+                </a:p>
+              </p:txBody>
+            </p:sp>
+            <p:cxnSp>
+              <p:nvCxnSpPr>
+                <p:cNvPr id="89" name="Straight Arrow Connector 88"/>
+                <p:cNvCxnSpPr/>
+                <p:nvPr/>
+              </p:nvCxnSpPr>
+              <p:spPr>
+                <a:xfrm flipH="1">
+                  <a:off x="1404153" y="3649145"/>
+                  <a:ext cx="5547" cy="576978"/>
+                </a:xfrm>
+                <a:prstGeom prst="straightConnector1">
+                  <a:avLst/>
+                </a:prstGeom>
+                <a:ln>
+                  <a:tailEnd type="arrow"/>
+                </a:ln>
+              </p:spPr>
+              <p:style>
+                <a:lnRef idx="3">
+                  <a:schemeClr val="accent1"/>
+                </a:lnRef>
+                <a:fillRef idx="0">
+                  <a:schemeClr val="accent1"/>
+                </a:fillRef>
+                <a:effectRef idx="2">
+                  <a:schemeClr val="accent1"/>
+                </a:effectRef>
+                <a:fontRef idx="minor">
+                  <a:schemeClr val="tx1"/>
+                </a:fontRef>
+              </p:style>
+            </p:cxnSp>
+            <p:sp>
+              <p:nvSpPr>
+                <p:cNvPr id="90" name="TextBox 89"/>
+                <p:cNvSpPr txBox="1"/>
+                <p:nvPr/>
+              </p:nvSpPr>
+              <p:spPr>
+                <a:xfrm>
+                  <a:off x="952500" y="4569023"/>
+                  <a:ext cx="918018" cy="307777"/>
+                </a:xfrm>
+                <a:prstGeom prst="rect">
+                  <a:avLst/>
+                </a:prstGeom>
+                <a:noFill/>
+              </p:spPr>
+              <p:txBody>
+                <a:bodyPr wrap="square" rtlCol="0">
+                  <a:spAutoFit/>
+                </a:bodyPr>
+                <a:lstStyle/>
+                <a:p>
+                  <a:pPr algn="ctr"/>
+                  <a:r>
+                    <a:rPr lang="en-US" sz="1400" dirty="0" smtClean="0"/>
+                    <a:t>App 2</a:t>
+                  </a:r>
+                  <a:endParaRPr lang="en-US" sz="1400" dirty="0"/>
+                </a:p>
+              </p:txBody>
+            </p:sp>
+          </p:grpSp>
+          <p:sp>
+            <p:nvSpPr>
+              <p:cNvPr id="87" name="Oval 86"/>
+              <p:cNvSpPr/>
+              <p:nvPr/>
+            </p:nvSpPr>
+            <p:spPr>
+              <a:xfrm>
+                <a:off x="1251753" y="4226123"/>
+                <a:ext cx="304800" cy="304799"/>
+              </a:xfrm>
+              <a:prstGeom prst="ellipse">
+                <a:avLst/>
+              </a:prstGeom>
+              <a:solidFill>
+                <a:schemeClr val="accent1"/>
+              </a:solidFill>
+            </p:spPr>
+            <p:style>
+              <a:lnRef idx="2">
+                <a:schemeClr val="accent1"/>
+              </a:lnRef>
+              <a:fillRef idx="1">
+                <a:schemeClr val="lt1"/>
+              </a:fillRef>
+              <a:effectRef idx="0">
+                <a:schemeClr val="accent1"/>
+              </a:effectRef>
+              <a:fontRef idx="minor">
+                <a:schemeClr val="dk1"/>
+              </a:fontRef>
+            </p:style>
+            <p:txBody>
+              <a:bodyPr rtlCol="0" anchor="ctr"/>
+              <a:lstStyle/>
+              <a:p>
+                <a:pPr algn="ctr"/>
+                <a:endParaRPr lang="en-US" sz="1400"/>
+              </a:p>
+            </p:txBody>
+          </p:sp>
+        </p:grpSp>
+        <p:grpSp>
+          <p:nvGrpSpPr>
+            <p:cNvPr id="80" name="Group 79"/>
+            <p:cNvGrpSpPr/>
+            <p:nvPr/>
+          </p:nvGrpSpPr>
+          <p:grpSpPr>
+            <a:xfrm>
+              <a:off x="2306449" y="3477695"/>
+              <a:ext cx="1315704" cy="1399105"/>
+              <a:chOff x="554814" y="3477695"/>
+              <a:chExt cx="1315704" cy="1399105"/>
+            </a:xfrm>
+          </p:grpSpPr>
+          <p:grpSp>
+            <p:nvGrpSpPr>
+              <p:cNvPr id="82" name="Group 81"/>
+              <p:cNvGrpSpPr/>
+              <p:nvPr/>
+            </p:nvGrpSpPr>
+            <p:grpSpPr>
+              <a:xfrm>
+                <a:off x="554814" y="3477695"/>
+                <a:ext cx="1315704" cy="1399105"/>
+                <a:chOff x="554814" y="3477695"/>
+                <a:chExt cx="1315704" cy="1399105"/>
+              </a:xfrm>
+            </p:grpSpPr>
+            <p:cxnSp>
+              <p:nvCxnSpPr>
+                <p:cNvPr id="84" name="Straight Arrow Connector 83"/>
+                <p:cNvCxnSpPr/>
+                <p:nvPr/>
+              </p:nvCxnSpPr>
+              <p:spPr>
+                <a:xfrm>
+                  <a:off x="554814" y="3477695"/>
+                  <a:ext cx="840944" cy="748428"/>
+                </a:xfrm>
+                <a:prstGeom prst="straightConnector1">
+                  <a:avLst/>
+                </a:prstGeom>
+                <a:ln>
+                  <a:tailEnd type="arrow"/>
+                </a:ln>
+              </p:spPr>
+              <p:style>
+                <a:lnRef idx="3">
+                  <a:schemeClr val="accent1"/>
+                </a:lnRef>
+                <a:fillRef idx="0">
+                  <a:schemeClr val="accent1"/>
+                </a:fillRef>
+                <a:effectRef idx="2">
+                  <a:schemeClr val="accent1"/>
+                </a:effectRef>
+                <a:fontRef idx="minor">
+                  <a:schemeClr val="tx1"/>
+                </a:fontRef>
+              </p:style>
+            </p:cxnSp>
+            <p:sp>
+              <p:nvSpPr>
+                <p:cNvPr id="85" name="TextBox 84"/>
+                <p:cNvSpPr txBox="1"/>
+                <p:nvPr/>
+              </p:nvSpPr>
+              <p:spPr>
+                <a:xfrm>
+                  <a:off x="952500" y="4569023"/>
+                  <a:ext cx="918018" cy="307777"/>
+                </a:xfrm>
+                <a:prstGeom prst="rect">
+                  <a:avLst/>
+                </a:prstGeom>
+                <a:noFill/>
+              </p:spPr>
+              <p:txBody>
+                <a:bodyPr wrap="square" rtlCol="0">
+                  <a:spAutoFit/>
+                </a:bodyPr>
+                <a:lstStyle/>
+                <a:p>
+                  <a:pPr algn="ctr"/>
+                  <a:r>
+                    <a:rPr lang="en-US" sz="1400" dirty="0" smtClean="0"/>
+                    <a:t>App N</a:t>
+                  </a:r>
+                  <a:endParaRPr lang="en-US" sz="1400" dirty="0"/>
+                </a:p>
+              </p:txBody>
+            </p:sp>
+          </p:grpSp>
+          <p:sp>
+            <p:nvSpPr>
+              <p:cNvPr id="83" name="Oval 82"/>
+              <p:cNvSpPr/>
+              <p:nvPr/>
+            </p:nvSpPr>
+            <p:spPr>
+              <a:xfrm>
+                <a:off x="1251753" y="4226123"/>
+                <a:ext cx="304800" cy="304799"/>
+              </a:xfrm>
+              <a:prstGeom prst="ellipse">
+                <a:avLst/>
+              </a:prstGeom>
+              <a:solidFill>
+                <a:schemeClr val="accent1"/>
+              </a:solidFill>
+            </p:spPr>
+            <p:style>
+              <a:lnRef idx="2">
+                <a:schemeClr val="accent1"/>
+              </a:lnRef>
+              <a:fillRef idx="1">
+                <a:schemeClr val="lt1"/>
+              </a:fillRef>
+              <a:effectRef idx="0">
+                <a:schemeClr val="accent1"/>
+              </a:effectRef>
+              <a:fontRef idx="minor">
+                <a:schemeClr val="dk1"/>
+              </a:fontRef>
+            </p:style>
+            <p:txBody>
+              <a:bodyPr rtlCol="0" anchor="ctr"/>
+              <a:lstStyle/>
+              <a:p>
+                <a:pPr algn="ctr"/>
+                <a:endParaRPr lang="en-US" sz="1400"/>
+              </a:p>
+            </p:txBody>
+          </p:sp>
+        </p:grpSp>
+        <p:sp>
+          <p:nvSpPr>
+            <p:cNvPr id="81" name="TextBox 80"/>
+            <p:cNvSpPr txBox="1"/>
+            <p:nvPr/>
+          </p:nvSpPr>
+          <p:spPr>
+            <a:xfrm>
+              <a:off x="2377129" y="3868340"/>
+              <a:ext cx="533400" cy="707886"/>
+            </a:xfrm>
+            <a:prstGeom prst="rect">
+              <a:avLst/>
+            </a:prstGeom>
+            <a:noFill/>
+          </p:spPr>
+          <p:txBody>
+            <a:bodyPr wrap="square" rtlCol="0">
+              <a:spAutoFit/>
+            </a:bodyPr>
+            <a:lstStyle/>
+            <a:p>
+              <a:r>
+                <a:rPr lang="en-US" sz="4000" dirty="0" smtClean="0"/>
+                <a:t>…</a:t>
+              </a:r>
+              <a:endParaRPr lang="en-US" sz="4000" dirty="0"/>
+            </a:p>
+          </p:txBody>
+        </p:sp>
+      </p:grpSp>
     </p:spTree>
     <p:extLst>
       <p:ext uri="{BB962C8B-B14F-4D97-AF65-F5344CB8AC3E}">
         <p14:creationId xmlns:p14="http://schemas.microsoft.com/office/powerpoint/2010/main" val="1573538249"/>
+      </p:ext>
+    </p:extLst>
+  </p:cSld>
+  <p:clrMapOvr>
+    <a:masterClrMapping/>
+  </p:clrMapOvr>
+</p:sld>
+</file>
+
+<file path=ppt/slides/slide5.xml><?xml version="1.0" encoding="utf-8"?>
+<p:sld xmlns:a="http://schemas.openxmlformats.org/drawingml/2006/main" xmlns:r="http://schemas.openxmlformats.org/officeDocument/2006/relationships" xmlns:p="http://schemas.openxmlformats.org/presentationml/2006/main">
+  <p:cSld>
+    <p:spTree>
+      <p:nvGrpSpPr>
+        <p:cNvPr id="1" name=""/>
+        <p:cNvGrpSpPr/>
+        <p:nvPr/>
+      </p:nvGrpSpPr>
+      <p:grpSpPr>
+        <a:xfrm>
+          <a:off x="0" y="0"/>
+          <a:ext cx="0" cy="0"/>
+          <a:chOff x="0" y="0"/>
+          <a:chExt cx="0" cy="0"/>
+        </a:xfrm>
+      </p:grpSpPr>
+      <p:grpSp>
+        <p:nvGrpSpPr>
+          <p:cNvPr id="127" name="Group 126"/>
+          <p:cNvGrpSpPr/>
+          <p:nvPr/>
+        </p:nvGrpSpPr>
+        <p:grpSpPr>
+          <a:xfrm>
+            <a:off x="1072452" y="1253925"/>
+            <a:ext cx="2526675" cy="1702600"/>
+            <a:chOff x="1072452" y="1253925"/>
+            <a:chExt cx="2526675" cy="1702600"/>
+          </a:xfrm>
+        </p:grpSpPr>
+        <p:grpSp>
+          <p:nvGrpSpPr>
+            <p:cNvPr id="55" name="Group 54"/>
+            <p:cNvGrpSpPr/>
+            <p:nvPr/>
+          </p:nvGrpSpPr>
+          <p:grpSpPr>
+            <a:xfrm>
+              <a:off x="1072452" y="1253925"/>
+              <a:ext cx="956367" cy="1702600"/>
+              <a:chOff x="877265" y="2999140"/>
+              <a:chExt cx="1066800" cy="1916287"/>
+            </a:xfrm>
+          </p:grpSpPr>
+          <p:grpSp>
+            <p:nvGrpSpPr>
+              <p:cNvPr id="71" name="Group 70"/>
+              <p:cNvGrpSpPr/>
+              <p:nvPr/>
+            </p:nvGrpSpPr>
+            <p:grpSpPr>
+              <a:xfrm>
+                <a:off x="877265" y="2999140"/>
+                <a:ext cx="1066800" cy="1916287"/>
+                <a:chOff x="877265" y="2999140"/>
+                <a:chExt cx="1066800" cy="1916287"/>
+              </a:xfrm>
+            </p:grpSpPr>
+            <p:sp>
+              <p:nvSpPr>
+                <p:cNvPr id="73" name="Oval 72"/>
+                <p:cNvSpPr/>
+                <p:nvPr/>
+              </p:nvSpPr>
+              <p:spPr>
+                <a:xfrm>
+                  <a:off x="1257300" y="3344346"/>
+                  <a:ext cx="304800" cy="304799"/>
+                </a:xfrm>
+                <a:prstGeom prst="ellipse">
+                  <a:avLst/>
+                </a:prstGeom>
+              </p:spPr>
+              <p:style>
+                <a:lnRef idx="2">
+                  <a:schemeClr val="accent1"/>
+                </a:lnRef>
+                <a:fillRef idx="1">
+                  <a:schemeClr val="lt1"/>
+                </a:fillRef>
+                <a:effectRef idx="0">
+                  <a:schemeClr val="accent1"/>
+                </a:effectRef>
+                <a:fontRef idx="minor">
+                  <a:schemeClr val="dk1"/>
+                </a:fontRef>
+              </p:style>
+              <p:txBody>
+                <a:bodyPr rtlCol="0" anchor="ctr"/>
+                <a:lstStyle/>
+                <a:p>
+                  <a:pPr algn="ctr"/>
+                  <a:endParaRPr lang="en-US" sz="1400"/>
+                </a:p>
+              </p:txBody>
+            </p:sp>
+            <p:cxnSp>
+              <p:nvCxnSpPr>
+                <p:cNvPr id="74" name="Straight Arrow Connector 73"/>
+                <p:cNvCxnSpPr/>
+                <p:nvPr/>
+              </p:nvCxnSpPr>
+              <p:spPr>
+                <a:xfrm flipH="1">
+                  <a:off x="1404153" y="3649145"/>
+                  <a:ext cx="5547" cy="576978"/>
+                </a:xfrm>
+                <a:prstGeom prst="straightConnector1">
+                  <a:avLst/>
+                </a:prstGeom>
+                <a:ln w="12700">
+                  <a:tailEnd type="stealth"/>
+                </a:ln>
+              </p:spPr>
+              <p:style>
+                <a:lnRef idx="3">
+                  <a:schemeClr val="accent1"/>
+                </a:lnRef>
+                <a:fillRef idx="0">
+                  <a:schemeClr val="accent1"/>
+                </a:fillRef>
+                <a:effectRef idx="2">
+                  <a:schemeClr val="accent1"/>
+                </a:effectRef>
+                <a:fontRef idx="minor">
+                  <a:schemeClr val="tx1"/>
+                </a:fontRef>
+              </p:style>
+            </p:cxnSp>
+            <p:sp>
+              <p:nvSpPr>
+                <p:cNvPr id="75" name="TextBox 74"/>
+                <p:cNvSpPr txBox="1"/>
+                <p:nvPr/>
+              </p:nvSpPr>
+              <p:spPr>
+                <a:xfrm>
+                  <a:off x="877265" y="2999140"/>
+                  <a:ext cx="1066800" cy="346405"/>
+                </a:xfrm>
+                <a:prstGeom prst="rect">
+                  <a:avLst/>
+                </a:prstGeom>
+                <a:noFill/>
+              </p:spPr>
+              <p:txBody>
+                <a:bodyPr wrap="square" rtlCol="0">
+                  <a:spAutoFit/>
+                </a:bodyPr>
+                <a:lstStyle/>
+                <a:p>
+                  <a:pPr algn="ctr"/>
+                  <a:r>
+                    <a:rPr lang="en-US" sz="1400" dirty="0" smtClean="0"/>
+                    <a:t>Model 1</a:t>
+                  </a:r>
+                  <a:endParaRPr lang="en-US" sz="1400" dirty="0"/>
+                </a:p>
+              </p:txBody>
+            </p:sp>
+            <p:sp>
+              <p:nvSpPr>
+                <p:cNvPr id="76" name="TextBox 75"/>
+                <p:cNvSpPr txBox="1"/>
+                <p:nvPr/>
+              </p:nvSpPr>
+              <p:spPr>
+                <a:xfrm>
+                  <a:off x="952500" y="4569022"/>
+                  <a:ext cx="918018" cy="346405"/>
+                </a:xfrm>
+                <a:prstGeom prst="rect">
+                  <a:avLst/>
+                </a:prstGeom>
+                <a:noFill/>
+              </p:spPr>
+              <p:txBody>
+                <a:bodyPr wrap="square" rtlCol="0">
+                  <a:spAutoFit/>
+                </a:bodyPr>
+                <a:lstStyle/>
+                <a:p>
+                  <a:pPr algn="ctr"/>
+                  <a:r>
+                    <a:rPr lang="en-US" sz="1400" dirty="0" smtClean="0"/>
+                    <a:t>App 1</a:t>
+                  </a:r>
+                  <a:endParaRPr lang="en-US" sz="1400" dirty="0"/>
+                </a:p>
+              </p:txBody>
+            </p:sp>
+          </p:grpSp>
+          <p:sp>
+            <p:nvSpPr>
+              <p:cNvPr id="72" name="Oval 71"/>
+              <p:cNvSpPr/>
+              <p:nvPr/>
+            </p:nvSpPr>
+            <p:spPr>
+              <a:xfrm>
+                <a:off x="1251753" y="4226123"/>
+                <a:ext cx="304800" cy="304799"/>
+              </a:xfrm>
+              <a:prstGeom prst="ellipse">
+                <a:avLst/>
+              </a:prstGeom>
+              <a:solidFill>
+                <a:schemeClr val="accent1"/>
+              </a:solidFill>
+            </p:spPr>
+            <p:style>
+              <a:lnRef idx="2">
+                <a:schemeClr val="accent1"/>
+              </a:lnRef>
+              <a:fillRef idx="1">
+                <a:schemeClr val="lt1"/>
+              </a:fillRef>
+              <a:effectRef idx="0">
+                <a:schemeClr val="accent1"/>
+              </a:effectRef>
+              <a:fontRef idx="minor">
+                <a:schemeClr val="dk1"/>
+              </a:fontRef>
+            </p:style>
+            <p:txBody>
+              <a:bodyPr rtlCol="0" anchor="ctr"/>
+              <a:lstStyle/>
+              <a:p>
+                <a:pPr algn="ctr"/>
+                <a:endParaRPr lang="en-US" sz="1400"/>
+              </a:p>
+            </p:txBody>
+          </p:sp>
+        </p:grpSp>
+        <p:grpSp>
+          <p:nvGrpSpPr>
+            <p:cNvPr id="56" name="Group 55"/>
+            <p:cNvGrpSpPr/>
+            <p:nvPr/>
+          </p:nvGrpSpPr>
+          <p:grpSpPr>
+            <a:xfrm>
+              <a:off x="1747207" y="1253925"/>
+              <a:ext cx="956367" cy="1702600"/>
+              <a:chOff x="877265" y="2999140"/>
+              <a:chExt cx="1066800" cy="1916287"/>
+            </a:xfrm>
+          </p:grpSpPr>
+          <p:grpSp>
+            <p:nvGrpSpPr>
+              <p:cNvPr id="65" name="Group 64"/>
+              <p:cNvGrpSpPr/>
+              <p:nvPr/>
+            </p:nvGrpSpPr>
+            <p:grpSpPr>
+              <a:xfrm>
+                <a:off x="877265" y="2999140"/>
+                <a:ext cx="1066800" cy="1916287"/>
+                <a:chOff x="877265" y="2999140"/>
+                <a:chExt cx="1066800" cy="1916287"/>
+              </a:xfrm>
+            </p:grpSpPr>
+            <p:sp>
+              <p:nvSpPr>
+                <p:cNvPr id="67" name="Oval 66"/>
+                <p:cNvSpPr/>
+                <p:nvPr/>
+              </p:nvSpPr>
+              <p:spPr>
+                <a:xfrm>
+                  <a:off x="1257300" y="3344346"/>
+                  <a:ext cx="304800" cy="304799"/>
+                </a:xfrm>
+                <a:prstGeom prst="ellipse">
+                  <a:avLst/>
+                </a:prstGeom>
+              </p:spPr>
+              <p:style>
+                <a:lnRef idx="2">
+                  <a:schemeClr val="accent1"/>
+                </a:lnRef>
+                <a:fillRef idx="1">
+                  <a:schemeClr val="lt1"/>
+                </a:fillRef>
+                <a:effectRef idx="0">
+                  <a:schemeClr val="accent1"/>
+                </a:effectRef>
+                <a:fontRef idx="minor">
+                  <a:schemeClr val="dk1"/>
+                </a:fontRef>
+              </p:style>
+              <p:txBody>
+                <a:bodyPr rtlCol="0" anchor="ctr"/>
+                <a:lstStyle/>
+                <a:p>
+                  <a:pPr algn="ctr"/>
+                  <a:endParaRPr lang="en-US" sz="1400"/>
+                </a:p>
+              </p:txBody>
+            </p:sp>
+            <p:cxnSp>
+              <p:nvCxnSpPr>
+                <p:cNvPr id="68" name="Straight Arrow Connector 67"/>
+                <p:cNvCxnSpPr/>
+                <p:nvPr/>
+              </p:nvCxnSpPr>
+              <p:spPr>
+                <a:xfrm flipH="1">
+                  <a:off x="1404153" y="3649145"/>
+                  <a:ext cx="5547" cy="576978"/>
+                </a:xfrm>
+                <a:prstGeom prst="straightConnector1">
+                  <a:avLst/>
+                </a:prstGeom>
+                <a:ln w="12700">
+                  <a:tailEnd type="stealth"/>
+                </a:ln>
+              </p:spPr>
+              <p:style>
+                <a:lnRef idx="3">
+                  <a:schemeClr val="accent1"/>
+                </a:lnRef>
+                <a:fillRef idx="0">
+                  <a:schemeClr val="accent1"/>
+                </a:fillRef>
+                <a:effectRef idx="2">
+                  <a:schemeClr val="accent1"/>
+                </a:effectRef>
+                <a:fontRef idx="minor">
+                  <a:schemeClr val="tx1"/>
+                </a:fontRef>
+              </p:style>
+            </p:cxnSp>
+            <p:sp>
+              <p:nvSpPr>
+                <p:cNvPr id="69" name="TextBox 68"/>
+                <p:cNvSpPr txBox="1"/>
+                <p:nvPr/>
+              </p:nvSpPr>
+              <p:spPr>
+                <a:xfrm>
+                  <a:off x="877265" y="2999140"/>
+                  <a:ext cx="1066800" cy="346405"/>
+                </a:xfrm>
+                <a:prstGeom prst="rect">
+                  <a:avLst/>
+                </a:prstGeom>
+                <a:noFill/>
+              </p:spPr>
+              <p:txBody>
+                <a:bodyPr wrap="square" rtlCol="0">
+                  <a:spAutoFit/>
+                </a:bodyPr>
+                <a:lstStyle/>
+                <a:p>
+                  <a:pPr algn="ctr"/>
+                  <a:r>
+                    <a:rPr lang="en-US" sz="1400" dirty="0" smtClean="0"/>
+                    <a:t>Model 2</a:t>
+                  </a:r>
+                  <a:endParaRPr lang="en-US" sz="1400" dirty="0"/>
+                </a:p>
+              </p:txBody>
+            </p:sp>
+            <p:sp>
+              <p:nvSpPr>
+                <p:cNvPr id="70" name="TextBox 69"/>
+                <p:cNvSpPr txBox="1"/>
+                <p:nvPr/>
+              </p:nvSpPr>
+              <p:spPr>
+                <a:xfrm>
+                  <a:off x="952500" y="4569022"/>
+                  <a:ext cx="918018" cy="346405"/>
+                </a:xfrm>
+                <a:prstGeom prst="rect">
+                  <a:avLst/>
+                </a:prstGeom>
+                <a:noFill/>
+              </p:spPr>
+              <p:txBody>
+                <a:bodyPr wrap="square" rtlCol="0">
+                  <a:spAutoFit/>
+                </a:bodyPr>
+                <a:lstStyle/>
+                <a:p>
+                  <a:pPr algn="ctr"/>
+                  <a:r>
+                    <a:rPr lang="en-US" sz="1400" dirty="0" smtClean="0"/>
+                    <a:t>App 2</a:t>
+                  </a:r>
+                  <a:endParaRPr lang="en-US" sz="1400" dirty="0"/>
+                </a:p>
+              </p:txBody>
+            </p:sp>
+          </p:grpSp>
+          <p:sp>
+            <p:nvSpPr>
+              <p:cNvPr id="66" name="Oval 65"/>
+              <p:cNvSpPr/>
+              <p:nvPr/>
+            </p:nvSpPr>
+            <p:spPr>
+              <a:xfrm>
+                <a:off x="1251753" y="4226123"/>
+                <a:ext cx="304800" cy="304799"/>
+              </a:xfrm>
+              <a:prstGeom prst="ellipse">
+                <a:avLst/>
+              </a:prstGeom>
+              <a:solidFill>
+                <a:schemeClr val="accent1"/>
+              </a:solidFill>
+            </p:spPr>
+            <p:style>
+              <a:lnRef idx="2">
+                <a:schemeClr val="accent1"/>
+              </a:lnRef>
+              <a:fillRef idx="1">
+                <a:schemeClr val="lt1"/>
+              </a:fillRef>
+              <a:effectRef idx="0">
+                <a:schemeClr val="accent1"/>
+              </a:effectRef>
+              <a:fontRef idx="minor">
+                <a:schemeClr val="dk1"/>
+              </a:fontRef>
+            </p:style>
+            <p:txBody>
+              <a:bodyPr rtlCol="0" anchor="ctr"/>
+              <a:lstStyle/>
+              <a:p>
+                <a:pPr algn="ctr"/>
+                <a:endParaRPr lang="en-US" sz="1400"/>
+              </a:p>
+            </p:txBody>
+          </p:sp>
+        </p:grpSp>
+        <p:grpSp>
+          <p:nvGrpSpPr>
+            <p:cNvPr id="57" name="Group 56"/>
+            <p:cNvGrpSpPr/>
+            <p:nvPr/>
+          </p:nvGrpSpPr>
+          <p:grpSpPr>
+            <a:xfrm>
+              <a:off x="2642760" y="1253925"/>
+              <a:ext cx="956367" cy="1702600"/>
+              <a:chOff x="877265" y="2999140"/>
+              <a:chExt cx="1066800" cy="1916287"/>
+            </a:xfrm>
+          </p:grpSpPr>
+          <p:grpSp>
+            <p:nvGrpSpPr>
+              <p:cNvPr id="59" name="Group 58"/>
+              <p:cNvGrpSpPr/>
+              <p:nvPr/>
+            </p:nvGrpSpPr>
+            <p:grpSpPr>
+              <a:xfrm>
+                <a:off x="877265" y="2999140"/>
+                <a:ext cx="1066800" cy="1916287"/>
+                <a:chOff x="877265" y="2999140"/>
+                <a:chExt cx="1066800" cy="1916287"/>
+              </a:xfrm>
+            </p:grpSpPr>
+            <p:sp>
+              <p:nvSpPr>
+                <p:cNvPr id="61" name="Oval 60"/>
+                <p:cNvSpPr/>
+                <p:nvPr/>
+              </p:nvSpPr>
+              <p:spPr>
+                <a:xfrm>
+                  <a:off x="1257300" y="3344346"/>
+                  <a:ext cx="304800" cy="304799"/>
+                </a:xfrm>
+                <a:prstGeom prst="ellipse">
+                  <a:avLst/>
+                </a:prstGeom>
+              </p:spPr>
+              <p:style>
+                <a:lnRef idx="2">
+                  <a:schemeClr val="accent1"/>
+                </a:lnRef>
+                <a:fillRef idx="1">
+                  <a:schemeClr val="lt1"/>
+                </a:fillRef>
+                <a:effectRef idx="0">
+                  <a:schemeClr val="accent1"/>
+                </a:effectRef>
+                <a:fontRef idx="minor">
+                  <a:schemeClr val="dk1"/>
+                </a:fontRef>
+              </p:style>
+              <p:txBody>
+                <a:bodyPr rtlCol="0" anchor="ctr"/>
+                <a:lstStyle/>
+                <a:p>
+                  <a:pPr algn="ctr"/>
+                  <a:endParaRPr lang="en-US" sz="1400"/>
+                </a:p>
+              </p:txBody>
+            </p:sp>
+            <p:cxnSp>
+              <p:nvCxnSpPr>
+                <p:cNvPr id="62" name="Straight Arrow Connector 61"/>
+                <p:cNvCxnSpPr/>
+                <p:nvPr/>
+              </p:nvCxnSpPr>
+              <p:spPr>
+                <a:xfrm flipH="1">
+                  <a:off x="1404153" y="3649145"/>
+                  <a:ext cx="5547" cy="576978"/>
+                </a:xfrm>
+                <a:prstGeom prst="straightConnector1">
+                  <a:avLst/>
+                </a:prstGeom>
+                <a:ln w="12700">
+                  <a:tailEnd type="stealth"/>
+                </a:ln>
+              </p:spPr>
+              <p:style>
+                <a:lnRef idx="3">
+                  <a:schemeClr val="accent1"/>
+                </a:lnRef>
+                <a:fillRef idx="0">
+                  <a:schemeClr val="accent1"/>
+                </a:fillRef>
+                <a:effectRef idx="2">
+                  <a:schemeClr val="accent1"/>
+                </a:effectRef>
+                <a:fontRef idx="minor">
+                  <a:schemeClr val="tx1"/>
+                </a:fontRef>
+              </p:style>
+            </p:cxnSp>
+            <p:sp>
+              <p:nvSpPr>
+                <p:cNvPr id="63" name="TextBox 62"/>
+                <p:cNvSpPr txBox="1"/>
+                <p:nvPr/>
+              </p:nvSpPr>
+              <p:spPr>
+                <a:xfrm>
+                  <a:off x="877265" y="2999140"/>
+                  <a:ext cx="1066800" cy="346405"/>
+                </a:xfrm>
+                <a:prstGeom prst="rect">
+                  <a:avLst/>
+                </a:prstGeom>
+                <a:noFill/>
+              </p:spPr>
+              <p:txBody>
+                <a:bodyPr wrap="square" rtlCol="0">
+                  <a:spAutoFit/>
+                </a:bodyPr>
+                <a:lstStyle/>
+                <a:p>
+                  <a:pPr algn="ctr"/>
+                  <a:r>
+                    <a:rPr lang="en-US" sz="1400" dirty="0" smtClean="0"/>
+                    <a:t>Model N</a:t>
+                  </a:r>
+                  <a:endParaRPr lang="en-US" sz="1400" dirty="0"/>
+                </a:p>
+              </p:txBody>
+            </p:sp>
+            <p:sp>
+              <p:nvSpPr>
+                <p:cNvPr id="64" name="TextBox 63"/>
+                <p:cNvSpPr txBox="1"/>
+                <p:nvPr/>
+              </p:nvSpPr>
+              <p:spPr>
+                <a:xfrm>
+                  <a:off x="952500" y="4569022"/>
+                  <a:ext cx="918018" cy="346405"/>
+                </a:xfrm>
+                <a:prstGeom prst="rect">
+                  <a:avLst/>
+                </a:prstGeom>
+                <a:noFill/>
+              </p:spPr>
+              <p:txBody>
+                <a:bodyPr wrap="square" rtlCol="0">
+                  <a:spAutoFit/>
+                </a:bodyPr>
+                <a:lstStyle/>
+                <a:p>
+                  <a:pPr algn="ctr"/>
+                  <a:r>
+                    <a:rPr lang="en-US" sz="1400" dirty="0" smtClean="0"/>
+                    <a:t>App N</a:t>
+                  </a:r>
+                  <a:endParaRPr lang="en-US" sz="1400" dirty="0"/>
+                </a:p>
+              </p:txBody>
+            </p:sp>
+          </p:grpSp>
+          <p:sp>
+            <p:nvSpPr>
+              <p:cNvPr id="60" name="Oval 59"/>
+              <p:cNvSpPr/>
+              <p:nvPr/>
+            </p:nvSpPr>
+            <p:spPr>
+              <a:xfrm>
+                <a:off x="1251753" y="4226123"/>
+                <a:ext cx="304800" cy="304799"/>
+              </a:xfrm>
+              <a:prstGeom prst="ellipse">
+                <a:avLst/>
+              </a:prstGeom>
+              <a:solidFill>
+                <a:schemeClr val="accent1"/>
+              </a:solidFill>
+            </p:spPr>
+            <p:style>
+              <a:lnRef idx="2">
+                <a:schemeClr val="accent1"/>
+              </a:lnRef>
+              <a:fillRef idx="1">
+                <a:schemeClr val="lt1"/>
+              </a:fillRef>
+              <a:effectRef idx="0">
+                <a:schemeClr val="accent1"/>
+              </a:effectRef>
+              <a:fontRef idx="minor">
+                <a:schemeClr val="dk1"/>
+              </a:fontRef>
+            </p:style>
+            <p:txBody>
+              <a:bodyPr rtlCol="0" anchor="ctr"/>
+              <a:lstStyle/>
+              <a:p>
+                <a:pPr algn="ctr"/>
+                <a:endParaRPr lang="en-US" sz="1400"/>
+              </a:p>
+            </p:txBody>
+          </p:sp>
+        </p:grpSp>
+        <p:sp>
+          <p:nvSpPr>
+            <p:cNvPr id="58" name="TextBox 57"/>
+            <p:cNvSpPr txBox="1"/>
+            <p:nvPr/>
+          </p:nvSpPr>
+          <p:spPr>
+            <a:xfrm>
+              <a:off x="2466799" y="2354814"/>
+              <a:ext cx="956367" cy="307777"/>
+            </a:xfrm>
+            <a:prstGeom prst="rect">
+              <a:avLst/>
+            </a:prstGeom>
+            <a:noFill/>
+          </p:spPr>
+          <p:txBody>
+            <a:bodyPr wrap="square" rtlCol="0">
+              <a:spAutoFit/>
+            </a:bodyPr>
+            <a:lstStyle/>
+            <a:p>
+              <a:r>
+                <a:rPr lang="en-US" sz="1400" dirty="0" smtClean="0"/>
+                <a:t>- - - </a:t>
+              </a:r>
+              <a:endParaRPr lang="en-US" sz="1400" dirty="0"/>
+            </a:p>
+          </p:txBody>
+        </p:sp>
+      </p:grpSp>
+      <p:grpSp>
+        <p:nvGrpSpPr>
+          <p:cNvPr id="128" name="Group 127"/>
+          <p:cNvGrpSpPr/>
+          <p:nvPr/>
+        </p:nvGrpSpPr>
+        <p:grpSpPr>
+          <a:xfrm>
+            <a:off x="3718768" y="1207874"/>
+            <a:ext cx="2260550" cy="1667653"/>
+            <a:chOff x="3718768" y="1207874"/>
+            <a:chExt cx="2260550" cy="1667653"/>
+          </a:xfrm>
+        </p:grpSpPr>
+        <p:grpSp>
+          <p:nvGrpSpPr>
+            <p:cNvPr id="78" name="Group 77"/>
+            <p:cNvGrpSpPr/>
+            <p:nvPr/>
+          </p:nvGrpSpPr>
+          <p:grpSpPr>
+            <a:xfrm>
+              <a:off x="3718768" y="1207874"/>
+              <a:ext cx="1570308" cy="1667653"/>
+              <a:chOff x="952500" y="3038470"/>
+              <a:chExt cx="1751635" cy="1876957"/>
+            </a:xfrm>
+          </p:grpSpPr>
+          <p:grpSp>
+            <p:nvGrpSpPr>
+              <p:cNvPr id="91" name="Group 90"/>
+              <p:cNvGrpSpPr/>
+              <p:nvPr/>
+            </p:nvGrpSpPr>
+            <p:grpSpPr>
+              <a:xfrm>
+                <a:off x="952500" y="3038470"/>
+                <a:ext cx="1751635" cy="1876957"/>
+                <a:chOff x="952500" y="3038470"/>
+                <a:chExt cx="1751635" cy="1876957"/>
+              </a:xfrm>
+            </p:grpSpPr>
+            <p:cxnSp>
+              <p:nvCxnSpPr>
+                <p:cNvPr id="93" name="Straight Arrow Connector 92"/>
+                <p:cNvCxnSpPr/>
+                <p:nvPr/>
+              </p:nvCxnSpPr>
+              <p:spPr>
+                <a:xfrm flipH="1">
+                  <a:off x="1404153" y="3477695"/>
+                  <a:ext cx="608591" cy="748428"/>
+                </a:xfrm>
+                <a:prstGeom prst="straightConnector1">
+                  <a:avLst/>
+                </a:prstGeom>
+                <a:ln w="12700">
+                  <a:tailEnd type="stealth"/>
+                </a:ln>
+              </p:spPr>
+              <p:style>
+                <a:lnRef idx="3">
+                  <a:schemeClr val="accent1"/>
+                </a:lnRef>
+                <a:fillRef idx="0">
+                  <a:schemeClr val="accent1"/>
+                </a:fillRef>
+                <a:effectRef idx="2">
+                  <a:schemeClr val="accent1"/>
+                </a:effectRef>
+                <a:fontRef idx="minor">
+                  <a:schemeClr val="tx1"/>
+                </a:fontRef>
+              </p:style>
+            </p:cxnSp>
+            <p:sp>
+              <p:nvSpPr>
+                <p:cNvPr id="94" name="TextBox 93"/>
+                <p:cNvSpPr txBox="1"/>
+                <p:nvPr/>
+              </p:nvSpPr>
+              <p:spPr>
+                <a:xfrm>
+                  <a:off x="1637335" y="3038470"/>
+                  <a:ext cx="1066800" cy="346405"/>
+                </a:xfrm>
+                <a:prstGeom prst="rect">
+                  <a:avLst/>
+                </a:prstGeom>
+                <a:noFill/>
+              </p:spPr>
+              <p:txBody>
+                <a:bodyPr wrap="square" rtlCol="0">
+                  <a:spAutoFit/>
+                </a:bodyPr>
+                <a:lstStyle/>
+                <a:p>
+                  <a:pPr algn="ctr"/>
+                  <a:r>
+                    <a:rPr lang="en-US" sz="1400" dirty="0" smtClean="0"/>
+                    <a:t>Model</a:t>
+                  </a:r>
+                  <a:endParaRPr lang="en-US" sz="1400" dirty="0"/>
+                </a:p>
+              </p:txBody>
+            </p:sp>
+            <p:sp>
+              <p:nvSpPr>
+                <p:cNvPr id="95" name="TextBox 94"/>
+                <p:cNvSpPr txBox="1"/>
+                <p:nvPr/>
+              </p:nvSpPr>
+              <p:spPr>
+                <a:xfrm>
+                  <a:off x="952500" y="4569022"/>
+                  <a:ext cx="918018" cy="346405"/>
+                </a:xfrm>
+                <a:prstGeom prst="rect">
+                  <a:avLst/>
+                </a:prstGeom>
+                <a:noFill/>
+              </p:spPr>
+              <p:txBody>
+                <a:bodyPr wrap="square" rtlCol="0">
+                  <a:spAutoFit/>
+                </a:bodyPr>
+                <a:lstStyle/>
+                <a:p>
+                  <a:pPr algn="ctr"/>
+                  <a:r>
+                    <a:rPr lang="en-US" sz="1400" dirty="0" smtClean="0"/>
+                    <a:t>App 1</a:t>
+                  </a:r>
+                  <a:endParaRPr lang="en-US" sz="1400" dirty="0"/>
+                </a:p>
+              </p:txBody>
+            </p:sp>
+          </p:grpSp>
+          <p:sp>
+            <p:nvSpPr>
+              <p:cNvPr id="92" name="Oval 91"/>
+              <p:cNvSpPr/>
+              <p:nvPr/>
+            </p:nvSpPr>
+            <p:spPr>
+              <a:xfrm>
+                <a:off x="1251753" y="4226123"/>
+                <a:ext cx="304800" cy="304799"/>
+              </a:xfrm>
+              <a:prstGeom prst="ellipse">
+                <a:avLst/>
+              </a:prstGeom>
+              <a:solidFill>
+                <a:schemeClr val="accent1"/>
+              </a:solidFill>
+            </p:spPr>
+            <p:style>
+              <a:lnRef idx="2">
+                <a:schemeClr val="accent1"/>
+              </a:lnRef>
+              <a:fillRef idx="1">
+                <a:schemeClr val="lt1"/>
+              </a:fillRef>
+              <a:effectRef idx="0">
+                <a:schemeClr val="accent1"/>
+              </a:effectRef>
+              <a:fontRef idx="minor">
+                <a:schemeClr val="dk1"/>
+              </a:fontRef>
+            </p:style>
+            <p:txBody>
+              <a:bodyPr rtlCol="0" anchor="ctr"/>
+              <a:lstStyle/>
+              <a:p>
+                <a:pPr algn="ctr"/>
+                <a:endParaRPr lang="en-US" sz="1400"/>
+              </a:p>
+            </p:txBody>
+          </p:sp>
+        </p:grpSp>
+        <p:grpSp>
+          <p:nvGrpSpPr>
+            <p:cNvPr id="79" name="Group 78"/>
+            <p:cNvGrpSpPr/>
+            <p:nvPr/>
+          </p:nvGrpSpPr>
+          <p:grpSpPr>
+            <a:xfrm>
+              <a:off x="4393523" y="1479640"/>
+              <a:ext cx="822986" cy="1395886"/>
+              <a:chOff x="952500" y="3344346"/>
+              <a:chExt cx="918018" cy="1571081"/>
+            </a:xfrm>
+          </p:grpSpPr>
+          <p:grpSp>
+            <p:nvGrpSpPr>
+              <p:cNvPr id="86" name="Group 85"/>
+              <p:cNvGrpSpPr/>
+              <p:nvPr/>
+            </p:nvGrpSpPr>
+            <p:grpSpPr>
+              <a:xfrm>
+                <a:off x="952500" y="3344346"/>
+                <a:ext cx="918018" cy="1571081"/>
+                <a:chOff x="952500" y="3344346"/>
+                <a:chExt cx="918018" cy="1571081"/>
+              </a:xfrm>
+            </p:grpSpPr>
+            <p:sp>
+              <p:nvSpPr>
+                <p:cNvPr id="88" name="Oval 87"/>
+                <p:cNvSpPr/>
+                <p:nvPr/>
+              </p:nvSpPr>
+              <p:spPr>
+                <a:xfrm>
+                  <a:off x="1257300" y="3344346"/>
+                  <a:ext cx="304800" cy="304799"/>
+                </a:xfrm>
+                <a:prstGeom prst="ellipse">
+                  <a:avLst/>
+                </a:prstGeom>
+              </p:spPr>
+              <p:style>
+                <a:lnRef idx="2">
+                  <a:schemeClr val="accent1"/>
+                </a:lnRef>
+                <a:fillRef idx="1">
+                  <a:schemeClr val="lt1"/>
+                </a:fillRef>
+                <a:effectRef idx="0">
+                  <a:schemeClr val="accent1"/>
+                </a:effectRef>
+                <a:fontRef idx="minor">
+                  <a:schemeClr val="dk1"/>
+                </a:fontRef>
+              </p:style>
+              <p:txBody>
+                <a:bodyPr rtlCol="0" anchor="ctr"/>
+                <a:lstStyle/>
+                <a:p>
+                  <a:pPr algn="ctr"/>
+                  <a:endParaRPr lang="en-US" sz="1400"/>
+                </a:p>
+              </p:txBody>
+            </p:sp>
+            <p:cxnSp>
+              <p:nvCxnSpPr>
+                <p:cNvPr id="89" name="Straight Arrow Connector 88"/>
+                <p:cNvCxnSpPr/>
+                <p:nvPr/>
+              </p:nvCxnSpPr>
+              <p:spPr>
+                <a:xfrm flipH="1">
+                  <a:off x="1404153" y="3649145"/>
+                  <a:ext cx="5547" cy="576978"/>
+                </a:xfrm>
+                <a:prstGeom prst="straightConnector1">
+                  <a:avLst/>
+                </a:prstGeom>
+                <a:ln w="12700">
+                  <a:tailEnd type="stealth"/>
+                </a:ln>
+              </p:spPr>
+              <p:style>
+                <a:lnRef idx="3">
+                  <a:schemeClr val="accent1"/>
+                </a:lnRef>
+                <a:fillRef idx="0">
+                  <a:schemeClr val="accent1"/>
+                </a:fillRef>
+                <a:effectRef idx="2">
+                  <a:schemeClr val="accent1"/>
+                </a:effectRef>
+                <a:fontRef idx="minor">
+                  <a:schemeClr val="tx1"/>
+                </a:fontRef>
+              </p:style>
+            </p:cxnSp>
+            <p:sp>
+              <p:nvSpPr>
+                <p:cNvPr id="90" name="TextBox 89"/>
+                <p:cNvSpPr txBox="1"/>
+                <p:nvPr/>
+              </p:nvSpPr>
+              <p:spPr>
+                <a:xfrm>
+                  <a:off x="952500" y="4569022"/>
+                  <a:ext cx="918018" cy="346405"/>
+                </a:xfrm>
+                <a:prstGeom prst="rect">
+                  <a:avLst/>
+                </a:prstGeom>
+                <a:noFill/>
+              </p:spPr>
+              <p:txBody>
+                <a:bodyPr wrap="square" rtlCol="0">
+                  <a:spAutoFit/>
+                </a:bodyPr>
+                <a:lstStyle/>
+                <a:p>
+                  <a:pPr algn="ctr"/>
+                  <a:r>
+                    <a:rPr lang="en-US" sz="1400" dirty="0" smtClean="0"/>
+                    <a:t>App 2</a:t>
+                  </a:r>
+                  <a:endParaRPr lang="en-US" sz="1400" dirty="0"/>
+                </a:p>
+              </p:txBody>
+            </p:sp>
+          </p:grpSp>
+          <p:sp>
+            <p:nvSpPr>
+              <p:cNvPr id="87" name="Oval 86"/>
+              <p:cNvSpPr/>
+              <p:nvPr/>
+            </p:nvSpPr>
+            <p:spPr>
+              <a:xfrm>
+                <a:off x="1251753" y="4226123"/>
+                <a:ext cx="304800" cy="304799"/>
+              </a:xfrm>
+              <a:prstGeom prst="ellipse">
+                <a:avLst/>
+              </a:prstGeom>
+              <a:solidFill>
+                <a:schemeClr val="accent1"/>
+              </a:solidFill>
+            </p:spPr>
+            <p:style>
+              <a:lnRef idx="2">
+                <a:schemeClr val="accent1"/>
+              </a:lnRef>
+              <a:fillRef idx="1">
+                <a:schemeClr val="lt1"/>
+              </a:fillRef>
+              <a:effectRef idx="0">
+                <a:schemeClr val="accent1"/>
+              </a:effectRef>
+              <a:fontRef idx="minor">
+                <a:schemeClr val="dk1"/>
+              </a:fontRef>
+            </p:style>
+            <p:txBody>
+              <a:bodyPr rtlCol="0" anchor="ctr"/>
+              <a:lstStyle/>
+              <a:p>
+                <a:pPr algn="ctr"/>
+                <a:endParaRPr lang="en-US" sz="1400"/>
+              </a:p>
+            </p:txBody>
+          </p:sp>
+        </p:grpSp>
+        <p:grpSp>
+          <p:nvGrpSpPr>
+            <p:cNvPr id="80" name="Group 79"/>
+            <p:cNvGrpSpPr/>
+            <p:nvPr/>
+          </p:nvGrpSpPr>
+          <p:grpSpPr>
+            <a:xfrm>
+              <a:off x="4940018" y="1615044"/>
+              <a:ext cx="1039300" cy="1252300"/>
+              <a:chOff x="563135" y="3496746"/>
+              <a:chExt cx="1159310" cy="1409475"/>
+            </a:xfrm>
+          </p:grpSpPr>
+          <p:grpSp>
+            <p:nvGrpSpPr>
+              <p:cNvPr id="82" name="Group 81"/>
+              <p:cNvGrpSpPr/>
+              <p:nvPr/>
+            </p:nvGrpSpPr>
+            <p:grpSpPr>
+              <a:xfrm>
+                <a:off x="563135" y="3496746"/>
+                <a:ext cx="1159310" cy="1409475"/>
+                <a:chOff x="563135" y="3496746"/>
+                <a:chExt cx="1159310" cy="1409475"/>
+              </a:xfrm>
+            </p:grpSpPr>
+            <p:cxnSp>
+              <p:nvCxnSpPr>
+                <p:cNvPr id="84" name="Straight Arrow Connector 83"/>
+                <p:cNvCxnSpPr>
+                  <a:stCxn id="88" idx="6"/>
+                </p:cNvCxnSpPr>
+                <p:nvPr/>
+              </p:nvCxnSpPr>
+              <p:spPr>
+                <a:xfrm>
+                  <a:off x="563135" y="3496746"/>
+                  <a:ext cx="681621" cy="720988"/>
+                </a:xfrm>
+                <a:prstGeom prst="straightConnector1">
+                  <a:avLst/>
+                </a:prstGeom>
+                <a:ln w="12700">
+                  <a:tailEnd type="stealth"/>
+                </a:ln>
+              </p:spPr>
+              <p:style>
+                <a:lnRef idx="3">
+                  <a:schemeClr val="accent1"/>
+                </a:lnRef>
+                <a:fillRef idx="0">
+                  <a:schemeClr val="accent1"/>
+                </a:fillRef>
+                <a:effectRef idx="2">
+                  <a:schemeClr val="accent1"/>
+                </a:effectRef>
+                <a:fontRef idx="minor">
+                  <a:schemeClr val="tx1"/>
+                </a:fontRef>
+              </p:style>
+            </p:cxnSp>
+            <p:sp>
+              <p:nvSpPr>
+                <p:cNvPr id="85" name="TextBox 84"/>
+                <p:cNvSpPr txBox="1"/>
+                <p:nvPr/>
+              </p:nvSpPr>
+              <p:spPr>
+                <a:xfrm>
+                  <a:off x="804427" y="4559815"/>
+                  <a:ext cx="918018" cy="346406"/>
+                </a:xfrm>
+                <a:prstGeom prst="rect">
+                  <a:avLst/>
+                </a:prstGeom>
+                <a:noFill/>
+              </p:spPr>
+              <p:txBody>
+                <a:bodyPr wrap="square" rtlCol="0">
+                  <a:spAutoFit/>
+                </a:bodyPr>
+                <a:lstStyle/>
+                <a:p>
+                  <a:pPr algn="ctr"/>
+                  <a:r>
+                    <a:rPr lang="en-US" sz="1400" dirty="0" smtClean="0"/>
+                    <a:t>App N</a:t>
+                  </a:r>
+                  <a:endParaRPr lang="en-US" sz="1400" dirty="0"/>
+                </a:p>
+              </p:txBody>
+            </p:sp>
+          </p:grpSp>
+          <p:sp>
+            <p:nvSpPr>
+              <p:cNvPr id="83" name="Oval 82"/>
+              <p:cNvSpPr/>
+              <p:nvPr/>
+            </p:nvSpPr>
+            <p:spPr>
+              <a:xfrm>
+                <a:off x="1100751" y="4217734"/>
+                <a:ext cx="304800" cy="304799"/>
+              </a:xfrm>
+              <a:prstGeom prst="ellipse">
+                <a:avLst/>
+              </a:prstGeom>
+              <a:noFill/>
+            </p:spPr>
+            <p:style>
+              <a:lnRef idx="2">
+                <a:schemeClr val="accent1"/>
+              </a:lnRef>
+              <a:fillRef idx="1">
+                <a:schemeClr val="lt1"/>
+              </a:fillRef>
+              <a:effectRef idx="0">
+                <a:schemeClr val="accent1"/>
+              </a:effectRef>
+              <a:fontRef idx="minor">
+                <a:schemeClr val="dk1"/>
+              </a:fontRef>
+            </p:style>
+            <p:txBody>
+              <a:bodyPr rtlCol="0" anchor="ctr"/>
+              <a:lstStyle/>
+              <a:p>
+                <a:pPr algn="ctr"/>
+                <a:endParaRPr lang="en-US" sz="1400"/>
+              </a:p>
+            </p:txBody>
+          </p:sp>
+        </p:grpSp>
+        <p:sp>
+          <p:nvSpPr>
+            <p:cNvPr id="125" name="TextBox 124"/>
+            <p:cNvSpPr txBox="1"/>
+            <p:nvPr/>
+          </p:nvSpPr>
+          <p:spPr>
+            <a:xfrm>
+              <a:off x="4963835" y="2274386"/>
+              <a:ext cx="956367" cy="307777"/>
+            </a:xfrm>
+            <a:prstGeom prst="rect">
+              <a:avLst/>
+            </a:prstGeom>
+            <a:noFill/>
+          </p:spPr>
+          <p:txBody>
+            <a:bodyPr wrap="square" rtlCol="0">
+              <a:spAutoFit/>
+            </a:bodyPr>
+            <a:lstStyle/>
+            <a:p>
+              <a:r>
+                <a:rPr lang="en-US" sz="1400" smtClean="0"/>
+                <a:t>- - - </a:t>
+              </a:r>
+              <a:endParaRPr lang="en-US" sz="1400" dirty="0"/>
+            </a:p>
+          </p:txBody>
+        </p:sp>
+      </p:grpSp>
+      <p:grpSp>
+        <p:nvGrpSpPr>
+          <p:cNvPr id="129" name="Group 128"/>
+          <p:cNvGrpSpPr/>
+          <p:nvPr/>
+        </p:nvGrpSpPr>
+        <p:grpSpPr>
+          <a:xfrm>
+            <a:off x="6053434" y="416634"/>
+            <a:ext cx="2188358" cy="2458892"/>
+            <a:chOff x="6053434" y="416634"/>
+            <a:chExt cx="2188358" cy="2458892"/>
+          </a:xfrm>
+        </p:grpSpPr>
+        <p:grpSp>
+          <p:nvGrpSpPr>
+            <p:cNvPr id="96" name="Group 95"/>
+            <p:cNvGrpSpPr/>
+            <p:nvPr/>
+          </p:nvGrpSpPr>
+          <p:grpSpPr>
+            <a:xfrm>
+              <a:off x="6053434" y="1479639"/>
+              <a:ext cx="2188358" cy="1395887"/>
+              <a:chOff x="952500" y="3344346"/>
+              <a:chExt cx="2441051" cy="1571083"/>
+            </a:xfrm>
+          </p:grpSpPr>
+          <p:grpSp>
+            <p:nvGrpSpPr>
+              <p:cNvPr id="97" name="Group 96"/>
+              <p:cNvGrpSpPr/>
+              <p:nvPr/>
+            </p:nvGrpSpPr>
+            <p:grpSpPr>
+              <a:xfrm>
+                <a:off x="952500" y="3344346"/>
+                <a:ext cx="918018" cy="1571082"/>
+                <a:chOff x="952500" y="3344346"/>
+                <a:chExt cx="918018" cy="1571082"/>
+              </a:xfrm>
+            </p:grpSpPr>
+            <p:grpSp>
+              <p:nvGrpSpPr>
+                <p:cNvPr id="113" name="Group 112"/>
+                <p:cNvGrpSpPr/>
+                <p:nvPr/>
+              </p:nvGrpSpPr>
+              <p:grpSpPr>
+                <a:xfrm>
+                  <a:off x="952500" y="3344346"/>
+                  <a:ext cx="918018" cy="1571082"/>
+                  <a:chOff x="952500" y="3344346"/>
+                  <a:chExt cx="918018" cy="1571082"/>
+                </a:xfrm>
+              </p:grpSpPr>
+              <p:sp>
+                <p:nvSpPr>
+                  <p:cNvPr id="115" name="Oval 114"/>
+                  <p:cNvSpPr/>
+                  <p:nvPr/>
+                </p:nvSpPr>
+                <p:spPr>
+                  <a:xfrm>
+                    <a:off x="1257300" y="3344346"/>
+                    <a:ext cx="304800" cy="304799"/>
+                  </a:xfrm>
+                  <a:prstGeom prst="ellipse">
+                    <a:avLst/>
+                  </a:prstGeom>
+                </p:spPr>
+                <p:style>
+                  <a:lnRef idx="2">
+                    <a:schemeClr val="accent1"/>
+                  </a:lnRef>
+                  <a:fillRef idx="1">
+                    <a:schemeClr val="lt1"/>
+                  </a:fillRef>
+                  <a:effectRef idx="0">
+                    <a:schemeClr val="accent1"/>
+                  </a:effectRef>
+                  <a:fontRef idx="minor">
+                    <a:schemeClr val="dk1"/>
+                  </a:fontRef>
+                </p:style>
+                <p:txBody>
+                  <a:bodyPr rtlCol="0" anchor="ctr"/>
+                  <a:lstStyle/>
+                  <a:p>
+                    <a:pPr algn="ctr"/>
+                    <a:endParaRPr lang="en-US" sz="1400"/>
+                  </a:p>
+                </p:txBody>
+              </p:sp>
+              <p:cxnSp>
+                <p:nvCxnSpPr>
+                  <p:cNvPr id="116" name="Straight Arrow Connector 115"/>
+                  <p:cNvCxnSpPr/>
+                  <p:nvPr/>
+                </p:nvCxnSpPr>
+                <p:spPr>
+                  <a:xfrm flipH="1">
+                    <a:off x="1404153" y="3649145"/>
+                    <a:ext cx="5547" cy="576978"/>
+                  </a:xfrm>
+                  <a:prstGeom prst="straightConnector1">
+                    <a:avLst/>
+                  </a:prstGeom>
+                  <a:ln w="12700">
+                    <a:tailEnd type="stealth"/>
+                  </a:ln>
+                </p:spPr>
+                <p:style>
+                  <a:lnRef idx="3">
+                    <a:schemeClr val="accent1"/>
+                  </a:lnRef>
+                  <a:fillRef idx="0">
+                    <a:schemeClr val="accent1"/>
+                  </a:fillRef>
+                  <a:effectRef idx="2">
+                    <a:schemeClr val="accent1"/>
+                  </a:effectRef>
+                  <a:fontRef idx="minor">
+                    <a:schemeClr val="tx1"/>
+                  </a:fontRef>
+                </p:style>
+              </p:cxnSp>
+              <p:sp>
+                <p:nvSpPr>
+                  <p:cNvPr id="118" name="TextBox 117"/>
+                  <p:cNvSpPr txBox="1"/>
+                  <p:nvPr/>
+                </p:nvSpPr>
+                <p:spPr>
+                  <a:xfrm>
+                    <a:off x="952500" y="4569022"/>
+                    <a:ext cx="918018" cy="346406"/>
+                  </a:xfrm>
+                  <a:prstGeom prst="rect">
+                    <a:avLst/>
+                  </a:prstGeom>
+                  <a:noFill/>
+                </p:spPr>
+                <p:txBody>
+                  <a:bodyPr wrap="square" rtlCol="0">
+                    <a:spAutoFit/>
+                  </a:bodyPr>
+                  <a:lstStyle/>
+                  <a:p>
+                    <a:pPr algn="ctr"/>
+                    <a:r>
+                      <a:rPr lang="en-US" sz="1400" dirty="0" smtClean="0"/>
+                      <a:t>App 1</a:t>
+                    </a:r>
+                    <a:endParaRPr lang="en-US" sz="1400" dirty="0"/>
+                  </a:p>
+                </p:txBody>
+              </p:sp>
+            </p:grpSp>
+            <p:sp>
+              <p:nvSpPr>
+                <p:cNvPr id="114" name="Oval 113"/>
+                <p:cNvSpPr/>
+                <p:nvPr/>
+              </p:nvSpPr>
+              <p:spPr>
+                <a:xfrm>
+                  <a:off x="1251753" y="4226123"/>
+                  <a:ext cx="304800" cy="304799"/>
+                </a:xfrm>
+                <a:prstGeom prst="ellipse">
+                  <a:avLst/>
+                </a:prstGeom>
+                <a:solidFill>
+                  <a:schemeClr val="accent1"/>
+                </a:solidFill>
+              </p:spPr>
+              <p:style>
+                <a:lnRef idx="2">
+                  <a:schemeClr val="accent1"/>
+                </a:lnRef>
+                <a:fillRef idx="1">
+                  <a:schemeClr val="lt1"/>
+                </a:fillRef>
+                <a:effectRef idx="0">
+                  <a:schemeClr val="accent1"/>
+                </a:effectRef>
+                <a:fontRef idx="minor">
+                  <a:schemeClr val="dk1"/>
+                </a:fontRef>
+              </p:style>
+              <p:txBody>
+                <a:bodyPr rtlCol="0" anchor="ctr"/>
+                <a:lstStyle/>
+                <a:p>
+                  <a:pPr algn="ctr"/>
+                  <a:endParaRPr lang="en-US" sz="1400"/>
+                </a:p>
+              </p:txBody>
+            </p:sp>
+          </p:grpSp>
+          <p:grpSp>
+            <p:nvGrpSpPr>
+              <p:cNvPr id="98" name="Group 97"/>
+              <p:cNvGrpSpPr/>
+              <p:nvPr/>
+            </p:nvGrpSpPr>
+            <p:grpSpPr>
+              <a:xfrm>
+                <a:off x="1705170" y="3344346"/>
+                <a:ext cx="918018" cy="1571083"/>
+                <a:chOff x="952500" y="3344346"/>
+                <a:chExt cx="918018" cy="1571083"/>
+              </a:xfrm>
+            </p:grpSpPr>
+            <p:grpSp>
+              <p:nvGrpSpPr>
+                <p:cNvPr id="107" name="Group 106"/>
+                <p:cNvGrpSpPr/>
+                <p:nvPr/>
+              </p:nvGrpSpPr>
+              <p:grpSpPr>
+                <a:xfrm>
+                  <a:off x="952500" y="3344346"/>
+                  <a:ext cx="918018" cy="1571083"/>
+                  <a:chOff x="952500" y="3344346"/>
+                  <a:chExt cx="918018" cy="1571083"/>
+                </a:xfrm>
+              </p:grpSpPr>
+              <p:sp>
+                <p:nvSpPr>
+                  <p:cNvPr id="109" name="Oval 108"/>
+                  <p:cNvSpPr/>
+                  <p:nvPr/>
+                </p:nvSpPr>
+                <p:spPr>
+                  <a:xfrm>
+                    <a:off x="1257300" y="3344346"/>
+                    <a:ext cx="304800" cy="304799"/>
+                  </a:xfrm>
+                  <a:prstGeom prst="ellipse">
+                    <a:avLst/>
+                  </a:prstGeom>
+                </p:spPr>
+                <p:style>
+                  <a:lnRef idx="2">
+                    <a:schemeClr val="accent1"/>
+                  </a:lnRef>
+                  <a:fillRef idx="1">
+                    <a:schemeClr val="lt1"/>
+                  </a:fillRef>
+                  <a:effectRef idx="0">
+                    <a:schemeClr val="accent1"/>
+                  </a:effectRef>
+                  <a:fontRef idx="minor">
+                    <a:schemeClr val="dk1"/>
+                  </a:fontRef>
+                </p:style>
+                <p:txBody>
+                  <a:bodyPr rtlCol="0" anchor="ctr"/>
+                  <a:lstStyle/>
+                  <a:p>
+                    <a:pPr algn="ctr"/>
+                    <a:endParaRPr lang="en-US" sz="1400"/>
+                  </a:p>
+                </p:txBody>
+              </p:sp>
+              <p:cxnSp>
+                <p:nvCxnSpPr>
+                  <p:cNvPr id="110" name="Straight Arrow Connector 109"/>
+                  <p:cNvCxnSpPr/>
+                  <p:nvPr/>
+                </p:nvCxnSpPr>
+                <p:spPr>
+                  <a:xfrm flipH="1">
+                    <a:off x="1404153" y="3649145"/>
+                    <a:ext cx="5547" cy="576978"/>
+                  </a:xfrm>
+                  <a:prstGeom prst="straightConnector1">
+                    <a:avLst/>
+                  </a:prstGeom>
+                  <a:ln w="12700">
+                    <a:tailEnd type="stealth"/>
+                  </a:ln>
+                </p:spPr>
+                <p:style>
+                  <a:lnRef idx="3">
+                    <a:schemeClr val="accent1"/>
+                  </a:lnRef>
+                  <a:fillRef idx="0">
+                    <a:schemeClr val="accent1"/>
+                  </a:fillRef>
+                  <a:effectRef idx="2">
+                    <a:schemeClr val="accent1"/>
+                  </a:effectRef>
+                  <a:fontRef idx="minor">
+                    <a:schemeClr val="tx1"/>
+                  </a:fontRef>
+                </p:style>
+              </p:cxnSp>
+              <p:sp>
+                <p:nvSpPr>
+                  <p:cNvPr id="112" name="TextBox 111"/>
+                  <p:cNvSpPr txBox="1"/>
+                  <p:nvPr/>
+                </p:nvSpPr>
+                <p:spPr>
+                  <a:xfrm>
+                    <a:off x="952500" y="4569023"/>
+                    <a:ext cx="918018" cy="346406"/>
+                  </a:xfrm>
+                  <a:prstGeom prst="rect">
+                    <a:avLst/>
+                  </a:prstGeom>
+                  <a:noFill/>
+                </p:spPr>
+                <p:txBody>
+                  <a:bodyPr wrap="square" rtlCol="0">
+                    <a:spAutoFit/>
+                  </a:bodyPr>
+                  <a:lstStyle/>
+                  <a:p>
+                    <a:pPr algn="ctr"/>
+                    <a:r>
+                      <a:rPr lang="en-US" sz="1400" dirty="0" smtClean="0"/>
+                      <a:t>App 2</a:t>
+                    </a:r>
+                    <a:endParaRPr lang="en-US" sz="1400" dirty="0"/>
+                  </a:p>
+                </p:txBody>
+              </p:sp>
+            </p:grpSp>
+            <p:sp>
+              <p:nvSpPr>
+                <p:cNvPr id="108" name="Oval 107"/>
+                <p:cNvSpPr/>
+                <p:nvPr/>
+              </p:nvSpPr>
+              <p:spPr>
+                <a:xfrm>
+                  <a:off x="1251753" y="4226123"/>
+                  <a:ext cx="304800" cy="304799"/>
+                </a:xfrm>
+                <a:prstGeom prst="ellipse">
+                  <a:avLst/>
+                </a:prstGeom>
+                <a:solidFill>
+                  <a:schemeClr val="accent1"/>
+                </a:solidFill>
+              </p:spPr>
+              <p:style>
+                <a:lnRef idx="2">
+                  <a:schemeClr val="accent1"/>
+                </a:lnRef>
+                <a:fillRef idx="1">
+                  <a:schemeClr val="lt1"/>
+                </a:fillRef>
+                <a:effectRef idx="0">
+                  <a:schemeClr val="accent1"/>
+                </a:effectRef>
+                <a:fontRef idx="minor">
+                  <a:schemeClr val="dk1"/>
+                </a:fontRef>
+              </p:style>
+              <p:txBody>
+                <a:bodyPr rtlCol="0" anchor="ctr"/>
+                <a:lstStyle/>
+                <a:p>
+                  <a:pPr algn="ctr"/>
+                  <a:endParaRPr lang="en-US" sz="1400"/>
+                </a:p>
+              </p:txBody>
+            </p:sp>
+          </p:grpSp>
+          <p:grpSp>
+            <p:nvGrpSpPr>
+              <p:cNvPr id="99" name="Group 98"/>
+              <p:cNvGrpSpPr/>
+              <p:nvPr/>
+            </p:nvGrpSpPr>
+            <p:grpSpPr>
+              <a:xfrm>
+                <a:off x="2475533" y="3344346"/>
+                <a:ext cx="918018" cy="1571083"/>
+                <a:chOff x="723898" y="3344346"/>
+                <a:chExt cx="918018" cy="1571083"/>
+              </a:xfrm>
+            </p:grpSpPr>
+            <p:grpSp>
+              <p:nvGrpSpPr>
+                <p:cNvPr id="101" name="Group 100"/>
+                <p:cNvGrpSpPr/>
+                <p:nvPr/>
+              </p:nvGrpSpPr>
+              <p:grpSpPr>
+                <a:xfrm>
+                  <a:off x="723898" y="3344346"/>
+                  <a:ext cx="918018" cy="1571083"/>
+                  <a:chOff x="723898" y="3344346"/>
+                  <a:chExt cx="918018" cy="1571083"/>
+                </a:xfrm>
+              </p:grpSpPr>
+              <p:sp>
+                <p:nvSpPr>
+                  <p:cNvPr id="103" name="Oval 102"/>
+                  <p:cNvSpPr/>
+                  <p:nvPr/>
+                </p:nvSpPr>
+                <p:spPr>
+                  <a:xfrm>
+                    <a:off x="1028698" y="3344346"/>
+                    <a:ext cx="304800" cy="304799"/>
+                  </a:xfrm>
+                  <a:prstGeom prst="ellipse">
+                    <a:avLst/>
+                  </a:prstGeom>
+                </p:spPr>
+                <p:style>
+                  <a:lnRef idx="2">
+                    <a:schemeClr val="accent1"/>
+                  </a:lnRef>
+                  <a:fillRef idx="1">
+                    <a:schemeClr val="lt1"/>
+                  </a:fillRef>
+                  <a:effectRef idx="0">
+                    <a:schemeClr val="accent1"/>
+                  </a:effectRef>
+                  <a:fontRef idx="minor">
+                    <a:schemeClr val="dk1"/>
+                  </a:fontRef>
+                </p:style>
+                <p:txBody>
+                  <a:bodyPr rtlCol="0" anchor="ctr"/>
+                  <a:lstStyle/>
+                  <a:p>
+                    <a:pPr algn="ctr"/>
+                    <a:endParaRPr lang="en-US" sz="1400"/>
+                  </a:p>
+                </p:txBody>
+              </p:sp>
+              <p:cxnSp>
+                <p:nvCxnSpPr>
+                  <p:cNvPr id="104" name="Straight Arrow Connector 103"/>
+                  <p:cNvCxnSpPr/>
+                  <p:nvPr/>
+                </p:nvCxnSpPr>
+                <p:spPr>
+                  <a:xfrm flipH="1">
+                    <a:off x="1175551" y="3649145"/>
+                    <a:ext cx="5547" cy="576978"/>
+                  </a:xfrm>
+                  <a:prstGeom prst="straightConnector1">
+                    <a:avLst/>
+                  </a:prstGeom>
+                  <a:ln w="12700">
+                    <a:tailEnd type="stealth"/>
+                  </a:ln>
+                </p:spPr>
+                <p:style>
+                  <a:lnRef idx="3">
+                    <a:schemeClr val="accent1"/>
+                  </a:lnRef>
+                  <a:fillRef idx="0">
+                    <a:schemeClr val="accent1"/>
+                  </a:fillRef>
+                  <a:effectRef idx="2">
+                    <a:schemeClr val="accent1"/>
+                  </a:effectRef>
+                  <a:fontRef idx="minor">
+                    <a:schemeClr val="tx1"/>
+                  </a:fontRef>
+                </p:style>
+              </p:cxnSp>
+              <p:sp>
+                <p:nvSpPr>
+                  <p:cNvPr id="106" name="TextBox 105"/>
+                  <p:cNvSpPr txBox="1"/>
+                  <p:nvPr/>
+                </p:nvSpPr>
+                <p:spPr>
+                  <a:xfrm>
+                    <a:off x="723898" y="4569023"/>
+                    <a:ext cx="918018" cy="346406"/>
+                  </a:xfrm>
+                  <a:prstGeom prst="rect">
+                    <a:avLst/>
+                  </a:prstGeom>
+                  <a:noFill/>
+                </p:spPr>
+                <p:txBody>
+                  <a:bodyPr wrap="square" rtlCol="0">
+                    <a:spAutoFit/>
+                  </a:bodyPr>
+                  <a:lstStyle/>
+                  <a:p>
+                    <a:pPr algn="ctr"/>
+                    <a:r>
+                      <a:rPr lang="en-US" sz="1400" dirty="0" smtClean="0"/>
+                      <a:t>App N</a:t>
+                    </a:r>
+                    <a:endParaRPr lang="en-US" sz="1400" dirty="0"/>
+                  </a:p>
+                </p:txBody>
+              </p:sp>
+            </p:grpSp>
+            <p:sp>
+              <p:nvSpPr>
+                <p:cNvPr id="102" name="Oval 101"/>
+                <p:cNvSpPr/>
+                <p:nvPr/>
+              </p:nvSpPr>
+              <p:spPr>
+                <a:xfrm>
+                  <a:off x="1023151" y="4226123"/>
+                  <a:ext cx="304800" cy="304799"/>
+                </a:xfrm>
+                <a:prstGeom prst="ellipse">
+                  <a:avLst/>
+                </a:prstGeom>
+                <a:solidFill>
+                  <a:schemeClr val="accent1">
+                    <a:lumMod val="40000"/>
+                    <a:lumOff val="60000"/>
+                  </a:schemeClr>
+                </a:solidFill>
+              </p:spPr>
+              <p:style>
+                <a:lnRef idx="2">
+                  <a:schemeClr val="accent1"/>
+                </a:lnRef>
+                <a:fillRef idx="1">
+                  <a:schemeClr val="lt1"/>
+                </a:fillRef>
+                <a:effectRef idx="0">
+                  <a:schemeClr val="accent1"/>
+                </a:effectRef>
+                <a:fontRef idx="minor">
+                  <a:schemeClr val="dk1"/>
+                </a:fontRef>
+              </p:style>
+              <p:txBody>
+                <a:bodyPr rtlCol="0" anchor="ctr"/>
+                <a:lstStyle/>
+                <a:p>
+                  <a:pPr algn="ctr"/>
+                  <a:endParaRPr lang="en-US" sz="1400"/>
+                </a:p>
+              </p:txBody>
+            </p:sp>
+          </p:grpSp>
+        </p:grpSp>
+        <p:cxnSp>
+          <p:nvCxnSpPr>
+            <p:cNvPr id="119" name="Straight Arrow Connector 118"/>
+            <p:cNvCxnSpPr/>
+            <p:nvPr/>
+          </p:nvCxnSpPr>
+          <p:spPr>
+            <a:xfrm flipH="1">
+              <a:off x="6460653" y="824882"/>
+              <a:ext cx="545591" cy="664969"/>
+            </a:xfrm>
+            <a:prstGeom prst="straightConnector1">
+              <a:avLst/>
+            </a:prstGeom>
+            <a:ln w="12700">
+              <a:tailEnd type="stealth"/>
+            </a:ln>
+          </p:spPr>
+          <p:style>
+            <a:lnRef idx="3">
+              <a:schemeClr val="accent1"/>
+            </a:lnRef>
+            <a:fillRef idx="0">
+              <a:schemeClr val="accent1"/>
+            </a:fillRef>
+            <a:effectRef idx="2">
+              <a:schemeClr val="accent1"/>
+            </a:effectRef>
+            <a:fontRef idx="minor">
+              <a:schemeClr val="tx1"/>
+            </a:fontRef>
+          </p:style>
+        </p:cxnSp>
+        <p:sp>
+          <p:nvSpPr>
+            <p:cNvPr id="120" name="Oval 119"/>
+            <p:cNvSpPr/>
+            <p:nvPr/>
+          </p:nvSpPr>
+          <p:spPr>
+            <a:xfrm>
+              <a:off x="7003757" y="706403"/>
+              <a:ext cx="273248" cy="270810"/>
+            </a:xfrm>
+            <a:prstGeom prst="ellipse">
+              <a:avLst/>
+            </a:prstGeom>
+          </p:spPr>
+          <p:style>
+            <a:lnRef idx="2">
+              <a:schemeClr val="accent1"/>
+            </a:lnRef>
+            <a:fillRef idx="1">
+              <a:schemeClr val="lt1"/>
+            </a:fillRef>
+            <a:effectRef idx="0">
+              <a:schemeClr val="accent1"/>
+            </a:effectRef>
+            <a:fontRef idx="minor">
+              <a:schemeClr val="dk1"/>
+            </a:fontRef>
+          </p:style>
+          <p:txBody>
+            <a:bodyPr rtlCol="0" anchor="ctr"/>
+            <a:lstStyle/>
+            <a:p>
+              <a:pPr algn="ctr"/>
+              <a:endParaRPr lang="en-US" sz="1400"/>
+            </a:p>
+          </p:txBody>
+        </p:sp>
+        <p:cxnSp>
+          <p:nvCxnSpPr>
+            <p:cNvPr id="121" name="Straight Arrow Connector 120"/>
+            <p:cNvCxnSpPr/>
+            <p:nvPr/>
+          </p:nvCxnSpPr>
+          <p:spPr>
+            <a:xfrm flipH="1">
+              <a:off x="7135408" y="977213"/>
+              <a:ext cx="4973" cy="512638"/>
+            </a:xfrm>
+            <a:prstGeom prst="straightConnector1">
+              <a:avLst/>
+            </a:prstGeom>
+            <a:ln w="12700">
+              <a:tailEnd type="stealth"/>
+            </a:ln>
+          </p:spPr>
+          <p:style>
+            <a:lnRef idx="3">
+              <a:schemeClr val="accent1"/>
+            </a:lnRef>
+            <a:fillRef idx="0">
+              <a:schemeClr val="accent1"/>
+            </a:fillRef>
+            <a:effectRef idx="2">
+              <a:schemeClr val="accent1"/>
+            </a:effectRef>
+            <a:fontRef idx="minor">
+              <a:schemeClr val="tx1"/>
+            </a:fontRef>
+          </p:style>
+        </p:cxnSp>
+        <p:cxnSp>
+          <p:nvCxnSpPr>
+            <p:cNvPr id="122" name="Straight Arrow Connector 121"/>
+            <p:cNvCxnSpPr>
+              <a:stCxn id="120" idx="6"/>
+              <a:endCxn id="103" idx="0"/>
+            </p:cNvCxnSpPr>
+            <p:nvPr/>
+          </p:nvCxnSpPr>
+          <p:spPr>
+            <a:xfrm>
+              <a:off x="7277005" y="841808"/>
+              <a:ext cx="551672" cy="637831"/>
+            </a:xfrm>
+            <a:prstGeom prst="straightConnector1">
+              <a:avLst/>
+            </a:prstGeom>
+            <a:ln w="12700">
+              <a:tailEnd type="stealth"/>
+            </a:ln>
+          </p:spPr>
+          <p:style>
+            <a:lnRef idx="3">
+              <a:schemeClr val="accent1"/>
+            </a:lnRef>
+            <a:fillRef idx="0">
+              <a:schemeClr val="accent1"/>
+            </a:fillRef>
+            <a:effectRef idx="2">
+              <a:schemeClr val="accent1"/>
+            </a:effectRef>
+            <a:fontRef idx="minor">
+              <a:schemeClr val="tx1"/>
+            </a:fontRef>
+          </p:style>
+        </p:cxnSp>
+        <p:sp>
+          <p:nvSpPr>
+            <p:cNvPr id="123" name="TextBox 122"/>
+            <p:cNvSpPr txBox="1"/>
+            <p:nvPr/>
+          </p:nvSpPr>
+          <p:spPr>
+            <a:xfrm>
+              <a:off x="6489762" y="416634"/>
+              <a:ext cx="1470566" cy="307777"/>
+            </a:xfrm>
+            <a:prstGeom prst="rect">
+              <a:avLst/>
+            </a:prstGeom>
+            <a:noFill/>
+          </p:spPr>
+          <p:txBody>
+            <a:bodyPr wrap="square" rtlCol="0">
+              <a:spAutoFit/>
+            </a:bodyPr>
+            <a:lstStyle/>
+            <a:p>
+              <a:pPr algn="ctr"/>
+              <a:r>
+                <a:rPr lang="en-US" sz="1400" dirty="0" smtClean="0"/>
+                <a:t>Mean/Variance</a:t>
+              </a:r>
+              <a:endParaRPr lang="en-US" sz="1400" dirty="0"/>
+            </a:p>
+          </p:txBody>
+        </p:sp>
+        <p:sp>
+          <p:nvSpPr>
+            <p:cNvPr id="126" name="TextBox 125"/>
+            <p:cNvSpPr txBox="1"/>
+            <p:nvPr/>
+          </p:nvSpPr>
+          <p:spPr>
+            <a:xfrm>
+              <a:off x="7285425" y="2274386"/>
+              <a:ext cx="956367" cy="307777"/>
+            </a:xfrm>
+            <a:prstGeom prst="rect">
+              <a:avLst/>
+            </a:prstGeom>
+            <a:noFill/>
+          </p:spPr>
+          <p:txBody>
+            <a:bodyPr wrap="square" rtlCol="0">
+              <a:spAutoFit/>
+            </a:bodyPr>
+            <a:lstStyle/>
+            <a:p>
+              <a:r>
+                <a:rPr lang="en-US" sz="1400" dirty="0" smtClean="0"/>
+                <a:t>- - - </a:t>
+              </a:r>
+              <a:endParaRPr lang="en-US" sz="1400" dirty="0"/>
+            </a:p>
+          </p:txBody>
+        </p:sp>
+      </p:grpSp>
+    </p:spTree>
+    <p:extLst>
+      <p:ext uri="{BB962C8B-B14F-4D97-AF65-F5344CB8AC3E}">
+        <p14:creationId xmlns:p14="http://schemas.microsoft.com/office/powerpoint/2010/main" val="1121190866"/>
       </p:ext>
     </p:extLst>
   </p:cSld>

--- a/figures/Mobile.pptx
+++ b/figures/Mobile.pptx
@@ -24775,876 +24775,79 @@
           </p:grpSp>
         </p:grpSp>
       </p:grpSp>
-      <p:sp>
-        <p:nvSpPr>
-          <p:cNvPr id="278" name="TextBox 277"/>
-          <p:cNvSpPr txBox="1"/>
-          <p:nvPr/>
-        </p:nvSpPr>
-        <p:spPr>
-          <a:xfrm>
-            <a:off x="294744" y="-1465415"/>
-            <a:ext cx="4125083" cy="381395"/>
-          </a:xfrm>
-          <a:prstGeom prst="rect">
-            <a:avLst/>
-          </a:prstGeom>
-          <a:noFill/>
-        </p:spPr>
-        <p:txBody>
-          <a:bodyPr wrap="square" rtlCol="0">
-            <a:spAutoFit/>
-          </a:bodyPr>
-          <a:lstStyle/>
-          <a:p>
-            <a:pPr algn="ctr"/>
-            <a:r>
-              <a:rPr lang="en-US" dirty="0" smtClean="0">
-                <a:latin typeface="Times New Roman" charset="0"/>
-                <a:ea typeface="Times New Roman" charset="0"/>
-                <a:cs typeface="Times New Roman" charset="0"/>
-              </a:rPr>
-              <a:t>Server Machine</a:t>
-            </a:r>
-            <a:endParaRPr lang="en-US" b="1" i="1" dirty="0">
-              <a:latin typeface="Times New Roman" charset="0"/>
-              <a:ea typeface="Times New Roman" charset="0"/>
-              <a:cs typeface="Times New Roman" charset="0"/>
-            </a:endParaRPr>
-          </a:p>
-        </p:txBody>
-      </p:sp>
       <p:grpSp>
         <p:nvGrpSpPr>
-          <p:cNvPr id="2" name="Group 1"/>
+          <p:cNvPr id="35" name="Group 34"/>
           <p:cNvGrpSpPr/>
           <p:nvPr/>
         </p:nvGrpSpPr>
         <p:grpSpPr>
           <a:xfrm>
-            <a:off x="-790993" y="-918058"/>
-            <a:ext cx="6752848" cy="6734651"/>
-            <a:chOff x="-790993" y="-918058"/>
-            <a:chExt cx="6752848" cy="6734651"/>
+            <a:off x="1902108" y="2317282"/>
+            <a:ext cx="1124475" cy="2337959"/>
+            <a:chOff x="2510319" y="2640458"/>
+            <a:chExt cx="503434" cy="1031630"/>
           </a:xfrm>
+          <a:effectLst>
+            <a:outerShdw blurRad="50800" dist="50800" dir="5400000" algn="ctr" rotWithShape="0">
+              <a:srgbClr val="000000">
+                <a:alpha val="0"/>
+              </a:srgbClr>
+            </a:outerShdw>
+          </a:effectLst>
         </p:grpSpPr>
-        <p:grpSp>
-          <p:nvGrpSpPr>
-            <p:cNvPr id="35" name="Group 34"/>
-            <p:cNvGrpSpPr/>
+        <p:sp>
+          <p:nvSpPr>
+            <p:cNvPr id="36" name="Rounded Rectangle 35"/>
+            <p:cNvSpPr/>
             <p:nvPr/>
-          </p:nvGrpSpPr>
-          <p:grpSpPr>
+          </p:nvSpPr>
+          <p:spPr>
             <a:xfrm>
-              <a:off x="1902108" y="2503518"/>
-              <a:ext cx="1124475" cy="2472539"/>
-              <a:chOff x="2510319" y="2640458"/>
-              <a:chExt cx="503434" cy="1031630"/>
+              <a:off x="2510319" y="2640458"/>
+              <a:ext cx="503434" cy="1031630"/>
             </a:xfrm>
-            <a:effectLst>
-              <a:outerShdw blurRad="50800" dist="50800" dir="5400000" algn="ctr" rotWithShape="0">
-                <a:srgbClr val="000000">
-                  <a:alpha val="0"/>
-                </a:srgbClr>
-              </a:outerShdw>
-            </a:effectLst>
-          </p:grpSpPr>
-          <p:sp>
-            <p:nvSpPr>
-              <p:cNvPr id="36" name="Rounded Rectangle 35"/>
-              <p:cNvSpPr/>
-              <p:nvPr/>
-            </p:nvSpPr>
-            <p:spPr>
-              <a:xfrm>
-                <a:off x="2510319" y="2640458"/>
-                <a:ext cx="503434" cy="1031630"/>
-              </a:xfrm>
-              <a:prstGeom prst="roundRect">
-                <a:avLst/>
-              </a:prstGeom>
+            <a:prstGeom prst="roundRect">
+              <a:avLst/>
+            </a:prstGeom>
+            <a:solidFill>
+              <a:schemeClr val="accent4">
+                <a:lumMod val="20000"/>
+                <a:lumOff val="80000"/>
+              </a:schemeClr>
+            </a:solidFill>
+            <a:ln w="1270" cmpd="thickThin">
               <a:solidFill>
-                <a:schemeClr val="accent4">
-                  <a:lumMod val="20000"/>
-                  <a:lumOff val="80000"/>
-                </a:schemeClr>
-              </a:solidFill>
-              <a:ln w="1270" cmpd="thickThin">
-                <a:solidFill>
-                  <a:schemeClr val="accent1">
-                    <a:shade val="50000"/>
-                    <a:alpha val="62000"/>
-                  </a:schemeClr>
-                </a:solidFill>
-                <a:prstDash val="solid"/>
-              </a:ln>
-            </p:spPr>
-            <p:style>
-              <a:lnRef idx="2">
                 <a:schemeClr val="accent1">
                   <a:shade val="50000"/>
-                </a:schemeClr>
-              </a:lnRef>
-              <a:fillRef idx="1">
-                <a:schemeClr val="accent1"/>
-              </a:fillRef>
-              <a:effectRef idx="0">
-                <a:schemeClr val="accent1"/>
-              </a:effectRef>
-              <a:fontRef idx="minor">
-                <a:schemeClr val="lt1"/>
-              </a:fontRef>
-            </p:style>
-            <p:txBody>
-              <a:bodyPr rtlCol="0" anchor="ctr"/>
-              <a:lstStyle/>
-              <a:p>
-                <a:pPr algn="ctr"/>
-                <a:endParaRPr lang="en-US" sz="1400">
-                  <a:latin typeface="Times New Roman" charset="0"/>
-                  <a:ea typeface="Times New Roman" charset="0"/>
-                  <a:cs typeface="Times New Roman" charset="0"/>
-                </a:endParaRPr>
-              </a:p>
-            </p:txBody>
-          </p:sp>
-          <p:sp>
-            <p:nvSpPr>
-              <p:cNvPr id="37" name="Rectangle 36"/>
-              <p:cNvSpPr/>
-              <p:nvPr/>
-            </p:nvSpPr>
-            <p:spPr>
-              <a:xfrm>
-                <a:off x="2539054" y="2724291"/>
-                <a:ext cx="447994" cy="834620"/>
-              </a:xfrm>
-              <a:prstGeom prst="rect">
-                <a:avLst/>
-              </a:prstGeom>
-              <a:gradFill flip="none" rotWithShape="1">
-                <a:gsLst>
-                  <a:gs pos="0">
-                    <a:schemeClr val="accent1">
-                      <a:lumMod val="40000"/>
-                      <a:lumOff val="60000"/>
-                    </a:schemeClr>
-                  </a:gs>
-                  <a:gs pos="46000">
-                    <a:schemeClr val="accent1">
-                      <a:lumMod val="95000"/>
-                      <a:lumOff val="5000"/>
-                    </a:schemeClr>
-                  </a:gs>
-                  <a:gs pos="100000">
-                    <a:schemeClr val="accent1">
-                      <a:lumMod val="60000"/>
-                    </a:schemeClr>
-                  </a:gs>
-                </a:gsLst>
-                <a:path path="circle">
-                  <a:fillToRect l="50000" t="130000" r="50000" b="-30000"/>
-                </a:path>
-                <a:tileRect/>
-              </a:gradFill>
-              <a:ln>
-                <a:noFill/>
-              </a:ln>
-            </p:spPr>
-            <p:style>
-              <a:lnRef idx="2">
-                <a:schemeClr val="accent1">
-                  <a:shade val="50000"/>
-                </a:schemeClr>
-              </a:lnRef>
-              <a:fillRef idx="1">
-                <a:schemeClr val="accent1"/>
-              </a:fillRef>
-              <a:effectRef idx="0">
-                <a:schemeClr val="accent1"/>
-              </a:effectRef>
-              <a:fontRef idx="minor">
-                <a:schemeClr val="lt1"/>
-              </a:fontRef>
-            </p:style>
-            <p:txBody>
-              <a:bodyPr rtlCol="0" anchor="ctr"/>
-              <a:lstStyle/>
-              <a:p>
-                <a:pPr algn="ctr"/>
-                <a:endParaRPr lang="en-US" sz="1400">
-                  <a:latin typeface="Times New Roman" charset="0"/>
-                  <a:ea typeface="Times New Roman" charset="0"/>
-                  <a:cs typeface="Times New Roman" charset="0"/>
-                </a:endParaRPr>
-              </a:p>
-            </p:txBody>
-          </p:sp>
-          <p:sp>
-            <p:nvSpPr>
-              <p:cNvPr id="38" name="Rounded Rectangle 37"/>
-              <p:cNvSpPr/>
-              <p:nvPr/>
-            </p:nvSpPr>
-            <p:spPr>
-              <a:xfrm>
-                <a:off x="2737139" y="3589329"/>
-                <a:ext cx="54780" cy="45719"/>
-              </a:xfrm>
-              <a:prstGeom prst="roundRect">
-                <a:avLst/>
-              </a:prstGeom>
-              <a:solidFill>
-                <a:schemeClr val="accent5">
-                  <a:lumMod val="75000"/>
-                </a:schemeClr>
-              </a:solidFill>
-              <a:ln w="1270"/>
-            </p:spPr>
-            <p:style>
-              <a:lnRef idx="2">
-                <a:schemeClr val="accent1">
-                  <a:shade val="50000"/>
-                </a:schemeClr>
-              </a:lnRef>
-              <a:fillRef idx="1">
-                <a:schemeClr val="accent1"/>
-              </a:fillRef>
-              <a:effectRef idx="0">
-                <a:schemeClr val="accent1"/>
-              </a:effectRef>
-              <a:fontRef idx="minor">
-                <a:schemeClr val="lt1"/>
-              </a:fontRef>
-            </p:style>
-            <p:txBody>
-              <a:bodyPr rtlCol="0" anchor="ctr"/>
-              <a:lstStyle/>
-              <a:p>
-                <a:pPr algn="ctr"/>
-                <a:endParaRPr lang="en-US" sz="1400">
-                  <a:latin typeface="Times New Roman" charset="0"/>
-                  <a:ea typeface="Times New Roman" charset="0"/>
-                  <a:cs typeface="Times New Roman" charset="0"/>
-                </a:endParaRPr>
-              </a:p>
-            </p:txBody>
-          </p:sp>
-          <p:cxnSp>
-            <p:nvCxnSpPr>
-              <p:cNvPr id="39" name="Straight Connector 38"/>
-              <p:cNvCxnSpPr/>
-              <p:nvPr/>
-            </p:nvCxnSpPr>
-            <p:spPr>
-              <a:xfrm>
-                <a:off x="2727750" y="2693295"/>
-                <a:ext cx="66675" cy="1082"/>
-              </a:xfrm>
-              <a:prstGeom prst="line">
-                <a:avLst/>
-              </a:prstGeom>
-            </p:spPr>
-            <p:style>
-              <a:lnRef idx="1">
-                <a:schemeClr val="accent1"/>
-              </a:lnRef>
-              <a:fillRef idx="0">
-                <a:schemeClr val="accent1"/>
-              </a:fillRef>
-              <a:effectRef idx="0">
-                <a:schemeClr val="accent1"/>
-              </a:effectRef>
-              <a:fontRef idx="minor">
-                <a:schemeClr val="tx1"/>
-              </a:fontRef>
-            </p:style>
-          </p:cxnSp>
-        </p:grpSp>
-        <p:grpSp>
-          <p:nvGrpSpPr>
-            <p:cNvPr id="40" name="Group 39"/>
-            <p:cNvGrpSpPr/>
-            <p:nvPr/>
-          </p:nvGrpSpPr>
-          <p:grpSpPr>
-            <a:xfrm>
-              <a:off x="-757229" y="2505522"/>
-              <a:ext cx="1124475" cy="2472539"/>
-              <a:chOff x="2510319" y="2640458"/>
-              <a:chExt cx="503434" cy="1031630"/>
-            </a:xfrm>
-          </p:grpSpPr>
-          <p:sp>
-            <p:nvSpPr>
-              <p:cNvPr id="41" name="Rounded Rectangle 40"/>
-              <p:cNvSpPr/>
-              <p:nvPr/>
-            </p:nvSpPr>
-            <p:spPr>
-              <a:xfrm>
-                <a:off x="2510319" y="2640458"/>
-                <a:ext cx="503434" cy="1031630"/>
-              </a:xfrm>
-              <a:prstGeom prst="roundRect">
-                <a:avLst/>
-              </a:prstGeom>
-              <a:solidFill>
-                <a:schemeClr val="accent4">
-                  <a:lumMod val="20000"/>
-                  <a:lumOff val="80000"/>
-                </a:schemeClr>
-              </a:solidFill>
-              <a:ln w="1270" cmpd="thickThin">
-                <a:solidFill>
-                  <a:schemeClr val="accent1">
-                    <a:shade val="50000"/>
-                    <a:alpha val="62000"/>
-                  </a:schemeClr>
-                </a:solidFill>
-                <a:prstDash val="solid"/>
-              </a:ln>
-            </p:spPr>
-            <p:style>
-              <a:lnRef idx="2">
-                <a:schemeClr val="accent1">
-                  <a:shade val="50000"/>
-                </a:schemeClr>
-              </a:lnRef>
-              <a:fillRef idx="1">
-                <a:schemeClr val="accent1"/>
-              </a:fillRef>
-              <a:effectRef idx="0">
-                <a:schemeClr val="accent1"/>
-              </a:effectRef>
-              <a:fontRef idx="minor">
-                <a:schemeClr val="lt1"/>
-              </a:fontRef>
-            </p:style>
-            <p:txBody>
-              <a:bodyPr rtlCol="0" anchor="ctr"/>
-              <a:lstStyle/>
-              <a:p>
-                <a:pPr algn="ctr"/>
-                <a:endParaRPr lang="en-US" sz="1400">
-                  <a:latin typeface="Times New Roman" charset="0"/>
-                  <a:ea typeface="Times New Roman" charset="0"/>
-                  <a:cs typeface="Times New Roman" charset="0"/>
-                </a:endParaRPr>
-              </a:p>
-            </p:txBody>
-          </p:sp>
-          <p:sp>
-            <p:nvSpPr>
-              <p:cNvPr id="42" name="Rectangle 41"/>
-              <p:cNvSpPr/>
-              <p:nvPr/>
-            </p:nvSpPr>
-            <p:spPr>
-              <a:xfrm>
-                <a:off x="2539054" y="2724291"/>
-                <a:ext cx="447994" cy="834620"/>
-              </a:xfrm>
-              <a:prstGeom prst="rect">
-                <a:avLst/>
-              </a:prstGeom>
-              <a:gradFill flip="none" rotWithShape="1">
-                <a:gsLst>
-                  <a:gs pos="0">
-                    <a:schemeClr val="accent1">
-                      <a:lumMod val="40000"/>
-                      <a:lumOff val="60000"/>
-                    </a:schemeClr>
-                  </a:gs>
-                  <a:gs pos="46000">
-                    <a:schemeClr val="accent1">
-                      <a:lumMod val="95000"/>
-                      <a:lumOff val="5000"/>
-                    </a:schemeClr>
-                  </a:gs>
-                  <a:gs pos="100000">
-                    <a:schemeClr val="accent1">
-                      <a:lumMod val="60000"/>
-                    </a:schemeClr>
-                  </a:gs>
-                </a:gsLst>
-                <a:path path="circle">
-                  <a:fillToRect l="50000" t="130000" r="50000" b="-30000"/>
-                </a:path>
-                <a:tileRect/>
-              </a:gradFill>
-              <a:ln>
-                <a:noFill/>
-              </a:ln>
-            </p:spPr>
-            <p:style>
-              <a:lnRef idx="2">
-                <a:schemeClr val="accent1">
-                  <a:shade val="50000"/>
-                </a:schemeClr>
-              </a:lnRef>
-              <a:fillRef idx="1">
-                <a:schemeClr val="accent1"/>
-              </a:fillRef>
-              <a:effectRef idx="0">
-                <a:schemeClr val="accent1"/>
-              </a:effectRef>
-              <a:fontRef idx="minor">
-                <a:schemeClr val="lt1"/>
-              </a:fontRef>
-            </p:style>
-            <p:txBody>
-              <a:bodyPr rtlCol="0" anchor="ctr"/>
-              <a:lstStyle/>
-              <a:p>
-                <a:pPr algn="ctr"/>
-                <a:endParaRPr lang="en-US" sz="1400">
-                  <a:latin typeface="Times New Roman" charset="0"/>
-                  <a:ea typeface="Times New Roman" charset="0"/>
-                  <a:cs typeface="Times New Roman" charset="0"/>
-                </a:endParaRPr>
-              </a:p>
-            </p:txBody>
-          </p:sp>
-          <p:sp>
-            <p:nvSpPr>
-              <p:cNvPr id="43" name="Rounded Rectangle 42"/>
-              <p:cNvSpPr/>
-              <p:nvPr/>
-            </p:nvSpPr>
-            <p:spPr>
-              <a:xfrm>
-                <a:off x="2737139" y="3589329"/>
-                <a:ext cx="54780" cy="45719"/>
-              </a:xfrm>
-              <a:prstGeom prst="roundRect">
-                <a:avLst/>
-              </a:prstGeom>
-              <a:solidFill>
-                <a:schemeClr val="accent1"/>
-              </a:solidFill>
-              <a:ln w="1270">
-                <a:solidFill>
-                  <a:schemeClr val="accent1"/>
-                </a:solidFill>
-              </a:ln>
-            </p:spPr>
-            <p:style>
-              <a:lnRef idx="2">
-                <a:schemeClr val="accent1">
-                  <a:shade val="50000"/>
-                </a:schemeClr>
-              </a:lnRef>
-              <a:fillRef idx="1">
-                <a:schemeClr val="accent1"/>
-              </a:fillRef>
-              <a:effectRef idx="0">
-                <a:schemeClr val="accent1"/>
-              </a:effectRef>
-              <a:fontRef idx="minor">
-                <a:schemeClr val="lt1"/>
-              </a:fontRef>
-            </p:style>
-            <p:txBody>
-              <a:bodyPr rtlCol="0" anchor="ctr"/>
-              <a:lstStyle/>
-              <a:p>
-                <a:pPr algn="ctr"/>
-                <a:endParaRPr lang="en-US" sz="1400">
-                  <a:latin typeface="Times New Roman" charset="0"/>
-                  <a:ea typeface="Times New Roman" charset="0"/>
-                  <a:cs typeface="Times New Roman" charset="0"/>
-                </a:endParaRPr>
-              </a:p>
-            </p:txBody>
-          </p:sp>
-          <p:cxnSp>
-            <p:nvCxnSpPr>
-              <p:cNvPr id="44" name="Straight Connector 43"/>
-              <p:cNvCxnSpPr/>
-              <p:nvPr/>
-            </p:nvCxnSpPr>
-            <p:spPr>
-              <a:xfrm>
-                <a:off x="2732322" y="2693295"/>
-                <a:ext cx="66675" cy="1082"/>
-              </a:xfrm>
-              <a:prstGeom prst="line">
-                <a:avLst/>
-              </a:prstGeom>
-            </p:spPr>
-            <p:style>
-              <a:lnRef idx="1">
-                <a:schemeClr val="accent1"/>
-              </a:lnRef>
-              <a:fillRef idx="0">
-                <a:schemeClr val="accent1"/>
-              </a:fillRef>
-              <a:effectRef idx="0">
-                <a:schemeClr val="accent1"/>
-              </a:effectRef>
-              <a:fontRef idx="minor">
-                <a:schemeClr val="tx1"/>
-              </a:fontRef>
-            </p:style>
-          </p:cxnSp>
-        </p:grpSp>
-        <p:grpSp>
-          <p:nvGrpSpPr>
-            <p:cNvPr id="45" name="Group 44"/>
-            <p:cNvGrpSpPr/>
-            <p:nvPr/>
-          </p:nvGrpSpPr>
-          <p:grpSpPr>
-            <a:xfrm>
-              <a:off x="4643141" y="2516772"/>
-              <a:ext cx="1124475" cy="2472539"/>
-              <a:chOff x="2510319" y="2640458"/>
-              <a:chExt cx="503434" cy="1031630"/>
-            </a:xfrm>
-            <a:effectLst>
-              <a:outerShdw blurRad="50800" dist="50800" dir="5400000" algn="ctr" rotWithShape="0">
-                <a:srgbClr val="000000">
-                  <a:alpha val="0"/>
-                </a:srgbClr>
-              </a:outerShdw>
-            </a:effectLst>
-          </p:grpSpPr>
-          <p:sp>
-            <p:nvSpPr>
-              <p:cNvPr id="46" name="Rounded Rectangle 45"/>
-              <p:cNvSpPr/>
-              <p:nvPr/>
-            </p:nvSpPr>
-            <p:spPr>
-              <a:xfrm>
-                <a:off x="2510319" y="2640458"/>
-                <a:ext cx="503434" cy="1031630"/>
-              </a:xfrm>
-              <a:prstGeom prst="roundRect">
-                <a:avLst/>
-              </a:prstGeom>
-              <a:solidFill>
-                <a:schemeClr val="accent4">
-                  <a:lumMod val="20000"/>
-                  <a:lumOff val="80000"/>
-                </a:schemeClr>
-              </a:solidFill>
-              <a:ln w="1270" cmpd="thickThin">
-                <a:solidFill>
-                  <a:schemeClr val="accent1">
-                    <a:shade val="50000"/>
-                    <a:alpha val="62000"/>
-                  </a:schemeClr>
-                </a:solidFill>
-                <a:prstDash val="solid"/>
-              </a:ln>
-            </p:spPr>
-            <p:style>
-              <a:lnRef idx="2">
-                <a:schemeClr val="accent1">
-                  <a:shade val="50000"/>
-                </a:schemeClr>
-              </a:lnRef>
-              <a:fillRef idx="1">
-                <a:schemeClr val="accent1"/>
-              </a:fillRef>
-              <a:effectRef idx="0">
-                <a:schemeClr val="accent1"/>
-              </a:effectRef>
-              <a:fontRef idx="minor">
-                <a:schemeClr val="lt1"/>
-              </a:fontRef>
-            </p:style>
-            <p:txBody>
-              <a:bodyPr rtlCol="0" anchor="ctr"/>
-              <a:lstStyle/>
-              <a:p>
-                <a:pPr algn="ctr"/>
-                <a:endParaRPr lang="en-US" sz="1400">
-                  <a:latin typeface="Times New Roman" charset="0"/>
-                  <a:ea typeface="Times New Roman" charset="0"/>
-                  <a:cs typeface="Times New Roman" charset="0"/>
-                </a:endParaRPr>
-              </a:p>
-            </p:txBody>
-          </p:sp>
-          <p:sp>
-            <p:nvSpPr>
-              <p:cNvPr id="47" name="Rectangle 46"/>
-              <p:cNvSpPr/>
-              <p:nvPr/>
-            </p:nvSpPr>
-            <p:spPr>
-              <a:xfrm>
-                <a:off x="2539054" y="2724291"/>
-                <a:ext cx="447994" cy="834620"/>
-              </a:xfrm>
-              <a:prstGeom prst="rect">
-                <a:avLst/>
-              </a:prstGeom>
-              <a:gradFill flip="none" rotWithShape="1">
-                <a:gsLst>
-                  <a:gs pos="0">
-                    <a:schemeClr val="accent1">
-                      <a:lumMod val="40000"/>
-                      <a:lumOff val="60000"/>
-                    </a:schemeClr>
-                  </a:gs>
-                  <a:gs pos="46000">
-                    <a:schemeClr val="accent1">
-                      <a:lumMod val="95000"/>
-                      <a:lumOff val="5000"/>
-                    </a:schemeClr>
-                  </a:gs>
-                  <a:gs pos="100000">
-                    <a:schemeClr val="accent1">
-                      <a:lumMod val="60000"/>
-                    </a:schemeClr>
-                  </a:gs>
-                </a:gsLst>
-                <a:path path="circle">
-                  <a:fillToRect l="50000" t="130000" r="50000" b="-30000"/>
-                </a:path>
-                <a:tileRect/>
-              </a:gradFill>
-              <a:ln>
-                <a:noFill/>
-              </a:ln>
-            </p:spPr>
-            <p:style>
-              <a:lnRef idx="2">
-                <a:schemeClr val="accent1">
-                  <a:shade val="50000"/>
-                </a:schemeClr>
-              </a:lnRef>
-              <a:fillRef idx="1">
-                <a:schemeClr val="accent1"/>
-              </a:fillRef>
-              <a:effectRef idx="0">
-                <a:schemeClr val="accent1"/>
-              </a:effectRef>
-              <a:fontRef idx="minor">
-                <a:schemeClr val="lt1"/>
-              </a:fontRef>
-            </p:style>
-            <p:txBody>
-              <a:bodyPr rtlCol="0" anchor="ctr"/>
-              <a:lstStyle/>
-              <a:p>
-                <a:pPr algn="ctr"/>
-                <a:endParaRPr lang="en-US" sz="1400">
-                  <a:latin typeface="Times New Roman" charset="0"/>
-                  <a:ea typeface="Times New Roman" charset="0"/>
-                  <a:cs typeface="Times New Roman" charset="0"/>
-                </a:endParaRPr>
-              </a:p>
-            </p:txBody>
-          </p:sp>
-          <p:sp>
-            <p:nvSpPr>
-              <p:cNvPr id="48" name="Rounded Rectangle 47"/>
-              <p:cNvSpPr/>
-              <p:nvPr/>
-            </p:nvSpPr>
-            <p:spPr>
-              <a:xfrm>
-                <a:off x="2737139" y="3589329"/>
-                <a:ext cx="54780" cy="45719"/>
-              </a:xfrm>
-              <a:prstGeom prst="roundRect">
-                <a:avLst/>
-              </a:prstGeom>
-              <a:solidFill>
-                <a:schemeClr val="accent5">
-                  <a:lumMod val="75000"/>
-                </a:schemeClr>
-              </a:solidFill>
-              <a:ln w="1270"/>
-            </p:spPr>
-            <p:style>
-              <a:lnRef idx="2">
-                <a:schemeClr val="accent1">
-                  <a:shade val="50000"/>
-                </a:schemeClr>
-              </a:lnRef>
-              <a:fillRef idx="1">
-                <a:schemeClr val="accent1"/>
-              </a:fillRef>
-              <a:effectRef idx="0">
-                <a:schemeClr val="accent1"/>
-              </a:effectRef>
-              <a:fontRef idx="minor">
-                <a:schemeClr val="lt1"/>
-              </a:fontRef>
-            </p:style>
-            <p:txBody>
-              <a:bodyPr rtlCol="0" anchor="ctr"/>
-              <a:lstStyle/>
-              <a:p>
-                <a:pPr algn="ctr"/>
-                <a:endParaRPr lang="en-US" sz="1400">
-                  <a:latin typeface="Times New Roman" charset="0"/>
-                  <a:ea typeface="Times New Roman" charset="0"/>
-                  <a:cs typeface="Times New Roman" charset="0"/>
-                </a:endParaRPr>
-              </a:p>
-            </p:txBody>
-          </p:sp>
-          <p:cxnSp>
-            <p:nvCxnSpPr>
-              <p:cNvPr id="49" name="Straight Connector 48"/>
-              <p:cNvCxnSpPr/>
-              <p:nvPr/>
-            </p:nvCxnSpPr>
-            <p:spPr>
-              <a:xfrm>
-                <a:off x="2732322" y="2693295"/>
-                <a:ext cx="66675" cy="1082"/>
-              </a:xfrm>
-              <a:prstGeom prst="line">
-                <a:avLst/>
-              </a:prstGeom>
-            </p:spPr>
-            <p:style>
-              <a:lnRef idx="1">
-                <a:schemeClr val="accent1"/>
-              </a:lnRef>
-              <a:fillRef idx="0">
-                <a:schemeClr val="accent1"/>
-              </a:fillRef>
-              <a:effectRef idx="0">
-                <a:schemeClr val="accent1"/>
-              </a:effectRef>
-              <a:fontRef idx="minor">
-                <a:schemeClr val="tx1"/>
-              </a:fontRef>
-            </p:style>
-          </p:cxnSp>
-        </p:grpSp>
-        <p:cxnSp>
-          <p:nvCxnSpPr>
-            <p:cNvPr id="91" name="Straight Arrow Connector 90"/>
-            <p:cNvCxnSpPr/>
-            <p:nvPr/>
-          </p:nvCxnSpPr>
-          <p:spPr>
-            <a:xfrm flipH="1" flipV="1">
-              <a:off x="2204495" y="1729632"/>
-              <a:ext cx="10424" cy="773886"/>
-            </a:xfrm>
-            <a:prstGeom prst="straightConnector1">
-              <a:avLst/>
-            </a:prstGeom>
-            <a:ln>
-              <a:solidFill>
-                <a:schemeClr val="accent1">
-                  <a:alpha val="30000"/>
+                  <a:alpha val="62000"/>
                 </a:schemeClr>
               </a:solidFill>
               <a:prstDash val="solid"/>
-              <a:tailEnd type="triangle"/>
             </a:ln>
-            <a:effectLst>
-              <a:outerShdw blurRad="50800" dist="50800" dir="5400000" algn="ctr" rotWithShape="0">
-                <a:srgbClr val="000000">
-                  <a:alpha val="0"/>
-                </a:srgbClr>
-              </a:outerShdw>
-            </a:effectLst>
           </p:spPr>
           <p:style>
-            <a:lnRef idx="1">
-              <a:schemeClr val="accent1"/>
+            <a:lnRef idx="2">
+              <a:schemeClr val="accent1">
+                <a:shade val="50000"/>
+              </a:schemeClr>
             </a:lnRef>
-            <a:fillRef idx="0">
+            <a:fillRef idx="1">
               <a:schemeClr val="accent1"/>
             </a:fillRef>
             <a:effectRef idx="0">
               <a:schemeClr val="accent1"/>
             </a:effectRef>
             <a:fontRef idx="minor">
-              <a:schemeClr val="tx1"/>
+              <a:schemeClr val="lt1"/>
             </a:fontRef>
           </p:style>
-        </p:cxnSp>
-        <p:cxnSp>
-          <p:nvCxnSpPr>
-            <p:cNvPr id="95" name="Straight Arrow Connector 94"/>
-            <p:cNvCxnSpPr/>
-            <p:nvPr/>
-          </p:nvCxnSpPr>
-          <p:spPr>
-            <a:xfrm>
-              <a:off x="2694673" y="1729631"/>
-              <a:ext cx="22669" cy="773887"/>
-            </a:xfrm>
-            <a:prstGeom prst="straightConnector1">
-              <a:avLst/>
-            </a:prstGeom>
-            <a:ln w="6350">
-              <a:solidFill>
-                <a:schemeClr val="accent1">
-                  <a:alpha val="30000"/>
-                </a:schemeClr>
-              </a:solidFill>
-              <a:tailEnd type="triangle"/>
-            </a:ln>
-            <a:effectLst>
-              <a:outerShdw blurRad="50800" dist="50800" dir="5400000" algn="ctr" rotWithShape="0">
-                <a:srgbClr val="000000">
-                  <a:alpha val="0"/>
-                </a:srgbClr>
-              </a:outerShdw>
-            </a:effectLst>
-          </p:spPr>
-          <p:style>
-            <a:lnRef idx="1">
-              <a:schemeClr val="accent1"/>
-            </a:lnRef>
-            <a:fillRef idx="0">
-              <a:schemeClr val="accent1"/>
-            </a:fillRef>
-            <a:effectRef idx="0">
-              <a:schemeClr val="accent1"/>
-            </a:effectRef>
-            <a:fontRef idx="minor">
-              <a:schemeClr val="tx1"/>
-            </a:fontRef>
-          </p:style>
-        </p:cxnSp>
-        <p:sp>
-          <p:nvSpPr>
-            <p:cNvPr id="247" name="TextBox 246"/>
-            <p:cNvSpPr txBox="1"/>
-            <p:nvPr/>
-          </p:nvSpPr>
-          <p:spPr>
-            <a:xfrm>
-              <a:off x="607555" y="-918058"/>
-              <a:ext cx="3453287" cy="646331"/>
-            </a:xfrm>
-            <a:prstGeom prst="rect">
-              <a:avLst/>
-            </a:prstGeom>
-            <a:noFill/>
-          </p:spPr>
           <p:txBody>
-            <a:bodyPr wrap="square" rtlCol="0">
-              <a:spAutoFit/>
-            </a:bodyPr>
+            <a:bodyPr rtlCol="0" anchor="ctr"/>
             <a:lstStyle/>
             <a:p>
               <a:pPr algn="ctr"/>
-              <a:r>
-                <a:rPr lang="en-US" i="1" dirty="0" smtClean="0">
-                  <a:latin typeface="Times New Roman" charset="0"/>
-                  <a:ea typeface="Times New Roman" charset="0"/>
-                  <a:cs typeface="Times New Roman" charset="0"/>
-                </a:rPr>
-                <a:t>Hierarchical Bayesian Model: HBM (1)</a:t>
-              </a:r>
-              <a:endParaRPr lang="en-US" i="1" dirty="0">
+              <a:endParaRPr lang="en-US" sz="1400">
                 <a:latin typeface="Times New Roman" charset="0"/>
                 <a:ea typeface="Times New Roman" charset="0"/>
                 <a:cs typeface="Times New Roman" charset="0"/>
@@ -25652,3523 +24855,45 @@
             </a:p>
           </p:txBody>
         </p:sp>
-        <p:grpSp>
-          <p:nvGrpSpPr>
-            <p:cNvPr id="198" name="Group 197"/>
-            <p:cNvGrpSpPr/>
-            <p:nvPr/>
-          </p:nvGrpSpPr>
-          <p:grpSpPr>
-            <a:xfrm>
-              <a:off x="1978307" y="3661389"/>
-              <a:ext cx="969826" cy="584418"/>
-              <a:chOff x="3357481" y="4339082"/>
-              <a:chExt cx="1574358" cy="912896"/>
-            </a:xfrm>
-          </p:grpSpPr>
-          <p:grpSp>
-            <p:nvGrpSpPr>
-              <p:cNvPr id="199" name="Group 198"/>
-              <p:cNvGrpSpPr/>
-              <p:nvPr/>
-            </p:nvGrpSpPr>
-            <p:grpSpPr>
-              <a:xfrm>
-                <a:off x="3357481" y="4339082"/>
-                <a:ext cx="1574358" cy="912896"/>
-                <a:chOff x="3307744" y="4381167"/>
-                <a:chExt cx="1574358" cy="912896"/>
-              </a:xfrm>
-            </p:grpSpPr>
-            <p:sp>
-              <p:nvSpPr>
-                <p:cNvPr id="201" name="Rectangle 200"/>
-                <p:cNvSpPr/>
-                <p:nvPr/>
-              </p:nvSpPr>
-              <p:spPr>
-                <a:xfrm>
-                  <a:off x="3788482" y="4636827"/>
-                  <a:ext cx="193993" cy="231382"/>
-                </a:xfrm>
-                <a:prstGeom prst="rect">
-                  <a:avLst/>
-                </a:prstGeom>
-                <a:solidFill>
-                  <a:schemeClr val="accent1">
-                    <a:lumMod val="40000"/>
-                    <a:lumOff val="60000"/>
-                  </a:schemeClr>
-                </a:solidFill>
-                <a:ln w="6350">
-                  <a:solidFill>
-                    <a:schemeClr val="accent1"/>
-                  </a:solidFill>
-                </a:ln>
-              </p:spPr>
-              <p:style>
-                <a:lnRef idx="2">
-                  <a:schemeClr val="accent1">
-                    <a:shade val="50000"/>
-                  </a:schemeClr>
-                </a:lnRef>
-                <a:fillRef idx="1">
-                  <a:schemeClr val="accent1"/>
-                </a:fillRef>
-                <a:effectRef idx="0">
-                  <a:schemeClr val="accent1"/>
-                </a:effectRef>
-                <a:fontRef idx="minor">
-                  <a:schemeClr val="lt1"/>
-                </a:fontRef>
-              </p:style>
-              <p:txBody>
-                <a:bodyPr rtlCol="0" anchor="ctr"/>
-                <a:lstStyle/>
-                <a:p>
-                  <a:pPr algn="ctr"/>
-                  <a:endParaRPr lang="en-US" dirty="0">
-                    <a:latin typeface="Times New Roman" charset="0"/>
-                    <a:ea typeface="Times New Roman" charset="0"/>
-                    <a:cs typeface="Times New Roman" charset="0"/>
-                  </a:endParaRPr>
-                </a:p>
-              </p:txBody>
-            </p:sp>
-            <p:cxnSp>
-              <p:nvCxnSpPr>
-                <p:cNvPr id="202" name="Elbow Connector 201"/>
-                <p:cNvCxnSpPr/>
-                <p:nvPr/>
-              </p:nvCxnSpPr>
-              <p:spPr>
-                <a:xfrm rot="5400000" flipH="1">
-                  <a:off x="4068182" y="4253574"/>
-                  <a:ext cx="41489" cy="1245659"/>
-                </a:xfrm>
-                <a:prstGeom prst="bentConnector3">
-                  <a:avLst>
-                    <a:gd name="adj1" fmla="val -800588"/>
-                  </a:avLst>
-                </a:prstGeom>
-                <a:ln w="6350">
-                  <a:solidFill>
-                    <a:schemeClr val="accent1"/>
-                  </a:solidFill>
-                  <a:tailEnd type="stealth"/>
-                </a:ln>
-              </p:spPr>
-              <p:style>
-                <a:lnRef idx="3">
-                  <a:schemeClr val="accent1"/>
-                </a:lnRef>
-                <a:fillRef idx="0">
-                  <a:schemeClr val="accent1"/>
-                </a:fillRef>
-                <a:effectRef idx="2">
-                  <a:schemeClr val="accent1"/>
-                </a:effectRef>
-                <a:fontRef idx="minor">
-                  <a:schemeClr val="tx1"/>
-                </a:fontRef>
-              </p:style>
-            </p:cxnSp>
-            <p:sp>
-              <p:nvSpPr>
-                <p:cNvPr id="203" name="Oval 202"/>
-                <p:cNvSpPr/>
-                <p:nvPr/>
-              </p:nvSpPr>
-              <p:spPr>
-                <a:xfrm>
-                  <a:off x="3372877" y="4634915"/>
-                  <a:ext cx="186438" cy="220744"/>
-                </a:xfrm>
-                <a:prstGeom prst="ellipse">
-                  <a:avLst/>
-                </a:prstGeom>
-                <a:solidFill>
-                  <a:schemeClr val="accent1">
-                    <a:lumMod val="40000"/>
-                    <a:lumOff val="60000"/>
-                  </a:schemeClr>
-                </a:solidFill>
-                <a:ln>
-                  <a:solidFill>
-                    <a:schemeClr val="accent1"/>
-                  </a:solidFill>
-                </a:ln>
-              </p:spPr>
-              <p:style>
-                <a:lnRef idx="2">
-                  <a:schemeClr val="accent1">
-                    <a:shade val="50000"/>
-                  </a:schemeClr>
-                </a:lnRef>
-                <a:fillRef idx="1">
-                  <a:schemeClr val="accent1"/>
-                </a:fillRef>
-                <a:effectRef idx="0">
-                  <a:schemeClr val="accent1"/>
-                </a:effectRef>
-                <a:fontRef idx="minor">
-                  <a:schemeClr val="lt1"/>
-                </a:fontRef>
-              </p:style>
-              <p:txBody>
-                <a:bodyPr rtlCol="0" anchor="ctr"/>
-                <a:lstStyle/>
-                <a:p>
-                  <a:pPr algn="ctr"/>
-                  <a:endParaRPr lang="en-US" sz="5400" dirty="0">
-                    <a:latin typeface="Times New Roman" charset="0"/>
-                    <a:ea typeface="Times New Roman" charset="0"/>
-                    <a:cs typeface="Times New Roman" charset="0"/>
-                  </a:endParaRPr>
-                </a:p>
-              </p:txBody>
-            </p:sp>
-            <p:sp>
-              <p:nvSpPr>
-                <p:cNvPr id="204" name="Rectangle 203"/>
-                <p:cNvSpPr/>
-                <p:nvPr/>
-              </p:nvSpPr>
-              <p:spPr>
-                <a:xfrm>
-                  <a:off x="4184238" y="4636827"/>
-                  <a:ext cx="193937" cy="231382"/>
-                </a:xfrm>
-                <a:prstGeom prst="rect">
-                  <a:avLst/>
-                </a:prstGeom>
-                <a:solidFill>
-                  <a:schemeClr val="accent1">
-                    <a:lumMod val="40000"/>
-                    <a:lumOff val="60000"/>
-                  </a:schemeClr>
-                </a:solidFill>
-                <a:ln>
-                  <a:solidFill>
-                    <a:schemeClr val="accent1"/>
-                  </a:solidFill>
-                </a:ln>
-              </p:spPr>
-              <p:style>
-                <a:lnRef idx="1">
-                  <a:schemeClr val="accent1"/>
-                </a:lnRef>
-                <a:fillRef idx="2">
-                  <a:schemeClr val="accent1"/>
-                </a:fillRef>
-                <a:effectRef idx="1">
-                  <a:schemeClr val="accent1"/>
-                </a:effectRef>
-                <a:fontRef idx="minor">
-                  <a:schemeClr val="dk1"/>
-                </a:fontRef>
-              </p:style>
-              <p:txBody>
-                <a:bodyPr rtlCol="0" anchor="ctr"/>
-                <a:lstStyle/>
-                <a:p>
-                  <a:pPr algn="ctr"/>
-                  <a:endParaRPr lang="en-US" dirty="0">
-                    <a:latin typeface="Times New Roman" charset="0"/>
-                    <a:ea typeface="Times New Roman" charset="0"/>
-                    <a:cs typeface="Times New Roman" charset="0"/>
-                  </a:endParaRPr>
-                </a:p>
-              </p:txBody>
-            </p:sp>
-            <p:sp>
-              <p:nvSpPr>
-                <p:cNvPr id="205" name="Rectangle 204"/>
-                <p:cNvSpPr/>
-                <p:nvPr/>
-              </p:nvSpPr>
-              <p:spPr>
-                <a:xfrm>
-                  <a:off x="4579405" y="4420312"/>
-                  <a:ext cx="264698" cy="476836"/>
-                </a:xfrm>
-                <a:prstGeom prst="rect">
-                  <a:avLst/>
-                </a:prstGeom>
-                <a:solidFill>
-                  <a:schemeClr val="accent1">
-                    <a:lumMod val="40000"/>
-                    <a:lumOff val="60000"/>
-                  </a:schemeClr>
-                </a:solidFill>
-                <a:ln>
-                  <a:solidFill>
-                    <a:schemeClr val="accent1"/>
-                  </a:solidFill>
-                </a:ln>
-              </p:spPr>
-              <p:style>
-                <a:lnRef idx="2">
-                  <a:schemeClr val="accent1">
-                    <a:shade val="50000"/>
-                  </a:schemeClr>
-                </a:lnRef>
-                <a:fillRef idx="1">
-                  <a:schemeClr val="accent1"/>
-                </a:fillRef>
-                <a:effectRef idx="0">
-                  <a:schemeClr val="accent1"/>
-                </a:effectRef>
-                <a:fontRef idx="minor">
-                  <a:schemeClr val="lt1"/>
-                </a:fontRef>
-              </p:style>
-              <p:txBody>
-                <a:bodyPr rtlCol="0" anchor="ctr"/>
-                <a:lstStyle/>
-                <a:p>
-                  <a:pPr algn="ctr"/>
-                  <a:endParaRPr lang="en-US" sz="1600">
-                    <a:latin typeface="Times New Roman" charset="0"/>
-                    <a:ea typeface="Times New Roman" charset="0"/>
-                    <a:cs typeface="Times New Roman" charset="0"/>
-                  </a:endParaRPr>
-                </a:p>
-              </p:txBody>
-            </p:sp>
-            <p:grpSp>
-              <p:nvGrpSpPr>
-                <p:cNvPr id="206" name="Group 99"/>
-                <p:cNvGrpSpPr>
-                  <a:grpSpLocks/>
-                </p:cNvGrpSpPr>
-                <p:nvPr/>
-              </p:nvGrpSpPr>
-              <p:grpSpPr bwMode="auto">
-                <a:xfrm>
-                  <a:off x="4628762" y="4665765"/>
-                  <a:ext cx="161835" cy="158165"/>
-                  <a:chOff x="7239000" y="4549063"/>
-                  <a:chExt cx="762000" cy="584138"/>
-                </a:xfrm>
-              </p:grpSpPr>
-              <p:sp>
-                <p:nvSpPr>
-                  <p:cNvPr id="214" name="Oval 12"/>
-                  <p:cNvSpPr/>
-                  <p:nvPr/>
-                </p:nvSpPr>
-                <p:spPr>
-                  <a:xfrm>
-                    <a:off x="7366000" y="4657717"/>
-                    <a:ext cx="527538" cy="461789"/>
-                  </a:xfrm>
-                  <a:prstGeom prst="ellipse">
-                    <a:avLst/>
-                  </a:prstGeom>
-                  <a:gradFill rotWithShape="1">
-                    <a:gsLst>
-                      <a:gs pos="0">
-                        <a:srgbClr val="BBE0E3">
-                          <a:shade val="51000"/>
-                          <a:satMod val="130000"/>
-                        </a:srgbClr>
-                      </a:gs>
-                      <a:gs pos="80000">
-                        <a:srgbClr val="BBE0E3">
-                          <a:shade val="93000"/>
-                          <a:satMod val="130000"/>
-                        </a:srgbClr>
-                      </a:gs>
-                      <a:gs pos="100000">
-                        <a:srgbClr val="BBE0E3">
-                          <a:shade val="94000"/>
-                          <a:satMod val="135000"/>
-                        </a:srgbClr>
-                      </a:gs>
-                    </a:gsLst>
-                    <a:lin ang="16200000" scaled="0"/>
-                  </a:gradFill>
-                  <a:ln>
-                    <a:noFill/>
-                  </a:ln>
-                  <a:effectLst>
-                    <a:outerShdw blurRad="40000" dist="23000" dir="5400000" rotWithShape="0">
-                      <a:srgbClr val="000000">
-                        <a:alpha val="35000"/>
-                      </a:srgbClr>
-                    </a:outerShdw>
-                  </a:effectLst>
-                  <a:scene3d>
-                    <a:camera prst="orthographicFront">
-                      <a:rot lat="0" lon="0" rev="0"/>
-                    </a:camera>
-                    <a:lightRig rig="threePt" dir="t">
-                      <a:rot lat="0" lon="0" rev="1200000"/>
-                    </a:lightRig>
-                  </a:scene3d>
-                  <a:sp3d>
-                    <a:bevelT w="63500" h="25400"/>
-                  </a:sp3d>
-                </p:spPr>
-                <p:txBody>
-                  <a:bodyPr anchor="ctr"/>
-                  <a:lstStyle/>
-                  <a:p>
-                    <a:pPr algn="ctr">
-                      <a:defRPr/>
-                    </a:pPr>
-                    <a:endParaRPr lang="en-US" sz="1400" kern="0">
-                      <a:solidFill>
-                        <a:srgbClr val="FFFFFF"/>
-                      </a:solidFill>
-                      <a:latin typeface="Times New Roman" charset="0"/>
-                      <a:ea typeface="Times New Roman" charset="0"/>
-                      <a:cs typeface="Times New Roman" charset="0"/>
-                    </a:endParaRPr>
-                  </a:p>
-                </p:txBody>
-              </p:sp>
-              <p:cxnSp>
-                <p:nvCxnSpPr>
-                  <p:cNvPr id="215" name="Straight Connector 13"/>
-                  <p:cNvCxnSpPr/>
-                  <p:nvPr/>
-                </p:nvCxnSpPr>
-                <p:spPr>
-                  <a:xfrm rot="5400000">
-                    <a:off x="7543026" y="4733944"/>
-                    <a:ext cx="153947" cy="0"/>
-                  </a:xfrm>
-                  <a:prstGeom prst="line">
-                    <a:avLst/>
-                  </a:prstGeom>
-                  <a:noFill/>
-                  <a:ln w="25400" cap="flat" cmpd="sng" algn="ctr">
-                    <a:solidFill>
-                      <a:srgbClr val="000000"/>
-                    </a:solidFill>
-                    <a:prstDash val="solid"/>
-                  </a:ln>
-                  <a:effectLst>
-                    <a:outerShdw blurRad="40000" dist="20000" dir="5400000" rotWithShape="0">
-                      <a:srgbClr val="000000">
-                        <a:alpha val="38000"/>
-                      </a:srgbClr>
-                    </a:outerShdw>
-                  </a:effectLst>
-                </p:spPr>
-              </p:cxnSp>
-              <p:sp>
-                <p:nvSpPr>
-                  <p:cNvPr id="216" name="Minus 14"/>
-                  <p:cNvSpPr/>
-                  <p:nvPr/>
-                </p:nvSpPr>
-                <p:spPr>
-                  <a:xfrm rot="16200000">
-                    <a:off x="7579716" y="4530610"/>
-                    <a:ext cx="80571" cy="117475"/>
-                  </a:xfrm>
-                  <a:prstGeom prst="mathMinus">
-                    <a:avLst/>
-                  </a:prstGeom>
-                  <a:solidFill>
-                    <a:srgbClr val="000000"/>
-                  </a:solidFill>
-                  <a:ln w="3175" cap="flat" cmpd="sng" algn="ctr">
-                    <a:solidFill>
-                      <a:srgbClr val="FFFFFF"/>
-                    </a:solidFill>
-                    <a:prstDash val="solid"/>
-                  </a:ln>
-                  <a:effectLst>
-                    <a:outerShdw blurRad="40000" dist="20000" dir="5400000" rotWithShape="0">
-                      <a:srgbClr val="000000">
-                        <a:alpha val="38000"/>
-                      </a:srgbClr>
-                    </a:outerShdw>
-                  </a:effectLst>
-                </p:spPr>
-                <p:txBody>
-                  <a:bodyPr anchor="ctr"/>
-                  <a:lstStyle/>
-                  <a:p>
-                    <a:pPr algn="ctr">
-                      <a:defRPr/>
-                    </a:pPr>
-                    <a:endParaRPr lang="en-US" sz="1400" kern="0">
-                      <a:solidFill>
-                        <a:srgbClr val="FFFFFF"/>
-                      </a:solidFill>
-                      <a:latin typeface="Times New Roman" charset="0"/>
-                      <a:ea typeface="Times New Roman" charset="0"/>
-                      <a:cs typeface="Times New Roman" charset="0"/>
-                    </a:endParaRPr>
-                  </a:p>
-                </p:txBody>
-              </p:sp>
-              <p:sp>
-                <p:nvSpPr>
-                  <p:cNvPr id="217" name="Minus 15"/>
-                  <p:cNvSpPr/>
-                  <p:nvPr/>
-                </p:nvSpPr>
-                <p:spPr>
-                  <a:xfrm>
-                    <a:off x="7913688" y="4820990"/>
-                    <a:ext cx="87312" cy="107907"/>
-                  </a:xfrm>
-                  <a:prstGeom prst="mathMinus">
-                    <a:avLst/>
-                  </a:prstGeom>
-                  <a:solidFill>
-                    <a:srgbClr val="000000"/>
-                  </a:solidFill>
-                  <a:ln w="3175" cap="flat" cmpd="sng" algn="ctr">
-                    <a:solidFill>
-                      <a:srgbClr val="FFFFFF"/>
-                    </a:solidFill>
-                    <a:prstDash val="solid"/>
-                  </a:ln>
-                  <a:effectLst>
-                    <a:outerShdw blurRad="40000" dist="20000" dir="5400000" rotWithShape="0">
-                      <a:srgbClr val="000000">
-                        <a:alpha val="38000"/>
-                      </a:srgbClr>
-                    </a:outerShdw>
-                  </a:effectLst>
-                </p:spPr>
-                <p:txBody>
-                  <a:bodyPr anchor="ctr"/>
-                  <a:lstStyle/>
-                  <a:p>
-                    <a:pPr algn="ctr">
-                      <a:defRPr/>
-                    </a:pPr>
-                    <a:endParaRPr lang="en-US" sz="1400" kern="0">
-                      <a:solidFill>
-                        <a:srgbClr val="FFFFFF"/>
-                      </a:solidFill>
-                      <a:latin typeface="Times New Roman" charset="0"/>
-                      <a:ea typeface="Times New Roman" charset="0"/>
-                      <a:cs typeface="Times New Roman" charset="0"/>
-                    </a:endParaRPr>
-                  </a:p>
-                </p:txBody>
-              </p:sp>
-              <p:sp>
-                <p:nvSpPr>
-                  <p:cNvPr id="218" name="Minus 16"/>
-                  <p:cNvSpPr/>
-                  <p:nvPr/>
-                </p:nvSpPr>
-                <p:spPr>
-                  <a:xfrm>
-                    <a:off x="7239000" y="4820990"/>
-                    <a:ext cx="87313" cy="107907"/>
-                  </a:xfrm>
-                  <a:prstGeom prst="mathMinus">
-                    <a:avLst/>
-                  </a:prstGeom>
-                  <a:solidFill>
-                    <a:srgbClr val="000000"/>
-                  </a:solidFill>
-                  <a:ln w="3175" cap="flat" cmpd="sng" algn="ctr">
-                    <a:solidFill>
-                      <a:srgbClr val="FFFFFF"/>
-                    </a:solidFill>
-                    <a:prstDash val="solid"/>
-                  </a:ln>
-                  <a:effectLst>
-                    <a:outerShdw blurRad="40000" dist="20000" dir="5400000" rotWithShape="0">
-                      <a:srgbClr val="000000">
-                        <a:alpha val="38000"/>
-                      </a:srgbClr>
-                    </a:outerShdw>
-                  </a:effectLst>
-                </p:spPr>
-                <p:txBody>
-                  <a:bodyPr anchor="ctr"/>
-                  <a:lstStyle/>
-                  <a:p>
-                    <a:pPr algn="ctr">
-                      <a:defRPr/>
-                    </a:pPr>
-                    <a:endParaRPr lang="en-US" sz="1400" kern="0">
-                      <a:solidFill>
-                        <a:srgbClr val="FFFFFF"/>
-                      </a:solidFill>
-                      <a:latin typeface="Times New Roman" charset="0"/>
-                      <a:ea typeface="Times New Roman" charset="0"/>
-                      <a:cs typeface="Times New Roman" charset="0"/>
-                    </a:endParaRPr>
-                  </a:p>
-                </p:txBody>
-              </p:sp>
-              <p:sp>
-                <p:nvSpPr>
-                  <p:cNvPr id="219" name="Minus 17"/>
-                  <p:cNvSpPr/>
-                  <p:nvPr/>
-                </p:nvSpPr>
-                <p:spPr>
-                  <a:xfrm rot="2264948">
-                    <a:off x="7323138" y="4644021"/>
-                    <a:ext cx="87312" cy="109346"/>
-                  </a:xfrm>
-                  <a:prstGeom prst="mathMinus">
-                    <a:avLst/>
-                  </a:prstGeom>
-                  <a:solidFill>
-                    <a:srgbClr val="000000"/>
-                  </a:solidFill>
-                  <a:ln w="3175" cap="flat" cmpd="sng" algn="ctr">
-                    <a:solidFill>
-                      <a:srgbClr val="FFFFFF"/>
-                    </a:solidFill>
-                    <a:prstDash val="solid"/>
-                  </a:ln>
-                  <a:effectLst>
-                    <a:outerShdw blurRad="40000" dist="20000" dir="5400000" rotWithShape="0">
-                      <a:srgbClr val="000000">
-                        <a:alpha val="38000"/>
-                      </a:srgbClr>
-                    </a:outerShdw>
-                  </a:effectLst>
-                </p:spPr>
-                <p:txBody>
-                  <a:bodyPr anchor="ctr"/>
-                  <a:lstStyle/>
-                  <a:p>
-                    <a:pPr algn="ctr">
-                      <a:defRPr/>
-                    </a:pPr>
-                    <a:endParaRPr lang="en-US" sz="1400" kern="0">
-                      <a:solidFill>
-                        <a:srgbClr val="FFFFFF"/>
-                      </a:solidFill>
-                      <a:latin typeface="Times New Roman" charset="0"/>
-                      <a:ea typeface="Times New Roman" charset="0"/>
-                      <a:cs typeface="Times New Roman" charset="0"/>
-                    </a:endParaRPr>
-                  </a:p>
-                </p:txBody>
-              </p:sp>
-              <p:sp>
-                <p:nvSpPr>
-                  <p:cNvPr id="220" name="Minus 18"/>
-                  <p:cNvSpPr/>
-                  <p:nvPr/>
-                </p:nvSpPr>
-                <p:spPr>
-                  <a:xfrm rot="19067474">
-                    <a:off x="7826375" y="4644021"/>
-                    <a:ext cx="87313" cy="107908"/>
-                  </a:xfrm>
-                  <a:prstGeom prst="mathMinus">
-                    <a:avLst/>
-                  </a:prstGeom>
-                  <a:solidFill>
-                    <a:srgbClr val="000000"/>
-                  </a:solidFill>
-                  <a:ln w="3175" cap="flat" cmpd="sng" algn="ctr">
-                    <a:solidFill>
-                      <a:srgbClr val="FFFFFF"/>
-                    </a:solidFill>
-                    <a:prstDash val="solid"/>
-                  </a:ln>
-                  <a:effectLst>
-                    <a:outerShdw blurRad="40000" dist="20000" dir="5400000" rotWithShape="0">
-                      <a:srgbClr val="000000">
-                        <a:alpha val="38000"/>
-                      </a:srgbClr>
-                    </a:outerShdw>
-                  </a:effectLst>
-                </p:spPr>
-                <p:txBody>
-                  <a:bodyPr anchor="ctr"/>
-                  <a:lstStyle/>
-                  <a:p>
-                    <a:pPr algn="ctr">
-                      <a:defRPr/>
-                    </a:pPr>
-                    <a:endParaRPr lang="en-US" sz="1400" kern="0">
-                      <a:solidFill>
-                        <a:srgbClr val="FFFFFF"/>
-                      </a:solidFill>
-                      <a:latin typeface="Times New Roman" charset="0"/>
-                      <a:ea typeface="Times New Roman" charset="0"/>
-                      <a:cs typeface="Times New Roman" charset="0"/>
-                    </a:endParaRPr>
-                  </a:p>
-                </p:txBody>
-              </p:sp>
-              <p:sp>
-                <p:nvSpPr>
-                  <p:cNvPr id="221" name="Minus 19"/>
-                  <p:cNvSpPr/>
-                  <p:nvPr/>
-                </p:nvSpPr>
-                <p:spPr>
-                  <a:xfrm rot="19189480">
-                    <a:off x="7329488" y="5025294"/>
-                    <a:ext cx="87312" cy="107907"/>
-                  </a:xfrm>
-                  <a:prstGeom prst="mathMinus">
-                    <a:avLst/>
-                  </a:prstGeom>
-                  <a:solidFill>
-                    <a:srgbClr val="000000"/>
-                  </a:solidFill>
-                  <a:ln w="3175" cap="flat" cmpd="sng" algn="ctr">
-                    <a:solidFill>
-                      <a:srgbClr val="FFFFFF"/>
-                    </a:solidFill>
-                    <a:prstDash val="solid"/>
-                  </a:ln>
-                  <a:effectLst>
-                    <a:outerShdw blurRad="40000" dist="20000" dir="5400000" rotWithShape="0">
-                      <a:srgbClr val="000000">
-                        <a:alpha val="38000"/>
-                      </a:srgbClr>
-                    </a:outerShdw>
-                  </a:effectLst>
-                </p:spPr>
-                <p:txBody>
-                  <a:bodyPr anchor="ctr"/>
-                  <a:lstStyle/>
-                  <a:p>
-                    <a:pPr algn="ctr">
-                      <a:defRPr/>
-                    </a:pPr>
-                    <a:endParaRPr lang="en-US" sz="1400" kern="0">
-                      <a:solidFill>
-                        <a:srgbClr val="FFFFFF"/>
-                      </a:solidFill>
-                      <a:latin typeface="Times New Roman" charset="0"/>
-                      <a:ea typeface="Times New Roman" charset="0"/>
-                      <a:cs typeface="Times New Roman" charset="0"/>
-                    </a:endParaRPr>
-                  </a:p>
-                </p:txBody>
-              </p:sp>
-              <p:sp>
-                <p:nvSpPr>
-                  <p:cNvPr id="222" name="Minus 20"/>
-                  <p:cNvSpPr/>
-                  <p:nvPr/>
-                </p:nvSpPr>
-                <p:spPr>
-                  <a:xfrm rot="2517184">
-                    <a:off x="7826375" y="5025294"/>
-                    <a:ext cx="87313" cy="107907"/>
-                  </a:xfrm>
-                  <a:prstGeom prst="mathMinus">
-                    <a:avLst/>
-                  </a:prstGeom>
-                  <a:solidFill>
-                    <a:srgbClr val="000000"/>
-                  </a:solidFill>
-                  <a:ln w="3175" cap="flat" cmpd="sng" algn="ctr">
-                    <a:solidFill>
-                      <a:srgbClr val="FFFFFF"/>
-                    </a:solidFill>
-                    <a:prstDash val="solid"/>
-                  </a:ln>
-                  <a:effectLst>
-                    <a:outerShdw blurRad="40000" dist="20000" dir="5400000" rotWithShape="0">
-                      <a:srgbClr val="000000">
-                        <a:alpha val="38000"/>
-                      </a:srgbClr>
-                    </a:outerShdw>
-                  </a:effectLst>
-                </p:spPr>
-                <p:txBody>
-                  <a:bodyPr anchor="ctr"/>
-                  <a:lstStyle/>
-                  <a:p>
-                    <a:pPr algn="ctr">
-                      <a:defRPr/>
-                    </a:pPr>
-                    <a:endParaRPr lang="en-US" sz="1400" kern="0">
-                      <a:solidFill>
-                        <a:srgbClr val="FFFFFF"/>
-                      </a:solidFill>
-                      <a:latin typeface="Times New Roman" charset="0"/>
-                      <a:ea typeface="Times New Roman" charset="0"/>
-                      <a:cs typeface="Times New Roman" charset="0"/>
-                    </a:endParaRPr>
-                  </a:p>
-                </p:txBody>
-              </p:sp>
-            </p:grpSp>
-            <p:sp>
-              <p:nvSpPr>
-                <p:cNvPr id="207" name="Rectangle 206"/>
-                <p:cNvSpPr/>
-                <p:nvPr/>
-              </p:nvSpPr>
-              <p:spPr>
-                <a:xfrm>
-                  <a:off x="3778877" y="4420310"/>
-                  <a:ext cx="599297" cy="59977"/>
-                </a:xfrm>
-                <a:prstGeom prst="rect">
-                  <a:avLst/>
-                </a:prstGeom>
-                <a:solidFill>
-                  <a:schemeClr val="accent1">
-                    <a:lumMod val="40000"/>
-                    <a:lumOff val="60000"/>
-                  </a:schemeClr>
-                </a:solidFill>
-                <a:ln>
-                  <a:solidFill>
-                    <a:schemeClr val="accent1"/>
-                  </a:solidFill>
-                </a:ln>
-              </p:spPr>
-              <p:style>
-                <a:lnRef idx="1">
-                  <a:schemeClr val="accent1"/>
-                </a:lnRef>
-                <a:fillRef idx="2">
-                  <a:schemeClr val="accent1"/>
-                </a:fillRef>
-                <a:effectRef idx="1">
-                  <a:schemeClr val="accent1"/>
-                </a:effectRef>
-                <a:fontRef idx="minor">
-                  <a:schemeClr val="dk1"/>
-                </a:fontRef>
-              </p:style>
-              <p:txBody>
-                <a:bodyPr rtlCol="0" anchor="ctr"/>
-                <a:lstStyle/>
-                <a:p>
-                  <a:pPr algn="ctr"/>
-                  <a:endParaRPr lang="en-US">
-                    <a:latin typeface="Times New Roman" charset="0"/>
-                    <a:ea typeface="Times New Roman" charset="0"/>
-                    <a:cs typeface="Times New Roman" charset="0"/>
-                  </a:endParaRPr>
-                </a:p>
-              </p:txBody>
-            </p:sp>
-            <p:cxnSp>
-              <p:nvCxnSpPr>
-                <p:cNvPr id="208" name="Straight Arrow Connector 207"/>
-                <p:cNvCxnSpPr/>
-                <p:nvPr/>
-              </p:nvCxnSpPr>
-              <p:spPr>
-                <a:xfrm>
-                  <a:off x="4280051" y="4480287"/>
-                  <a:ext cx="1780" cy="156540"/>
-                </a:xfrm>
-                <a:prstGeom prst="straightConnector1">
-                  <a:avLst/>
-                </a:prstGeom>
-                <a:ln w="6350">
-                  <a:solidFill>
-                    <a:schemeClr val="accent1"/>
-                  </a:solidFill>
-                  <a:tailEnd type="stealth"/>
-                </a:ln>
-              </p:spPr>
-              <p:style>
-                <a:lnRef idx="3">
-                  <a:schemeClr val="accent1"/>
-                </a:lnRef>
-                <a:fillRef idx="0">
-                  <a:schemeClr val="accent1"/>
-                </a:fillRef>
-                <a:effectRef idx="2">
-                  <a:schemeClr val="accent1"/>
-                </a:effectRef>
-                <a:fontRef idx="minor">
-                  <a:schemeClr val="tx1"/>
-                </a:fontRef>
-              </p:style>
-            </p:cxnSp>
-            <p:cxnSp>
-              <p:nvCxnSpPr>
-                <p:cNvPr id="209" name="Straight Arrow Connector 208"/>
-                <p:cNvCxnSpPr/>
-                <p:nvPr/>
-              </p:nvCxnSpPr>
-              <p:spPr>
-                <a:xfrm>
-                  <a:off x="3455581" y="4420310"/>
-                  <a:ext cx="109" cy="183722"/>
-                </a:xfrm>
-                <a:prstGeom prst="straightConnector1">
-                  <a:avLst/>
-                </a:prstGeom>
-                <a:ln w="6350">
-                  <a:solidFill>
-                    <a:schemeClr val="accent1"/>
-                  </a:solidFill>
-                  <a:tailEnd type="stealth"/>
-                </a:ln>
-              </p:spPr>
-              <p:style>
-                <a:lnRef idx="3">
-                  <a:schemeClr val="accent1"/>
-                </a:lnRef>
-                <a:fillRef idx="0">
-                  <a:schemeClr val="accent1"/>
-                </a:fillRef>
-                <a:effectRef idx="2">
-                  <a:schemeClr val="accent1"/>
-                </a:effectRef>
-                <a:fontRef idx="minor">
-                  <a:schemeClr val="tx1"/>
-                </a:fontRef>
-              </p:style>
-            </p:cxnSp>
-            <p:cxnSp>
-              <p:nvCxnSpPr>
-                <p:cNvPr id="210" name="Straight Arrow Connector 209"/>
-                <p:cNvCxnSpPr/>
-                <p:nvPr/>
-              </p:nvCxnSpPr>
-              <p:spPr>
-                <a:xfrm>
-                  <a:off x="3559315" y="4754734"/>
-                  <a:ext cx="191466" cy="0"/>
-                </a:xfrm>
-                <a:prstGeom prst="straightConnector1">
-                  <a:avLst/>
-                </a:prstGeom>
-                <a:ln w="6350">
-                  <a:solidFill>
-                    <a:schemeClr val="accent1"/>
-                  </a:solidFill>
-                  <a:tailEnd type="stealth"/>
-                </a:ln>
-              </p:spPr>
-              <p:style>
-                <a:lnRef idx="3">
-                  <a:schemeClr val="accent1"/>
-                </a:lnRef>
-                <a:fillRef idx="0">
-                  <a:schemeClr val="accent1"/>
-                </a:fillRef>
-                <a:effectRef idx="2">
-                  <a:schemeClr val="accent1"/>
-                </a:effectRef>
-                <a:fontRef idx="minor">
-                  <a:schemeClr val="tx1"/>
-                </a:fontRef>
-              </p:style>
-            </p:cxnSp>
-            <p:cxnSp>
-              <p:nvCxnSpPr>
-                <p:cNvPr id="211" name="Straight Arrow Connector 210"/>
-                <p:cNvCxnSpPr/>
-                <p:nvPr/>
-              </p:nvCxnSpPr>
-              <p:spPr>
-                <a:xfrm>
-                  <a:off x="3992770" y="4754735"/>
-                  <a:ext cx="191467" cy="0"/>
-                </a:xfrm>
-                <a:prstGeom prst="straightConnector1">
-                  <a:avLst/>
-                </a:prstGeom>
-                <a:ln w="6350">
-                  <a:solidFill>
-                    <a:schemeClr val="accent1"/>
-                  </a:solidFill>
-                  <a:tailEnd type="stealth"/>
-                </a:ln>
-              </p:spPr>
-              <p:style>
-                <a:lnRef idx="3">
-                  <a:schemeClr val="accent1"/>
-                </a:lnRef>
-                <a:fillRef idx="0">
-                  <a:schemeClr val="accent1"/>
-                </a:fillRef>
-                <a:effectRef idx="2">
-                  <a:schemeClr val="accent1"/>
-                </a:effectRef>
-                <a:fontRef idx="minor">
-                  <a:schemeClr val="tx1"/>
-                </a:fontRef>
-              </p:style>
-            </p:cxnSp>
-            <p:cxnSp>
-              <p:nvCxnSpPr>
-                <p:cNvPr id="212" name="Straight Arrow Connector 211"/>
-                <p:cNvCxnSpPr/>
-                <p:nvPr/>
-              </p:nvCxnSpPr>
-              <p:spPr>
-                <a:xfrm>
-                  <a:off x="4386603" y="4757865"/>
-                  <a:ext cx="191467" cy="0"/>
-                </a:xfrm>
-                <a:prstGeom prst="straightConnector1">
-                  <a:avLst/>
-                </a:prstGeom>
-                <a:ln w="6350">
-                  <a:solidFill>
-                    <a:schemeClr val="accent1"/>
-                  </a:solidFill>
-                  <a:tailEnd type="stealth"/>
-                </a:ln>
-              </p:spPr>
-              <p:style>
-                <a:lnRef idx="3">
-                  <a:schemeClr val="accent1"/>
-                </a:lnRef>
-                <a:fillRef idx="0">
-                  <a:schemeClr val="accent1"/>
-                </a:fillRef>
-                <a:effectRef idx="2">
-                  <a:schemeClr val="accent1"/>
-                </a:effectRef>
-                <a:fontRef idx="minor">
-                  <a:schemeClr val="tx1"/>
-                </a:fontRef>
-              </p:style>
-            </p:cxnSp>
-            <p:sp>
-              <p:nvSpPr>
-                <p:cNvPr id="213" name="Rectangle 212"/>
-                <p:cNvSpPr/>
-                <p:nvPr/>
-              </p:nvSpPr>
-              <p:spPr>
-                <a:xfrm>
-                  <a:off x="3307744" y="4381167"/>
-                  <a:ext cx="1574358" cy="912896"/>
-                </a:xfrm>
-                <a:prstGeom prst="rect">
-                  <a:avLst/>
-                </a:prstGeom>
-                <a:noFill/>
-                <a:ln>
-                  <a:solidFill>
-                    <a:schemeClr val="accent1"/>
-                  </a:solidFill>
-                  <a:prstDash val="dash"/>
-                </a:ln>
-              </p:spPr>
-              <p:style>
-                <a:lnRef idx="2">
-                  <a:schemeClr val="accent1">
-                    <a:shade val="50000"/>
-                  </a:schemeClr>
-                </a:lnRef>
-                <a:fillRef idx="1">
-                  <a:schemeClr val="accent1"/>
-                </a:fillRef>
-                <a:effectRef idx="0">
-                  <a:schemeClr val="accent1"/>
-                </a:effectRef>
-                <a:fontRef idx="minor">
-                  <a:schemeClr val="lt1"/>
-                </a:fontRef>
-              </p:style>
-              <p:txBody>
-                <a:bodyPr rtlCol="0" anchor="ctr"/>
-                <a:lstStyle/>
-                <a:p>
-                  <a:pPr algn="ctr"/>
-                  <a:endParaRPr lang="en-US">
-                    <a:latin typeface="Times New Roman" charset="0"/>
-                    <a:ea typeface="Times New Roman" charset="0"/>
-                    <a:cs typeface="Times New Roman" charset="0"/>
-                  </a:endParaRPr>
-                </a:p>
-              </p:txBody>
-            </p:sp>
-          </p:grpSp>
-          <p:sp>
-            <p:nvSpPr>
-              <p:cNvPr id="200" name="Rectangle 199"/>
-              <p:cNvSpPr/>
-              <p:nvPr/>
-            </p:nvSpPr>
-            <p:spPr>
-              <a:xfrm>
-                <a:off x="4684013" y="4634587"/>
-                <a:ext cx="152551" cy="146050"/>
-              </a:xfrm>
-              <a:prstGeom prst="rect">
-                <a:avLst/>
-              </a:prstGeom>
-              <a:solidFill>
-                <a:schemeClr val="accent1">
-                  <a:lumMod val="40000"/>
-                  <a:lumOff val="60000"/>
-                  <a:alpha val="55000"/>
-                </a:schemeClr>
-              </a:solidFill>
-              <a:ln>
-                <a:noFill/>
-              </a:ln>
-            </p:spPr>
-            <p:style>
-              <a:lnRef idx="2">
-                <a:schemeClr val="accent1">
-                  <a:shade val="50000"/>
-                </a:schemeClr>
-              </a:lnRef>
-              <a:fillRef idx="1">
-                <a:schemeClr val="accent1"/>
-              </a:fillRef>
-              <a:effectRef idx="0">
-                <a:schemeClr val="accent1"/>
-              </a:effectRef>
-              <a:fontRef idx="minor">
-                <a:schemeClr val="lt1"/>
-              </a:fontRef>
-            </p:style>
-            <p:txBody>
-              <a:bodyPr rtlCol="0" anchor="ctr"/>
-              <a:lstStyle/>
-              <a:p>
-                <a:pPr algn="ctr"/>
-                <a:endParaRPr lang="en-US">
-                  <a:latin typeface="Times New Roman" charset="0"/>
-                  <a:ea typeface="Times New Roman" charset="0"/>
-                  <a:cs typeface="Times New Roman" charset="0"/>
-                </a:endParaRPr>
-              </a:p>
-            </p:txBody>
-          </p:sp>
-        </p:grpSp>
-        <p:grpSp>
-          <p:nvGrpSpPr>
-            <p:cNvPr id="223" name="Group 222"/>
-            <p:cNvGrpSpPr/>
-            <p:nvPr/>
-          </p:nvGrpSpPr>
-          <p:grpSpPr>
-            <a:xfrm>
-              <a:off x="4719885" y="3672631"/>
-              <a:ext cx="969826" cy="584418"/>
-              <a:chOff x="3357481" y="4339082"/>
-              <a:chExt cx="1574358" cy="912896"/>
-            </a:xfrm>
-          </p:grpSpPr>
-          <p:grpSp>
-            <p:nvGrpSpPr>
-              <p:cNvPr id="224" name="Group 223"/>
-              <p:cNvGrpSpPr/>
-              <p:nvPr/>
-            </p:nvGrpSpPr>
-            <p:grpSpPr>
-              <a:xfrm>
-                <a:off x="3357481" y="4339082"/>
-                <a:ext cx="1574358" cy="912896"/>
-                <a:chOff x="3307744" y="4381167"/>
-                <a:chExt cx="1574358" cy="912896"/>
-              </a:xfrm>
-            </p:grpSpPr>
-            <p:sp>
-              <p:nvSpPr>
-                <p:cNvPr id="226" name="Rectangle 225"/>
-                <p:cNvSpPr/>
-                <p:nvPr/>
-              </p:nvSpPr>
-              <p:spPr>
-                <a:xfrm>
-                  <a:off x="3788482" y="4636827"/>
-                  <a:ext cx="193993" cy="231382"/>
-                </a:xfrm>
-                <a:prstGeom prst="rect">
-                  <a:avLst/>
-                </a:prstGeom>
-                <a:solidFill>
-                  <a:schemeClr val="accent1">
-                    <a:lumMod val="40000"/>
-                    <a:lumOff val="60000"/>
-                  </a:schemeClr>
-                </a:solidFill>
-                <a:ln w="6350">
-                  <a:solidFill>
-                    <a:schemeClr val="accent1"/>
-                  </a:solidFill>
-                </a:ln>
-              </p:spPr>
-              <p:style>
-                <a:lnRef idx="2">
-                  <a:schemeClr val="accent1">
-                    <a:shade val="50000"/>
-                  </a:schemeClr>
-                </a:lnRef>
-                <a:fillRef idx="1">
-                  <a:schemeClr val="accent1"/>
-                </a:fillRef>
-                <a:effectRef idx="0">
-                  <a:schemeClr val="accent1"/>
-                </a:effectRef>
-                <a:fontRef idx="minor">
-                  <a:schemeClr val="lt1"/>
-                </a:fontRef>
-              </p:style>
-              <p:txBody>
-                <a:bodyPr rtlCol="0" anchor="ctr"/>
-                <a:lstStyle/>
-                <a:p>
-                  <a:pPr algn="ctr"/>
-                  <a:endParaRPr lang="en-US" dirty="0">
-                    <a:latin typeface="Times New Roman" charset="0"/>
-                    <a:ea typeface="Times New Roman" charset="0"/>
-                    <a:cs typeface="Times New Roman" charset="0"/>
-                  </a:endParaRPr>
-                </a:p>
-              </p:txBody>
-            </p:sp>
-            <p:cxnSp>
-              <p:nvCxnSpPr>
-                <p:cNvPr id="227" name="Elbow Connector 226"/>
-                <p:cNvCxnSpPr/>
-                <p:nvPr/>
-              </p:nvCxnSpPr>
-              <p:spPr>
-                <a:xfrm rot="5400000" flipH="1">
-                  <a:off x="4068182" y="4253574"/>
-                  <a:ext cx="41489" cy="1245659"/>
-                </a:xfrm>
-                <a:prstGeom prst="bentConnector3">
-                  <a:avLst>
-                    <a:gd name="adj1" fmla="val -800588"/>
-                  </a:avLst>
-                </a:prstGeom>
-                <a:ln w="6350">
-                  <a:solidFill>
-                    <a:schemeClr val="accent1"/>
-                  </a:solidFill>
-                  <a:tailEnd type="stealth"/>
-                </a:ln>
-              </p:spPr>
-              <p:style>
-                <a:lnRef idx="3">
-                  <a:schemeClr val="accent1"/>
-                </a:lnRef>
-                <a:fillRef idx="0">
-                  <a:schemeClr val="accent1"/>
-                </a:fillRef>
-                <a:effectRef idx="2">
-                  <a:schemeClr val="accent1"/>
-                </a:effectRef>
-                <a:fontRef idx="minor">
-                  <a:schemeClr val="tx1"/>
-                </a:fontRef>
-              </p:style>
-            </p:cxnSp>
-            <p:sp>
-              <p:nvSpPr>
-                <p:cNvPr id="228" name="Oval 227"/>
-                <p:cNvSpPr/>
-                <p:nvPr/>
-              </p:nvSpPr>
-              <p:spPr>
-                <a:xfrm>
-                  <a:off x="3372877" y="4634915"/>
-                  <a:ext cx="186438" cy="220744"/>
-                </a:xfrm>
-                <a:prstGeom prst="ellipse">
-                  <a:avLst/>
-                </a:prstGeom>
-                <a:solidFill>
-                  <a:schemeClr val="accent1">
-                    <a:lumMod val="40000"/>
-                    <a:lumOff val="60000"/>
-                  </a:schemeClr>
-                </a:solidFill>
-                <a:ln>
-                  <a:solidFill>
-                    <a:schemeClr val="accent1"/>
-                  </a:solidFill>
-                </a:ln>
-              </p:spPr>
-              <p:style>
-                <a:lnRef idx="2">
-                  <a:schemeClr val="accent1">
-                    <a:shade val="50000"/>
-                  </a:schemeClr>
-                </a:lnRef>
-                <a:fillRef idx="1">
-                  <a:schemeClr val="accent1"/>
-                </a:fillRef>
-                <a:effectRef idx="0">
-                  <a:schemeClr val="accent1"/>
-                </a:effectRef>
-                <a:fontRef idx="minor">
-                  <a:schemeClr val="lt1"/>
-                </a:fontRef>
-              </p:style>
-              <p:txBody>
-                <a:bodyPr rtlCol="0" anchor="ctr"/>
-                <a:lstStyle/>
-                <a:p>
-                  <a:pPr algn="ctr"/>
-                  <a:endParaRPr lang="en-US" sz="5400" dirty="0">
-                    <a:latin typeface="Times New Roman" charset="0"/>
-                    <a:ea typeface="Times New Roman" charset="0"/>
-                    <a:cs typeface="Times New Roman" charset="0"/>
-                  </a:endParaRPr>
-                </a:p>
-              </p:txBody>
-            </p:sp>
-            <p:sp>
-              <p:nvSpPr>
-                <p:cNvPr id="229" name="Rectangle 228"/>
-                <p:cNvSpPr/>
-                <p:nvPr/>
-              </p:nvSpPr>
-              <p:spPr>
-                <a:xfrm>
-                  <a:off x="4184238" y="4636827"/>
-                  <a:ext cx="193937" cy="231382"/>
-                </a:xfrm>
-                <a:prstGeom prst="rect">
-                  <a:avLst/>
-                </a:prstGeom>
-                <a:solidFill>
-                  <a:schemeClr val="accent1">
-                    <a:lumMod val="40000"/>
-                    <a:lumOff val="60000"/>
-                  </a:schemeClr>
-                </a:solidFill>
-                <a:ln>
-                  <a:solidFill>
-                    <a:schemeClr val="accent1"/>
-                  </a:solidFill>
-                </a:ln>
-              </p:spPr>
-              <p:style>
-                <a:lnRef idx="1">
-                  <a:schemeClr val="accent1"/>
-                </a:lnRef>
-                <a:fillRef idx="2">
-                  <a:schemeClr val="accent1"/>
-                </a:fillRef>
-                <a:effectRef idx="1">
-                  <a:schemeClr val="accent1"/>
-                </a:effectRef>
-                <a:fontRef idx="minor">
-                  <a:schemeClr val="dk1"/>
-                </a:fontRef>
-              </p:style>
-              <p:txBody>
-                <a:bodyPr rtlCol="0" anchor="ctr"/>
-                <a:lstStyle/>
-                <a:p>
-                  <a:pPr algn="ctr"/>
-                  <a:endParaRPr lang="en-US" dirty="0">
-                    <a:latin typeface="Times New Roman" charset="0"/>
-                    <a:ea typeface="Times New Roman" charset="0"/>
-                    <a:cs typeface="Times New Roman" charset="0"/>
-                  </a:endParaRPr>
-                </a:p>
-              </p:txBody>
-            </p:sp>
-            <p:sp>
-              <p:nvSpPr>
-                <p:cNvPr id="230" name="Rectangle 229"/>
-                <p:cNvSpPr/>
-                <p:nvPr/>
-              </p:nvSpPr>
-              <p:spPr>
-                <a:xfrm>
-                  <a:off x="4579405" y="4420312"/>
-                  <a:ext cx="264698" cy="476836"/>
-                </a:xfrm>
-                <a:prstGeom prst="rect">
-                  <a:avLst/>
-                </a:prstGeom>
-                <a:solidFill>
-                  <a:schemeClr val="accent1">
-                    <a:lumMod val="40000"/>
-                    <a:lumOff val="60000"/>
-                  </a:schemeClr>
-                </a:solidFill>
-                <a:ln>
-                  <a:solidFill>
-                    <a:schemeClr val="accent1"/>
-                  </a:solidFill>
-                </a:ln>
-              </p:spPr>
-              <p:style>
-                <a:lnRef idx="2">
-                  <a:schemeClr val="accent1">
-                    <a:shade val="50000"/>
-                  </a:schemeClr>
-                </a:lnRef>
-                <a:fillRef idx="1">
-                  <a:schemeClr val="accent1"/>
-                </a:fillRef>
-                <a:effectRef idx="0">
-                  <a:schemeClr val="accent1"/>
-                </a:effectRef>
-                <a:fontRef idx="minor">
-                  <a:schemeClr val="lt1"/>
-                </a:fontRef>
-              </p:style>
-              <p:txBody>
-                <a:bodyPr rtlCol="0" anchor="ctr"/>
-                <a:lstStyle/>
-                <a:p>
-                  <a:pPr algn="ctr"/>
-                  <a:endParaRPr lang="en-US" sz="1600">
-                    <a:latin typeface="Times New Roman" charset="0"/>
-                    <a:ea typeface="Times New Roman" charset="0"/>
-                    <a:cs typeface="Times New Roman" charset="0"/>
-                  </a:endParaRPr>
-                </a:p>
-              </p:txBody>
-            </p:sp>
-            <p:grpSp>
-              <p:nvGrpSpPr>
-                <p:cNvPr id="231" name="Group 99"/>
-                <p:cNvGrpSpPr>
-                  <a:grpSpLocks/>
-                </p:cNvGrpSpPr>
-                <p:nvPr/>
-              </p:nvGrpSpPr>
-              <p:grpSpPr bwMode="auto">
-                <a:xfrm>
-                  <a:off x="4628762" y="4665765"/>
-                  <a:ext cx="161835" cy="158165"/>
-                  <a:chOff x="7239000" y="4549063"/>
-                  <a:chExt cx="762000" cy="584138"/>
-                </a:xfrm>
-              </p:grpSpPr>
-              <p:sp>
-                <p:nvSpPr>
-                  <p:cNvPr id="239" name="Oval 12"/>
-                  <p:cNvSpPr/>
-                  <p:nvPr/>
-                </p:nvSpPr>
-                <p:spPr>
-                  <a:xfrm>
-                    <a:off x="7366000" y="4657717"/>
-                    <a:ext cx="527538" cy="461789"/>
-                  </a:xfrm>
-                  <a:prstGeom prst="ellipse">
-                    <a:avLst/>
-                  </a:prstGeom>
-                  <a:gradFill rotWithShape="1">
-                    <a:gsLst>
-                      <a:gs pos="0">
-                        <a:srgbClr val="BBE0E3">
-                          <a:shade val="51000"/>
-                          <a:satMod val="130000"/>
-                        </a:srgbClr>
-                      </a:gs>
-                      <a:gs pos="80000">
-                        <a:srgbClr val="BBE0E3">
-                          <a:shade val="93000"/>
-                          <a:satMod val="130000"/>
-                        </a:srgbClr>
-                      </a:gs>
-                      <a:gs pos="100000">
-                        <a:srgbClr val="BBE0E3">
-                          <a:shade val="94000"/>
-                          <a:satMod val="135000"/>
-                        </a:srgbClr>
-                      </a:gs>
-                    </a:gsLst>
-                    <a:lin ang="16200000" scaled="0"/>
-                  </a:gradFill>
-                  <a:ln>
-                    <a:noFill/>
-                  </a:ln>
-                  <a:effectLst>
-                    <a:outerShdw blurRad="40000" dist="23000" dir="5400000" rotWithShape="0">
-                      <a:srgbClr val="000000">
-                        <a:alpha val="35000"/>
-                      </a:srgbClr>
-                    </a:outerShdw>
-                  </a:effectLst>
-                  <a:scene3d>
-                    <a:camera prst="orthographicFront">
-                      <a:rot lat="0" lon="0" rev="0"/>
-                    </a:camera>
-                    <a:lightRig rig="threePt" dir="t">
-                      <a:rot lat="0" lon="0" rev="1200000"/>
-                    </a:lightRig>
-                  </a:scene3d>
-                  <a:sp3d>
-                    <a:bevelT w="63500" h="25400"/>
-                  </a:sp3d>
-                </p:spPr>
-                <p:txBody>
-                  <a:bodyPr anchor="ctr"/>
-                  <a:lstStyle/>
-                  <a:p>
-                    <a:pPr algn="ctr">
-                      <a:defRPr/>
-                    </a:pPr>
-                    <a:endParaRPr lang="en-US" sz="1400" kern="0">
-                      <a:solidFill>
-                        <a:srgbClr val="FFFFFF"/>
-                      </a:solidFill>
-                      <a:latin typeface="Times New Roman" charset="0"/>
-                      <a:ea typeface="Times New Roman" charset="0"/>
-                      <a:cs typeface="Times New Roman" charset="0"/>
-                    </a:endParaRPr>
-                  </a:p>
-                </p:txBody>
-              </p:sp>
-              <p:cxnSp>
-                <p:nvCxnSpPr>
-                  <p:cNvPr id="240" name="Straight Connector 13"/>
-                  <p:cNvCxnSpPr/>
-                  <p:nvPr/>
-                </p:nvCxnSpPr>
-                <p:spPr>
-                  <a:xfrm rot="5400000">
-                    <a:off x="7543026" y="4733944"/>
-                    <a:ext cx="153947" cy="0"/>
-                  </a:xfrm>
-                  <a:prstGeom prst="line">
-                    <a:avLst/>
-                  </a:prstGeom>
-                  <a:noFill/>
-                  <a:ln w="25400" cap="flat" cmpd="sng" algn="ctr">
-                    <a:solidFill>
-                      <a:srgbClr val="000000"/>
-                    </a:solidFill>
-                    <a:prstDash val="solid"/>
-                  </a:ln>
-                  <a:effectLst>
-                    <a:outerShdw blurRad="40000" dist="20000" dir="5400000" rotWithShape="0">
-                      <a:srgbClr val="000000">
-                        <a:alpha val="38000"/>
-                      </a:srgbClr>
-                    </a:outerShdw>
-                  </a:effectLst>
-                </p:spPr>
-              </p:cxnSp>
-              <p:sp>
-                <p:nvSpPr>
-                  <p:cNvPr id="241" name="Minus 14"/>
-                  <p:cNvSpPr/>
-                  <p:nvPr/>
-                </p:nvSpPr>
-                <p:spPr>
-                  <a:xfrm rot="16200000">
-                    <a:off x="7579716" y="4530610"/>
-                    <a:ext cx="80571" cy="117475"/>
-                  </a:xfrm>
-                  <a:prstGeom prst="mathMinus">
-                    <a:avLst/>
-                  </a:prstGeom>
-                  <a:solidFill>
-                    <a:srgbClr val="000000"/>
-                  </a:solidFill>
-                  <a:ln w="3175" cap="flat" cmpd="sng" algn="ctr">
-                    <a:solidFill>
-                      <a:srgbClr val="FFFFFF"/>
-                    </a:solidFill>
-                    <a:prstDash val="solid"/>
-                  </a:ln>
-                  <a:effectLst>
-                    <a:outerShdw blurRad="40000" dist="20000" dir="5400000" rotWithShape="0">
-                      <a:srgbClr val="000000">
-                        <a:alpha val="38000"/>
-                      </a:srgbClr>
-                    </a:outerShdw>
-                  </a:effectLst>
-                </p:spPr>
-                <p:txBody>
-                  <a:bodyPr anchor="ctr"/>
-                  <a:lstStyle/>
-                  <a:p>
-                    <a:pPr algn="ctr">
-                      <a:defRPr/>
-                    </a:pPr>
-                    <a:endParaRPr lang="en-US" sz="1400" kern="0">
-                      <a:solidFill>
-                        <a:srgbClr val="FFFFFF"/>
-                      </a:solidFill>
-                      <a:latin typeface="Times New Roman" charset="0"/>
-                      <a:ea typeface="Times New Roman" charset="0"/>
-                      <a:cs typeface="Times New Roman" charset="0"/>
-                    </a:endParaRPr>
-                  </a:p>
-                </p:txBody>
-              </p:sp>
-              <p:sp>
-                <p:nvSpPr>
-                  <p:cNvPr id="242" name="Minus 15"/>
-                  <p:cNvSpPr/>
-                  <p:nvPr/>
-                </p:nvSpPr>
-                <p:spPr>
-                  <a:xfrm>
-                    <a:off x="7913688" y="4820990"/>
-                    <a:ext cx="87312" cy="107907"/>
-                  </a:xfrm>
-                  <a:prstGeom prst="mathMinus">
-                    <a:avLst/>
-                  </a:prstGeom>
-                  <a:solidFill>
-                    <a:srgbClr val="000000"/>
-                  </a:solidFill>
-                  <a:ln w="3175" cap="flat" cmpd="sng" algn="ctr">
-                    <a:solidFill>
-                      <a:srgbClr val="FFFFFF"/>
-                    </a:solidFill>
-                    <a:prstDash val="solid"/>
-                  </a:ln>
-                  <a:effectLst>
-                    <a:outerShdw blurRad="40000" dist="20000" dir="5400000" rotWithShape="0">
-                      <a:srgbClr val="000000">
-                        <a:alpha val="38000"/>
-                      </a:srgbClr>
-                    </a:outerShdw>
-                  </a:effectLst>
-                </p:spPr>
-                <p:txBody>
-                  <a:bodyPr anchor="ctr"/>
-                  <a:lstStyle/>
-                  <a:p>
-                    <a:pPr algn="ctr">
-                      <a:defRPr/>
-                    </a:pPr>
-                    <a:endParaRPr lang="en-US" sz="1400" kern="0">
-                      <a:solidFill>
-                        <a:srgbClr val="FFFFFF"/>
-                      </a:solidFill>
-                      <a:latin typeface="Times New Roman" charset="0"/>
-                      <a:ea typeface="Times New Roman" charset="0"/>
-                      <a:cs typeface="Times New Roman" charset="0"/>
-                    </a:endParaRPr>
-                  </a:p>
-                </p:txBody>
-              </p:sp>
-              <p:sp>
-                <p:nvSpPr>
-                  <p:cNvPr id="243" name="Minus 16"/>
-                  <p:cNvSpPr/>
-                  <p:nvPr/>
-                </p:nvSpPr>
-                <p:spPr>
-                  <a:xfrm>
-                    <a:off x="7239000" y="4820990"/>
-                    <a:ext cx="87313" cy="107907"/>
-                  </a:xfrm>
-                  <a:prstGeom prst="mathMinus">
-                    <a:avLst/>
-                  </a:prstGeom>
-                  <a:solidFill>
-                    <a:srgbClr val="000000"/>
-                  </a:solidFill>
-                  <a:ln w="3175" cap="flat" cmpd="sng" algn="ctr">
-                    <a:solidFill>
-                      <a:srgbClr val="FFFFFF"/>
-                    </a:solidFill>
-                    <a:prstDash val="solid"/>
-                  </a:ln>
-                  <a:effectLst>
-                    <a:outerShdw blurRad="40000" dist="20000" dir="5400000" rotWithShape="0">
-                      <a:srgbClr val="000000">
-                        <a:alpha val="38000"/>
-                      </a:srgbClr>
-                    </a:outerShdw>
-                  </a:effectLst>
-                </p:spPr>
-                <p:txBody>
-                  <a:bodyPr anchor="ctr"/>
-                  <a:lstStyle/>
-                  <a:p>
-                    <a:pPr algn="ctr">
-                      <a:defRPr/>
-                    </a:pPr>
-                    <a:endParaRPr lang="en-US" sz="1400" kern="0">
-                      <a:solidFill>
-                        <a:srgbClr val="FFFFFF"/>
-                      </a:solidFill>
-                      <a:latin typeface="Times New Roman" charset="0"/>
-                      <a:ea typeface="Times New Roman" charset="0"/>
-                      <a:cs typeface="Times New Roman" charset="0"/>
-                    </a:endParaRPr>
-                  </a:p>
-                </p:txBody>
-              </p:sp>
-              <p:sp>
-                <p:nvSpPr>
-                  <p:cNvPr id="244" name="Minus 17"/>
-                  <p:cNvSpPr/>
-                  <p:nvPr/>
-                </p:nvSpPr>
-                <p:spPr>
-                  <a:xfrm rot="2264948">
-                    <a:off x="7323138" y="4644021"/>
-                    <a:ext cx="87312" cy="109346"/>
-                  </a:xfrm>
-                  <a:prstGeom prst="mathMinus">
-                    <a:avLst/>
-                  </a:prstGeom>
-                  <a:solidFill>
-                    <a:srgbClr val="000000"/>
-                  </a:solidFill>
-                  <a:ln w="3175" cap="flat" cmpd="sng" algn="ctr">
-                    <a:solidFill>
-                      <a:srgbClr val="FFFFFF"/>
-                    </a:solidFill>
-                    <a:prstDash val="solid"/>
-                  </a:ln>
-                  <a:effectLst>
-                    <a:outerShdw blurRad="40000" dist="20000" dir="5400000" rotWithShape="0">
-                      <a:srgbClr val="000000">
-                        <a:alpha val="38000"/>
-                      </a:srgbClr>
-                    </a:outerShdw>
-                  </a:effectLst>
-                </p:spPr>
-                <p:txBody>
-                  <a:bodyPr anchor="ctr"/>
-                  <a:lstStyle/>
-                  <a:p>
-                    <a:pPr algn="ctr">
-                      <a:defRPr/>
-                    </a:pPr>
-                    <a:endParaRPr lang="en-US" sz="1400" kern="0">
-                      <a:solidFill>
-                        <a:srgbClr val="FFFFFF"/>
-                      </a:solidFill>
-                      <a:latin typeface="Times New Roman" charset="0"/>
-                      <a:ea typeface="Times New Roman" charset="0"/>
-                      <a:cs typeface="Times New Roman" charset="0"/>
-                    </a:endParaRPr>
-                  </a:p>
-                </p:txBody>
-              </p:sp>
-              <p:sp>
-                <p:nvSpPr>
-                  <p:cNvPr id="245" name="Minus 18"/>
-                  <p:cNvSpPr/>
-                  <p:nvPr/>
-                </p:nvSpPr>
-                <p:spPr>
-                  <a:xfrm rot="19067474">
-                    <a:off x="7826375" y="4644021"/>
-                    <a:ext cx="87313" cy="107908"/>
-                  </a:xfrm>
-                  <a:prstGeom prst="mathMinus">
-                    <a:avLst/>
-                  </a:prstGeom>
-                  <a:solidFill>
-                    <a:srgbClr val="000000"/>
-                  </a:solidFill>
-                  <a:ln w="3175" cap="flat" cmpd="sng" algn="ctr">
-                    <a:solidFill>
-                      <a:srgbClr val="FFFFFF"/>
-                    </a:solidFill>
-                    <a:prstDash val="solid"/>
-                  </a:ln>
-                  <a:effectLst>
-                    <a:outerShdw blurRad="40000" dist="20000" dir="5400000" rotWithShape="0">
-                      <a:srgbClr val="000000">
-                        <a:alpha val="38000"/>
-                      </a:srgbClr>
-                    </a:outerShdw>
-                  </a:effectLst>
-                </p:spPr>
-                <p:txBody>
-                  <a:bodyPr anchor="ctr"/>
-                  <a:lstStyle/>
-                  <a:p>
-                    <a:pPr algn="ctr">
-                      <a:defRPr/>
-                    </a:pPr>
-                    <a:endParaRPr lang="en-US" sz="1400" kern="0">
-                      <a:solidFill>
-                        <a:srgbClr val="FFFFFF"/>
-                      </a:solidFill>
-                      <a:latin typeface="Times New Roman" charset="0"/>
-                      <a:ea typeface="Times New Roman" charset="0"/>
-                      <a:cs typeface="Times New Roman" charset="0"/>
-                    </a:endParaRPr>
-                  </a:p>
-                </p:txBody>
-              </p:sp>
-              <p:sp>
-                <p:nvSpPr>
-                  <p:cNvPr id="246" name="Minus 19"/>
-                  <p:cNvSpPr/>
-                  <p:nvPr/>
-                </p:nvSpPr>
-                <p:spPr>
-                  <a:xfrm rot="19189480">
-                    <a:off x="7329488" y="5025294"/>
-                    <a:ext cx="87312" cy="107907"/>
-                  </a:xfrm>
-                  <a:prstGeom prst="mathMinus">
-                    <a:avLst/>
-                  </a:prstGeom>
-                  <a:solidFill>
-                    <a:srgbClr val="000000"/>
-                  </a:solidFill>
-                  <a:ln w="3175" cap="flat" cmpd="sng" algn="ctr">
-                    <a:solidFill>
-                      <a:srgbClr val="FFFFFF"/>
-                    </a:solidFill>
-                    <a:prstDash val="solid"/>
-                  </a:ln>
-                  <a:effectLst>
-                    <a:outerShdw blurRad="40000" dist="20000" dir="5400000" rotWithShape="0">
-                      <a:srgbClr val="000000">
-                        <a:alpha val="38000"/>
-                      </a:srgbClr>
-                    </a:outerShdw>
-                  </a:effectLst>
-                </p:spPr>
-                <p:txBody>
-                  <a:bodyPr anchor="ctr"/>
-                  <a:lstStyle/>
-                  <a:p>
-                    <a:pPr algn="ctr">
-                      <a:defRPr/>
-                    </a:pPr>
-                    <a:endParaRPr lang="en-US" sz="1400" kern="0">
-                      <a:solidFill>
-                        <a:srgbClr val="FFFFFF"/>
-                      </a:solidFill>
-                      <a:latin typeface="Times New Roman" charset="0"/>
-                      <a:ea typeface="Times New Roman" charset="0"/>
-                      <a:cs typeface="Times New Roman" charset="0"/>
-                    </a:endParaRPr>
-                  </a:p>
-                </p:txBody>
-              </p:sp>
-              <p:sp>
-                <p:nvSpPr>
-                  <p:cNvPr id="248" name="Minus 20"/>
-                  <p:cNvSpPr/>
-                  <p:nvPr/>
-                </p:nvSpPr>
-                <p:spPr>
-                  <a:xfrm rot="2517184">
-                    <a:off x="7826375" y="5025294"/>
-                    <a:ext cx="87313" cy="107907"/>
-                  </a:xfrm>
-                  <a:prstGeom prst="mathMinus">
-                    <a:avLst/>
-                  </a:prstGeom>
-                  <a:solidFill>
-                    <a:srgbClr val="000000"/>
-                  </a:solidFill>
-                  <a:ln w="3175" cap="flat" cmpd="sng" algn="ctr">
-                    <a:solidFill>
-                      <a:srgbClr val="FFFFFF"/>
-                    </a:solidFill>
-                    <a:prstDash val="solid"/>
-                  </a:ln>
-                  <a:effectLst>
-                    <a:outerShdw blurRad="40000" dist="20000" dir="5400000" rotWithShape="0">
-                      <a:srgbClr val="000000">
-                        <a:alpha val="38000"/>
-                      </a:srgbClr>
-                    </a:outerShdw>
-                  </a:effectLst>
-                </p:spPr>
-                <p:txBody>
-                  <a:bodyPr anchor="ctr"/>
-                  <a:lstStyle/>
-                  <a:p>
-                    <a:pPr algn="ctr">
-                      <a:defRPr/>
-                    </a:pPr>
-                    <a:endParaRPr lang="en-US" sz="1400" kern="0">
-                      <a:solidFill>
-                        <a:srgbClr val="FFFFFF"/>
-                      </a:solidFill>
-                      <a:latin typeface="Times New Roman" charset="0"/>
-                      <a:ea typeface="Times New Roman" charset="0"/>
-                      <a:cs typeface="Times New Roman" charset="0"/>
-                    </a:endParaRPr>
-                  </a:p>
-                </p:txBody>
-              </p:sp>
-            </p:grpSp>
-            <p:sp>
-              <p:nvSpPr>
-                <p:cNvPr id="232" name="Rectangle 231"/>
-                <p:cNvSpPr/>
-                <p:nvPr/>
-              </p:nvSpPr>
-              <p:spPr>
-                <a:xfrm>
-                  <a:off x="3778877" y="4420310"/>
-                  <a:ext cx="599297" cy="59977"/>
-                </a:xfrm>
-                <a:prstGeom prst="rect">
-                  <a:avLst/>
-                </a:prstGeom>
-                <a:solidFill>
-                  <a:schemeClr val="accent1">
-                    <a:lumMod val="40000"/>
-                    <a:lumOff val="60000"/>
-                  </a:schemeClr>
-                </a:solidFill>
-                <a:ln>
-                  <a:solidFill>
-                    <a:schemeClr val="accent1"/>
-                  </a:solidFill>
-                </a:ln>
-              </p:spPr>
-              <p:style>
-                <a:lnRef idx="1">
-                  <a:schemeClr val="accent1"/>
-                </a:lnRef>
-                <a:fillRef idx="2">
-                  <a:schemeClr val="accent1"/>
-                </a:fillRef>
-                <a:effectRef idx="1">
-                  <a:schemeClr val="accent1"/>
-                </a:effectRef>
-                <a:fontRef idx="minor">
-                  <a:schemeClr val="dk1"/>
-                </a:fontRef>
-              </p:style>
-              <p:txBody>
-                <a:bodyPr rtlCol="0" anchor="ctr"/>
-                <a:lstStyle/>
-                <a:p>
-                  <a:pPr algn="ctr"/>
-                  <a:endParaRPr lang="en-US">
-                    <a:latin typeface="Times New Roman" charset="0"/>
-                    <a:ea typeface="Times New Roman" charset="0"/>
-                    <a:cs typeface="Times New Roman" charset="0"/>
-                  </a:endParaRPr>
-                </a:p>
-              </p:txBody>
-            </p:sp>
-            <p:cxnSp>
-              <p:nvCxnSpPr>
-                <p:cNvPr id="233" name="Straight Arrow Connector 232"/>
-                <p:cNvCxnSpPr/>
-                <p:nvPr/>
-              </p:nvCxnSpPr>
-              <p:spPr>
-                <a:xfrm>
-                  <a:off x="4280051" y="4480287"/>
-                  <a:ext cx="1780" cy="156540"/>
-                </a:xfrm>
-                <a:prstGeom prst="straightConnector1">
-                  <a:avLst/>
-                </a:prstGeom>
-                <a:ln w="6350">
-                  <a:solidFill>
-                    <a:schemeClr val="accent1"/>
-                  </a:solidFill>
-                  <a:tailEnd type="stealth"/>
-                </a:ln>
-              </p:spPr>
-              <p:style>
-                <a:lnRef idx="3">
-                  <a:schemeClr val="accent1"/>
-                </a:lnRef>
-                <a:fillRef idx="0">
-                  <a:schemeClr val="accent1"/>
-                </a:fillRef>
-                <a:effectRef idx="2">
-                  <a:schemeClr val="accent1"/>
-                </a:effectRef>
-                <a:fontRef idx="minor">
-                  <a:schemeClr val="tx1"/>
-                </a:fontRef>
-              </p:style>
-            </p:cxnSp>
-            <p:cxnSp>
-              <p:nvCxnSpPr>
-                <p:cNvPr id="234" name="Straight Arrow Connector 233"/>
-                <p:cNvCxnSpPr/>
-                <p:nvPr/>
-              </p:nvCxnSpPr>
-              <p:spPr>
-                <a:xfrm>
-                  <a:off x="3455581" y="4420310"/>
-                  <a:ext cx="109" cy="183722"/>
-                </a:xfrm>
-                <a:prstGeom prst="straightConnector1">
-                  <a:avLst/>
-                </a:prstGeom>
-                <a:ln w="6350">
-                  <a:solidFill>
-                    <a:schemeClr val="accent1"/>
-                  </a:solidFill>
-                  <a:tailEnd type="stealth"/>
-                </a:ln>
-              </p:spPr>
-              <p:style>
-                <a:lnRef idx="3">
-                  <a:schemeClr val="accent1"/>
-                </a:lnRef>
-                <a:fillRef idx="0">
-                  <a:schemeClr val="accent1"/>
-                </a:fillRef>
-                <a:effectRef idx="2">
-                  <a:schemeClr val="accent1"/>
-                </a:effectRef>
-                <a:fontRef idx="minor">
-                  <a:schemeClr val="tx1"/>
-                </a:fontRef>
-              </p:style>
-            </p:cxnSp>
-            <p:cxnSp>
-              <p:nvCxnSpPr>
-                <p:cNvPr id="235" name="Straight Arrow Connector 234"/>
-                <p:cNvCxnSpPr/>
-                <p:nvPr/>
-              </p:nvCxnSpPr>
-              <p:spPr>
-                <a:xfrm>
-                  <a:off x="3559315" y="4754734"/>
-                  <a:ext cx="191466" cy="0"/>
-                </a:xfrm>
-                <a:prstGeom prst="straightConnector1">
-                  <a:avLst/>
-                </a:prstGeom>
-                <a:ln w="6350">
-                  <a:solidFill>
-                    <a:schemeClr val="accent1"/>
-                  </a:solidFill>
-                  <a:tailEnd type="stealth"/>
-                </a:ln>
-              </p:spPr>
-              <p:style>
-                <a:lnRef idx="3">
-                  <a:schemeClr val="accent1"/>
-                </a:lnRef>
-                <a:fillRef idx="0">
-                  <a:schemeClr val="accent1"/>
-                </a:fillRef>
-                <a:effectRef idx="2">
-                  <a:schemeClr val="accent1"/>
-                </a:effectRef>
-                <a:fontRef idx="minor">
-                  <a:schemeClr val="tx1"/>
-                </a:fontRef>
-              </p:style>
-            </p:cxnSp>
-            <p:cxnSp>
-              <p:nvCxnSpPr>
-                <p:cNvPr id="236" name="Straight Arrow Connector 235"/>
-                <p:cNvCxnSpPr/>
-                <p:nvPr/>
-              </p:nvCxnSpPr>
-              <p:spPr>
-                <a:xfrm>
-                  <a:off x="3992770" y="4754735"/>
-                  <a:ext cx="191467" cy="0"/>
-                </a:xfrm>
-                <a:prstGeom prst="straightConnector1">
-                  <a:avLst/>
-                </a:prstGeom>
-                <a:ln w="6350">
-                  <a:solidFill>
-                    <a:schemeClr val="accent1"/>
-                  </a:solidFill>
-                  <a:tailEnd type="stealth"/>
-                </a:ln>
-              </p:spPr>
-              <p:style>
-                <a:lnRef idx="3">
-                  <a:schemeClr val="accent1"/>
-                </a:lnRef>
-                <a:fillRef idx="0">
-                  <a:schemeClr val="accent1"/>
-                </a:fillRef>
-                <a:effectRef idx="2">
-                  <a:schemeClr val="accent1"/>
-                </a:effectRef>
-                <a:fontRef idx="minor">
-                  <a:schemeClr val="tx1"/>
-                </a:fontRef>
-              </p:style>
-            </p:cxnSp>
-            <p:cxnSp>
-              <p:nvCxnSpPr>
-                <p:cNvPr id="237" name="Straight Arrow Connector 236"/>
-                <p:cNvCxnSpPr/>
-                <p:nvPr/>
-              </p:nvCxnSpPr>
-              <p:spPr>
-                <a:xfrm>
-                  <a:off x="4386603" y="4757865"/>
-                  <a:ext cx="191467" cy="0"/>
-                </a:xfrm>
-                <a:prstGeom prst="straightConnector1">
-                  <a:avLst/>
-                </a:prstGeom>
-                <a:ln w="6350">
-                  <a:solidFill>
-                    <a:schemeClr val="accent1"/>
-                  </a:solidFill>
-                  <a:tailEnd type="stealth"/>
-                </a:ln>
-              </p:spPr>
-              <p:style>
-                <a:lnRef idx="3">
-                  <a:schemeClr val="accent1"/>
-                </a:lnRef>
-                <a:fillRef idx="0">
-                  <a:schemeClr val="accent1"/>
-                </a:fillRef>
-                <a:effectRef idx="2">
-                  <a:schemeClr val="accent1"/>
-                </a:effectRef>
-                <a:fontRef idx="minor">
-                  <a:schemeClr val="tx1"/>
-                </a:fontRef>
-              </p:style>
-            </p:cxnSp>
-            <p:sp>
-              <p:nvSpPr>
-                <p:cNvPr id="238" name="Rectangle 237"/>
-                <p:cNvSpPr/>
-                <p:nvPr/>
-              </p:nvSpPr>
-              <p:spPr>
-                <a:xfrm>
-                  <a:off x="3307744" y="4381167"/>
-                  <a:ext cx="1574358" cy="912896"/>
-                </a:xfrm>
-                <a:prstGeom prst="rect">
-                  <a:avLst/>
-                </a:prstGeom>
-                <a:noFill/>
-                <a:ln>
-                  <a:solidFill>
-                    <a:schemeClr val="accent1"/>
-                  </a:solidFill>
-                  <a:prstDash val="dash"/>
-                </a:ln>
-              </p:spPr>
-              <p:style>
-                <a:lnRef idx="2">
-                  <a:schemeClr val="accent1">
-                    <a:shade val="50000"/>
-                  </a:schemeClr>
-                </a:lnRef>
-                <a:fillRef idx="1">
-                  <a:schemeClr val="accent1"/>
-                </a:fillRef>
-                <a:effectRef idx="0">
-                  <a:schemeClr val="accent1"/>
-                </a:effectRef>
-                <a:fontRef idx="minor">
-                  <a:schemeClr val="lt1"/>
-                </a:fontRef>
-              </p:style>
-              <p:txBody>
-                <a:bodyPr rtlCol="0" anchor="ctr"/>
-                <a:lstStyle/>
-                <a:p>
-                  <a:pPr algn="ctr"/>
-                  <a:endParaRPr lang="en-US">
-                    <a:latin typeface="Times New Roman" charset="0"/>
-                    <a:ea typeface="Times New Roman" charset="0"/>
-                    <a:cs typeface="Times New Roman" charset="0"/>
-                  </a:endParaRPr>
-                </a:p>
-              </p:txBody>
-            </p:sp>
-          </p:grpSp>
-          <p:sp>
-            <p:nvSpPr>
-              <p:cNvPr id="225" name="Rectangle 224"/>
-              <p:cNvSpPr/>
-              <p:nvPr/>
-            </p:nvSpPr>
-            <p:spPr>
-              <a:xfrm>
-                <a:off x="4684013" y="4634587"/>
-                <a:ext cx="152551" cy="146050"/>
-              </a:xfrm>
-              <a:prstGeom prst="rect">
-                <a:avLst/>
-              </a:prstGeom>
-              <a:solidFill>
-                <a:schemeClr val="accent1">
-                  <a:lumMod val="40000"/>
-                  <a:lumOff val="60000"/>
-                  <a:alpha val="55000"/>
-                </a:schemeClr>
-              </a:solidFill>
-              <a:ln>
-                <a:noFill/>
-              </a:ln>
-            </p:spPr>
-            <p:style>
-              <a:lnRef idx="2">
-                <a:schemeClr val="accent1">
-                  <a:shade val="50000"/>
-                </a:schemeClr>
-              </a:lnRef>
-              <a:fillRef idx="1">
-                <a:schemeClr val="accent1"/>
-              </a:fillRef>
-              <a:effectRef idx="0">
-                <a:schemeClr val="accent1"/>
-              </a:effectRef>
-              <a:fontRef idx="minor">
-                <a:schemeClr val="lt1"/>
-              </a:fontRef>
-            </p:style>
-            <p:txBody>
-              <a:bodyPr rtlCol="0" anchor="ctr"/>
-              <a:lstStyle/>
-              <a:p>
-                <a:pPr algn="ctr"/>
-                <a:endParaRPr lang="en-US">
-                  <a:latin typeface="Times New Roman" charset="0"/>
-                  <a:ea typeface="Times New Roman" charset="0"/>
-                  <a:cs typeface="Times New Roman" charset="0"/>
-                </a:endParaRPr>
-              </a:p>
-            </p:txBody>
-          </p:sp>
-        </p:grpSp>
-        <p:grpSp>
-          <p:nvGrpSpPr>
-            <p:cNvPr id="249" name="Group 248"/>
-            <p:cNvGrpSpPr/>
-            <p:nvPr/>
-          </p:nvGrpSpPr>
-          <p:grpSpPr>
-            <a:xfrm>
-              <a:off x="-688305" y="4089268"/>
-              <a:ext cx="995072" cy="584416"/>
-              <a:chOff x="3357481" y="4357389"/>
-              <a:chExt cx="1574358" cy="912893"/>
-            </a:xfrm>
-          </p:grpSpPr>
-          <p:grpSp>
-            <p:nvGrpSpPr>
-              <p:cNvPr id="250" name="Group 249"/>
-              <p:cNvGrpSpPr/>
-              <p:nvPr/>
-            </p:nvGrpSpPr>
-            <p:grpSpPr>
-              <a:xfrm>
-                <a:off x="3357481" y="4357389"/>
-                <a:ext cx="1574358" cy="912893"/>
-                <a:chOff x="3307744" y="4399474"/>
-                <a:chExt cx="1574358" cy="912893"/>
-              </a:xfrm>
-            </p:grpSpPr>
-            <p:sp>
-              <p:nvSpPr>
-                <p:cNvPr id="252" name="Rectangle 251"/>
-                <p:cNvSpPr/>
-                <p:nvPr/>
-              </p:nvSpPr>
-              <p:spPr>
-                <a:xfrm>
-                  <a:off x="3788482" y="4636827"/>
-                  <a:ext cx="193993" cy="231382"/>
-                </a:xfrm>
-                <a:prstGeom prst="rect">
-                  <a:avLst/>
-                </a:prstGeom>
-                <a:solidFill>
-                  <a:schemeClr val="accent1">
-                    <a:lumMod val="40000"/>
-                    <a:lumOff val="60000"/>
-                  </a:schemeClr>
-                </a:solidFill>
-                <a:ln>
-                  <a:solidFill>
-                    <a:schemeClr val="accent1">
-                      <a:lumMod val="40000"/>
-                      <a:lumOff val="60000"/>
-                    </a:schemeClr>
-                  </a:solidFill>
-                </a:ln>
-              </p:spPr>
-              <p:style>
-                <a:lnRef idx="2">
-                  <a:schemeClr val="accent1">
-                    <a:shade val="50000"/>
-                  </a:schemeClr>
-                </a:lnRef>
-                <a:fillRef idx="1">
-                  <a:schemeClr val="accent1"/>
-                </a:fillRef>
-                <a:effectRef idx="0">
-                  <a:schemeClr val="accent1"/>
-                </a:effectRef>
-                <a:fontRef idx="minor">
-                  <a:schemeClr val="lt1"/>
-                </a:fontRef>
-              </p:style>
-              <p:txBody>
-                <a:bodyPr rtlCol="0" anchor="ctr"/>
-                <a:lstStyle/>
-                <a:p>
-                  <a:pPr algn="ctr"/>
-                  <a:endParaRPr lang="en-US" dirty="0">
-                    <a:latin typeface="Times New Roman" charset="0"/>
-                    <a:ea typeface="Times New Roman" charset="0"/>
-                    <a:cs typeface="Times New Roman" charset="0"/>
-                  </a:endParaRPr>
-                </a:p>
-              </p:txBody>
-            </p:sp>
-            <p:cxnSp>
-              <p:nvCxnSpPr>
-                <p:cNvPr id="253" name="Elbow Connector 252"/>
-                <p:cNvCxnSpPr/>
-                <p:nvPr/>
-              </p:nvCxnSpPr>
-              <p:spPr>
-                <a:xfrm rot="5400000" flipH="1">
-                  <a:off x="4068182" y="4253574"/>
-                  <a:ext cx="41489" cy="1245659"/>
-                </a:xfrm>
-                <a:prstGeom prst="bentConnector3">
-                  <a:avLst>
-                    <a:gd name="adj1" fmla="val -800588"/>
-                  </a:avLst>
-                </a:prstGeom>
-                <a:ln w="6350">
-                  <a:solidFill>
-                    <a:schemeClr val="accent1">
-                      <a:lumMod val="40000"/>
-                      <a:lumOff val="60000"/>
-                    </a:schemeClr>
-                  </a:solidFill>
-                  <a:tailEnd type="stealth"/>
-                </a:ln>
-              </p:spPr>
-              <p:style>
-                <a:lnRef idx="3">
-                  <a:schemeClr val="accent1"/>
-                </a:lnRef>
-                <a:fillRef idx="0">
-                  <a:schemeClr val="accent1"/>
-                </a:fillRef>
-                <a:effectRef idx="2">
-                  <a:schemeClr val="accent1"/>
-                </a:effectRef>
-                <a:fontRef idx="minor">
-                  <a:schemeClr val="tx1"/>
-                </a:fontRef>
-              </p:style>
-            </p:cxnSp>
-            <p:sp>
-              <p:nvSpPr>
-                <p:cNvPr id="254" name="Oval 253"/>
-                <p:cNvSpPr/>
-                <p:nvPr/>
-              </p:nvSpPr>
-              <p:spPr>
-                <a:xfrm>
-                  <a:off x="3372877" y="4634915"/>
-                  <a:ext cx="186438" cy="220744"/>
-                </a:xfrm>
-                <a:prstGeom prst="ellipse">
-                  <a:avLst/>
-                </a:prstGeom>
-                <a:solidFill>
-                  <a:schemeClr val="accent1">
-                    <a:lumMod val="40000"/>
-                    <a:lumOff val="60000"/>
-                  </a:schemeClr>
-                </a:solidFill>
-                <a:ln>
-                  <a:solidFill>
-                    <a:schemeClr val="accent1">
-                      <a:lumMod val="40000"/>
-                      <a:lumOff val="60000"/>
-                    </a:schemeClr>
-                  </a:solidFill>
-                </a:ln>
-              </p:spPr>
-              <p:style>
-                <a:lnRef idx="2">
-                  <a:schemeClr val="accent1">
-                    <a:shade val="50000"/>
-                  </a:schemeClr>
-                </a:lnRef>
-                <a:fillRef idx="1">
-                  <a:schemeClr val="accent1"/>
-                </a:fillRef>
-                <a:effectRef idx="0">
-                  <a:schemeClr val="accent1"/>
-                </a:effectRef>
-                <a:fontRef idx="minor">
-                  <a:schemeClr val="lt1"/>
-                </a:fontRef>
-              </p:style>
-              <p:txBody>
-                <a:bodyPr rtlCol="0" anchor="ctr"/>
-                <a:lstStyle/>
-                <a:p>
-                  <a:pPr algn="ctr"/>
-                  <a:endParaRPr lang="en-US" sz="5400" dirty="0">
-                    <a:latin typeface="Times New Roman" charset="0"/>
-                    <a:ea typeface="Times New Roman" charset="0"/>
-                    <a:cs typeface="Times New Roman" charset="0"/>
-                  </a:endParaRPr>
-                </a:p>
-              </p:txBody>
-            </p:sp>
-            <p:sp>
-              <p:nvSpPr>
-                <p:cNvPr id="255" name="Rectangle 254"/>
-                <p:cNvSpPr/>
-                <p:nvPr/>
-              </p:nvSpPr>
-              <p:spPr>
-                <a:xfrm>
-                  <a:off x="4184238" y="4636827"/>
-                  <a:ext cx="193937" cy="231382"/>
-                </a:xfrm>
-                <a:prstGeom prst="rect">
-                  <a:avLst/>
-                </a:prstGeom>
-                <a:solidFill>
-                  <a:schemeClr val="accent1">
-                    <a:lumMod val="40000"/>
-                    <a:lumOff val="60000"/>
-                  </a:schemeClr>
-                </a:solidFill>
-                <a:ln>
-                  <a:solidFill>
-                    <a:schemeClr val="accent1">
-                      <a:lumMod val="40000"/>
-                      <a:lumOff val="60000"/>
-                    </a:schemeClr>
-                  </a:solidFill>
-                </a:ln>
-              </p:spPr>
-              <p:style>
-                <a:lnRef idx="1">
-                  <a:schemeClr val="accent1"/>
-                </a:lnRef>
-                <a:fillRef idx="2">
-                  <a:schemeClr val="accent1"/>
-                </a:fillRef>
-                <a:effectRef idx="1">
-                  <a:schemeClr val="accent1"/>
-                </a:effectRef>
-                <a:fontRef idx="minor">
-                  <a:schemeClr val="dk1"/>
-                </a:fontRef>
-              </p:style>
-              <p:txBody>
-                <a:bodyPr rtlCol="0" anchor="ctr"/>
-                <a:lstStyle/>
-                <a:p>
-                  <a:pPr algn="ctr"/>
-                  <a:endParaRPr lang="en-US" dirty="0">
-                    <a:latin typeface="Times New Roman" charset="0"/>
-                    <a:ea typeface="Times New Roman" charset="0"/>
-                    <a:cs typeface="Times New Roman" charset="0"/>
-                  </a:endParaRPr>
-                </a:p>
-              </p:txBody>
-            </p:sp>
-            <p:sp>
-              <p:nvSpPr>
-                <p:cNvPr id="256" name="Rectangle 255"/>
-                <p:cNvSpPr/>
-                <p:nvPr/>
-              </p:nvSpPr>
-              <p:spPr>
-                <a:xfrm>
-                  <a:off x="4579406" y="4420312"/>
-                  <a:ext cx="264698" cy="476836"/>
-                </a:xfrm>
-                <a:prstGeom prst="rect">
-                  <a:avLst/>
-                </a:prstGeom>
-                <a:solidFill>
-                  <a:schemeClr val="accent1">
-                    <a:lumMod val="40000"/>
-                    <a:lumOff val="60000"/>
-                  </a:schemeClr>
-                </a:solidFill>
-                <a:ln>
-                  <a:solidFill>
-                    <a:schemeClr val="accent1">
-                      <a:lumMod val="40000"/>
-                      <a:lumOff val="60000"/>
-                    </a:schemeClr>
-                  </a:solidFill>
-                </a:ln>
-              </p:spPr>
-              <p:style>
-                <a:lnRef idx="2">
-                  <a:schemeClr val="accent1">
-                    <a:shade val="50000"/>
-                  </a:schemeClr>
-                </a:lnRef>
-                <a:fillRef idx="1">
-                  <a:schemeClr val="accent1"/>
-                </a:fillRef>
-                <a:effectRef idx="0">
-                  <a:schemeClr val="accent1"/>
-                </a:effectRef>
-                <a:fontRef idx="minor">
-                  <a:schemeClr val="lt1"/>
-                </a:fontRef>
-              </p:style>
-              <p:txBody>
-                <a:bodyPr rtlCol="0" anchor="ctr"/>
-                <a:lstStyle/>
-                <a:p>
-                  <a:pPr algn="ctr"/>
-                  <a:endParaRPr lang="en-US" sz="1600">
-                    <a:latin typeface="Times New Roman" charset="0"/>
-                    <a:ea typeface="Times New Roman" charset="0"/>
-                    <a:cs typeface="Times New Roman" charset="0"/>
-                  </a:endParaRPr>
-                </a:p>
-              </p:txBody>
-            </p:sp>
-            <p:grpSp>
-              <p:nvGrpSpPr>
-                <p:cNvPr id="257" name="Group 99"/>
-                <p:cNvGrpSpPr>
-                  <a:grpSpLocks/>
-                </p:cNvGrpSpPr>
-                <p:nvPr/>
-              </p:nvGrpSpPr>
-              <p:grpSpPr bwMode="auto">
-                <a:xfrm>
-                  <a:off x="4628762" y="4665765"/>
-                  <a:ext cx="161835" cy="158165"/>
-                  <a:chOff x="7239000" y="4549063"/>
-                  <a:chExt cx="762000" cy="584138"/>
-                </a:xfrm>
-              </p:grpSpPr>
-              <p:sp>
-                <p:nvSpPr>
-                  <p:cNvPr id="266" name="Oval 12"/>
-                  <p:cNvSpPr/>
-                  <p:nvPr/>
-                </p:nvSpPr>
-                <p:spPr>
-                  <a:xfrm>
-                    <a:off x="7366000" y="4657717"/>
-                    <a:ext cx="527538" cy="461789"/>
-                  </a:xfrm>
-                  <a:prstGeom prst="ellipse">
-                    <a:avLst/>
-                  </a:prstGeom>
-                  <a:gradFill rotWithShape="1">
-                    <a:gsLst>
-                      <a:gs pos="0">
-                        <a:srgbClr val="BBE0E3">
-                          <a:shade val="51000"/>
-                          <a:satMod val="130000"/>
-                        </a:srgbClr>
-                      </a:gs>
-                      <a:gs pos="80000">
-                        <a:srgbClr val="BBE0E3">
-                          <a:shade val="93000"/>
-                          <a:satMod val="130000"/>
-                        </a:srgbClr>
-                      </a:gs>
-                      <a:gs pos="100000">
-                        <a:srgbClr val="BBE0E3">
-                          <a:shade val="94000"/>
-                          <a:satMod val="135000"/>
-                        </a:srgbClr>
-                      </a:gs>
-                    </a:gsLst>
-                    <a:lin ang="16200000" scaled="0"/>
-                  </a:gradFill>
-                  <a:ln>
-                    <a:noFill/>
-                  </a:ln>
-                  <a:effectLst>
-                    <a:outerShdw blurRad="40000" dist="23000" dir="5400000" rotWithShape="0">
-                      <a:srgbClr val="000000">
-                        <a:alpha val="35000"/>
-                      </a:srgbClr>
-                    </a:outerShdw>
-                  </a:effectLst>
-                  <a:scene3d>
-                    <a:camera prst="orthographicFront">
-                      <a:rot lat="0" lon="0" rev="0"/>
-                    </a:camera>
-                    <a:lightRig rig="threePt" dir="t">
-                      <a:rot lat="0" lon="0" rev="1200000"/>
-                    </a:lightRig>
-                  </a:scene3d>
-                  <a:sp3d>
-                    <a:bevelT w="63500" h="25400"/>
-                  </a:sp3d>
-                </p:spPr>
-                <p:txBody>
-                  <a:bodyPr anchor="ctr"/>
-                  <a:lstStyle/>
-                  <a:p>
-                    <a:pPr algn="ctr">
-                      <a:defRPr/>
-                    </a:pPr>
-                    <a:endParaRPr lang="en-US" sz="1400" kern="0">
-                      <a:solidFill>
-                        <a:srgbClr val="FFFFFF"/>
-                      </a:solidFill>
-                      <a:latin typeface="Times New Roman" charset="0"/>
-                      <a:ea typeface="Times New Roman" charset="0"/>
-                      <a:cs typeface="Times New Roman" charset="0"/>
-                    </a:endParaRPr>
-                  </a:p>
-                </p:txBody>
-              </p:sp>
-              <p:cxnSp>
-                <p:nvCxnSpPr>
-                  <p:cNvPr id="267" name="Straight Connector 13"/>
-                  <p:cNvCxnSpPr/>
-                  <p:nvPr/>
-                </p:nvCxnSpPr>
-                <p:spPr>
-                  <a:xfrm rot="5400000">
-                    <a:off x="7543026" y="4733944"/>
-                    <a:ext cx="153947" cy="0"/>
-                  </a:xfrm>
-                  <a:prstGeom prst="line">
-                    <a:avLst/>
-                  </a:prstGeom>
-                  <a:noFill/>
-                  <a:ln w="25400" cap="flat" cmpd="sng" algn="ctr">
-                    <a:solidFill>
-                      <a:srgbClr val="000000"/>
-                    </a:solidFill>
-                    <a:prstDash val="solid"/>
-                  </a:ln>
-                  <a:effectLst>
-                    <a:outerShdw blurRad="40000" dist="20000" dir="5400000" rotWithShape="0">
-                      <a:srgbClr val="000000">
-                        <a:alpha val="38000"/>
-                      </a:srgbClr>
-                    </a:outerShdw>
-                  </a:effectLst>
-                </p:spPr>
-              </p:cxnSp>
-              <p:sp>
-                <p:nvSpPr>
-                  <p:cNvPr id="268" name="Minus 14"/>
-                  <p:cNvSpPr/>
-                  <p:nvPr/>
-                </p:nvSpPr>
-                <p:spPr>
-                  <a:xfrm rot="16200000">
-                    <a:off x="7579716" y="4530610"/>
-                    <a:ext cx="80571" cy="117475"/>
-                  </a:xfrm>
-                  <a:prstGeom prst="mathMinus">
-                    <a:avLst/>
-                  </a:prstGeom>
-                  <a:solidFill>
-                    <a:srgbClr val="000000"/>
-                  </a:solidFill>
-                  <a:ln w="3175" cap="flat" cmpd="sng" algn="ctr">
-                    <a:solidFill>
-                      <a:srgbClr val="FFFFFF"/>
-                    </a:solidFill>
-                    <a:prstDash val="solid"/>
-                  </a:ln>
-                  <a:effectLst>
-                    <a:outerShdw blurRad="40000" dist="20000" dir="5400000" rotWithShape="0">
-                      <a:srgbClr val="000000">
-                        <a:alpha val="38000"/>
-                      </a:srgbClr>
-                    </a:outerShdw>
-                  </a:effectLst>
-                </p:spPr>
-                <p:txBody>
-                  <a:bodyPr anchor="ctr"/>
-                  <a:lstStyle/>
-                  <a:p>
-                    <a:pPr algn="ctr">
-                      <a:defRPr/>
-                    </a:pPr>
-                    <a:endParaRPr lang="en-US" sz="1400" kern="0">
-                      <a:solidFill>
-                        <a:srgbClr val="FFFFFF"/>
-                      </a:solidFill>
-                      <a:latin typeface="Times New Roman" charset="0"/>
-                      <a:ea typeface="Times New Roman" charset="0"/>
-                      <a:cs typeface="Times New Roman" charset="0"/>
-                    </a:endParaRPr>
-                  </a:p>
-                </p:txBody>
-              </p:sp>
-              <p:sp>
-                <p:nvSpPr>
-                  <p:cNvPr id="269" name="Minus 15"/>
-                  <p:cNvSpPr/>
-                  <p:nvPr/>
-                </p:nvSpPr>
-                <p:spPr>
-                  <a:xfrm>
-                    <a:off x="7913688" y="4820990"/>
-                    <a:ext cx="87312" cy="107907"/>
-                  </a:xfrm>
-                  <a:prstGeom prst="mathMinus">
-                    <a:avLst/>
-                  </a:prstGeom>
-                  <a:solidFill>
-                    <a:srgbClr val="000000"/>
-                  </a:solidFill>
-                  <a:ln w="3175" cap="flat" cmpd="sng" algn="ctr">
-                    <a:solidFill>
-                      <a:srgbClr val="FFFFFF"/>
-                    </a:solidFill>
-                    <a:prstDash val="solid"/>
-                  </a:ln>
-                  <a:effectLst>
-                    <a:outerShdw blurRad="40000" dist="20000" dir="5400000" rotWithShape="0">
-                      <a:srgbClr val="000000">
-                        <a:alpha val="38000"/>
-                      </a:srgbClr>
-                    </a:outerShdw>
-                  </a:effectLst>
-                </p:spPr>
-                <p:txBody>
-                  <a:bodyPr anchor="ctr"/>
-                  <a:lstStyle/>
-                  <a:p>
-                    <a:pPr algn="ctr">
-                      <a:defRPr/>
-                    </a:pPr>
-                    <a:endParaRPr lang="en-US" sz="1400" kern="0">
-                      <a:solidFill>
-                        <a:srgbClr val="FFFFFF"/>
-                      </a:solidFill>
-                      <a:latin typeface="Times New Roman" charset="0"/>
-                      <a:ea typeface="Times New Roman" charset="0"/>
-                      <a:cs typeface="Times New Roman" charset="0"/>
-                    </a:endParaRPr>
-                  </a:p>
-                </p:txBody>
-              </p:sp>
-              <p:sp>
-                <p:nvSpPr>
-                  <p:cNvPr id="270" name="Minus 16"/>
-                  <p:cNvSpPr/>
-                  <p:nvPr/>
-                </p:nvSpPr>
-                <p:spPr>
-                  <a:xfrm>
-                    <a:off x="7239000" y="4820990"/>
-                    <a:ext cx="87313" cy="107907"/>
-                  </a:xfrm>
-                  <a:prstGeom prst="mathMinus">
-                    <a:avLst/>
-                  </a:prstGeom>
-                  <a:solidFill>
-                    <a:srgbClr val="000000"/>
-                  </a:solidFill>
-                  <a:ln w="3175" cap="flat" cmpd="sng" algn="ctr">
-                    <a:solidFill>
-                      <a:srgbClr val="FFFFFF"/>
-                    </a:solidFill>
-                    <a:prstDash val="solid"/>
-                  </a:ln>
-                  <a:effectLst>
-                    <a:outerShdw blurRad="40000" dist="20000" dir="5400000" rotWithShape="0">
-                      <a:srgbClr val="000000">
-                        <a:alpha val="38000"/>
-                      </a:srgbClr>
-                    </a:outerShdw>
-                  </a:effectLst>
-                </p:spPr>
-                <p:txBody>
-                  <a:bodyPr anchor="ctr"/>
-                  <a:lstStyle/>
-                  <a:p>
-                    <a:pPr algn="ctr">
-                      <a:defRPr/>
-                    </a:pPr>
-                    <a:endParaRPr lang="en-US" sz="1400" kern="0">
-                      <a:solidFill>
-                        <a:srgbClr val="FFFFFF"/>
-                      </a:solidFill>
-                      <a:latin typeface="Times New Roman" charset="0"/>
-                      <a:ea typeface="Times New Roman" charset="0"/>
-                      <a:cs typeface="Times New Roman" charset="0"/>
-                    </a:endParaRPr>
-                  </a:p>
-                </p:txBody>
-              </p:sp>
-              <p:sp>
-                <p:nvSpPr>
-                  <p:cNvPr id="271" name="Minus 17"/>
-                  <p:cNvSpPr/>
-                  <p:nvPr/>
-                </p:nvSpPr>
-                <p:spPr>
-                  <a:xfrm rot="2264948">
-                    <a:off x="7323138" y="4644021"/>
-                    <a:ext cx="87312" cy="109346"/>
-                  </a:xfrm>
-                  <a:prstGeom prst="mathMinus">
-                    <a:avLst/>
-                  </a:prstGeom>
-                  <a:solidFill>
-                    <a:srgbClr val="000000"/>
-                  </a:solidFill>
-                  <a:ln w="3175" cap="flat" cmpd="sng" algn="ctr">
-                    <a:solidFill>
-                      <a:srgbClr val="FFFFFF"/>
-                    </a:solidFill>
-                    <a:prstDash val="solid"/>
-                  </a:ln>
-                  <a:effectLst>
-                    <a:outerShdw blurRad="40000" dist="20000" dir="5400000" rotWithShape="0">
-                      <a:srgbClr val="000000">
-                        <a:alpha val="38000"/>
-                      </a:srgbClr>
-                    </a:outerShdw>
-                  </a:effectLst>
-                </p:spPr>
-                <p:txBody>
-                  <a:bodyPr anchor="ctr"/>
-                  <a:lstStyle/>
-                  <a:p>
-                    <a:pPr algn="ctr">
-                      <a:defRPr/>
-                    </a:pPr>
-                    <a:endParaRPr lang="en-US" sz="1400" kern="0">
-                      <a:solidFill>
-                        <a:srgbClr val="FFFFFF"/>
-                      </a:solidFill>
-                      <a:latin typeface="Times New Roman" charset="0"/>
-                      <a:ea typeface="Times New Roman" charset="0"/>
-                      <a:cs typeface="Times New Roman" charset="0"/>
-                    </a:endParaRPr>
-                  </a:p>
-                </p:txBody>
-              </p:sp>
-              <p:sp>
-                <p:nvSpPr>
-                  <p:cNvPr id="272" name="Minus 18"/>
-                  <p:cNvSpPr/>
-                  <p:nvPr/>
-                </p:nvSpPr>
-                <p:spPr>
-                  <a:xfrm rot="19067474">
-                    <a:off x="7826375" y="4644021"/>
-                    <a:ext cx="87313" cy="107908"/>
-                  </a:xfrm>
-                  <a:prstGeom prst="mathMinus">
-                    <a:avLst/>
-                  </a:prstGeom>
-                  <a:solidFill>
-                    <a:srgbClr val="000000"/>
-                  </a:solidFill>
-                  <a:ln w="3175" cap="flat" cmpd="sng" algn="ctr">
-                    <a:solidFill>
-                      <a:srgbClr val="FFFFFF"/>
-                    </a:solidFill>
-                    <a:prstDash val="solid"/>
-                  </a:ln>
-                  <a:effectLst>
-                    <a:outerShdw blurRad="40000" dist="20000" dir="5400000" rotWithShape="0">
-                      <a:srgbClr val="000000">
-                        <a:alpha val="38000"/>
-                      </a:srgbClr>
-                    </a:outerShdw>
-                  </a:effectLst>
-                </p:spPr>
-                <p:txBody>
-                  <a:bodyPr anchor="ctr"/>
-                  <a:lstStyle/>
-                  <a:p>
-                    <a:pPr algn="ctr">
-                      <a:defRPr/>
-                    </a:pPr>
-                    <a:endParaRPr lang="en-US" sz="1400" kern="0">
-                      <a:solidFill>
-                        <a:srgbClr val="FFFFFF"/>
-                      </a:solidFill>
-                      <a:latin typeface="Times New Roman" charset="0"/>
-                      <a:ea typeface="Times New Roman" charset="0"/>
-                      <a:cs typeface="Times New Roman" charset="0"/>
-                    </a:endParaRPr>
-                  </a:p>
-                </p:txBody>
-              </p:sp>
-              <p:sp>
-                <p:nvSpPr>
-                  <p:cNvPr id="273" name="Minus 19"/>
-                  <p:cNvSpPr/>
-                  <p:nvPr/>
-                </p:nvSpPr>
-                <p:spPr>
-                  <a:xfrm rot="19189480">
-                    <a:off x="7329488" y="5025294"/>
-                    <a:ext cx="87312" cy="107907"/>
-                  </a:xfrm>
-                  <a:prstGeom prst="mathMinus">
-                    <a:avLst/>
-                  </a:prstGeom>
-                  <a:solidFill>
-                    <a:srgbClr val="000000"/>
-                  </a:solidFill>
-                  <a:ln w="3175" cap="flat" cmpd="sng" algn="ctr">
-                    <a:solidFill>
-                      <a:srgbClr val="FFFFFF"/>
-                    </a:solidFill>
-                    <a:prstDash val="solid"/>
-                  </a:ln>
-                  <a:effectLst>
-                    <a:outerShdw blurRad="40000" dist="20000" dir="5400000" rotWithShape="0">
-                      <a:srgbClr val="000000">
-                        <a:alpha val="38000"/>
-                      </a:srgbClr>
-                    </a:outerShdw>
-                  </a:effectLst>
-                </p:spPr>
-                <p:txBody>
-                  <a:bodyPr anchor="ctr"/>
-                  <a:lstStyle/>
-                  <a:p>
-                    <a:pPr algn="ctr">
-                      <a:defRPr/>
-                    </a:pPr>
-                    <a:endParaRPr lang="en-US" sz="1400" kern="0">
-                      <a:solidFill>
-                        <a:srgbClr val="FFFFFF"/>
-                      </a:solidFill>
-                      <a:latin typeface="Times New Roman" charset="0"/>
-                      <a:ea typeface="Times New Roman" charset="0"/>
-                      <a:cs typeface="Times New Roman" charset="0"/>
-                    </a:endParaRPr>
-                  </a:p>
-                </p:txBody>
-              </p:sp>
-              <p:sp>
-                <p:nvSpPr>
-                  <p:cNvPr id="274" name="Minus 20"/>
-                  <p:cNvSpPr/>
-                  <p:nvPr/>
-                </p:nvSpPr>
-                <p:spPr>
-                  <a:xfrm rot="2517184">
-                    <a:off x="7826375" y="5025294"/>
-                    <a:ext cx="87313" cy="107907"/>
-                  </a:xfrm>
-                  <a:prstGeom prst="mathMinus">
-                    <a:avLst/>
-                  </a:prstGeom>
-                  <a:solidFill>
-                    <a:srgbClr val="000000"/>
-                  </a:solidFill>
-                  <a:ln w="3175" cap="flat" cmpd="sng" algn="ctr">
-                    <a:solidFill>
-                      <a:srgbClr val="FFFFFF"/>
-                    </a:solidFill>
-                    <a:prstDash val="solid"/>
-                  </a:ln>
-                  <a:effectLst>
-                    <a:outerShdw blurRad="40000" dist="20000" dir="5400000" rotWithShape="0">
-                      <a:srgbClr val="000000">
-                        <a:alpha val="38000"/>
-                      </a:srgbClr>
-                    </a:outerShdw>
-                  </a:effectLst>
-                </p:spPr>
-                <p:txBody>
-                  <a:bodyPr anchor="ctr"/>
-                  <a:lstStyle/>
-                  <a:p>
-                    <a:pPr algn="ctr">
-                      <a:defRPr/>
-                    </a:pPr>
-                    <a:endParaRPr lang="en-US" sz="1400" kern="0">
-                      <a:solidFill>
-                        <a:srgbClr val="FFFFFF"/>
-                      </a:solidFill>
-                      <a:latin typeface="Times New Roman" charset="0"/>
-                      <a:ea typeface="Times New Roman" charset="0"/>
-                      <a:cs typeface="Times New Roman" charset="0"/>
-                    </a:endParaRPr>
-                  </a:p>
-                </p:txBody>
-              </p:sp>
-            </p:grpSp>
-            <p:sp>
-              <p:nvSpPr>
-                <p:cNvPr id="258" name="Rectangle 257"/>
-                <p:cNvSpPr/>
-                <p:nvPr/>
-              </p:nvSpPr>
-              <p:spPr>
-                <a:xfrm>
-                  <a:off x="3778876" y="4420310"/>
-                  <a:ext cx="599297" cy="59977"/>
-                </a:xfrm>
-                <a:prstGeom prst="rect">
-                  <a:avLst/>
-                </a:prstGeom>
-                <a:solidFill>
-                  <a:schemeClr val="accent1">
-                    <a:lumMod val="40000"/>
-                    <a:lumOff val="60000"/>
-                  </a:schemeClr>
-                </a:solidFill>
-                <a:ln>
-                  <a:solidFill>
-                    <a:schemeClr val="accent1">
-                      <a:lumMod val="40000"/>
-                      <a:lumOff val="60000"/>
-                    </a:schemeClr>
-                  </a:solidFill>
-                </a:ln>
-              </p:spPr>
-              <p:style>
-                <a:lnRef idx="1">
-                  <a:schemeClr val="accent1"/>
-                </a:lnRef>
-                <a:fillRef idx="2">
-                  <a:schemeClr val="accent1"/>
-                </a:fillRef>
-                <a:effectRef idx="1">
-                  <a:schemeClr val="accent1"/>
-                </a:effectRef>
-                <a:fontRef idx="minor">
-                  <a:schemeClr val="dk1"/>
-                </a:fontRef>
-              </p:style>
-              <p:txBody>
-                <a:bodyPr rtlCol="0" anchor="ctr"/>
-                <a:lstStyle/>
-                <a:p>
-                  <a:pPr algn="ctr"/>
-                  <a:endParaRPr lang="en-US">
-                    <a:latin typeface="Times New Roman" charset="0"/>
-                    <a:ea typeface="Times New Roman" charset="0"/>
-                    <a:cs typeface="Times New Roman" charset="0"/>
-                  </a:endParaRPr>
-                </a:p>
-              </p:txBody>
-            </p:sp>
-            <p:cxnSp>
-              <p:nvCxnSpPr>
-                <p:cNvPr id="259" name="Straight Arrow Connector 258"/>
-                <p:cNvCxnSpPr/>
-                <p:nvPr/>
-              </p:nvCxnSpPr>
-              <p:spPr>
-                <a:xfrm>
-                  <a:off x="4280051" y="4480287"/>
-                  <a:ext cx="1780" cy="156540"/>
-                </a:xfrm>
-                <a:prstGeom prst="straightConnector1">
-                  <a:avLst/>
-                </a:prstGeom>
-                <a:ln w="6350">
-                  <a:solidFill>
-                    <a:schemeClr val="accent1">
-                      <a:lumMod val="40000"/>
-                      <a:lumOff val="60000"/>
-                    </a:schemeClr>
-                  </a:solidFill>
-                  <a:tailEnd type="stealth"/>
-                </a:ln>
-              </p:spPr>
-              <p:style>
-                <a:lnRef idx="3">
-                  <a:schemeClr val="accent1"/>
-                </a:lnRef>
-                <a:fillRef idx="0">
-                  <a:schemeClr val="accent1"/>
-                </a:fillRef>
-                <a:effectRef idx="2">
-                  <a:schemeClr val="accent1"/>
-                </a:effectRef>
-                <a:fontRef idx="minor">
-                  <a:schemeClr val="tx1"/>
-                </a:fontRef>
-              </p:style>
-            </p:cxnSp>
-            <p:cxnSp>
-              <p:nvCxnSpPr>
-                <p:cNvPr id="260" name="Straight Arrow Connector 259"/>
-                <p:cNvCxnSpPr/>
-                <p:nvPr/>
-              </p:nvCxnSpPr>
-              <p:spPr>
-                <a:xfrm>
-                  <a:off x="3455581" y="4420310"/>
-                  <a:ext cx="109" cy="183722"/>
-                </a:xfrm>
-                <a:prstGeom prst="straightConnector1">
-                  <a:avLst/>
-                </a:prstGeom>
-                <a:ln w="6350">
-                  <a:solidFill>
-                    <a:schemeClr val="accent1">
-                      <a:lumMod val="40000"/>
-                      <a:lumOff val="60000"/>
-                    </a:schemeClr>
-                  </a:solidFill>
-                  <a:tailEnd type="stealth"/>
-                </a:ln>
-              </p:spPr>
-              <p:style>
-                <a:lnRef idx="3">
-                  <a:schemeClr val="accent1"/>
-                </a:lnRef>
-                <a:fillRef idx="0">
-                  <a:schemeClr val="accent1"/>
-                </a:fillRef>
-                <a:effectRef idx="2">
-                  <a:schemeClr val="accent1"/>
-                </a:effectRef>
-                <a:fontRef idx="minor">
-                  <a:schemeClr val="tx1"/>
-                </a:fontRef>
-              </p:style>
-            </p:cxnSp>
-            <p:cxnSp>
-              <p:nvCxnSpPr>
-                <p:cNvPr id="261" name="Straight Arrow Connector 260"/>
-                <p:cNvCxnSpPr/>
-                <p:nvPr/>
-              </p:nvCxnSpPr>
-              <p:spPr>
-                <a:xfrm>
-                  <a:off x="3559315" y="4754734"/>
-                  <a:ext cx="191466" cy="0"/>
-                </a:xfrm>
-                <a:prstGeom prst="straightConnector1">
-                  <a:avLst/>
-                </a:prstGeom>
-                <a:ln w="6350">
-                  <a:solidFill>
-                    <a:schemeClr val="accent1">
-                      <a:lumMod val="40000"/>
-                      <a:lumOff val="60000"/>
-                    </a:schemeClr>
-                  </a:solidFill>
-                  <a:tailEnd type="stealth"/>
-                </a:ln>
-              </p:spPr>
-              <p:style>
-                <a:lnRef idx="3">
-                  <a:schemeClr val="accent1"/>
-                </a:lnRef>
-                <a:fillRef idx="0">
-                  <a:schemeClr val="accent1"/>
-                </a:fillRef>
-                <a:effectRef idx="2">
-                  <a:schemeClr val="accent1"/>
-                </a:effectRef>
-                <a:fontRef idx="minor">
-                  <a:schemeClr val="tx1"/>
-                </a:fontRef>
-              </p:style>
-            </p:cxnSp>
-            <p:cxnSp>
-              <p:nvCxnSpPr>
-                <p:cNvPr id="263" name="Straight Arrow Connector 262"/>
-                <p:cNvCxnSpPr/>
-                <p:nvPr/>
-              </p:nvCxnSpPr>
-              <p:spPr>
-                <a:xfrm>
-                  <a:off x="3992770" y="4754735"/>
-                  <a:ext cx="191467" cy="0"/>
-                </a:xfrm>
-                <a:prstGeom prst="straightConnector1">
-                  <a:avLst/>
-                </a:prstGeom>
-                <a:ln w="6350">
-                  <a:solidFill>
-                    <a:schemeClr val="accent1">
-                      <a:lumMod val="40000"/>
-                      <a:lumOff val="60000"/>
-                    </a:schemeClr>
-                  </a:solidFill>
-                  <a:tailEnd type="stealth"/>
-                </a:ln>
-              </p:spPr>
-              <p:style>
-                <a:lnRef idx="3">
-                  <a:schemeClr val="accent1"/>
-                </a:lnRef>
-                <a:fillRef idx="0">
-                  <a:schemeClr val="accent1"/>
-                </a:fillRef>
-                <a:effectRef idx="2">
-                  <a:schemeClr val="accent1"/>
-                </a:effectRef>
-                <a:fontRef idx="minor">
-                  <a:schemeClr val="tx1"/>
-                </a:fontRef>
-              </p:style>
-            </p:cxnSp>
-            <p:cxnSp>
-              <p:nvCxnSpPr>
-                <p:cNvPr id="264" name="Straight Arrow Connector 263"/>
-                <p:cNvCxnSpPr/>
-                <p:nvPr/>
-              </p:nvCxnSpPr>
-              <p:spPr>
-                <a:xfrm>
-                  <a:off x="4386603" y="4757865"/>
-                  <a:ext cx="191467" cy="0"/>
-                </a:xfrm>
-                <a:prstGeom prst="straightConnector1">
-                  <a:avLst/>
-                </a:prstGeom>
-                <a:ln w="6350">
-                  <a:solidFill>
-                    <a:schemeClr val="accent1">
-                      <a:lumMod val="40000"/>
-                      <a:lumOff val="60000"/>
-                    </a:schemeClr>
-                  </a:solidFill>
-                  <a:tailEnd type="stealth"/>
-                </a:ln>
-              </p:spPr>
-              <p:style>
-                <a:lnRef idx="3">
-                  <a:schemeClr val="accent1"/>
-                </a:lnRef>
-                <a:fillRef idx="0">
-                  <a:schemeClr val="accent1"/>
-                </a:fillRef>
-                <a:effectRef idx="2">
-                  <a:schemeClr val="accent1"/>
-                </a:effectRef>
-                <a:fontRef idx="minor">
-                  <a:schemeClr val="tx1"/>
-                </a:fontRef>
-              </p:style>
-            </p:cxnSp>
-            <p:sp>
-              <p:nvSpPr>
-                <p:cNvPr id="265" name="Rectangle 264"/>
-                <p:cNvSpPr/>
-                <p:nvPr/>
-              </p:nvSpPr>
-              <p:spPr>
-                <a:xfrm>
-                  <a:off x="3307744" y="4399474"/>
-                  <a:ext cx="1574358" cy="912893"/>
-                </a:xfrm>
-                <a:prstGeom prst="rect">
-                  <a:avLst/>
-                </a:prstGeom>
-                <a:noFill/>
-                <a:ln>
-                  <a:solidFill>
-                    <a:schemeClr val="accent1">
-                      <a:lumMod val="40000"/>
-                      <a:lumOff val="60000"/>
-                    </a:schemeClr>
-                  </a:solidFill>
-                  <a:prstDash val="dash"/>
-                </a:ln>
-              </p:spPr>
-              <p:style>
-                <a:lnRef idx="2">
-                  <a:schemeClr val="accent1">
-                    <a:shade val="50000"/>
-                  </a:schemeClr>
-                </a:lnRef>
-                <a:fillRef idx="1">
-                  <a:schemeClr val="accent1"/>
-                </a:fillRef>
-                <a:effectRef idx="0">
-                  <a:schemeClr val="accent1"/>
-                </a:effectRef>
-                <a:fontRef idx="minor">
-                  <a:schemeClr val="lt1"/>
-                </a:fontRef>
-              </p:style>
-              <p:txBody>
-                <a:bodyPr rtlCol="0" anchor="ctr"/>
-                <a:lstStyle/>
-                <a:p>
-                  <a:pPr algn="ctr"/>
-                  <a:endParaRPr lang="en-US">
-                    <a:latin typeface="Times New Roman" charset="0"/>
-                    <a:ea typeface="Times New Roman" charset="0"/>
-                    <a:cs typeface="Times New Roman" charset="0"/>
-                  </a:endParaRPr>
-                </a:p>
-              </p:txBody>
-            </p:sp>
-          </p:grpSp>
-          <p:sp>
-            <p:nvSpPr>
-              <p:cNvPr id="251" name="Rectangle 250"/>
-              <p:cNvSpPr/>
-              <p:nvPr/>
-            </p:nvSpPr>
-            <p:spPr>
-              <a:xfrm>
-                <a:off x="4684013" y="4634587"/>
-                <a:ext cx="152551" cy="146050"/>
-              </a:xfrm>
-              <a:prstGeom prst="rect">
-                <a:avLst/>
-              </a:prstGeom>
-              <a:solidFill>
-                <a:schemeClr val="accent1">
-                  <a:lumMod val="40000"/>
-                  <a:lumOff val="60000"/>
-                  <a:alpha val="55000"/>
-                </a:schemeClr>
-              </a:solidFill>
-              <a:ln>
-                <a:noFill/>
-              </a:ln>
-            </p:spPr>
-            <p:style>
-              <a:lnRef idx="2">
-                <a:schemeClr val="accent1">
-                  <a:shade val="50000"/>
-                </a:schemeClr>
-              </a:lnRef>
-              <a:fillRef idx="1">
-                <a:schemeClr val="accent1"/>
-              </a:fillRef>
-              <a:effectRef idx="0">
-                <a:schemeClr val="accent1"/>
-              </a:effectRef>
-              <a:fontRef idx="minor">
-                <a:schemeClr val="lt1"/>
-              </a:fontRef>
-            </p:style>
-            <p:txBody>
-              <a:bodyPr rtlCol="0" anchor="ctr"/>
-              <a:lstStyle/>
-              <a:p>
-                <a:pPr algn="ctr"/>
-                <a:endParaRPr lang="en-US">
-                  <a:latin typeface="Times New Roman" charset="0"/>
-                  <a:ea typeface="Times New Roman" charset="0"/>
-                  <a:cs typeface="Times New Roman" charset="0"/>
-                </a:endParaRPr>
-              </a:p>
-            </p:txBody>
-          </p:sp>
-        </p:grpSp>
-        <p:cxnSp>
-          <p:nvCxnSpPr>
-            <p:cNvPr id="7" name="Elbow Connector 6"/>
-            <p:cNvCxnSpPr>
-              <a:stCxn id="41" idx="0"/>
-              <a:endCxn id="50" idx="2"/>
-            </p:cNvCxnSpPr>
-            <p:nvPr/>
-          </p:nvCxnSpPr>
-          <p:spPr>
-            <a:xfrm rot="5400000" flipH="1" flipV="1">
-              <a:off x="-804305" y="959782"/>
-              <a:ext cx="2155055" cy="936426"/>
-            </a:xfrm>
-            <a:prstGeom prst="bentConnector2">
-              <a:avLst/>
-            </a:prstGeom>
-            <a:ln>
-              <a:tailEnd type="triangle"/>
-            </a:ln>
-          </p:spPr>
-          <p:style>
-            <a:lnRef idx="1">
-              <a:schemeClr val="accent1"/>
-            </a:lnRef>
-            <a:fillRef idx="0">
-              <a:schemeClr val="accent1"/>
-            </a:fillRef>
-            <a:effectRef idx="0">
-              <a:schemeClr val="accent1"/>
-            </a:effectRef>
-            <a:fontRef idx="minor">
-              <a:schemeClr val="tx1"/>
-            </a:fontRef>
-          </p:style>
-        </p:cxnSp>
-        <p:cxnSp>
-          <p:nvCxnSpPr>
-            <p:cNvPr id="12" name="Elbow Connector 11"/>
-            <p:cNvCxnSpPr>
-              <a:endCxn id="46" idx="1"/>
-            </p:cNvCxnSpPr>
-            <p:nvPr/>
-          </p:nvCxnSpPr>
-          <p:spPr>
-            <a:xfrm rot="16200000" flipH="1">
-              <a:off x="2946594" y="2056495"/>
-              <a:ext cx="2073472" cy="1319621"/>
-            </a:xfrm>
-            <a:prstGeom prst="bentConnector2">
-              <a:avLst/>
-            </a:prstGeom>
-            <a:ln>
-              <a:solidFill>
-                <a:schemeClr val="accent1">
-                  <a:alpha val="53000"/>
-                </a:schemeClr>
-              </a:solidFill>
-              <a:tailEnd type="triangle"/>
-            </a:ln>
-          </p:spPr>
-          <p:style>
-            <a:lnRef idx="1">
-              <a:schemeClr val="accent1"/>
-            </a:lnRef>
-            <a:fillRef idx="0">
-              <a:schemeClr val="accent1"/>
-            </a:fillRef>
-            <a:effectRef idx="0">
-              <a:schemeClr val="accent1"/>
-            </a:effectRef>
-            <a:fontRef idx="minor">
-              <a:schemeClr val="tx1"/>
-            </a:fontRef>
-          </p:style>
-        </p:cxnSp>
-        <p:cxnSp>
-          <p:nvCxnSpPr>
-            <p:cNvPr id="18" name="Elbow Connector 17"/>
-            <p:cNvCxnSpPr>
-              <a:stCxn id="50" idx="4"/>
-              <a:endCxn id="46" idx="0"/>
-            </p:cNvCxnSpPr>
-            <p:nvPr/>
-          </p:nvCxnSpPr>
-          <p:spPr>
-            <a:xfrm>
-              <a:off x="3908442" y="350467"/>
-              <a:ext cx="1296937" cy="2166305"/>
-            </a:xfrm>
-            <a:prstGeom prst="bentConnector2">
-              <a:avLst/>
-            </a:prstGeom>
-            <a:ln>
-              <a:solidFill>
-                <a:schemeClr val="accent1">
-                  <a:alpha val="53000"/>
-                </a:schemeClr>
-              </a:solidFill>
-              <a:headEnd type="triangle"/>
-              <a:tailEnd type="none"/>
-            </a:ln>
-          </p:spPr>
-          <p:style>
-            <a:lnRef idx="1">
-              <a:schemeClr val="accent1"/>
-            </a:lnRef>
-            <a:fillRef idx="0">
-              <a:schemeClr val="accent1"/>
-            </a:fillRef>
-            <a:effectRef idx="0">
-              <a:schemeClr val="accent1"/>
-            </a:effectRef>
-            <a:fontRef idx="minor">
-              <a:schemeClr val="tx1"/>
-            </a:fontRef>
-          </p:style>
-        </p:cxnSp>
-        <p:cxnSp>
-          <p:nvCxnSpPr>
-            <p:cNvPr id="4" name="Elbow Connector 3"/>
-            <p:cNvCxnSpPr>
-              <a:endCxn id="41" idx="3"/>
-            </p:cNvCxnSpPr>
-            <p:nvPr/>
-          </p:nvCxnSpPr>
-          <p:spPr>
-            <a:xfrm rot="5400000">
-              <a:off x="-98349" y="2145165"/>
-              <a:ext cx="2062222" cy="1131032"/>
-            </a:xfrm>
-            <a:prstGeom prst="bentConnector2">
-              <a:avLst/>
-            </a:prstGeom>
-            <a:ln>
-              <a:tailEnd type="triangle"/>
-            </a:ln>
-          </p:spPr>
-          <p:style>
-            <a:lnRef idx="1">
-              <a:schemeClr val="accent1"/>
-            </a:lnRef>
-            <a:fillRef idx="0">
-              <a:schemeClr val="accent1"/>
-            </a:fillRef>
-            <a:effectRef idx="0">
-              <a:schemeClr val="accent1"/>
-            </a:effectRef>
-            <a:fontRef idx="minor">
-              <a:schemeClr val="tx1"/>
-            </a:fontRef>
-          </p:style>
-        </p:cxnSp>
-        <p:cxnSp>
-          <p:nvCxnSpPr>
-            <p:cNvPr id="14" name="Straight Arrow Connector 13"/>
-            <p:cNvCxnSpPr>
-              <a:stCxn id="265" idx="2"/>
-            </p:cNvCxnSpPr>
-            <p:nvPr/>
-          </p:nvCxnSpPr>
-          <p:spPr>
-            <a:xfrm flipH="1">
-              <a:off x="-194992" y="4673695"/>
-              <a:ext cx="4223" cy="1142898"/>
-            </a:xfrm>
-            <a:prstGeom prst="straightConnector1">
-              <a:avLst/>
-            </a:prstGeom>
-            <a:ln>
-              <a:prstDash val="dash"/>
-              <a:tailEnd type="triangle"/>
-            </a:ln>
-          </p:spPr>
-          <p:style>
-            <a:lnRef idx="1">
-              <a:schemeClr val="accent1"/>
-            </a:lnRef>
-            <a:fillRef idx="0">
-              <a:schemeClr val="accent1"/>
-            </a:fillRef>
-            <a:effectRef idx="0">
-              <a:schemeClr val="accent1"/>
-            </a:effectRef>
-            <a:fontRef idx="minor">
-              <a:schemeClr val="tx1"/>
-            </a:fontRef>
-          </p:style>
-        </p:cxnSp>
         <p:sp>
           <p:nvSpPr>
-            <p:cNvPr id="109" name="Rectangle 108"/>
+            <p:cNvPr id="37" name="Rectangle 36"/>
             <p:cNvSpPr/>
             <p:nvPr/>
           </p:nvSpPr>
           <p:spPr>
             <a:xfrm>
-              <a:off x="1749863" y="2248902"/>
-              <a:ext cx="2189932" cy="3288836"/>
+              <a:off x="2539054" y="2724291"/>
+              <a:ext cx="447994" cy="834620"/>
             </a:xfrm>
             <a:prstGeom prst="rect">
               <a:avLst/>
             </a:prstGeom>
-            <a:solidFill>
-              <a:schemeClr val="bg1">
-                <a:alpha val="59000"/>
-              </a:schemeClr>
-            </a:solidFill>
+            <a:gradFill flip="none" rotWithShape="1">
+              <a:gsLst>
+                <a:gs pos="0">
+                  <a:schemeClr val="accent1">
+                    <a:lumMod val="40000"/>
+                    <a:lumOff val="60000"/>
+                  </a:schemeClr>
+                </a:gs>
+                <a:gs pos="46000">
+                  <a:schemeClr val="accent1">
+                    <a:lumMod val="95000"/>
+                    <a:lumOff val="5000"/>
+                  </a:schemeClr>
+                </a:gs>
+                <a:gs pos="100000">
+                  <a:schemeClr val="accent1">
+                    <a:lumMod val="60000"/>
+                  </a:schemeClr>
+                </a:gs>
+              </a:gsLst>
+              <a:path path="circle">
+                <a:fillToRect l="50000" t="130000" r="50000" b="-30000"/>
+              </a:path>
+              <a:tileRect/>
+            </a:gradFill>
             <a:ln>
               <a:noFill/>
             </a:ln>
@@ -29204,23 +24929,197 @@
         </p:sp>
         <p:sp>
           <p:nvSpPr>
-            <p:cNvPr id="277" name="Rectangle 276"/>
+            <p:cNvPr id="38" name="Rounded Rectangle 37"/>
             <p:cNvSpPr/>
             <p:nvPr/>
           </p:nvSpPr>
           <p:spPr>
             <a:xfrm>
-              <a:off x="4058363" y="304454"/>
-              <a:ext cx="1903492" cy="4881895"/>
+              <a:off x="2737139" y="3589329"/>
+              <a:ext cx="54780" cy="45719"/>
+            </a:xfrm>
+            <a:prstGeom prst="roundRect">
+              <a:avLst/>
+            </a:prstGeom>
+            <a:solidFill>
+              <a:schemeClr val="accent5">
+                <a:lumMod val="75000"/>
+              </a:schemeClr>
+            </a:solidFill>
+            <a:ln w="1270"/>
+          </p:spPr>
+          <p:style>
+            <a:lnRef idx="2">
+              <a:schemeClr val="accent1">
+                <a:shade val="50000"/>
+              </a:schemeClr>
+            </a:lnRef>
+            <a:fillRef idx="1">
+              <a:schemeClr val="accent1"/>
+            </a:fillRef>
+            <a:effectRef idx="0">
+              <a:schemeClr val="accent1"/>
+            </a:effectRef>
+            <a:fontRef idx="minor">
+              <a:schemeClr val="lt1"/>
+            </a:fontRef>
+          </p:style>
+          <p:txBody>
+            <a:bodyPr rtlCol="0" anchor="ctr"/>
+            <a:lstStyle/>
+            <a:p>
+              <a:pPr algn="ctr"/>
+              <a:endParaRPr lang="en-US" sz="1400">
+                <a:latin typeface="Times New Roman" charset="0"/>
+                <a:ea typeface="Times New Roman" charset="0"/>
+                <a:cs typeface="Times New Roman" charset="0"/>
+              </a:endParaRPr>
+            </a:p>
+          </p:txBody>
+        </p:sp>
+        <p:cxnSp>
+          <p:nvCxnSpPr>
+            <p:cNvPr id="39" name="Straight Connector 38"/>
+            <p:cNvCxnSpPr/>
+            <p:nvPr/>
+          </p:nvCxnSpPr>
+          <p:spPr>
+            <a:xfrm>
+              <a:off x="2727750" y="2693295"/>
+              <a:ext cx="66675" cy="1082"/>
+            </a:xfrm>
+            <a:prstGeom prst="line">
+              <a:avLst/>
+            </a:prstGeom>
+          </p:spPr>
+          <p:style>
+            <a:lnRef idx="1">
+              <a:schemeClr val="accent1"/>
+            </a:lnRef>
+            <a:fillRef idx="0">
+              <a:schemeClr val="accent1"/>
+            </a:fillRef>
+            <a:effectRef idx="0">
+              <a:schemeClr val="accent1"/>
+            </a:effectRef>
+            <a:fontRef idx="minor">
+              <a:schemeClr val="tx1"/>
+            </a:fontRef>
+          </p:style>
+        </p:cxnSp>
+      </p:grpSp>
+      <p:grpSp>
+        <p:nvGrpSpPr>
+          <p:cNvPr id="40" name="Group 39"/>
+          <p:cNvGrpSpPr/>
+          <p:nvPr/>
+        </p:nvGrpSpPr>
+        <p:grpSpPr>
+          <a:xfrm>
+            <a:off x="-757229" y="2319177"/>
+            <a:ext cx="1124475" cy="2337959"/>
+            <a:chOff x="2510319" y="2640458"/>
+            <a:chExt cx="503434" cy="1031630"/>
+          </a:xfrm>
+        </p:grpSpPr>
+        <p:sp>
+          <p:nvSpPr>
+            <p:cNvPr id="41" name="Rounded Rectangle 40"/>
+            <p:cNvSpPr/>
+            <p:nvPr/>
+          </p:nvSpPr>
+          <p:spPr>
+            <a:xfrm>
+              <a:off x="2510319" y="2640458"/>
+              <a:ext cx="503434" cy="1031630"/>
+            </a:xfrm>
+            <a:prstGeom prst="roundRect">
+              <a:avLst/>
+            </a:prstGeom>
+            <a:solidFill>
+              <a:schemeClr val="accent4">
+                <a:lumMod val="20000"/>
+                <a:lumOff val="80000"/>
+              </a:schemeClr>
+            </a:solidFill>
+            <a:ln w="1270" cmpd="thickThin">
+              <a:solidFill>
+                <a:schemeClr val="accent1">
+                  <a:shade val="50000"/>
+                  <a:alpha val="62000"/>
+                </a:schemeClr>
+              </a:solidFill>
+              <a:prstDash val="solid"/>
+            </a:ln>
+          </p:spPr>
+          <p:style>
+            <a:lnRef idx="2">
+              <a:schemeClr val="accent1">
+                <a:shade val="50000"/>
+              </a:schemeClr>
+            </a:lnRef>
+            <a:fillRef idx="1">
+              <a:schemeClr val="accent1"/>
+            </a:fillRef>
+            <a:effectRef idx="0">
+              <a:schemeClr val="accent1"/>
+            </a:effectRef>
+            <a:fontRef idx="minor">
+              <a:schemeClr val="lt1"/>
+            </a:fontRef>
+          </p:style>
+          <p:txBody>
+            <a:bodyPr rtlCol="0" anchor="ctr"/>
+            <a:lstStyle/>
+            <a:p>
+              <a:pPr algn="ctr"/>
+              <a:endParaRPr lang="en-US" sz="1400">
+                <a:latin typeface="Times New Roman" charset="0"/>
+                <a:ea typeface="Times New Roman" charset="0"/>
+                <a:cs typeface="Times New Roman" charset="0"/>
+              </a:endParaRPr>
+            </a:p>
+          </p:txBody>
+        </p:sp>
+        <p:sp>
+          <p:nvSpPr>
+            <p:cNvPr id="42" name="Rectangle 41"/>
+            <p:cNvSpPr/>
+            <p:nvPr/>
+          </p:nvSpPr>
+          <p:spPr>
+            <a:xfrm>
+              <a:off x="2539054" y="2724291"/>
+              <a:ext cx="447994" cy="834620"/>
             </a:xfrm>
             <a:prstGeom prst="rect">
               <a:avLst/>
             </a:prstGeom>
-            <a:solidFill>
-              <a:schemeClr val="bg1">
-                <a:alpha val="59000"/>
-              </a:schemeClr>
-            </a:solidFill>
+            <a:gradFill flip="none" rotWithShape="1">
+              <a:gsLst>
+                <a:gs pos="0">
+                  <a:schemeClr val="accent1">
+                    <a:lumMod val="40000"/>
+                    <a:lumOff val="60000"/>
+                  </a:schemeClr>
+                </a:gs>
+                <a:gs pos="46000">
+                  <a:schemeClr val="accent1">
+                    <a:lumMod val="95000"/>
+                    <a:lumOff val="5000"/>
+                  </a:schemeClr>
+                </a:gs>
+                <a:gs pos="100000">
+                  <a:schemeClr val="accent1">
+                    <a:lumMod val="60000"/>
+                  </a:schemeClr>
+                </a:gs>
+              </a:gsLst>
+              <a:path path="circle">
+                <a:fillToRect l="50000" t="130000" r="50000" b="-30000"/>
+              </a:path>
+              <a:tileRect/>
+            </a:gradFill>
             <a:ln>
               <a:noFill/>
             </a:ln>
@@ -29256,59 +25155,160 @@
         </p:sp>
         <p:sp>
           <p:nvSpPr>
-            <p:cNvPr id="279" name="TextBox 278"/>
-            <p:cNvSpPr txBox="1"/>
+            <p:cNvPr id="43" name="Rounded Rectangle 42"/>
+            <p:cNvSpPr/>
             <p:nvPr/>
           </p:nvSpPr>
           <p:spPr>
             <a:xfrm>
-              <a:off x="-790993" y="2716305"/>
-              <a:ext cx="1182442" cy="1077218"/>
+              <a:off x="2737139" y="3589329"/>
+              <a:ext cx="54780" cy="45719"/>
             </a:xfrm>
-            <a:prstGeom prst="rect">
+            <a:prstGeom prst="roundRect">
               <a:avLst/>
             </a:prstGeom>
-            <a:noFill/>
+            <a:solidFill>
+              <a:schemeClr val="accent1"/>
+            </a:solidFill>
+            <a:ln w="1270">
+              <a:solidFill>
+                <a:schemeClr val="accent1"/>
+              </a:solidFill>
+            </a:ln>
           </p:spPr>
+          <p:style>
+            <a:lnRef idx="2">
+              <a:schemeClr val="accent1">
+                <a:shade val="50000"/>
+              </a:schemeClr>
+            </a:lnRef>
+            <a:fillRef idx="1">
+              <a:schemeClr val="accent1"/>
+            </a:fillRef>
+            <a:effectRef idx="0">
+              <a:schemeClr val="accent1"/>
+            </a:effectRef>
+            <a:fontRef idx="minor">
+              <a:schemeClr val="lt1"/>
+            </a:fontRef>
+          </p:style>
           <p:txBody>
-            <a:bodyPr wrap="square" rtlCol="0">
-              <a:spAutoFit/>
-            </a:bodyPr>
+            <a:bodyPr rtlCol="0" anchor="ctr"/>
             <a:lstStyle/>
             <a:p>
               <a:pPr algn="ctr"/>
-              <a:r>
-                <a:rPr lang="en-US" sz="1600" i="1" dirty="0" smtClean="0">
-                  <a:solidFill>
-                    <a:schemeClr val="bg1">
-                      <a:lumMod val="95000"/>
-                    </a:schemeClr>
-                  </a:solidFill>
-                  <a:latin typeface="Times New Roman" charset="0"/>
-                  <a:ea typeface="Times New Roman" charset="0"/>
-                  <a:cs typeface="Times New Roman" charset="0"/>
-                </a:rPr>
-                <a:t>Lightweight Control System</a:t>
-              </a:r>
-              <a:r>
-                <a:rPr lang="en-US" sz="1600" i="1" dirty="0" smtClean="0">
-                  <a:solidFill>
-                    <a:schemeClr val="bg1">
-                      <a:lumMod val="95000"/>
-                    </a:schemeClr>
-                  </a:solidFill>
-                  <a:latin typeface="Times New Roman" charset="0"/>
-                  <a:ea typeface="Times New Roman" charset="0"/>
-                  <a:cs typeface="Times New Roman" charset="0"/>
-                </a:rPr>
-                <a:t>: LCS (2)</a:t>
-              </a:r>
-              <a:endParaRPr lang="en-US" sz="1600" i="1" dirty="0">
-                <a:solidFill>
-                  <a:schemeClr val="bg1">
-                    <a:lumMod val="95000"/>
-                  </a:schemeClr>
-                </a:solidFill>
+              <a:endParaRPr lang="en-US" sz="1400">
+                <a:latin typeface="Times New Roman" charset="0"/>
+                <a:ea typeface="Times New Roman" charset="0"/>
+                <a:cs typeface="Times New Roman" charset="0"/>
+              </a:endParaRPr>
+            </a:p>
+          </p:txBody>
+        </p:sp>
+        <p:cxnSp>
+          <p:nvCxnSpPr>
+            <p:cNvPr id="44" name="Straight Connector 43"/>
+            <p:cNvCxnSpPr/>
+            <p:nvPr/>
+          </p:nvCxnSpPr>
+          <p:spPr>
+            <a:xfrm>
+              <a:off x="2732322" y="2693295"/>
+              <a:ext cx="66675" cy="1082"/>
+            </a:xfrm>
+            <a:prstGeom prst="line">
+              <a:avLst/>
+            </a:prstGeom>
+          </p:spPr>
+          <p:style>
+            <a:lnRef idx="1">
+              <a:schemeClr val="accent1"/>
+            </a:lnRef>
+            <a:fillRef idx="0">
+              <a:schemeClr val="accent1"/>
+            </a:fillRef>
+            <a:effectRef idx="0">
+              <a:schemeClr val="accent1"/>
+            </a:effectRef>
+            <a:fontRef idx="minor">
+              <a:schemeClr val="tx1"/>
+            </a:fontRef>
+          </p:style>
+        </p:cxnSp>
+      </p:grpSp>
+      <p:grpSp>
+        <p:nvGrpSpPr>
+          <p:cNvPr id="45" name="Group 44"/>
+          <p:cNvGrpSpPr/>
+          <p:nvPr/>
+        </p:nvGrpSpPr>
+        <p:grpSpPr>
+          <a:xfrm>
+            <a:off x="4643141" y="2329814"/>
+            <a:ext cx="1124475" cy="2337959"/>
+            <a:chOff x="2510319" y="2640458"/>
+            <a:chExt cx="503434" cy="1031630"/>
+          </a:xfrm>
+          <a:effectLst>
+            <a:outerShdw blurRad="50800" dist="50800" dir="5400000" algn="ctr" rotWithShape="0">
+              <a:srgbClr val="000000">
+                <a:alpha val="0"/>
+              </a:srgbClr>
+            </a:outerShdw>
+          </a:effectLst>
+        </p:grpSpPr>
+        <p:sp>
+          <p:nvSpPr>
+            <p:cNvPr id="46" name="Rounded Rectangle 45"/>
+            <p:cNvSpPr/>
+            <p:nvPr/>
+          </p:nvSpPr>
+          <p:spPr>
+            <a:xfrm>
+              <a:off x="2510319" y="2640458"/>
+              <a:ext cx="503434" cy="1031630"/>
+            </a:xfrm>
+            <a:prstGeom prst="roundRect">
+              <a:avLst/>
+            </a:prstGeom>
+            <a:solidFill>
+              <a:schemeClr val="accent4">
+                <a:lumMod val="20000"/>
+                <a:lumOff val="80000"/>
+              </a:schemeClr>
+            </a:solidFill>
+            <a:ln w="1270" cmpd="thickThin">
+              <a:solidFill>
+                <a:schemeClr val="accent1">
+                  <a:shade val="50000"/>
+                  <a:alpha val="62000"/>
+                </a:schemeClr>
+              </a:solidFill>
+              <a:prstDash val="solid"/>
+            </a:ln>
+          </p:spPr>
+          <p:style>
+            <a:lnRef idx="2">
+              <a:schemeClr val="accent1">
+                <a:shade val="50000"/>
+              </a:schemeClr>
+            </a:lnRef>
+            <a:fillRef idx="1">
+              <a:schemeClr val="accent1"/>
+            </a:fillRef>
+            <a:effectRef idx="0">
+              <a:schemeClr val="accent1"/>
+            </a:effectRef>
+            <a:fontRef idx="minor">
+              <a:schemeClr val="lt1"/>
+            </a:fontRef>
+          </p:style>
+          <p:txBody>
+            <a:bodyPr rtlCol="0" anchor="ctr"/>
+            <a:lstStyle/>
+            <a:p>
+              <a:pPr algn="ctr"/>
+              <a:endParaRPr lang="en-US" sz="1400">
                 <a:latin typeface="Times New Roman" charset="0"/>
                 <a:ea typeface="Times New Roman" charset="0"/>
                 <a:cs typeface="Times New Roman" charset="0"/>
@@ -29318,37 +25318,61 @@
         </p:sp>
         <p:sp>
           <p:nvSpPr>
-            <p:cNvPr id="280" name="Rectangle 279"/>
+            <p:cNvPr id="47" name="Rectangle 46"/>
             <p:cNvSpPr/>
             <p:nvPr/>
           </p:nvSpPr>
           <p:spPr>
             <a:xfrm>
-              <a:off x="518150" y="2046768"/>
-              <a:ext cx="1234301" cy="743140"/>
+              <a:off x="2539054" y="2724291"/>
+              <a:ext cx="447994" cy="834620"/>
             </a:xfrm>
             <a:prstGeom prst="rect">
               <a:avLst/>
             </a:prstGeom>
-            <a:solidFill>
-              <a:schemeClr val="accent1">
-                <a:lumMod val="60000"/>
-                <a:lumOff val="40000"/>
-              </a:schemeClr>
-            </a:solidFill>
+            <a:gradFill flip="none" rotWithShape="1">
+              <a:gsLst>
+                <a:gs pos="0">
+                  <a:schemeClr val="accent1">
+                    <a:lumMod val="40000"/>
+                    <a:lumOff val="60000"/>
+                  </a:schemeClr>
+                </a:gs>
+                <a:gs pos="46000">
+                  <a:schemeClr val="accent1">
+                    <a:lumMod val="95000"/>
+                    <a:lumOff val="5000"/>
+                  </a:schemeClr>
+                </a:gs>
+                <a:gs pos="100000">
+                  <a:schemeClr val="accent1">
+                    <a:lumMod val="60000"/>
+                  </a:schemeClr>
+                </a:gs>
+              </a:gsLst>
+              <a:path path="circle">
+                <a:fillToRect l="50000" t="130000" r="50000" b="-30000"/>
+              </a:path>
+              <a:tileRect/>
+            </a:gradFill>
+            <a:ln>
+              <a:noFill/>
+            </a:ln>
           </p:spPr>
           <p:style>
-            <a:lnRef idx="1">
-              <a:schemeClr val="accent1"/>
+            <a:lnRef idx="2">
+              <a:schemeClr val="accent1">
+                <a:shade val="50000"/>
+              </a:schemeClr>
             </a:lnRef>
-            <a:fillRef idx="2">
+            <a:fillRef idx="1">
               <a:schemeClr val="accent1"/>
             </a:fillRef>
-            <a:effectRef idx="1">
+            <a:effectRef idx="0">
               <a:schemeClr val="accent1"/>
             </a:effectRef>
             <a:fontRef idx="minor">
-              <a:schemeClr val="dk1"/>
+              <a:schemeClr val="lt1"/>
             </a:fontRef>
           </p:style>
           <p:txBody>
@@ -29356,15 +25380,1308 @@
             <a:lstStyle/>
             <a:p>
               <a:pPr algn="ctr"/>
-              <a:r>
-                <a:rPr lang="en-US" sz="1600" dirty="0" smtClean="0">
+              <a:endParaRPr lang="en-US" sz="1400">
+                <a:latin typeface="Times New Roman" charset="0"/>
+                <a:ea typeface="Times New Roman" charset="0"/>
+                <a:cs typeface="Times New Roman" charset="0"/>
+              </a:endParaRPr>
+            </a:p>
+          </p:txBody>
+        </p:sp>
+        <p:sp>
+          <p:nvSpPr>
+            <p:cNvPr id="48" name="Rounded Rectangle 47"/>
+            <p:cNvSpPr/>
+            <p:nvPr/>
+          </p:nvSpPr>
+          <p:spPr>
+            <a:xfrm>
+              <a:off x="2737139" y="3589329"/>
+              <a:ext cx="54780" cy="45719"/>
+            </a:xfrm>
+            <a:prstGeom prst="roundRect">
+              <a:avLst/>
+            </a:prstGeom>
+            <a:solidFill>
+              <a:schemeClr val="accent5">
+                <a:lumMod val="75000"/>
+              </a:schemeClr>
+            </a:solidFill>
+            <a:ln w="1270"/>
+          </p:spPr>
+          <p:style>
+            <a:lnRef idx="2">
+              <a:schemeClr val="accent1">
+                <a:shade val="50000"/>
+              </a:schemeClr>
+            </a:lnRef>
+            <a:fillRef idx="1">
+              <a:schemeClr val="accent1"/>
+            </a:fillRef>
+            <a:effectRef idx="0">
+              <a:schemeClr val="accent1"/>
+            </a:effectRef>
+            <a:fontRef idx="minor">
+              <a:schemeClr val="lt1"/>
+            </a:fontRef>
+          </p:style>
+          <p:txBody>
+            <a:bodyPr rtlCol="0" anchor="ctr"/>
+            <a:lstStyle/>
+            <a:p>
+              <a:pPr algn="ctr"/>
+              <a:endParaRPr lang="en-US" sz="1400">
+                <a:latin typeface="Times New Roman" charset="0"/>
+                <a:ea typeface="Times New Roman" charset="0"/>
+                <a:cs typeface="Times New Roman" charset="0"/>
+              </a:endParaRPr>
+            </a:p>
+          </p:txBody>
+        </p:sp>
+        <p:cxnSp>
+          <p:nvCxnSpPr>
+            <p:cNvPr id="49" name="Straight Connector 48"/>
+            <p:cNvCxnSpPr/>
+            <p:nvPr/>
+          </p:nvCxnSpPr>
+          <p:spPr>
+            <a:xfrm>
+              <a:off x="2732322" y="2693295"/>
+              <a:ext cx="66675" cy="1082"/>
+            </a:xfrm>
+            <a:prstGeom prst="line">
+              <a:avLst/>
+            </a:prstGeom>
+          </p:spPr>
+          <p:style>
+            <a:lnRef idx="1">
+              <a:schemeClr val="accent1"/>
+            </a:lnRef>
+            <a:fillRef idx="0">
+              <a:schemeClr val="accent1"/>
+            </a:fillRef>
+            <a:effectRef idx="0">
+              <a:schemeClr val="accent1"/>
+            </a:effectRef>
+            <a:fontRef idx="minor">
+              <a:schemeClr val="tx1"/>
+            </a:fontRef>
+          </p:style>
+        </p:cxnSp>
+      </p:grpSp>
+      <p:cxnSp>
+        <p:nvCxnSpPr>
+          <p:cNvPr id="91" name="Straight Arrow Connector 90"/>
+          <p:cNvCxnSpPr/>
+          <p:nvPr/>
+        </p:nvCxnSpPr>
+        <p:spPr>
+          <a:xfrm flipH="1" flipV="1">
+            <a:off x="2204495" y="1585518"/>
+            <a:ext cx="10424" cy="731763"/>
+          </a:xfrm>
+          <a:prstGeom prst="straightConnector1">
+            <a:avLst/>
+          </a:prstGeom>
+          <a:ln>
+            <a:solidFill>
+              <a:schemeClr val="accent1">
+                <a:alpha val="30000"/>
+              </a:schemeClr>
+            </a:solidFill>
+            <a:prstDash val="solid"/>
+            <a:tailEnd type="triangle"/>
+          </a:ln>
+          <a:effectLst>
+            <a:outerShdw blurRad="50800" dist="50800" dir="5400000" algn="ctr" rotWithShape="0">
+              <a:srgbClr val="000000">
+                <a:alpha val="0"/>
+              </a:srgbClr>
+            </a:outerShdw>
+          </a:effectLst>
+        </p:spPr>
+        <p:style>
+          <a:lnRef idx="1">
+            <a:schemeClr val="accent1"/>
+          </a:lnRef>
+          <a:fillRef idx="0">
+            <a:schemeClr val="accent1"/>
+          </a:fillRef>
+          <a:effectRef idx="0">
+            <a:schemeClr val="accent1"/>
+          </a:effectRef>
+          <a:fontRef idx="minor">
+            <a:schemeClr val="tx1"/>
+          </a:fontRef>
+        </p:style>
+      </p:cxnSp>
+      <p:cxnSp>
+        <p:nvCxnSpPr>
+          <p:cNvPr id="95" name="Straight Arrow Connector 94"/>
+          <p:cNvCxnSpPr/>
+          <p:nvPr/>
+        </p:nvCxnSpPr>
+        <p:spPr>
+          <a:xfrm>
+            <a:off x="2694673" y="1585517"/>
+            <a:ext cx="22669" cy="731764"/>
+          </a:xfrm>
+          <a:prstGeom prst="straightConnector1">
+            <a:avLst/>
+          </a:prstGeom>
+          <a:ln w="6350">
+            <a:solidFill>
+              <a:schemeClr val="accent1">
+                <a:alpha val="30000"/>
+              </a:schemeClr>
+            </a:solidFill>
+            <a:tailEnd type="triangle"/>
+          </a:ln>
+          <a:effectLst>
+            <a:outerShdw blurRad="50800" dist="50800" dir="5400000" algn="ctr" rotWithShape="0">
+              <a:srgbClr val="000000">
+                <a:alpha val="0"/>
+              </a:srgbClr>
+            </a:outerShdw>
+          </a:effectLst>
+        </p:spPr>
+        <p:style>
+          <a:lnRef idx="1">
+            <a:schemeClr val="accent1"/>
+          </a:lnRef>
+          <a:fillRef idx="0">
+            <a:schemeClr val="accent1"/>
+          </a:fillRef>
+          <a:effectRef idx="0">
+            <a:schemeClr val="accent1"/>
+          </a:effectRef>
+          <a:fontRef idx="minor">
+            <a:schemeClr val="tx1"/>
+          </a:fontRef>
+        </p:style>
+      </p:cxnSp>
+      <p:sp>
+        <p:nvSpPr>
+          <p:cNvPr id="247" name="TextBox 246"/>
+          <p:cNvSpPr txBox="1"/>
+          <p:nvPr/>
+        </p:nvSpPr>
+        <p:spPr>
+          <a:xfrm>
+            <a:off x="607555" y="-918058"/>
+            <a:ext cx="3453287" cy="611151"/>
+          </a:xfrm>
+          <a:prstGeom prst="rect">
+            <a:avLst/>
+          </a:prstGeom>
+          <a:noFill/>
+        </p:spPr>
+        <p:txBody>
+          <a:bodyPr wrap="square" rtlCol="0">
+            <a:spAutoFit/>
+          </a:bodyPr>
+          <a:lstStyle/>
+          <a:p>
+            <a:pPr algn="ctr"/>
+            <a:r>
+              <a:rPr lang="en-US" i="1" dirty="0" smtClean="0">
+                <a:latin typeface="Times New Roman" charset="0"/>
+                <a:ea typeface="Times New Roman" charset="0"/>
+                <a:cs typeface="Times New Roman" charset="0"/>
+              </a:rPr>
+              <a:t>Hierarchical Bayesian Model: HBM (1)</a:t>
+            </a:r>
+            <a:endParaRPr lang="en-US" i="1" dirty="0">
+              <a:latin typeface="Times New Roman" charset="0"/>
+              <a:ea typeface="Times New Roman" charset="0"/>
+              <a:cs typeface="Times New Roman" charset="0"/>
+            </a:endParaRPr>
+          </a:p>
+        </p:txBody>
+      </p:sp>
+      <p:grpSp>
+        <p:nvGrpSpPr>
+          <p:cNvPr id="198" name="Group 197"/>
+          <p:cNvGrpSpPr/>
+          <p:nvPr/>
+        </p:nvGrpSpPr>
+        <p:grpSpPr>
+          <a:xfrm>
+            <a:off x="1978307" y="3412130"/>
+            <a:ext cx="969826" cy="552608"/>
+            <a:chOff x="3357481" y="4339082"/>
+            <a:chExt cx="1574358" cy="912896"/>
+          </a:xfrm>
+        </p:grpSpPr>
+        <p:grpSp>
+          <p:nvGrpSpPr>
+            <p:cNvPr id="199" name="Group 198"/>
+            <p:cNvGrpSpPr/>
+            <p:nvPr/>
+          </p:nvGrpSpPr>
+          <p:grpSpPr>
+            <a:xfrm>
+              <a:off x="3357481" y="4339082"/>
+              <a:ext cx="1574358" cy="912896"/>
+              <a:chOff x="3307744" y="4381167"/>
+              <a:chExt cx="1574358" cy="912896"/>
+            </a:xfrm>
+          </p:grpSpPr>
+          <p:sp>
+            <p:nvSpPr>
+              <p:cNvPr id="201" name="Rectangle 200"/>
+              <p:cNvSpPr/>
+              <p:nvPr/>
+            </p:nvSpPr>
+            <p:spPr>
+              <a:xfrm>
+                <a:off x="3788482" y="4636827"/>
+                <a:ext cx="193993" cy="231382"/>
+              </a:xfrm>
+              <a:prstGeom prst="rect">
+                <a:avLst/>
+              </a:prstGeom>
+              <a:solidFill>
+                <a:schemeClr val="accent1">
+                  <a:lumMod val="40000"/>
+                  <a:lumOff val="60000"/>
+                </a:schemeClr>
+              </a:solidFill>
+              <a:ln w="6350">
+                <a:solidFill>
+                  <a:schemeClr val="accent1"/>
+                </a:solidFill>
+              </a:ln>
+            </p:spPr>
+            <p:style>
+              <a:lnRef idx="2">
+                <a:schemeClr val="accent1">
+                  <a:shade val="50000"/>
+                </a:schemeClr>
+              </a:lnRef>
+              <a:fillRef idx="1">
+                <a:schemeClr val="accent1"/>
+              </a:fillRef>
+              <a:effectRef idx="0">
+                <a:schemeClr val="accent1"/>
+              </a:effectRef>
+              <a:fontRef idx="minor">
+                <a:schemeClr val="lt1"/>
+              </a:fontRef>
+            </p:style>
+            <p:txBody>
+              <a:bodyPr rtlCol="0" anchor="ctr"/>
+              <a:lstStyle/>
+              <a:p>
+                <a:pPr algn="ctr"/>
+                <a:endParaRPr lang="en-US" dirty="0">
                   <a:latin typeface="Times New Roman" charset="0"/>
                   <a:ea typeface="Times New Roman" charset="0"/>
                   <a:cs typeface="Times New Roman" charset="0"/>
-                </a:rPr>
-                <a:t>Performance Hash Table: PHT (3)</a:t>
-              </a:r>
-              <a:endParaRPr lang="en-US" sz="1600" dirty="0">
+                </a:endParaRPr>
+              </a:p>
+            </p:txBody>
+          </p:sp>
+          <p:cxnSp>
+            <p:nvCxnSpPr>
+              <p:cNvPr id="202" name="Elbow Connector 201"/>
+              <p:cNvCxnSpPr/>
+              <p:nvPr/>
+            </p:nvCxnSpPr>
+            <p:spPr>
+              <a:xfrm rot="5400000" flipH="1">
+                <a:off x="4068182" y="4253574"/>
+                <a:ext cx="41489" cy="1245659"/>
+              </a:xfrm>
+              <a:prstGeom prst="bentConnector3">
+                <a:avLst>
+                  <a:gd name="adj1" fmla="val -800588"/>
+                </a:avLst>
+              </a:prstGeom>
+              <a:ln w="6350">
+                <a:solidFill>
+                  <a:schemeClr val="accent1"/>
+                </a:solidFill>
+                <a:tailEnd type="stealth"/>
+              </a:ln>
+            </p:spPr>
+            <p:style>
+              <a:lnRef idx="3">
+                <a:schemeClr val="accent1"/>
+              </a:lnRef>
+              <a:fillRef idx="0">
+                <a:schemeClr val="accent1"/>
+              </a:fillRef>
+              <a:effectRef idx="2">
+                <a:schemeClr val="accent1"/>
+              </a:effectRef>
+              <a:fontRef idx="minor">
+                <a:schemeClr val="tx1"/>
+              </a:fontRef>
+            </p:style>
+          </p:cxnSp>
+          <p:sp>
+            <p:nvSpPr>
+              <p:cNvPr id="203" name="Oval 202"/>
+              <p:cNvSpPr/>
+              <p:nvPr/>
+            </p:nvSpPr>
+            <p:spPr>
+              <a:xfrm>
+                <a:off x="3372877" y="4634915"/>
+                <a:ext cx="186438" cy="220744"/>
+              </a:xfrm>
+              <a:prstGeom prst="ellipse">
+                <a:avLst/>
+              </a:prstGeom>
+              <a:solidFill>
+                <a:schemeClr val="accent1">
+                  <a:lumMod val="40000"/>
+                  <a:lumOff val="60000"/>
+                </a:schemeClr>
+              </a:solidFill>
+              <a:ln>
+                <a:solidFill>
+                  <a:schemeClr val="accent1"/>
+                </a:solidFill>
+              </a:ln>
+            </p:spPr>
+            <p:style>
+              <a:lnRef idx="2">
+                <a:schemeClr val="accent1">
+                  <a:shade val="50000"/>
+                </a:schemeClr>
+              </a:lnRef>
+              <a:fillRef idx="1">
+                <a:schemeClr val="accent1"/>
+              </a:fillRef>
+              <a:effectRef idx="0">
+                <a:schemeClr val="accent1"/>
+              </a:effectRef>
+              <a:fontRef idx="minor">
+                <a:schemeClr val="lt1"/>
+              </a:fontRef>
+            </p:style>
+            <p:txBody>
+              <a:bodyPr rtlCol="0" anchor="ctr"/>
+              <a:lstStyle/>
+              <a:p>
+                <a:pPr algn="ctr"/>
+                <a:endParaRPr lang="en-US" sz="5400" dirty="0">
+                  <a:latin typeface="Times New Roman" charset="0"/>
+                  <a:ea typeface="Times New Roman" charset="0"/>
+                  <a:cs typeface="Times New Roman" charset="0"/>
+                </a:endParaRPr>
+              </a:p>
+            </p:txBody>
+          </p:sp>
+          <p:sp>
+            <p:nvSpPr>
+              <p:cNvPr id="204" name="Rectangle 203"/>
+              <p:cNvSpPr/>
+              <p:nvPr/>
+            </p:nvSpPr>
+            <p:spPr>
+              <a:xfrm>
+                <a:off x="4184238" y="4636827"/>
+                <a:ext cx="193937" cy="231382"/>
+              </a:xfrm>
+              <a:prstGeom prst="rect">
+                <a:avLst/>
+              </a:prstGeom>
+              <a:solidFill>
+                <a:schemeClr val="accent1">
+                  <a:lumMod val="40000"/>
+                  <a:lumOff val="60000"/>
+                </a:schemeClr>
+              </a:solidFill>
+              <a:ln>
+                <a:solidFill>
+                  <a:schemeClr val="accent1"/>
+                </a:solidFill>
+              </a:ln>
+            </p:spPr>
+            <p:style>
+              <a:lnRef idx="1">
+                <a:schemeClr val="accent1"/>
+              </a:lnRef>
+              <a:fillRef idx="2">
+                <a:schemeClr val="accent1"/>
+              </a:fillRef>
+              <a:effectRef idx="1">
+                <a:schemeClr val="accent1"/>
+              </a:effectRef>
+              <a:fontRef idx="minor">
+                <a:schemeClr val="dk1"/>
+              </a:fontRef>
+            </p:style>
+            <p:txBody>
+              <a:bodyPr rtlCol="0" anchor="ctr"/>
+              <a:lstStyle/>
+              <a:p>
+                <a:pPr algn="ctr"/>
+                <a:endParaRPr lang="en-US" dirty="0">
+                  <a:latin typeface="Times New Roman" charset="0"/>
+                  <a:ea typeface="Times New Roman" charset="0"/>
+                  <a:cs typeface="Times New Roman" charset="0"/>
+                </a:endParaRPr>
+              </a:p>
+            </p:txBody>
+          </p:sp>
+          <p:sp>
+            <p:nvSpPr>
+              <p:cNvPr id="205" name="Rectangle 204"/>
+              <p:cNvSpPr/>
+              <p:nvPr/>
+            </p:nvSpPr>
+            <p:spPr>
+              <a:xfrm>
+                <a:off x="4579405" y="4420312"/>
+                <a:ext cx="264698" cy="476836"/>
+              </a:xfrm>
+              <a:prstGeom prst="rect">
+                <a:avLst/>
+              </a:prstGeom>
+              <a:solidFill>
+                <a:schemeClr val="accent1">
+                  <a:lumMod val="40000"/>
+                  <a:lumOff val="60000"/>
+                </a:schemeClr>
+              </a:solidFill>
+              <a:ln>
+                <a:solidFill>
+                  <a:schemeClr val="accent1"/>
+                </a:solidFill>
+              </a:ln>
+            </p:spPr>
+            <p:style>
+              <a:lnRef idx="2">
+                <a:schemeClr val="accent1">
+                  <a:shade val="50000"/>
+                </a:schemeClr>
+              </a:lnRef>
+              <a:fillRef idx="1">
+                <a:schemeClr val="accent1"/>
+              </a:fillRef>
+              <a:effectRef idx="0">
+                <a:schemeClr val="accent1"/>
+              </a:effectRef>
+              <a:fontRef idx="minor">
+                <a:schemeClr val="lt1"/>
+              </a:fontRef>
+            </p:style>
+            <p:txBody>
+              <a:bodyPr rtlCol="0" anchor="ctr"/>
+              <a:lstStyle/>
+              <a:p>
+                <a:pPr algn="ctr"/>
+                <a:endParaRPr lang="en-US" sz="1600">
+                  <a:latin typeface="Times New Roman" charset="0"/>
+                  <a:ea typeface="Times New Roman" charset="0"/>
+                  <a:cs typeface="Times New Roman" charset="0"/>
+                </a:endParaRPr>
+              </a:p>
+            </p:txBody>
+          </p:sp>
+          <p:grpSp>
+            <p:nvGrpSpPr>
+              <p:cNvPr id="206" name="Group 99"/>
+              <p:cNvGrpSpPr>
+                <a:grpSpLocks/>
+              </p:cNvGrpSpPr>
+              <p:nvPr/>
+            </p:nvGrpSpPr>
+            <p:grpSpPr bwMode="auto">
+              <a:xfrm>
+                <a:off x="4628762" y="4665765"/>
+                <a:ext cx="161835" cy="158165"/>
+                <a:chOff x="7239000" y="4549063"/>
+                <a:chExt cx="762000" cy="584138"/>
+              </a:xfrm>
+            </p:grpSpPr>
+            <p:sp>
+              <p:nvSpPr>
+                <p:cNvPr id="214" name="Oval 12"/>
+                <p:cNvSpPr/>
+                <p:nvPr/>
+              </p:nvSpPr>
+              <p:spPr>
+                <a:xfrm>
+                  <a:off x="7366000" y="4657717"/>
+                  <a:ext cx="527538" cy="461789"/>
+                </a:xfrm>
+                <a:prstGeom prst="ellipse">
+                  <a:avLst/>
+                </a:prstGeom>
+                <a:gradFill rotWithShape="1">
+                  <a:gsLst>
+                    <a:gs pos="0">
+                      <a:srgbClr val="BBE0E3">
+                        <a:shade val="51000"/>
+                        <a:satMod val="130000"/>
+                      </a:srgbClr>
+                    </a:gs>
+                    <a:gs pos="80000">
+                      <a:srgbClr val="BBE0E3">
+                        <a:shade val="93000"/>
+                        <a:satMod val="130000"/>
+                      </a:srgbClr>
+                    </a:gs>
+                    <a:gs pos="100000">
+                      <a:srgbClr val="BBE0E3">
+                        <a:shade val="94000"/>
+                        <a:satMod val="135000"/>
+                      </a:srgbClr>
+                    </a:gs>
+                  </a:gsLst>
+                  <a:lin ang="16200000" scaled="0"/>
+                </a:gradFill>
+                <a:ln>
+                  <a:noFill/>
+                </a:ln>
+                <a:effectLst>
+                  <a:outerShdw blurRad="40000" dist="23000" dir="5400000" rotWithShape="0">
+                    <a:srgbClr val="000000">
+                      <a:alpha val="35000"/>
+                    </a:srgbClr>
+                  </a:outerShdw>
+                </a:effectLst>
+                <a:scene3d>
+                  <a:camera prst="orthographicFront">
+                    <a:rot lat="0" lon="0" rev="0"/>
+                  </a:camera>
+                  <a:lightRig rig="threePt" dir="t">
+                    <a:rot lat="0" lon="0" rev="1200000"/>
+                  </a:lightRig>
+                </a:scene3d>
+                <a:sp3d>
+                  <a:bevelT w="63500" h="25400"/>
+                </a:sp3d>
+              </p:spPr>
+              <p:txBody>
+                <a:bodyPr anchor="ctr"/>
+                <a:lstStyle/>
+                <a:p>
+                  <a:pPr algn="ctr">
+                    <a:defRPr/>
+                  </a:pPr>
+                  <a:endParaRPr lang="en-US" sz="1400" kern="0">
+                    <a:solidFill>
+                      <a:srgbClr val="FFFFFF"/>
+                    </a:solidFill>
+                    <a:latin typeface="Times New Roman" charset="0"/>
+                    <a:ea typeface="Times New Roman" charset="0"/>
+                    <a:cs typeface="Times New Roman" charset="0"/>
+                  </a:endParaRPr>
+                </a:p>
+              </p:txBody>
+            </p:sp>
+            <p:cxnSp>
+              <p:nvCxnSpPr>
+                <p:cNvPr id="215" name="Straight Connector 13"/>
+                <p:cNvCxnSpPr/>
+                <p:nvPr/>
+              </p:nvCxnSpPr>
+              <p:spPr>
+                <a:xfrm rot="5400000">
+                  <a:off x="7543026" y="4733944"/>
+                  <a:ext cx="153947" cy="0"/>
+                </a:xfrm>
+                <a:prstGeom prst="line">
+                  <a:avLst/>
+                </a:prstGeom>
+                <a:noFill/>
+                <a:ln w="25400" cap="flat" cmpd="sng" algn="ctr">
+                  <a:solidFill>
+                    <a:srgbClr val="000000"/>
+                  </a:solidFill>
+                  <a:prstDash val="solid"/>
+                </a:ln>
+                <a:effectLst>
+                  <a:outerShdw blurRad="40000" dist="20000" dir="5400000" rotWithShape="0">
+                    <a:srgbClr val="000000">
+                      <a:alpha val="38000"/>
+                    </a:srgbClr>
+                  </a:outerShdw>
+                </a:effectLst>
+              </p:spPr>
+            </p:cxnSp>
+            <p:sp>
+              <p:nvSpPr>
+                <p:cNvPr id="216" name="Minus 14"/>
+                <p:cNvSpPr/>
+                <p:nvPr/>
+              </p:nvSpPr>
+              <p:spPr>
+                <a:xfrm rot="16200000">
+                  <a:off x="7579716" y="4530610"/>
+                  <a:ext cx="80571" cy="117475"/>
+                </a:xfrm>
+                <a:prstGeom prst="mathMinus">
+                  <a:avLst/>
+                </a:prstGeom>
+                <a:solidFill>
+                  <a:srgbClr val="000000"/>
+                </a:solidFill>
+                <a:ln w="3175" cap="flat" cmpd="sng" algn="ctr">
+                  <a:solidFill>
+                    <a:srgbClr val="FFFFFF"/>
+                  </a:solidFill>
+                  <a:prstDash val="solid"/>
+                </a:ln>
+                <a:effectLst>
+                  <a:outerShdw blurRad="40000" dist="20000" dir="5400000" rotWithShape="0">
+                    <a:srgbClr val="000000">
+                      <a:alpha val="38000"/>
+                    </a:srgbClr>
+                  </a:outerShdw>
+                </a:effectLst>
+              </p:spPr>
+              <p:txBody>
+                <a:bodyPr anchor="ctr"/>
+                <a:lstStyle/>
+                <a:p>
+                  <a:pPr algn="ctr">
+                    <a:defRPr/>
+                  </a:pPr>
+                  <a:endParaRPr lang="en-US" sz="1400" kern="0">
+                    <a:solidFill>
+                      <a:srgbClr val="FFFFFF"/>
+                    </a:solidFill>
+                    <a:latin typeface="Times New Roman" charset="0"/>
+                    <a:ea typeface="Times New Roman" charset="0"/>
+                    <a:cs typeface="Times New Roman" charset="0"/>
+                  </a:endParaRPr>
+                </a:p>
+              </p:txBody>
+            </p:sp>
+            <p:sp>
+              <p:nvSpPr>
+                <p:cNvPr id="217" name="Minus 15"/>
+                <p:cNvSpPr/>
+                <p:nvPr/>
+              </p:nvSpPr>
+              <p:spPr>
+                <a:xfrm>
+                  <a:off x="7913688" y="4820990"/>
+                  <a:ext cx="87312" cy="107907"/>
+                </a:xfrm>
+                <a:prstGeom prst="mathMinus">
+                  <a:avLst/>
+                </a:prstGeom>
+                <a:solidFill>
+                  <a:srgbClr val="000000"/>
+                </a:solidFill>
+                <a:ln w="3175" cap="flat" cmpd="sng" algn="ctr">
+                  <a:solidFill>
+                    <a:srgbClr val="FFFFFF"/>
+                  </a:solidFill>
+                  <a:prstDash val="solid"/>
+                </a:ln>
+                <a:effectLst>
+                  <a:outerShdw blurRad="40000" dist="20000" dir="5400000" rotWithShape="0">
+                    <a:srgbClr val="000000">
+                      <a:alpha val="38000"/>
+                    </a:srgbClr>
+                  </a:outerShdw>
+                </a:effectLst>
+              </p:spPr>
+              <p:txBody>
+                <a:bodyPr anchor="ctr"/>
+                <a:lstStyle/>
+                <a:p>
+                  <a:pPr algn="ctr">
+                    <a:defRPr/>
+                  </a:pPr>
+                  <a:endParaRPr lang="en-US" sz="1400" kern="0">
+                    <a:solidFill>
+                      <a:srgbClr val="FFFFFF"/>
+                    </a:solidFill>
+                    <a:latin typeface="Times New Roman" charset="0"/>
+                    <a:ea typeface="Times New Roman" charset="0"/>
+                    <a:cs typeface="Times New Roman" charset="0"/>
+                  </a:endParaRPr>
+                </a:p>
+              </p:txBody>
+            </p:sp>
+            <p:sp>
+              <p:nvSpPr>
+                <p:cNvPr id="218" name="Minus 16"/>
+                <p:cNvSpPr/>
+                <p:nvPr/>
+              </p:nvSpPr>
+              <p:spPr>
+                <a:xfrm>
+                  <a:off x="7239000" y="4820990"/>
+                  <a:ext cx="87313" cy="107907"/>
+                </a:xfrm>
+                <a:prstGeom prst="mathMinus">
+                  <a:avLst/>
+                </a:prstGeom>
+                <a:solidFill>
+                  <a:srgbClr val="000000"/>
+                </a:solidFill>
+                <a:ln w="3175" cap="flat" cmpd="sng" algn="ctr">
+                  <a:solidFill>
+                    <a:srgbClr val="FFFFFF"/>
+                  </a:solidFill>
+                  <a:prstDash val="solid"/>
+                </a:ln>
+                <a:effectLst>
+                  <a:outerShdw blurRad="40000" dist="20000" dir="5400000" rotWithShape="0">
+                    <a:srgbClr val="000000">
+                      <a:alpha val="38000"/>
+                    </a:srgbClr>
+                  </a:outerShdw>
+                </a:effectLst>
+              </p:spPr>
+              <p:txBody>
+                <a:bodyPr anchor="ctr"/>
+                <a:lstStyle/>
+                <a:p>
+                  <a:pPr algn="ctr">
+                    <a:defRPr/>
+                  </a:pPr>
+                  <a:endParaRPr lang="en-US" sz="1400" kern="0">
+                    <a:solidFill>
+                      <a:srgbClr val="FFFFFF"/>
+                    </a:solidFill>
+                    <a:latin typeface="Times New Roman" charset="0"/>
+                    <a:ea typeface="Times New Roman" charset="0"/>
+                    <a:cs typeface="Times New Roman" charset="0"/>
+                  </a:endParaRPr>
+                </a:p>
+              </p:txBody>
+            </p:sp>
+            <p:sp>
+              <p:nvSpPr>
+                <p:cNvPr id="219" name="Minus 17"/>
+                <p:cNvSpPr/>
+                <p:nvPr/>
+              </p:nvSpPr>
+              <p:spPr>
+                <a:xfrm rot="2264948">
+                  <a:off x="7323138" y="4644021"/>
+                  <a:ext cx="87312" cy="109346"/>
+                </a:xfrm>
+                <a:prstGeom prst="mathMinus">
+                  <a:avLst/>
+                </a:prstGeom>
+                <a:solidFill>
+                  <a:srgbClr val="000000"/>
+                </a:solidFill>
+                <a:ln w="3175" cap="flat" cmpd="sng" algn="ctr">
+                  <a:solidFill>
+                    <a:srgbClr val="FFFFFF"/>
+                  </a:solidFill>
+                  <a:prstDash val="solid"/>
+                </a:ln>
+                <a:effectLst>
+                  <a:outerShdw blurRad="40000" dist="20000" dir="5400000" rotWithShape="0">
+                    <a:srgbClr val="000000">
+                      <a:alpha val="38000"/>
+                    </a:srgbClr>
+                  </a:outerShdw>
+                </a:effectLst>
+              </p:spPr>
+              <p:txBody>
+                <a:bodyPr anchor="ctr"/>
+                <a:lstStyle/>
+                <a:p>
+                  <a:pPr algn="ctr">
+                    <a:defRPr/>
+                  </a:pPr>
+                  <a:endParaRPr lang="en-US" sz="1400" kern="0">
+                    <a:solidFill>
+                      <a:srgbClr val="FFFFFF"/>
+                    </a:solidFill>
+                    <a:latin typeface="Times New Roman" charset="0"/>
+                    <a:ea typeface="Times New Roman" charset="0"/>
+                    <a:cs typeface="Times New Roman" charset="0"/>
+                  </a:endParaRPr>
+                </a:p>
+              </p:txBody>
+            </p:sp>
+            <p:sp>
+              <p:nvSpPr>
+                <p:cNvPr id="220" name="Minus 18"/>
+                <p:cNvSpPr/>
+                <p:nvPr/>
+              </p:nvSpPr>
+              <p:spPr>
+                <a:xfrm rot="19067474">
+                  <a:off x="7826375" y="4644021"/>
+                  <a:ext cx="87313" cy="107908"/>
+                </a:xfrm>
+                <a:prstGeom prst="mathMinus">
+                  <a:avLst/>
+                </a:prstGeom>
+                <a:solidFill>
+                  <a:srgbClr val="000000"/>
+                </a:solidFill>
+                <a:ln w="3175" cap="flat" cmpd="sng" algn="ctr">
+                  <a:solidFill>
+                    <a:srgbClr val="FFFFFF"/>
+                  </a:solidFill>
+                  <a:prstDash val="solid"/>
+                </a:ln>
+                <a:effectLst>
+                  <a:outerShdw blurRad="40000" dist="20000" dir="5400000" rotWithShape="0">
+                    <a:srgbClr val="000000">
+                      <a:alpha val="38000"/>
+                    </a:srgbClr>
+                  </a:outerShdw>
+                </a:effectLst>
+              </p:spPr>
+              <p:txBody>
+                <a:bodyPr anchor="ctr"/>
+                <a:lstStyle/>
+                <a:p>
+                  <a:pPr algn="ctr">
+                    <a:defRPr/>
+                  </a:pPr>
+                  <a:endParaRPr lang="en-US" sz="1400" kern="0">
+                    <a:solidFill>
+                      <a:srgbClr val="FFFFFF"/>
+                    </a:solidFill>
+                    <a:latin typeface="Times New Roman" charset="0"/>
+                    <a:ea typeface="Times New Roman" charset="0"/>
+                    <a:cs typeface="Times New Roman" charset="0"/>
+                  </a:endParaRPr>
+                </a:p>
+              </p:txBody>
+            </p:sp>
+            <p:sp>
+              <p:nvSpPr>
+                <p:cNvPr id="221" name="Minus 19"/>
+                <p:cNvSpPr/>
+                <p:nvPr/>
+              </p:nvSpPr>
+              <p:spPr>
+                <a:xfrm rot="19189480">
+                  <a:off x="7329488" y="5025294"/>
+                  <a:ext cx="87312" cy="107907"/>
+                </a:xfrm>
+                <a:prstGeom prst="mathMinus">
+                  <a:avLst/>
+                </a:prstGeom>
+                <a:solidFill>
+                  <a:srgbClr val="000000"/>
+                </a:solidFill>
+                <a:ln w="3175" cap="flat" cmpd="sng" algn="ctr">
+                  <a:solidFill>
+                    <a:srgbClr val="FFFFFF"/>
+                  </a:solidFill>
+                  <a:prstDash val="solid"/>
+                </a:ln>
+                <a:effectLst>
+                  <a:outerShdw blurRad="40000" dist="20000" dir="5400000" rotWithShape="0">
+                    <a:srgbClr val="000000">
+                      <a:alpha val="38000"/>
+                    </a:srgbClr>
+                  </a:outerShdw>
+                </a:effectLst>
+              </p:spPr>
+              <p:txBody>
+                <a:bodyPr anchor="ctr"/>
+                <a:lstStyle/>
+                <a:p>
+                  <a:pPr algn="ctr">
+                    <a:defRPr/>
+                  </a:pPr>
+                  <a:endParaRPr lang="en-US" sz="1400" kern="0">
+                    <a:solidFill>
+                      <a:srgbClr val="FFFFFF"/>
+                    </a:solidFill>
+                    <a:latin typeface="Times New Roman" charset="0"/>
+                    <a:ea typeface="Times New Roman" charset="0"/>
+                    <a:cs typeface="Times New Roman" charset="0"/>
+                  </a:endParaRPr>
+                </a:p>
+              </p:txBody>
+            </p:sp>
+            <p:sp>
+              <p:nvSpPr>
+                <p:cNvPr id="222" name="Minus 20"/>
+                <p:cNvSpPr/>
+                <p:nvPr/>
+              </p:nvSpPr>
+              <p:spPr>
+                <a:xfrm rot="2517184">
+                  <a:off x="7826375" y="5025294"/>
+                  <a:ext cx="87313" cy="107907"/>
+                </a:xfrm>
+                <a:prstGeom prst="mathMinus">
+                  <a:avLst/>
+                </a:prstGeom>
+                <a:solidFill>
+                  <a:srgbClr val="000000"/>
+                </a:solidFill>
+                <a:ln w="3175" cap="flat" cmpd="sng" algn="ctr">
+                  <a:solidFill>
+                    <a:srgbClr val="FFFFFF"/>
+                  </a:solidFill>
+                  <a:prstDash val="solid"/>
+                </a:ln>
+                <a:effectLst>
+                  <a:outerShdw blurRad="40000" dist="20000" dir="5400000" rotWithShape="0">
+                    <a:srgbClr val="000000">
+                      <a:alpha val="38000"/>
+                    </a:srgbClr>
+                  </a:outerShdw>
+                </a:effectLst>
+              </p:spPr>
+              <p:txBody>
+                <a:bodyPr anchor="ctr"/>
+                <a:lstStyle/>
+                <a:p>
+                  <a:pPr algn="ctr">
+                    <a:defRPr/>
+                  </a:pPr>
+                  <a:endParaRPr lang="en-US" sz="1400" kern="0">
+                    <a:solidFill>
+                      <a:srgbClr val="FFFFFF"/>
+                    </a:solidFill>
+                    <a:latin typeface="Times New Roman" charset="0"/>
+                    <a:ea typeface="Times New Roman" charset="0"/>
+                    <a:cs typeface="Times New Roman" charset="0"/>
+                  </a:endParaRPr>
+                </a:p>
+              </p:txBody>
+            </p:sp>
+          </p:grpSp>
+          <p:sp>
+            <p:nvSpPr>
+              <p:cNvPr id="207" name="Rectangle 206"/>
+              <p:cNvSpPr/>
+              <p:nvPr/>
+            </p:nvSpPr>
+            <p:spPr>
+              <a:xfrm>
+                <a:off x="3778877" y="4420310"/>
+                <a:ext cx="599297" cy="59977"/>
+              </a:xfrm>
+              <a:prstGeom prst="rect">
+                <a:avLst/>
+              </a:prstGeom>
+              <a:solidFill>
+                <a:schemeClr val="accent1">
+                  <a:lumMod val="40000"/>
+                  <a:lumOff val="60000"/>
+                </a:schemeClr>
+              </a:solidFill>
+              <a:ln>
+                <a:solidFill>
+                  <a:schemeClr val="accent1"/>
+                </a:solidFill>
+              </a:ln>
+            </p:spPr>
+            <p:style>
+              <a:lnRef idx="1">
+                <a:schemeClr val="accent1"/>
+              </a:lnRef>
+              <a:fillRef idx="2">
+                <a:schemeClr val="accent1"/>
+              </a:fillRef>
+              <a:effectRef idx="1">
+                <a:schemeClr val="accent1"/>
+              </a:effectRef>
+              <a:fontRef idx="minor">
+                <a:schemeClr val="dk1"/>
+              </a:fontRef>
+            </p:style>
+            <p:txBody>
+              <a:bodyPr rtlCol="0" anchor="ctr"/>
+              <a:lstStyle/>
+              <a:p>
+                <a:pPr algn="ctr"/>
+                <a:endParaRPr lang="en-US">
+                  <a:latin typeface="Times New Roman" charset="0"/>
+                  <a:ea typeface="Times New Roman" charset="0"/>
+                  <a:cs typeface="Times New Roman" charset="0"/>
+                </a:endParaRPr>
+              </a:p>
+            </p:txBody>
+          </p:sp>
+          <p:cxnSp>
+            <p:nvCxnSpPr>
+              <p:cNvPr id="208" name="Straight Arrow Connector 207"/>
+              <p:cNvCxnSpPr/>
+              <p:nvPr/>
+            </p:nvCxnSpPr>
+            <p:spPr>
+              <a:xfrm>
+                <a:off x="4280051" y="4480287"/>
+                <a:ext cx="1780" cy="156540"/>
+              </a:xfrm>
+              <a:prstGeom prst="straightConnector1">
+                <a:avLst/>
+              </a:prstGeom>
+              <a:ln w="6350">
+                <a:solidFill>
+                  <a:schemeClr val="accent1"/>
+                </a:solidFill>
+                <a:tailEnd type="stealth"/>
+              </a:ln>
+            </p:spPr>
+            <p:style>
+              <a:lnRef idx="3">
+                <a:schemeClr val="accent1"/>
+              </a:lnRef>
+              <a:fillRef idx="0">
+                <a:schemeClr val="accent1"/>
+              </a:fillRef>
+              <a:effectRef idx="2">
+                <a:schemeClr val="accent1"/>
+              </a:effectRef>
+              <a:fontRef idx="minor">
+                <a:schemeClr val="tx1"/>
+              </a:fontRef>
+            </p:style>
+          </p:cxnSp>
+          <p:cxnSp>
+            <p:nvCxnSpPr>
+              <p:cNvPr id="209" name="Straight Arrow Connector 208"/>
+              <p:cNvCxnSpPr/>
+              <p:nvPr/>
+            </p:nvCxnSpPr>
+            <p:spPr>
+              <a:xfrm>
+                <a:off x="3455581" y="4420310"/>
+                <a:ext cx="109" cy="183722"/>
+              </a:xfrm>
+              <a:prstGeom prst="straightConnector1">
+                <a:avLst/>
+              </a:prstGeom>
+              <a:ln w="6350">
+                <a:solidFill>
+                  <a:schemeClr val="accent1"/>
+                </a:solidFill>
+                <a:tailEnd type="stealth"/>
+              </a:ln>
+            </p:spPr>
+            <p:style>
+              <a:lnRef idx="3">
+                <a:schemeClr val="accent1"/>
+              </a:lnRef>
+              <a:fillRef idx="0">
+                <a:schemeClr val="accent1"/>
+              </a:fillRef>
+              <a:effectRef idx="2">
+                <a:schemeClr val="accent1"/>
+              </a:effectRef>
+              <a:fontRef idx="minor">
+                <a:schemeClr val="tx1"/>
+              </a:fontRef>
+            </p:style>
+          </p:cxnSp>
+          <p:cxnSp>
+            <p:nvCxnSpPr>
+              <p:cNvPr id="210" name="Straight Arrow Connector 209"/>
+              <p:cNvCxnSpPr/>
+              <p:nvPr/>
+            </p:nvCxnSpPr>
+            <p:spPr>
+              <a:xfrm>
+                <a:off x="3559315" y="4754734"/>
+                <a:ext cx="191466" cy="0"/>
+              </a:xfrm>
+              <a:prstGeom prst="straightConnector1">
+                <a:avLst/>
+              </a:prstGeom>
+              <a:ln w="6350">
+                <a:solidFill>
+                  <a:schemeClr val="accent1"/>
+                </a:solidFill>
+                <a:tailEnd type="stealth"/>
+              </a:ln>
+            </p:spPr>
+            <p:style>
+              <a:lnRef idx="3">
+                <a:schemeClr val="accent1"/>
+              </a:lnRef>
+              <a:fillRef idx="0">
+                <a:schemeClr val="accent1"/>
+              </a:fillRef>
+              <a:effectRef idx="2">
+                <a:schemeClr val="accent1"/>
+              </a:effectRef>
+              <a:fontRef idx="minor">
+                <a:schemeClr val="tx1"/>
+              </a:fontRef>
+            </p:style>
+          </p:cxnSp>
+          <p:cxnSp>
+            <p:nvCxnSpPr>
+              <p:cNvPr id="211" name="Straight Arrow Connector 210"/>
+              <p:cNvCxnSpPr/>
+              <p:nvPr/>
+            </p:nvCxnSpPr>
+            <p:spPr>
+              <a:xfrm>
+                <a:off x="3992770" y="4754735"/>
+                <a:ext cx="191467" cy="0"/>
+              </a:xfrm>
+              <a:prstGeom prst="straightConnector1">
+                <a:avLst/>
+              </a:prstGeom>
+              <a:ln w="6350">
+                <a:solidFill>
+                  <a:schemeClr val="accent1"/>
+                </a:solidFill>
+                <a:tailEnd type="stealth"/>
+              </a:ln>
+            </p:spPr>
+            <p:style>
+              <a:lnRef idx="3">
+                <a:schemeClr val="accent1"/>
+              </a:lnRef>
+              <a:fillRef idx="0">
+                <a:schemeClr val="accent1"/>
+              </a:fillRef>
+              <a:effectRef idx="2">
+                <a:schemeClr val="accent1"/>
+              </a:effectRef>
+              <a:fontRef idx="minor">
+                <a:schemeClr val="tx1"/>
+              </a:fontRef>
+            </p:style>
+          </p:cxnSp>
+          <p:cxnSp>
+            <p:nvCxnSpPr>
+              <p:cNvPr id="212" name="Straight Arrow Connector 211"/>
+              <p:cNvCxnSpPr/>
+              <p:nvPr/>
+            </p:nvCxnSpPr>
+            <p:spPr>
+              <a:xfrm>
+                <a:off x="4386603" y="4757865"/>
+                <a:ext cx="191467" cy="0"/>
+              </a:xfrm>
+              <a:prstGeom prst="straightConnector1">
+                <a:avLst/>
+              </a:prstGeom>
+              <a:ln w="6350">
+                <a:solidFill>
+                  <a:schemeClr val="accent1"/>
+                </a:solidFill>
+                <a:tailEnd type="stealth"/>
+              </a:ln>
+            </p:spPr>
+            <p:style>
+              <a:lnRef idx="3">
+                <a:schemeClr val="accent1"/>
+              </a:lnRef>
+              <a:fillRef idx="0">
+                <a:schemeClr val="accent1"/>
+              </a:fillRef>
+              <a:effectRef idx="2">
+                <a:schemeClr val="accent1"/>
+              </a:effectRef>
+              <a:fontRef idx="minor">
+                <a:schemeClr val="tx1"/>
+              </a:fontRef>
+            </p:style>
+          </p:cxnSp>
+          <p:sp>
+            <p:nvSpPr>
+              <p:cNvPr id="213" name="Rectangle 212"/>
+              <p:cNvSpPr/>
+              <p:nvPr/>
+            </p:nvSpPr>
+            <p:spPr>
+              <a:xfrm>
+                <a:off x="3307744" y="4381167"/>
+                <a:ext cx="1574358" cy="912896"/>
+              </a:xfrm>
+              <a:prstGeom prst="rect">
+                <a:avLst/>
+              </a:prstGeom>
+              <a:noFill/>
+              <a:ln>
+                <a:solidFill>
+                  <a:schemeClr val="accent1"/>
+                </a:solidFill>
+                <a:prstDash val="dash"/>
+              </a:ln>
+            </p:spPr>
+            <p:style>
+              <a:lnRef idx="2">
+                <a:schemeClr val="accent1">
+                  <a:shade val="50000"/>
+                </a:schemeClr>
+              </a:lnRef>
+              <a:fillRef idx="1">
+                <a:schemeClr val="accent1"/>
+              </a:fillRef>
+              <a:effectRef idx="0">
+                <a:schemeClr val="accent1"/>
+              </a:effectRef>
+              <a:fontRef idx="minor">
+                <a:schemeClr val="lt1"/>
+              </a:fontRef>
+            </p:style>
+            <p:txBody>
+              <a:bodyPr rtlCol="0" anchor="ctr"/>
+              <a:lstStyle/>
+              <a:p>
+                <a:pPr algn="ctr"/>
+                <a:endParaRPr lang="en-US">
+                  <a:latin typeface="Times New Roman" charset="0"/>
+                  <a:ea typeface="Times New Roman" charset="0"/>
+                  <a:cs typeface="Times New Roman" charset="0"/>
+                </a:endParaRPr>
+              </a:p>
+            </p:txBody>
+          </p:sp>
+        </p:grpSp>
+        <p:sp>
+          <p:nvSpPr>
+            <p:cNvPr id="200" name="Rectangle 199"/>
+            <p:cNvSpPr/>
+            <p:nvPr/>
+          </p:nvSpPr>
+          <p:spPr>
+            <a:xfrm>
+              <a:off x="4684013" y="4634587"/>
+              <a:ext cx="152551" cy="146050"/>
+            </a:xfrm>
+            <a:prstGeom prst="rect">
+              <a:avLst/>
+            </a:prstGeom>
+            <a:solidFill>
+              <a:schemeClr val="accent1">
+                <a:lumMod val="40000"/>
+                <a:lumOff val="60000"/>
+                <a:alpha val="55000"/>
+              </a:schemeClr>
+            </a:solidFill>
+            <a:ln>
+              <a:noFill/>
+            </a:ln>
+          </p:spPr>
+          <p:style>
+            <a:lnRef idx="2">
+              <a:schemeClr val="accent1">
+                <a:shade val="50000"/>
+              </a:schemeClr>
+            </a:lnRef>
+            <a:fillRef idx="1">
+              <a:schemeClr val="accent1"/>
+            </a:fillRef>
+            <a:effectRef idx="0">
+              <a:schemeClr val="accent1"/>
+            </a:effectRef>
+            <a:fontRef idx="minor">
+              <a:schemeClr val="lt1"/>
+            </a:fontRef>
+          </p:style>
+          <p:txBody>
+            <a:bodyPr rtlCol="0" anchor="ctr"/>
+            <a:lstStyle/>
+            <a:p>
+              <a:pPr algn="ctr"/>
+              <a:endParaRPr lang="en-US">
                 <a:latin typeface="Times New Roman" charset="0"/>
                 <a:ea typeface="Times New Roman" charset="0"/>
                 <a:cs typeface="Times New Roman" charset="0"/>
@@ -29373,6 +26690,2599 @@
           </p:txBody>
         </p:sp>
       </p:grpSp>
+      <p:grpSp>
+        <p:nvGrpSpPr>
+          <p:cNvPr id="223" name="Group 222"/>
+          <p:cNvGrpSpPr/>
+          <p:nvPr/>
+        </p:nvGrpSpPr>
+        <p:grpSpPr>
+          <a:xfrm>
+            <a:off x="4719885" y="3422760"/>
+            <a:ext cx="969826" cy="552608"/>
+            <a:chOff x="3357481" y="4339082"/>
+            <a:chExt cx="1574358" cy="912896"/>
+          </a:xfrm>
+        </p:grpSpPr>
+        <p:grpSp>
+          <p:nvGrpSpPr>
+            <p:cNvPr id="224" name="Group 223"/>
+            <p:cNvGrpSpPr/>
+            <p:nvPr/>
+          </p:nvGrpSpPr>
+          <p:grpSpPr>
+            <a:xfrm>
+              <a:off x="3357481" y="4339082"/>
+              <a:ext cx="1574358" cy="912896"/>
+              <a:chOff x="3307744" y="4381167"/>
+              <a:chExt cx="1574358" cy="912896"/>
+            </a:xfrm>
+          </p:grpSpPr>
+          <p:sp>
+            <p:nvSpPr>
+              <p:cNvPr id="226" name="Rectangle 225"/>
+              <p:cNvSpPr/>
+              <p:nvPr/>
+            </p:nvSpPr>
+            <p:spPr>
+              <a:xfrm>
+                <a:off x="3788482" y="4636827"/>
+                <a:ext cx="193993" cy="231382"/>
+              </a:xfrm>
+              <a:prstGeom prst="rect">
+                <a:avLst/>
+              </a:prstGeom>
+              <a:solidFill>
+                <a:schemeClr val="accent1">
+                  <a:lumMod val="40000"/>
+                  <a:lumOff val="60000"/>
+                </a:schemeClr>
+              </a:solidFill>
+              <a:ln w="6350">
+                <a:solidFill>
+                  <a:schemeClr val="accent1"/>
+                </a:solidFill>
+              </a:ln>
+            </p:spPr>
+            <p:style>
+              <a:lnRef idx="2">
+                <a:schemeClr val="accent1">
+                  <a:shade val="50000"/>
+                </a:schemeClr>
+              </a:lnRef>
+              <a:fillRef idx="1">
+                <a:schemeClr val="accent1"/>
+              </a:fillRef>
+              <a:effectRef idx="0">
+                <a:schemeClr val="accent1"/>
+              </a:effectRef>
+              <a:fontRef idx="minor">
+                <a:schemeClr val="lt1"/>
+              </a:fontRef>
+            </p:style>
+            <p:txBody>
+              <a:bodyPr rtlCol="0" anchor="ctr"/>
+              <a:lstStyle/>
+              <a:p>
+                <a:pPr algn="ctr"/>
+                <a:endParaRPr lang="en-US" dirty="0">
+                  <a:latin typeface="Times New Roman" charset="0"/>
+                  <a:ea typeface="Times New Roman" charset="0"/>
+                  <a:cs typeface="Times New Roman" charset="0"/>
+                </a:endParaRPr>
+              </a:p>
+            </p:txBody>
+          </p:sp>
+          <p:cxnSp>
+            <p:nvCxnSpPr>
+              <p:cNvPr id="227" name="Elbow Connector 226"/>
+              <p:cNvCxnSpPr/>
+              <p:nvPr/>
+            </p:nvCxnSpPr>
+            <p:spPr>
+              <a:xfrm rot="5400000" flipH="1">
+                <a:off x="4068182" y="4253574"/>
+                <a:ext cx="41489" cy="1245659"/>
+              </a:xfrm>
+              <a:prstGeom prst="bentConnector3">
+                <a:avLst>
+                  <a:gd name="adj1" fmla="val -800588"/>
+                </a:avLst>
+              </a:prstGeom>
+              <a:ln w="6350">
+                <a:solidFill>
+                  <a:schemeClr val="accent1"/>
+                </a:solidFill>
+                <a:tailEnd type="stealth"/>
+              </a:ln>
+            </p:spPr>
+            <p:style>
+              <a:lnRef idx="3">
+                <a:schemeClr val="accent1"/>
+              </a:lnRef>
+              <a:fillRef idx="0">
+                <a:schemeClr val="accent1"/>
+              </a:fillRef>
+              <a:effectRef idx="2">
+                <a:schemeClr val="accent1"/>
+              </a:effectRef>
+              <a:fontRef idx="minor">
+                <a:schemeClr val="tx1"/>
+              </a:fontRef>
+            </p:style>
+          </p:cxnSp>
+          <p:sp>
+            <p:nvSpPr>
+              <p:cNvPr id="228" name="Oval 227"/>
+              <p:cNvSpPr/>
+              <p:nvPr/>
+            </p:nvSpPr>
+            <p:spPr>
+              <a:xfrm>
+                <a:off x="3372877" y="4634915"/>
+                <a:ext cx="186438" cy="220744"/>
+              </a:xfrm>
+              <a:prstGeom prst="ellipse">
+                <a:avLst/>
+              </a:prstGeom>
+              <a:solidFill>
+                <a:schemeClr val="accent1">
+                  <a:lumMod val="40000"/>
+                  <a:lumOff val="60000"/>
+                </a:schemeClr>
+              </a:solidFill>
+              <a:ln>
+                <a:solidFill>
+                  <a:schemeClr val="accent1"/>
+                </a:solidFill>
+              </a:ln>
+            </p:spPr>
+            <p:style>
+              <a:lnRef idx="2">
+                <a:schemeClr val="accent1">
+                  <a:shade val="50000"/>
+                </a:schemeClr>
+              </a:lnRef>
+              <a:fillRef idx="1">
+                <a:schemeClr val="accent1"/>
+              </a:fillRef>
+              <a:effectRef idx="0">
+                <a:schemeClr val="accent1"/>
+              </a:effectRef>
+              <a:fontRef idx="minor">
+                <a:schemeClr val="lt1"/>
+              </a:fontRef>
+            </p:style>
+            <p:txBody>
+              <a:bodyPr rtlCol="0" anchor="ctr"/>
+              <a:lstStyle/>
+              <a:p>
+                <a:pPr algn="ctr"/>
+                <a:endParaRPr lang="en-US" sz="5400" dirty="0">
+                  <a:latin typeface="Times New Roman" charset="0"/>
+                  <a:ea typeface="Times New Roman" charset="0"/>
+                  <a:cs typeface="Times New Roman" charset="0"/>
+                </a:endParaRPr>
+              </a:p>
+            </p:txBody>
+          </p:sp>
+          <p:sp>
+            <p:nvSpPr>
+              <p:cNvPr id="229" name="Rectangle 228"/>
+              <p:cNvSpPr/>
+              <p:nvPr/>
+            </p:nvSpPr>
+            <p:spPr>
+              <a:xfrm>
+                <a:off x="4184238" y="4636827"/>
+                <a:ext cx="193937" cy="231382"/>
+              </a:xfrm>
+              <a:prstGeom prst="rect">
+                <a:avLst/>
+              </a:prstGeom>
+              <a:solidFill>
+                <a:schemeClr val="accent1">
+                  <a:lumMod val="40000"/>
+                  <a:lumOff val="60000"/>
+                </a:schemeClr>
+              </a:solidFill>
+              <a:ln>
+                <a:solidFill>
+                  <a:schemeClr val="accent1"/>
+                </a:solidFill>
+              </a:ln>
+            </p:spPr>
+            <p:style>
+              <a:lnRef idx="1">
+                <a:schemeClr val="accent1"/>
+              </a:lnRef>
+              <a:fillRef idx="2">
+                <a:schemeClr val="accent1"/>
+              </a:fillRef>
+              <a:effectRef idx="1">
+                <a:schemeClr val="accent1"/>
+              </a:effectRef>
+              <a:fontRef idx="minor">
+                <a:schemeClr val="dk1"/>
+              </a:fontRef>
+            </p:style>
+            <p:txBody>
+              <a:bodyPr rtlCol="0" anchor="ctr"/>
+              <a:lstStyle/>
+              <a:p>
+                <a:pPr algn="ctr"/>
+                <a:endParaRPr lang="en-US" dirty="0">
+                  <a:latin typeface="Times New Roman" charset="0"/>
+                  <a:ea typeface="Times New Roman" charset="0"/>
+                  <a:cs typeface="Times New Roman" charset="0"/>
+                </a:endParaRPr>
+              </a:p>
+            </p:txBody>
+          </p:sp>
+          <p:sp>
+            <p:nvSpPr>
+              <p:cNvPr id="230" name="Rectangle 229"/>
+              <p:cNvSpPr/>
+              <p:nvPr/>
+            </p:nvSpPr>
+            <p:spPr>
+              <a:xfrm>
+                <a:off x="4579405" y="4420312"/>
+                <a:ext cx="264698" cy="476836"/>
+              </a:xfrm>
+              <a:prstGeom prst="rect">
+                <a:avLst/>
+              </a:prstGeom>
+              <a:solidFill>
+                <a:schemeClr val="accent1">
+                  <a:lumMod val="40000"/>
+                  <a:lumOff val="60000"/>
+                </a:schemeClr>
+              </a:solidFill>
+              <a:ln>
+                <a:solidFill>
+                  <a:schemeClr val="accent1"/>
+                </a:solidFill>
+              </a:ln>
+            </p:spPr>
+            <p:style>
+              <a:lnRef idx="2">
+                <a:schemeClr val="accent1">
+                  <a:shade val="50000"/>
+                </a:schemeClr>
+              </a:lnRef>
+              <a:fillRef idx="1">
+                <a:schemeClr val="accent1"/>
+              </a:fillRef>
+              <a:effectRef idx="0">
+                <a:schemeClr val="accent1"/>
+              </a:effectRef>
+              <a:fontRef idx="minor">
+                <a:schemeClr val="lt1"/>
+              </a:fontRef>
+            </p:style>
+            <p:txBody>
+              <a:bodyPr rtlCol="0" anchor="ctr"/>
+              <a:lstStyle/>
+              <a:p>
+                <a:pPr algn="ctr"/>
+                <a:endParaRPr lang="en-US" sz="1600">
+                  <a:latin typeface="Times New Roman" charset="0"/>
+                  <a:ea typeface="Times New Roman" charset="0"/>
+                  <a:cs typeface="Times New Roman" charset="0"/>
+                </a:endParaRPr>
+              </a:p>
+            </p:txBody>
+          </p:sp>
+          <p:grpSp>
+            <p:nvGrpSpPr>
+              <p:cNvPr id="231" name="Group 99"/>
+              <p:cNvGrpSpPr>
+                <a:grpSpLocks/>
+              </p:cNvGrpSpPr>
+              <p:nvPr/>
+            </p:nvGrpSpPr>
+            <p:grpSpPr bwMode="auto">
+              <a:xfrm>
+                <a:off x="4628762" y="4665765"/>
+                <a:ext cx="161835" cy="158165"/>
+                <a:chOff x="7239000" y="4549063"/>
+                <a:chExt cx="762000" cy="584138"/>
+              </a:xfrm>
+            </p:grpSpPr>
+            <p:sp>
+              <p:nvSpPr>
+                <p:cNvPr id="239" name="Oval 12"/>
+                <p:cNvSpPr/>
+                <p:nvPr/>
+              </p:nvSpPr>
+              <p:spPr>
+                <a:xfrm>
+                  <a:off x="7366000" y="4657717"/>
+                  <a:ext cx="527538" cy="461789"/>
+                </a:xfrm>
+                <a:prstGeom prst="ellipse">
+                  <a:avLst/>
+                </a:prstGeom>
+                <a:gradFill rotWithShape="1">
+                  <a:gsLst>
+                    <a:gs pos="0">
+                      <a:srgbClr val="BBE0E3">
+                        <a:shade val="51000"/>
+                        <a:satMod val="130000"/>
+                      </a:srgbClr>
+                    </a:gs>
+                    <a:gs pos="80000">
+                      <a:srgbClr val="BBE0E3">
+                        <a:shade val="93000"/>
+                        <a:satMod val="130000"/>
+                      </a:srgbClr>
+                    </a:gs>
+                    <a:gs pos="100000">
+                      <a:srgbClr val="BBE0E3">
+                        <a:shade val="94000"/>
+                        <a:satMod val="135000"/>
+                      </a:srgbClr>
+                    </a:gs>
+                  </a:gsLst>
+                  <a:lin ang="16200000" scaled="0"/>
+                </a:gradFill>
+                <a:ln>
+                  <a:noFill/>
+                </a:ln>
+                <a:effectLst>
+                  <a:outerShdw blurRad="40000" dist="23000" dir="5400000" rotWithShape="0">
+                    <a:srgbClr val="000000">
+                      <a:alpha val="35000"/>
+                    </a:srgbClr>
+                  </a:outerShdw>
+                </a:effectLst>
+                <a:scene3d>
+                  <a:camera prst="orthographicFront">
+                    <a:rot lat="0" lon="0" rev="0"/>
+                  </a:camera>
+                  <a:lightRig rig="threePt" dir="t">
+                    <a:rot lat="0" lon="0" rev="1200000"/>
+                  </a:lightRig>
+                </a:scene3d>
+                <a:sp3d>
+                  <a:bevelT w="63500" h="25400"/>
+                </a:sp3d>
+              </p:spPr>
+              <p:txBody>
+                <a:bodyPr anchor="ctr"/>
+                <a:lstStyle/>
+                <a:p>
+                  <a:pPr algn="ctr">
+                    <a:defRPr/>
+                  </a:pPr>
+                  <a:endParaRPr lang="en-US" sz="1400" kern="0">
+                    <a:solidFill>
+                      <a:srgbClr val="FFFFFF"/>
+                    </a:solidFill>
+                    <a:latin typeface="Times New Roman" charset="0"/>
+                    <a:ea typeface="Times New Roman" charset="0"/>
+                    <a:cs typeface="Times New Roman" charset="0"/>
+                  </a:endParaRPr>
+                </a:p>
+              </p:txBody>
+            </p:sp>
+            <p:cxnSp>
+              <p:nvCxnSpPr>
+                <p:cNvPr id="240" name="Straight Connector 13"/>
+                <p:cNvCxnSpPr/>
+                <p:nvPr/>
+              </p:nvCxnSpPr>
+              <p:spPr>
+                <a:xfrm rot="5400000">
+                  <a:off x="7543026" y="4733944"/>
+                  <a:ext cx="153947" cy="0"/>
+                </a:xfrm>
+                <a:prstGeom prst="line">
+                  <a:avLst/>
+                </a:prstGeom>
+                <a:noFill/>
+                <a:ln w="25400" cap="flat" cmpd="sng" algn="ctr">
+                  <a:solidFill>
+                    <a:srgbClr val="000000"/>
+                  </a:solidFill>
+                  <a:prstDash val="solid"/>
+                </a:ln>
+                <a:effectLst>
+                  <a:outerShdw blurRad="40000" dist="20000" dir="5400000" rotWithShape="0">
+                    <a:srgbClr val="000000">
+                      <a:alpha val="38000"/>
+                    </a:srgbClr>
+                  </a:outerShdw>
+                </a:effectLst>
+              </p:spPr>
+            </p:cxnSp>
+            <p:sp>
+              <p:nvSpPr>
+                <p:cNvPr id="241" name="Minus 14"/>
+                <p:cNvSpPr/>
+                <p:nvPr/>
+              </p:nvSpPr>
+              <p:spPr>
+                <a:xfrm rot="16200000">
+                  <a:off x="7579716" y="4530610"/>
+                  <a:ext cx="80571" cy="117475"/>
+                </a:xfrm>
+                <a:prstGeom prst="mathMinus">
+                  <a:avLst/>
+                </a:prstGeom>
+                <a:solidFill>
+                  <a:srgbClr val="000000"/>
+                </a:solidFill>
+                <a:ln w="3175" cap="flat" cmpd="sng" algn="ctr">
+                  <a:solidFill>
+                    <a:srgbClr val="FFFFFF"/>
+                  </a:solidFill>
+                  <a:prstDash val="solid"/>
+                </a:ln>
+                <a:effectLst>
+                  <a:outerShdw blurRad="40000" dist="20000" dir="5400000" rotWithShape="0">
+                    <a:srgbClr val="000000">
+                      <a:alpha val="38000"/>
+                    </a:srgbClr>
+                  </a:outerShdw>
+                </a:effectLst>
+              </p:spPr>
+              <p:txBody>
+                <a:bodyPr anchor="ctr"/>
+                <a:lstStyle/>
+                <a:p>
+                  <a:pPr algn="ctr">
+                    <a:defRPr/>
+                  </a:pPr>
+                  <a:endParaRPr lang="en-US" sz="1400" kern="0">
+                    <a:solidFill>
+                      <a:srgbClr val="FFFFFF"/>
+                    </a:solidFill>
+                    <a:latin typeface="Times New Roman" charset="0"/>
+                    <a:ea typeface="Times New Roman" charset="0"/>
+                    <a:cs typeface="Times New Roman" charset="0"/>
+                  </a:endParaRPr>
+                </a:p>
+              </p:txBody>
+            </p:sp>
+            <p:sp>
+              <p:nvSpPr>
+                <p:cNvPr id="242" name="Minus 15"/>
+                <p:cNvSpPr/>
+                <p:nvPr/>
+              </p:nvSpPr>
+              <p:spPr>
+                <a:xfrm>
+                  <a:off x="7913688" y="4820990"/>
+                  <a:ext cx="87312" cy="107907"/>
+                </a:xfrm>
+                <a:prstGeom prst="mathMinus">
+                  <a:avLst/>
+                </a:prstGeom>
+                <a:solidFill>
+                  <a:srgbClr val="000000"/>
+                </a:solidFill>
+                <a:ln w="3175" cap="flat" cmpd="sng" algn="ctr">
+                  <a:solidFill>
+                    <a:srgbClr val="FFFFFF"/>
+                  </a:solidFill>
+                  <a:prstDash val="solid"/>
+                </a:ln>
+                <a:effectLst>
+                  <a:outerShdw blurRad="40000" dist="20000" dir="5400000" rotWithShape="0">
+                    <a:srgbClr val="000000">
+                      <a:alpha val="38000"/>
+                    </a:srgbClr>
+                  </a:outerShdw>
+                </a:effectLst>
+              </p:spPr>
+              <p:txBody>
+                <a:bodyPr anchor="ctr"/>
+                <a:lstStyle/>
+                <a:p>
+                  <a:pPr algn="ctr">
+                    <a:defRPr/>
+                  </a:pPr>
+                  <a:endParaRPr lang="en-US" sz="1400" kern="0">
+                    <a:solidFill>
+                      <a:srgbClr val="FFFFFF"/>
+                    </a:solidFill>
+                    <a:latin typeface="Times New Roman" charset="0"/>
+                    <a:ea typeface="Times New Roman" charset="0"/>
+                    <a:cs typeface="Times New Roman" charset="0"/>
+                  </a:endParaRPr>
+                </a:p>
+              </p:txBody>
+            </p:sp>
+            <p:sp>
+              <p:nvSpPr>
+                <p:cNvPr id="243" name="Minus 16"/>
+                <p:cNvSpPr/>
+                <p:nvPr/>
+              </p:nvSpPr>
+              <p:spPr>
+                <a:xfrm>
+                  <a:off x="7239000" y="4820990"/>
+                  <a:ext cx="87313" cy="107907"/>
+                </a:xfrm>
+                <a:prstGeom prst="mathMinus">
+                  <a:avLst/>
+                </a:prstGeom>
+                <a:solidFill>
+                  <a:srgbClr val="000000"/>
+                </a:solidFill>
+                <a:ln w="3175" cap="flat" cmpd="sng" algn="ctr">
+                  <a:solidFill>
+                    <a:srgbClr val="FFFFFF"/>
+                  </a:solidFill>
+                  <a:prstDash val="solid"/>
+                </a:ln>
+                <a:effectLst>
+                  <a:outerShdw blurRad="40000" dist="20000" dir="5400000" rotWithShape="0">
+                    <a:srgbClr val="000000">
+                      <a:alpha val="38000"/>
+                    </a:srgbClr>
+                  </a:outerShdw>
+                </a:effectLst>
+              </p:spPr>
+              <p:txBody>
+                <a:bodyPr anchor="ctr"/>
+                <a:lstStyle/>
+                <a:p>
+                  <a:pPr algn="ctr">
+                    <a:defRPr/>
+                  </a:pPr>
+                  <a:endParaRPr lang="en-US" sz="1400" kern="0">
+                    <a:solidFill>
+                      <a:srgbClr val="FFFFFF"/>
+                    </a:solidFill>
+                    <a:latin typeface="Times New Roman" charset="0"/>
+                    <a:ea typeface="Times New Roman" charset="0"/>
+                    <a:cs typeface="Times New Roman" charset="0"/>
+                  </a:endParaRPr>
+                </a:p>
+              </p:txBody>
+            </p:sp>
+            <p:sp>
+              <p:nvSpPr>
+                <p:cNvPr id="244" name="Minus 17"/>
+                <p:cNvSpPr/>
+                <p:nvPr/>
+              </p:nvSpPr>
+              <p:spPr>
+                <a:xfrm rot="2264948">
+                  <a:off x="7323138" y="4644021"/>
+                  <a:ext cx="87312" cy="109346"/>
+                </a:xfrm>
+                <a:prstGeom prst="mathMinus">
+                  <a:avLst/>
+                </a:prstGeom>
+                <a:solidFill>
+                  <a:srgbClr val="000000"/>
+                </a:solidFill>
+                <a:ln w="3175" cap="flat" cmpd="sng" algn="ctr">
+                  <a:solidFill>
+                    <a:srgbClr val="FFFFFF"/>
+                  </a:solidFill>
+                  <a:prstDash val="solid"/>
+                </a:ln>
+                <a:effectLst>
+                  <a:outerShdw blurRad="40000" dist="20000" dir="5400000" rotWithShape="0">
+                    <a:srgbClr val="000000">
+                      <a:alpha val="38000"/>
+                    </a:srgbClr>
+                  </a:outerShdw>
+                </a:effectLst>
+              </p:spPr>
+              <p:txBody>
+                <a:bodyPr anchor="ctr"/>
+                <a:lstStyle/>
+                <a:p>
+                  <a:pPr algn="ctr">
+                    <a:defRPr/>
+                  </a:pPr>
+                  <a:endParaRPr lang="en-US" sz="1400" kern="0">
+                    <a:solidFill>
+                      <a:srgbClr val="FFFFFF"/>
+                    </a:solidFill>
+                    <a:latin typeface="Times New Roman" charset="0"/>
+                    <a:ea typeface="Times New Roman" charset="0"/>
+                    <a:cs typeface="Times New Roman" charset="0"/>
+                  </a:endParaRPr>
+                </a:p>
+              </p:txBody>
+            </p:sp>
+            <p:sp>
+              <p:nvSpPr>
+                <p:cNvPr id="245" name="Minus 18"/>
+                <p:cNvSpPr/>
+                <p:nvPr/>
+              </p:nvSpPr>
+              <p:spPr>
+                <a:xfrm rot="19067474">
+                  <a:off x="7826375" y="4644021"/>
+                  <a:ext cx="87313" cy="107908"/>
+                </a:xfrm>
+                <a:prstGeom prst="mathMinus">
+                  <a:avLst/>
+                </a:prstGeom>
+                <a:solidFill>
+                  <a:srgbClr val="000000"/>
+                </a:solidFill>
+                <a:ln w="3175" cap="flat" cmpd="sng" algn="ctr">
+                  <a:solidFill>
+                    <a:srgbClr val="FFFFFF"/>
+                  </a:solidFill>
+                  <a:prstDash val="solid"/>
+                </a:ln>
+                <a:effectLst>
+                  <a:outerShdw blurRad="40000" dist="20000" dir="5400000" rotWithShape="0">
+                    <a:srgbClr val="000000">
+                      <a:alpha val="38000"/>
+                    </a:srgbClr>
+                  </a:outerShdw>
+                </a:effectLst>
+              </p:spPr>
+              <p:txBody>
+                <a:bodyPr anchor="ctr"/>
+                <a:lstStyle/>
+                <a:p>
+                  <a:pPr algn="ctr">
+                    <a:defRPr/>
+                  </a:pPr>
+                  <a:endParaRPr lang="en-US" sz="1400" kern="0">
+                    <a:solidFill>
+                      <a:srgbClr val="FFFFFF"/>
+                    </a:solidFill>
+                    <a:latin typeface="Times New Roman" charset="0"/>
+                    <a:ea typeface="Times New Roman" charset="0"/>
+                    <a:cs typeface="Times New Roman" charset="0"/>
+                  </a:endParaRPr>
+                </a:p>
+              </p:txBody>
+            </p:sp>
+            <p:sp>
+              <p:nvSpPr>
+                <p:cNvPr id="246" name="Minus 19"/>
+                <p:cNvSpPr/>
+                <p:nvPr/>
+              </p:nvSpPr>
+              <p:spPr>
+                <a:xfrm rot="19189480">
+                  <a:off x="7329488" y="5025294"/>
+                  <a:ext cx="87312" cy="107907"/>
+                </a:xfrm>
+                <a:prstGeom prst="mathMinus">
+                  <a:avLst/>
+                </a:prstGeom>
+                <a:solidFill>
+                  <a:srgbClr val="000000"/>
+                </a:solidFill>
+                <a:ln w="3175" cap="flat" cmpd="sng" algn="ctr">
+                  <a:solidFill>
+                    <a:srgbClr val="FFFFFF"/>
+                  </a:solidFill>
+                  <a:prstDash val="solid"/>
+                </a:ln>
+                <a:effectLst>
+                  <a:outerShdw blurRad="40000" dist="20000" dir="5400000" rotWithShape="0">
+                    <a:srgbClr val="000000">
+                      <a:alpha val="38000"/>
+                    </a:srgbClr>
+                  </a:outerShdw>
+                </a:effectLst>
+              </p:spPr>
+              <p:txBody>
+                <a:bodyPr anchor="ctr"/>
+                <a:lstStyle/>
+                <a:p>
+                  <a:pPr algn="ctr">
+                    <a:defRPr/>
+                  </a:pPr>
+                  <a:endParaRPr lang="en-US" sz="1400" kern="0">
+                    <a:solidFill>
+                      <a:srgbClr val="FFFFFF"/>
+                    </a:solidFill>
+                    <a:latin typeface="Times New Roman" charset="0"/>
+                    <a:ea typeface="Times New Roman" charset="0"/>
+                    <a:cs typeface="Times New Roman" charset="0"/>
+                  </a:endParaRPr>
+                </a:p>
+              </p:txBody>
+            </p:sp>
+            <p:sp>
+              <p:nvSpPr>
+                <p:cNvPr id="248" name="Minus 20"/>
+                <p:cNvSpPr/>
+                <p:nvPr/>
+              </p:nvSpPr>
+              <p:spPr>
+                <a:xfrm rot="2517184">
+                  <a:off x="7826375" y="5025294"/>
+                  <a:ext cx="87313" cy="107907"/>
+                </a:xfrm>
+                <a:prstGeom prst="mathMinus">
+                  <a:avLst/>
+                </a:prstGeom>
+                <a:solidFill>
+                  <a:srgbClr val="000000"/>
+                </a:solidFill>
+                <a:ln w="3175" cap="flat" cmpd="sng" algn="ctr">
+                  <a:solidFill>
+                    <a:srgbClr val="FFFFFF"/>
+                  </a:solidFill>
+                  <a:prstDash val="solid"/>
+                </a:ln>
+                <a:effectLst>
+                  <a:outerShdw blurRad="40000" dist="20000" dir="5400000" rotWithShape="0">
+                    <a:srgbClr val="000000">
+                      <a:alpha val="38000"/>
+                    </a:srgbClr>
+                  </a:outerShdw>
+                </a:effectLst>
+              </p:spPr>
+              <p:txBody>
+                <a:bodyPr anchor="ctr"/>
+                <a:lstStyle/>
+                <a:p>
+                  <a:pPr algn="ctr">
+                    <a:defRPr/>
+                  </a:pPr>
+                  <a:endParaRPr lang="en-US" sz="1400" kern="0">
+                    <a:solidFill>
+                      <a:srgbClr val="FFFFFF"/>
+                    </a:solidFill>
+                    <a:latin typeface="Times New Roman" charset="0"/>
+                    <a:ea typeface="Times New Roman" charset="0"/>
+                    <a:cs typeface="Times New Roman" charset="0"/>
+                  </a:endParaRPr>
+                </a:p>
+              </p:txBody>
+            </p:sp>
+          </p:grpSp>
+          <p:sp>
+            <p:nvSpPr>
+              <p:cNvPr id="232" name="Rectangle 231"/>
+              <p:cNvSpPr/>
+              <p:nvPr/>
+            </p:nvSpPr>
+            <p:spPr>
+              <a:xfrm>
+                <a:off x="3778877" y="4420310"/>
+                <a:ext cx="599297" cy="59977"/>
+              </a:xfrm>
+              <a:prstGeom prst="rect">
+                <a:avLst/>
+              </a:prstGeom>
+              <a:solidFill>
+                <a:schemeClr val="accent1">
+                  <a:lumMod val="40000"/>
+                  <a:lumOff val="60000"/>
+                </a:schemeClr>
+              </a:solidFill>
+              <a:ln>
+                <a:solidFill>
+                  <a:schemeClr val="accent1"/>
+                </a:solidFill>
+              </a:ln>
+            </p:spPr>
+            <p:style>
+              <a:lnRef idx="1">
+                <a:schemeClr val="accent1"/>
+              </a:lnRef>
+              <a:fillRef idx="2">
+                <a:schemeClr val="accent1"/>
+              </a:fillRef>
+              <a:effectRef idx="1">
+                <a:schemeClr val="accent1"/>
+              </a:effectRef>
+              <a:fontRef idx="minor">
+                <a:schemeClr val="dk1"/>
+              </a:fontRef>
+            </p:style>
+            <p:txBody>
+              <a:bodyPr rtlCol="0" anchor="ctr"/>
+              <a:lstStyle/>
+              <a:p>
+                <a:pPr algn="ctr"/>
+                <a:endParaRPr lang="en-US">
+                  <a:latin typeface="Times New Roman" charset="0"/>
+                  <a:ea typeface="Times New Roman" charset="0"/>
+                  <a:cs typeface="Times New Roman" charset="0"/>
+                </a:endParaRPr>
+              </a:p>
+            </p:txBody>
+          </p:sp>
+          <p:cxnSp>
+            <p:nvCxnSpPr>
+              <p:cNvPr id="233" name="Straight Arrow Connector 232"/>
+              <p:cNvCxnSpPr/>
+              <p:nvPr/>
+            </p:nvCxnSpPr>
+            <p:spPr>
+              <a:xfrm>
+                <a:off x="4280051" y="4480287"/>
+                <a:ext cx="1780" cy="156540"/>
+              </a:xfrm>
+              <a:prstGeom prst="straightConnector1">
+                <a:avLst/>
+              </a:prstGeom>
+              <a:ln w="6350">
+                <a:solidFill>
+                  <a:schemeClr val="accent1"/>
+                </a:solidFill>
+                <a:tailEnd type="stealth"/>
+              </a:ln>
+            </p:spPr>
+            <p:style>
+              <a:lnRef idx="3">
+                <a:schemeClr val="accent1"/>
+              </a:lnRef>
+              <a:fillRef idx="0">
+                <a:schemeClr val="accent1"/>
+              </a:fillRef>
+              <a:effectRef idx="2">
+                <a:schemeClr val="accent1"/>
+              </a:effectRef>
+              <a:fontRef idx="minor">
+                <a:schemeClr val="tx1"/>
+              </a:fontRef>
+            </p:style>
+          </p:cxnSp>
+          <p:cxnSp>
+            <p:nvCxnSpPr>
+              <p:cNvPr id="234" name="Straight Arrow Connector 233"/>
+              <p:cNvCxnSpPr/>
+              <p:nvPr/>
+            </p:nvCxnSpPr>
+            <p:spPr>
+              <a:xfrm>
+                <a:off x="3455581" y="4420310"/>
+                <a:ext cx="109" cy="183722"/>
+              </a:xfrm>
+              <a:prstGeom prst="straightConnector1">
+                <a:avLst/>
+              </a:prstGeom>
+              <a:ln w="6350">
+                <a:solidFill>
+                  <a:schemeClr val="accent1"/>
+                </a:solidFill>
+                <a:tailEnd type="stealth"/>
+              </a:ln>
+            </p:spPr>
+            <p:style>
+              <a:lnRef idx="3">
+                <a:schemeClr val="accent1"/>
+              </a:lnRef>
+              <a:fillRef idx="0">
+                <a:schemeClr val="accent1"/>
+              </a:fillRef>
+              <a:effectRef idx="2">
+                <a:schemeClr val="accent1"/>
+              </a:effectRef>
+              <a:fontRef idx="minor">
+                <a:schemeClr val="tx1"/>
+              </a:fontRef>
+            </p:style>
+          </p:cxnSp>
+          <p:cxnSp>
+            <p:nvCxnSpPr>
+              <p:cNvPr id="235" name="Straight Arrow Connector 234"/>
+              <p:cNvCxnSpPr/>
+              <p:nvPr/>
+            </p:nvCxnSpPr>
+            <p:spPr>
+              <a:xfrm>
+                <a:off x="3559315" y="4754734"/>
+                <a:ext cx="191466" cy="0"/>
+              </a:xfrm>
+              <a:prstGeom prst="straightConnector1">
+                <a:avLst/>
+              </a:prstGeom>
+              <a:ln w="6350">
+                <a:solidFill>
+                  <a:schemeClr val="accent1"/>
+                </a:solidFill>
+                <a:tailEnd type="stealth"/>
+              </a:ln>
+            </p:spPr>
+            <p:style>
+              <a:lnRef idx="3">
+                <a:schemeClr val="accent1"/>
+              </a:lnRef>
+              <a:fillRef idx="0">
+                <a:schemeClr val="accent1"/>
+              </a:fillRef>
+              <a:effectRef idx="2">
+                <a:schemeClr val="accent1"/>
+              </a:effectRef>
+              <a:fontRef idx="minor">
+                <a:schemeClr val="tx1"/>
+              </a:fontRef>
+            </p:style>
+          </p:cxnSp>
+          <p:cxnSp>
+            <p:nvCxnSpPr>
+              <p:cNvPr id="236" name="Straight Arrow Connector 235"/>
+              <p:cNvCxnSpPr/>
+              <p:nvPr/>
+            </p:nvCxnSpPr>
+            <p:spPr>
+              <a:xfrm>
+                <a:off x="3992770" y="4754735"/>
+                <a:ext cx="191467" cy="0"/>
+              </a:xfrm>
+              <a:prstGeom prst="straightConnector1">
+                <a:avLst/>
+              </a:prstGeom>
+              <a:ln w="6350">
+                <a:solidFill>
+                  <a:schemeClr val="accent1"/>
+                </a:solidFill>
+                <a:tailEnd type="stealth"/>
+              </a:ln>
+            </p:spPr>
+            <p:style>
+              <a:lnRef idx="3">
+                <a:schemeClr val="accent1"/>
+              </a:lnRef>
+              <a:fillRef idx="0">
+                <a:schemeClr val="accent1"/>
+              </a:fillRef>
+              <a:effectRef idx="2">
+                <a:schemeClr val="accent1"/>
+              </a:effectRef>
+              <a:fontRef idx="minor">
+                <a:schemeClr val="tx1"/>
+              </a:fontRef>
+            </p:style>
+          </p:cxnSp>
+          <p:cxnSp>
+            <p:nvCxnSpPr>
+              <p:cNvPr id="237" name="Straight Arrow Connector 236"/>
+              <p:cNvCxnSpPr/>
+              <p:nvPr/>
+            </p:nvCxnSpPr>
+            <p:spPr>
+              <a:xfrm>
+                <a:off x="4386603" y="4757865"/>
+                <a:ext cx="191467" cy="0"/>
+              </a:xfrm>
+              <a:prstGeom prst="straightConnector1">
+                <a:avLst/>
+              </a:prstGeom>
+              <a:ln w="6350">
+                <a:solidFill>
+                  <a:schemeClr val="accent1"/>
+                </a:solidFill>
+                <a:tailEnd type="stealth"/>
+              </a:ln>
+            </p:spPr>
+            <p:style>
+              <a:lnRef idx="3">
+                <a:schemeClr val="accent1"/>
+              </a:lnRef>
+              <a:fillRef idx="0">
+                <a:schemeClr val="accent1"/>
+              </a:fillRef>
+              <a:effectRef idx="2">
+                <a:schemeClr val="accent1"/>
+              </a:effectRef>
+              <a:fontRef idx="minor">
+                <a:schemeClr val="tx1"/>
+              </a:fontRef>
+            </p:style>
+          </p:cxnSp>
+          <p:sp>
+            <p:nvSpPr>
+              <p:cNvPr id="238" name="Rectangle 237"/>
+              <p:cNvSpPr/>
+              <p:nvPr/>
+            </p:nvSpPr>
+            <p:spPr>
+              <a:xfrm>
+                <a:off x="3307744" y="4381167"/>
+                <a:ext cx="1574358" cy="912896"/>
+              </a:xfrm>
+              <a:prstGeom prst="rect">
+                <a:avLst/>
+              </a:prstGeom>
+              <a:noFill/>
+              <a:ln>
+                <a:solidFill>
+                  <a:schemeClr val="accent1"/>
+                </a:solidFill>
+                <a:prstDash val="dash"/>
+              </a:ln>
+            </p:spPr>
+            <p:style>
+              <a:lnRef idx="2">
+                <a:schemeClr val="accent1">
+                  <a:shade val="50000"/>
+                </a:schemeClr>
+              </a:lnRef>
+              <a:fillRef idx="1">
+                <a:schemeClr val="accent1"/>
+              </a:fillRef>
+              <a:effectRef idx="0">
+                <a:schemeClr val="accent1"/>
+              </a:effectRef>
+              <a:fontRef idx="minor">
+                <a:schemeClr val="lt1"/>
+              </a:fontRef>
+            </p:style>
+            <p:txBody>
+              <a:bodyPr rtlCol="0" anchor="ctr"/>
+              <a:lstStyle/>
+              <a:p>
+                <a:pPr algn="ctr"/>
+                <a:endParaRPr lang="en-US">
+                  <a:latin typeface="Times New Roman" charset="0"/>
+                  <a:ea typeface="Times New Roman" charset="0"/>
+                  <a:cs typeface="Times New Roman" charset="0"/>
+                </a:endParaRPr>
+              </a:p>
+            </p:txBody>
+          </p:sp>
+        </p:grpSp>
+        <p:sp>
+          <p:nvSpPr>
+            <p:cNvPr id="225" name="Rectangle 224"/>
+            <p:cNvSpPr/>
+            <p:nvPr/>
+          </p:nvSpPr>
+          <p:spPr>
+            <a:xfrm>
+              <a:off x="4684013" y="4634587"/>
+              <a:ext cx="152551" cy="146050"/>
+            </a:xfrm>
+            <a:prstGeom prst="rect">
+              <a:avLst/>
+            </a:prstGeom>
+            <a:solidFill>
+              <a:schemeClr val="accent1">
+                <a:lumMod val="40000"/>
+                <a:lumOff val="60000"/>
+                <a:alpha val="55000"/>
+              </a:schemeClr>
+            </a:solidFill>
+            <a:ln>
+              <a:noFill/>
+            </a:ln>
+          </p:spPr>
+          <p:style>
+            <a:lnRef idx="2">
+              <a:schemeClr val="accent1">
+                <a:shade val="50000"/>
+              </a:schemeClr>
+            </a:lnRef>
+            <a:fillRef idx="1">
+              <a:schemeClr val="accent1"/>
+            </a:fillRef>
+            <a:effectRef idx="0">
+              <a:schemeClr val="accent1"/>
+            </a:effectRef>
+            <a:fontRef idx="minor">
+              <a:schemeClr val="lt1"/>
+            </a:fontRef>
+          </p:style>
+          <p:txBody>
+            <a:bodyPr rtlCol="0" anchor="ctr"/>
+            <a:lstStyle/>
+            <a:p>
+              <a:pPr algn="ctr"/>
+              <a:endParaRPr lang="en-US">
+                <a:latin typeface="Times New Roman" charset="0"/>
+                <a:ea typeface="Times New Roman" charset="0"/>
+                <a:cs typeface="Times New Roman" charset="0"/>
+              </a:endParaRPr>
+            </a:p>
+          </p:txBody>
+        </p:sp>
+      </p:grpSp>
+      <p:grpSp>
+        <p:nvGrpSpPr>
+          <p:cNvPr id="249" name="Group 248"/>
+          <p:cNvGrpSpPr/>
+          <p:nvPr/>
+        </p:nvGrpSpPr>
+        <p:grpSpPr>
+          <a:xfrm>
+            <a:off x="-688305" y="3816719"/>
+            <a:ext cx="995072" cy="552606"/>
+            <a:chOff x="3357481" y="4357389"/>
+            <a:chExt cx="1574358" cy="912893"/>
+          </a:xfrm>
+        </p:grpSpPr>
+        <p:grpSp>
+          <p:nvGrpSpPr>
+            <p:cNvPr id="250" name="Group 249"/>
+            <p:cNvGrpSpPr/>
+            <p:nvPr/>
+          </p:nvGrpSpPr>
+          <p:grpSpPr>
+            <a:xfrm>
+              <a:off x="3357481" y="4357389"/>
+              <a:ext cx="1574358" cy="912893"/>
+              <a:chOff x="3307744" y="4399474"/>
+              <a:chExt cx="1574358" cy="912893"/>
+            </a:xfrm>
+          </p:grpSpPr>
+          <p:sp>
+            <p:nvSpPr>
+              <p:cNvPr id="252" name="Rectangle 251"/>
+              <p:cNvSpPr/>
+              <p:nvPr/>
+            </p:nvSpPr>
+            <p:spPr>
+              <a:xfrm>
+                <a:off x="3788482" y="4636827"/>
+                <a:ext cx="193993" cy="231382"/>
+              </a:xfrm>
+              <a:prstGeom prst="rect">
+                <a:avLst/>
+              </a:prstGeom>
+              <a:solidFill>
+                <a:schemeClr val="accent1">
+                  <a:lumMod val="40000"/>
+                  <a:lumOff val="60000"/>
+                </a:schemeClr>
+              </a:solidFill>
+              <a:ln>
+                <a:solidFill>
+                  <a:schemeClr val="accent1">
+                    <a:lumMod val="40000"/>
+                    <a:lumOff val="60000"/>
+                  </a:schemeClr>
+                </a:solidFill>
+              </a:ln>
+            </p:spPr>
+            <p:style>
+              <a:lnRef idx="2">
+                <a:schemeClr val="accent1">
+                  <a:shade val="50000"/>
+                </a:schemeClr>
+              </a:lnRef>
+              <a:fillRef idx="1">
+                <a:schemeClr val="accent1"/>
+              </a:fillRef>
+              <a:effectRef idx="0">
+                <a:schemeClr val="accent1"/>
+              </a:effectRef>
+              <a:fontRef idx="minor">
+                <a:schemeClr val="lt1"/>
+              </a:fontRef>
+            </p:style>
+            <p:txBody>
+              <a:bodyPr rtlCol="0" anchor="ctr"/>
+              <a:lstStyle/>
+              <a:p>
+                <a:pPr algn="ctr"/>
+                <a:endParaRPr lang="en-US" dirty="0">
+                  <a:latin typeface="Times New Roman" charset="0"/>
+                  <a:ea typeface="Times New Roman" charset="0"/>
+                  <a:cs typeface="Times New Roman" charset="0"/>
+                </a:endParaRPr>
+              </a:p>
+            </p:txBody>
+          </p:sp>
+          <p:cxnSp>
+            <p:nvCxnSpPr>
+              <p:cNvPr id="253" name="Elbow Connector 252"/>
+              <p:cNvCxnSpPr/>
+              <p:nvPr/>
+            </p:nvCxnSpPr>
+            <p:spPr>
+              <a:xfrm rot="5400000" flipH="1">
+                <a:off x="4068182" y="4253574"/>
+                <a:ext cx="41489" cy="1245659"/>
+              </a:xfrm>
+              <a:prstGeom prst="bentConnector3">
+                <a:avLst>
+                  <a:gd name="adj1" fmla="val -800588"/>
+                </a:avLst>
+              </a:prstGeom>
+              <a:ln w="6350">
+                <a:solidFill>
+                  <a:schemeClr val="accent1">
+                    <a:lumMod val="40000"/>
+                    <a:lumOff val="60000"/>
+                  </a:schemeClr>
+                </a:solidFill>
+                <a:tailEnd type="stealth"/>
+              </a:ln>
+            </p:spPr>
+            <p:style>
+              <a:lnRef idx="3">
+                <a:schemeClr val="accent1"/>
+              </a:lnRef>
+              <a:fillRef idx="0">
+                <a:schemeClr val="accent1"/>
+              </a:fillRef>
+              <a:effectRef idx="2">
+                <a:schemeClr val="accent1"/>
+              </a:effectRef>
+              <a:fontRef idx="minor">
+                <a:schemeClr val="tx1"/>
+              </a:fontRef>
+            </p:style>
+          </p:cxnSp>
+          <p:sp>
+            <p:nvSpPr>
+              <p:cNvPr id="254" name="Oval 253"/>
+              <p:cNvSpPr/>
+              <p:nvPr/>
+            </p:nvSpPr>
+            <p:spPr>
+              <a:xfrm>
+                <a:off x="3372877" y="4634915"/>
+                <a:ext cx="186438" cy="220744"/>
+              </a:xfrm>
+              <a:prstGeom prst="ellipse">
+                <a:avLst/>
+              </a:prstGeom>
+              <a:solidFill>
+                <a:schemeClr val="accent1">
+                  <a:lumMod val="40000"/>
+                  <a:lumOff val="60000"/>
+                </a:schemeClr>
+              </a:solidFill>
+              <a:ln>
+                <a:solidFill>
+                  <a:schemeClr val="accent1">
+                    <a:lumMod val="40000"/>
+                    <a:lumOff val="60000"/>
+                  </a:schemeClr>
+                </a:solidFill>
+              </a:ln>
+            </p:spPr>
+            <p:style>
+              <a:lnRef idx="2">
+                <a:schemeClr val="accent1">
+                  <a:shade val="50000"/>
+                </a:schemeClr>
+              </a:lnRef>
+              <a:fillRef idx="1">
+                <a:schemeClr val="accent1"/>
+              </a:fillRef>
+              <a:effectRef idx="0">
+                <a:schemeClr val="accent1"/>
+              </a:effectRef>
+              <a:fontRef idx="minor">
+                <a:schemeClr val="lt1"/>
+              </a:fontRef>
+            </p:style>
+            <p:txBody>
+              <a:bodyPr rtlCol="0" anchor="ctr"/>
+              <a:lstStyle/>
+              <a:p>
+                <a:pPr algn="ctr"/>
+                <a:endParaRPr lang="en-US" sz="5400" dirty="0">
+                  <a:latin typeface="Times New Roman" charset="0"/>
+                  <a:ea typeface="Times New Roman" charset="0"/>
+                  <a:cs typeface="Times New Roman" charset="0"/>
+                </a:endParaRPr>
+              </a:p>
+            </p:txBody>
+          </p:sp>
+          <p:sp>
+            <p:nvSpPr>
+              <p:cNvPr id="255" name="Rectangle 254"/>
+              <p:cNvSpPr/>
+              <p:nvPr/>
+            </p:nvSpPr>
+            <p:spPr>
+              <a:xfrm>
+                <a:off x="4184238" y="4636827"/>
+                <a:ext cx="193937" cy="231382"/>
+              </a:xfrm>
+              <a:prstGeom prst="rect">
+                <a:avLst/>
+              </a:prstGeom>
+              <a:solidFill>
+                <a:schemeClr val="accent1">
+                  <a:lumMod val="40000"/>
+                  <a:lumOff val="60000"/>
+                </a:schemeClr>
+              </a:solidFill>
+              <a:ln>
+                <a:solidFill>
+                  <a:schemeClr val="accent1">
+                    <a:lumMod val="40000"/>
+                    <a:lumOff val="60000"/>
+                  </a:schemeClr>
+                </a:solidFill>
+              </a:ln>
+            </p:spPr>
+            <p:style>
+              <a:lnRef idx="1">
+                <a:schemeClr val="accent1"/>
+              </a:lnRef>
+              <a:fillRef idx="2">
+                <a:schemeClr val="accent1"/>
+              </a:fillRef>
+              <a:effectRef idx="1">
+                <a:schemeClr val="accent1"/>
+              </a:effectRef>
+              <a:fontRef idx="minor">
+                <a:schemeClr val="dk1"/>
+              </a:fontRef>
+            </p:style>
+            <p:txBody>
+              <a:bodyPr rtlCol="0" anchor="ctr"/>
+              <a:lstStyle/>
+              <a:p>
+                <a:pPr algn="ctr"/>
+                <a:endParaRPr lang="en-US" dirty="0">
+                  <a:latin typeface="Times New Roman" charset="0"/>
+                  <a:ea typeface="Times New Roman" charset="0"/>
+                  <a:cs typeface="Times New Roman" charset="0"/>
+                </a:endParaRPr>
+              </a:p>
+            </p:txBody>
+          </p:sp>
+          <p:sp>
+            <p:nvSpPr>
+              <p:cNvPr id="256" name="Rectangle 255"/>
+              <p:cNvSpPr/>
+              <p:nvPr/>
+            </p:nvSpPr>
+            <p:spPr>
+              <a:xfrm>
+                <a:off x="4579406" y="4420312"/>
+                <a:ext cx="264698" cy="476836"/>
+              </a:xfrm>
+              <a:prstGeom prst="rect">
+                <a:avLst/>
+              </a:prstGeom>
+              <a:solidFill>
+                <a:schemeClr val="accent1">
+                  <a:lumMod val="40000"/>
+                  <a:lumOff val="60000"/>
+                </a:schemeClr>
+              </a:solidFill>
+              <a:ln>
+                <a:solidFill>
+                  <a:schemeClr val="accent1">
+                    <a:lumMod val="40000"/>
+                    <a:lumOff val="60000"/>
+                  </a:schemeClr>
+                </a:solidFill>
+              </a:ln>
+            </p:spPr>
+            <p:style>
+              <a:lnRef idx="2">
+                <a:schemeClr val="accent1">
+                  <a:shade val="50000"/>
+                </a:schemeClr>
+              </a:lnRef>
+              <a:fillRef idx="1">
+                <a:schemeClr val="accent1"/>
+              </a:fillRef>
+              <a:effectRef idx="0">
+                <a:schemeClr val="accent1"/>
+              </a:effectRef>
+              <a:fontRef idx="minor">
+                <a:schemeClr val="lt1"/>
+              </a:fontRef>
+            </p:style>
+            <p:txBody>
+              <a:bodyPr rtlCol="0" anchor="ctr"/>
+              <a:lstStyle/>
+              <a:p>
+                <a:pPr algn="ctr"/>
+                <a:endParaRPr lang="en-US" sz="1600">
+                  <a:latin typeface="Times New Roman" charset="0"/>
+                  <a:ea typeface="Times New Roman" charset="0"/>
+                  <a:cs typeface="Times New Roman" charset="0"/>
+                </a:endParaRPr>
+              </a:p>
+            </p:txBody>
+          </p:sp>
+          <p:grpSp>
+            <p:nvGrpSpPr>
+              <p:cNvPr id="257" name="Group 99"/>
+              <p:cNvGrpSpPr>
+                <a:grpSpLocks/>
+              </p:cNvGrpSpPr>
+              <p:nvPr/>
+            </p:nvGrpSpPr>
+            <p:grpSpPr bwMode="auto">
+              <a:xfrm>
+                <a:off x="4628762" y="4665765"/>
+                <a:ext cx="161835" cy="158165"/>
+                <a:chOff x="7239000" y="4549063"/>
+                <a:chExt cx="762000" cy="584138"/>
+              </a:xfrm>
+            </p:grpSpPr>
+            <p:sp>
+              <p:nvSpPr>
+                <p:cNvPr id="266" name="Oval 12"/>
+                <p:cNvSpPr/>
+                <p:nvPr/>
+              </p:nvSpPr>
+              <p:spPr>
+                <a:xfrm>
+                  <a:off x="7366000" y="4657717"/>
+                  <a:ext cx="527538" cy="461789"/>
+                </a:xfrm>
+                <a:prstGeom prst="ellipse">
+                  <a:avLst/>
+                </a:prstGeom>
+                <a:gradFill rotWithShape="1">
+                  <a:gsLst>
+                    <a:gs pos="0">
+                      <a:srgbClr val="BBE0E3">
+                        <a:shade val="51000"/>
+                        <a:satMod val="130000"/>
+                      </a:srgbClr>
+                    </a:gs>
+                    <a:gs pos="80000">
+                      <a:srgbClr val="BBE0E3">
+                        <a:shade val="93000"/>
+                        <a:satMod val="130000"/>
+                      </a:srgbClr>
+                    </a:gs>
+                    <a:gs pos="100000">
+                      <a:srgbClr val="BBE0E3">
+                        <a:shade val="94000"/>
+                        <a:satMod val="135000"/>
+                      </a:srgbClr>
+                    </a:gs>
+                  </a:gsLst>
+                  <a:lin ang="16200000" scaled="0"/>
+                </a:gradFill>
+                <a:ln>
+                  <a:noFill/>
+                </a:ln>
+                <a:effectLst>
+                  <a:outerShdw blurRad="40000" dist="23000" dir="5400000" rotWithShape="0">
+                    <a:srgbClr val="000000">
+                      <a:alpha val="35000"/>
+                    </a:srgbClr>
+                  </a:outerShdw>
+                </a:effectLst>
+                <a:scene3d>
+                  <a:camera prst="orthographicFront">
+                    <a:rot lat="0" lon="0" rev="0"/>
+                  </a:camera>
+                  <a:lightRig rig="threePt" dir="t">
+                    <a:rot lat="0" lon="0" rev="1200000"/>
+                  </a:lightRig>
+                </a:scene3d>
+                <a:sp3d>
+                  <a:bevelT w="63500" h="25400"/>
+                </a:sp3d>
+              </p:spPr>
+              <p:txBody>
+                <a:bodyPr anchor="ctr"/>
+                <a:lstStyle/>
+                <a:p>
+                  <a:pPr algn="ctr">
+                    <a:defRPr/>
+                  </a:pPr>
+                  <a:endParaRPr lang="en-US" sz="1400" kern="0">
+                    <a:solidFill>
+                      <a:srgbClr val="FFFFFF"/>
+                    </a:solidFill>
+                    <a:latin typeface="Times New Roman" charset="0"/>
+                    <a:ea typeface="Times New Roman" charset="0"/>
+                    <a:cs typeface="Times New Roman" charset="0"/>
+                  </a:endParaRPr>
+                </a:p>
+              </p:txBody>
+            </p:sp>
+            <p:cxnSp>
+              <p:nvCxnSpPr>
+                <p:cNvPr id="267" name="Straight Connector 13"/>
+                <p:cNvCxnSpPr/>
+                <p:nvPr/>
+              </p:nvCxnSpPr>
+              <p:spPr>
+                <a:xfrm rot="5400000">
+                  <a:off x="7543026" y="4733944"/>
+                  <a:ext cx="153947" cy="0"/>
+                </a:xfrm>
+                <a:prstGeom prst="line">
+                  <a:avLst/>
+                </a:prstGeom>
+                <a:noFill/>
+                <a:ln w="25400" cap="flat" cmpd="sng" algn="ctr">
+                  <a:solidFill>
+                    <a:srgbClr val="000000"/>
+                  </a:solidFill>
+                  <a:prstDash val="solid"/>
+                </a:ln>
+                <a:effectLst>
+                  <a:outerShdw blurRad="40000" dist="20000" dir="5400000" rotWithShape="0">
+                    <a:srgbClr val="000000">
+                      <a:alpha val="38000"/>
+                    </a:srgbClr>
+                  </a:outerShdw>
+                </a:effectLst>
+              </p:spPr>
+            </p:cxnSp>
+            <p:sp>
+              <p:nvSpPr>
+                <p:cNvPr id="268" name="Minus 14"/>
+                <p:cNvSpPr/>
+                <p:nvPr/>
+              </p:nvSpPr>
+              <p:spPr>
+                <a:xfrm rot="16200000">
+                  <a:off x="7579716" y="4530610"/>
+                  <a:ext cx="80571" cy="117475"/>
+                </a:xfrm>
+                <a:prstGeom prst="mathMinus">
+                  <a:avLst/>
+                </a:prstGeom>
+                <a:solidFill>
+                  <a:srgbClr val="000000"/>
+                </a:solidFill>
+                <a:ln w="3175" cap="flat" cmpd="sng" algn="ctr">
+                  <a:solidFill>
+                    <a:srgbClr val="FFFFFF"/>
+                  </a:solidFill>
+                  <a:prstDash val="solid"/>
+                </a:ln>
+                <a:effectLst>
+                  <a:outerShdw blurRad="40000" dist="20000" dir="5400000" rotWithShape="0">
+                    <a:srgbClr val="000000">
+                      <a:alpha val="38000"/>
+                    </a:srgbClr>
+                  </a:outerShdw>
+                </a:effectLst>
+              </p:spPr>
+              <p:txBody>
+                <a:bodyPr anchor="ctr"/>
+                <a:lstStyle/>
+                <a:p>
+                  <a:pPr algn="ctr">
+                    <a:defRPr/>
+                  </a:pPr>
+                  <a:endParaRPr lang="en-US" sz="1400" kern="0">
+                    <a:solidFill>
+                      <a:srgbClr val="FFFFFF"/>
+                    </a:solidFill>
+                    <a:latin typeface="Times New Roman" charset="0"/>
+                    <a:ea typeface="Times New Roman" charset="0"/>
+                    <a:cs typeface="Times New Roman" charset="0"/>
+                  </a:endParaRPr>
+                </a:p>
+              </p:txBody>
+            </p:sp>
+            <p:sp>
+              <p:nvSpPr>
+                <p:cNvPr id="269" name="Minus 15"/>
+                <p:cNvSpPr/>
+                <p:nvPr/>
+              </p:nvSpPr>
+              <p:spPr>
+                <a:xfrm>
+                  <a:off x="7913688" y="4820990"/>
+                  <a:ext cx="87312" cy="107907"/>
+                </a:xfrm>
+                <a:prstGeom prst="mathMinus">
+                  <a:avLst/>
+                </a:prstGeom>
+                <a:solidFill>
+                  <a:srgbClr val="000000"/>
+                </a:solidFill>
+                <a:ln w="3175" cap="flat" cmpd="sng" algn="ctr">
+                  <a:solidFill>
+                    <a:srgbClr val="FFFFFF"/>
+                  </a:solidFill>
+                  <a:prstDash val="solid"/>
+                </a:ln>
+                <a:effectLst>
+                  <a:outerShdw blurRad="40000" dist="20000" dir="5400000" rotWithShape="0">
+                    <a:srgbClr val="000000">
+                      <a:alpha val="38000"/>
+                    </a:srgbClr>
+                  </a:outerShdw>
+                </a:effectLst>
+              </p:spPr>
+              <p:txBody>
+                <a:bodyPr anchor="ctr"/>
+                <a:lstStyle/>
+                <a:p>
+                  <a:pPr algn="ctr">
+                    <a:defRPr/>
+                  </a:pPr>
+                  <a:endParaRPr lang="en-US" sz="1400" kern="0">
+                    <a:solidFill>
+                      <a:srgbClr val="FFFFFF"/>
+                    </a:solidFill>
+                    <a:latin typeface="Times New Roman" charset="0"/>
+                    <a:ea typeface="Times New Roman" charset="0"/>
+                    <a:cs typeface="Times New Roman" charset="0"/>
+                  </a:endParaRPr>
+                </a:p>
+              </p:txBody>
+            </p:sp>
+            <p:sp>
+              <p:nvSpPr>
+                <p:cNvPr id="270" name="Minus 16"/>
+                <p:cNvSpPr/>
+                <p:nvPr/>
+              </p:nvSpPr>
+              <p:spPr>
+                <a:xfrm>
+                  <a:off x="7239000" y="4820990"/>
+                  <a:ext cx="87313" cy="107907"/>
+                </a:xfrm>
+                <a:prstGeom prst="mathMinus">
+                  <a:avLst/>
+                </a:prstGeom>
+                <a:solidFill>
+                  <a:srgbClr val="000000"/>
+                </a:solidFill>
+                <a:ln w="3175" cap="flat" cmpd="sng" algn="ctr">
+                  <a:solidFill>
+                    <a:srgbClr val="FFFFFF"/>
+                  </a:solidFill>
+                  <a:prstDash val="solid"/>
+                </a:ln>
+                <a:effectLst>
+                  <a:outerShdw blurRad="40000" dist="20000" dir="5400000" rotWithShape="0">
+                    <a:srgbClr val="000000">
+                      <a:alpha val="38000"/>
+                    </a:srgbClr>
+                  </a:outerShdw>
+                </a:effectLst>
+              </p:spPr>
+              <p:txBody>
+                <a:bodyPr anchor="ctr"/>
+                <a:lstStyle/>
+                <a:p>
+                  <a:pPr algn="ctr">
+                    <a:defRPr/>
+                  </a:pPr>
+                  <a:endParaRPr lang="en-US" sz="1400" kern="0">
+                    <a:solidFill>
+                      <a:srgbClr val="FFFFFF"/>
+                    </a:solidFill>
+                    <a:latin typeface="Times New Roman" charset="0"/>
+                    <a:ea typeface="Times New Roman" charset="0"/>
+                    <a:cs typeface="Times New Roman" charset="0"/>
+                  </a:endParaRPr>
+                </a:p>
+              </p:txBody>
+            </p:sp>
+            <p:sp>
+              <p:nvSpPr>
+                <p:cNvPr id="271" name="Minus 17"/>
+                <p:cNvSpPr/>
+                <p:nvPr/>
+              </p:nvSpPr>
+              <p:spPr>
+                <a:xfrm rot="2264948">
+                  <a:off x="7323138" y="4644021"/>
+                  <a:ext cx="87312" cy="109346"/>
+                </a:xfrm>
+                <a:prstGeom prst="mathMinus">
+                  <a:avLst/>
+                </a:prstGeom>
+                <a:solidFill>
+                  <a:srgbClr val="000000"/>
+                </a:solidFill>
+                <a:ln w="3175" cap="flat" cmpd="sng" algn="ctr">
+                  <a:solidFill>
+                    <a:srgbClr val="FFFFFF"/>
+                  </a:solidFill>
+                  <a:prstDash val="solid"/>
+                </a:ln>
+                <a:effectLst>
+                  <a:outerShdw blurRad="40000" dist="20000" dir="5400000" rotWithShape="0">
+                    <a:srgbClr val="000000">
+                      <a:alpha val="38000"/>
+                    </a:srgbClr>
+                  </a:outerShdw>
+                </a:effectLst>
+              </p:spPr>
+              <p:txBody>
+                <a:bodyPr anchor="ctr"/>
+                <a:lstStyle/>
+                <a:p>
+                  <a:pPr algn="ctr">
+                    <a:defRPr/>
+                  </a:pPr>
+                  <a:endParaRPr lang="en-US" sz="1400" kern="0">
+                    <a:solidFill>
+                      <a:srgbClr val="FFFFFF"/>
+                    </a:solidFill>
+                    <a:latin typeface="Times New Roman" charset="0"/>
+                    <a:ea typeface="Times New Roman" charset="0"/>
+                    <a:cs typeface="Times New Roman" charset="0"/>
+                  </a:endParaRPr>
+                </a:p>
+              </p:txBody>
+            </p:sp>
+            <p:sp>
+              <p:nvSpPr>
+                <p:cNvPr id="272" name="Minus 18"/>
+                <p:cNvSpPr/>
+                <p:nvPr/>
+              </p:nvSpPr>
+              <p:spPr>
+                <a:xfrm rot="19067474">
+                  <a:off x="7826375" y="4644021"/>
+                  <a:ext cx="87313" cy="107908"/>
+                </a:xfrm>
+                <a:prstGeom prst="mathMinus">
+                  <a:avLst/>
+                </a:prstGeom>
+                <a:solidFill>
+                  <a:srgbClr val="000000"/>
+                </a:solidFill>
+                <a:ln w="3175" cap="flat" cmpd="sng" algn="ctr">
+                  <a:solidFill>
+                    <a:srgbClr val="FFFFFF"/>
+                  </a:solidFill>
+                  <a:prstDash val="solid"/>
+                </a:ln>
+                <a:effectLst>
+                  <a:outerShdw blurRad="40000" dist="20000" dir="5400000" rotWithShape="0">
+                    <a:srgbClr val="000000">
+                      <a:alpha val="38000"/>
+                    </a:srgbClr>
+                  </a:outerShdw>
+                </a:effectLst>
+              </p:spPr>
+              <p:txBody>
+                <a:bodyPr anchor="ctr"/>
+                <a:lstStyle/>
+                <a:p>
+                  <a:pPr algn="ctr">
+                    <a:defRPr/>
+                  </a:pPr>
+                  <a:endParaRPr lang="en-US" sz="1400" kern="0">
+                    <a:solidFill>
+                      <a:srgbClr val="FFFFFF"/>
+                    </a:solidFill>
+                    <a:latin typeface="Times New Roman" charset="0"/>
+                    <a:ea typeface="Times New Roman" charset="0"/>
+                    <a:cs typeface="Times New Roman" charset="0"/>
+                  </a:endParaRPr>
+                </a:p>
+              </p:txBody>
+            </p:sp>
+            <p:sp>
+              <p:nvSpPr>
+                <p:cNvPr id="273" name="Minus 19"/>
+                <p:cNvSpPr/>
+                <p:nvPr/>
+              </p:nvSpPr>
+              <p:spPr>
+                <a:xfrm rot="19189480">
+                  <a:off x="7329488" y="5025294"/>
+                  <a:ext cx="87312" cy="107907"/>
+                </a:xfrm>
+                <a:prstGeom prst="mathMinus">
+                  <a:avLst/>
+                </a:prstGeom>
+                <a:solidFill>
+                  <a:srgbClr val="000000"/>
+                </a:solidFill>
+                <a:ln w="3175" cap="flat" cmpd="sng" algn="ctr">
+                  <a:solidFill>
+                    <a:srgbClr val="FFFFFF"/>
+                  </a:solidFill>
+                  <a:prstDash val="solid"/>
+                </a:ln>
+                <a:effectLst>
+                  <a:outerShdw blurRad="40000" dist="20000" dir="5400000" rotWithShape="0">
+                    <a:srgbClr val="000000">
+                      <a:alpha val="38000"/>
+                    </a:srgbClr>
+                  </a:outerShdw>
+                </a:effectLst>
+              </p:spPr>
+              <p:txBody>
+                <a:bodyPr anchor="ctr"/>
+                <a:lstStyle/>
+                <a:p>
+                  <a:pPr algn="ctr">
+                    <a:defRPr/>
+                  </a:pPr>
+                  <a:endParaRPr lang="en-US" sz="1400" kern="0">
+                    <a:solidFill>
+                      <a:srgbClr val="FFFFFF"/>
+                    </a:solidFill>
+                    <a:latin typeface="Times New Roman" charset="0"/>
+                    <a:ea typeface="Times New Roman" charset="0"/>
+                    <a:cs typeface="Times New Roman" charset="0"/>
+                  </a:endParaRPr>
+                </a:p>
+              </p:txBody>
+            </p:sp>
+            <p:sp>
+              <p:nvSpPr>
+                <p:cNvPr id="274" name="Minus 20"/>
+                <p:cNvSpPr/>
+                <p:nvPr/>
+              </p:nvSpPr>
+              <p:spPr>
+                <a:xfrm rot="2517184">
+                  <a:off x="7826375" y="5025294"/>
+                  <a:ext cx="87313" cy="107907"/>
+                </a:xfrm>
+                <a:prstGeom prst="mathMinus">
+                  <a:avLst/>
+                </a:prstGeom>
+                <a:solidFill>
+                  <a:srgbClr val="000000"/>
+                </a:solidFill>
+                <a:ln w="3175" cap="flat" cmpd="sng" algn="ctr">
+                  <a:solidFill>
+                    <a:srgbClr val="FFFFFF"/>
+                  </a:solidFill>
+                  <a:prstDash val="solid"/>
+                </a:ln>
+                <a:effectLst>
+                  <a:outerShdw blurRad="40000" dist="20000" dir="5400000" rotWithShape="0">
+                    <a:srgbClr val="000000">
+                      <a:alpha val="38000"/>
+                    </a:srgbClr>
+                  </a:outerShdw>
+                </a:effectLst>
+              </p:spPr>
+              <p:txBody>
+                <a:bodyPr anchor="ctr"/>
+                <a:lstStyle/>
+                <a:p>
+                  <a:pPr algn="ctr">
+                    <a:defRPr/>
+                  </a:pPr>
+                  <a:endParaRPr lang="en-US" sz="1400" kern="0">
+                    <a:solidFill>
+                      <a:srgbClr val="FFFFFF"/>
+                    </a:solidFill>
+                    <a:latin typeface="Times New Roman" charset="0"/>
+                    <a:ea typeface="Times New Roman" charset="0"/>
+                    <a:cs typeface="Times New Roman" charset="0"/>
+                  </a:endParaRPr>
+                </a:p>
+              </p:txBody>
+            </p:sp>
+          </p:grpSp>
+          <p:sp>
+            <p:nvSpPr>
+              <p:cNvPr id="258" name="Rectangle 257"/>
+              <p:cNvSpPr/>
+              <p:nvPr/>
+            </p:nvSpPr>
+            <p:spPr>
+              <a:xfrm>
+                <a:off x="3778876" y="4420310"/>
+                <a:ext cx="599297" cy="59977"/>
+              </a:xfrm>
+              <a:prstGeom prst="rect">
+                <a:avLst/>
+              </a:prstGeom>
+              <a:solidFill>
+                <a:schemeClr val="accent1">
+                  <a:lumMod val="40000"/>
+                  <a:lumOff val="60000"/>
+                </a:schemeClr>
+              </a:solidFill>
+              <a:ln>
+                <a:solidFill>
+                  <a:schemeClr val="accent1">
+                    <a:lumMod val="40000"/>
+                    <a:lumOff val="60000"/>
+                  </a:schemeClr>
+                </a:solidFill>
+              </a:ln>
+            </p:spPr>
+            <p:style>
+              <a:lnRef idx="1">
+                <a:schemeClr val="accent1"/>
+              </a:lnRef>
+              <a:fillRef idx="2">
+                <a:schemeClr val="accent1"/>
+              </a:fillRef>
+              <a:effectRef idx="1">
+                <a:schemeClr val="accent1"/>
+              </a:effectRef>
+              <a:fontRef idx="minor">
+                <a:schemeClr val="dk1"/>
+              </a:fontRef>
+            </p:style>
+            <p:txBody>
+              <a:bodyPr rtlCol="0" anchor="ctr"/>
+              <a:lstStyle/>
+              <a:p>
+                <a:pPr algn="ctr"/>
+                <a:endParaRPr lang="en-US">
+                  <a:latin typeface="Times New Roman" charset="0"/>
+                  <a:ea typeface="Times New Roman" charset="0"/>
+                  <a:cs typeface="Times New Roman" charset="0"/>
+                </a:endParaRPr>
+              </a:p>
+            </p:txBody>
+          </p:sp>
+          <p:cxnSp>
+            <p:nvCxnSpPr>
+              <p:cNvPr id="259" name="Straight Arrow Connector 258"/>
+              <p:cNvCxnSpPr/>
+              <p:nvPr/>
+            </p:nvCxnSpPr>
+            <p:spPr>
+              <a:xfrm>
+                <a:off x="4280051" y="4480287"/>
+                <a:ext cx="1780" cy="156540"/>
+              </a:xfrm>
+              <a:prstGeom prst="straightConnector1">
+                <a:avLst/>
+              </a:prstGeom>
+              <a:ln w="6350">
+                <a:solidFill>
+                  <a:schemeClr val="accent1">
+                    <a:lumMod val="40000"/>
+                    <a:lumOff val="60000"/>
+                  </a:schemeClr>
+                </a:solidFill>
+                <a:tailEnd type="stealth"/>
+              </a:ln>
+            </p:spPr>
+            <p:style>
+              <a:lnRef idx="3">
+                <a:schemeClr val="accent1"/>
+              </a:lnRef>
+              <a:fillRef idx="0">
+                <a:schemeClr val="accent1"/>
+              </a:fillRef>
+              <a:effectRef idx="2">
+                <a:schemeClr val="accent1"/>
+              </a:effectRef>
+              <a:fontRef idx="minor">
+                <a:schemeClr val="tx1"/>
+              </a:fontRef>
+            </p:style>
+          </p:cxnSp>
+          <p:cxnSp>
+            <p:nvCxnSpPr>
+              <p:cNvPr id="260" name="Straight Arrow Connector 259"/>
+              <p:cNvCxnSpPr/>
+              <p:nvPr/>
+            </p:nvCxnSpPr>
+            <p:spPr>
+              <a:xfrm>
+                <a:off x="3455581" y="4420310"/>
+                <a:ext cx="109" cy="183722"/>
+              </a:xfrm>
+              <a:prstGeom prst="straightConnector1">
+                <a:avLst/>
+              </a:prstGeom>
+              <a:ln w="6350">
+                <a:solidFill>
+                  <a:schemeClr val="accent1">
+                    <a:lumMod val="40000"/>
+                    <a:lumOff val="60000"/>
+                  </a:schemeClr>
+                </a:solidFill>
+                <a:tailEnd type="stealth"/>
+              </a:ln>
+            </p:spPr>
+            <p:style>
+              <a:lnRef idx="3">
+                <a:schemeClr val="accent1"/>
+              </a:lnRef>
+              <a:fillRef idx="0">
+                <a:schemeClr val="accent1"/>
+              </a:fillRef>
+              <a:effectRef idx="2">
+                <a:schemeClr val="accent1"/>
+              </a:effectRef>
+              <a:fontRef idx="minor">
+                <a:schemeClr val="tx1"/>
+              </a:fontRef>
+            </p:style>
+          </p:cxnSp>
+          <p:cxnSp>
+            <p:nvCxnSpPr>
+              <p:cNvPr id="261" name="Straight Arrow Connector 260"/>
+              <p:cNvCxnSpPr/>
+              <p:nvPr/>
+            </p:nvCxnSpPr>
+            <p:spPr>
+              <a:xfrm>
+                <a:off x="3559315" y="4754734"/>
+                <a:ext cx="191466" cy="0"/>
+              </a:xfrm>
+              <a:prstGeom prst="straightConnector1">
+                <a:avLst/>
+              </a:prstGeom>
+              <a:ln w="6350">
+                <a:solidFill>
+                  <a:schemeClr val="accent1">
+                    <a:lumMod val="40000"/>
+                    <a:lumOff val="60000"/>
+                  </a:schemeClr>
+                </a:solidFill>
+                <a:tailEnd type="stealth"/>
+              </a:ln>
+            </p:spPr>
+            <p:style>
+              <a:lnRef idx="3">
+                <a:schemeClr val="accent1"/>
+              </a:lnRef>
+              <a:fillRef idx="0">
+                <a:schemeClr val="accent1"/>
+              </a:fillRef>
+              <a:effectRef idx="2">
+                <a:schemeClr val="accent1"/>
+              </a:effectRef>
+              <a:fontRef idx="minor">
+                <a:schemeClr val="tx1"/>
+              </a:fontRef>
+            </p:style>
+          </p:cxnSp>
+          <p:cxnSp>
+            <p:nvCxnSpPr>
+              <p:cNvPr id="263" name="Straight Arrow Connector 262"/>
+              <p:cNvCxnSpPr/>
+              <p:nvPr/>
+            </p:nvCxnSpPr>
+            <p:spPr>
+              <a:xfrm>
+                <a:off x="3992770" y="4754735"/>
+                <a:ext cx="191467" cy="0"/>
+              </a:xfrm>
+              <a:prstGeom prst="straightConnector1">
+                <a:avLst/>
+              </a:prstGeom>
+              <a:ln w="6350">
+                <a:solidFill>
+                  <a:schemeClr val="accent1">
+                    <a:lumMod val="40000"/>
+                    <a:lumOff val="60000"/>
+                  </a:schemeClr>
+                </a:solidFill>
+                <a:tailEnd type="stealth"/>
+              </a:ln>
+            </p:spPr>
+            <p:style>
+              <a:lnRef idx="3">
+                <a:schemeClr val="accent1"/>
+              </a:lnRef>
+              <a:fillRef idx="0">
+                <a:schemeClr val="accent1"/>
+              </a:fillRef>
+              <a:effectRef idx="2">
+                <a:schemeClr val="accent1"/>
+              </a:effectRef>
+              <a:fontRef idx="minor">
+                <a:schemeClr val="tx1"/>
+              </a:fontRef>
+            </p:style>
+          </p:cxnSp>
+          <p:cxnSp>
+            <p:nvCxnSpPr>
+              <p:cNvPr id="264" name="Straight Arrow Connector 263"/>
+              <p:cNvCxnSpPr/>
+              <p:nvPr/>
+            </p:nvCxnSpPr>
+            <p:spPr>
+              <a:xfrm>
+                <a:off x="4386603" y="4757865"/>
+                <a:ext cx="191467" cy="0"/>
+              </a:xfrm>
+              <a:prstGeom prst="straightConnector1">
+                <a:avLst/>
+              </a:prstGeom>
+              <a:ln w="6350">
+                <a:solidFill>
+                  <a:schemeClr val="accent1">
+                    <a:lumMod val="40000"/>
+                    <a:lumOff val="60000"/>
+                  </a:schemeClr>
+                </a:solidFill>
+                <a:tailEnd type="stealth"/>
+              </a:ln>
+            </p:spPr>
+            <p:style>
+              <a:lnRef idx="3">
+                <a:schemeClr val="accent1"/>
+              </a:lnRef>
+              <a:fillRef idx="0">
+                <a:schemeClr val="accent1"/>
+              </a:fillRef>
+              <a:effectRef idx="2">
+                <a:schemeClr val="accent1"/>
+              </a:effectRef>
+              <a:fontRef idx="minor">
+                <a:schemeClr val="tx1"/>
+              </a:fontRef>
+            </p:style>
+          </p:cxnSp>
+          <p:sp>
+            <p:nvSpPr>
+              <p:cNvPr id="265" name="Rectangle 264"/>
+              <p:cNvSpPr/>
+              <p:nvPr/>
+            </p:nvSpPr>
+            <p:spPr>
+              <a:xfrm>
+                <a:off x="3307744" y="4399474"/>
+                <a:ext cx="1574358" cy="912893"/>
+              </a:xfrm>
+              <a:prstGeom prst="rect">
+                <a:avLst/>
+              </a:prstGeom>
+              <a:noFill/>
+              <a:ln>
+                <a:solidFill>
+                  <a:schemeClr val="accent1">
+                    <a:lumMod val="40000"/>
+                    <a:lumOff val="60000"/>
+                  </a:schemeClr>
+                </a:solidFill>
+                <a:prstDash val="dash"/>
+              </a:ln>
+            </p:spPr>
+            <p:style>
+              <a:lnRef idx="2">
+                <a:schemeClr val="accent1">
+                  <a:shade val="50000"/>
+                </a:schemeClr>
+              </a:lnRef>
+              <a:fillRef idx="1">
+                <a:schemeClr val="accent1"/>
+              </a:fillRef>
+              <a:effectRef idx="0">
+                <a:schemeClr val="accent1"/>
+              </a:effectRef>
+              <a:fontRef idx="minor">
+                <a:schemeClr val="lt1"/>
+              </a:fontRef>
+            </p:style>
+            <p:txBody>
+              <a:bodyPr rtlCol="0" anchor="ctr"/>
+              <a:lstStyle/>
+              <a:p>
+                <a:pPr algn="ctr"/>
+                <a:endParaRPr lang="en-US">
+                  <a:latin typeface="Times New Roman" charset="0"/>
+                  <a:ea typeface="Times New Roman" charset="0"/>
+                  <a:cs typeface="Times New Roman" charset="0"/>
+                </a:endParaRPr>
+              </a:p>
+            </p:txBody>
+          </p:sp>
+        </p:grpSp>
+        <p:sp>
+          <p:nvSpPr>
+            <p:cNvPr id="251" name="Rectangle 250"/>
+            <p:cNvSpPr/>
+            <p:nvPr/>
+          </p:nvSpPr>
+          <p:spPr>
+            <a:xfrm>
+              <a:off x="4684013" y="4634587"/>
+              <a:ext cx="152551" cy="146050"/>
+            </a:xfrm>
+            <a:prstGeom prst="rect">
+              <a:avLst/>
+            </a:prstGeom>
+            <a:solidFill>
+              <a:schemeClr val="accent1">
+                <a:lumMod val="40000"/>
+                <a:lumOff val="60000"/>
+                <a:alpha val="55000"/>
+              </a:schemeClr>
+            </a:solidFill>
+            <a:ln>
+              <a:noFill/>
+            </a:ln>
+          </p:spPr>
+          <p:style>
+            <a:lnRef idx="2">
+              <a:schemeClr val="accent1">
+                <a:shade val="50000"/>
+              </a:schemeClr>
+            </a:lnRef>
+            <a:fillRef idx="1">
+              <a:schemeClr val="accent1"/>
+            </a:fillRef>
+            <a:effectRef idx="0">
+              <a:schemeClr val="accent1"/>
+            </a:effectRef>
+            <a:fontRef idx="minor">
+              <a:schemeClr val="lt1"/>
+            </a:fontRef>
+          </p:style>
+          <p:txBody>
+            <a:bodyPr rtlCol="0" anchor="ctr"/>
+            <a:lstStyle/>
+            <a:p>
+              <a:pPr algn="ctr"/>
+              <a:endParaRPr lang="en-US">
+                <a:latin typeface="Times New Roman" charset="0"/>
+                <a:ea typeface="Times New Roman" charset="0"/>
+                <a:cs typeface="Times New Roman" charset="0"/>
+              </a:endParaRPr>
+            </a:p>
+          </p:txBody>
+        </p:sp>
+      </p:grpSp>
+      <p:cxnSp>
+        <p:nvCxnSpPr>
+          <p:cNvPr id="7" name="Elbow Connector 6"/>
+          <p:cNvCxnSpPr>
+            <a:stCxn id="41" idx="0"/>
+            <a:endCxn id="50" idx="2"/>
+          </p:cNvCxnSpPr>
+          <p:nvPr/>
+        </p:nvCxnSpPr>
+        <p:spPr>
+          <a:xfrm rot="5400000" flipH="1" flipV="1">
+            <a:off x="-745655" y="832086"/>
+            <a:ext cx="2037755" cy="936426"/>
+          </a:xfrm>
+          <a:prstGeom prst="bentConnector2">
+            <a:avLst/>
+          </a:prstGeom>
+          <a:ln>
+            <a:tailEnd type="triangle"/>
+          </a:ln>
+        </p:spPr>
+        <p:style>
+          <a:lnRef idx="1">
+            <a:schemeClr val="accent1"/>
+          </a:lnRef>
+          <a:fillRef idx="0">
+            <a:schemeClr val="accent1"/>
+          </a:fillRef>
+          <a:effectRef idx="0">
+            <a:schemeClr val="accent1"/>
+          </a:effectRef>
+          <a:fontRef idx="minor">
+            <a:schemeClr val="tx1"/>
+          </a:fontRef>
+        </p:style>
+      </p:cxnSp>
+      <p:cxnSp>
+        <p:nvCxnSpPr>
+          <p:cNvPr id="12" name="Elbow Connector 11"/>
+          <p:cNvCxnSpPr>
+            <a:endCxn id="46" idx="1"/>
+          </p:cNvCxnSpPr>
+          <p:nvPr/>
+        </p:nvCxnSpPr>
+        <p:spPr>
+          <a:xfrm rot="16200000" flipH="1">
+            <a:off x="3003024" y="1858677"/>
+            <a:ext cx="1960613" cy="1319621"/>
+          </a:xfrm>
+          <a:prstGeom prst="bentConnector2">
+            <a:avLst/>
+          </a:prstGeom>
+          <a:ln>
+            <a:solidFill>
+              <a:schemeClr val="accent1">
+                <a:alpha val="53000"/>
+              </a:schemeClr>
+            </a:solidFill>
+            <a:tailEnd type="triangle"/>
+          </a:ln>
+        </p:spPr>
+        <p:style>
+          <a:lnRef idx="1">
+            <a:schemeClr val="accent1"/>
+          </a:lnRef>
+          <a:fillRef idx="0">
+            <a:schemeClr val="accent1"/>
+          </a:fillRef>
+          <a:effectRef idx="0">
+            <a:schemeClr val="accent1"/>
+          </a:effectRef>
+          <a:fontRef idx="minor">
+            <a:schemeClr val="tx1"/>
+          </a:fontRef>
+        </p:style>
+      </p:cxnSp>
+      <p:cxnSp>
+        <p:nvCxnSpPr>
+          <p:cNvPr id="18" name="Elbow Connector 17"/>
+          <p:cNvCxnSpPr>
+            <a:stCxn id="50" idx="4"/>
+            <a:endCxn id="46" idx="0"/>
+          </p:cNvCxnSpPr>
+          <p:nvPr/>
+        </p:nvCxnSpPr>
+        <p:spPr>
+          <a:xfrm>
+            <a:off x="3908442" y="281421"/>
+            <a:ext cx="1296937" cy="2048393"/>
+          </a:xfrm>
+          <a:prstGeom prst="bentConnector2">
+            <a:avLst/>
+          </a:prstGeom>
+          <a:ln>
+            <a:solidFill>
+              <a:schemeClr val="accent1">
+                <a:alpha val="53000"/>
+              </a:schemeClr>
+            </a:solidFill>
+            <a:headEnd type="triangle"/>
+            <a:tailEnd type="none"/>
+          </a:ln>
+        </p:spPr>
+        <p:style>
+          <a:lnRef idx="1">
+            <a:schemeClr val="accent1"/>
+          </a:lnRef>
+          <a:fillRef idx="0">
+            <a:schemeClr val="accent1"/>
+          </a:fillRef>
+          <a:effectRef idx="0">
+            <a:schemeClr val="accent1"/>
+          </a:effectRef>
+          <a:fontRef idx="minor">
+            <a:schemeClr val="tx1"/>
+          </a:fontRef>
+        </p:style>
+      </p:cxnSp>
+      <p:cxnSp>
+        <p:nvCxnSpPr>
+          <p:cNvPr id="4" name="Elbow Connector 3"/>
+          <p:cNvCxnSpPr>
+            <a:endCxn id="41" idx="3"/>
+          </p:cNvCxnSpPr>
+          <p:nvPr/>
+        </p:nvCxnSpPr>
+        <p:spPr>
+          <a:xfrm rot="5400000">
+            <a:off x="-42226" y="1947653"/>
+            <a:ext cx="1949975" cy="1131032"/>
+          </a:xfrm>
+          <a:prstGeom prst="bentConnector2">
+            <a:avLst/>
+          </a:prstGeom>
+          <a:ln>
+            <a:tailEnd type="triangle"/>
+          </a:ln>
+        </p:spPr>
+        <p:style>
+          <a:lnRef idx="1">
+            <a:schemeClr val="accent1"/>
+          </a:lnRef>
+          <a:fillRef idx="0">
+            <a:schemeClr val="accent1"/>
+          </a:fillRef>
+          <a:effectRef idx="0">
+            <a:schemeClr val="accent1"/>
+          </a:effectRef>
+          <a:fontRef idx="minor">
+            <a:schemeClr val="tx1"/>
+          </a:fontRef>
+        </p:style>
+      </p:cxnSp>
+      <p:sp>
+        <p:nvSpPr>
+          <p:cNvPr id="109" name="Rectangle 108"/>
+          <p:cNvSpPr/>
+          <p:nvPr/>
+        </p:nvSpPr>
+        <p:spPr>
+          <a:xfrm>
+            <a:off x="1906610" y="2329814"/>
+            <a:ext cx="1115185" cy="2337959"/>
+          </a:xfrm>
+          <a:prstGeom prst="rect">
+            <a:avLst/>
+          </a:prstGeom>
+          <a:solidFill>
+            <a:schemeClr val="bg1">
+              <a:alpha val="59000"/>
+            </a:schemeClr>
+          </a:solidFill>
+          <a:ln>
+            <a:noFill/>
+          </a:ln>
+        </p:spPr>
+        <p:style>
+          <a:lnRef idx="2">
+            <a:schemeClr val="accent1">
+              <a:shade val="50000"/>
+            </a:schemeClr>
+          </a:lnRef>
+          <a:fillRef idx="1">
+            <a:schemeClr val="accent1"/>
+          </a:fillRef>
+          <a:effectRef idx="0">
+            <a:schemeClr val="accent1"/>
+          </a:effectRef>
+          <a:fontRef idx="minor">
+            <a:schemeClr val="lt1"/>
+          </a:fontRef>
+        </p:style>
+        <p:txBody>
+          <a:bodyPr rtlCol="0" anchor="ctr"/>
+          <a:lstStyle/>
+          <a:p>
+            <a:pPr algn="ctr"/>
+            <a:endParaRPr lang="en-US" sz="1400">
+              <a:latin typeface="Times New Roman" charset="0"/>
+              <a:ea typeface="Times New Roman" charset="0"/>
+              <a:cs typeface="Times New Roman" charset="0"/>
+            </a:endParaRPr>
+          </a:p>
+        </p:txBody>
+      </p:sp>
+      <p:sp>
+        <p:nvSpPr>
+          <p:cNvPr id="277" name="Rectangle 276"/>
+          <p:cNvSpPr/>
+          <p:nvPr/>
+        </p:nvSpPr>
+        <p:spPr>
+          <a:xfrm>
+            <a:off x="4676744" y="2317282"/>
+            <a:ext cx="1088754" cy="2350492"/>
+          </a:xfrm>
+          <a:prstGeom prst="rect">
+            <a:avLst/>
+          </a:prstGeom>
+          <a:solidFill>
+            <a:schemeClr val="bg1">
+              <a:alpha val="59000"/>
+            </a:schemeClr>
+          </a:solidFill>
+          <a:ln>
+            <a:noFill/>
+          </a:ln>
+        </p:spPr>
+        <p:style>
+          <a:lnRef idx="2">
+            <a:schemeClr val="accent1">
+              <a:shade val="50000"/>
+            </a:schemeClr>
+          </a:lnRef>
+          <a:fillRef idx="1">
+            <a:schemeClr val="accent1"/>
+          </a:fillRef>
+          <a:effectRef idx="0">
+            <a:schemeClr val="accent1"/>
+          </a:effectRef>
+          <a:fontRef idx="minor">
+            <a:schemeClr val="lt1"/>
+          </a:fontRef>
+        </p:style>
+        <p:txBody>
+          <a:bodyPr rtlCol="0" anchor="ctr"/>
+          <a:lstStyle/>
+          <a:p>
+            <a:pPr algn="ctr"/>
+            <a:endParaRPr lang="en-US" sz="1400">
+              <a:latin typeface="Times New Roman" charset="0"/>
+              <a:ea typeface="Times New Roman" charset="0"/>
+              <a:cs typeface="Times New Roman" charset="0"/>
+            </a:endParaRPr>
+          </a:p>
+        </p:txBody>
+      </p:sp>
+      <p:sp>
+        <p:nvSpPr>
+          <p:cNvPr id="279" name="TextBox 278"/>
+          <p:cNvSpPr txBox="1"/>
+          <p:nvPr/>
+        </p:nvSpPr>
+        <p:spPr>
+          <a:xfrm>
+            <a:off x="-790993" y="2518487"/>
+            <a:ext cx="1182442" cy="1018585"/>
+          </a:xfrm>
+          <a:prstGeom prst="rect">
+            <a:avLst/>
+          </a:prstGeom>
+          <a:noFill/>
+        </p:spPr>
+        <p:txBody>
+          <a:bodyPr wrap="square" rtlCol="0">
+            <a:spAutoFit/>
+          </a:bodyPr>
+          <a:lstStyle/>
+          <a:p>
+            <a:pPr algn="ctr"/>
+            <a:r>
+              <a:rPr lang="en-US" sz="1600" i="1" dirty="0" smtClean="0">
+                <a:solidFill>
+                  <a:schemeClr val="bg1">
+                    <a:lumMod val="95000"/>
+                  </a:schemeClr>
+                </a:solidFill>
+                <a:latin typeface="Times New Roman" charset="0"/>
+                <a:ea typeface="Times New Roman" charset="0"/>
+                <a:cs typeface="Times New Roman" charset="0"/>
+              </a:rPr>
+              <a:t>Lightweight Control System</a:t>
+            </a:r>
+            <a:r>
+              <a:rPr lang="en-US" sz="1600" i="1" dirty="0" smtClean="0">
+                <a:solidFill>
+                  <a:schemeClr val="bg1">
+                    <a:lumMod val="95000"/>
+                  </a:schemeClr>
+                </a:solidFill>
+                <a:latin typeface="Times New Roman" charset="0"/>
+                <a:ea typeface="Times New Roman" charset="0"/>
+                <a:cs typeface="Times New Roman" charset="0"/>
+              </a:rPr>
+              <a:t>: LCS (2)</a:t>
+            </a:r>
+            <a:endParaRPr lang="en-US" sz="1600" i="1" dirty="0">
+              <a:solidFill>
+                <a:schemeClr val="bg1">
+                  <a:lumMod val="95000"/>
+                </a:schemeClr>
+              </a:solidFill>
+              <a:latin typeface="Times New Roman" charset="0"/>
+              <a:ea typeface="Times New Roman" charset="0"/>
+              <a:cs typeface="Times New Roman" charset="0"/>
+            </a:endParaRPr>
+          </a:p>
+        </p:txBody>
+      </p:sp>
+      <p:sp>
+        <p:nvSpPr>
+          <p:cNvPr id="280" name="Rectangle 279"/>
+          <p:cNvSpPr/>
+          <p:nvPr/>
+        </p:nvSpPr>
+        <p:spPr>
+          <a:xfrm>
+            <a:off x="518150" y="1885393"/>
+            <a:ext cx="1234301" cy="702691"/>
+          </a:xfrm>
+          <a:prstGeom prst="rect">
+            <a:avLst/>
+          </a:prstGeom>
+          <a:solidFill>
+            <a:schemeClr val="accent1">
+              <a:lumMod val="60000"/>
+              <a:lumOff val="40000"/>
+            </a:schemeClr>
+          </a:solidFill>
+        </p:spPr>
+        <p:style>
+          <a:lnRef idx="1">
+            <a:schemeClr val="accent1"/>
+          </a:lnRef>
+          <a:fillRef idx="2">
+            <a:schemeClr val="accent1"/>
+          </a:fillRef>
+          <a:effectRef idx="1">
+            <a:schemeClr val="accent1"/>
+          </a:effectRef>
+          <a:fontRef idx="minor">
+            <a:schemeClr val="dk1"/>
+          </a:fontRef>
+        </p:style>
+        <p:txBody>
+          <a:bodyPr rtlCol="0" anchor="ctr"/>
+          <a:lstStyle/>
+          <a:p>
+            <a:pPr algn="ctr"/>
+            <a:r>
+              <a:rPr lang="en-US" sz="1600" dirty="0" smtClean="0">
+                <a:latin typeface="Times New Roman" charset="0"/>
+                <a:ea typeface="Times New Roman" charset="0"/>
+                <a:cs typeface="Times New Roman" charset="0"/>
+              </a:rPr>
+              <a:t>Performance Hash Table: PHT (3)</a:t>
+            </a:r>
+            <a:endParaRPr lang="en-US" sz="1600" dirty="0">
+              <a:latin typeface="Times New Roman" charset="0"/>
+              <a:ea typeface="Times New Roman" charset="0"/>
+              <a:cs typeface="Times New Roman" charset="0"/>
+            </a:endParaRPr>
+          </a:p>
+        </p:txBody>
+      </p:sp>
     </p:spTree>
     <p:extLst>
       <p:ext uri="{BB962C8B-B14F-4D97-AF65-F5344CB8AC3E}">

--- a/figures/Mobile.pptx
+++ b/figures/Mobile.pptx
@@ -5,10 +5,10 @@
     <p:sldMasterId id="2147483648" r:id="rId1"/>
   </p:sldMasterIdLst>
   <p:notesMasterIdLst>
-    <p:notesMasterId r:id="rId8"/>
+    <p:notesMasterId r:id="rId9"/>
   </p:notesMasterIdLst>
   <p:handoutMasterIdLst>
-    <p:handoutMasterId r:id="rId9"/>
+    <p:handoutMasterId r:id="rId10"/>
   </p:handoutMasterIdLst>
   <p:sldIdLst>
     <p:sldId id="265" r:id="rId2"/>
@@ -17,6 +17,7 @@
     <p:sldId id="267" r:id="rId5"/>
     <p:sldId id="266" r:id="rId6"/>
     <p:sldId id="269" r:id="rId7"/>
+    <p:sldId id="271" r:id="rId8"/>
   </p:sldIdLst>
   <p:sldSz cx="12192000" cy="6858000"/>
   <p:notesSz cx="6858000" cy="9144000"/>
@@ -825,11 +826,11 @@
           <c:showPercent val="0"/>
           <c:showBubbleSize val="0"/>
         </c:dLbls>
-        <c:axId val="-1999874592"/>
-        <c:axId val="-2000012048"/>
+        <c:axId val="2117752080"/>
+        <c:axId val="2117757872"/>
       </c:scatterChart>
       <c:valAx>
-        <c:axId val="-1999874592"/>
+        <c:axId val="2117752080"/>
         <c:scaling>
           <c:orientation val="minMax"/>
           <c:max val="1.0"/>
@@ -862,7 +863,6 @@
               </a:p>
             </c:rich>
           </c:tx>
-          <c:layout/>
           <c:overlay val="0"/>
           <c:spPr>
             <a:noFill/>
@@ -929,12 +929,12 @@
             <a:endParaRPr lang="en-US"/>
           </a:p>
         </c:txPr>
-        <c:crossAx val="-2000012048"/>
+        <c:crossAx val="2117757872"/>
         <c:crosses val="autoZero"/>
         <c:crossBetween val="midCat"/>
       </c:valAx>
       <c:valAx>
-        <c:axId val="-2000012048"/>
+        <c:axId val="2117757872"/>
         <c:scaling>
           <c:orientation val="minMax"/>
           <c:max val="1.0"/>
@@ -1055,7 +1055,7 @@
             <a:endParaRPr lang="en-US"/>
           </a:p>
         </c:txPr>
-        <c:crossAx val="-1999874592"/>
+        <c:crossAx val="2117752080"/>
         <c:crosses val="autoZero"/>
         <c:crossBetween val="midCat"/>
         <c:majorUnit val="0.2"/>
@@ -1744,7 +1744,7 @@
           <a:p>
             <a:fld id="{7878F91B-749B-E14E-94D0-E6B93C351D06}" type="datetimeFigureOut">
               <a:rPr lang="en-US" smtClean="0"/>
-              <a:t>8/13/16</a:t>
+              <a:t>8/15/16</a:t>
             </a:fld>
             <a:endParaRPr lang="en-US"/>
           </a:p>
@@ -1909,7 +1909,7 @@
           <a:p>
             <a:fld id="{0E60AAAF-0F6B-A244-8E73-7B7EC66BDA58}" type="datetimeFigureOut">
               <a:rPr lang="en-US" smtClean="0"/>
-              <a:t>8/13/16</a:t>
+              <a:t>8/15/16</a:t>
             </a:fld>
             <a:endParaRPr lang="en-US"/>
           </a:p>
@@ -2476,7 +2476,7 @@
           <a:p>
             <a:fld id="{1EACF7D2-A659-8449-B8FB-96A08F779E2E}" type="datetimeFigureOut">
               <a:rPr lang="en-US" smtClean="0"/>
-              <a:t>8/13/16</a:t>
+              <a:t>8/15/16</a:t>
             </a:fld>
             <a:endParaRPr lang="en-US"/>
           </a:p>
@@ -2646,7 +2646,7 @@
           <a:p>
             <a:fld id="{1EACF7D2-A659-8449-B8FB-96A08F779E2E}" type="datetimeFigureOut">
               <a:rPr lang="en-US" smtClean="0"/>
-              <a:t>8/13/16</a:t>
+              <a:t>8/15/16</a:t>
             </a:fld>
             <a:endParaRPr lang="en-US"/>
           </a:p>
@@ -2826,7 +2826,7 @@
           <a:p>
             <a:fld id="{1EACF7D2-A659-8449-B8FB-96A08F779E2E}" type="datetimeFigureOut">
               <a:rPr lang="en-US" smtClean="0"/>
-              <a:t>8/13/16</a:t>
+              <a:t>8/15/16</a:t>
             </a:fld>
             <a:endParaRPr lang="en-US"/>
           </a:p>
@@ -2996,7 +2996,7 @@
           <a:p>
             <a:fld id="{1EACF7D2-A659-8449-B8FB-96A08F779E2E}" type="datetimeFigureOut">
               <a:rPr lang="en-US" smtClean="0"/>
-              <a:t>8/13/16</a:t>
+              <a:t>8/15/16</a:t>
             </a:fld>
             <a:endParaRPr lang="en-US"/>
           </a:p>
@@ -3242,7 +3242,7 @@
           <a:p>
             <a:fld id="{1EACF7D2-A659-8449-B8FB-96A08F779E2E}" type="datetimeFigureOut">
               <a:rPr lang="en-US" smtClean="0"/>
-              <a:t>8/13/16</a:t>
+              <a:t>8/15/16</a:t>
             </a:fld>
             <a:endParaRPr lang="en-US"/>
           </a:p>
@@ -3474,7 +3474,7 @@
           <a:p>
             <a:fld id="{1EACF7D2-A659-8449-B8FB-96A08F779E2E}" type="datetimeFigureOut">
               <a:rPr lang="en-US" smtClean="0"/>
-              <a:t>8/13/16</a:t>
+              <a:t>8/15/16</a:t>
             </a:fld>
             <a:endParaRPr lang="en-US"/>
           </a:p>
@@ -3841,7 +3841,7 @@
           <a:p>
             <a:fld id="{1EACF7D2-A659-8449-B8FB-96A08F779E2E}" type="datetimeFigureOut">
               <a:rPr lang="en-US" smtClean="0"/>
-              <a:t>8/13/16</a:t>
+              <a:t>8/15/16</a:t>
             </a:fld>
             <a:endParaRPr lang="en-US"/>
           </a:p>
@@ -3959,7 +3959,7 @@
           <a:p>
             <a:fld id="{1EACF7D2-A659-8449-B8FB-96A08F779E2E}" type="datetimeFigureOut">
               <a:rPr lang="en-US" smtClean="0"/>
-              <a:t>8/13/16</a:t>
+              <a:t>8/15/16</a:t>
             </a:fld>
             <a:endParaRPr lang="en-US"/>
           </a:p>
@@ -4054,7 +4054,7 @@
           <a:p>
             <a:fld id="{1EACF7D2-A659-8449-B8FB-96A08F779E2E}" type="datetimeFigureOut">
               <a:rPr lang="en-US" smtClean="0"/>
-              <a:t>8/13/16</a:t>
+              <a:t>8/15/16</a:t>
             </a:fld>
             <a:endParaRPr lang="en-US"/>
           </a:p>
@@ -4331,7 +4331,7 @@
           <a:p>
             <a:fld id="{1EACF7D2-A659-8449-B8FB-96A08F779E2E}" type="datetimeFigureOut">
               <a:rPr lang="en-US" smtClean="0"/>
-              <a:t>8/13/16</a:t>
+              <a:t>8/15/16</a:t>
             </a:fld>
             <a:endParaRPr lang="en-US"/>
           </a:p>
@@ -4584,7 +4584,7 @@
           <a:p>
             <a:fld id="{1EACF7D2-A659-8449-B8FB-96A08F779E2E}" type="datetimeFigureOut">
               <a:rPr lang="en-US" smtClean="0"/>
-              <a:t>8/13/16</a:t>
+              <a:t>8/15/16</a:t>
             </a:fld>
             <a:endParaRPr lang="en-US"/>
           </a:p>
@@ -4797,7 +4797,7 @@
           <a:p>
             <a:fld id="{1EACF7D2-A659-8449-B8FB-96A08F779E2E}" type="datetimeFigureOut">
               <a:rPr lang="en-US" smtClean="0"/>
-              <a:t>8/13/16</a:t>
+              <a:t>8/15/16</a:t>
             </a:fld>
             <a:endParaRPr lang="en-US"/>
           </a:p>
@@ -23596,29 +23596,8 @@
                     <a:ea typeface="Times New Roman" charset="0"/>
                     <a:cs typeface="Times New Roman" charset="0"/>
                   </a:rPr>
-                  <a:t>Performance </a:t>
+                  <a:t>Performance Hash Table</a:t>
                 </a:r>
-                <a:r>
-                  <a:rPr lang="en-US" dirty="0" smtClean="0">
-                    <a:latin typeface="Times New Roman" charset="0"/>
-                    <a:ea typeface="Times New Roman" charset="0"/>
-                    <a:cs typeface="Times New Roman" charset="0"/>
-                  </a:rPr>
-                  <a:t>Hash </a:t>
-                </a:r>
-                <a:r>
-                  <a:rPr lang="en-US" dirty="0" smtClean="0">
-                    <a:latin typeface="Times New Roman" charset="0"/>
-                    <a:ea typeface="Times New Roman" charset="0"/>
-                    <a:cs typeface="Times New Roman" charset="0"/>
-                  </a:rPr>
-                  <a:t>Table</a:t>
-                </a:r>
-                <a:endParaRPr lang="en-US" dirty="0" smtClean="0">
-                  <a:latin typeface="Times New Roman" charset="0"/>
-                  <a:ea typeface="Times New Roman" charset="0"/>
-                  <a:cs typeface="Times New Roman" charset="0"/>
-                </a:endParaRPr>
               </a:p>
             </p:txBody>
           </p:sp>
@@ -25722,15 +25701,7 @@
                       <a:ea typeface="Times New Roman" charset="0"/>
                       <a:cs typeface="Times New Roman" charset="0"/>
                     </a:rPr>
-                    <a:t>Server running HBM (</a:t>
-                  </a:r>
-                  <a:r>
-                    <a:rPr lang="en-US" i="1" dirty="0" smtClean="0">
-                      <a:latin typeface="Times New Roman" charset="0"/>
-                      <a:ea typeface="Times New Roman" charset="0"/>
-                      <a:cs typeface="Times New Roman" charset="0"/>
-                    </a:rPr>
-                    <a:t>1)</a:t>
+                    <a:t>Server running HBM (1)</a:t>
                   </a:r>
                   <a:endParaRPr lang="en-US" i="1" dirty="0">
                     <a:latin typeface="Times New Roman" charset="0"/>
@@ -29251,18 +29222,7 @@
                     <a:ea typeface="Times New Roman" charset="0"/>
                     <a:cs typeface="Times New Roman" charset="0"/>
                   </a:rPr>
-                  <a:t>Light-weight </a:t>
-                </a:r>
-                <a:r>
-                  <a:rPr lang="en-US" i="1" dirty="0" smtClean="0">
-                    <a:solidFill>
-                      <a:schemeClr val="tx1"/>
-                    </a:solidFill>
-                    <a:latin typeface="Times New Roman" charset="0"/>
-                    <a:ea typeface="Times New Roman" charset="0"/>
-                    <a:cs typeface="Times New Roman" charset="0"/>
-                  </a:rPr>
-                  <a:t>Control</a:t>
+                  <a:t>Light-weight Control</a:t>
                 </a:r>
                 <a:r>
                   <a:rPr lang="en-US" i="1" dirty="0">
@@ -29284,29 +29244,7 @@
                     <a:ea typeface="Times New Roman" charset="0"/>
                     <a:cs typeface="Times New Roman" charset="0"/>
                   </a:rPr>
-                  <a:t>System</a:t>
-                </a:r>
-                <a:r>
-                  <a:rPr lang="en-US" i="1" dirty="0" smtClean="0">
-                    <a:solidFill>
-                      <a:schemeClr val="tx1"/>
-                    </a:solidFill>
-                    <a:latin typeface="Times New Roman" charset="0"/>
-                    <a:ea typeface="Times New Roman" charset="0"/>
-                    <a:cs typeface="Times New Roman" charset="0"/>
-                  </a:rPr>
-                  <a:t>: </a:t>
-                </a:r>
-                <a:r>
-                  <a:rPr lang="en-US" i="1" dirty="0" smtClean="0">
-                    <a:solidFill>
-                      <a:schemeClr val="tx1"/>
-                    </a:solidFill>
-                    <a:latin typeface="Times New Roman" charset="0"/>
-                    <a:ea typeface="Times New Roman" charset="0"/>
-                    <a:cs typeface="Times New Roman" charset="0"/>
-                  </a:rPr>
-                  <a:t>LCS (2) </a:t>
+                  <a:t>System: LCS (2) </a:t>
                 </a:r>
                 <a:r>
                   <a:rPr lang="en-US" dirty="0" smtClean="0">
@@ -37318,6 +37256,5490 @@
 </p:sld>
 </file>
 
+<file path=ppt/slides/slide7.xml><?xml version="1.0" encoding="utf-8"?>
+<p:sld xmlns:a="http://schemas.openxmlformats.org/drawingml/2006/main" xmlns:r="http://schemas.openxmlformats.org/officeDocument/2006/relationships" xmlns:p="http://schemas.openxmlformats.org/presentationml/2006/main">
+  <p:cSld>
+    <p:spTree>
+      <p:nvGrpSpPr>
+        <p:cNvPr id="1" name=""/>
+        <p:cNvGrpSpPr/>
+        <p:nvPr/>
+      </p:nvGrpSpPr>
+      <p:grpSpPr>
+        <a:xfrm>
+          <a:off x="0" y="0"/>
+          <a:ext cx="0" cy="0"/>
+          <a:chOff x="0" y="0"/>
+          <a:chExt cx="0" cy="0"/>
+        </a:xfrm>
+      </p:grpSpPr>
+      <p:grpSp>
+        <p:nvGrpSpPr>
+          <p:cNvPr id="11" name="Group 10"/>
+          <p:cNvGrpSpPr/>
+          <p:nvPr/>
+        </p:nvGrpSpPr>
+        <p:grpSpPr>
+          <a:xfrm>
+            <a:off x="5032109" y="3195557"/>
+            <a:ext cx="982929" cy="1968133"/>
+            <a:chOff x="2510319" y="2640458"/>
+            <a:chExt cx="503434" cy="1031630"/>
+          </a:xfrm>
+          <a:effectLst>
+            <a:outerShdw blurRad="50800" dist="50800" dir="5400000" algn="ctr" rotWithShape="0">
+              <a:srgbClr val="000000">
+                <a:alpha val="0"/>
+              </a:srgbClr>
+            </a:outerShdw>
+          </a:effectLst>
+        </p:grpSpPr>
+        <p:sp>
+          <p:nvSpPr>
+            <p:cNvPr id="136" name="Rounded Rectangle 135"/>
+            <p:cNvSpPr/>
+            <p:nvPr/>
+          </p:nvSpPr>
+          <p:spPr>
+            <a:xfrm>
+              <a:off x="2510319" y="2640458"/>
+              <a:ext cx="503434" cy="1031630"/>
+            </a:xfrm>
+            <a:prstGeom prst="roundRect">
+              <a:avLst/>
+            </a:prstGeom>
+            <a:solidFill>
+              <a:schemeClr val="accent4">
+                <a:lumMod val="20000"/>
+                <a:lumOff val="80000"/>
+              </a:schemeClr>
+            </a:solidFill>
+            <a:ln w="1270" cmpd="thickThin">
+              <a:solidFill>
+                <a:schemeClr val="accent1">
+                  <a:shade val="50000"/>
+                  <a:alpha val="62000"/>
+                </a:schemeClr>
+              </a:solidFill>
+              <a:prstDash val="solid"/>
+            </a:ln>
+          </p:spPr>
+          <p:style>
+            <a:lnRef idx="2">
+              <a:schemeClr val="accent1">
+                <a:shade val="50000"/>
+              </a:schemeClr>
+            </a:lnRef>
+            <a:fillRef idx="1">
+              <a:schemeClr val="accent1"/>
+            </a:fillRef>
+            <a:effectRef idx="0">
+              <a:schemeClr val="accent1"/>
+            </a:effectRef>
+            <a:fontRef idx="minor">
+              <a:schemeClr val="lt1"/>
+            </a:fontRef>
+          </p:style>
+          <p:txBody>
+            <a:bodyPr rtlCol="0" anchor="ctr"/>
+            <a:lstStyle/>
+            <a:p>
+              <a:pPr algn="ctr"/>
+              <a:endParaRPr lang="en-US" sz="1400">
+                <a:latin typeface="Times New Roman" charset="0"/>
+                <a:ea typeface="Times New Roman" charset="0"/>
+                <a:cs typeface="Times New Roman" charset="0"/>
+              </a:endParaRPr>
+            </a:p>
+          </p:txBody>
+        </p:sp>
+        <p:sp>
+          <p:nvSpPr>
+            <p:cNvPr id="137" name="Rectangle 136"/>
+            <p:cNvSpPr/>
+            <p:nvPr/>
+          </p:nvSpPr>
+          <p:spPr>
+            <a:xfrm>
+              <a:off x="2539054" y="2724291"/>
+              <a:ext cx="447994" cy="834620"/>
+            </a:xfrm>
+            <a:prstGeom prst="rect">
+              <a:avLst/>
+            </a:prstGeom>
+            <a:gradFill flip="none" rotWithShape="1">
+              <a:gsLst>
+                <a:gs pos="0">
+                  <a:schemeClr val="accent1">
+                    <a:lumMod val="40000"/>
+                    <a:lumOff val="60000"/>
+                  </a:schemeClr>
+                </a:gs>
+                <a:gs pos="46000">
+                  <a:schemeClr val="accent1">
+                    <a:lumMod val="95000"/>
+                    <a:lumOff val="5000"/>
+                  </a:schemeClr>
+                </a:gs>
+                <a:gs pos="100000">
+                  <a:schemeClr val="accent1">
+                    <a:lumMod val="60000"/>
+                  </a:schemeClr>
+                </a:gs>
+              </a:gsLst>
+              <a:path path="circle">
+                <a:fillToRect l="50000" t="130000" r="50000" b="-30000"/>
+              </a:path>
+              <a:tileRect/>
+            </a:gradFill>
+            <a:ln>
+              <a:noFill/>
+            </a:ln>
+          </p:spPr>
+          <p:style>
+            <a:lnRef idx="2">
+              <a:schemeClr val="accent1">
+                <a:shade val="50000"/>
+              </a:schemeClr>
+            </a:lnRef>
+            <a:fillRef idx="1">
+              <a:schemeClr val="accent1"/>
+            </a:fillRef>
+            <a:effectRef idx="0">
+              <a:schemeClr val="accent1"/>
+            </a:effectRef>
+            <a:fontRef idx="minor">
+              <a:schemeClr val="lt1"/>
+            </a:fontRef>
+          </p:style>
+          <p:txBody>
+            <a:bodyPr rtlCol="0" anchor="ctr"/>
+            <a:lstStyle/>
+            <a:p>
+              <a:pPr algn="ctr"/>
+              <a:endParaRPr lang="en-US" sz="1400">
+                <a:latin typeface="Times New Roman" charset="0"/>
+                <a:ea typeface="Times New Roman" charset="0"/>
+                <a:cs typeface="Times New Roman" charset="0"/>
+              </a:endParaRPr>
+            </a:p>
+          </p:txBody>
+        </p:sp>
+        <p:sp>
+          <p:nvSpPr>
+            <p:cNvPr id="138" name="Rounded Rectangle 137"/>
+            <p:cNvSpPr/>
+            <p:nvPr/>
+          </p:nvSpPr>
+          <p:spPr>
+            <a:xfrm>
+              <a:off x="2737139" y="3589329"/>
+              <a:ext cx="54780" cy="45719"/>
+            </a:xfrm>
+            <a:prstGeom prst="roundRect">
+              <a:avLst/>
+            </a:prstGeom>
+            <a:solidFill>
+              <a:schemeClr val="accent5">
+                <a:lumMod val="75000"/>
+              </a:schemeClr>
+            </a:solidFill>
+            <a:ln w="1270"/>
+          </p:spPr>
+          <p:style>
+            <a:lnRef idx="2">
+              <a:schemeClr val="accent1">
+                <a:shade val="50000"/>
+              </a:schemeClr>
+            </a:lnRef>
+            <a:fillRef idx="1">
+              <a:schemeClr val="accent1"/>
+            </a:fillRef>
+            <a:effectRef idx="0">
+              <a:schemeClr val="accent1"/>
+            </a:effectRef>
+            <a:fontRef idx="minor">
+              <a:schemeClr val="lt1"/>
+            </a:fontRef>
+          </p:style>
+          <p:txBody>
+            <a:bodyPr rtlCol="0" anchor="ctr"/>
+            <a:lstStyle/>
+            <a:p>
+              <a:pPr algn="ctr"/>
+              <a:endParaRPr lang="en-US" sz="1400">
+                <a:latin typeface="Times New Roman" charset="0"/>
+                <a:ea typeface="Times New Roman" charset="0"/>
+                <a:cs typeface="Times New Roman" charset="0"/>
+              </a:endParaRPr>
+            </a:p>
+          </p:txBody>
+        </p:sp>
+        <p:cxnSp>
+          <p:nvCxnSpPr>
+            <p:cNvPr id="139" name="Straight Connector 138"/>
+            <p:cNvCxnSpPr/>
+            <p:nvPr/>
+          </p:nvCxnSpPr>
+          <p:spPr>
+            <a:xfrm>
+              <a:off x="2727750" y="2693295"/>
+              <a:ext cx="66675" cy="1082"/>
+            </a:xfrm>
+            <a:prstGeom prst="line">
+              <a:avLst/>
+            </a:prstGeom>
+          </p:spPr>
+          <p:style>
+            <a:lnRef idx="1">
+              <a:schemeClr val="accent1"/>
+            </a:lnRef>
+            <a:fillRef idx="0">
+              <a:schemeClr val="accent1"/>
+            </a:fillRef>
+            <a:effectRef idx="0">
+              <a:schemeClr val="accent1"/>
+            </a:effectRef>
+            <a:fontRef idx="minor">
+              <a:schemeClr val="tx1"/>
+            </a:fontRef>
+          </p:style>
+        </p:cxnSp>
+      </p:grpSp>
+      <p:grpSp>
+        <p:nvGrpSpPr>
+          <p:cNvPr id="12" name="Group 11"/>
+          <p:cNvGrpSpPr/>
+          <p:nvPr/>
+        </p:nvGrpSpPr>
+        <p:grpSpPr>
+          <a:xfrm>
+            <a:off x="2707521" y="3197152"/>
+            <a:ext cx="982929" cy="1968133"/>
+            <a:chOff x="2510319" y="2640458"/>
+            <a:chExt cx="503434" cy="1031630"/>
+          </a:xfrm>
+        </p:grpSpPr>
+        <p:sp>
+          <p:nvSpPr>
+            <p:cNvPr id="132" name="Rounded Rectangle 131"/>
+            <p:cNvSpPr/>
+            <p:nvPr/>
+          </p:nvSpPr>
+          <p:spPr>
+            <a:xfrm>
+              <a:off x="2510319" y="2640458"/>
+              <a:ext cx="503434" cy="1031630"/>
+            </a:xfrm>
+            <a:prstGeom prst="roundRect">
+              <a:avLst/>
+            </a:prstGeom>
+            <a:solidFill>
+              <a:schemeClr val="accent4">
+                <a:lumMod val="20000"/>
+                <a:lumOff val="80000"/>
+              </a:schemeClr>
+            </a:solidFill>
+            <a:ln w="1270" cmpd="thickThin">
+              <a:solidFill>
+                <a:schemeClr val="accent1">
+                  <a:shade val="50000"/>
+                  <a:alpha val="62000"/>
+                </a:schemeClr>
+              </a:solidFill>
+              <a:prstDash val="solid"/>
+            </a:ln>
+          </p:spPr>
+          <p:style>
+            <a:lnRef idx="2">
+              <a:schemeClr val="accent1">
+                <a:shade val="50000"/>
+              </a:schemeClr>
+            </a:lnRef>
+            <a:fillRef idx="1">
+              <a:schemeClr val="accent1"/>
+            </a:fillRef>
+            <a:effectRef idx="0">
+              <a:schemeClr val="accent1"/>
+            </a:effectRef>
+            <a:fontRef idx="minor">
+              <a:schemeClr val="lt1"/>
+            </a:fontRef>
+          </p:style>
+          <p:txBody>
+            <a:bodyPr rtlCol="0" anchor="ctr"/>
+            <a:lstStyle/>
+            <a:p>
+              <a:pPr algn="ctr"/>
+              <a:endParaRPr lang="en-US" sz="1400">
+                <a:latin typeface="Times New Roman" charset="0"/>
+                <a:ea typeface="Times New Roman" charset="0"/>
+                <a:cs typeface="Times New Roman" charset="0"/>
+              </a:endParaRPr>
+            </a:p>
+          </p:txBody>
+        </p:sp>
+        <p:sp>
+          <p:nvSpPr>
+            <p:cNvPr id="133" name="Rectangle 132"/>
+            <p:cNvSpPr/>
+            <p:nvPr/>
+          </p:nvSpPr>
+          <p:spPr>
+            <a:xfrm>
+              <a:off x="2539054" y="2724291"/>
+              <a:ext cx="447994" cy="834620"/>
+            </a:xfrm>
+            <a:prstGeom prst="rect">
+              <a:avLst/>
+            </a:prstGeom>
+            <a:gradFill flip="none" rotWithShape="1">
+              <a:gsLst>
+                <a:gs pos="0">
+                  <a:schemeClr val="accent1">
+                    <a:lumMod val="40000"/>
+                    <a:lumOff val="60000"/>
+                  </a:schemeClr>
+                </a:gs>
+                <a:gs pos="46000">
+                  <a:schemeClr val="accent1">
+                    <a:lumMod val="95000"/>
+                    <a:lumOff val="5000"/>
+                  </a:schemeClr>
+                </a:gs>
+                <a:gs pos="100000">
+                  <a:schemeClr val="accent1">
+                    <a:lumMod val="60000"/>
+                  </a:schemeClr>
+                </a:gs>
+              </a:gsLst>
+              <a:path path="circle">
+                <a:fillToRect l="50000" t="130000" r="50000" b="-30000"/>
+              </a:path>
+              <a:tileRect/>
+            </a:gradFill>
+            <a:ln>
+              <a:noFill/>
+            </a:ln>
+          </p:spPr>
+          <p:style>
+            <a:lnRef idx="2">
+              <a:schemeClr val="accent1">
+                <a:shade val="50000"/>
+              </a:schemeClr>
+            </a:lnRef>
+            <a:fillRef idx="1">
+              <a:schemeClr val="accent1"/>
+            </a:fillRef>
+            <a:effectRef idx="0">
+              <a:schemeClr val="accent1"/>
+            </a:effectRef>
+            <a:fontRef idx="minor">
+              <a:schemeClr val="lt1"/>
+            </a:fontRef>
+          </p:style>
+          <p:txBody>
+            <a:bodyPr rtlCol="0" anchor="ctr"/>
+            <a:lstStyle/>
+            <a:p>
+              <a:pPr algn="ctr"/>
+              <a:endParaRPr lang="en-US" sz="1400">
+                <a:latin typeface="Times New Roman" charset="0"/>
+                <a:ea typeface="Times New Roman" charset="0"/>
+                <a:cs typeface="Times New Roman" charset="0"/>
+              </a:endParaRPr>
+            </a:p>
+          </p:txBody>
+        </p:sp>
+        <p:sp>
+          <p:nvSpPr>
+            <p:cNvPr id="134" name="Rounded Rectangle 133"/>
+            <p:cNvSpPr/>
+            <p:nvPr/>
+          </p:nvSpPr>
+          <p:spPr>
+            <a:xfrm>
+              <a:off x="2737139" y="3589329"/>
+              <a:ext cx="54780" cy="45719"/>
+            </a:xfrm>
+            <a:prstGeom prst="roundRect">
+              <a:avLst/>
+            </a:prstGeom>
+            <a:solidFill>
+              <a:schemeClr val="accent1"/>
+            </a:solidFill>
+            <a:ln w="1270">
+              <a:solidFill>
+                <a:schemeClr val="accent1"/>
+              </a:solidFill>
+            </a:ln>
+          </p:spPr>
+          <p:style>
+            <a:lnRef idx="2">
+              <a:schemeClr val="accent1">
+                <a:shade val="50000"/>
+              </a:schemeClr>
+            </a:lnRef>
+            <a:fillRef idx="1">
+              <a:schemeClr val="accent1"/>
+            </a:fillRef>
+            <a:effectRef idx="0">
+              <a:schemeClr val="accent1"/>
+            </a:effectRef>
+            <a:fontRef idx="minor">
+              <a:schemeClr val="lt1"/>
+            </a:fontRef>
+          </p:style>
+          <p:txBody>
+            <a:bodyPr rtlCol="0" anchor="ctr"/>
+            <a:lstStyle/>
+            <a:p>
+              <a:pPr algn="ctr"/>
+              <a:endParaRPr lang="en-US" sz="1400">
+                <a:latin typeface="Times New Roman" charset="0"/>
+                <a:ea typeface="Times New Roman" charset="0"/>
+                <a:cs typeface="Times New Roman" charset="0"/>
+              </a:endParaRPr>
+            </a:p>
+          </p:txBody>
+        </p:sp>
+        <p:cxnSp>
+          <p:nvCxnSpPr>
+            <p:cNvPr id="135" name="Straight Connector 134"/>
+            <p:cNvCxnSpPr/>
+            <p:nvPr/>
+          </p:nvCxnSpPr>
+          <p:spPr>
+            <a:xfrm>
+              <a:off x="2732322" y="2693295"/>
+              <a:ext cx="66675" cy="1082"/>
+            </a:xfrm>
+            <a:prstGeom prst="line">
+              <a:avLst/>
+            </a:prstGeom>
+          </p:spPr>
+          <p:style>
+            <a:lnRef idx="1">
+              <a:schemeClr val="accent1"/>
+            </a:lnRef>
+            <a:fillRef idx="0">
+              <a:schemeClr val="accent1"/>
+            </a:fillRef>
+            <a:effectRef idx="0">
+              <a:schemeClr val="accent1"/>
+            </a:effectRef>
+            <a:fontRef idx="minor">
+              <a:schemeClr val="tx1"/>
+            </a:fontRef>
+          </p:style>
+        </p:cxnSp>
+      </p:grpSp>
+      <p:grpSp>
+        <p:nvGrpSpPr>
+          <p:cNvPr id="13" name="Group 12"/>
+          <p:cNvGrpSpPr/>
+          <p:nvPr/>
+        </p:nvGrpSpPr>
+        <p:grpSpPr>
+          <a:xfrm>
+            <a:off x="7428109" y="3206107"/>
+            <a:ext cx="982929" cy="1968133"/>
+            <a:chOff x="2510319" y="2640458"/>
+            <a:chExt cx="503434" cy="1031630"/>
+          </a:xfrm>
+          <a:effectLst>
+            <a:outerShdw blurRad="50800" dist="50800" dir="5400000" algn="ctr" rotWithShape="0">
+              <a:srgbClr val="000000">
+                <a:alpha val="0"/>
+              </a:srgbClr>
+            </a:outerShdw>
+          </a:effectLst>
+        </p:grpSpPr>
+        <p:sp>
+          <p:nvSpPr>
+            <p:cNvPr id="128" name="Rounded Rectangle 127"/>
+            <p:cNvSpPr/>
+            <p:nvPr/>
+          </p:nvSpPr>
+          <p:spPr>
+            <a:xfrm>
+              <a:off x="2510319" y="2640458"/>
+              <a:ext cx="503434" cy="1031630"/>
+            </a:xfrm>
+            <a:prstGeom prst="roundRect">
+              <a:avLst/>
+            </a:prstGeom>
+            <a:solidFill>
+              <a:schemeClr val="accent4">
+                <a:lumMod val="20000"/>
+                <a:lumOff val="80000"/>
+              </a:schemeClr>
+            </a:solidFill>
+            <a:ln w="1270" cmpd="thickThin">
+              <a:solidFill>
+                <a:schemeClr val="accent1">
+                  <a:shade val="50000"/>
+                  <a:alpha val="62000"/>
+                </a:schemeClr>
+              </a:solidFill>
+              <a:prstDash val="solid"/>
+            </a:ln>
+          </p:spPr>
+          <p:style>
+            <a:lnRef idx="2">
+              <a:schemeClr val="accent1">
+                <a:shade val="50000"/>
+              </a:schemeClr>
+            </a:lnRef>
+            <a:fillRef idx="1">
+              <a:schemeClr val="accent1"/>
+            </a:fillRef>
+            <a:effectRef idx="0">
+              <a:schemeClr val="accent1"/>
+            </a:effectRef>
+            <a:fontRef idx="minor">
+              <a:schemeClr val="lt1"/>
+            </a:fontRef>
+          </p:style>
+          <p:txBody>
+            <a:bodyPr rtlCol="0" anchor="ctr"/>
+            <a:lstStyle/>
+            <a:p>
+              <a:pPr algn="ctr"/>
+              <a:endParaRPr lang="en-US" sz="1400">
+                <a:latin typeface="Times New Roman" charset="0"/>
+                <a:ea typeface="Times New Roman" charset="0"/>
+                <a:cs typeface="Times New Roman" charset="0"/>
+              </a:endParaRPr>
+            </a:p>
+          </p:txBody>
+        </p:sp>
+        <p:sp>
+          <p:nvSpPr>
+            <p:cNvPr id="129" name="Rectangle 128"/>
+            <p:cNvSpPr/>
+            <p:nvPr/>
+          </p:nvSpPr>
+          <p:spPr>
+            <a:xfrm>
+              <a:off x="2539054" y="2724291"/>
+              <a:ext cx="447994" cy="834620"/>
+            </a:xfrm>
+            <a:prstGeom prst="rect">
+              <a:avLst/>
+            </a:prstGeom>
+            <a:gradFill flip="none" rotWithShape="1">
+              <a:gsLst>
+                <a:gs pos="0">
+                  <a:schemeClr val="accent1">
+                    <a:lumMod val="40000"/>
+                    <a:lumOff val="60000"/>
+                  </a:schemeClr>
+                </a:gs>
+                <a:gs pos="46000">
+                  <a:schemeClr val="accent1">
+                    <a:lumMod val="95000"/>
+                    <a:lumOff val="5000"/>
+                  </a:schemeClr>
+                </a:gs>
+                <a:gs pos="100000">
+                  <a:schemeClr val="accent1">
+                    <a:lumMod val="60000"/>
+                  </a:schemeClr>
+                </a:gs>
+              </a:gsLst>
+              <a:path path="circle">
+                <a:fillToRect l="50000" t="130000" r="50000" b="-30000"/>
+              </a:path>
+              <a:tileRect/>
+            </a:gradFill>
+            <a:ln>
+              <a:noFill/>
+            </a:ln>
+          </p:spPr>
+          <p:style>
+            <a:lnRef idx="2">
+              <a:schemeClr val="accent1">
+                <a:shade val="50000"/>
+              </a:schemeClr>
+            </a:lnRef>
+            <a:fillRef idx="1">
+              <a:schemeClr val="accent1"/>
+            </a:fillRef>
+            <a:effectRef idx="0">
+              <a:schemeClr val="accent1"/>
+            </a:effectRef>
+            <a:fontRef idx="minor">
+              <a:schemeClr val="lt1"/>
+            </a:fontRef>
+          </p:style>
+          <p:txBody>
+            <a:bodyPr rtlCol="0" anchor="ctr"/>
+            <a:lstStyle/>
+            <a:p>
+              <a:pPr algn="ctr"/>
+              <a:endParaRPr lang="en-US" sz="1400">
+                <a:latin typeface="Times New Roman" charset="0"/>
+                <a:ea typeface="Times New Roman" charset="0"/>
+                <a:cs typeface="Times New Roman" charset="0"/>
+              </a:endParaRPr>
+            </a:p>
+          </p:txBody>
+        </p:sp>
+        <p:sp>
+          <p:nvSpPr>
+            <p:cNvPr id="130" name="Rounded Rectangle 129"/>
+            <p:cNvSpPr/>
+            <p:nvPr/>
+          </p:nvSpPr>
+          <p:spPr>
+            <a:xfrm>
+              <a:off x="2737139" y="3589329"/>
+              <a:ext cx="54780" cy="45719"/>
+            </a:xfrm>
+            <a:prstGeom prst="roundRect">
+              <a:avLst/>
+            </a:prstGeom>
+            <a:solidFill>
+              <a:schemeClr val="accent5">
+                <a:lumMod val="75000"/>
+              </a:schemeClr>
+            </a:solidFill>
+            <a:ln w="1270"/>
+          </p:spPr>
+          <p:style>
+            <a:lnRef idx="2">
+              <a:schemeClr val="accent1">
+                <a:shade val="50000"/>
+              </a:schemeClr>
+            </a:lnRef>
+            <a:fillRef idx="1">
+              <a:schemeClr val="accent1"/>
+            </a:fillRef>
+            <a:effectRef idx="0">
+              <a:schemeClr val="accent1"/>
+            </a:effectRef>
+            <a:fontRef idx="minor">
+              <a:schemeClr val="lt1"/>
+            </a:fontRef>
+          </p:style>
+          <p:txBody>
+            <a:bodyPr rtlCol="0" anchor="ctr"/>
+            <a:lstStyle/>
+            <a:p>
+              <a:pPr algn="ctr"/>
+              <a:endParaRPr lang="en-US" sz="1400">
+                <a:latin typeface="Times New Roman" charset="0"/>
+                <a:ea typeface="Times New Roman" charset="0"/>
+                <a:cs typeface="Times New Roman" charset="0"/>
+              </a:endParaRPr>
+            </a:p>
+          </p:txBody>
+        </p:sp>
+        <p:cxnSp>
+          <p:nvCxnSpPr>
+            <p:cNvPr id="131" name="Straight Connector 130"/>
+            <p:cNvCxnSpPr/>
+            <p:nvPr/>
+          </p:nvCxnSpPr>
+          <p:spPr>
+            <a:xfrm>
+              <a:off x="2732322" y="2693295"/>
+              <a:ext cx="66675" cy="1082"/>
+            </a:xfrm>
+            <a:prstGeom prst="line">
+              <a:avLst/>
+            </a:prstGeom>
+          </p:spPr>
+          <p:style>
+            <a:lnRef idx="1">
+              <a:schemeClr val="accent1"/>
+            </a:lnRef>
+            <a:fillRef idx="0">
+              <a:schemeClr val="accent1"/>
+            </a:fillRef>
+            <a:effectRef idx="0">
+              <a:schemeClr val="accent1"/>
+            </a:effectRef>
+            <a:fontRef idx="minor">
+              <a:schemeClr val="tx1"/>
+            </a:fontRef>
+          </p:style>
+        </p:cxnSp>
+      </p:grpSp>
+      <p:cxnSp>
+        <p:nvCxnSpPr>
+          <p:cNvPr id="14" name="Straight Arrow Connector 13"/>
+          <p:cNvCxnSpPr/>
+          <p:nvPr/>
+        </p:nvCxnSpPr>
+        <p:spPr>
+          <a:xfrm flipH="1" flipV="1">
+            <a:off x="5296432" y="2579546"/>
+            <a:ext cx="9112" cy="616011"/>
+          </a:xfrm>
+          <a:prstGeom prst="straightConnector1">
+            <a:avLst/>
+          </a:prstGeom>
+          <a:ln>
+            <a:solidFill>
+              <a:schemeClr val="accent1">
+                <a:alpha val="30000"/>
+              </a:schemeClr>
+            </a:solidFill>
+            <a:prstDash val="solid"/>
+            <a:tailEnd type="triangle"/>
+          </a:ln>
+          <a:effectLst>
+            <a:outerShdw blurRad="50800" dist="50800" dir="5400000" algn="ctr" rotWithShape="0">
+              <a:srgbClr val="000000">
+                <a:alpha val="0"/>
+              </a:srgbClr>
+            </a:outerShdw>
+          </a:effectLst>
+        </p:spPr>
+        <p:style>
+          <a:lnRef idx="1">
+            <a:schemeClr val="accent1"/>
+          </a:lnRef>
+          <a:fillRef idx="0">
+            <a:schemeClr val="accent1"/>
+          </a:fillRef>
+          <a:effectRef idx="0">
+            <a:schemeClr val="accent1"/>
+          </a:effectRef>
+          <a:fontRef idx="minor">
+            <a:schemeClr val="tx1"/>
+          </a:fontRef>
+        </p:style>
+      </p:cxnSp>
+      <p:cxnSp>
+        <p:nvCxnSpPr>
+          <p:cNvPr id="15" name="Straight Arrow Connector 14"/>
+          <p:cNvCxnSpPr/>
+          <p:nvPr/>
+        </p:nvCxnSpPr>
+        <p:spPr>
+          <a:xfrm>
+            <a:off x="5724908" y="2579546"/>
+            <a:ext cx="19815" cy="616011"/>
+          </a:xfrm>
+          <a:prstGeom prst="straightConnector1">
+            <a:avLst/>
+          </a:prstGeom>
+          <a:ln w="6350">
+            <a:solidFill>
+              <a:schemeClr val="accent1">
+                <a:alpha val="30000"/>
+              </a:schemeClr>
+            </a:solidFill>
+            <a:tailEnd type="triangle"/>
+          </a:ln>
+          <a:effectLst>
+            <a:outerShdw blurRad="50800" dist="50800" dir="5400000" algn="ctr" rotWithShape="0">
+              <a:srgbClr val="000000">
+                <a:alpha val="0"/>
+              </a:srgbClr>
+            </a:outerShdw>
+          </a:effectLst>
+        </p:spPr>
+        <p:style>
+          <a:lnRef idx="1">
+            <a:schemeClr val="accent1"/>
+          </a:lnRef>
+          <a:fillRef idx="0">
+            <a:schemeClr val="accent1"/>
+          </a:fillRef>
+          <a:effectRef idx="0">
+            <a:schemeClr val="accent1"/>
+          </a:effectRef>
+          <a:fontRef idx="minor">
+            <a:schemeClr val="tx1"/>
+          </a:fontRef>
+        </p:style>
+      </p:cxnSp>
+      <p:sp>
+        <p:nvSpPr>
+          <p:cNvPr id="101" name="Can 100"/>
+          <p:cNvSpPr/>
+          <p:nvPr/>
+        </p:nvSpPr>
+        <p:spPr>
+          <a:xfrm>
+            <a:off x="4056283" y="392396"/>
+            <a:ext cx="2768354" cy="2185877"/>
+          </a:xfrm>
+          <a:prstGeom prst="can">
+            <a:avLst>
+              <a:gd name="adj" fmla="val 27383"/>
+            </a:avLst>
+          </a:prstGeom>
+          <a:gradFill flip="none" rotWithShape="1">
+            <a:gsLst>
+              <a:gs pos="0">
+                <a:schemeClr val="accent1">
+                  <a:lumMod val="5000"/>
+                  <a:lumOff val="95000"/>
+                </a:schemeClr>
+              </a:gs>
+              <a:gs pos="74000">
+                <a:schemeClr val="accent1">
+                  <a:lumMod val="45000"/>
+                  <a:lumOff val="55000"/>
+                </a:schemeClr>
+              </a:gs>
+              <a:gs pos="83000">
+                <a:schemeClr val="accent1">
+                  <a:lumMod val="45000"/>
+                  <a:lumOff val="55000"/>
+                </a:schemeClr>
+              </a:gs>
+              <a:gs pos="100000">
+                <a:schemeClr val="accent1">
+                  <a:lumMod val="30000"/>
+                  <a:lumOff val="70000"/>
+                </a:schemeClr>
+              </a:gs>
+            </a:gsLst>
+            <a:lin ang="5400000" scaled="1"/>
+            <a:tileRect/>
+          </a:gradFill>
+          <a:ln w="1270"/>
+        </p:spPr>
+        <p:style>
+          <a:lnRef idx="2">
+            <a:schemeClr val="accent1">
+              <a:shade val="50000"/>
+            </a:schemeClr>
+          </a:lnRef>
+          <a:fillRef idx="1">
+            <a:schemeClr val="accent1"/>
+          </a:fillRef>
+          <a:effectRef idx="0">
+            <a:schemeClr val="accent1"/>
+          </a:effectRef>
+          <a:fontRef idx="minor">
+            <a:schemeClr val="lt1"/>
+          </a:fontRef>
+        </p:style>
+        <p:txBody>
+          <a:bodyPr rtlCol="0" anchor="ctr"/>
+          <a:lstStyle/>
+          <a:p>
+            <a:pPr algn="ctr"/>
+            <a:endParaRPr lang="en-US" sz="1000" dirty="0">
+              <a:latin typeface="Times New Roman" charset="0"/>
+              <a:ea typeface="Times New Roman" charset="0"/>
+              <a:cs typeface="Times New Roman" charset="0"/>
+            </a:endParaRPr>
+          </a:p>
+        </p:txBody>
+      </p:sp>
+      <p:grpSp>
+        <p:nvGrpSpPr>
+          <p:cNvPr id="102" name="Group 101"/>
+          <p:cNvGrpSpPr/>
+          <p:nvPr/>
+        </p:nvGrpSpPr>
+        <p:grpSpPr>
+          <a:xfrm>
+            <a:off x="5030051" y="1022889"/>
+            <a:ext cx="900779" cy="1022129"/>
+            <a:chOff x="4718853" y="566023"/>
+            <a:chExt cx="1873442" cy="2168977"/>
+          </a:xfrm>
+        </p:grpSpPr>
+        <p:grpSp>
+          <p:nvGrpSpPr>
+            <p:cNvPr id="103" name="Group 102"/>
+            <p:cNvGrpSpPr/>
+            <p:nvPr/>
+          </p:nvGrpSpPr>
+          <p:grpSpPr>
+            <a:xfrm>
+              <a:off x="4718853" y="1435868"/>
+              <a:ext cx="1873442" cy="1299132"/>
+              <a:chOff x="1251753" y="3344346"/>
+              <a:chExt cx="1873442" cy="1299132"/>
+            </a:xfrm>
+          </p:grpSpPr>
+          <p:grpSp>
+            <p:nvGrpSpPr>
+              <p:cNvPr id="109" name="Group 108"/>
+              <p:cNvGrpSpPr/>
+              <p:nvPr/>
+            </p:nvGrpSpPr>
+            <p:grpSpPr>
+              <a:xfrm>
+                <a:off x="1251753" y="3344346"/>
+                <a:ext cx="310347" cy="1186576"/>
+                <a:chOff x="1251753" y="3344346"/>
+                <a:chExt cx="310347" cy="1186576"/>
+              </a:xfrm>
+            </p:grpSpPr>
+            <p:grpSp>
+              <p:nvGrpSpPr>
+                <p:cNvPr id="123" name="Group 122"/>
+                <p:cNvGrpSpPr/>
+                <p:nvPr/>
+              </p:nvGrpSpPr>
+              <p:grpSpPr>
+                <a:xfrm>
+                  <a:off x="1257300" y="3344346"/>
+                  <a:ext cx="304800" cy="881777"/>
+                  <a:chOff x="1257300" y="3344346"/>
+                  <a:chExt cx="304800" cy="881777"/>
+                </a:xfrm>
+              </p:grpSpPr>
+              <p:sp>
+                <p:nvSpPr>
+                  <p:cNvPr id="125" name="Oval 124"/>
+                  <p:cNvSpPr/>
+                  <p:nvPr/>
+                </p:nvSpPr>
+                <p:spPr>
+                  <a:xfrm>
+                    <a:off x="1257300" y="3344346"/>
+                    <a:ext cx="304800" cy="304799"/>
+                  </a:xfrm>
+                  <a:prstGeom prst="ellipse">
+                    <a:avLst/>
+                  </a:prstGeom>
+                </p:spPr>
+                <p:style>
+                  <a:lnRef idx="2">
+                    <a:schemeClr val="accent1"/>
+                  </a:lnRef>
+                  <a:fillRef idx="1">
+                    <a:schemeClr val="lt1"/>
+                  </a:fillRef>
+                  <a:effectRef idx="0">
+                    <a:schemeClr val="accent1"/>
+                  </a:effectRef>
+                  <a:fontRef idx="minor">
+                    <a:schemeClr val="dk1"/>
+                  </a:fontRef>
+                </p:style>
+                <p:txBody>
+                  <a:bodyPr rtlCol="0" anchor="ctr"/>
+                  <a:lstStyle/>
+                  <a:p>
+                    <a:pPr algn="ctr"/>
+                    <a:endParaRPr lang="en-US" sz="1400">
+                      <a:latin typeface="Times New Roman" charset="0"/>
+                      <a:ea typeface="Times New Roman" charset="0"/>
+                      <a:cs typeface="Times New Roman" charset="0"/>
+                    </a:endParaRPr>
+                  </a:p>
+                </p:txBody>
+              </p:sp>
+              <p:cxnSp>
+                <p:nvCxnSpPr>
+                  <p:cNvPr id="126" name="Straight Arrow Connector 125"/>
+                  <p:cNvCxnSpPr/>
+                  <p:nvPr/>
+                </p:nvCxnSpPr>
+                <p:spPr>
+                  <a:xfrm flipH="1">
+                    <a:off x="1404153" y="3649145"/>
+                    <a:ext cx="5547" cy="576978"/>
+                  </a:xfrm>
+                  <a:prstGeom prst="straightConnector1">
+                    <a:avLst/>
+                  </a:prstGeom>
+                  <a:ln>
+                    <a:tailEnd type="stealth"/>
+                  </a:ln>
+                </p:spPr>
+                <p:style>
+                  <a:lnRef idx="3">
+                    <a:schemeClr val="accent1"/>
+                  </a:lnRef>
+                  <a:fillRef idx="0">
+                    <a:schemeClr val="accent1"/>
+                  </a:fillRef>
+                  <a:effectRef idx="2">
+                    <a:schemeClr val="accent1"/>
+                  </a:effectRef>
+                  <a:fontRef idx="minor">
+                    <a:schemeClr val="tx1"/>
+                  </a:fontRef>
+                </p:style>
+              </p:cxnSp>
+            </p:grpSp>
+            <p:sp>
+              <p:nvSpPr>
+                <p:cNvPr id="124" name="Oval 123"/>
+                <p:cNvSpPr/>
+                <p:nvPr/>
+              </p:nvSpPr>
+              <p:spPr>
+                <a:xfrm>
+                  <a:off x="1251753" y="4226123"/>
+                  <a:ext cx="304800" cy="304799"/>
+                </a:xfrm>
+                <a:prstGeom prst="ellipse">
+                  <a:avLst/>
+                </a:prstGeom>
+                <a:solidFill>
+                  <a:schemeClr val="accent1"/>
+                </a:solidFill>
+              </p:spPr>
+              <p:style>
+                <a:lnRef idx="2">
+                  <a:schemeClr val="accent1"/>
+                </a:lnRef>
+                <a:fillRef idx="1">
+                  <a:schemeClr val="lt1"/>
+                </a:fillRef>
+                <a:effectRef idx="0">
+                  <a:schemeClr val="accent1"/>
+                </a:effectRef>
+                <a:fontRef idx="minor">
+                  <a:schemeClr val="dk1"/>
+                </a:fontRef>
+              </p:style>
+              <p:txBody>
+                <a:bodyPr rtlCol="0" anchor="ctr"/>
+                <a:lstStyle/>
+                <a:p>
+                  <a:pPr algn="ctr"/>
+                  <a:endParaRPr lang="en-US" sz="1400">
+                    <a:latin typeface="Times New Roman" charset="0"/>
+                    <a:ea typeface="Times New Roman" charset="0"/>
+                    <a:cs typeface="Times New Roman" charset="0"/>
+                  </a:endParaRPr>
+                </a:p>
+              </p:txBody>
+            </p:sp>
+          </p:grpSp>
+          <p:grpSp>
+            <p:nvGrpSpPr>
+              <p:cNvPr id="110" name="Group 109"/>
+              <p:cNvGrpSpPr/>
+              <p:nvPr/>
+            </p:nvGrpSpPr>
+            <p:grpSpPr>
+              <a:xfrm>
+                <a:off x="2004423" y="3344346"/>
+                <a:ext cx="310347" cy="1186576"/>
+                <a:chOff x="1251753" y="3344346"/>
+                <a:chExt cx="310347" cy="1186576"/>
+              </a:xfrm>
+            </p:grpSpPr>
+            <p:grpSp>
+              <p:nvGrpSpPr>
+                <p:cNvPr id="118" name="Group 117"/>
+                <p:cNvGrpSpPr/>
+                <p:nvPr/>
+              </p:nvGrpSpPr>
+              <p:grpSpPr>
+                <a:xfrm>
+                  <a:off x="1257300" y="3344346"/>
+                  <a:ext cx="304800" cy="881777"/>
+                  <a:chOff x="1257300" y="3344346"/>
+                  <a:chExt cx="304800" cy="881777"/>
+                </a:xfrm>
+              </p:grpSpPr>
+              <p:sp>
+                <p:nvSpPr>
+                  <p:cNvPr id="120" name="Oval 119"/>
+                  <p:cNvSpPr/>
+                  <p:nvPr/>
+                </p:nvSpPr>
+                <p:spPr>
+                  <a:xfrm>
+                    <a:off x="1257300" y="3344346"/>
+                    <a:ext cx="304800" cy="304799"/>
+                  </a:xfrm>
+                  <a:prstGeom prst="ellipse">
+                    <a:avLst/>
+                  </a:prstGeom>
+                </p:spPr>
+                <p:style>
+                  <a:lnRef idx="2">
+                    <a:schemeClr val="accent1"/>
+                  </a:lnRef>
+                  <a:fillRef idx="1">
+                    <a:schemeClr val="lt1"/>
+                  </a:fillRef>
+                  <a:effectRef idx="0">
+                    <a:schemeClr val="accent1"/>
+                  </a:effectRef>
+                  <a:fontRef idx="minor">
+                    <a:schemeClr val="dk1"/>
+                  </a:fontRef>
+                </p:style>
+                <p:txBody>
+                  <a:bodyPr rtlCol="0" anchor="ctr"/>
+                  <a:lstStyle/>
+                  <a:p>
+                    <a:pPr algn="ctr"/>
+                    <a:endParaRPr lang="en-US" sz="1400">
+                      <a:latin typeface="Times New Roman" charset="0"/>
+                      <a:ea typeface="Times New Roman" charset="0"/>
+                      <a:cs typeface="Times New Roman" charset="0"/>
+                    </a:endParaRPr>
+                  </a:p>
+                </p:txBody>
+              </p:sp>
+              <p:cxnSp>
+                <p:nvCxnSpPr>
+                  <p:cNvPr id="121" name="Straight Arrow Connector 120"/>
+                  <p:cNvCxnSpPr/>
+                  <p:nvPr/>
+                </p:nvCxnSpPr>
+                <p:spPr>
+                  <a:xfrm flipH="1">
+                    <a:off x="1404153" y="3649145"/>
+                    <a:ext cx="5547" cy="576978"/>
+                  </a:xfrm>
+                  <a:prstGeom prst="straightConnector1">
+                    <a:avLst/>
+                  </a:prstGeom>
+                  <a:ln>
+                    <a:tailEnd type="stealth"/>
+                  </a:ln>
+                </p:spPr>
+                <p:style>
+                  <a:lnRef idx="3">
+                    <a:schemeClr val="accent1"/>
+                  </a:lnRef>
+                  <a:fillRef idx="0">
+                    <a:schemeClr val="accent1"/>
+                  </a:fillRef>
+                  <a:effectRef idx="2">
+                    <a:schemeClr val="accent1"/>
+                  </a:effectRef>
+                  <a:fontRef idx="minor">
+                    <a:schemeClr val="tx1"/>
+                  </a:fontRef>
+                </p:style>
+              </p:cxnSp>
+            </p:grpSp>
+            <p:sp>
+              <p:nvSpPr>
+                <p:cNvPr id="119" name="Oval 118"/>
+                <p:cNvSpPr/>
+                <p:nvPr/>
+              </p:nvSpPr>
+              <p:spPr>
+                <a:xfrm>
+                  <a:off x="1251753" y="4226123"/>
+                  <a:ext cx="304800" cy="304799"/>
+                </a:xfrm>
+                <a:prstGeom prst="ellipse">
+                  <a:avLst/>
+                </a:prstGeom>
+                <a:solidFill>
+                  <a:schemeClr val="accent1"/>
+                </a:solidFill>
+              </p:spPr>
+              <p:style>
+                <a:lnRef idx="2">
+                  <a:schemeClr val="accent1"/>
+                </a:lnRef>
+                <a:fillRef idx="1">
+                  <a:schemeClr val="lt1"/>
+                </a:fillRef>
+                <a:effectRef idx="0">
+                  <a:schemeClr val="accent1"/>
+                </a:effectRef>
+                <a:fontRef idx="minor">
+                  <a:schemeClr val="dk1"/>
+                </a:fontRef>
+              </p:style>
+              <p:txBody>
+                <a:bodyPr rtlCol="0" anchor="ctr"/>
+                <a:lstStyle/>
+                <a:p>
+                  <a:pPr algn="ctr"/>
+                  <a:endParaRPr lang="en-US" sz="1400">
+                    <a:latin typeface="Times New Roman" charset="0"/>
+                    <a:ea typeface="Times New Roman" charset="0"/>
+                    <a:cs typeface="Times New Roman" charset="0"/>
+                  </a:endParaRPr>
+                </a:p>
+              </p:txBody>
+            </p:sp>
+          </p:grpSp>
+          <p:grpSp>
+            <p:nvGrpSpPr>
+              <p:cNvPr id="111" name="Group 110"/>
+              <p:cNvGrpSpPr/>
+              <p:nvPr/>
+            </p:nvGrpSpPr>
+            <p:grpSpPr>
+              <a:xfrm>
+                <a:off x="2814848" y="3344346"/>
+                <a:ext cx="310347" cy="1186576"/>
+                <a:chOff x="1063213" y="3344346"/>
+                <a:chExt cx="310347" cy="1186576"/>
+              </a:xfrm>
+            </p:grpSpPr>
+            <p:grpSp>
+              <p:nvGrpSpPr>
+                <p:cNvPr id="113" name="Group 112"/>
+                <p:cNvGrpSpPr/>
+                <p:nvPr/>
+              </p:nvGrpSpPr>
+              <p:grpSpPr>
+                <a:xfrm>
+                  <a:off x="1068760" y="3344346"/>
+                  <a:ext cx="304800" cy="881777"/>
+                  <a:chOff x="1068760" y="3344346"/>
+                  <a:chExt cx="304800" cy="881777"/>
+                </a:xfrm>
+              </p:grpSpPr>
+              <p:sp>
+                <p:nvSpPr>
+                  <p:cNvPr id="115" name="Oval 114"/>
+                  <p:cNvSpPr/>
+                  <p:nvPr/>
+                </p:nvSpPr>
+                <p:spPr>
+                  <a:xfrm>
+                    <a:off x="1068760" y="3344346"/>
+                    <a:ext cx="304800" cy="304799"/>
+                  </a:xfrm>
+                  <a:prstGeom prst="ellipse">
+                    <a:avLst/>
+                  </a:prstGeom>
+                </p:spPr>
+                <p:style>
+                  <a:lnRef idx="2">
+                    <a:schemeClr val="accent1"/>
+                  </a:lnRef>
+                  <a:fillRef idx="1">
+                    <a:schemeClr val="lt1"/>
+                  </a:fillRef>
+                  <a:effectRef idx="0">
+                    <a:schemeClr val="accent1"/>
+                  </a:effectRef>
+                  <a:fontRef idx="minor">
+                    <a:schemeClr val="dk1"/>
+                  </a:fontRef>
+                </p:style>
+                <p:txBody>
+                  <a:bodyPr rtlCol="0" anchor="ctr"/>
+                  <a:lstStyle/>
+                  <a:p>
+                    <a:pPr algn="ctr"/>
+                    <a:endParaRPr lang="en-US" sz="1400">
+                      <a:latin typeface="Times New Roman" charset="0"/>
+                      <a:ea typeface="Times New Roman" charset="0"/>
+                      <a:cs typeface="Times New Roman" charset="0"/>
+                    </a:endParaRPr>
+                  </a:p>
+                </p:txBody>
+              </p:sp>
+              <p:cxnSp>
+                <p:nvCxnSpPr>
+                  <p:cNvPr id="116" name="Straight Arrow Connector 115"/>
+                  <p:cNvCxnSpPr/>
+                  <p:nvPr/>
+                </p:nvCxnSpPr>
+                <p:spPr>
+                  <a:xfrm flipH="1">
+                    <a:off x="1215613" y="3649145"/>
+                    <a:ext cx="5547" cy="576978"/>
+                  </a:xfrm>
+                  <a:prstGeom prst="straightConnector1">
+                    <a:avLst/>
+                  </a:prstGeom>
+                  <a:ln>
+                    <a:tailEnd type="stealth"/>
+                  </a:ln>
+                </p:spPr>
+                <p:style>
+                  <a:lnRef idx="3">
+                    <a:schemeClr val="accent1"/>
+                  </a:lnRef>
+                  <a:fillRef idx="0">
+                    <a:schemeClr val="accent1"/>
+                  </a:fillRef>
+                  <a:effectRef idx="2">
+                    <a:schemeClr val="accent1"/>
+                  </a:effectRef>
+                  <a:fontRef idx="minor">
+                    <a:schemeClr val="tx1"/>
+                  </a:fontRef>
+                </p:style>
+              </p:cxnSp>
+            </p:grpSp>
+            <p:sp>
+              <p:nvSpPr>
+                <p:cNvPr id="114" name="Oval 113"/>
+                <p:cNvSpPr/>
+                <p:nvPr/>
+              </p:nvSpPr>
+              <p:spPr>
+                <a:xfrm>
+                  <a:off x="1063213" y="4226123"/>
+                  <a:ext cx="304800" cy="304799"/>
+                </a:xfrm>
+                <a:prstGeom prst="ellipse">
+                  <a:avLst/>
+                </a:prstGeom>
+                <a:solidFill>
+                  <a:schemeClr val="accent1">
+                    <a:lumMod val="40000"/>
+                    <a:lumOff val="60000"/>
+                  </a:schemeClr>
+                </a:solidFill>
+              </p:spPr>
+              <p:style>
+                <a:lnRef idx="2">
+                  <a:schemeClr val="accent1"/>
+                </a:lnRef>
+                <a:fillRef idx="1">
+                  <a:schemeClr val="lt1"/>
+                </a:fillRef>
+                <a:effectRef idx="0">
+                  <a:schemeClr val="accent1"/>
+                </a:effectRef>
+                <a:fontRef idx="minor">
+                  <a:schemeClr val="dk1"/>
+                </a:fontRef>
+              </p:style>
+              <p:txBody>
+                <a:bodyPr rtlCol="0" anchor="ctr"/>
+                <a:lstStyle/>
+                <a:p>
+                  <a:pPr algn="ctr"/>
+                  <a:endParaRPr lang="en-US" sz="1400">
+                    <a:latin typeface="Times New Roman" charset="0"/>
+                    <a:ea typeface="Times New Roman" charset="0"/>
+                    <a:cs typeface="Times New Roman" charset="0"/>
+                  </a:endParaRPr>
+                </a:p>
+              </p:txBody>
+            </p:sp>
+          </p:grpSp>
+          <p:sp>
+            <p:nvSpPr>
+              <p:cNvPr id="112" name="TextBox 111"/>
+              <p:cNvSpPr txBox="1"/>
+              <p:nvPr/>
+            </p:nvSpPr>
+            <p:spPr>
+              <a:xfrm>
+                <a:off x="2103746" y="3794437"/>
+                <a:ext cx="547822" cy="849041"/>
+              </a:xfrm>
+              <a:prstGeom prst="rect">
+                <a:avLst/>
+              </a:prstGeom>
+              <a:noFill/>
+            </p:spPr>
+            <p:txBody>
+              <a:bodyPr wrap="square" rtlCol="0">
+                <a:spAutoFit/>
+              </a:bodyPr>
+              <a:lstStyle/>
+              <a:p>
+                <a:r>
+                  <a:rPr lang="en-US" sz="2000" dirty="0" smtClean="0">
+                    <a:latin typeface="Times New Roman" charset="0"/>
+                    <a:ea typeface="Times New Roman" charset="0"/>
+                    <a:cs typeface="Times New Roman" charset="0"/>
+                  </a:rPr>
+                  <a:t>…</a:t>
+                </a:r>
+                <a:endParaRPr lang="en-US" sz="2000" dirty="0">
+                  <a:latin typeface="Times New Roman" charset="0"/>
+                  <a:ea typeface="Times New Roman" charset="0"/>
+                  <a:cs typeface="Times New Roman" charset="0"/>
+                </a:endParaRPr>
+              </a:p>
+            </p:txBody>
+          </p:sp>
+        </p:grpSp>
+        <p:grpSp>
+          <p:nvGrpSpPr>
+            <p:cNvPr id="104" name="Group 103"/>
+            <p:cNvGrpSpPr/>
+            <p:nvPr/>
+          </p:nvGrpSpPr>
+          <p:grpSpPr>
+            <a:xfrm>
+              <a:off x="4886160" y="566023"/>
+              <a:ext cx="1553735" cy="881777"/>
+              <a:chOff x="4886160" y="566023"/>
+              <a:chExt cx="1553735" cy="881777"/>
+            </a:xfrm>
+          </p:grpSpPr>
+          <p:cxnSp>
+            <p:nvCxnSpPr>
+              <p:cNvPr id="105" name="Straight Arrow Connector 104"/>
+              <p:cNvCxnSpPr/>
+              <p:nvPr/>
+            </p:nvCxnSpPr>
+            <p:spPr>
+              <a:xfrm flipH="1">
+                <a:off x="5638830" y="870822"/>
+                <a:ext cx="5547" cy="576978"/>
+              </a:xfrm>
+              <a:prstGeom prst="straightConnector1">
+                <a:avLst/>
+              </a:prstGeom>
+              <a:ln>
+                <a:tailEnd type="stealth"/>
+              </a:ln>
+            </p:spPr>
+            <p:style>
+              <a:lnRef idx="3">
+                <a:schemeClr val="accent1"/>
+              </a:lnRef>
+              <a:fillRef idx="0">
+                <a:schemeClr val="accent1"/>
+              </a:fillRef>
+              <a:effectRef idx="2">
+                <a:schemeClr val="accent1"/>
+              </a:effectRef>
+              <a:fontRef idx="minor">
+                <a:schemeClr val="tx1"/>
+              </a:fontRef>
+            </p:style>
+          </p:cxnSp>
+          <p:cxnSp>
+            <p:nvCxnSpPr>
+              <p:cNvPr id="106" name="Straight Arrow Connector 105"/>
+              <p:cNvCxnSpPr/>
+              <p:nvPr/>
+            </p:nvCxnSpPr>
+            <p:spPr>
+              <a:xfrm flipH="1">
+                <a:off x="4886160" y="699372"/>
+                <a:ext cx="608591" cy="748428"/>
+              </a:xfrm>
+              <a:prstGeom prst="straightConnector1">
+                <a:avLst/>
+              </a:prstGeom>
+              <a:ln>
+                <a:tailEnd type="stealth"/>
+              </a:ln>
+            </p:spPr>
+            <p:style>
+              <a:lnRef idx="3">
+                <a:schemeClr val="accent1"/>
+              </a:lnRef>
+              <a:fillRef idx="0">
+                <a:schemeClr val="accent1"/>
+              </a:fillRef>
+              <a:effectRef idx="2">
+                <a:schemeClr val="accent1"/>
+              </a:effectRef>
+              <a:fontRef idx="minor">
+                <a:schemeClr val="tx1"/>
+              </a:fontRef>
+            </p:style>
+          </p:cxnSp>
+          <p:cxnSp>
+            <p:nvCxnSpPr>
+              <p:cNvPr id="107" name="Straight Arrow Connector 106"/>
+              <p:cNvCxnSpPr/>
+              <p:nvPr/>
+            </p:nvCxnSpPr>
+            <p:spPr>
+              <a:xfrm>
+                <a:off x="5788456" y="699372"/>
+                <a:ext cx="651439" cy="736496"/>
+              </a:xfrm>
+              <a:prstGeom prst="straightConnector1">
+                <a:avLst/>
+              </a:prstGeom>
+              <a:ln>
+                <a:tailEnd type="stealth"/>
+              </a:ln>
+            </p:spPr>
+            <p:style>
+              <a:lnRef idx="3">
+                <a:schemeClr val="accent1"/>
+              </a:lnRef>
+              <a:fillRef idx="0">
+                <a:schemeClr val="accent1"/>
+              </a:fillRef>
+              <a:effectRef idx="2">
+                <a:schemeClr val="accent1"/>
+              </a:effectRef>
+              <a:fontRef idx="minor">
+                <a:schemeClr val="tx1"/>
+              </a:fontRef>
+            </p:style>
+          </p:cxnSp>
+          <p:sp>
+            <p:nvSpPr>
+              <p:cNvPr id="108" name="Oval 107"/>
+              <p:cNvSpPr/>
+              <p:nvPr/>
+            </p:nvSpPr>
+            <p:spPr>
+              <a:xfrm>
+                <a:off x="5491977" y="566023"/>
+                <a:ext cx="304800" cy="304799"/>
+              </a:xfrm>
+              <a:prstGeom prst="ellipse">
+                <a:avLst/>
+              </a:prstGeom>
+            </p:spPr>
+            <p:style>
+              <a:lnRef idx="2">
+                <a:schemeClr val="accent1"/>
+              </a:lnRef>
+              <a:fillRef idx="1">
+                <a:schemeClr val="lt1"/>
+              </a:fillRef>
+              <a:effectRef idx="0">
+                <a:schemeClr val="accent1"/>
+              </a:effectRef>
+              <a:fontRef idx="minor">
+                <a:schemeClr val="dk1"/>
+              </a:fontRef>
+            </p:style>
+            <p:txBody>
+              <a:bodyPr rtlCol="0" anchor="ctr"/>
+              <a:lstStyle/>
+              <a:p>
+                <a:pPr algn="ctr"/>
+                <a:endParaRPr lang="en-US" sz="1400">
+                  <a:latin typeface="Times New Roman" charset="0"/>
+                  <a:ea typeface="Times New Roman" charset="0"/>
+                  <a:cs typeface="Times New Roman" charset="0"/>
+                </a:endParaRPr>
+              </a:p>
+            </p:txBody>
+          </p:sp>
+        </p:grpSp>
+      </p:grpSp>
+      <p:sp>
+        <p:nvSpPr>
+          <p:cNvPr id="18" name="TextBox 17"/>
+          <p:cNvSpPr txBox="1"/>
+          <p:nvPr/>
+        </p:nvSpPr>
+        <p:spPr>
+          <a:xfrm rot="16200000">
+            <a:off x="1841118" y="2170166"/>
+            <a:ext cx="2371175" cy="338554"/>
+          </a:xfrm>
+          <a:prstGeom prst="rect">
+            <a:avLst/>
+          </a:prstGeom>
+          <a:noFill/>
+        </p:spPr>
+        <p:txBody>
+          <a:bodyPr wrap="square" rtlCol="0">
+            <a:spAutoFit/>
+          </a:bodyPr>
+          <a:lstStyle/>
+          <a:p>
+            <a:pPr algn="ctr"/>
+            <a:r>
+              <a:rPr lang="en-US" sz="1600" dirty="0" smtClean="0">
+                <a:latin typeface="Times New Roman" charset="0"/>
+                <a:ea typeface="Times New Roman" charset="0"/>
+                <a:cs typeface="Times New Roman" charset="0"/>
+              </a:rPr>
+              <a:t>Application samples</a:t>
+            </a:r>
+            <a:endParaRPr lang="en-US" sz="1600" dirty="0">
+              <a:latin typeface="Times New Roman" charset="0"/>
+              <a:ea typeface="Times New Roman" charset="0"/>
+              <a:cs typeface="Times New Roman" charset="0"/>
+            </a:endParaRPr>
+          </a:p>
+        </p:txBody>
+      </p:sp>
+      <p:sp>
+        <p:nvSpPr>
+          <p:cNvPr id="21" name="TextBox 20"/>
+          <p:cNvSpPr txBox="1"/>
+          <p:nvPr/>
+        </p:nvSpPr>
+        <p:spPr>
+          <a:xfrm>
+            <a:off x="3947333" y="1963932"/>
+            <a:ext cx="3018598" cy="584775"/>
+          </a:xfrm>
+          <a:prstGeom prst="rect">
+            <a:avLst/>
+          </a:prstGeom>
+          <a:noFill/>
+        </p:spPr>
+        <p:txBody>
+          <a:bodyPr wrap="square" rtlCol="0">
+            <a:spAutoFit/>
+          </a:bodyPr>
+          <a:lstStyle/>
+          <a:p>
+            <a:pPr algn="ctr"/>
+            <a:r>
+              <a:rPr lang="en-US" sz="1600" i="1" dirty="0" smtClean="0">
+                <a:latin typeface="Times New Roman" charset="0"/>
+                <a:ea typeface="Times New Roman" charset="0"/>
+                <a:cs typeface="Times New Roman" charset="0"/>
+              </a:rPr>
+              <a:t>(1) Hierarchical Bayesian model</a:t>
+            </a:r>
+            <a:r>
+              <a:rPr lang="en-US" sz="1600" i="1" dirty="0" smtClean="0">
+                <a:latin typeface="Times New Roman" charset="0"/>
+                <a:ea typeface="Times New Roman" charset="0"/>
+                <a:cs typeface="Times New Roman" charset="0"/>
+              </a:rPr>
+              <a:t> (HBM)</a:t>
+            </a:r>
+            <a:endParaRPr lang="en-US" sz="1600" i="1" dirty="0">
+              <a:latin typeface="Times New Roman" charset="0"/>
+              <a:ea typeface="Times New Roman" charset="0"/>
+              <a:cs typeface="Times New Roman" charset="0"/>
+            </a:endParaRPr>
+          </a:p>
+        </p:txBody>
+      </p:sp>
+      <p:grpSp>
+        <p:nvGrpSpPr>
+          <p:cNvPr id="22" name="Group 21"/>
+          <p:cNvGrpSpPr/>
+          <p:nvPr/>
+        </p:nvGrpSpPr>
+        <p:grpSpPr>
+          <a:xfrm>
+            <a:off x="5098716" y="4117218"/>
+            <a:ext cx="847747" cy="465195"/>
+            <a:chOff x="3357481" y="4339082"/>
+            <a:chExt cx="1574358" cy="912896"/>
+          </a:xfrm>
+        </p:grpSpPr>
+        <p:grpSp>
+          <p:nvGrpSpPr>
+            <p:cNvPr id="77" name="Group 76"/>
+            <p:cNvGrpSpPr/>
+            <p:nvPr/>
+          </p:nvGrpSpPr>
+          <p:grpSpPr>
+            <a:xfrm>
+              <a:off x="3357481" y="4339082"/>
+              <a:ext cx="1574358" cy="912896"/>
+              <a:chOff x="3307744" y="4381167"/>
+              <a:chExt cx="1574358" cy="912896"/>
+            </a:xfrm>
+          </p:grpSpPr>
+          <p:sp>
+            <p:nvSpPr>
+              <p:cNvPr id="79" name="Rectangle 78"/>
+              <p:cNvSpPr/>
+              <p:nvPr/>
+            </p:nvSpPr>
+            <p:spPr>
+              <a:xfrm>
+                <a:off x="3788482" y="4636827"/>
+                <a:ext cx="193993" cy="231382"/>
+              </a:xfrm>
+              <a:prstGeom prst="rect">
+                <a:avLst/>
+              </a:prstGeom>
+              <a:solidFill>
+                <a:schemeClr val="accent1">
+                  <a:lumMod val="40000"/>
+                  <a:lumOff val="60000"/>
+                </a:schemeClr>
+              </a:solidFill>
+              <a:ln w="6350">
+                <a:solidFill>
+                  <a:schemeClr val="accent1"/>
+                </a:solidFill>
+              </a:ln>
+            </p:spPr>
+            <p:style>
+              <a:lnRef idx="2">
+                <a:schemeClr val="accent1">
+                  <a:shade val="50000"/>
+                </a:schemeClr>
+              </a:lnRef>
+              <a:fillRef idx="1">
+                <a:schemeClr val="accent1"/>
+              </a:fillRef>
+              <a:effectRef idx="0">
+                <a:schemeClr val="accent1"/>
+              </a:effectRef>
+              <a:fontRef idx="minor">
+                <a:schemeClr val="lt1"/>
+              </a:fontRef>
+            </p:style>
+            <p:txBody>
+              <a:bodyPr rtlCol="0" anchor="ctr"/>
+              <a:lstStyle/>
+              <a:p>
+                <a:pPr algn="ctr"/>
+                <a:endParaRPr lang="en-US" dirty="0">
+                  <a:latin typeface="Times New Roman" charset="0"/>
+                  <a:ea typeface="Times New Roman" charset="0"/>
+                  <a:cs typeface="Times New Roman" charset="0"/>
+                </a:endParaRPr>
+              </a:p>
+            </p:txBody>
+          </p:sp>
+          <p:cxnSp>
+            <p:nvCxnSpPr>
+              <p:cNvPr id="80" name="Elbow Connector 79"/>
+              <p:cNvCxnSpPr/>
+              <p:nvPr/>
+            </p:nvCxnSpPr>
+            <p:spPr>
+              <a:xfrm rot="5400000" flipH="1">
+                <a:off x="4068182" y="4253574"/>
+                <a:ext cx="41489" cy="1245659"/>
+              </a:xfrm>
+              <a:prstGeom prst="bentConnector3">
+                <a:avLst>
+                  <a:gd name="adj1" fmla="val -800588"/>
+                </a:avLst>
+              </a:prstGeom>
+              <a:ln w="6350">
+                <a:solidFill>
+                  <a:schemeClr val="accent1"/>
+                </a:solidFill>
+                <a:tailEnd type="stealth"/>
+              </a:ln>
+            </p:spPr>
+            <p:style>
+              <a:lnRef idx="3">
+                <a:schemeClr val="accent1"/>
+              </a:lnRef>
+              <a:fillRef idx="0">
+                <a:schemeClr val="accent1"/>
+              </a:fillRef>
+              <a:effectRef idx="2">
+                <a:schemeClr val="accent1"/>
+              </a:effectRef>
+              <a:fontRef idx="minor">
+                <a:schemeClr val="tx1"/>
+              </a:fontRef>
+            </p:style>
+          </p:cxnSp>
+          <p:sp>
+            <p:nvSpPr>
+              <p:cNvPr id="81" name="Oval 80"/>
+              <p:cNvSpPr/>
+              <p:nvPr/>
+            </p:nvSpPr>
+            <p:spPr>
+              <a:xfrm>
+                <a:off x="3372877" y="4634915"/>
+                <a:ext cx="186438" cy="220744"/>
+              </a:xfrm>
+              <a:prstGeom prst="ellipse">
+                <a:avLst/>
+              </a:prstGeom>
+              <a:solidFill>
+                <a:schemeClr val="accent1">
+                  <a:lumMod val="40000"/>
+                  <a:lumOff val="60000"/>
+                </a:schemeClr>
+              </a:solidFill>
+              <a:ln>
+                <a:solidFill>
+                  <a:schemeClr val="accent1"/>
+                </a:solidFill>
+              </a:ln>
+            </p:spPr>
+            <p:style>
+              <a:lnRef idx="2">
+                <a:schemeClr val="accent1">
+                  <a:shade val="50000"/>
+                </a:schemeClr>
+              </a:lnRef>
+              <a:fillRef idx="1">
+                <a:schemeClr val="accent1"/>
+              </a:fillRef>
+              <a:effectRef idx="0">
+                <a:schemeClr val="accent1"/>
+              </a:effectRef>
+              <a:fontRef idx="minor">
+                <a:schemeClr val="lt1"/>
+              </a:fontRef>
+            </p:style>
+            <p:txBody>
+              <a:bodyPr rtlCol="0" anchor="ctr"/>
+              <a:lstStyle/>
+              <a:p>
+                <a:pPr algn="ctr"/>
+                <a:endParaRPr lang="en-US" sz="5400" dirty="0">
+                  <a:latin typeface="Times New Roman" charset="0"/>
+                  <a:ea typeface="Times New Roman" charset="0"/>
+                  <a:cs typeface="Times New Roman" charset="0"/>
+                </a:endParaRPr>
+              </a:p>
+            </p:txBody>
+          </p:sp>
+          <p:sp>
+            <p:nvSpPr>
+              <p:cNvPr id="82" name="Rectangle 81"/>
+              <p:cNvSpPr/>
+              <p:nvPr/>
+            </p:nvSpPr>
+            <p:spPr>
+              <a:xfrm>
+                <a:off x="4184238" y="4636827"/>
+                <a:ext cx="193937" cy="231382"/>
+              </a:xfrm>
+              <a:prstGeom prst="rect">
+                <a:avLst/>
+              </a:prstGeom>
+              <a:solidFill>
+                <a:schemeClr val="accent1">
+                  <a:lumMod val="40000"/>
+                  <a:lumOff val="60000"/>
+                </a:schemeClr>
+              </a:solidFill>
+              <a:ln>
+                <a:solidFill>
+                  <a:schemeClr val="accent1"/>
+                </a:solidFill>
+              </a:ln>
+            </p:spPr>
+            <p:style>
+              <a:lnRef idx="1">
+                <a:schemeClr val="accent1"/>
+              </a:lnRef>
+              <a:fillRef idx="2">
+                <a:schemeClr val="accent1"/>
+              </a:fillRef>
+              <a:effectRef idx="1">
+                <a:schemeClr val="accent1"/>
+              </a:effectRef>
+              <a:fontRef idx="minor">
+                <a:schemeClr val="dk1"/>
+              </a:fontRef>
+            </p:style>
+            <p:txBody>
+              <a:bodyPr rtlCol="0" anchor="ctr"/>
+              <a:lstStyle/>
+              <a:p>
+                <a:pPr algn="ctr"/>
+                <a:endParaRPr lang="en-US" dirty="0">
+                  <a:latin typeface="Times New Roman" charset="0"/>
+                  <a:ea typeface="Times New Roman" charset="0"/>
+                  <a:cs typeface="Times New Roman" charset="0"/>
+                </a:endParaRPr>
+              </a:p>
+            </p:txBody>
+          </p:sp>
+          <p:sp>
+            <p:nvSpPr>
+              <p:cNvPr id="83" name="Rectangle 82"/>
+              <p:cNvSpPr/>
+              <p:nvPr/>
+            </p:nvSpPr>
+            <p:spPr>
+              <a:xfrm>
+                <a:off x="4579405" y="4420312"/>
+                <a:ext cx="264698" cy="476836"/>
+              </a:xfrm>
+              <a:prstGeom prst="rect">
+                <a:avLst/>
+              </a:prstGeom>
+              <a:solidFill>
+                <a:schemeClr val="accent1">
+                  <a:lumMod val="40000"/>
+                  <a:lumOff val="60000"/>
+                </a:schemeClr>
+              </a:solidFill>
+              <a:ln>
+                <a:solidFill>
+                  <a:schemeClr val="accent1"/>
+                </a:solidFill>
+              </a:ln>
+            </p:spPr>
+            <p:style>
+              <a:lnRef idx="2">
+                <a:schemeClr val="accent1">
+                  <a:shade val="50000"/>
+                </a:schemeClr>
+              </a:lnRef>
+              <a:fillRef idx="1">
+                <a:schemeClr val="accent1"/>
+              </a:fillRef>
+              <a:effectRef idx="0">
+                <a:schemeClr val="accent1"/>
+              </a:effectRef>
+              <a:fontRef idx="minor">
+                <a:schemeClr val="lt1"/>
+              </a:fontRef>
+            </p:style>
+            <p:txBody>
+              <a:bodyPr rtlCol="0" anchor="ctr"/>
+              <a:lstStyle/>
+              <a:p>
+                <a:pPr algn="ctr"/>
+                <a:endParaRPr lang="en-US" sz="1600">
+                  <a:latin typeface="Times New Roman" charset="0"/>
+                  <a:ea typeface="Times New Roman" charset="0"/>
+                  <a:cs typeface="Times New Roman" charset="0"/>
+                </a:endParaRPr>
+              </a:p>
+            </p:txBody>
+          </p:sp>
+          <p:grpSp>
+            <p:nvGrpSpPr>
+              <p:cNvPr id="84" name="Group 99"/>
+              <p:cNvGrpSpPr>
+                <a:grpSpLocks/>
+              </p:cNvGrpSpPr>
+              <p:nvPr/>
+            </p:nvGrpSpPr>
+            <p:grpSpPr bwMode="auto">
+              <a:xfrm>
+                <a:off x="4628762" y="4665765"/>
+                <a:ext cx="161835" cy="158165"/>
+                <a:chOff x="7239000" y="4549063"/>
+                <a:chExt cx="762000" cy="584138"/>
+              </a:xfrm>
+            </p:grpSpPr>
+            <p:sp>
+              <p:nvSpPr>
+                <p:cNvPr id="92" name="Oval 12"/>
+                <p:cNvSpPr/>
+                <p:nvPr/>
+              </p:nvSpPr>
+              <p:spPr>
+                <a:xfrm>
+                  <a:off x="7366000" y="4657717"/>
+                  <a:ext cx="527538" cy="461789"/>
+                </a:xfrm>
+                <a:prstGeom prst="ellipse">
+                  <a:avLst/>
+                </a:prstGeom>
+                <a:gradFill rotWithShape="1">
+                  <a:gsLst>
+                    <a:gs pos="0">
+                      <a:srgbClr val="BBE0E3">
+                        <a:shade val="51000"/>
+                        <a:satMod val="130000"/>
+                      </a:srgbClr>
+                    </a:gs>
+                    <a:gs pos="80000">
+                      <a:srgbClr val="BBE0E3">
+                        <a:shade val="93000"/>
+                        <a:satMod val="130000"/>
+                      </a:srgbClr>
+                    </a:gs>
+                    <a:gs pos="100000">
+                      <a:srgbClr val="BBE0E3">
+                        <a:shade val="94000"/>
+                        <a:satMod val="135000"/>
+                      </a:srgbClr>
+                    </a:gs>
+                  </a:gsLst>
+                  <a:lin ang="16200000" scaled="0"/>
+                </a:gradFill>
+                <a:ln>
+                  <a:noFill/>
+                </a:ln>
+                <a:effectLst>
+                  <a:outerShdw blurRad="40000" dist="23000" dir="5400000" rotWithShape="0">
+                    <a:srgbClr val="000000">
+                      <a:alpha val="35000"/>
+                    </a:srgbClr>
+                  </a:outerShdw>
+                </a:effectLst>
+                <a:scene3d>
+                  <a:camera prst="orthographicFront">
+                    <a:rot lat="0" lon="0" rev="0"/>
+                  </a:camera>
+                  <a:lightRig rig="threePt" dir="t">
+                    <a:rot lat="0" lon="0" rev="1200000"/>
+                  </a:lightRig>
+                </a:scene3d>
+                <a:sp3d>
+                  <a:bevelT w="63500" h="25400"/>
+                </a:sp3d>
+              </p:spPr>
+              <p:txBody>
+                <a:bodyPr anchor="ctr"/>
+                <a:lstStyle/>
+                <a:p>
+                  <a:pPr algn="ctr">
+                    <a:defRPr/>
+                  </a:pPr>
+                  <a:endParaRPr lang="en-US" sz="1400" kern="0">
+                    <a:solidFill>
+                      <a:srgbClr val="FFFFFF"/>
+                    </a:solidFill>
+                    <a:latin typeface="Times New Roman" charset="0"/>
+                    <a:ea typeface="Times New Roman" charset="0"/>
+                    <a:cs typeface="Times New Roman" charset="0"/>
+                  </a:endParaRPr>
+                </a:p>
+              </p:txBody>
+            </p:sp>
+            <p:cxnSp>
+              <p:nvCxnSpPr>
+                <p:cNvPr id="93" name="Straight Connector 13"/>
+                <p:cNvCxnSpPr/>
+                <p:nvPr/>
+              </p:nvCxnSpPr>
+              <p:spPr>
+                <a:xfrm rot="5400000">
+                  <a:off x="7543026" y="4733944"/>
+                  <a:ext cx="153947" cy="0"/>
+                </a:xfrm>
+                <a:prstGeom prst="line">
+                  <a:avLst/>
+                </a:prstGeom>
+                <a:noFill/>
+                <a:ln w="25400" cap="flat" cmpd="sng" algn="ctr">
+                  <a:solidFill>
+                    <a:srgbClr val="000000"/>
+                  </a:solidFill>
+                  <a:prstDash val="solid"/>
+                </a:ln>
+                <a:effectLst>
+                  <a:outerShdw blurRad="40000" dist="20000" dir="5400000" rotWithShape="0">
+                    <a:srgbClr val="000000">
+                      <a:alpha val="38000"/>
+                    </a:srgbClr>
+                  </a:outerShdw>
+                </a:effectLst>
+              </p:spPr>
+            </p:cxnSp>
+            <p:sp>
+              <p:nvSpPr>
+                <p:cNvPr id="94" name="Minus 14"/>
+                <p:cNvSpPr/>
+                <p:nvPr/>
+              </p:nvSpPr>
+              <p:spPr>
+                <a:xfrm rot="16200000">
+                  <a:off x="7579716" y="4530610"/>
+                  <a:ext cx="80571" cy="117475"/>
+                </a:xfrm>
+                <a:prstGeom prst="mathMinus">
+                  <a:avLst/>
+                </a:prstGeom>
+                <a:solidFill>
+                  <a:srgbClr val="000000"/>
+                </a:solidFill>
+                <a:ln w="3175" cap="flat" cmpd="sng" algn="ctr">
+                  <a:solidFill>
+                    <a:srgbClr val="FFFFFF"/>
+                  </a:solidFill>
+                  <a:prstDash val="solid"/>
+                </a:ln>
+                <a:effectLst>
+                  <a:outerShdw blurRad="40000" dist="20000" dir="5400000" rotWithShape="0">
+                    <a:srgbClr val="000000">
+                      <a:alpha val="38000"/>
+                    </a:srgbClr>
+                  </a:outerShdw>
+                </a:effectLst>
+              </p:spPr>
+              <p:txBody>
+                <a:bodyPr anchor="ctr"/>
+                <a:lstStyle/>
+                <a:p>
+                  <a:pPr algn="ctr">
+                    <a:defRPr/>
+                  </a:pPr>
+                  <a:endParaRPr lang="en-US" sz="1400" kern="0">
+                    <a:solidFill>
+                      <a:srgbClr val="FFFFFF"/>
+                    </a:solidFill>
+                    <a:latin typeface="Times New Roman" charset="0"/>
+                    <a:ea typeface="Times New Roman" charset="0"/>
+                    <a:cs typeface="Times New Roman" charset="0"/>
+                  </a:endParaRPr>
+                </a:p>
+              </p:txBody>
+            </p:sp>
+            <p:sp>
+              <p:nvSpPr>
+                <p:cNvPr id="95" name="Minus 15"/>
+                <p:cNvSpPr/>
+                <p:nvPr/>
+              </p:nvSpPr>
+              <p:spPr>
+                <a:xfrm>
+                  <a:off x="7913688" y="4820990"/>
+                  <a:ext cx="87312" cy="107907"/>
+                </a:xfrm>
+                <a:prstGeom prst="mathMinus">
+                  <a:avLst/>
+                </a:prstGeom>
+                <a:solidFill>
+                  <a:srgbClr val="000000"/>
+                </a:solidFill>
+                <a:ln w="3175" cap="flat" cmpd="sng" algn="ctr">
+                  <a:solidFill>
+                    <a:srgbClr val="FFFFFF"/>
+                  </a:solidFill>
+                  <a:prstDash val="solid"/>
+                </a:ln>
+                <a:effectLst>
+                  <a:outerShdw blurRad="40000" dist="20000" dir="5400000" rotWithShape="0">
+                    <a:srgbClr val="000000">
+                      <a:alpha val="38000"/>
+                    </a:srgbClr>
+                  </a:outerShdw>
+                </a:effectLst>
+              </p:spPr>
+              <p:txBody>
+                <a:bodyPr anchor="ctr"/>
+                <a:lstStyle/>
+                <a:p>
+                  <a:pPr algn="ctr">
+                    <a:defRPr/>
+                  </a:pPr>
+                  <a:endParaRPr lang="en-US" sz="1400" kern="0">
+                    <a:solidFill>
+                      <a:srgbClr val="FFFFFF"/>
+                    </a:solidFill>
+                    <a:latin typeface="Times New Roman" charset="0"/>
+                    <a:ea typeface="Times New Roman" charset="0"/>
+                    <a:cs typeface="Times New Roman" charset="0"/>
+                  </a:endParaRPr>
+                </a:p>
+              </p:txBody>
+            </p:sp>
+            <p:sp>
+              <p:nvSpPr>
+                <p:cNvPr id="96" name="Minus 16"/>
+                <p:cNvSpPr/>
+                <p:nvPr/>
+              </p:nvSpPr>
+              <p:spPr>
+                <a:xfrm>
+                  <a:off x="7239000" y="4820990"/>
+                  <a:ext cx="87313" cy="107907"/>
+                </a:xfrm>
+                <a:prstGeom prst="mathMinus">
+                  <a:avLst/>
+                </a:prstGeom>
+                <a:solidFill>
+                  <a:srgbClr val="000000"/>
+                </a:solidFill>
+                <a:ln w="3175" cap="flat" cmpd="sng" algn="ctr">
+                  <a:solidFill>
+                    <a:srgbClr val="FFFFFF"/>
+                  </a:solidFill>
+                  <a:prstDash val="solid"/>
+                </a:ln>
+                <a:effectLst>
+                  <a:outerShdw blurRad="40000" dist="20000" dir="5400000" rotWithShape="0">
+                    <a:srgbClr val="000000">
+                      <a:alpha val="38000"/>
+                    </a:srgbClr>
+                  </a:outerShdw>
+                </a:effectLst>
+              </p:spPr>
+              <p:txBody>
+                <a:bodyPr anchor="ctr"/>
+                <a:lstStyle/>
+                <a:p>
+                  <a:pPr algn="ctr">
+                    <a:defRPr/>
+                  </a:pPr>
+                  <a:endParaRPr lang="en-US" sz="1400" kern="0">
+                    <a:solidFill>
+                      <a:srgbClr val="FFFFFF"/>
+                    </a:solidFill>
+                    <a:latin typeface="Times New Roman" charset="0"/>
+                    <a:ea typeface="Times New Roman" charset="0"/>
+                    <a:cs typeface="Times New Roman" charset="0"/>
+                  </a:endParaRPr>
+                </a:p>
+              </p:txBody>
+            </p:sp>
+            <p:sp>
+              <p:nvSpPr>
+                <p:cNvPr id="97" name="Minus 17"/>
+                <p:cNvSpPr/>
+                <p:nvPr/>
+              </p:nvSpPr>
+              <p:spPr>
+                <a:xfrm rot="2264948">
+                  <a:off x="7323138" y="4644021"/>
+                  <a:ext cx="87312" cy="109346"/>
+                </a:xfrm>
+                <a:prstGeom prst="mathMinus">
+                  <a:avLst/>
+                </a:prstGeom>
+                <a:solidFill>
+                  <a:srgbClr val="000000"/>
+                </a:solidFill>
+                <a:ln w="3175" cap="flat" cmpd="sng" algn="ctr">
+                  <a:solidFill>
+                    <a:srgbClr val="FFFFFF"/>
+                  </a:solidFill>
+                  <a:prstDash val="solid"/>
+                </a:ln>
+                <a:effectLst>
+                  <a:outerShdw blurRad="40000" dist="20000" dir="5400000" rotWithShape="0">
+                    <a:srgbClr val="000000">
+                      <a:alpha val="38000"/>
+                    </a:srgbClr>
+                  </a:outerShdw>
+                </a:effectLst>
+              </p:spPr>
+              <p:txBody>
+                <a:bodyPr anchor="ctr"/>
+                <a:lstStyle/>
+                <a:p>
+                  <a:pPr algn="ctr">
+                    <a:defRPr/>
+                  </a:pPr>
+                  <a:endParaRPr lang="en-US" sz="1400" kern="0">
+                    <a:solidFill>
+                      <a:srgbClr val="FFFFFF"/>
+                    </a:solidFill>
+                    <a:latin typeface="Times New Roman" charset="0"/>
+                    <a:ea typeface="Times New Roman" charset="0"/>
+                    <a:cs typeface="Times New Roman" charset="0"/>
+                  </a:endParaRPr>
+                </a:p>
+              </p:txBody>
+            </p:sp>
+            <p:sp>
+              <p:nvSpPr>
+                <p:cNvPr id="98" name="Minus 18"/>
+                <p:cNvSpPr/>
+                <p:nvPr/>
+              </p:nvSpPr>
+              <p:spPr>
+                <a:xfrm rot="19067474">
+                  <a:off x="7826375" y="4644021"/>
+                  <a:ext cx="87313" cy="107908"/>
+                </a:xfrm>
+                <a:prstGeom prst="mathMinus">
+                  <a:avLst/>
+                </a:prstGeom>
+                <a:solidFill>
+                  <a:srgbClr val="000000"/>
+                </a:solidFill>
+                <a:ln w="3175" cap="flat" cmpd="sng" algn="ctr">
+                  <a:solidFill>
+                    <a:srgbClr val="FFFFFF"/>
+                  </a:solidFill>
+                  <a:prstDash val="solid"/>
+                </a:ln>
+                <a:effectLst>
+                  <a:outerShdw blurRad="40000" dist="20000" dir="5400000" rotWithShape="0">
+                    <a:srgbClr val="000000">
+                      <a:alpha val="38000"/>
+                    </a:srgbClr>
+                  </a:outerShdw>
+                </a:effectLst>
+              </p:spPr>
+              <p:txBody>
+                <a:bodyPr anchor="ctr"/>
+                <a:lstStyle/>
+                <a:p>
+                  <a:pPr algn="ctr">
+                    <a:defRPr/>
+                  </a:pPr>
+                  <a:endParaRPr lang="en-US" sz="1400" kern="0">
+                    <a:solidFill>
+                      <a:srgbClr val="FFFFFF"/>
+                    </a:solidFill>
+                    <a:latin typeface="Times New Roman" charset="0"/>
+                    <a:ea typeface="Times New Roman" charset="0"/>
+                    <a:cs typeface="Times New Roman" charset="0"/>
+                  </a:endParaRPr>
+                </a:p>
+              </p:txBody>
+            </p:sp>
+            <p:sp>
+              <p:nvSpPr>
+                <p:cNvPr id="99" name="Minus 19"/>
+                <p:cNvSpPr/>
+                <p:nvPr/>
+              </p:nvSpPr>
+              <p:spPr>
+                <a:xfrm rot="19189480">
+                  <a:off x="7329488" y="5025294"/>
+                  <a:ext cx="87312" cy="107907"/>
+                </a:xfrm>
+                <a:prstGeom prst="mathMinus">
+                  <a:avLst/>
+                </a:prstGeom>
+                <a:solidFill>
+                  <a:srgbClr val="000000"/>
+                </a:solidFill>
+                <a:ln w="3175" cap="flat" cmpd="sng" algn="ctr">
+                  <a:solidFill>
+                    <a:srgbClr val="FFFFFF"/>
+                  </a:solidFill>
+                  <a:prstDash val="solid"/>
+                </a:ln>
+                <a:effectLst>
+                  <a:outerShdw blurRad="40000" dist="20000" dir="5400000" rotWithShape="0">
+                    <a:srgbClr val="000000">
+                      <a:alpha val="38000"/>
+                    </a:srgbClr>
+                  </a:outerShdw>
+                </a:effectLst>
+              </p:spPr>
+              <p:txBody>
+                <a:bodyPr anchor="ctr"/>
+                <a:lstStyle/>
+                <a:p>
+                  <a:pPr algn="ctr">
+                    <a:defRPr/>
+                  </a:pPr>
+                  <a:endParaRPr lang="en-US" sz="1400" kern="0">
+                    <a:solidFill>
+                      <a:srgbClr val="FFFFFF"/>
+                    </a:solidFill>
+                    <a:latin typeface="Times New Roman" charset="0"/>
+                    <a:ea typeface="Times New Roman" charset="0"/>
+                    <a:cs typeface="Times New Roman" charset="0"/>
+                  </a:endParaRPr>
+                </a:p>
+              </p:txBody>
+            </p:sp>
+            <p:sp>
+              <p:nvSpPr>
+                <p:cNvPr id="100" name="Minus 20"/>
+                <p:cNvSpPr/>
+                <p:nvPr/>
+              </p:nvSpPr>
+              <p:spPr>
+                <a:xfrm rot="2517184">
+                  <a:off x="7826375" y="5025294"/>
+                  <a:ext cx="87313" cy="107907"/>
+                </a:xfrm>
+                <a:prstGeom prst="mathMinus">
+                  <a:avLst/>
+                </a:prstGeom>
+                <a:solidFill>
+                  <a:srgbClr val="000000"/>
+                </a:solidFill>
+                <a:ln w="3175" cap="flat" cmpd="sng" algn="ctr">
+                  <a:solidFill>
+                    <a:srgbClr val="FFFFFF"/>
+                  </a:solidFill>
+                  <a:prstDash val="solid"/>
+                </a:ln>
+                <a:effectLst>
+                  <a:outerShdw blurRad="40000" dist="20000" dir="5400000" rotWithShape="0">
+                    <a:srgbClr val="000000">
+                      <a:alpha val="38000"/>
+                    </a:srgbClr>
+                  </a:outerShdw>
+                </a:effectLst>
+              </p:spPr>
+              <p:txBody>
+                <a:bodyPr anchor="ctr"/>
+                <a:lstStyle/>
+                <a:p>
+                  <a:pPr algn="ctr">
+                    <a:defRPr/>
+                  </a:pPr>
+                  <a:endParaRPr lang="en-US" sz="1400" kern="0">
+                    <a:solidFill>
+                      <a:srgbClr val="FFFFFF"/>
+                    </a:solidFill>
+                    <a:latin typeface="Times New Roman" charset="0"/>
+                    <a:ea typeface="Times New Roman" charset="0"/>
+                    <a:cs typeface="Times New Roman" charset="0"/>
+                  </a:endParaRPr>
+                </a:p>
+              </p:txBody>
+            </p:sp>
+          </p:grpSp>
+          <p:sp>
+            <p:nvSpPr>
+              <p:cNvPr id="85" name="Rectangle 84"/>
+              <p:cNvSpPr/>
+              <p:nvPr/>
+            </p:nvSpPr>
+            <p:spPr>
+              <a:xfrm>
+                <a:off x="3778877" y="4420310"/>
+                <a:ext cx="599297" cy="59977"/>
+              </a:xfrm>
+              <a:prstGeom prst="rect">
+                <a:avLst/>
+              </a:prstGeom>
+              <a:solidFill>
+                <a:schemeClr val="accent1">
+                  <a:lumMod val="40000"/>
+                  <a:lumOff val="60000"/>
+                </a:schemeClr>
+              </a:solidFill>
+              <a:ln>
+                <a:solidFill>
+                  <a:schemeClr val="accent1"/>
+                </a:solidFill>
+              </a:ln>
+            </p:spPr>
+            <p:style>
+              <a:lnRef idx="1">
+                <a:schemeClr val="accent1"/>
+              </a:lnRef>
+              <a:fillRef idx="2">
+                <a:schemeClr val="accent1"/>
+              </a:fillRef>
+              <a:effectRef idx="1">
+                <a:schemeClr val="accent1"/>
+              </a:effectRef>
+              <a:fontRef idx="minor">
+                <a:schemeClr val="dk1"/>
+              </a:fontRef>
+            </p:style>
+            <p:txBody>
+              <a:bodyPr rtlCol="0" anchor="ctr"/>
+              <a:lstStyle/>
+              <a:p>
+                <a:pPr algn="ctr"/>
+                <a:endParaRPr lang="en-US">
+                  <a:latin typeface="Times New Roman" charset="0"/>
+                  <a:ea typeface="Times New Roman" charset="0"/>
+                  <a:cs typeface="Times New Roman" charset="0"/>
+                </a:endParaRPr>
+              </a:p>
+            </p:txBody>
+          </p:sp>
+          <p:cxnSp>
+            <p:nvCxnSpPr>
+              <p:cNvPr id="86" name="Straight Arrow Connector 85"/>
+              <p:cNvCxnSpPr/>
+              <p:nvPr/>
+            </p:nvCxnSpPr>
+            <p:spPr>
+              <a:xfrm>
+                <a:off x="4280051" y="4480287"/>
+                <a:ext cx="1780" cy="156540"/>
+              </a:xfrm>
+              <a:prstGeom prst="straightConnector1">
+                <a:avLst/>
+              </a:prstGeom>
+              <a:ln w="6350">
+                <a:solidFill>
+                  <a:schemeClr val="accent1"/>
+                </a:solidFill>
+                <a:tailEnd type="stealth"/>
+              </a:ln>
+            </p:spPr>
+            <p:style>
+              <a:lnRef idx="3">
+                <a:schemeClr val="accent1"/>
+              </a:lnRef>
+              <a:fillRef idx="0">
+                <a:schemeClr val="accent1"/>
+              </a:fillRef>
+              <a:effectRef idx="2">
+                <a:schemeClr val="accent1"/>
+              </a:effectRef>
+              <a:fontRef idx="minor">
+                <a:schemeClr val="tx1"/>
+              </a:fontRef>
+            </p:style>
+          </p:cxnSp>
+          <p:cxnSp>
+            <p:nvCxnSpPr>
+              <p:cNvPr id="87" name="Straight Arrow Connector 86"/>
+              <p:cNvCxnSpPr/>
+              <p:nvPr/>
+            </p:nvCxnSpPr>
+            <p:spPr>
+              <a:xfrm>
+                <a:off x="3455581" y="4420310"/>
+                <a:ext cx="109" cy="183722"/>
+              </a:xfrm>
+              <a:prstGeom prst="straightConnector1">
+                <a:avLst/>
+              </a:prstGeom>
+              <a:ln w="6350">
+                <a:solidFill>
+                  <a:schemeClr val="accent1"/>
+                </a:solidFill>
+                <a:tailEnd type="stealth"/>
+              </a:ln>
+            </p:spPr>
+            <p:style>
+              <a:lnRef idx="3">
+                <a:schemeClr val="accent1"/>
+              </a:lnRef>
+              <a:fillRef idx="0">
+                <a:schemeClr val="accent1"/>
+              </a:fillRef>
+              <a:effectRef idx="2">
+                <a:schemeClr val="accent1"/>
+              </a:effectRef>
+              <a:fontRef idx="minor">
+                <a:schemeClr val="tx1"/>
+              </a:fontRef>
+            </p:style>
+          </p:cxnSp>
+          <p:cxnSp>
+            <p:nvCxnSpPr>
+              <p:cNvPr id="88" name="Straight Arrow Connector 87"/>
+              <p:cNvCxnSpPr/>
+              <p:nvPr/>
+            </p:nvCxnSpPr>
+            <p:spPr>
+              <a:xfrm>
+                <a:off x="3559315" y="4754734"/>
+                <a:ext cx="191466" cy="0"/>
+              </a:xfrm>
+              <a:prstGeom prst="straightConnector1">
+                <a:avLst/>
+              </a:prstGeom>
+              <a:ln w="6350">
+                <a:solidFill>
+                  <a:schemeClr val="accent1"/>
+                </a:solidFill>
+                <a:tailEnd type="stealth"/>
+              </a:ln>
+            </p:spPr>
+            <p:style>
+              <a:lnRef idx="3">
+                <a:schemeClr val="accent1"/>
+              </a:lnRef>
+              <a:fillRef idx="0">
+                <a:schemeClr val="accent1"/>
+              </a:fillRef>
+              <a:effectRef idx="2">
+                <a:schemeClr val="accent1"/>
+              </a:effectRef>
+              <a:fontRef idx="minor">
+                <a:schemeClr val="tx1"/>
+              </a:fontRef>
+            </p:style>
+          </p:cxnSp>
+          <p:cxnSp>
+            <p:nvCxnSpPr>
+              <p:cNvPr id="89" name="Straight Arrow Connector 88"/>
+              <p:cNvCxnSpPr/>
+              <p:nvPr/>
+            </p:nvCxnSpPr>
+            <p:spPr>
+              <a:xfrm>
+                <a:off x="3992770" y="4754735"/>
+                <a:ext cx="191467" cy="0"/>
+              </a:xfrm>
+              <a:prstGeom prst="straightConnector1">
+                <a:avLst/>
+              </a:prstGeom>
+              <a:ln w="6350">
+                <a:solidFill>
+                  <a:schemeClr val="accent1"/>
+                </a:solidFill>
+                <a:tailEnd type="stealth"/>
+              </a:ln>
+            </p:spPr>
+            <p:style>
+              <a:lnRef idx="3">
+                <a:schemeClr val="accent1"/>
+              </a:lnRef>
+              <a:fillRef idx="0">
+                <a:schemeClr val="accent1"/>
+              </a:fillRef>
+              <a:effectRef idx="2">
+                <a:schemeClr val="accent1"/>
+              </a:effectRef>
+              <a:fontRef idx="minor">
+                <a:schemeClr val="tx1"/>
+              </a:fontRef>
+            </p:style>
+          </p:cxnSp>
+          <p:cxnSp>
+            <p:nvCxnSpPr>
+              <p:cNvPr id="90" name="Straight Arrow Connector 89"/>
+              <p:cNvCxnSpPr/>
+              <p:nvPr/>
+            </p:nvCxnSpPr>
+            <p:spPr>
+              <a:xfrm>
+                <a:off x="4386603" y="4757865"/>
+                <a:ext cx="191467" cy="0"/>
+              </a:xfrm>
+              <a:prstGeom prst="straightConnector1">
+                <a:avLst/>
+              </a:prstGeom>
+              <a:ln w="6350">
+                <a:solidFill>
+                  <a:schemeClr val="accent1"/>
+                </a:solidFill>
+                <a:tailEnd type="stealth"/>
+              </a:ln>
+            </p:spPr>
+            <p:style>
+              <a:lnRef idx="3">
+                <a:schemeClr val="accent1"/>
+              </a:lnRef>
+              <a:fillRef idx="0">
+                <a:schemeClr val="accent1"/>
+              </a:fillRef>
+              <a:effectRef idx="2">
+                <a:schemeClr val="accent1"/>
+              </a:effectRef>
+              <a:fontRef idx="minor">
+                <a:schemeClr val="tx1"/>
+              </a:fontRef>
+            </p:style>
+          </p:cxnSp>
+          <p:sp>
+            <p:nvSpPr>
+              <p:cNvPr id="91" name="Rectangle 90"/>
+              <p:cNvSpPr/>
+              <p:nvPr/>
+            </p:nvSpPr>
+            <p:spPr>
+              <a:xfrm>
+                <a:off x="3307744" y="4381167"/>
+                <a:ext cx="1574358" cy="912896"/>
+              </a:xfrm>
+              <a:prstGeom prst="rect">
+                <a:avLst/>
+              </a:prstGeom>
+              <a:noFill/>
+              <a:ln>
+                <a:solidFill>
+                  <a:schemeClr val="accent1"/>
+                </a:solidFill>
+                <a:prstDash val="dash"/>
+              </a:ln>
+            </p:spPr>
+            <p:style>
+              <a:lnRef idx="2">
+                <a:schemeClr val="accent1">
+                  <a:shade val="50000"/>
+                </a:schemeClr>
+              </a:lnRef>
+              <a:fillRef idx="1">
+                <a:schemeClr val="accent1"/>
+              </a:fillRef>
+              <a:effectRef idx="0">
+                <a:schemeClr val="accent1"/>
+              </a:effectRef>
+              <a:fontRef idx="minor">
+                <a:schemeClr val="lt1"/>
+              </a:fontRef>
+            </p:style>
+            <p:txBody>
+              <a:bodyPr rtlCol="0" anchor="ctr"/>
+              <a:lstStyle/>
+              <a:p>
+                <a:pPr algn="ctr"/>
+                <a:endParaRPr lang="en-US">
+                  <a:latin typeface="Times New Roman" charset="0"/>
+                  <a:ea typeface="Times New Roman" charset="0"/>
+                  <a:cs typeface="Times New Roman" charset="0"/>
+                </a:endParaRPr>
+              </a:p>
+            </p:txBody>
+          </p:sp>
+        </p:grpSp>
+        <p:sp>
+          <p:nvSpPr>
+            <p:cNvPr id="78" name="Rectangle 77"/>
+            <p:cNvSpPr/>
+            <p:nvPr/>
+          </p:nvSpPr>
+          <p:spPr>
+            <a:xfrm>
+              <a:off x="4684013" y="4634587"/>
+              <a:ext cx="152551" cy="146050"/>
+            </a:xfrm>
+            <a:prstGeom prst="rect">
+              <a:avLst/>
+            </a:prstGeom>
+            <a:solidFill>
+              <a:schemeClr val="accent1">
+                <a:lumMod val="40000"/>
+                <a:lumOff val="60000"/>
+                <a:alpha val="55000"/>
+              </a:schemeClr>
+            </a:solidFill>
+            <a:ln>
+              <a:noFill/>
+            </a:ln>
+          </p:spPr>
+          <p:style>
+            <a:lnRef idx="2">
+              <a:schemeClr val="accent1">
+                <a:shade val="50000"/>
+              </a:schemeClr>
+            </a:lnRef>
+            <a:fillRef idx="1">
+              <a:schemeClr val="accent1"/>
+            </a:fillRef>
+            <a:effectRef idx="0">
+              <a:schemeClr val="accent1"/>
+            </a:effectRef>
+            <a:fontRef idx="minor">
+              <a:schemeClr val="lt1"/>
+            </a:fontRef>
+          </p:style>
+          <p:txBody>
+            <a:bodyPr rtlCol="0" anchor="ctr"/>
+            <a:lstStyle/>
+            <a:p>
+              <a:pPr algn="ctr"/>
+              <a:endParaRPr lang="en-US">
+                <a:latin typeface="Times New Roman" charset="0"/>
+                <a:ea typeface="Times New Roman" charset="0"/>
+                <a:cs typeface="Times New Roman" charset="0"/>
+              </a:endParaRPr>
+            </a:p>
+          </p:txBody>
+        </p:sp>
+      </p:grpSp>
+      <p:grpSp>
+        <p:nvGrpSpPr>
+          <p:cNvPr id="23" name="Group 22"/>
+          <p:cNvGrpSpPr/>
+          <p:nvPr/>
+        </p:nvGrpSpPr>
+        <p:grpSpPr>
+          <a:xfrm>
+            <a:off x="7495192" y="4126167"/>
+            <a:ext cx="847747" cy="465195"/>
+            <a:chOff x="3357481" y="4339082"/>
+            <a:chExt cx="1574358" cy="912896"/>
+          </a:xfrm>
+        </p:grpSpPr>
+        <p:grpSp>
+          <p:nvGrpSpPr>
+            <p:cNvPr id="53" name="Group 52"/>
+            <p:cNvGrpSpPr/>
+            <p:nvPr/>
+          </p:nvGrpSpPr>
+          <p:grpSpPr>
+            <a:xfrm>
+              <a:off x="3357481" y="4339082"/>
+              <a:ext cx="1574358" cy="912896"/>
+              <a:chOff x="3307744" y="4381167"/>
+              <a:chExt cx="1574358" cy="912896"/>
+            </a:xfrm>
+          </p:grpSpPr>
+          <p:sp>
+            <p:nvSpPr>
+              <p:cNvPr id="55" name="Rectangle 54"/>
+              <p:cNvSpPr/>
+              <p:nvPr/>
+            </p:nvSpPr>
+            <p:spPr>
+              <a:xfrm>
+                <a:off x="3788482" y="4636827"/>
+                <a:ext cx="193993" cy="231382"/>
+              </a:xfrm>
+              <a:prstGeom prst="rect">
+                <a:avLst/>
+              </a:prstGeom>
+              <a:solidFill>
+                <a:schemeClr val="accent1">
+                  <a:lumMod val="40000"/>
+                  <a:lumOff val="60000"/>
+                </a:schemeClr>
+              </a:solidFill>
+              <a:ln w="6350">
+                <a:solidFill>
+                  <a:schemeClr val="accent1"/>
+                </a:solidFill>
+              </a:ln>
+            </p:spPr>
+            <p:style>
+              <a:lnRef idx="2">
+                <a:schemeClr val="accent1">
+                  <a:shade val="50000"/>
+                </a:schemeClr>
+              </a:lnRef>
+              <a:fillRef idx="1">
+                <a:schemeClr val="accent1"/>
+              </a:fillRef>
+              <a:effectRef idx="0">
+                <a:schemeClr val="accent1"/>
+              </a:effectRef>
+              <a:fontRef idx="minor">
+                <a:schemeClr val="lt1"/>
+              </a:fontRef>
+            </p:style>
+            <p:txBody>
+              <a:bodyPr rtlCol="0" anchor="ctr"/>
+              <a:lstStyle/>
+              <a:p>
+                <a:pPr algn="ctr"/>
+                <a:endParaRPr lang="en-US" dirty="0">
+                  <a:latin typeface="Times New Roman" charset="0"/>
+                  <a:ea typeface="Times New Roman" charset="0"/>
+                  <a:cs typeface="Times New Roman" charset="0"/>
+                </a:endParaRPr>
+              </a:p>
+            </p:txBody>
+          </p:sp>
+          <p:cxnSp>
+            <p:nvCxnSpPr>
+              <p:cNvPr id="56" name="Elbow Connector 55"/>
+              <p:cNvCxnSpPr/>
+              <p:nvPr/>
+            </p:nvCxnSpPr>
+            <p:spPr>
+              <a:xfrm rot="5400000" flipH="1">
+                <a:off x="4068182" y="4253574"/>
+                <a:ext cx="41489" cy="1245659"/>
+              </a:xfrm>
+              <a:prstGeom prst="bentConnector3">
+                <a:avLst>
+                  <a:gd name="adj1" fmla="val -800588"/>
+                </a:avLst>
+              </a:prstGeom>
+              <a:ln w="6350">
+                <a:solidFill>
+                  <a:schemeClr val="accent1"/>
+                </a:solidFill>
+                <a:tailEnd type="stealth"/>
+              </a:ln>
+            </p:spPr>
+            <p:style>
+              <a:lnRef idx="3">
+                <a:schemeClr val="accent1"/>
+              </a:lnRef>
+              <a:fillRef idx="0">
+                <a:schemeClr val="accent1"/>
+              </a:fillRef>
+              <a:effectRef idx="2">
+                <a:schemeClr val="accent1"/>
+              </a:effectRef>
+              <a:fontRef idx="minor">
+                <a:schemeClr val="tx1"/>
+              </a:fontRef>
+            </p:style>
+          </p:cxnSp>
+          <p:sp>
+            <p:nvSpPr>
+              <p:cNvPr id="57" name="Oval 56"/>
+              <p:cNvSpPr/>
+              <p:nvPr/>
+            </p:nvSpPr>
+            <p:spPr>
+              <a:xfrm>
+                <a:off x="3372877" y="4634915"/>
+                <a:ext cx="186438" cy="220744"/>
+              </a:xfrm>
+              <a:prstGeom prst="ellipse">
+                <a:avLst/>
+              </a:prstGeom>
+              <a:solidFill>
+                <a:schemeClr val="accent1">
+                  <a:lumMod val="40000"/>
+                  <a:lumOff val="60000"/>
+                </a:schemeClr>
+              </a:solidFill>
+              <a:ln>
+                <a:solidFill>
+                  <a:schemeClr val="accent1"/>
+                </a:solidFill>
+              </a:ln>
+            </p:spPr>
+            <p:style>
+              <a:lnRef idx="2">
+                <a:schemeClr val="accent1">
+                  <a:shade val="50000"/>
+                </a:schemeClr>
+              </a:lnRef>
+              <a:fillRef idx="1">
+                <a:schemeClr val="accent1"/>
+              </a:fillRef>
+              <a:effectRef idx="0">
+                <a:schemeClr val="accent1"/>
+              </a:effectRef>
+              <a:fontRef idx="minor">
+                <a:schemeClr val="lt1"/>
+              </a:fontRef>
+            </p:style>
+            <p:txBody>
+              <a:bodyPr rtlCol="0" anchor="ctr"/>
+              <a:lstStyle/>
+              <a:p>
+                <a:pPr algn="ctr"/>
+                <a:endParaRPr lang="en-US" sz="5400" dirty="0">
+                  <a:latin typeface="Times New Roman" charset="0"/>
+                  <a:ea typeface="Times New Roman" charset="0"/>
+                  <a:cs typeface="Times New Roman" charset="0"/>
+                </a:endParaRPr>
+              </a:p>
+            </p:txBody>
+          </p:sp>
+          <p:sp>
+            <p:nvSpPr>
+              <p:cNvPr id="58" name="Rectangle 57"/>
+              <p:cNvSpPr/>
+              <p:nvPr/>
+            </p:nvSpPr>
+            <p:spPr>
+              <a:xfrm>
+                <a:off x="4184238" y="4636827"/>
+                <a:ext cx="193937" cy="231382"/>
+              </a:xfrm>
+              <a:prstGeom prst="rect">
+                <a:avLst/>
+              </a:prstGeom>
+              <a:solidFill>
+                <a:schemeClr val="accent1">
+                  <a:lumMod val="40000"/>
+                  <a:lumOff val="60000"/>
+                </a:schemeClr>
+              </a:solidFill>
+              <a:ln>
+                <a:solidFill>
+                  <a:schemeClr val="accent1"/>
+                </a:solidFill>
+              </a:ln>
+            </p:spPr>
+            <p:style>
+              <a:lnRef idx="1">
+                <a:schemeClr val="accent1"/>
+              </a:lnRef>
+              <a:fillRef idx="2">
+                <a:schemeClr val="accent1"/>
+              </a:fillRef>
+              <a:effectRef idx="1">
+                <a:schemeClr val="accent1"/>
+              </a:effectRef>
+              <a:fontRef idx="minor">
+                <a:schemeClr val="dk1"/>
+              </a:fontRef>
+            </p:style>
+            <p:txBody>
+              <a:bodyPr rtlCol="0" anchor="ctr"/>
+              <a:lstStyle/>
+              <a:p>
+                <a:pPr algn="ctr"/>
+                <a:endParaRPr lang="en-US" dirty="0">
+                  <a:latin typeface="Times New Roman" charset="0"/>
+                  <a:ea typeface="Times New Roman" charset="0"/>
+                  <a:cs typeface="Times New Roman" charset="0"/>
+                </a:endParaRPr>
+              </a:p>
+            </p:txBody>
+          </p:sp>
+          <p:sp>
+            <p:nvSpPr>
+              <p:cNvPr id="59" name="Rectangle 58"/>
+              <p:cNvSpPr/>
+              <p:nvPr/>
+            </p:nvSpPr>
+            <p:spPr>
+              <a:xfrm>
+                <a:off x="4579405" y="4420312"/>
+                <a:ext cx="264698" cy="476836"/>
+              </a:xfrm>
+              <a:prstGeom prst="rect">
+                <a:avLst/>
+              </a:prstGeom>
+              <a:solidFill>
+                <a:schemeClr val="accent1">
+                  <a:lumMod val="40000"/>
+                  <a:lumOff val="60000"/>
+                </a:schemeClr>
+              </a:solidFill>
+              <a:ln>
+                <a:solidFill>
+                  <a:schemeClr val="accent1"/>
+                </a:solidFill>
+              </a:ln>
+            </p:spPr>
+            <p:style>
+              <a:lnRef idx="2">
+                <a:schemeClr val="accent1">
+                  <a:shade val="50000"/>
+                </a:schemeClr>
+              </a:lnRef>
+              <a:fillRef idx="1">
+                <a:schemeClr val="accent1"/>
+              </a:fillRef>
+              <a:effectRef idx="0">
+                <a:schemeClr val="accent1"/>
+              </a:effectRef>
+              <a:fontRef idx="minor">
+                <a:schemeClr val="lt1"/>
+              </a:fontRef>
+            </p:style>
+            <p:txBody>
+              <a:bodyPr rtlCol="0" anchor="ctr"/>
+              <a:lstStyle/>
+              <a:p>
+                <a:pPr algn="ctr"/>
+                <a:endParaRPr lang="en-US" sz="1600">
+                  <a:latin typeface="Times New Roman" charset="0"/>
+                  <a:ea typeface="Times New Roman" charset="0"/>
+                  <a:cs typeface="Times New Roman" charset="0"/>
+                </a:endParaRPr>
+              </a:p>
+            </p:txBody>
+          </p:sp>
+          <p:grpSp>
+            <p:nvGrpSpPr>
+              <p:cNvPr id="60" name="Group 99"/>
+              <p:cNvGrpSpPr>
+                <a:grpSpLocks/>
+              </p:cNvGrpSpPr>
+              <p:nvPr/>
+            </p:nvGrpSpPr>
+            <p:grpSpPr bwMode="auto">
+              <a:xfrm>
+                <a:off x="4628762" y="4665765"/>
+                <a:ext cx="161835" cy="158165"/>
+                <a:chOff x="7239000" y="4549063"/>
+                <a:chExt cx="762000" cy="584138"/>
+              </a:xfrm>
+            </p:grpSpPr>
+            <p:sp>
+              <p:nvSpPr>
+                <p:cNvPr id="68" name="Oval 12"/>
+                <p:cNvSpPr/>
+                <p:nvPr/>
+              </p:nvSpPr>
+              <p:spPr>
+                <a:xfrm>
+                  <a:off x="7366000" y="4657717"/>
+                  <a:ext cx="527538" cy="461789"/>
+                </a:xfrm>
+                <a:prstGeom prst="ellipse">
+                  <a:avLst/>
+                </a:prstGeom>
+                <a:gradFill rotWithShape="1">
+                  <a:gsLst>
+                    <a:gs pos="0">
+                      <a:srgbClr val="BBE0E3">
+                        <a:shade val="51000"/>
+                        <a:satMod val="130000"/>
+                      </a:srgbClr>
+                    </a:gs>
+                    <a:gs pos="80000">
+                      <a:srgbClr val="BBE0E3">
+                        <a:shade val="93000"/>
+                        <a:satMod val="130000"/>
+                      </a:srgbClr>
+                    </a:gs>
+                    <a:gs pos="100000">
+                      <a:srgbClr val="BBE0E3">
+                        <a:shade val="94000"/>
+                        <a:satMod val="135000"/>
+                      </a:srgbClr>
+                    </a:gs>
+                  </a:gsLst>
+                  <a:lin ang="16200000" scaled="0"/>
+                </a:gradFill>
+                <a:ln>
+                  <a:noFill/>
+                </a:ln>
+                <a:effectLst>
+                  <a:outerShdw blurRad="40000" dist="23000" dir="5400000" rotWithShape="0">
+                    <a:srgbClr val="000000">
+                      <a:alpha val="35000"/>
+                    </a:srgbClr>
+                  </a:outerShdw>
+                </a:effectLst>
+                <a:scene3d>
+                  <a:camera prst="orthographicFront">
+                    <a:rot lat="0" lon="0" rev="0"/>
+                  </a:camera>
+                  <a:lightRig rig="threePt" dir="t">
+                    <a:rot lat="0" lon="0" rev="1200000"/>
+                  </a:lightRig>
+                </a:scene3d>
+                <a:sp3d>
+                  <a:bevelT w="63500" h="25400"/>
+                </a:sp3d>
+              </p:spPr>
+              <p:txBody>
+                <a:bodyPr anchor="ctr"/>
+                <a:lstStyle/>
+                <a:p>
+                  <a:pPr algn="ctr">
+                    <a:defRPr/>
+                  </a:pPr>
+                  <a:endParaRPr lang="en-US" sz="1400" kern="0">
+                    <a:solidFill>
+                      <a:srgbClr val="FFFFFF"/>
+                    </a:solidFill>
+                    <a:latin typeface="Times New Roman" charset="0"/>
+                    <a:ea typeface="Times New Roman" charset="0"/>
+                    <a:cs typeface="Times New Roman" charset="0"/>
+                  </a:endParaRPr>
+                </a:p>
+              </p:txBody>
+            </p:sp>
+            <p:cxnSp>
+              <p:nvCxnSpPr>
+                <p:cNvPr id="69" name="Straight Connector 13"/>
+                <p:cNvCxnSpPr/>
+                <p:nvPr/>
+              </p:nvCxnSpPr>
+              <p:spPr>
+                <a:xfrm rot="5400000">
+                  <a:off x="7543026" y="4733944"/>
+                  <a:ext cx="153947" cy="0"/>
+                </a:xfrm>
+                <a:prstGeom prst="line">
+                  <a:avLst/>
+                </a:prstGeom>
+                <a:noFill/>
+                <a:ln w="25400" cap="flat" cmpd="sng" algn="ctr">
+                  <a:solidFill>
+                    <a:srgbClr val="000000"/>
+                  </a:solidFill>
+                  <a:prstDash val="solid"/>
+                </a:ln>
+                <a:effectLst>
+                  <a:outerShdw blurRad="40000" dist="20000" dir="5400000" rotWithShape="0">
+                    <a:srgbClr val="000000">
+                      <a:alpha val="38000"/>
+                    </a:srgbClr>
+                  </a:outerShdw>
+                </a:effectLst>
+              </p:spPr>
+            </p:cxnSp>
+            <p:sp>
+              <p:nvSpPr>
+                <p:cNvPr id="70" name="Minus 14"/>
+                <p:cNvSpPr/>
+                <p:nvPr/>
+              </p:nvSpPr>
+              <p:spPr>
+                <a:xfrm rot="16200000">
+                  <a:off x="7579716" y="4530610"/>
+                  <a:ext cx="80571" cy="117475"/>
+                </a:xfrm>
+                <a:prstGeom prst="mathMinus">
+                  <a:avLst/>
+                </a:prstGeom>
+                <a:solidFill>
+                  <a:srgbClr val="000000"/>
+                </a:solidFill>
+                <a:ln w="3175" cap="flat" cmpd="sng" algn="ctr">
+                  <a:solidFill>
+                    <a:srgbClr val="FFFFFF"/>
+                  </a:solidFill>
+                  <a:prstDash val="solid"/>
+                </a:ln>
+                <a:effectLst>
+                  <a:outerShdw blurRad="40000" dist="20000" dir="5400000" rotWithShape="0">
+                    <a:srgbClr val="000000">
+                      <a:alpha val="38000"/>
+                    </a:srgbClr>
+                  </a:outerShdw>
+                </a:effectLst>
+              </p:spPr>
+              <p:txBody>
+                <a:bodyPr anchor="ctr"/>
+                <a:lstStyle/>
+                <a:p>
+                  <a:pPr algn="ctr">
+                    <a:defRPr/>
+                  </a:pPr>
+                  <a:endParaRPr lang="en-US" sz="1400" kern="0">
+                    <a:solidFill>
+                      <a:srgbClr val="FFFFFF"/>
+                    </a:solidFill>
+                    <a:latin typeface="Times New Roman" charset="0"/>
+                    <a:ea typeface="Times New Roman" charset="0"/>
+                    <a:cs typeface="Times New Roman" charset="0"/>
+                  </a:endParaRPr>
+                </a:p>
+              </p:txBody>
+            </p:sp>
+            <p:sp>
+              <p:nvSpPr>
+                <p:cNvPr id="71" name="Minus 15"/>
+                <p:cNvSpPr/>
+                <p:nvPr/>
+              </p:nvSpPr>
+              <p:spPr>
+                <a:xfrm>
+                  <a:off x="7913688" y="4820990"/>
+                  <a:ext cx="87312" cy="107907"/>
+                </a:xfrm>
+                <a:prstGeom prst="mathMinus">
+                  <a:avLst/>
+                </a:prstGeom>
+                <a:solidFill>
+                  <a:srgbClr val="000000"/>
+                </a:solidFill>
+                <a:ln w="3175" cap="flat" cmpd="sng" algn="ctr">
+                  <a:solidFill>
+                    <a:srgbClr val="FFFFFF"/>
+                  </a:solidFill>
+                  <a:prstDash val="solid"/>
+                </a:ln>
+                <a:effectLst>
+                  <a:outerShdw blurRad="40000" dist="20000" dir="5400000" rotWithShape="0">
+                    <a:srgbClr val="000000">
+                      <a:alpha val="38000"/>
+                    </a:srgbClr>
+                  </a:outerShdw>
+                </a:effectLst>
+              </p:spPr>
+              <p:txBody>
+                <a:bodyPr anchor="ctr"/>
+                <a:lstStyle/>
+                <a:p>
+                  <a:pPr algn="ctr">
+                    <a:defRPr/>
+                  </a:pPr>
+                  <a:endParaRPr lang="en-US" sz="1400" kern="0">
+                    <a:solidFill>
+                      <a:srgbClr val="FFFFFF"/>
+                    </a:solidFill>
+                    <a:latin typeface="Times New Roman" charset="0"/>
+                    <a:ea typeface="Times New Roman" charset="0"/>
+                    <a:cs typeface="Times New Roman" charset="0"/>
+                  </a:endParaRPr>
+                </a:p>
+              </p:txBody>
+            </p:sp>
+            <p:sp>
+              <p:nvSpPr>
+                <p:cNvPr id="72" name="Minus 16"/>
+                <p:cNvSpPr/>
+                <p:nvPr/>
+              </p:nvSpPr>
+              <p:spPr>
+                <a:xfrm>
+                  <a:off x="7239000" y="4820990"/>
+                  <a:ext cx="87313" cy="107907"/>
+                </a:xfrm>
+                <a:prstGeom prst="mathMinus">
+                  <a:avLst/>
+                </a:prstGeom>
+                <a:solidFill>
+                  <a:srgbClr val="000000"/>
+                </a:solidFill>
+                <a:ln w="3175" cap="flat" cmpd="sng" algn="ctr">
+                  <a:solidFill>
+                    <a:srgbClr val="FFFFFF"/>
+                  </a:solidFill>
+                  <a:prstDash val="solid"/>
+                </a:ln>
+                <a:effectLst>
+                  <a:outerShdw blurRad="40000" dist="20000" dir="5400000" rotWithShape="0">
+                    <a:srgbClr val="000000">
+                      <a:alpha val="38000"/>
+                    </a:srgbClr>
+                  </a:outerShdw>
+                </a:effectLst>
+              </p:spPr>
+              <p:txBody>
+                <a:bodyPr anchor="ctr"/>
+                <a:lstStyle/>
+                <a:p>
+                  <a:pPr algn="ctr">
+                    <a:defRPr/>
+                  </a:pPr>
+                  <a:endParaRPr lang="en-US" sz="1400" kern="0">
+                    <a:solidFill>
+                      <a:srgbClr val="FFFFFF"/>
+                    </a:solidFill>
+                    <a:latin typeface="Times New Roman" charset="0"/>
+                    <a:ea typeface="Times New Roman" charset="0"/>
+                    <a:cs typeface="Times New Roman" charset="0"/>
+                  </a:endParaRPr>
+                </a:p>
+              </p:txBody>
+            </p:sp>
+            <p:sp>
+              <p:nvSpPr>
+                <p:cNvPr id="73" name="Minus 17"/>
+                <p:cNvSpPr/>
+                <p:nvPr/>
+              </p:nvSpPr>
+              <p:spPr>
+                <a:xfrm rot="2264948">
+                  <a:off x="7323138" y="4644021"/>
+                  <a:ext cx="87312" cy="109346"/>
+                </a:xfrm>
+                <a:prstGeom prst="mathMinus">
+                  <a:avLst/>
+                </a:prstGeom>
+                <a:solidFill>
+                  <a:srgbClr val="000000"/>
+                </a:solidFill>
+                <a:ln w="3175" cap="flat" cmpd="sng" algn="ctr">
+                  <a:solidFill>
+                    <a:srgbClr val="FFFFFF"/>
+                  </a:solidFill>
+                  <a:prstDash val="solid"/>
+                </a:ln>
+                <a:effectLst>
+                  <a:outerShdw blurRad="40000" dist="20000" dir="5400000" rotWithShape="0">
+                    <a:srgbClr val="000000">
+                      <a:alpha val="38000"/>
+                    </a:srgbClr>
+                  </a:outerShdw>
+                </a:effectLst>
+              </p:spPr>
+              <p:txBody>
+                <a:bodyPr anchor="ctr"/>
+                <a:lstStyle/>
+                <a:p>
+                  <a:pPr algn="ctr">
+                    <a:defRPr/>
+                  </a:pPr>
+                  <a:endParaRPr lang="en-US" sz="1400" kern="0">
+                    <a:solidFill>
+                      <a:srgbClr val="FFFFFF"/>
+                    </a:solidFill>
+                    <a:latin typeface="Times New Roman" charset="0"/>
+                    <a:ea typeface="Times New Roman" charset="0"/>
+                    <a:cs typeface="Times New Roman" charset="0"/>
+                  </a:endParaRPr>
+                </a:p>
+              </p:txBody>
+            </p:sp>
+            <p:sp>
+              <p:nvSpPr>
+                <p:cNvPr id="74" name="Minus 18"/>
+                <p:cNvSpPr/>
+                <p:nvPr/>
+              </p:nvSpPr>
+              <p:spPr>
+                <a:xfrm rot="19067474">
+                  <a:off x="7826375" y="4644021"/>
+                  <a:ext cx="87313" cy="107908"/>
+                </a:xfrm>
+                <a:prstGeom prst="mathMinus">
+                  <a:avLst/>
+                </a:prstGeom>
+                <a:solidFill>
+                  <a:srgbClr val="000000"/>
+                </a:solidFill>
+                <a:ln w="3175" cap="flat" cmpd="sng" algn="ctr">
+                  <a:solidFill>
+                    <a:srgbClr val="FFFFFF"/>
+                  </a:solidFill>
+                  <a:prstDash val="solid"/>
+                </a:ln>
+                <a:effectLst>
+                  <a:outerShdw blurRad="40000" dist="20000" dir="5400000" rotWithShape="0">
+                    <a:srgbClr val="000000">
+                      <a:alpha val="38000"/>
+                    </a:srgbClr>
+                  </a:outerShdw>
+                </a:effectLst>
+              </p:spPr>
+              <p:txBody>
+                <a:bodyPr anchor="ctr"/>
+                <a:lstStyle/>
+                <a:p>
+                  <a:pPr algn="ctr">
+                    <a:defRPr/>
+                  </a:pPr>
+                  <a:endParaRPr lang="en-US" sz="1400" kern="0">
+                    <a:solidFill>
+                      <a:srgbClr val="FFFFFF"/>
+                    </a:solidFill>
+                    <a:latin typeface="Times New Roman" charset="0"/>
+                    <a:ea typeface="Times New Roman" charset="0"/>
+                    <a:cs typeface="Times New Roman" charset="0"/>
+                  </a:endParaRPr>
+                </a:p>
+              </p:txBody>
+            </p:sp>
+            <p:sp>
+              <p:nvSpPr>
+                <p:cNvPr id="75" name="Minus 19"/>
+                <p:cNvSpPr/>
+                <p:nvPr/>
+              </p:nvSpPr>
+              <p:spPr>
+                <a:xfrm rot="19189480">
+                  <a:off x="7329488" y="5025294"/>
+                  <a:ext cx="87312" cy="107907"/>
+                </a:xfrm>
+                <a:prstGeom prst="mathMinus">
+                  <a:avLst/>
+                </a:prstGeom>
+                <a:solidFill>
+                  <a:srgbClr val="000000"/>
+                </a:solidFill>
+                <a:ln w="3175" cap="flat" cmpd="sng" algn="ctr">
+                  <a:solidFill>
+                    <a:srgbClr val="FFFFFF"/>
+                  </a:solidFill>
+                  <a:prstDash val="solid"/>
+                </a:ln>
+                <a:effectLst>
+                  <a:outerShdw blurRad="40000" dist="20000" dir="5400000" rotWithShape="0">
+                    <a:srgbClr val="000000">
+                      <a:alpha val="38000"/>
+                    </a:srgbClr>
+                  </a:outerShdw>
+                </a:effectLst>
+              </p:spPr>
+              <p:txBody>
+                <a:bodyPr anchor="ctr"/>
+                <a:lstStyle/>
+                <a:p>
+                  <a:pPr algn="ctr">
+                    <a:defRPr/>
+                  </a:pPr>
+                  <a:endParaRPr lang="en-US" sz="1400" kern="0">
+                    <a:solidFill>
+                      <a:srgbClr val="FFFFFF"/>
+                    </a:solidFill>
+                    <a:latin typeface="Times New Roman" charset="0"/>
+                    <a:ea typeface="Times New Roman" charset="0"/>
+                    <a:cs typeface="Times New Roman" charset="0"/>
+                  </a:endParaRPr>
+                </a:p>
+              </p:txBody>
+            </p:sp>
+            <p:sp>
+              <p:nvSpPr>
+                <p:cNvPr id="76" name="Minus 20"/>
+                <p:cNvSpPr/>
+                <p:nvPr/>
+              </p:nvSpPr>
+              <p:spPr>
+                <a:xfrm rot="2517184">
+                  <a:off x="7826375" y="5025294"/>
+                  <a:ext cx="87313" cy="107907"/>
+                </a:xfrm>
+                <a:prstGeom prst="mathMinus">
+                  <a:avLst/>
+                </a:prstGeom>
+                <a:solidFill>
+                  <a:srgbClr val="000000"/>
+                </a:solidFill>
+                <a:ln w="3175" cap="flat" cmpd="sng" algn="ctr">
+                  <a:solidFill>
+                    <a:srgbClr val="FFFFFF"/>
+                  </a:solidFill>
+                  <a:prstDash val="solid"/>
+                </a:ln>
+                <a:effectLst>
+                  <a:outerShdw blurRad="40000" dist="20000" dir="5400000" rotWithShape="0">
+                    <a:srgbClr val="000000">
+                      <a:alpha val="38000"/>
+                    </a:srgbClr>
+                  </a:outerShdw>
+                </a:effectLst>
+              </p:spPr>
+              <p:txBody>
+                <a:bodyPr anchor="ctr"/>
+                <a:lstStyle/>
+                <a:p>
+                  <a:pPr algn="ctr">
+                    <a:defRPr/>
+                  </a:pPr>
+                  <a:endParaRPr lang="en-US" sz="1400" kern="0">
+                    <a:solidFill>
+                      <a:srgbClr val="FFFFFF"/>
+                    </a:solidFill>
+                    <a:latin typeface="Times New Roman" charset="0"/>
+                    <a:ea typeface="Times New Roman" charset="0"/>
+                    <a:cs typeface="Times New Roman" charset="0"/>
+                  </a:endParaRPr>
+                </a:p>
+              </p:txBody>
+            </p:sp>
+          </p:grpSp>
+          <p:sp>
+            <p:nvSpPr>
+              <p:cNvPr id="61" name="Rectangle 60"/>
+              <p:cNvSpPr/>
+              <p:nvPr/>
+            </p:nvSpPr>
+            <p:spPr>
+              <a:xfrm>
+                <a:off x="3778877" y="4420310"/>
+                <a:ext cx="599297" cy="59977"/>
+              </a:xfrm>
+              <a:prstGeom prst="rect">
+                <a:avLst/>
+              </a:prstGeom>
+              <a:solidFill>
+                <a:schemeClr val="accent1">
+                  <a:lumMod val="40000"/>
+                  <a:lumOff val="60000"/>
+                </a:schemeClr>
+              </a:solidFill>
+              <a:ln>
+                <a:solidFill>
+                  <a:schemeClr val="accent1"/>
+                </a:solidFill>
+              </a:ln>
+            </p:spPr>
+            <p:style>
+              <a:lnRef idx="1">
+                <a:schemeClr val="accent1"/>
+              </a:lnRef>
+              <a:fillRef idx="2">
+                <a:schemeClr val="accent1"/>
+              </a:fillRef>
+              <a:effectRef idx="1">
+                <a:schemeClr val="accent1"/>
+              </a:effectRef>
+              <a:fontRef idx="minor">
+                <a:schemeClr val="dk1"/>
+              </a:fontRef>
+            </p:style>
+            <p:txBody>
+              <a:bodyPr rtlCol="0" anchor="ctr"/>
+              <a:lstStyle/>
+              <a:p>
+                <a:pPr algn="ctr"/>
+                <a:endParaRPr lang="en-US">
+                  <a:latin typeface="Times New Roman" charset="0"/>
+                  <a:ea typeface="Times New Roman" charset="0"/>
+                  <a:cs typeface="Times New Roman" charset="0"/>
+                </a:endParaRPr>
+              </a:p>
+            </p:txBody>
+          </p:sp>
+          <p:cxnSp>
+            <p:nvCxnSpPr>
+              <p:cNvPr id="62" name="Straight Arrow Connector 61"/>
+              <p:cNvCxnSpPr/>
+              <p:nvPr/>
+            </p:nvCxnSpPr>
+            <p:spPr>
+              <a:xfrm>
+                <a:off x="4280051" y="4480287"/>
+                <a:ext cx="1780" cy="156540"/>
+              </a:xfrm>
+              <a:prstGeom prst="straightConnector1">
+                <a:avLst/>
+              </a:prstGeom>
+              <a:ln w="6350">
+                <a:solidFill>
+                  <a:schemeClr val="accent1"/>
+                </a:solidFill>
+                <a:tailEnd type="stealth"/>
+              </a:ln>
+            </p:spPr>
+            <p:style>
+              <a:lnRef idx="3">
+                <a:schemeClr val="accent1"/>
+              </a:lnRef>
+              <a:fillRef idx="0">
+                <a:schemeClr val="accent1"/>
+              </a:fillRef>
+              <a:effectRef idx="2">
+                <a:schemeClr val="accent1"/>
+              </a:effectRef>
+              <a:fontRef idx="minor">
+                <a:schemeClr val="tx1"/>
+              </a:fontRef>
+            </p:style>
+          </p:cxnSp>
+          <p:cxnSp>
+            <p:nvCxnSpPr>
+              <p:cNvPr id="63" name="Straight Arrow Connector 62"/>
+              <p:cNvCxnSpPr/>
+              <p:nvPr/>
+            </p:nvCxnSpPr>
+            <p:spPr>
+              <a:xfrm>
+                <a:off x="3455581" y="4420310"/>
+                <a:ext cx="109" cy="183722"/>
+              </a:xfrm>
+              <a:prstGeom prst="straightConnector1">
+                <a:avLst/>
+              </a:prstGeom>
+              <a:ln w="6350">
+                <a:solidFill>
+                  <a:schemeClr val="accent1"/>
+                </a:solidFill>
+                <a:tailEnd type="stealth"/>
+              </a:ln>
+            </p:spPr>
+            <p:style>
+              <a:lnRef idx="3">
+                <a:schemeClr val="accent1"/>
+              </a:lnRef>
+              <a:fillRef idx="0">
+                <a:schemeClr val="accent1"/>
+              </a:fillRef>
+              <a:effectRef idx="2">
+                <a:schemeClr val="accent1"/>
+              </a:effectRef>
+              <a:fontRef idx="minor">
+                <a:schemeClr val="tx1"/>
+              </a:fontRef>
+            </p:style>
+          </p:cxnSp>
+          <p:cxnSp>
+            <p:nvCxnSpPr>
+              <p:cNvPr id="64" name="Straight Arrow Connector 63"/>
+              <p:cNvCxnSpPr/>
+              <p:nvPr/>
+            </p:nvCxnSpPr>
+            <p:spPr>
+              <a:xfrm>
+                <a:off x="3559315" y="4754734"/>
+                <a:ext cx="191466" cy="0"/>
+              </a:xfrm>
+              <a:prstGeom prst="straightConnector1">
+                <a:avLst/>
+              </a:prstGeom>
+              <a:ln w="6350">
+                <a:solidFill>
+                  <a:schemeClr val="accent1"/>
+                </a:solidFill>
+                <a:tailEnd type="stealth"/>
+              </a:ln>
+            </p:spPr>
+            <p:style>
+              <a:lnRef idx="3">
+                <a:schemeClr val="accent1"/>
+              </a:lnRef>
+              <a:fillRef idx="0">
+                <a:schemeClr val="accent1"/>
+              </a:fillRef>
+              <a:effectRef idx="2">
+                <a:schemeClr val="accent1"/>
+              </a:effectRef>
+              <a:fontRef idx="minor">
+                <a:schemeClr val="tx1"/>
+              </a:fontRef>
+            </p:style>
+          </p:cxnSp>
+          <p:cxnSp>
+            <p:nvCxnSpPr>
+              <p:cNvPr id="65" name="Straight Arrow Connector 64"/>
+              <p:cNvCxnSpPr/>
+              <p:nvPr/>
+            </p:nvCxnSpPr>
+            <p:spPr>
+              <a:xfrm>
+                <a:off x="3992770" y="4754735"/>
+                <a:ext cx="191467" cy="0"/>
+              </a:xfrm>
+              <a:prstGeom prst="straightConnector1">
+                <a:avLst/>
+              </a:prstGeom>
+              <a:ln w="6350">
+                <a:solidFill>
+                  <a:schemeClr val="accent1"/>
+                </a:solidFill>
+                <a:tailEnd type="stealth"/>
+              </a:ln>
+            </p:spPr>
+            <p:style>
+              <a:lnRef idx="3">
+                <a:schemeClr val="accent1"/>
+              </a:lnRef>
+              <a:fillRef idx="0">
+                <a:schemeClr val="accent1"/>
+              </a:fillRef>
+              <a:effectRef idx="2">
+                <a:schemeClr val="accent1"/>
+              </a:effectRef>
+              <a:fontRef idx="minor">
+                <a:schemeClr val="tx1"/>
+              </a:fontRef>
+            </p:style>
+          </p:cxnSp>
+          <p:cxnSp>
+            <p:nvCxnSpPr>
+              <p:cNvPr id="66" name="Straight Arrow Connector 65"/>
+              <p:cNvCxnSpPr/>
+              <p:nvPr/>
+            </p:nvCxnSpPr>
+            <p:spPr>
+              <a:xfrm>
+                <a:off x="4386603" y="4757865"/>
+                <a:ext cx="191467" cy="0"/>
+              </a:xfrm>
+              <a:prstGeom prst="straightConnector1">
+                <a:avLst/>
+              </a:prstGeom>
+              <a:ln w="6350">
+                <a:solidFill>
+                  <a:schemeClr val="accent1"/>
+                </a:solidFill>
+                <a:tailEnd type="stealth"/>
+              </a:ln>
+            </p:spPr>
+            <p:style>
+              <a:lnRef idx="3">
+                <a:schemeClr val="accent1"/>
+              </a:lnRef>
+              <a:fillRef idx="0">
+                <a:schemeClr val="accent1"/>
+              </a:fillRef>
+              <a:effectRef idx="2">
+                <a:schemeClr val="accent1"/>
+              </a:effectRef>
+              <a:fontRef idx="minor">
+                <a:schemeClr val="tx1"/>
+              </a:fontRef>
+            </p:style>
+          </p:cxnSp>
+          <p:sp>
+            <p:nvSpPr>
+              <p:cNvPr id="67" name="Rectangle 66"/>
+              <p:cNvSpPr/>
+              <p:nvPr/>
+            </p:nvSpPr>
+            <p:spPr>
+              <a:xfrm>
+                <a:off x="3307744" y="4381167"/>
+                <a:ext cx="1574358" cy="912896"/>
+              </a:xfrm>
+              <a:prstGeom prst="rect">
+                <a:avLst/>
+              </a:prstGeom>
+              <a:noFill/>
+              <a:ln>
+                <a:solidFill>
+                  <a:schemeClr val="accent1"/>
+                </a:solidFill>
+                <a:prstDash val="dash"/>
+              </a:ln>
+            </p:spPr>
+            <p:style>
+              <a:lnRef idx="2">
+                <a:schemeClr val="accent1">
+                  <a:shade val="50000"/>
+                </a:schemeClr>
+              </a:lnRef>
+              <a:fillRef idx="1">
+                <a:schemeClr val="accent1"/>
+              </a:fillRef>
+              <a:effectRef idx="0">
+                <a:schemeClr val="accent1"/>
+              </a:effectRef>
+              <a:fontRef idx="minor">
+                <a:schemeClr val="lt1"/>
+              </a:fontRef>
+            </p:style>
+            <p:txBody>
+              <a:bodyPr rtlCol="0" anchor="ctr"/>
+              <a:lstStyle/>
+              <a:p>
+                <a:pPr algn="ctr"/>
+                <a:endParaRPr lang="en-US">
+                  <a:latin typeface="Times New Roman" charset="0"/>
+                  <a:ea typeface="Times New Roman" charset="0"/>
+                  <a:cs typeface="Times New Roman" charset="0"/>
+                </a:endParaRPr>
+              </a:p>
+            </p:txBody>
+          </p:sp>
+        </p:grpSp>
+        <p:sp>
+          <p:nvSpPr>
+            <p:cNvPr id="54" name="Rectangle 53"/>
+            <p:cNvSpPr/>
+            <p:nvPr/>
+          </p:nvSpPr>
+          <p:spPr>
+            <a:xfrm>
+              <a:off x="4684013" y="4634587"/>
+              <a:ext cx="152551" cy="146050"/>
+            </a:xfrm>
+            <a:prstGeom prst="rect">
+              <a:avLst/>
+            </a:prstGeom>
+            <a:solidFill>
+              <a:schemeClr val="accent1">
+                <a:lumMod val="40000"/>
+                <a:lumOff val="60000"/>
+                <a:alpha val="55000"/>
+              </a:schemeClr>
+            </a:solidFill>
+            <a:ln>
+              <a:noFill/>
+            </a:ln>
+          </p:spPr>
+          <p:style>
+            <a:lnRef idx="2">
+              <a:schemeClr val="accent1">
+                <a:shade val="50000"/>
+              </a:schemeClr>
+            </a:lnRef>
+            <a:fillRef idx="1">
+              <a:schemeClr val="accent1"/>
+            </a:fillRef>
+            <a:effectRef idx="0">
+              <a:schemeClr val="accent1"/>
+            </a:effectRef>
+            <a:fontRef idx="minor">
+              <a:schemeClr val="lt1"/>
+            </a:fontRef>
+          </p:style>
+          <p:txBody>
+            <a:bodyPr rtlCol="0" anchor="ctr"/>
+            <a:lstStyle/>
+            <a:p>
+              <a:pPr algn="ctr"/>
+              <a:endParaRPr lang="en-US">
+                <a:latin typeface="Times New Roman" charset="0"/>
+                <a:ea typeface="Times New Roman" charset="0"/>
+                <a:cs typeface="Times New Roman" charset="0"/>
+              </a:endParaRPr>
+            </a:p>
+          </p:txBody>
+        </p:sp>
+      </p:grpSp>
+      <p:grpSp>
+        <p:nvGrpSpPr>
+          <p:cNvPr id="24" name="Group 23"/>
+          <p:cNvGrpSpPr/>
+          <p:nvPr/>
+        </p:nvGrpSpPr>
+        <p:grpSpPr>
+          <a:xfrm>
+            <a:off x="2767769" y="4117212"/>
+            <a:ext cx="869815" cy="465195"/>
+            <a:chOff x="3357481" y="4339082"/>
+            <a:chExt cx="1574358" cy="912896"/>
+          </a:xfrm>
+        </p:grpSpPr>
+        <p:grpSp>
+          <p:nvGrpSpPr>
+            <p:cNvPr id="29" name="Group 28"/>
+            <p:cNvGrpSpPr/>
+            <p:nvPr/>
+          </p:nvGrpSpPr>
+          <p:grpSpPr>
+            <a:xfrm>
+              <a:off x="3357481" y="4339082"/>
+              <a:ext cx="1574358" cy="912896"/>
+              <a:chOff x="3307744" y="4381167"/>
+              <a:chExt cx="1574358" cy="912896"/>
+            </a:xfrm>
+          </p:grpSpPr>
+          <p:sp>
+            <p:nvSpPr>
+              <p:cNvPr id="31" name="Rectangle 30"/>
+              <p:cNvSpPr/>
+              <p:nvPr/>
+            </p:nvSpPr>
+            <p:spPr>
+              <a:xfrm>
+                <a:off x="3788482" y="4636827"/>
+                <a:ext cx="193993" cy="231382"/>
+              </a:xfrm>
+              <a:prstGeom prst="rect">
+                <a:avLst/>
+              </a:prstGeom>
+              <a:solidFill>
+                <a:schemeClr val="accent1">
+                  <a:lumMod val="40000"/>
+                  <a:lumOff val="60000"/>
+                </a:schemeClr>
+              </a:solidFill>
+              <a:ln>
+                <a:solidFill>
+                  <a:schemeClr val="accent1">
+                    <a:lumMod val="40000"/>
+                    <a:lumOff val="60000"/>
+                  </a:schemeClr>
+                </a:solidFill>
+              </a:ln>
+            </p:spPr>
+            <p:style>
+              <a:lnRef idx="2">
+                <a:schemeClr val="accent1">
+                  <a:shade val="50000"/>
+                </a:schemeClr>
+              </a:lnRef>
+              <a:fillRef idx="1">
+                <a:schemeClr val="accent1"/>
+              </a:fillRef>
+              <a:effectRef idx="0">
+                <a:schemeClr val="accent1"/>
+              </a:effectRef>
+              <a:fontRef idx="minor">
+                <a:schemeClr val="lt1"/>
+              </a:fontRef>
+            </p:style>
+            <p:txBody>
+              <a:bodyPr rtlCol="0" anchor="ctr"/>
+              <a:lstStyle/>
+              <a:p>
+                <a:pPr algn="ctr"/>
+                <a:endParaRPr lang="en-US" dirty="0">
+                  <a:latin typeface="Times New Roman" charset="0"/>
+                  <a:ea typeface="Times New Roman" charset="0"/>
+                  <a:cs typeface="Times New Roman" charset="0"/>
+                </a:endParaRPr>
+              </a:p>
+            </p:txBody>
+          </p:sp>
+          <p:cxnSp>
+            <p:nvCxnSpPr>
+              <p:cNvPr id="32" name="Elbow Connector 31"/>
+              <p:cNvCxnSpPr/>
+              <p:nvPr/>
+            </p:nvCxnSpPr>
+            <p:spPr>
+              <a:xfrm rot="5400000" flipH="1">
+                <a:off x="4068182" y="4253574"/>
+                <a:ext cx="41489" cy="1245659"/>
+              </a:xfrm>
+              <a:prstGeom prst="bentConnector3">
+                <a:avLst>
+                  <a:gd name="adj1" fmla="val -800588"/>
+                </a:avLst>
+              </a:prstGeom>
+              <a:ln w="6350">
+                <a:solidFill>
+                  <a:schemeClr val="accent1">
+                    <a:lumMod val="40000"/>
+                    <a:lumOff val="60000"/>
+                  </a:schemeClr>
+                </a:solidFill>
+                <a:tailEnd type="stealth"/>
+              </a:ln>
+            </p:spPr>
+            <p:style>
+              <a:lnRef idx="3">
+                <a:schemeClr val="accent1"/>
+              </a:lnRef>
+              <a:fillRef idx="0">
+                <a:schemeClr val="accent1"/>
+              </a:fillRef>
+              <a:effectRef idx="2">
+                <a:schemeClr val="accent1"/>
+              </a:effectRef>
+              <a:fontRef idx="minor">
+                <a:schemeClr val="tx1"/>
+              </a:fontRef>
+            </p:style>
+          </p:cxnSp>
+          <p:sp>
+            <p:nvSpPr>
+              <p:cNvPr id="33" name="Oval 32"/>
+              <p:cNvSpPr/>
+              <p:nvPr/>
+            </p:nvSpPr>
+            <p:spPr>
+              <a:xfrm>
+                <a:off x="3372877" y="4634915"/>
+                <a:ext cx="186438" cy="220744"/>
+              </a:xfrm>
+              <a:prstGeom prst="ellipse">
+                <a:avLst/>
+              </a:prstGeom>
+              <a:solidFill>
+                <a:schemeClr val="accent1">
+                  <a:lumMod val="40000"/>
+                  <a:lumOff val="60000"/>
+                </a:schemeClr>
+              </a:solidFill>
+              <a:ln>
+                <a:solidFill>
+                  <a:schemeClr val="accent1">
+                    <a:lumMod val="40000"/>
+                    <a:lumOff val="60000"/>
+                  </a:schemeClr>
+                </a:solidFill>
+              </a:ln>
+            </p:spPr>
+            <p:style>
+              <a:lnRef idx="2">
+                <a:schemeClr val="accent1">
+                  <a:shade val="50000"/>
+                </a:schemeClr>
+              </a:lnRef>
+              <a:fillRef idx="1">
+                <a:schemeClr val="accent1"/>
+              </a:fillRef>
+              <a:effectRef idx="0">
+                <a:schemeClr val="accent1"/>
+              </a:effectRef>
+              <a:fontRef idx="minor">
+                <a:schemeClr val="lt1"/>
+              </a:fontRef>
+            </p:style>
+            <p:txBody>
+              <a:bodyPr rtlCol="0" anchor="ctr"/>
+              <a:lstStyle/>
+              <a:p>
+                <a:pPr algn="ctr"/>
+                <a:endParaRPr lang="en-US" sz="5400" dirty="0">
+                  <a:latin typeface="Times New Roman" charset="0"/>
+                  <a:ea typeface="Times New Roman" charset="0"/>
+                  <a:cs typeface="Times New Roman" charset="0"/>
+                </a:endParaRPr>
+              </a:p>
+            </p:txBody>
+          </p:sp>
+          <p:sp>
+            <p:nvSpPr>
+              <p:cNvPr id="34" name="Rectangle 33"/>
+              <p:cNvSpPr/>
+              <p:nvPr/>
+            </p:nvSpPr>
+            <p:spPr>
+              <a:xfrm>
+                <a:off x="4184238" y="4636827"/>
+                <a:ext cx="193937" cy="231382"/>
+              </a:xfrm>
+              <a:prstGeom prst="rect">
+                <a:avLst/>
+              </a:prstGeom>
+              <a:solidFill>
+                <a:schemeClr val="accent1">
+                  <a:lumMod val="40000"/>
+                  <a:lumOff val="60000"/>
+                </a:schemeClr>
+              </a:solidFill>
+              <a:ln>
+                <a:solidFill>
+                  <a:schemeClr val="accent1">
+                    <a:lumMod val="40000"/>
+                    <a:lumOff val="60000"/>
+                  </a:schemeClr>
+                </a:solidFill>
+              </a:ln>
+            </p:spPr>
+            <p:style>
+              <a:lnRef idx="1">
+                <a:schemeClr val="accent1"/>
+              </a:lnRef>
+              <a:fillRef idx="2">
+                <a:schemeClr val="accent1"/>
+              </a:fillRef>
+              <a:effectRef idx="1">
+                <a:schemeClr val="accent1"/>
+              </a:effectRef>
+              <a:fontRef idx="minor">
+                <a:schemeClr val="dk1"/>
+              </a:fontRef>
+            </p:style>
+            <p:txBody>
+              <a:bodyPr rtlCol="0" anchor="ctr"/>
+              <a:lstStyle/>
+              <a:p>
+                <a:pPr algn="ctr"/>
+                <a:endParaRPr lang="en-US" dirty="0">
+                  <a:latin typeface="Times New Roman" charset="0"/>
+                  <a:ea typeface="Times New Roman" charset="0"/>
+                  <a:cs typeface="Times New Roman" charset="0"/>
+                </a:endParaRPr>
+              </a:p>
+            </p:txBody>
+          </p:sp>
+          <p:sp>
+            <p:nvSpPr>
+              <p:cNvPr id="35" name="Rectangle 34"/>
+              <p:cNvSpPr/>
+              <p:nvPr/>
+            </p:nvSpPr>
+            <p:spPr>
+              <a:xfrm>
+                <a:off x="4579406" y="4420312"/>
+                <a:ext cx="264698" cy="476836"/>
+              </a:xfrm>
+              <a:prstGeom prst="rect">
+                <a:avLst/>
+              </a:prstGeom>
+              <a:solidFill>
+                <a:schemeClr val="accent1">
+                  <a:lumMod val="40000"/>
+                  <a:lumOff val="60000"/>
+                </a:schemeClr>
+              </a:solidFill>
+              <a:ln>
+                <a:solidFill>
+                  <a:schemeClr val="accent1">
+                    <a:lumMod val="40000"/>
+                    <a:lumOff val="60000"/>
+                  </a:schemeClr>
+                </a:solidFill>
+              </a:ln>
+            </p:spPr>
+            <p:style>
+              <a:lnRef idx="2">
+                <a:schemeClr val="accent1">
+                  <a:shade val="50000"/>
+                </a:schemeClr>
+              </a:lnRef>
+              <a:fillRef idx="1">
+                <a:schemeClr val="accent1"/>
+              </a:fillRef>
+              <a:effectRef idx="0">
+                <a:schemeClr val="accent1"/>
+              </a:effectRef>
+              <a:fontRef idx="minor">
+                <a:schemeClr val="lt1"/>
+              </a:fontRef>
+            </p:style>
+            <p:txBody>
+              <a:bodyPr rtlCol="0" anchor="ctr"/>
+              <a:lstStyle/>
+              <a:p>
+                <a:pPr algn="ctr"/>
+                <a:endParaRPr lang="en-US" sz="1600">
+                  <a:latin typeface="Times New Roman" charset="0"/>
+                  <a:ea typeface="Times New Roman" charset="0"/>
+                  <a:cs typeface="Times New Roman" charset="0"/>
+                </a:endParaRPr>
+              </a:p>
+            </p:txBody>
+          </p:sp>
+          <p:grpSp>
+            <p:nvGrpSpPr>
+              <p:cNvPr id="36" name="Group 99"/>
+              <p:cNvGrpSpPr>
+                <a:grpSpLocks/>
+              </p:cNvGrpSpPr>
+              <p:nvPr/>
+            </p:nvGrpSpPr>
+            <p:grpSpPr bwMode="auto">
+              <a:xfrm>
+                <a:off x="4628762" y="4665765"/>
+                <a:ext cx="161835" cy="158165"/>
+                <a:chOff x="7239000" y="4549063"/>
+                <a:chExt cx="762000" cy="584138"/>
+              </a:xfrm>
+            </p:grpSpPr>
+            <p:sp>
+              <p:nvSpPr>
+                <p:cNvPr id="44" name="Oval 12"/>
+                <p:cNvSpPr/>
+                <p:nvPr/>
+              </p:nvSpPr>
+              <p:spPr>
+                <a:xfrm>
+                  <a:off x="7366000" y="4657717"/>
+                  <a:ext cx="527538" cy="461789"/>
+                </a:xfrm>
+                <a:prstGeom prst="ellipse">
+                  <a:avLst/>
+                </a:prstGeom>
+                <a:gradFill rotWithShape="1">
+                  <a:gsLst>
+                    <a:gs pos="0">
+                      <a:srgbClr val="BBE0E3">
+                        <a:shade val="51000"/>
+                        <a:satMod val="130000"/>
+                      </a:srgbClr>
+                    </a:gs>
+                    <a:gs pos="80000">
+                      <a:srgbClr val="BBE0E3">
+                        <a:shade val="93000"/>
+                        <a:satMod val="130000"/>
+                      </a:srgbClr>
+                    </a:gs>
+                    <a:gs pos="100000">
+                      <a:srgbClr val="BBE0E3">
+                        <a:shade val="94000"/>
+                        <a:satMod val="135000"/>
+                      </a:srgbClr>
+                    </a:gs>
+                  </a:gsLst>
+                  <a:lin ang="16200000" scaled="0"/>
+                </a:gradFill>
+                <a:ln>
+                  <a:noFill/>
+                </a:ln>
+                <a:effectLst>
+                  <a:outerShdw blurRad="40000" dist="23000" dir="5400000" rotWithShape="0">
+                    <a:srgbClr val="000000">
+                      <a:alpha val="35000"/>
+                    </a:srgbClr>
+                  </a:outerShdw>
+                </a:effectLst>
+                <a:scene3d>
+                  <a:camera prst="orthographicFront">
+                    <a:rot lat="0" lon="0" rev="0"/>
+                  </a:camera>
+                  <a:lightRig rig="threePt" dir="t">
+                    <a:rot lat="0" lon="0" rev="1200000"/>
+                  </a:lightRig>
+                </a:scene3d>
+                <a:sp3d>
+                  <a:bevelT w="63500" h="25400"/>
+                </a:sp3d>
+              </p:spPr>
+              <p:txBody>
+                <a:bodyPr anchor="ctr"/>
+                <a:lstStyle/>
+                <a:p>
+                  <a:pPr algn="ctr">
+                    <a:defRPr/>
+                  </a:pPr>
+                  <a:endParaRPr lang="en-US" sz="1400" kern="0">
+                    <a:solidFill>
+                      <a:srgbClr val="FFFFFF"/>
+                    </a:solidFill>
+                    <a:latin typeface="Times New Roman" charset="0"/>
+                    <a:ea typeface="Times New Roman" charset="0"/>
+                    <a:cs typeface="Times New Roman" charset="0"/>
+                  </a:endParaRPr>
+                </a:p>
+              </p:txBody>
+            </p:sp>
+            <p:cxnSp>
+              <p:nvCxnSpPr>
+                <p:cNvPr id="45" name="Straight Connector 13"/>
+                <p:cNvCxnSpPr/>
+                <p:nvPr/>
+              </p:nvCxnSpPr>
+              <p:spPr>
+                <a:xfrm rot="5400000">
+                  <a:off x="7543026" y="4733944"/>
+                  <a:ext cx="153947" cy="0"/>
+                </a:xfrm>
+                <a:prstGeom prst="line">
+                  <a:avLst/>
+                </a:prstGeom>
+                <a:noFill/>
+                <a:ln w="25400" cap="flat" cmpd="sng" algn="ctr">
+                  <a:solidFill>
+                    <a:srgbClr val="000000"/>
+                  </a:solidFill>
+                  <a:prstDash val="solid"/>
+                </a:ln>
+                <a:effectLst>
+                  <a:outerShdw blurRad="40000" dist="20000" dir="5400000" rotWithShape="0">
+                    <a:srgbClr val="000000">
+                      <a:alpha val="38000"/>
+                    </a:srgbClr>
+                  </a:outerShdw>
+                </a:effectLst>
+              </p:spPr>
+            </p:cxnSp>
+            <p:sp>
+              <p:nvSpPr>
+                <p:cNvPr id="46" name="Minus 14"/>
+                <p:cNvSpPr/>
+                <p:nvPr/>
+              </p:nvSpPr>
+              <p:spPr>
+                <a:xfrm rot="16200000">
+                  <a:off x="7579716" y="4530610"/>
+                  <a:ext cx="80571" cy="117475"/>
+                </a:xfrm>
+                <a:prstGeom prst="mathMinus">
+                  <a:avLst/>
+                </a:prstGeom>
+                <a:solidFill>
+                  <a:srgbClr val="000000"/>
+                </a:solidFill>
+                <a:ln w="3175" cap="flat" cmpd="sng" algn="ctr">
+                  <a:solidFill>
+                    <a:srgbClr val="FFFFFF"/>
+                  </a:solidFill>
+                  <a:prstDash val="solid"/>
+                </a:ln>
+                <a:effectLst>
+                  <a:outerShdw blurRad="40000" dist="20000" dir="5400000" rotWithShape="0">
+                    <a:srgbClr val="000000">
+                      <a:alpha val="38000"/>
+                    </a:srgbClr>
+                  </a:outerShdw>
+                </a:effectLst>
+              </p:spPr>
+              <p:txBody>
+                <a:bodyPr anchor="ctr"/>
+                <a:lstStyle/>
+                <a:p>
+                  <a:pPr algn="ctr">
+                    <a:defRPr/>
+                  </a:pPr>
+                  <a:endParaRPr lang="en-US" sz="1400" kern="0">
+                    <a:solidFill>
+                      <a:srgbClr val="FFFFFF"/>
+                    </a:solidFill>
+                    <a:latin typeface="Times New Roman" charset="0"/>
+                    <a:ea typeface="Times New Roman" charset="0"/>
+                    <a:cs typeface="Times New Roman" charset="0"/>
+                  </a:endParaRPr>
+                </a:p>
+              </p:txBody>
+            </p:sp>
+            <p:sp>
+              <p:nvSpPr>
+                <p:cNvPr id="47" name="Minus 15"/>
+                <p:cNvSpPr/>
+                <p:nvPr/>
+              </p:nvSpPr>
+              <p:spPr>
+                <a:xfrm>
+                  <a:off x="7913688" y="4820990"/>
+                  <a:ext cx="87312" cy="107907"/>
+                </a:xfrm>
+                <a:prstGeom prst="mathMinus">
+                  <a:avLst/>
+                </a:prstGeom>
+                <a:solidFill>
+                  <a:srgbClr val="000000"/>
+                </a:solidFill>
+                <a:ln w="3175" cap="flat" cmpd="sng" algn="ctr">
+                  <a:solidFill>
+                    <a:srgbClr val="FFFFFF"/>
+                  </a:solidFill>
+                  <a:prstDash val="solid"/>
+                </a:ln>
+                <a:effectLst>
+                  <a:outerShdw blurRad="40000" dist="20000" dir="5400000" rotWithShape="0">
+                    <a:srgbClr val="000000">
+                      <a:alpha val="38000"/>
+                    </a:srgbClr>
+                  </a:outerShdw>
+                </a:effectLst>
+              </p:spPr>
+              <p:txBody>
+                <a:bodyPr anchor="ctr"/>
+                <a:lstStyle/>
+                <a:p>
+                  <a:pPr algn="ctr">
+                    <a:defRPr/>
+                  </a:pPr>
+                  <a:endParaRPr lang="en-US" sz="1400" kern="0">
+                    <a:solidFill>
+                      <a:srgbClr val="FFFFFF"/>
+                    </a:solidFill>
+                    <a:latin typeface="Times New Roman" charset="0"/>
+                    <a:ea typeface="Times New Roman" charset="0"/>
+                    <a:cs typeface="Times New Roman" charset="0"/>
+                  </a:endParaRPr>
+                </a:p>
+              </p:txBody>
+            </p:sp>
+            <p:sp>
+              <p:nvSpPr>
+                <p:cNvPr id="48" name="Minus 16"/>
+                <p:cNvSpPr/>
+                <p:nvPr/>
+              </p:nvSpPr>
+              <p:spPr>
+                <a:xfrm>
+                  <a:off x="7239000" y="4820990"/>
+                  <a:ext cx="87313" cy="107907"/>
+                </a:xfrm>
+                <a:prstGeom prst="mathMinus">
+                  <a:avLst/>
+                </a:prstGeom>
+                <a:solidFill>
+                  <a:srgbClr val="000000"/>
+                </a:solidFill>
+                <a:ln w="3175" cap="flat" cmpd="sng" algn="ctr">
+                  <a:solidFill>
+                    <a:srgbClr val="FFFFFF"/>
+                  </a:solidFill>
+                  <a:prstDash val="solid"/>
+                </a:ln>
+                <a:effectLst>
+                  <a:outerShdw blurRad="40000" dist="20000" dir="5400000" rotWithShape="0">
+                    <a:srgbClr val="000000">
+                      <a:alpha val="38000"/>
+                    </a:srgbClr>
+                  </a:outerShdw>
+                </a:effectLst>
+              </p:spPr>
+              <p:txBody>
+                <a:bodyPr anchor="ctr"/>
+                <a:lstStyle/>
+                <a:p>
+                  <a:pPr algn="ctr">
+                    <a:defRPr/>
+                  </a:pPr>
+                  <a:endParaRPr lang="en-US" sz="1400" kern="0">
+                    <a:solidFill>
+                      <a:srgbClr val="FFFFFF"/>
+                    </a:solidFill>
+                    <a:latin typeface="Times New Roman" charset="0"/>
+                    <a:ea typeface="Times New Roman" charset="0"/>
+                    <a:cs typeface="Times New Roman" charset="0"/>
+                  </a:endParaRPr>
+                </a:p>
+              </p:txBody>
+            </p:sp>
+            <p:sp>
+              <p:nvSpPr>
+                <p:cNvPr id="49" name="Minus 17"/>
+                <p:cNvSpPr/>
+                <p:nvPr/>
+              </p:nvSpPr>
+              <p:spPr>
+                <a:xfrm rot="2264948">
+                  <a:off x="7323138" y="4644021"/>
+                  <a:ext cx="87312" cy="109346"/>
+                </a:xfrm>
+                <a:prstGeom prst="mathMinus">
+                  <a:avLst/>
+                </a:prstGeom>
+                <a:solidFill>
+                  <a:srgbClr val="000000"/>
+                </a:solidFill>
+                <a:ln w="3175" cap="flat" cmpd="sng" algn="ctr">
+                  <a:solidFill>
+                    <a:srgbClr val="FFFFFF"/>
+                  </a:solidFill>
+                  <a:prstDash val="solid"/>
+                </a:ln>
+                <a:effectLst>
+                  <a:outerShdw blurRad="40000" dist="20000" dir="5400000" rotWithShape="0">
+                    <a:srgbClr val="000000">
+                      <a:alpha val="38000"/>
+                    </a:srgbClr>
+                  </a:outerShdw>
+                </a:effectLst>
+              </p:spPr>
+              <p:txBody>
+                <a:bodyPr anchor="ctr"/>
+                <a:lstStyle/>
+                <a:p>
+                  <a:pPr algn="ctr">
+                    <a:defRPr/>
+                  </a:pPr>
+                  <a:endParaRPr lang="en-US" sz="1400" kern="0">
+                    <a:solidFill>
+                      <a:srgbClr val="FFFFFF"/>
+                    </a:solidFill>
+                    <a:latin typeface="Times New Roman" charset="0"/>
+                    <a:ea typeface="Times New Roman" charset="0"/>
+                    <a:cs typeface="Times New Roman" charset="0"/>
+                  </a:endParaRPr>
+                </a:p>
+              </p:txBody>
+            </p:sp>
+            <p:sp>
+              <p:nvSpPr>
+                <p:cNvPr id="50" name="Minus 18"/>
+                <p:cNvSpPr/>
+                <p:nvPr/>
+              </p:nvSpPr>
+              <p:spPr>
+                <a:xfrm rot="19067474">
+                  <a:off x="7826375" y="4644021"/>
+                  <a:ext cx="87313" cy="107908"/>
+                </a:xfrm>
+                <a:prstGeom prst="mathMinus">
+                  <a:avLst/>
+                </a:prstGeom>
+                <a:solidFill>
+                  <a:srgbClr val="000000"/>
+                </a:solidFill>
+                <a:ln w="3175" cap="flat" cmpd="sng" algn="ctr">
+                  <a:solidFill>
+                    <a:srgbClr val="FFFFFF"/>
+                  </a:solidFill>
+                  <a:prstDash val="solid"/>
+                </a:ln>
+                <a:effectLst>
+                  <a:outerShdw blurRad="40000" dist="20000" dir="5400000" rotWithShape="0">
+                    <a:srgbClr val="000000">
+                      <a:alpha val="38000"/>
+                    </a:srgbClr>
+                  </a:outerShdw>
+                </a:effectLst>
+              </p:spPr>
+              <p:txBody>
+                <a:bodyPr anchor="ctr"/>
+                <a:lstStyle/>
+                <a:p>
+                  <a:pPr algn="ctr">
+                    <a:defRPr/>
+                  </a:pPr>
+                  <a:endParaRPr lang="en-US" sz="1400" kern="0">
+                    <a:solidFill>
+                      <a:srgbClr val="FFFFFF"/>
+                    </a:solidFill>
+                    <a:latin typeface="Times New Roman" charset="0"/>
+                    <a:ea typeface="Times New Roman" charset="0"/>
+                    <a:cs typeface="Times New Roman" charset="0"/>
+                  </a:endParaRPr>
+                </a:p>
+              </p:txBody>
+            </p:sp>
+            <p:sp>
+              <p:nvSpPr>
+                <p:cNvPr id="51" name="Minus 19"/>
+                <p:cNvSpPr/>
+                <p:nvPr/>
+              </p:nvSpPr>
+              <p:spPr>
+                <a:xfrm rot="19189480">
+                  <a:off x="7329488" y="5025294"/>
+                  <a:ext cx="87312" cy="107907"/>
+                </a:xfrm>
+                <a:prstGeom prst="mathMinus">
+                  <a:avLst/>
+                </a:prstGeom>
+                <a:solidFill>
+                  <a:srgbClr val="000000"/>
+                </a:solidFill>
+                <a:ln w="3175" cap="flat" cmpd="sng" algn="ctr">
+                  <a:solidFill>
+                    <a:srgbClr val="FFFFFF"/>
+                  </a:solidFill>
+                  <a:prstDash val="solid"/>
+                </a:ln>
+                <a:effectLst>
+                  <a:outerShdw blurRad="40000" dist="20000" dir="5400000" rotWithShape="0">
+                    <a:srgbClr val="000000">
+                      <a:alpha val="38000"/>
+                    </a:srgbClr>
+                  </a:outerShdw>
+                </a:effectLst>
+              </p:spPr>
+              <p:txBody>
+                <a:bodyPr anchor="ctr"/>
+                <a:lstStyle/>
+                <a:p>
+                  <a:pPr algn="ctr">
+                    <a:defRPr/>
+                  </a:pPr>
+                  <a:endParaRPr lang="en-US" sz="1400" kern="0">
+                    <a:solidFill>
+                      <a:srgbClr val="FFFFFF"/>
+                    </a:solidFill>
+                    <a:latin typeface="Times New Roman" charset="0"/>
+                    <a:ea typeface="Times New Roman" charset="0"/>
+                    <a:cs typeface="Times New Roman" charset="0"/>
+                  </a:endParaRPr>
+                </a:p>
+              </p:txBody>
+            </p:sp>
+            <p:sp>
+              <p:nvSpPr>
+                <p:cNvPr id="52" name="Minus 20"/>
+                <p:cNvSpPr/>
+                <p:nvPr/>
+              </p:nvSpPr>
+              <p:spPr>
+                <a:xfrm rot="2517184">
+                  <a:off x="7826375" y="5025294"/>
+                  <a:ext cx="87313" cy="107907"/>
+                </a:xfrm>
+                <a:prstGeom prst="mathMinus">
+                  <a:avLst/>
+                </a:prstGeom>
+                <a:solidFill>
+                  <a:srgbClr val="000000"/>
+                </a:solidFill>
+                <a:ln w="3175" cap="flat" cmpd="sng" algn="ctr">
+                  <a:solidFill>
+                    <a:srgbClr val="FFFFFF"/>
+                  </a:solidFill>
+                  <a:prstDash val="solid"/>
+                </a:ln>
+                <a:effectLst>
+                  <a:outerShdw blurRad="40000" dist="20000" dir="5400000" rotWithShape="0">
+                    <a:srgbClr val="000000">
+                      <a:alpha val="38000"/>
+                    </a:srgbClr>
+                  </a:outerShdw>
+                </a:effectLst>
+              </p:spPr>
+              <p:txBody>
+                <a:bodyPr anchor="ctr"/>
+                <a:lstStyle/>
+                <a:p>
+                  <a:pPr algn="ctr">
+                    <a:defRPr/>
+                  </a:pPr>
+                  <a:endParaRPr lang="en-US" sz="1400" kern="0">
+                    <a:solidFill>
+                      <a:srgbClr val="FFFFFF"/>
+                    </a:solidFill>
+                    <a:latin typeface="Times New Roman" charset="0"/>
+                    <a:ea typeface="Times New Roman" charset="0"/>
+                    <a:cs typeface="Times New Roman" charset="0"/>
+                  </a:endParaRPr>
+                </a:p>
+              </p:txBody>
+            </p:sp>
+          </p:grpSp>
+          <p:sp>
+            <p:nvSpPr>
+              <p:cNvPr id="37" name="Rectangle 36"/>
+              <p:cNvSpPr/>
+              <p:nvPr/>
+            </p:nvSpPr>
+            <p:spPr>
+              <a:xfrm>
+                <a:off x="3778877" y="4420310"/>
+                <a:ext cx="599297" cy="59977"/>
+              </a:xfrm>
+              <a:prstGeom prst="rect">
+                <a:avLst/>
+              </a:prstGeom>
+              <a:solidFill>
+                <a:schemeClr val="accent1">
+                  <a:lumMod val="40000"/>
+                  <a:lumOff val="60000"/>
+                </a:schemeClr>
+              </a:solidFill>
+              <a:ln>
+                <a:solidFill>
+                  <a:schemeClr val="accent1">
+                    <a:lumMod val="40000"/>
+                    <a:lumOff val="60000"/>
+                  </a:schemeClr>
+                </a:solidFill>
+              </a:ln>
+            </p:spPr>
+            <p:style>
+              <a:lnRef idx="1">
+                <a:schemeClr val="accent1"/>
+              </a:lnRef>
+              <a:fillRef idx="2">
+                <a:schemeClr val="accent1"/>
+              </a:fillRef>
+              <a:effectRef idx="1">
+                <a:schemeClr val="accent1"/>
+              </a:effectRef>
+              <a:fontRef idx="minor">
+                <a:schemeClr val="dk1"/>
+              </a:fontRef>
+            </p:style>
+            <p:txBody>
+              <a:bodyPr rtlCol="0" anchor="ctr"/>
+              <a:lstStyle/>
+              <a:p>
+                <a:pPr algn="ctr"/>
+                <a:endParaRPr lang="en-US">
+                  <a:latin typeface="Times New Roman" charset="0"/>
+                  <a:ea typeface="Times New Roman" charset="0"/>
+                  <a:cs typeface="Times New Roman" charset="0"/>
+                </a:endParaRPr>
+              </a:p>
+            </p:txBody>
+          </p:sp>
+          <p:cxnSp>
+            <p:nvCxnSpPr>
+              <p:cNvPr id="38" name="Straight Arrow Connector 37"/>
+              <p:cNvCxnSpPr/>
+              <p:nvPr/>
+            </p:nvCxnSpPr>
+            <p:spPr>
+              <a:xfrm>
+                <a:off x="4280051" y="4480287"/>
+                <a:ext cx="1780" cy="156540"/>
+              </a:xfrm>
+              <a:prstGeom prst="straightConnector1">
+                <a:avLst/>
+              </a:prstGeom>
+              <a:ln w="6350">
+                <a:solidFill>
+                  <a:schemeClr val="accent1">
+                    <a:lumMod val="40000"/>
+                    <a:lumOff val="60000"/>
+                  </a:schemeClr>
+                </a:solidFill>
+                <a:tailEnd type="stealth"/>
+              </a:ln>
+            </p:spPr>
+            <p:style>
+              <a:lnRef idx="3">
+                <a:schemeClr val="accent1"/>
+              </a:lnRef>
+              <a:fillRef idx="0">
+                <a:schemeClr val="accent1"/>
+              </a:fillRef>
+              <a:effectRef idx="2">
+                <a:schemeClr val="accent1"/>
+              </a:effectRef>
+              <a:fontRef idx="minor">
+                <a:schemeClr val="tx1"/>
+              </a:fontRef>
+            </p:style>
+          </p:cxnSp>
+          <p:cxnSp>
+            <p:nvCxnSpPr>
+              <p:cNvPr id="39" name="Straight Arrow Connector 38"/>
+              <p:cNvCxnSpPr/>
+              <p:nvPr/>
+            </p:nvCxnSpPr>
+            <p:spPr>
+              <a:xfrm>
+                <a:off x="3455581" y="4420310"/>
+                <a:ext cx="109" cy="183722"/>
+              </a:xfrm>
+              <a:prstGeom prst="straightConnector1">
+                <a:avLst/>
+              </a:prstGeom>
+              <a:ln w="6350">
+                <a:solidFill>
+                  <a:schemeClr val="accent1">
+                    <a:lumMod val="40000"/>
+                    <a:lumOff val="60000"/>
+                  </a:schemeClr>
+                </a:solidFill>
+                <a:tailEnd type="stealth"/>
+              </a:ln>
+            </p:spPr>
+            <p:style>
+              <a:lnRef idx="3">
+                <a:schemeClr val="accent1"/>
+              </a:lnRef>
+              <a:fillRef idx="0">
+                <a:schemeClr val="accent1"/>
+              </a:fillRef>
+              <a:effectRef idx="2">
+                <a:schemeClr val="accent1"/>
+              </a:effectRef>
+              <a:fontRef idx="minor">
+                <a:schemeClr val="tx1"/>
+              </a:fontRef>
+            </p:style>
+          </p:cxnSp>
+          <p:cxnSp>
+            <p:nvCxnSpPr>
+              <p:cNvPr id="40" name="Straight Arrow Connector 39"/>
+              <p:cNvCxnSpPr/>
+              <p:nvPr/>
+            </p:nvCxnSpPr>
+            <p:spPr>
+              <a:xfrm>
+                <a:off x="3559315" y="4754734"/>
+                <a:ext cx="191466" cy="0"/>
+              </a:xfrm>
+              <a:prstGeom prst="straightConnector1">
+                <a:avLst/>
+              </a:prstGeom>
+              <a:ln w="6350">
+                <a:solidFill>
+                  <a:schemeClr val="accent1">
+                    <a:lumMod val="40000"/>
+                    <a:lumOff val="60000"/>
+                  </a:schemeClr>
+                </a:solidFill>
+                <a:tailEnd type="stealth"/>
+              </a:ln>
+            </p:spPr>
+            <p:style>
+              <a:lnRef idx="3">
+                <a:schemeClr val="accent1"/>
+              </a:lnRef>
+              <a:fillRef idx="0">
+                <a:schemeClr val="accent1"/>
+              </a:fillRef>
+              <a:effectRef idx="2">
+                <a:schemeClr val="accent1"/>
+              </a:effectRef>
+              <a:fontRef idx="minor">
+                <a:schemeClr val="tx1"/>
+              </a:fontRef>
+            </p:style>
+          </p:cxnSp>
+          <p:cxnSp>
+            <p:nvCxnSpPr>
+              <p:cNvPr id="41" name="Straight Arrow Connector 40"/>
+              <p:cNvCxnSpPr/>
+              <p:nvPr/>
+            </p:nvCxnSpPr>
+            <p:spPr>
+              <a:xfrm>
+                <a:off x="3992770" y="4754735"/>
+                <a:ext cx="191467" cy="0"/>
+              </a:xfrm>
+              <a:prstGeom prst="straightConnector1">
+                <a:avLst/>
+              </a:prstGeom>
+              <a:ln w="6350">
+                <a:solidFill>
+                  <a:schemeClr val="accent1">
+                    <a:lumMod val="40000"/>
+                    <a:lumOff val="60000"/>
+                  </a:schemeClr>
+                </a:solidFill>
+                <a:tailEnd type="stealth"/>
+              </a:ln>
+            </p:spPr>
+            <p:style>
+              <a:lnRef idx="3">
+                <a:schemeClr val="accent1"/>
+              </a:lnRef>
+              <a:fillRef idx="0">
+                <a:schemeClr val="accent1"/>
+              </a:fillRef>
+              <a:effectRef idx="2">
+                <a:schemeClr val="accent1"/>
+              </a:effectRef>
+              <a:fontRef idx="minor">
+                <a:schemeClr val="tx1"/>
+              </a:fontRef>
+            </p:style>
+          </p:cxnSp>
+          <p:cxnSp>
+            <p:nvCxnSpPr>
+              <p:cNvPr id="42" name="Straight Arrow Connector 41"/>
+              <p:cNvCxnSpPr/>
+              <p:nvPr/>
+            </p:nvCxnSpPr>
+            <p:spPr>
+              <a:xfrm>
+                <a:off x="4386603" y="4757865"/>
+                <a:ext cx="191467" cy="0"/>
+              </a:xfrm>
+              <a:prstGeom prst="straightConnector1">
+                <a:avLst/>
+              </a:prstGeom>
+              <a:ln w="6350">
+                <a:solidFill>
+                  <a:schemeClr val="accent1">
+                    <a:lumMod val="40000"/>
+                    <a:lumOff val="60000"/>
+                  </a:schemeClr>
+                </a:solidFill>
+                <a:tailEnd type="stealth"/>
+              </a:ln>
+            </p:spPr>
+            <p:style>
+              <a:lnRef idx="3">
+                <a:schemeClr val="accent1"/>
+              </a:lnRef>
+              <a:fillRef idx="0">
+                <a:schemeClr val="accent1"/>
+              </a:fillRef>
+              <a:effectRef idx="2">
+                <a:schemeClr val="accent1"/>
+              </a:effectRef>
+              <a:fontRef idx="minor">
+                <a:schemeClr val="tx1"/>
+              </a:fontRef>
+            </p:style>
+          </p:cxnSp>
+          <p:sp>
+            <p:nvSpPr>
+              <p:cNvPr id="43" name="Rectangle 42"/>
+              <p:cNvSpPr/>
+              <p:nvPr/>
+            </p:nvSpPr>
+            <p:spPr>
+              <a:xfrm>
+                <a:off x="3307744" y="4381167"/>
+                <a:ext cx="1574358" cy="912896"/>
+              </a:xfrm>
+              <a:prstGeom prst="rect">
+                <a:avLst/>
+              </a:prstGeom>
+              <a:noFill/>
+              <a:ln>
+                <a:solidFill>
+                  <a:schemeClr val="accent1">
+                    <a:lumMod val="40000"/>
+                    <a:lumOff val="60000"/>
+                  </a:schemeClr>
+                </a:solidFill>
+                <a:prstDash val="dash"/>
+              </a:ln>
+            </p:spPr>
+            <p:style>
+              <a:lnRef idx="2">
+                <a:schemeClr val="accent1">
+                  <a:shade val="50000"/>
+                </a:schemeClr>
+              </a:lnRef>
+              <a:fillRef idx="1">
+                <a:schemeClr val="accent1"/>
+              </a:fillRef>
+              <a:effectRef idx="0">
+                <a:schemeClr val="accent1"/>
+              </a:effectRef>
+              <a:fontRef idx="minor">
+                <a:schemeClr val="lt1"/>
+              </a:fontRef>
+            </p:style>
+            <p:txBody>
+              <a:bodyPr rtlCol="0" anchor="ctr"/>
+              <a:lstStyle/>
+              <a:p>
+                <a:pPr algn="ctr"/>
+                <a:endParaRPr lang="en-US">
+                  <a:latin typeface="Times New Roman" charset="0"/>
+                  <a:ea typeface="Times New Roman" charset="0"/>
+                  <a:cs typeface="Times New Roman" charset="0"/>
+                </a:endParaRPr>
+              </a:p>
+            </p:txBody>
+          </p:sp>
+        </p:grpSp>
+        <p:sp>
+          <p:nvSpPr>
+            <p:cNvPr id="30" name="Rectangle 29"/>
+            <p:cNvSpPr/>
+            <p:nvPr/>
+          </p:nvSpPr>
+          <p:spPr>
+            <a:xfrm>
+              <a:off x="4684013" y="4634587"/>
+              <a:ext cx="152551" cy="146050"/>
+            </a:xfrm>
+            <a:prstGeom prst="rect">
+              <a:avLst/>
+            </a:prstGeom>
+            <a:solidFill>
+              <a:schemeClr val="accent1">
+                <a:lumMod val="40000"/>
+                <a:lumOff val="60000"/>
+                <a:alpha val="55000"/>
+              </a:schemeClr>
+            </a:solidFill>
+            <a:ln>
+              <a:noFill/>
+            </a:ln>
+          </p:spPr>
+          <p:style>
+            <a:lnRef idx="2">
+              <a:schemeClr val="accent1">
+                <a:shade val="50000"/>
+              </a:schemeClr>
+            </a:lnRef>
+            <a:fillRef idx="1">
+              <a:schemeClr val="accent1"/>
+            </a:fillRef>
+            <a:effectRef idx="0">
+              <a:schemeClr val="accent1"/>
+            </a:effectRef>
+            <a:fontRef idx="minor">
+              <a:schemeClr val="lt1"/>
+            </a:fontRef>
+          </p:style>
+          <p:txBody>
+            <a:bodyPr rtlCol="0" anchor="ctr"/>
+            <a:lstStyle/>
+            <a:p>
+              <a:pPr algn="ctr"/>
+              <a:endParaRPr lang="en-US">
+                <a:latin typeface="Times New Roman" charset="0"/>
+                <a:ea typeface="Times New Roman" charset="0"/>
+                <a:cs typeface="Times New Roman" charset="0"/>
+              </a:endParaRPr>
+            </a:p>
+          </p:txBody>
+        </p:sp>
+      </p:grpSp>
+      <p:cxnSp>
+        <p:nvCxnSpPr>
+          <p:cNvPr id="25" name="Elbow Connector 24"/>
+          <p:cNvCxnSpPr>
+            <a:stCxn id="43" idx="0"/>
+            <a:endCxn id="52" idx="2"/>
+          </p:cNvCxnSpPr>
+          <p:nvPr/>
+        </p:nvCxnSpPr>
+        <p:spPr>
+          <a:xfrm rot="5400000" flipH="1" flipV="1">
+            <a:off x="2750554" y="1930169"/>
+            <a:ext cx="1715417" cy="818551"/>
+          </a:xfrm>
+          <a:prstGeom prst="bentConnector2">
+            <a:avLst/>
+          </a:prstGeom>
+          <a:ln>
+            <a:tailEnd type="triangle"/>
+          </a:ln>
+        </p:spPr>
+        <p:style>
+          <a:lnRef idx="1">
+            <a:schemeClr val="accent1"/>
+          </a:lnRef>
+          <a:fillRef idx="0">
+            <a:schemeClr val="accent1"/>
+          </a:fillRef>
+          <a:effectRef idx="0">
+            <a:schemeClr val="accent1"/>
+          </a:effectRef>
+          <a:fontRef idx="minor">
+            <a:schemeClr val="tx1"/>
+          </a:fontRef>
+        </p:style>
+      </p:cxnSp>
+      <p:cxnSp>
+        <p:nvCxnSpPr>
+          <p:cNvPr id="26" name="Elbow Connector 25"/>
+          <p:cNvCxnSpPr>
+            <a:endCxn id="48" idx="1"/>
+          </p:cNvCxnSpPr>
+          <p:nvPr/>
+        </p:nvCxnSpPr>
+        <p:spPr>
+          <a:xfrm rot="16200000" flipH="1">
+            <a:off x="6026114" y="2788180"/>
+            <a:ext cx="1650477" cy="1153511"/>
+          </a:xfrm>
+          <a:prstGeom prst="bentConnector2">
+            <a:avLst/>
+          </a:prstGeom>
+          <a:ln>
+            <a:solidFill>
+              <a:schemeClr val="accent1">
+                <a:alpha val="53000"/>
+              </a:schemeClr>
+            </a:solidFill>
+            <a:tailEnd type="triangle"/>
+          </a:ln>
+        </p:spPr>
+        <p:style>
+          <a:lnRef idx="1">
+            <a:schemeClr val="accent1"/>
+          </a:lnRef>
+          <a:fillRef idx="0">
+            <a:schemeClr val="accent1"/>
+          </a:fillRef>
+          <a:effectRef idx="0">
+            <a:schemeClr val="accent1"/>
+          </a:effectRef>
+          <a:fontRef idx="minor">
+            <a:schemeClr val="tx1"/>
+          </a:fontRef>
+        </p:style>
+      </p:cxnSp>
+      <p:cxnSp>
+        <p:nvCxnSpPr>
+          <p:cNvPr id="28" name="Elbow Connector 27"/>
+          <p:cNvCxnSpPr>
+            <a:endCxn id="43" idx="3"/>
+          </p:cNvCxnSpPr>
+          <p:nvPr/>
+        </p:nvCxnSpPr>
+        <p:spPr>
+          <a:xfrm rot="5400000">
+            <a:off x="3364020" y="2866128"/>
+            <a:ext cx="1641522" cy="988661"/>
+          </a:xfrm>
+          <a:prstGeom prst="bentConnector2">
+            <a:avLst/>
+          </a:prstGeom>
+          <a:ln>
+            <a:tailEnd type="triangle"/>
+          </a:ln>
+        </p:spPr>
+        <p:style>
+          <a:lnRef idx="1">
+            <a:schemeClr val="accent1"/>
+          </a:lnRef>
+          <a:fillRef idx="0">
+            <a:schemeClr val="accent1"/>
+          </a:fillRef>
+          <a:effectRef idx="0">
+            <a:schemeClr val="accent1"/>
+          </a:effectRef>
+          <a:fontRef idx="minor">
+            <a:schemeClr val="tx1"/>
+          </a:fontRef>
+        </p:style>
+      </p:cxnSp>
+      <p:sp>
+        <p:nvSpPr>
+          <p:cNvPr id="20" name="TextBox 19"/>
+          <p:cNvSpPr txBox="1"/>
+          <p:nvPr/>
+        </p:nvSpPr>
+        <p:spPr>
+          <a:xfrm rot="16200000">
+            <a:off x="3628999" y="3172791"/>
+            <a:ext cx="1705893" cy="584775"/>
+          </a:xfrm>
+          <a:prstGeom prst="rect">
+            <a:avLst/>
+          </a:prstGeom>
+          <a:gradFill>
+            <a:gsLst>
+              <a:gs pos="0">
+                <a:schemeClr val="accent1">
+                  <a:lumMod val="5000"/>
+                  <a:lumOff val="95000"/>
+                </a:schemeClr>
+              </a:gs>
+              <a:gs pos="74000">
+                <a:schemeClr val="accent1">
+                  <a:lumMod val="45000"/>
+                  <a:lumOff val="55000"/>
+                </a:schemeClr>
+              </a:gs>
+              <a:gs pos="83000">
+                <a:schemeClr val="accent1">
+                  <a:lumMod val="45000"/>
+                  <a:lumOff val="55000"/>
+                </a:schemeClr>
+              </a:gs>
+              <a:gs pos="100000">
+                <a:schemeClr val="accent1">
+                  <a:lumMod val="30000"/>
+                  <a:lumOff val="70000"/>
+                </a:schemeClr>
+              </a:gs>
+            </a:gsLst>
+            <a:lin ang="5400000" scaled="1"/>
+          </a:gradFill>
+        </p:spPr>
+        <p:txBody>
+          <a:bodyPr wrap="square" rtlCol="0">
+            <a:spAutoFit/>
+          </a:bodyPr>
+          <a:lstStyle/>
+          <a:p>
+            <a:pPr algn="ctr"/>
+            <a:r>
+              <a:rPr lang="en-US" sz="1600" i="1" dirty="0" smtClean="0">
+                <a:latin typeface="Times New Roman" charset="0"/>
+                <a:ea typeface="Times New Roman" charset="0"/>
+                <a:cs typeface="Times New Roman" charset="0"/>
+              </a:rPr>
+              <a:t>(3) Performance </a:t>
+            </a:r>
+            <a:r>
+              <a:rPr lang="en-US" sz="1600" i="1" dirty="0">
+                <a:latin typeface="Times New Roman" charset="0"/>
+                <a:ea typeface="Times New Roman" charset="0"/>
+                <a:cs typeface="Times New Roman" charset="0"/>
+              </a:rPr>
+              <a:t>Hash </a:t>
+            </a:r>
+            <a:r>
+              <a:rPr lang="en-US" sz="1600" i="1" dirty="0" smtClean="0">
+                <a:latin typeface="Times New Roman" charset="0"/>
+                <a:ea typeface="Times New Roman" charset="0"/>
+                <a:cs typeface="Times New Roman" charset="0"/>
+              </a:rPr>
+              <a:t>Table (</a:t>
+            </a:r>
+            <a:r>
+              <a:rPr lang="en-US" sz="1600" i="1" smtClean="0">
+                <a:latin typeface="Times New Roman" charset="0"/>
+                <a:ea typeface="Times New Roman" charset="0"/>
+                <a:cs typeface="Times New Roman" charset="0"/>
+              </a:rPr>
+              <a:t>PHT)</a:t>
+            </a:r>
+            <a:endParaRPr lang="en-US" sz="1600" dirty="0" smtClean="0">
+              <a:latin typeface="Times New Roman" charset="0"/>
+              <a:ea typeface="Times New Roman" charset="0"/>
+              <a:cs typeface="Times New Roman" charset="0"/>
+            </a:endParaRPr>
+          </a:p>
+        </p:txBody>
+      </p:sp>
+      <p:sp>
+        <p:nvSpPr>
+          <p:cNvPr id="9" name="Rectangle 8"/>
+          <p:cNvSpPr/>
+          <p:nvPr/>
+        </p:nvSpPr>
+        <p:spPr>
+          <a:xfrm rot="16200000">
+            <a:off x="1334935" y="3944702"/>
+            <a:ext cx="2164049" cy="345018"/>
+          </a:xfrm>
+          <a:prstGeom prst="rect">
+            <a:avLst/>
+          </a:prstGeom>
+          <a:noFill/>
+          <a:ln>
+            <a:noFill/>
+          </a:ln>
+        </p:spPr>
+        <p:style>
+          <a:lnRef idx="2">
+            <a:schemeClr val="accent1">
+              <a:shade val="50000"/>
+            </a:schemeClr>
+          </a:lnRef>
+          <a:fillRef idx="1">
+            <a:schemeClr val="accent1"/>
+          </a:fillRef>
+          <a:effectRef idx="0">
+            <a:schemeClr val="accent1"/>
+          </a:effectRef>
+          <a:fontRef idx="minor">
+            <a:schemeClr val="lt1"/>
+          </a:fontRef>
+        </p:style>
+        <p:txBody>
+          <a:bodyPr rtlCol="0" anchor="ctr"/>
+          <a:lstStyle/>
+          <a:p>
+            <a:pPr algn="ctr"/>
+            <a:r>
+              <a:rPr lang="en-US" sz="1400" i="1" dirty="0" smtClean="0">
+                <a:solidFill>
+                  <a:schemeClr val="tx1"/>
+                </a:solidFill>
+                <a:latin typeface="Times New Roman" charset="0"/>
+                <a:ea typeface="Times New Roman" charset="0"/>
+                <a:cs typeface="Times New Roman" charset="0"/>
+              </a:rPr>
+              <a:t>(2) Light-weight </a:t>
+            </a:r>
+            <a:r>
+              <a:rPr lang="en-US" sz="1400" i="1" dirty="0" smtClean="0">
+                <a:solidFill>
+                  <a:schemeClr val="tx1"/>
+                </a:solidFill>
+                <a:latin typeface="Times New Roman" charset="0"/>
+                <a:ea typeface="Times New Roman" charset="0"/>
+                <a:cs typeface="Times New Roman" charset="0"/>
+              </a:rPr>
+              <a:t>Control</a:t>
+            </a:r>
+            <a:r>
+              <a:rPr lang="en-US" sz="1400" i="1" dirty="0">
+                <a:solidFill>
+                  <a:schemeClr val="tx1"/>
+                </a:solidFill>
+                <a:latin typeface="Times New Roman" charset="0"/>
+                <a:ea typeface="Times New Roman" charset="0"/>
+                <a:cs typeface="Times New Roman" charset="0"/>
+              </a:rPr>
+              <a:t> </a:t>
+            </a:r>
+            <a:r>
+              <a:rPr lang="en-US" sz="1400" i="1" dirty="0" smtClean="0">
+                <a:solidFill>
+                  <a:schemeClr val="tx1"/>
+                </a:solidFill>
+                <a:latin typeface="Times New Roman" charset="0"/>
+                <a:ea typeface="Times New Roman" charset="0"/>
+                <a:cs typeface="Times New Roman" charset="0"/>
+              </a:rPr>
+              <a:t>System </a:t>
+            </a:r>
+            <a:r>
+              <a:rPr lang="en-US" sz="1400" i="1" dirty="0" smtClean="0">
+                <a:solidFill>
+                  <a:schemeClr val="tx1"/>
+                </a:solidFill>
+                <a:latin typeface="Times New Roman" charset="0"/>
+                <a:ea typeface="Times New Roman" charset="0"/>
+                <a:cs typeface="Times New Roman" charset="0"/>
+              </a:rPr>
+              <a:t>(LCS)</a:t>
+            </a:r>
+            <a:endParaRPr lang="en-US" sz="1400" i="1" dirty="0">
+              <a:solidFill>
+                <a:schemeClr val="tx1"/>
+              </a:solidFill>
+              <a:latin typeface="Times New Roman" charset="0"/>
+              <a:ea typeface="Times New Roman" charset="0"/>
+              <a:cs typeface="Times New Roman" charset="0"/>
+            </a:endParaRPr>
+          </a:p>
+        </p:txBody>
+      </p:sp>
+      <p:cxnSp>
+        <p:nvCxnSpPr>
+          <p:cNvPr id="10" name="Straight Arrow Connector 9"/>
+          <p:cNvCxnSpPr/>
+          <p:nvPr/>
+        </p:nvCxnSpPr>
+        <p:spPr>
+          <a:xfrm flipH="1" flipV="1">
+            <a:off x="2639135" y="4571429"/>
+            <a:ext cx="563543" cy="10978"/>
+          </a:xfrm>
+          <a:prstGeom prst="straightConnector1">
+            <a:avLst/>
+          </a:prstGeom>
+          <a:ln>
+            <a:prstDash val="dash"/>
+            <a:tailEnd type="triangle"/>
+          </a:ln>
+        </p:spPr>
+        <p:style>
+          <a:lnRef idx="1">
+            <a:schemeClr val="accent1"/>
+          </a:lnRef>
+          <a:fillRef idx="0">
+            <a:schemeClr val="accent1"/>
+          </a:fillRef>
+          <a:effectRef idx="0">
+            <a:schemeClr val="accent1"/>
+          </a:effectRef>
+          <a:fontRef idx="minor">
+            <a:schemeClr val="tx1"/>
+          </a:fontRef>
+        </p:style>
+      </p:cxnSp>
+      <p:sp>
+        <p:nvSpPr>
+          <p:cNvPr id="6" name="Rectangle 5"/>
+          <p:cNvSpPr/>
+          <p:nvPr/>
+        </p:nvSpPr>
+        <p:spPr>
+          <a:xfrm>
+            <a:off x="4899028" y="2661612"/>
+            <a:ext cx="1914270" cy="2617902"/>
+          </a:xfrm>
+          <a:prstGeom prst="rect">
+            <a:avLst/>
+          </a:prstGeom>
+          <a:solidFill>
+            <a:schemeClr val="bg1">
+              <a:alpha val="59000"/>
+            </a:schemeClr>
+          </a:solidFill>
+          <a:ln>
+            <a:noFill/>
+          </a:ln>
+        </p:spPr>
+        <p:style>
+          <a:lnRef idx="2">
+            <a:schemeClr val="accent1">
+              <a:shade val="50000"/>
+            </a:schemeClr>
+          </a:lnRef>
+          <a:fillRef idx="1">
+            <a:schemeClr val="accent1"/>
+          </a:fillRef>
+          <a:effectRef idx="0">
+            <a:schemeClr val="accent1"/>
+          </a:effectRef>
+          <a:fontRef idx="minor">
+            <a:schemeClr val="lt1"/>
+          </a:fontRef>
+        </p:style>
+        <p:txBody>
+          <a:bodyPr rtlCol="0" anchor="ctr"/>
+          <a:lstStyle/>
+          <a:p>
+            <a:pPr algn="ctr"/>
+            <a:endParaRPr lang="en-US" sz="1400">
+              <a:latin typeface="Times New Roman" charset="0"/>
+              <a:ea typeface="Times New Roman" charset="0"/>
+              <a:cs typeface="Times New Roman" charset="0"/>
+            </a:endParaRPr>
+          </a:p>
+        </p:txBody>
+      </p:sp>
+      <p:sp>
+        <p:nvSpPr>
+          <p:cNvPr id="140" name="TextBox 139"/>
+          <p:cNvSpPr txBox="1"/>
+          <p:nvPr/>
+        </p:nvSpPr>
+        <p:spPr>
+          <a:xfrm>
+            <a:off x="4728605" y="469128"/>
+            <a:ext cx="1492716" cy="338554"/>
+          </a:xfrm>
+          <a:prstGeom prst="rect">
+            <a:avLst/>
+          </a:prstGeom>
+          <a:noFill/>
+        </p:spPr>
+        <p:txBody>
+          <a:bodyPr wrap="none" rtlCol="0">
+            <a:spAutoFit/>
+          </a:bodyPr>
+          <a:lstStyle/>
+          <a:p>
+            <a:r>
+              <a:rPr lang="en-US" sz="1600" dirty="0" smtClean="0">
+                <a:latin typeface="Times New Roman" charset="0"/>
+                <a:ea typeface="Times New Roman" charset="0"/>
+                <a:cs typeface="Times New Roman" charset="0"/>
+              </a:rPr>
+              <a:t>Server Machine</a:t>
+            </a:r>
+            <a:endParaRPr lang="en-US" sz="1600" dirty="0">
+              <a:latin typeface="Times New Roman" charset="0"/>
+              <a:ea typeface="Times New Roman" charset="0"/>
+              <a:cs typeface="Times New Roman" charset="0"/>
+            </a:endParaRPr>
+          </a:p>
+        </p:txBody>
+      </p:sp>
+      <p:cxnSp>
+        <p:nvCxnSpPr>
+          <p:cNvPr id="144" name="Elbow Connector 143"/>
+          <p:cNvCxnSpPr>
+            <a:stCxn id="128" idx="0"/>
+            <a:endCxn id="101" idx="4"/>
+          </p:cNvCxnSpPr>
+          <p:nvPr/>
+        </p:nvCxnSpPr>
+        <p:spPr>
+          <a:xfrm rot="16200000" flipV="1">
+            <a:off x="6511720" y="1798252"/>
+            <a:ext cx="1720772" cy="1094937"/>
+          </a:xfrm>
+          <a:prstGeom prst="bentConnector2">
+            <a:avLst/>
+          </a:prstGeom>
+          <a:ln>
+            <a:tailEnd type="triangle"/>
+          </a:ln>
+        </p:spPr>
+        <p:style>
+          <a:lnRef idx="1">
+            <a:schemeClr val="accent1"/>
+          </a:lnRef>
+          <a:fillRef idx="0">
+            <a:schemeClr val="accent1"/>
+          </a:fillRef>
+          <a:effectRef idx="0">
+            <a:schemeClr val="accent1"/>
+          </a:effectRef>
+          <a:fontRef idx="minor">
+            <a:schemeClr val="tx1"/>
+          </a:fontRef>
+        </p:style>
+      </p:cxnSp>
+      <p:sp>
+        <p:nvSpPr>
+          <p:cNvPr id="7" name="Rectangle 6"/>
+          <p:cNvSpPr/>
+          <p:nvPr/>
+        </p:nvSpPr>
+        <p:spPr>
+          <a:xfrm>
+            <a:off x="6839876" y="1331090"/>
+            <a:ext cx="1679151" cy="3939612"/>
+          </a:xfrm>
+          <a:prstGeom prst="rect">
+            <a:avLst/>
+          </a:prstGeom>
+          <a:solidFill>
+            <a:schemeClr val="bg1">
+              <a:alpha val="59000"/>
+            </a:schemeClr>
+          </a:solidFill>
+          <a:ln>
+            <a:noFill/>
+          </a:ln>
+        </p:spPr>
+        <p:style>
+          <a:lnRef idx="2">
+            <a:schemeClr val="accent1">
+              <a:shade val="50000"/>
+            </a:schemeClr>
+          </a:lnRef>
+          <a:fillRef idx="1">
+            <a:schemeClr val="accent1"/>
+          </a:fillRef>
+          <a:effectRef idx="0">
+            <a:schemeClr val="accent1"/>
+          </a:effectRef>
+          <a:fontRef idx="minor">
+            <a:schemeClr val="lt1"/>
+          </a:fontRef>
+        </p:style>
+        <p:txBody>
+          <a:bodyPr rtlCol="0" anchor="ctr"/>
+          <a:lstStyle/>
+          <a:p>
+            <a:pPr algn="ctr"/>
+            <a:endParaRPr lang="en-US" sz="1400">
+              <a:latin typeface="Times New Roman" charset="0"/>
+              <a:ea typeface="Times New Roman" charset="0"/>
+              <a:cs typeface="Times New Roman" charset="0"/>
+            </a:endParaRPr>
+          </a:p>
+        </p:txBody>
+      </p:sp>
+    </p:spTree>
+    <p:extLst>
+      <p:ext uri="{BB962C8B-B14F-4D97-AF65-F5344CB8AC3E}">
+        <p14:creationId xmlns:p14="http://schemas.microsoft.com/office/powerpoint/2010/main" val="51739401"/>
+      </p:ext>
+    </p:extLst>
+  </p:cSld>
+  <p:clrMapOvr>
+    <a:masterClrMapping/>
+  </p:clrMapOvr>
+</p:sld>
+</file>
+
 <file path=ppt/theme/theme1.xml><?xml version="1.0" encoding="utf-8"?>
 <a:theme xmlns:a="http://schemas.openxmlformats.org/drawingml/2006/main" name="Office Theme">
   <a:themeElements>

--- a/figures/Mobile.pptx
+++ b/figures/Mobile.pptx
@@ -37281,10 +37281,10 @@
         </p:nvGrpSpPr>
         <p:grpSpPr>
           <a:xfrm>
-            <a:off x="2639135" y="392396"/>
-            <a:ext cx="5879892" cy="4887117"/>
-            <a:chOff x="2639135" y="392396"/>
-            <a:chExt cx="5879892" cy="4887117"/>
+            <a:off x="2707521" y="461846"/>
+            <a:ext cx="5811507" cy="4817667"/>
+            <a:chOff x="2707521" y="461846"/>
+            <a:chExt cx="5811507" cy="4817667"/>
           </a:xfrm>
         </p:grpSpPr>
         <p:grpSp>
@@ -37988,9 +37988,9 @@
             <p:nvPr/>
           </p:nvCxnSpPr>
           <p:spPr>
-            <a:xfrm flipH="1" flipV="1">
-              <a:off x="5296432" y="2579546"/>
-              <a:ext cx="9112" cy="616011"/>
+            <a:xfrm flipV="1">
+              <a:off x="5305544" y="2647723"/>
+              <a:ext cx="8985" cy="547835"/>
             </a:xfrm>
             <a:prstGeom prst="straightConnector1">
               <a:avLst/>
@@ -38080,8 +38080,8 @@
           </p:nvSpPr>
           <p:spPr>
             <a:xfrm>
-              <a:off x="4056283" y="392396"/>
-              <a:ext cx="2768354" cy="2185877"/>
+              <a:off x="4582817" y="461846"/>
+              <a:ext cx="1784298" cy="2185877"/>
             </a:xfrm>
             <a:prstGeom prst="can">
               <a:avLst>
@@ -42178,15 +42178,15 @@
           <p:nvCxnSpPr>
             <p:cNvPr id="25" name="Elbow Connector 24"/>
             <p:cNvCxnSpPr>
-              <a:stCxn id="43" idx="0"/>
-              <a:endCxn id="52" idx="2"/>
+              <a:stCxn id="132" idx="0"/>
+              <a:endCxn id="101" idx="2"/>
             </p:cNvCxnSpPr>
             <p:nvPr/>
           </p:nvCxnSpPr>
           <p:spPr>
             <a:xfrm rot="5400000" flipH="1" flipV="1">
-              <a:off x="2750554" y="1930169"/>
-              <a:ext cx="1715417" cy="818551"/>
+              <a:off x="3069718" y="1684054"/>
+              <a:ext cx="1642367" cy="1383831"/>
             </a:xfrm>
             <a:prstGeom prst="bentConnector2">
               <a:avLst/>
@@ -42260,8 +42260,8 @@
           </p:nvCxnSpPr>
           <p:spPr>
             <a:xfrm rot="5400000">
-              <a:off x="3364020" y="2866128"/>
-              <a:ext cx="1641522" cy="988661"/>
+              <a:off x="3266245" y="2909964"/>
+              <a:ext cx="1811186" cy="1068507"/>
             </a:xfrm>
             <a:prstGeom prst="bentConnector2">
               <a:avLst/>
@@ -42393,9 +42393,9 @@
             <a:p>
               <a:pPr algn="ctr"/>
               <a:r>
-                <a:rPr lang="en-US" sz="1400" i="1" smtClean="0">
+                <a:rPr lang="en-US" sz="1400" b="1" i="1" dirty="0" smtClean="0">
                   <a:solidFill>
-                    <a:schemeClr val="tx1"/>
+                    <a:schemeClr val="bg1"/>
                   </a:solidFill>
                   <a:latin typeface="Times New Roman" charset="0"/>
                   <a:ea typeface="Times New Roman" charset="0"/>
@@ -42403,9 +42403,9 @@
                 </a:rPr>
                 <a:t>LCS</a:t>
               </a:r>
-              <a:endParaRPr lang="en-US" sz="1400" i="1" dirty="0">
+              <a:endParaRPr lang="en-US" sz="1400" b="1" i="1" dirty="0">
                 <a:solidFill>
-                  <a:schemeClr val="tx1"/>
+                  <a:schemeClr val="bg1"/>
                 </a:solidFill>
                 <a:latin typeface="Times New Roman" charset="0"/>
                 <a:ea typeface="Times New Roman" charset="0"/>
@@ -42414,40 +42414,6 @@
             </a:p>
           </p:txBody>
         </p:sp>
-        <p:cxnSp>
-          <p:nvCxnSpPr>
-            <p:cNvPr id="10" name="Straight Arrow Connector 9"/>
-            <p:cNvCxnSpPr/>
-            <p:nvPr/>
-          </p:nvCxnSpPr>
-          <p:spPr>
-            <a:xfrm flipH="1" flipV="1">
-              <a:off x="2639135" y="4571429"/>
-              <a:ext cx="563543" cy="10978"/>
-            </a:xfrm>
-            <a:prstGeom prst="straightConnector1">
-              <a:avLst/>
-            </a:prstGeom>
-            <a:ln>
-              <a:prstDash val="dash"/>
-              <a:tailEnd type="triangle"/>
-            </a:ln>
-          </p:spPr>
-          <p:style>
-            <a:lnRef idx="1">
-              <a:schemeClr val="accent1"/>
-            </a:lnRef>
-            <a:fillRef idx="0">
-              <a:schemeClr val="accent1"/>
-            </a:fillRef>
-            <a:effectRef idx="0">
-              <a:schemeClr val="accent1"/>
-            </a:effectRef>
-            <a:fontRef idx="minor">
-              <a:schemeClr val="tx1"/>
-            </a:fontRef>
-          </p:style>
-        </p:cxnSp>
         <p:sp>
           <p:nvSpPr>
             <p:cNvPr id="6" name="Rectangle 5"/>
@@ -42508,8 +42474,8 @@
           </p:nvSpPr>
           <p:spPr>
             <a:xfrm>
-              <a:off x="4728605" y="469128"/>
-              <a:ext cx="1492716" cy="338554"/>
+              <a:off x="5111554" y="529034"/>
+              <a:ext cx="721672" cy="338554"/>
             </a:xfrm>
             <a:prstGeom prst="rect">
               <a:avLst/>
@@ -42523,12 +42489,12 @@
             <a:lstStyle/>
             <a:p>
               <a:r>
-                <a:rPr lang="en-US" sz="1600" dirty="0" smtClean="0">
+                <a:rPr lang="en-US" sz="1600" smtClean="0">
                   <a:latin typeface="Times New Roman" charset="0"/>
                   <a:ea typeface="Times New Roman" charset="0"/>
                   <a:cs typeface="Times New Roman" charset="0"/>
                 </a:rPr>
-                <a:t>Server Machine</a:t>
+                <a:t>Server</a:t>
               </a:r>
               <a:endParaRPr lang="en-US" sz="1600" dirty="0">
                 <a:latin typeface="Times New Roman" charset="0"/>
@@ -42549,8 +42515,8 @@
           </p:nvCxnSpPr>
           <p:spPr>
             <a:xfrm rot="16200000" flipV="1">
-              <a:off x="6511720" y="1798252"/>
-              <a:ext cx="1720772" cy="1094937"/>
+              <a:off x="6317684" y="1604216"/>
+              <a:ext cx="1651322" cy="1552459"/>
             </a:xfrm>
             <a:prstGeom prst="bentConnector2">
               <a:avLst/>
@@ -42582,8 +42548,8 @@
           </p:nvSpPr>
           <p:spPr>
             <a:xfrm>
-              <a:off x="6839876" y="1331090"/>
-              <a:ext cx="1679151" cy="3939612"/>
+              <a:off x="6380292" y="1331090"/>
+              <a:ext cx="2138736" cy="3939612"/>
             </a:xfrm>
             <a:prstGeom prst="rect">
               <a:avLst/>
@@ -42634,8 +42600,8 @@
           </p:nvSpPr>
           <p:spPr>
             <a:xfrm>
-              <a:off x="2659464" y="2183799"/>
-              <a:ext cx="1263121" cy="338554"/>
+              <a:off x="2728914" y="2183799"/>
+              <a:ext cx="1263121" cy="584775"/>
             </a:xfrm>
             <a:prstGeom prst="rect">
               <a:avLst/>
@@ -42678,20 +42644,12 @@
             <a:p>
               <a:pPr algn="ctr"/>
               <a:r>
-                <a:rPr lang="en-US" sz="1600" smtClean="0">
-                  <a:latin typeface="Times New Roman" charset="0"/>
-                  <a:ea typeface="Times New Roman" charset="0"/>
-                  <a:cs typeface="Times New Roman" charset="0"/>
-                </a:rPr>
-                <a:t>App </a:t>
-              </a:r>
-              <a:r>
                 <a:rPr lang="en-US" sz="1600" dirty="0" smtClean="0">
                   <a:latin typeface="Times New Roman" charset="0"/>
                   <a:ea typeface="Times New Roman" charset="0"/>
                   <a:cs typeface="Times New Roman" charset="0"/>
                 </a:rPr>
-                <a:t>samples</a:t>
+                <a:t>Application samples</a:t>
               </a:r>
               <a:endParaRPr lang="en-US" sz="1600" dirty="0">
                 <a:latin typeface="Times New Roman" charset="0"/>
@@ -42710,8 +42668,8 @@
         </p:nvSpPr>
         <p:spPr>
           <a:xfrm>
-            <a:off x="5216660" y="2619847"/>
-            <a:ext cx="1150455" cy="554568"/>
+            <a:off x="6267622" y="2538622"/>
+            <a:ext cx="431936" cy="630374"/>
           </a:xfrm>
           <a:prstGeom prst="rect">
             <a:avLst/>
